--- a/final_presentation/finalPpt.pptx
+++ b/final_presentation/finalPpt.pptx
@@ -10,10 +10,10 @@
     <p:sldMasterId id="2147483697" r:id="rId6"/>
   </p:sldMasterIdLst>
   <p:notesMasterIdLst>
-    <p:notesMasterId r:id="rId25"/>
+    <p:notesMasterId r:id="rId27"/>
   </p:notesMasterIdLst>
   <p:handoutMasterIdLst>
-    <p:handoutMasterId r:id="rId26"/>
+    <p:handoutMasterId r:id="rId28"/>
   </p:handoutMasterIdLst>
   <p:sldIdLst>
     <p:sldId id="396" r:id="rId7"/>
@@ -30,15 +30,17 @@
     <p:sldId id="408" r:id="rId18"/>
     <p:sldId id="407" r:id="rId19"/>
     <p:sldId id="406" r:id="rId20"/>
-    <p:sldId id="409" r:id="rId21"/>
-    <p:sldId id="410" r:id="rId22"/>
-    <p:sldId id="411" r:id="rId23"/>
-    <p:sldId id="412" r:id="rId24"/>
+    <p:sldId id="413" r:id="rId21"/>
+    <p:sldId id="414" r:id="rId22"/>
+    <p:sldId id="409" r:id="rId23"/>
+    <p:sldId id="410" r:id="rId24"/>
+    <p:sldId id="411" r:id="rId25"/>
+    <p:sldId id="412" r:id="rId26"/>
   </p:sldIdLst>
   <p:sldSz cx="9144000" cy="6858000" type="screen4x3"/>
   <p:notesSz cx="9925050" cy="6665913"/>
   <p:custDataLst>
-    <p:tags r:id="rId27"/>
+    <p:tags r:id="rId29"/>
   </p:custDataLst>
   <p:defaultTextStyle>
     <a:defPPr>
@@ -307,7 +309,7 @@
               <a:pPr>
                 <a:defRPr/>
               </a:pPr>
-              <a:t>26/07/2018</a:t>
+              <a:t>12/11/2018</a:t>
             </a:fld>
             <a:endParaRPr lang="en-GB" dirty="0"/>
           </a:p>
@@ -526,7 +528,7 @@
               <a:pPr>
                 <a:defRPr/>
               </a:pPr>
-              <a:t>26/07/2018</a:t>
+              <a:t>12/11/2018</a:t>
             </a:fld>
             <a:endParaRPr lang="en-GB"/>
           </a:p>
@@ -1047,7 +1049,7 @@
               <a:pPr>
                 <a:defRPr/>
               </a:pPr>
-              <a:t>16</a:t>
+              <a:t>18</a:t>
             </a:fld>
             <a:endParaRPr lang="en-GB"/>
           </a:p>
@@ -1749,10 +1751,6 @@
             <a:br>
               <a:rPr lang="de-DE" noProof="0" dirty="0"/>
             </a:br>
-            <a:r>
-              <a:rPr lang="de-DE" noProof="0" dirty="0"/>
-              <a:t/>
-            </a:r>
             <a:br>
               <a:rPr lang="de-DE" noProof="0" dirty="0"/>
             </a:br>
@@ -1965,10 +1963,6 @@
             <a:br>
               <a:rPr lang="de-DE" noProof="0" dirty="0"/>
             </a:br>
-            <a:r>
-              <a:rPr lang="de-DE" noProof="0" dirty="0"/>
-              <a:t/>
-            </a:r>
             <a:br>
               <a:rPr lang="de-DE" noProof="0" dirty="0"/>
             </a:br>
@@ -7604,7 +7598,7 @@
                   <a:schemeClr val="tx2"/>
                 </a:solidFill>
               </a:rPr>
-              <a:t>Midterm presentation</a:t>
+              <a:t>Final thesis presentation</a:t>
             </a:r>
             <a:endParaRPr lang="de-DE" dirty="0">
               <a:solidFill>
@@ -7733,7 +7727,7 @@
           </a:bodyPr>
           <a:lstStyle/>
           <a:p>
-            <a:endParaRPr lang="en-US" sz="1100" b="1" kern="900" spc="100" dirty="0" err="1" smtClean="0">
+            <a:endParaRPr lang="en-US" sz="1100" b="1" kern="900" spc="100" dirty="0" err="1">
               <a:solidFill>
                 <a:srgbClr val="000000"/>
               </a:solidFill>
@@ -7931,7 +7925,7 @@
           </a:bodyPr>
           <a:lstStyle/>
           <a:p>
-            <a:endParaRPr lang="en-US" sz="1100" b="1" kern="900" spc="100" dirty="0" err="1" smtClean="0">
+            <a:endParaRPr lang="en-US" sz="1100" b="1" kern="900" spc="100" dirty="0" err="1">
               <a:solidFill>
                 <a:srgbClr val="000000"/>
               </a:solidFill>
@@ -7953,13 +7947,6 @@
   <p:clrMapOvr>
     <a:masterClrMapping/>
   </p:clrMapOvr>
-  <p:timing>
-    <p:tnLst>
-      <p:par>
-        <p:cTn id="1" dur="indefinite" restart="never" nodeType="tmRoot"/>
-      </p:par>
-    </p:tnLst>
-  </p:timing>
 </p:sld>
 </file>
 
@@ -11470,20 +11457,8 @@
           <a:lstStyle/>
           <a:p>
             <a:r>
-              <a:rPr lang="en-US" sz="1500" dirty="0" smtClean="0"/>
-              <a:t>Only last </a:t>
-            </a:r>
-            <a:r>
               <a:rPr lang="en-US" sz="1500" dirty="0"/>
-              <a:t>column </a:t>
-            </a:r>
-            <a:r>
-              <a:rPr lang="en-US" sz="1500" dirty="0" smtClean="0"/>
-              <a:t>contains </a:t>
-            </a:r>
-            <a:r>
-              <a:rPr lang="en-US" sz="1500" dirty="0"/>
-              <a:t>info bits</a:t>
+              <a:t>Only last column contains info bits</a:t>
             </a:r>
           </a:p>
         </p:txBody>
@@ -12238,7 +12213,7 @@
           </a:bodyPr>
           <a:lstStyle/>
           <a:p>
-            <a:endParaRPr lang="en-US" sz="1100" b="1" kern="900" spc="100" dirty="0" err="1" smtClean="0">
+            <a:endParaRPr lang="en-US" sz="1100" b="1" kern="900" spc="100" dirty="0" err="1">
               <a:solidFill>
                 <a:srgbClr val="000000"/>
               </a:solidFill>
@@ -12486,7 +12461,7 @@
           </a:bodyPr>
           <a:lstStyle/>
           <a:p>
-            <a:endParaRPr lang="en-US" sz="1100" b="1" kern="900" spc="100" dirty="0" err="1" smtClean="0">
+            <a:endParaRPr lang="en-US" sz="1100" b="1" kern="900" spc="100" dirty="0" err="1">
               <a:solidFill>
                 <a:srgbClr val="000000"/>
               </a:solidFill>
@@ -12833,23 +12808,7 @@
                   <a:schemeClr val="bg2"/>
                 </a:solidFill>
               </a:rPr>
-              <a:t>Encoder </a:t>
-            </a:r>
-            <a:r>
-              <a:rPr lang="en-US" dirty="0" smtClean="0">
-                <a:solidFill>
-                  <a:schemeClr val="bg2"/>
-                </a:solidFill>
-              </a:rPr>
-              <a:t>tree </a:t>
-            </a:r>
-            <a:r>
-              <a:rPr lang="en-US" dirty="0">
-                <a:solidFill>
-                  <a:schemeClr val="bg2"/>
-                </a:solidFill>
-              </a:rPr>
-              <a:t>pruning </a:t>
+              <a:t>Encoder tree pruning </a:t>
             </a:r>
           </a:p>
         </p:txBody>
@@ -12880,7 +12839,7 @@
           </a:bodyPr>
           <a:lstStyle/>
           <a:p>
-            <a:endParaRPr lang="en-US" sz="1100" b="1" kern="900" spc="100" dirty="0" err="1" smtClean="0">
+            <a:endParaRPr lang="en-US" sz="1100" b="1" kern="900" spc="100" dirty="0" err="1">
               <a:solidFill>
                 <a:srgbClr val="000000"/>
               </a:solidFill>
@@ -13317,7 +13276,7 @@
           </a:bodyPr>
           <a:lstStyle/>
           <a:p>
-            <a:endParaRPr lang="en-US" sz="1100" b="1" kern="900" spc="100" dirty="0" err="1" smtClean="0">
+            <a:endParaRPr lang="en-US" sz="1100" b="1" kern="900" spc="100" dirty="0" err="1">
               <a:solidFill>
                 <a:srgbClr val="000000"/>
               </a:solidFill>
@@ -13343,6 +13302,239 @@
 </file>
 
 <file path=ppt/slides/slide15.xml><?xml version="1.0" encoding="utf-8"?>
+<p:sld xmlns:a="http://schemas.openxmlformats.org/drawingml/2006/main" xmlns:r="http://schemas.openxmlformats.org/officeDocument/2006/relationships" xmlns:p="http://schemas.openxmlformats.org/presentationml/2006/main">
+  <p:cSld>
+    <p:spTree>
+      <p:nvGrpSpPr>
+        <p:cNvPr id="1" name=""/>
+        <p:cNvGrpSpPr/>
+        <p:nvPr/>
+      </p:nvGrpSpPr>
+      <p:grpSpPr>
+        <a:xfrm>
+          <a:off x="0" y="0"/>
+          <a:ext cx="0" cy="0"/>
+          <a:chOff x="0" y="0"/>
+          <a:chExt cx="0" cy="0"/>
+        </a:xfrm>
+      </p:grpSpPr>
+      <p:sp>
+        <p:nvSpPr>
+          <p:cNvPr id="3" name="Slide Number Placeholder 2">
+            <a:extLst>
+              <a:ext uri="{FF2B5EF4-FFF2-40B4-BE49-F238E27FC236}">
+                <a16:creationId xmlns:a16="http://schemas.microsoft.com/office/drawing/2014/main" id="{B34DFB4D-7E34-4753-9A5C-313CE4DE2571}"/>
+              </a:ext>
+            </a:extLst>
+          </p:cNvPr>
+          <p:cNvSpPr>
+            <a:spLocks noGrp="1"/>
+          </p:cNvSpPr>
+          <p:nvPr>
+            <p:ph type="sldNum" sz="quarter" idx="11"/>
+          </p:nvPr>
+        </p:nvSpPr>
+        <p:spPr/>
+        <p:txBody>
+          <a:bodyPr/>
+          <a:lstStyle/>
+          <a:p>
+            <a:fld id="{CE58CB1E-F828-4F11-99E0-327109AF9DA4}" type="slidenum">
+              <a:rPr lang="de-DE" smtClean="0"/>
+              <a:pPr/>
+              <a:t>15</a:t>
+            </a:fld>
+            <a:endParaRPr lang="de-DE" dirty="0"/>
+          </a:p>
+        </p:txBody>
+      </p:sp>
+      <p:sp>
+        <p:nvSpPr>
+          <p:cNvPr id="4" name="Title 3">
+            <a:extLst>
+              <a:ext uri="{FF2B5EF4-FFF2-40B4-BE49-F238E27FC236}">
+                <a16:creationId xmlns:a16="http://schemas.microsoft.com/office/drawing/2014/main" id="{3991085F-2850-4AE8-895E-B21757C446C2}"/>
+              </a:ext>
+            </a:extLst>
+          </p:cNvPr>
+          <p:cNvSpPr>
+            <a:spLocks noGrp="1"/>
+          </p:cNvSpPr>
+          <p:nvPr>
+            <p:ph type="title"/>
+          </p:nvPr>
+        </p:nvSpPr>
+        <p:spPr>
+          <a:xfrm>
+            <a:off x="318009" y="230654"/>
+            <a:ext cx="8508999" cy="410369"/>
+          </a:xfrm>
+        </p:spPr>
+        <p:txBody>
+          <a:bodyPr/>
+          <a:lstStyle/>
+          <a:p>
+            <a:r>
+              <a:rPr lang="en-IN" dirty="0"/>
+              <a:t>Decoding FEC chain</a:t>
+            </a:r>
+            <a:endParaRPr lang="en-US" dirty="0"/>
+          </a:p>
+        </p:txBody>
+      </p:sp>
+      <p:pic>
+        <p:nvPicPr>
+          <p:cNvPr id="10" name="Content Placeholder 9">
+            <a:extLst>
+              <a:ext uri="{FF2B5EF4-FFF2-40B4-BE49-F238E27FC236}">
+                <a16:creationId xmlns:a16="http://schemas.microsoft.com/office/drawing/2014/main" id="{9A0AAEFF-7344-4BFD-B5CB-9565F1A422FE}"/>
+              </a:ext>
+            </a:extLst>
+          </p:cNvPr>
+          <p:cNvPicPr>
+            <a:picLocks noGrp="1" noChangeAspect="1"/>
+          </p:cNvPicPr>
+          <p:nvPr>
+            <p:ph idx="1"/>
+          </p:nvPr>
+        </p:nvPicPr>
+        <p:blipFill>
+          <a:blip r:embed="rId2"/>
+          <a:stretch>
+            <a:fillRect/>
+          </a:stretch>
+        </p:blipFill>
+        <p:spPr>
+          <a:xfrm>
+            <a:off x="1467939" y="658212"/>
+            <a:ext cx="6208121" cy="5815101"/>
+          </a:xfrm>
+        </p:spPr>
+      </p:pic>
+    </p:spTree>
+    <p:extLst>
+      <p:ext uri="{BB962C8B-B14F-4D97-AF65-F5344CB8AC3E}">
+        <p14:creationId xmlns:p14="http://schemas.microsoft.com/office/powerpoint/2010/main" val="4010809908"/>
+      </p:ext>
+    </p:extLst>
+  </p:cSld>
+  <p:clrMapOvr>
+    <a:masterClrMapping/>
+  </p:clrMapOvr>
+</p:sld>
+</file>
+
+<file path=ppt/slides/slide16.xml><?xml version="1.0" encoding="utf-8"?>
+<p:sld xmlns:a="http://schemas.openxmlformats.org/drawingml/2006/main" xmlns:r="http://schemas.openxmlformats.org/officeDocument/2006/relationships" xmlns:p="http://schemas.openxmlformats.org/presentationml/2006/main">
+  <p:cSld>
+    <p:spTree>
+      <p:nvGrpSpPr>
+        <p:cNvPr id="1" name=""/>
+        <p:cNvGrpSpPr/>
+        <p:nvPr/>
+      </p:nvGrpSpPr>
+      <p:grpSpPr>
+        <a:xfrm>
+          <a:off x="0" y="0"/>
+          <a:ext cx="0" cy="0"/>
+          <a:chOff x="0" y="0"/>
+          <a:chExt cx="0" cy="0"/>
+        </a:xfrm>
+      </p:grpSpPr>
+      <p:sp>
+        <p:nvSpPr>
+          <p:cNvPr id="2" name="Content Placeholder 1">
+            <a:extLst>
+              <a:ext uri="{FF2B5EF4-FFF2-40B4-BE49-F238E27FC236}">
+                <a16:creationId xmlns:a16="http://schemas.microsoft.com/office/drawing/2014/main" id="{D0E174C2-B006-4E63-A6CE-BFB57AD708D5}"/>
+              </a:ext>
+            </a:extLst>
+          </p:cNvPr>
+          <p:cNvSpPr>
+            <a:spLocks noGrp="1"/>
+          </p:cNvSpPr>
+          <p:nvPr>
+            <p:ph idx="1"/>
+          </p:nvPr>
+        </p:nvSpPr>
+        <p:spPr/>
+        <p:txBody>
+          <a:bodyPr/>
+          <a:lstStyle/>
+          <a:p>
+            <a:endParaRPr lang="en-US"/>
+          </a:p>
+        </p:txBody>
+      </p:sp>
+      <p:sp>
+        <p:nvSpPr>
+          <p:cNvPr id="3" name="Slide Number Placeholder 2">
+            <a:extLst>
+              <a:ext uri="{FF2B5EF4-FFF2-40B4-BE49-F238E27FC236}">
+                <a16:creationId xmlns:a16="http://schemas.microsoft.com/office/drawing/2014/main" id="{DAE8CC57-3BB2-4975-994A-A40DBC7AB417}"/>
+              </a:ext>
+            </a:extLst>
+          </p:cNvPr>
+          <p:cNvSpPr>
+            <a:spLocks noGrp="1"/>
+          </p:cNvSpPr>
+          <p:nvPr>
+            <p:ph type="sldNum" sz="quarter" idx="11"/>
+          </p:nvPr>
+        </p:nvSpPr>
+        <p:spPr/>
+        <p:txBody>
+          <a:bodyPr/>
+          <a:lstStyle/>
+          <a:p>
+            <a:fld id="{CE58CB1E-F828-4F11-99E0-327109AF9DA4}" type="slidenum">
+              <a:rPr lang="de-DE" smtClean="0"/>
+              <a:pPr/>
+              <a:t>16</a:t>
+            </a:fld>
+            <a:endParaRPr lang="de-DE" dirty="0"/>
+          </a:p>
+        </p:txBody>
+      </p:sp>
+      <p:sp>
+        <p:nvSpPr>
+          <p:cNvPr id="4" name="Title 3">
+            <a:extLst>
+              <a:ext uri="{FF2B5EF4-FFF2-40B4-BE49-F238E27FC236}">
+                <a16:creationId xmlns:a16="http://schemas.microsoft.com/office/drawing/2014/main" id="{BE21A03B-C8E3-407F-8F3E-0D086E29B433}"/>
+              </a:ext>
+            </a:extLst>
+          </p:cNvPr>
+          <p:cNvSpPr>
+            <a:spLocks noGrp="1"/>
+          </p:cNvSpPr>
+          <p:nvPr>
+            <p:ph type="title"/>
+          </p:nvPr>
+        </p:nvSpPr>
+        <p:spPr/>
+        <p:txBody>
+          <a:bodyPr/>
+          <a:lstStyle/>
+          <a:p>
+            <a:endParaRPr lang="en-US" dirty="0"/>
+          </a:p>
+        </p:txBody>
+      </p:sp>
+    </p:spTree>
+    <p:extLst>
+      <p:ext uri="{BB962C8B-B14F-4D97-AF65-F5344CB8AC3E}">
+        <p14:creationId xmlns:p14="http://schemas.microsoft.com/office/powerpoint/2010/main" val="2156184787"/>
+      </p:ext>
+    </p:extLst>
+  </p:cSld>
+  <p:clrMapOvr>
+    <a:masterClrMapping/>
+  </p:clrMapOvr>
+</p:sld>
+</file>
+
+<file path=ppt/slides/slide17.xml><?xml version="1.0" encoding="utf-8"?>
 <p:sld xmlns:a="http://schemas.openxmlformats.org/drawingml/2006/main" xmlns:r="http://schemas.openxmlformats.org/officeDocument/2006/relationships" xmlns:p="http://schemas.openxmlformats.org/presentationml/2006/main">
   <p:cSld>
     <p:spTree>
@@ -13595,7 +13787,7 @@
             <a:fld id="{CE58CB1E-F828-4F11-99E0-327109AF9DA4}" type="slidenum">
               <a:rPr lang="de-DE" smtClean="0"/>
               <a:pPr/>
-              <a:t>15</a:t>
+              <a:t>17</a:t>
             </a:fld>
             <a:endParaRPr lang="de-DE" dirty="0"/>
           </a:p>
@@ -13708,7 +13900,7 @@
           </a:bodyPr>
           <a:lstStyle/>
           <a:p>
-            <a:endParaRPr lang="en-US" sz="1100" b="1" kern="900" spc="100" dirty="0" err="1" smtClean="0">
+            <a:endParaRPr lang="en-US" sz="1100" b="1" kern="900" spc="100" dirty="0" err="1">
               <a:solidFill>
                 <a:srgbClr val="000000"/>
               </a:solidFill>
@@ -13733,7 +13925,7 @@
 </p:sld>
 </file>
 
-<file path=ppt/slides/slide16.xml><?xml version="1.0" encoding="utf-8"?>
+<file path=ppt/slides/slide18.xml><?xml version="1.0" encoding="utf-8"?>
 <p:sld xmlns:a="http://schemas.openxmlformats.org/drawingml/2006/main" xmlns:r="http://schemas.openxmlformats.org/officeDocument/2006/relationships" xmlns:p="http://schemas.openxmlformats.org/presentationml/2006/main">
   <p:cSld>
     <p:spTree>
@@ -13903,7 +14095,7 @@
             <a:fld id="{CE58CB1E-F828-4F11-99E0-327109AF9DA4}" type="slidenum">
               <a:rPr lang="de-DE" smtClean="0"/>
               <a:pPr/>
-              <a:t>16</a:t>
+              <a:t>18</a:t>
             </a:fld>
             <a:endParaRPr lang="de-DE" dirty="0"/>
           </a:p>
@@ -15117,14 +15309,10 @@
                       </a:r>
                       <a:r>
                         <a:rPr lang="en-US" sz="1600" b="0" dirty="0"/>
-                        <a:t> </a:t>
+                        <a:t> (No</a:t>
                       </a:r>
                       <a:r>
-                        <a:rPr lang="en-US" sz="1600" b="0" dirty="0" smtClean="0"/>
-                        <a:t>(No</a:t>
-                      </a:r>
-                      <a:r>
-                        <a:rPr lang="en-US" sz="1600" b="0" baseline="0" dirty="0" smtClean="0"/>
+                        <a:rPr lang="en-US" sz="1600" b="0" baseline="0" dirty="0"/>
                         <a:t> SIMD)</a:t>
                       </a:r>
                       <a:endParaRPr lang="en-US" sz="1700" b="0" kern="1200" baseline="0" dirty="0">
@@ -15421,7 +15609,7 @@
           </a:bodyPr>
           <a:lstStyle/>
           <a:p>
-            <a:endParaRPr lang="en-US" sz="1100" b="1" kern="900" spc="100" dirty="0" err="1" smtClean="0">
+            <a:endParaRPr lang="en-US" sz="1100" b="1" kern="900" spc="100" dirty="0" err="1">
               <a:solidFill>
                 <a:srgbClr val="000000"/>
               </a:solidFill>
@@ -15446,7 +15634,7 @@
 </p:sld>
 </file>
 
-<file path=ppt/slides/slide17.xml><?xml version="1.0" encoding="utf-8"?>
+<file path=ppt/slides/slide19.xml><?xml version="1.0" encoding="utf-8"?>
 <p:sld xmlns:a="http://schemas.openxmlformats.org/drawingml/2006/main" xmlns:r="http://schemas.openxmlformats.org/officeDocument/2006/relationships" xmlns:p="http://schemas.openxmlformats.org/presentationml/2006/main">
   <p:cSld>
     <p:spTree>
@@ -15501,15 +15689,7 @@
             </a:pPr>
             <a:r>
               <a:rPr lang="en-US" dirty="0"/>
-              <a:t>Decoding FEC chain implementation </a:t>
-            </a:r>
-            <a:r>
-              <a:rPr lang="en-US" dirty="0" smtClean="0"/>
-              <a:t>and optimization with </a:t>
-            </a:r>
-            <a:r>
-              <a:rPr lang="en-US" dirty="0"/>
-              <a:t>SIMD technology</a:t>
+              <a:t>Decoding FEC chain implementation and optimization with SIMD technology</a:t>
             </a:r>
           </a:p>
           <a:p>
@@ -15521,13 +15701,6 @@
               <a:rPr lang="en-US" dirty="0"/>
               <a:t>Decoder algorithm improvement for low latency.</a:t>
             </a:r>
-          </a:p>
-          <a:p>
-            <a:pPr marL="285750" indent="-285750">
-              <a:buFont typeface="Arial" panose="020B0604020202020204" pitchFamily="34" charset="0"/>
-              <a:buChar char="•"/>
-            </a:pPr>
-            <a:endParaRPr lang="en-US" dirty="0" smtClean="0"/>
           </a:p>
           <a:p>
             <a:pPr marL="285750" indent="-285750">
@@ -15541,11 +15714,17 @@
               <a:buFont typeface="Arial" panose="020B0604020202020204" pitchFamily="34" charset="0"/>
               <a:buChar char="•"/>
             </a:pPr>
-            <a:r>
-              <a:rPr lang="en-US" dirty="0" smtClean="0"/>
+            <a:endParaRPr lang="en-US" dirty="0"/>
+          </a:p>
+          <a:p>
+            <a:pPr marL="285750" indent="-285750">
+              <a:buFont typeface="Arial" panose="020B0604020202020204" pitchFamily="34" charset="0"/>
+              <a:buChar char="•"/>
+            </a:pPr>
+            <a:r>
+              <a:rPr lang="en-US" dirty="0"/>
               <a:t>One such idea is</a:t>
             </a:r>
-            <a:endParaRPr lang="en-US" dirty="0"/>
           </a:p>
           <a:p>
             <a:pPr marL="461963" lvl="1" indent="-285750">
@@ -15580,7 +15759,7 @@
             <a:fld id="{CE58CB1E-F828-4F11-99E0-327109AF9DA4}" type="slidenum">
               <a:rPr lang="de-DE" smtClean="0"/>
               <a:pPr/>
-              <a:t>17</a:t>
+              <a:t>19</a:t>
             </a:fld>
             <a:endParaRPr lang="de-DE" dirty="0"/>
           </a:p>
@@ -15638,7 +15817,7 @@
           </a:bodyPr>
           <a:lstStyle/>
           <a:p>
-            <a:endParaRPr lang="en-US" sz="1100" b="1" kern="900" spc="100" dirty="0" err="1" smtClean="0">
+            <a:endParaRPr lang="en-US" sz="1100" b="1" kern="900" spc="100" dirty="0" err="1">
               <a:solidFill>
                 <a:srgbClr val="000000"/>
               </a:solidFill>
@@ -15663,7 +15842,248 @@
 </p:sld>
 </file>
 
-<file path=ppt/slides/slide18.xml><?xml version="1.0" encoding="utf-8"?>
+<file path=ppt/slides/slide2.xml><?xml version="1.0" encoding="utf-8"?>
+<p:sld xmlns:a="http://schemas.openxmlformats.org/drawingml/2006/main" xmlns:r="http://schemas.openxmlformats.org/officeDocument/2006/relationships" xmlns:p="http://schemas.openxmlformats.org/presentationml/2006/main">
+  <p:cSld>
+    <p:spTree>
+      <p:nvGrpSpPr>
+        <p:cNvPr id="1" name=""/>
+        <p:cNvGrpSpPr/>
+        <p:nvPr/>
+      </p:nvGrpSpPr>
+      <p:grpSpPr>
+        <a:xfrm>
+          <a:off x="0" y="0"/>
+          <a:ext cx="0" cy="0"/>
+          <a:chOff x="0" y="0"/>
+          <a:chExt cx="0" cy="0"/>
+        </a:xfrm>
+      </p:grpSpPr>
+      <p:sp>
+        <p:nvSpPr>
+          <p:cNvPr id="2" name="Content Placeholder 1"/>
+          <p:cNvSpPr>
+            <a:spLocks noGrp="1"/>
+          </p:cNvSpPr>
+          <p:nvPr>
+            <p:ph idx="1"/>
+          </p:nvPr>
+        </p:nvSpPr>
+        <p:spPr>
+          <a:xfrm>
+            <a:off x="319090" y="1522791"/>
+            <a:ext cx="8508999" cy="4699572"/>
+          </a:xfrm>
+        </p:spPr>
+        <p:txBody>
+          <a:bodyPr/>
+          <a:lstStyle/>
+          <a:p>
+            <a:pPr marL="285750" indent="-285750">
+              <a:lnSpc>
+                <a:spcPct val="150000"/>
+              </a:lnSpc>
+              <a:buFont typeface="Arial" panose="020B0604020202020204" pitchFamily="34" charset="0"/>
+              <a:buChar char="•"/>
+            </a:pPr>
+            <a:r>
+              <a:rPr lang="en-US" sz="1800" dirty="0"/>
+              <a:t>Introduction and Motivation</a:t>
+            </a:r>
+          </a:p>
+          <a:p>
+            <a:pPr marL="285750" indent="-285750">
+              <a:lnSpc>
+                <a:spcPct val="150000"/>
+              </a:lnSpc>
+              <a:buFont typeface="Arial" panose="020B0604020202020204" pitchFamily="34" charset="0"/>
+              <a:buChar char="•"/>
+            </a:pPr>
+            <a:r>
+              <a:rPr lang="en-US" sz="1800" dirty="0"/>
+              <a:t>Background</a:t>
+            </a:r>
+          </a:p>
+          <a:p>
+            <a:pPr marL="285750" indent="-285750">
+              <a:lnSpc>
+                <a:spcPct val="150000"/>
+              </a:lnSpc>
+              <a:buFont typeface="Arial" panose="020B0604020202020204" pitchFamily="34" charset="0"/>
+              <a:buChar char="•"/>
+            </a:pPr>
+            <a:r>
+              <a:rPr lang="en-IN" sz="1800" dirty="0"/>
+              <a:t>Encoding FEC chain</a:t>
+            </a:r>
+          </a:p>
+          <a:p>
+            <a:pPr marL="285750" indent="-285750">
+              <a:lnSpc>
+                <a:spcPct val="150000"/>
+              </a:lnSpc>
+              <a:buFont typeface="Arial" panose="020B0604020202020204" pitchFamily="34" charset="0"/>
+              <a:buChar char="•"/>
+            </a:pPr>
+            <a:r>
+              <a:rPr lang="en-US" sz="1800" dirty="0"/>
+              <a:t>Decoding FEC chain</a:t>
+            </a:r>
+          </a:p>
+          <a:p>
+            <a:pPr marL="285750" indent="-285750">
+              <a:lnSpc>
+                <a:spcPct val="150000"/>
+              </a:lnSpc>
+              <a:buFont typeface="Arial" panose="020B0604020202020204" pitchFamily="34" charset="0"/>
+              <a:buChar char="•"/>
+            </a:pPr>
+            <a:r>
+              <a:rPr lang="en-US" sz="1800" dirty="0"/>
+              <a:t>Results</a:t>
+            </a:r>
+          </a:p>
+          <a:p>
+            <a:pPr marL="285750" indent="-285750">
+              <a:lnSpc>
+                <a:spcPct val="150000"/>
+              </a:lnSpc>
+              <a:buFont typeface="Arial" panose="020B0604020202020204" pitchFamily="34" charset="0"/>
+              <a:buChar char="•"/>
+            </a:pPr>
+            <a:r>
+              <a:rPr lang="en-US" sz="1800" dirty="0"/>
+              <a:t>Future work</a:t>
+            </a:r>
+            <a:endParaRPr lang="en-US" dirty="0"/>
+          </a:p>
+          <a:p>
+            <a:pPr marL="285750" indent="-285750">
+              <a:lnSpc>
+                <a:spcPct val="200000"/>
+              </a:lnSpc>
+              <a:buFont typeface="Arial" panose="020B0604020202020204" pitchFamily="34" charset="0"/>
+              <a:buChar char="•"/>
+            </a:pPr>
+            <a:endParaRPr lang="en-US" dirty="0"/>
+          </a:p>
+          <a:p>
+            <a:pPr>
+              <a:lnSpc>
+                <a:spcPct val="200000"/>
+              </a:lnSpc>
+            </a:pPr>
+            <a:endParaRPr lang="en-US" dirty="0"/>
+          </a:p>
+        </p:txBody>
+      </p:sp>
+      <p:sp>
+        <p:nvSpPr>
+          <p:cNvPr id="3" name="Slide Number Placeholder 2"/>
+          <p:cNvSpPr>
+            <a:spLocks noGrp="1"/>
+          </p:cNvSpPr>
+          <p:nvPr>
+            <p:ph type="sldNum" sz="quarter" idx="11"/>
+          </p:nvPr>
+        </p:nvSpPr>
+        <p:spPr/>
+        <p:txBody>
+          <a:bodyPr/>
+          <a:lstStyle/>
+          <a:p>
+            <a:fld id="{CE58CB1E-F828-4F11-99E0-327109AF9DA4}" type="slidenum">
+              <a:rPr lang="de-DE" smtClean="0"/>
+              <a:pPr/>
+              <a:t>2</a:t>
+            </a:fld>
+            <a:endParaRPr lang="de-DE" dirty="0"/>
+          </a:p>
+        </p:txBody>
+      </p:sp>
+      <p:sp>
+        <p:nvSpPr>
+          <p:cNvPr id="4" name="Title 3"/>
+          <p:cNvSpPr>
+            <a:spLocks noGrp="1"/>
+          </p:cNvSpPr>
+          <p:nvPr>
+            <p:ph type="title"/>
+          </p:nvPr>
+        </p:nvSpPr>
+        <p:spPr>
+          <a:xfrm>
+            <a:off x="319090" y="861473"/>
+            <a:ext cx="8508999" cy="410369"/>
+          </a:xfrm>
+        </p:spPr>
+        <p:txBody>
+          <a:bodyPr/>
+          <a:lstStyle/>
+          <a:p>
+            <a:r>
+              <a:rPr lang="en-US" dirty="0">
+                <a:solidFill>
+                  <a:schemeClr val="bg2"/>
+                </a:solidFill>
+              </a:rPr>
+              <a:t>Agenda</a:t>
+            </a:r>
+          </a:p>
+        </p:txBody>
+      </p:sp>
+      <p:sp>
+        <p:nvSpPr>
+          <p:cNvPr id="36" name="RS_Classification_Standard"/>
+          <p:cNvSpPr txBox="1"/>
+          <p:nvPr/>
+        </p:nvSpPr>
+        <p:spPr>
+          <a:xfrm>
+            <a:off x="8990047" y="6187613"/>
+            <a:ext cx="153953" cy="251287"/>
+          </a:xfrm>
+          <a:prstGeom prst="rect">
+            <a:avLst/>
+          </a:prstGeom>
+          <a:solidFill>
+            <a:srgbClr val="FFFFFF">
+              <a:alpha val="0"/>
+            </a:srgbClr>
+          </a:solidFill>
+        </p:spPr>
+        <p:txBody>
+          <a:bodyPr vert="horz" wrap="none" lIns="76200" tIns="36830" rIns="76200" bIns="36830" rtlCol="0" anchor="ctr">
+            <a:spAutoFit/>
+          </a:bodyPr>
+          <a:lstStyle/>
+          <a:p>
+            <a:endParaRPr lang="en-US" sz="1100" b="1" kern="900" spc="100" dirty="0" err="1">
+              <a:solidFill>
+                <a:srgbClr val="000000"/>
+              </a:solidFill>
+              <a:latin typeface="+mn-lt"/>
+            </a:endParaRPr>
+          </a:p>
+        </p:txBody>
+      </p:sp>
+    </p:spTree>
+    <p:custDataLst>
+      <p:tags r:id="rId1"/>
+    </p:custDataLst>
+    <p:extLst>
+      <p:ext uri="{BB962C8B-B14F-4D97-AF65-F5344CB8AC3E}">
+        <p14:creationId xmlns:p14="http://schemas.microsoft.com/office/powerpoint/2010/main" val="1508412377"/>
+      </p:ext>
+    </p:extLst>
+  </p:cSld>
+  <p:clrMapOvr>
+    <a:masterClrMapping/>
+  </p:clrMapOvr>
+</p:sld>
+</file>
+
+<file path=ppt/slides/slide20.xml><?xml version="1.0" encoding="utf-8"?>
 <p:sld xmlns:a="http://schemas.openxmlformats.org/drawingml/2006/main" xmlns:r="http://schemas.openxmlformats.org/officeDocument/2006/relationships" xmlns:p="http://schemas.openxmlformats.org/presentationml/2006/main">
   <p:cSld>
     <p:spTree>
@@ -15698,7 +16118,7 @@
             <a:fld id="{CE58CB1E-F828-4F11-99E0-327109AF9DA4}" type="slidenum">
               <a:rPr lang="de-DE" smtClean="0"/>
               <a:pPr/>
-              <a:t>18</a:t>
+              <a:t>20</a:t>
             </a:fld>
             <a:endParaRPr lang="de-DE" dirty="0"/>
           </a:p>
@@ -15720,18 +16140,13 @@
           <a:lstStyle/>
           <a:p>
             <a:r>
-              <a:rPr lang="en-US" dirty="0" smtClean="0">
+              <a:rPr lang="en-US" dirty="0">
                 <a:solidFill>
                   <a:schemeClr val="bg2"/>
                 </a:solidFill>
               </a:rPr>
               <a:t>Thank you</a:t>
             </a:r>
-            <a:endParaRPr lang="en-US" dirty="0">
-              <a:solidFill>
-                <a:schemeClr val="bg2"/>
-              </a:solidFill>
-            </a:endParaRPr>
           </a:p>
         </p:txBody>
       </p:sp>
@@ -15796,7 +16211,7 @@
               <a:rPr lang="de-DE" sz="3600" dirty="0" err="1"/>
               <a:t>Questions</a:t>
             </a:r>
-            <a:endParaRPr lang="en-US" sz="3600" dirty="0" err="1" smtClean="0">
+            <a:endParaRPr lang="en-US" sz="3600" dirty="0" err="1">
               <a:latin typeface="+mn-lt"/>
             </a:endParaRPr>
           </a:p>
@@ -15828,7 +16243,7 @@
           </a:bodyPr>
           <a:lstStyle/>
           <a:p>
-            <a:endParaRPr lang="en-US" sz="1100" b="1" kern="900" spc="100" dirty="0" err="1" smtClean="0">
+            <a:endParaRPr lang="en-US" sz="1100" b="1" kern="900" spc="100" dirty="0" err="1">
               <a:solidFill>
                 <a:srgbClr val="000000"/>
               </a:solidFill>
@@ -15844,260 +16259,6 @@
     <p:extLst>
       <p:ext uri="{BB962C8B-B14F-4D97-AF65-F5344CB8AC3E}">
         <p14:creationId xmlns:p14="http://schemas.microsoft.com/office/powerpoint/2010/main" val="532498723"/>
-      </p:ext>
-    </p:extLst>
-  </p:cSld>
-  <p:clrMapOvr>
-    <a:masterClrMapping/>
-  </p:clrMapOvr>
-</p:sld>
-</file>
-
-<file path=ppt/slides/slide2.xml><?xml version="1.0" encoding="utf-8"?>
-<p:sld xmlns:a="http://schemas.openxmlformats.org/drawingml/2006/main" xmlns:r="http://schemas.openxmlformats.org/officeDocument/2006/relationships" xmlns:p="http://schemas.openxmlformats.org/presentationml/2006/main">
-  <p:cSld>
-    <p:spTree>
-      <p:nvGrpSpPr>
-        <p:cNvPr id="1" name=""/>
-        <p:cNvGrpSpPr/>
-        <p:nvPr/>
-      </p:nvGrpSpPr>
-      <p:grpSpPr>
-        <a:xfrm>
-          <a:off x="0" y="0"/>
-          <a:ext cx="0" cy="0"/>
-          <a:chOff x="0" y="0"/>
-          <a:chExt cx="0" cy="0"/>
-        </a:xfrm>
-      </p:grpSpPr>
-      <p:sp>
-        <p:nvSpPr>
-          <p:cNvPr id="2" name="Content Placeholder 1"/>
-          <p:cNvSpPr>
-            <a:spLocks noGrp="1"/>
-          </p:cNvSpPr>
-          <p:nvPr>
-            <p:ph idx="1"/>
-          </p:nvPr>
-        </p:nvSpPr>
-        <p:spPr>
-          <a:xfrm>
-            <a:off x="319090" y="1522791"/>
-            <a:ext cx="8508999" cy="4699572"/>
-          </a:xfrm>
-        </p:spPr>
-        <p:txBody>
-          <a:bodyPr/>
-          <a:lstStyle/>
-          <a:p>
-            <a:pPr marL="285750" indent="-285750">
-              <a:lnSpc>
-                <a:spcPct val="200000"/>
-              </a:lnSpc>
-              <a:buFont typeface="Arial" panose="020B0604020202020204" pitchFamily="34" charset="0"/>
-              <a:buChar char="•"/>
-            </a:pPr>
-            <a:r>
-              <a:rPr lang="en-US" sz="1800" dirty="0"/>
-              <a:t>Motivation</a:t>
-            </a:r>
-          </a:p>
-          <a:p>
-            <a:pPr marL="285750" indent="-285750">
-              <a:lnSpc>
-                <a:spcPct val="200000"/>
-              </a:lnSpc>
-              <a:buFont typeface="Arial" panose="020B0604020202020204" pitchFamily="34" charset="0"/>
-              <a:buChar char="•"/>
-            </a:pPr>
-            <a:r>
-              <a:rPr lang="en-US" sz="1800" dirty="0"/>
-              <a:t>Polar codes background</a:t>
-            </a:r>
-          </a:p>
-          <a:p>
-            <a:pPr marL="285750" indent="-285750">
-              <a:lnSpc>
-                <a:spcPct val="200000"/>
-              </a:lnSpc>
-              <a:buFont typeface="Arial" panose="020B0604020202020204" pitchFamily="34" charset="0"/>
-              <a:buChar char="•"/>
-            </a:pPr>
-            <a:r>
-              <a:rPr lang="en-US" sz="1800" dirty="0"/>
-              <a:t>SIMD technology</a:t>
-            </a:r>
-          </a:p>
-          <a:p>
-            <a:pPr marL="285750" indent="-285750">
-              <a:lnSpc>
-                <a:spcPct val="200000"/>
-              </a:lnSpc>
-              <a:buFont typeface="Arial" panose="020B0604020202020204" pitchFamily="34" charset="0"/>
-              <a:buChar char="•"/>
-            </a:pPr>
-            <a:r>
-              <a:rPr lang="en-US" sz="1800" dirty="0"/>
-              <a:t>Polar FEC chain</a:t>
-            </a:r>
-          </a:p>
-          <a:p>
-            <a:pPr marL="285750" indent="-285750">
-              <a:lnSpc>
-                <a:spcPct val="200000"/>
-              </a:lnSpc>
-              <a:buFont typeface="Arial" panose="020B0604020202020204" pitchFamily="34" charset="0"/>
-              <a:buChar char="•"/>
-            </a:pPr>
-            <a:r>
-              <a:rPr lang="en-US" sz="1800" dirty="0"/>
-              <a:t>Polar encoding implementation and optimizations</a:t>
-            </a:r>
-          </a:p>
-          <a:p>
-            <a:pPr marL="285750" indent="-285750">
-              <a:lnSpc>
-                <a:spcPct val="200000"/>
-              </a:lnSpc>
-              <a:buFont typeface="Arial" panose="020B0604020202020204" pitchFamily="34" charset="0"/>
-              <a:buChar char="•"/>
-            </a:pPr>
-            <a:r>
-              <a:rPr lang="en-US" sz="1800" dirty="0"/>
-              <a:t>Results</a:t>
-            </a:r>
-          </a:p>
-          <a:p>
-            <a:pPr marL="285750" indent="-285750">
-              <a:lnSpc>
-                <a:spcPct val="200000"/>
-              </a:lnSpc>
-              <a:buFont typeface="Arial" panose="020B0604020202020204" pitchFamily="34" charset="0"/>
-              <a:buChar char="•"/>
-            </a:pPr>
-            <a:r>
-              <a:rPr lang="en-US" sz="1800" dirty="0"/>
-              <a:t>Future work</a:t>
-            </a:r>
-            <a:endParaRPr lang="en-US" dirty="0"/>
-          </a:p>
-          <a:p>
-            <a:pPr marL="285750" indent="-285750">
-              <a:lnSpc>
-                <a:spcPct val="200000"/>
-              </a:lnSpc>
-              <a:buFont typeface="Arial" panose="020B0604020202020204" pitchFamily="34" charset="0"/>
-              <a:buChar char="•"/>
-            </a:pPr>
-            <a:endParaRPr lang="en-US" dirty="0"/>
-          </a:p>
-          <a:p>
-            <a:pPr>
-              <a:lnSpc>
-                <a:spcPct val="200000"/>
-              </a:lnSpc>
-            </a:pPr>
-            <a:endParaRPr lang="en-US" dirty="0"/>
-          </a:p>
-        </p:txBody>
-      </p:sp>
-      <p:sp>
-        <p:nvSpPr>
-          <p:cNvPr id="3" name="Slide Number Placeholder 2"/>
-          <p:cNvSpPr>
-            <a:spLocks noGrp="1"/>
-          </p:cNvSpPr>
-          <p:nvPr>
-            <p:ph type="sldNum" sz="quarter" idx="11"/>
-          </p:nvPr>
-        </p:nvSpPr>
-        <p:spPr/>
-        <p:txBody>
-          <a:bodyPr/>
-          <a:lstStyle/>
-          <a:p>
-            <a:fld id="{CE58CB1E-F828-4F11-99E0-327109AF9DA4}" type="slidenum">
-              <a:rPr lang="de-DE" smtClean="0"/>
-              <a:pPr/>
-              <a:t>2</a:t>
-            </a:fld>
-            <a:endParaRPr lang="de-DE" dirty="0"/>
-          </a:p>
-        </p:txBody>
-      </p:sp>
-      <p:sp>
-        <p:nvSpPr>
-          <p:cNvPr id="4" name="Title 3"/>
-          <p:cNvSpPr>
-            <a:spLocks noGrp="1"/>
-          </p:cNvSpPr>
-          <p:nvPr>
-            <p:ph type="title"/>
-          </p:nvPr>
-        </p:nvSpPr>
-        <p:spPr>
-          <a:xfrm>
-            <a:off x="319090" y="861473"/>
-            <a:ext cx="8508999" cy="410369"/>
-          </a:xfrm>
-        </p:spPr>
-        <p:txBody>
-          <a:bodyPr/>
-          <a:lstStyle/>
-          <a:p>
-            <a:r>
-              <a:rPr lang="en-US" dirty="0">
-                <a:solidFill>
-                  <a:schemeClr val="bg2"/>
-                </a:solidFill>
-              </a:rPr>
-              <a:t>Agenda</a:t>
-            </a:r>
-          </a:p>
-        </p:txBody>
-      </p:sp>
-      <p:sp>
-        <p:nvSpPr>
-          <p:cNvPr id="36" name="RS_Classification_Standard"/>
-          <p:cNvSpPr txBox="1"/>
-          <p:nvPr/>
-        </p:nvSpPr>
-        <p:spPr>
-          <a:xfrm>
-            <a:off x="8990047" y="6187613"/>
-            <a:ext cx="153953" cy="251287"/>
-          </a:xfrm>
-          <a:prstGeom prst="rect">
-            <a:avLst/>
-          </a:prstGeom>
-          <a:solidFill>
-            <a:srgbClr val="FFFFFF">
-              <a:alpha val="0"/>
-            </a:srgbClr>
-          </a:solidFill>
-        </p:spPr>
-        <p:txBody>
-          <a:bodyPr vert="horz" wrap="none" lIns="76200" tIns="36830" rIns="76200" bIns="36830" rtlCol="0" anchor="ctr">
-            <a:spAutoFit/>
-          </a:bodyPr>
-          <a:lstStyle/>
-          <a:p>
-            <a:endParaRPr lang="en-US" sz="1100" b="1" kern="900" spc="100" dirty="0" err="1" smtClean="0">
-              <a:solidFill>
-                <a:srgbClr val="000000"/>
-              </a:solidFill>
-              <a:latin typeface="+mn-lt"/>
-            </a:endParaRPr>
-          </a:p>
-        </p:txBody>
-      </p:sp>
-    </p:spTree>
-    <p:custDataLst>
-      <p:tags r:id="rId1"/>
-    </p:custDataLst>
-    <p:extLst>
-      <p:ext uri="{BB962C8B-B14F-4D97-AF65-F5344CB8AC3E}">
-        <p14:creationId xmlns:p14="http://schemas.microsoft.com/office/powerpoint/2010/main" val="1508412377"/>
       </p:ext>
     </p:extLst>
   </p:cSld>
@@ -16163,7 +16324,7 @@
             </a:pPr>
             <a:r>
               <a:rPr lang="en-US" sz="1800" dirty="0"/>
-              <a:t>Development in FPGA/hardware requires more time and costly.</a:t>
+              <a:t>Development/maintenance in FPGA/ASIC requires more time and expensive.</a:t>
             </a:r>
           </a:p>
           <a:p>
@@ -16183,7 +16344,7 @@
             </a:pPr>
             <a:r>
               <a:rPr lang="en-US" sz="1800" dirty="0"/>
-              <a:t>Software implementations are flexible and easy to maintain compared hardware implementations.</a:t>
+              <a:t>Software implementations are flexibility and ease of maintenance to device manufacturer.</a:t>
             </a:r>
           </a:p>
           <a:p>
@@ -16284,7 +16445,7 @@
           </a:bodyPr>
           <a:lstStyle/>
           <a:p>
-            <a:endParaRPr lang="en-US" sz="1100" b="1" kern="900" spc="100" dirty="0" err="1" smtClean="0">
+            <a:endParaRPr lang="en-US" sz="1100" b="1" kern="900" spc="100" dirty="0" err="1">
               <a:solidFill>
                 <a:srgbClr val="000000"/>
               </a:solidFill>
@@ -16454,15 +16615,7 @@
                   <a:srgbClr val="000000"/>
                 </a:solidFill>
               </a:rPr>
-              <a:t>Encoding a involves polarizing channels to either completely noiseless or fully noisy channels</a:t>
-            </a:r>
-            <a:r>
-              <a:rPr lang="en-IN" sz="1800" dirty="0" smtClean="0">
-                <a:solidFill>
-                  <a:srgbClr val="000000"/>
-                </a:solidFill>
-              </a:rPr>
-              <a:t>.</a:t>
+              <a:t>Encoding a involves polarizing channels to either completely noiseless or fully noisy channels.</a:t>
             </a:r>
           </a:p>
           <a:p>
@@ -16486,15 +16639,7 @@
                   <a:srgbClr val="000000"/>
                 </a:solidFill>
               </a:rPr>
-              <a:t>As N becomes large, fraction of reliable bit indices approach the capacity of the </a:t>
-            </a:r>
-            <a:r>
-              <a:rPr lang="en-IN" sz="1800" dirty="0" smtClean="0">
-                <a:solidFill>
-                  <a:srgbClr val="000000"/>
-                </a:solidFill>
-              </a:rPr>
-              <a:t>channel.</a:t>
+              <a:t>As N becomes large, fraction of reliable bit indices approach the capacity of the channel.</a:t>
             </a:r>
           </a:p>
           <a:p>
@@ -16510,7 +16655,7 @@
               </a:spcAft>
               <a:buSzPct val="105000"/>
             </a:pPr>
-            <a:endParaRPr lang="en-IN" sz="1800" dirty="0" smtClean="0">
+            <a:endParaRPr lang="en-IN" sz="1800" dirty="0">
               <a:solidFill>
                 <a:srgbClr val="000000"/>
               </a:solidFill>
@@ -16644,8 +16789,8 @@
           </a:prstGeom>
         </p:spPr>
       </p:pic>
-      <mc:AlternateContent xmlns:mc="http://schemas.openxmlformats.org/markup-compatibility/2006">
-        <mc:Choice xmlns:a14="http://schemas.microsoft.com/office/drawing/2010/main" Requires="a14">
+      <mc:AlternateContent xmlns:mc="http://schemas.openxmlformats.org/markup-compatibility/2006" xmlns:a14="http://schemas.microsoft.com/office/drawing/2010/main">
+        <mc:Choice Requires="a14">
           <p:sp>
             <p:nvSpPr>
               <p:cNvPr id="26" name="TextBox 25">
@@ -16699,7 +16844,7 @@
             </p:txBody>
           </p:sp>
         </mc:Choice>
-        <mc:Fallback>
+        <mc:Fallback xmlns="">
           <p:sp>
             <p:nvSpPr>
               <p:cNvPr id="26" name="TextBox 25">
@@ -16831,7 +16976,7 @@
           </a:bodyPr>
           <a:lstStyle/>
           <a:p>
-            <a:endParaRPr lang="en-US" sz="1100" b="1" kern="900" spc="100" dirty="0" err="1" smtClean="0">
+            <a:endParaRPr lang="en-US" sz="1100" b="1" kern="900" spc="100" dirty="0" err="1">
               <a:solidFill>
                 <a:srgbClr val="000000"/>
               </a:solidFill>
@@ -17223,7 +17368,7 @@
           </a:bodyPr>
           <a:lstStyle/>
           <a:p>
-            <a:endParaRPr lang="en-US" sz="1100" b="1" kern="900" spc="100" dirty="0" err="1" smtClean="0">
+            <a:endParaRPr lang="en-US" sz="1100" b="1" kern="900" spc="100" dirty="0" err="1">
               <a:solidFill>
                 <a:srgbClr val="000000"/>
               </a:solidFill>
@@ -17245,13 +17390,6 @@
   <p:clrMapOvr>
     <a:masterClrMapping/>
   </p:clrMapOvr>
-  <p:timing>
-    <p:tnLst>
-      <p:par>
-        <p:cTn id="1" dur="indefinite" restart="never" nodeType="tmRoot"/>
-      </p:par>
-    </p:tnLst>
-  </p:timing>
 </p:sld>
 </file>
 
@@ -17307,20 +17445,12 @@
               <a:buChar char="•"/>
             </a:pPr>
             <a:r>
-              <a:rPr lang="en-IN" sz="1800" dirty="0" smtClean="0">
-                <a:solidFill>
-                  <a:srgbClr val="000000"/>
-                </a:solidFill>
-              </a:rPr>
-              <a:t>Reliability </a:t>
-            </a:r>
-            <a:r>
               <a:rPr lang="en-IN" sz="1800" dirty="0">
                 <a:solidFill>
                   <a:srgbClr val="000000"/>
                 </a:solidFill>
               </a:rPr>
-              <a:t>indices selection is done based on the channel condition(SNR)</a:t>
+              <a:t>Reliability indices selection is done based on the channel condition(SNR)</a:t>
             </a:r>
           </a:p>
           <a:p>
@@ -17344,39 +17474,7 @@
                   <a:srgbClr val="000000"/>
                 </a:solidFill>
               </a:rPr>
-              <a:t>Many construction methods are proposed such as density </a:t>
-            </a:r>
-            <a:r>
-              <a:rPr lang="en-IN" sz="1800" dirty="0" smtClean="0">
-                <a:solidFill>
-                  <a:srgbClr val="000000"/>
-                </a:solidFill>
-              </a:rPr>
-              <a:t>evolution (DE), </a:t>
-            </a:r>
-            <a:r>
-              <a:rPr lang="en-IN" sz="1800" dirty="0">
-                <a:solidFill>
-                  <a:srgbClr val="000000"/>
-                </a:solidFill>
-              </a:rPr>
-              <a:t>Gaussian Approximation </a:t>
-            </a:r>
-            <a:r>
-              <a:rPr lang="en-IN" sz="1800" dirty="0" smtClean="0">
-                <a:solidFill>
-                  <a:srgbClr val="000000"/>
-                </a:solidFill>
-              </a:rPr>
-              <a:t>DE etc</a:t>
-            </a:r>
-            <a:r>
-              <a:rPr lang="en-IN" sz="1800" dirty="0">
-                <a:solidFill>
-                  <a:srgbClr val="000000"/>
-                </a:solidFill>
-              </a:rPr>
-              <a:t>.</a:t>
+              <a:t>Many construction methods are proposed such as density evolution (DE), Gaussian Approximation DE etc.</a:t>
             </a:r>
           </a:p>
           <a:p>
@@ -17419,20 +17517,12 @@
               <a:buChar char="•"/>
             </a:pPr>
             <a:r>
-              <a:rPr lang="en-IN" sz="1800" dirty="0" smtClean="0">
-                <a:solidFill>
-                  <a:srgbClr val="000000"/>
-                </a:solidFill>
-              </a:rPr>
-              <a:t>5G </a:t>
-            </a:r>
-            <a:r>
               <a:rPr lang="en-IN" sz="1800" dirty="0">
                 <a:solidFill>
                   <a:srgbClr val="000000"/>
                 </a:solidFill>
               </a:rPr>
-              <a:t>standard (Huawei contribution) proposes a heuristic low complexity polar code construction independent of channel condition.</a:t>
+              <a:t>5G standard (Huawei contribution) proposes a heuristic low complexity polar code construction independent of channel condition.</a:t>
             </a:r>
           </a:p>
           <a:p>
@@ -17520,23 +17610,7 @@
                   <a:schemeClr val="bg2"/>
                 </a:solidFill>
               </a:rPr>
-              <a:t>Polar </a:t>
-            </a:r>
-            <a:r>
-              <a:rPr lang="en-US" dirty="0" smtClean="0">
-                <a:solidFill>
-                  <a:schemeClr val="bg2"/>
-                </a:solidFill>
-              </a:rPr>
-              <a:t>codes for control channels </a:t>
-            </a:r>
-            <a:r>
-              <a:rPr lang="en-US" dirty="0">
-                <a:solidFill>
-                  <a:schemeClr val="bg2"/>
-                </a:solidFill>
-              </a:rPr>
-              <a:t>in 5G</a:t>
+              <a:t>Polar codes for control channels in 5G</a:t>
             </a:r>
           </a:p>
         </p:txBody>
@@ -17655,7 +17729,7 @@
           </a:bodyPr>
           <a:lstStyle/>
           <a:p>
-            <a:endParaRPr lang="en-US" sz="1100" b="1" kern="900" spc="100" dirty="0" err="1" smtClean="0">
+            <a:endParaRPr lang="en-US" sz="1100" b="1" kern="900" spc="100" dirty="0" err="1">
               <a:solidFill>
                 <a:srgbClr val="000000"/>
               </a:solidFill>
@@ -17677,13 +17751,6 @@
   <p:clrMapOvr>
     <a:masterClrMapping/>
   </p:clrMapOvr>
-  <p:timing>
-    <p:tnLst>
-      <p:par>
-        <p:cTn id="1" dur="indefinite" restart="never" nodeType="tmRoot"/>
-      </p:par>
-    </p:tnLst>
-  </p:timing>
 </p:sld>
 </file>
 
@@ -17730,13 +17797,8 @@
             </a:pPr>
             <a:r>
               <a:rPr lang="en-US" dirty="0"/>
-              <a:t>Single instruction multiple data (SIMD) allows single instruction to operate on multiple data </a:t>
-            </a:r>
-            <a:r>
-              <a:rPr lang="en-US" dirty="0" smtClean="0"/>
-              <a:t>items (Vectors).</a:t>
-            </a:r>
-            <a:endParaRPr lang="en-US" dirty="0"/>
+              <a:t>Single instruction multiple data (SIMD) allows single instruction to operate on multiple data items (Vectors).</a:t>
+            </a:r>
           </a:p>
           <a:p>
             <a:pPr marL="285750" indent="-285750">
@@ -17864,7 +17926,7 @@
           </a:bodyPr>
           <a:lstStyle/>
           <a:p>
-            <a:endParaRPr lang="en-US" sz="1100" b="1" kern="900" spc="100" dirty="0" err="1" smtClean="0">
+            <a:endParaRPr lang="en-US" sz="1100" b="1" kern="900" spc="100" dirty="0" err="1">
               <a:solidFill>
                 <a:srgbClr val="000000"/>
               </a:solidFill>
@@ -17886,13 +17948,6 @@
   <p:clrMapOvr>
     <a:masterClrMapping/>
   </p:clrMapOvr>
-  <p:timing>
-    <p:tnLst>
-      <p:par>
-        <p:cTn id="1" dur="indefinite" restart="never" nodeType="tmRoot"/>
-      </p:par>
-    </p:tnLst>
-  </p:timing>
 </p:sld>
 </file>
 
@@ -18398,7 +18453,7 @@
           </a:bodyPr>
           <a:lstStyle/>
           <a:p>
-            <a:endParaRPr lang="en-US" sz="1100" b="1" kern="900" spc="100" dirty="0" err="1" smtClean="0">
+            <a:endParaRPr lang="en-US" sz="1100" b="1" kern="900" spc="100" dirty="0" err="1">
               <a:solidFill>
                 <a:srgbClr val="000000"/>
               </a:solidFill>
@@ -18415,13 +18470,6 @@
   <p:clrMapOvr>
     <a:masterClrMapping/>
   </p:clrMapOvr>
-  <p:timing>
-    <p:tnLst>
-      <p:par>
-        <p:cTn id="1" dur="indefinite" restart="never" nodeType="tmRoot"/>
-      </p:par>
-    </p:tnLst>
-  </p:timing>
 </p:sld>
 </file>
 
@@ -18473,13 +18521,8 @@
                 </a:pPr>
                 <a:r>
                   <a:rPr lang="en-US" dirty="0"/>
-                  <a:t>Reliable bit indices selection is dependent on the rate </a:t>
+                  <a:t>Reliable bit indices selection is dependent on the rate matching.</a:t>
                 </a:r>
-                <a:r>
-                  <a:rPr lang="en-US" dirty="0" smtClean="0"/>
-                  <a:t>matching.</a:t>
-                </a:r>
-                <a:endParaRPr lang="en-US" dirty="0"/>
               </a:p>
               <a:p>
                 <a:pPr marL="285750" indent="-285750">
@@ -18488,11 +18531,7 @@
                 </a:pPr>
                 <a:r>
                   <a:rPr lang="en-US" dirty="0"/>
-                  <a:t>Reliable bit indices need to be selected by </a:t>
-                </a:r>
-                <a:r>
-                  <a:rPr lang="en-US" dirty="0" smtClean="0"/>
-                  <a:t>considering effect of rate matching on reliability values.</a:t>
+                  <a:t>Reliable bit indices need to be selected by considering effect of rate matching on reliability values.</a:t>
                 </a:r>
               </a:p>
               <a:p>
@@ -18501,12 +18540,8 @@
                   <a:buChar char="•"/>
                 </a:pPr>
                 <a:r>
-                  <a:rPr lang="en-US" dirty="0" smtClean="0"/>
-                  <a:t>Due </a:t>
-                </a:r>
-                <a:r>
                   <a:rPr lang="en-US" dirty="0"/>
-                  <a:t>this dependency reliability indices selection process involves </a:t>
+                  <a:t>Due this dependency reliability indices selection process involves </a:t>
                 </a:r>
                 <a14:m>
                   <m:oMath xmlns:m="http://schemas.openxmlformats.org/officeDocument/2006/math">
@@ -18562,7 +18597,7 @@
                 </a:pPr>
                 <a:r>
                   <a:rPr lang="en-US" dirty="0"/>
-                  <a:t>Optimized the implementation with an algorithm which avoids search and remove operation. Latency reduced to 3 </a:t>
+                  <a:t>Optimized the implementation with an algorithm which avoids search and remove operation. Latency reduced to 15 </a:t>
                 </a:r>
                 <a:r>
                   <a:rPr lang="el-GR" dirty="0"/>
@@ -18725,7 +18760,7 @@
           </a:bodyPr>
           <a:lstStyle/>
           <a:p>
-            <a:endParaRPr lang="en-US" sz="1100" b="1" kern="900" spc="100" dirty="0" err="1" smtClean="0">
+            <a:endParaRPr lang="en-US" sz="1100" b="1" kern="900" spc="100" dirty="0" err="1">
               <a:solidFill>
                 <a:srgbClr val="000000"/>
               </a:solidFill>
@@ -18747,13 +18782,6 @@
   <p:clrMapOvr>
     <a:masterClrMapping/>
   </p:clrMapOvr>
-  <p:timing>
-    <p:tnLst>
-      <p:par>
-        <p:cTn id="1" dur="indefinite" restart="never" nodeType="tmRoot"/>
-      </p:par>
-    </p:tnLst>
-  </p:timing>
 </p:sld>
 </file>
 

--- a/final_presentation/finalPpt.pptx
+++ b/final_presentation/finalPpt.pptx
@@ -10,10 +10,10 @@
     <p:sldMasterId id="2147483697" r:id="rId6"/>
   </p:sldMasterIdLst>
   <p:notesMasterIdLst>
-    <p:notesMasterId r:id="rId27"/>
+    <p:notesMasterId r:id="rId43"/>
   </p:notesMasterIdLst>
   <p:handoutMasterIdLst>
-    <p:handoutMasterId r:id="rId28"/>
+    <p:handoutMasterId r:id="rId44"/>
   </p:handoutMasterIdLst>
   <p:sldIdLst>
     <p:sldId id="396" r:id="rId7"/>
@@ -22,25 +22,41 @@
     <p:sldId id="369" r:id="rId10"/>
     <p:sldId id="399" r:id="rId11"/>
     <p:sldId id="401" r:id="rId12"/>
-    <p:sldId id="400" r:id="rId13"/>
-    <p:sldId id="370" r:id="rId14"/>
-    <p:sldId id="404" r:id="rId15"/>
-    <p:sldId id="402" r:id="rId16"/>
-    <p:sldId id="405" r:id="rId17"/>
-    <p:sldId id="408" r:id="rId18"/>
-    <p:sldId id="407" r:id="rId19"/>
-    <p:sldId id="406" r:id="rId20"/>
-    <p:sldId id="413" r:id="rId21"/>
-    <p:sldId id="414" r:id="rId22"/>
-    <p:sldId id="409" r:id="rId23"/>
-    <p:sldId id="410" r:id="rId24"/>
-    <p:sldId id="411" r:id="rId25"/>
-    <p:sldId id="412" r:id="rId26"/>
+    <p:sldId id="415" r:id="rId13"/>
+    <p:sldId id="417" r:id="rId14"/>
+    <p:sldId id="416" r:id="rId15"/>
+    <p:sldId id="418" r:id="rId16"/>
+    <p:sldId id="400" r:id="rId17"/>
+    <p:sldId id="370" r:id="rId18"/>
+    <p:sldId id="404" r:id="rId19"/>
+    <p:sldId id="402" r:id="rId20"/>
+    <p:sldId id="405" r:id="rId21"/>
+    <p:sldId id="408" r:id="rId22"/>
+    <p:sldId id="407" r:id="rId23"/>
+    <p:sldId id="406" r:id="rId24"/>
+    <p:sldId id="410" r:id="rId25"/>
+    <p:sldId id="413" r:id="rId26"/>
+    <p:sldId id="414" r:id="rId27"/>
+    <p:sldId id="419" r:id="rId28"/>
+    <p:sldId id="420" r:id="rId29"/>
+    <p:sldId id="421" r:id="rId30"/>
+    <p:sldId id="422" r:id="rId31"/>
+    <p:sldId id="423" r:id="rId32"/>
+    <p:sldId id="424" r:id="rId33"/>
+    <p:sldId id="429" r:id="rId34"/>
+    <p:sldId id="425" r:id="rId35"/>
+    <p:sldId id="427" r:id="rId36"/>
+    <p:sldId id="428" r:id="rId37"/>
+    <p:sldId id="409" r:id="rId38"/>
+    <p:sldId id="426" r:id="rId39"/>
+    <p:sldId id="411" r:id="rId40"/>
+    <p:sldId id="430" r:id="rId41"/>
+    <p:sldId id="412" r:id="rId42"/>
   </p:sldIdLst>
   <p:sldSz cx="9144000" cy="6858000" type="screen4x3"/>
   <p:notesSz cx="9925050" cy="6665913"/>
   <p:custDataLst>
-    <p:tags r:id="rId29"/>
+    <p:tags r:id="rId45"/>
   </p:custDataLst>
   <p:defaultTextStyle>
     <a:defPPr>
@@ -309,7 +325,7 @@
               <a:pPr>
                 <a:defRPr/>
               </a:pPr>
-              <a:t>12/11/2018</a:t>
+              <a:t>13/11/2018</a:t>
             </a:fld>
             <a:endParaRPr lang="en-GB" dirty="0"/>
           </a:p>
@@ -528,7 +544,7 @@
               <a:pPr>
                 <a:defRPr/>
               </a:pPr>
-              <a:t>12/11/2018</a:t>
+              <a:t>13/11/2018</a:t>
             </a:fld>
             <a:endParaRPr lang="en-GB"/>
           </a:p>
@@ -1008,20 +1024,6 @@
           <a:bodyPr/>
           <a:lstStyle/>
           <a:p>
-            <a:r>
-              <a:rPr lang="en-US" dirty="0"/>
-              <a:t>Functional implementation done</a:t>
-            </a:r>
-            <a:r>
-              <a:rPr lang="en-US" baseline="0" dirty="0"/>
-              <a:t> by colleague at R&amp;S.</a:t>
-            </a:r>
-          </a:p>
-          <a:p>
-            <a:r>
-              <a:rPr lang="en-US" baseline="0" dirty="0"/>
-              <a:t>For FPGA implementation, value is scaled according to N value.</a:t>
-            </a:r>
             <a:endParaRPr lang="en-US" dirty="0"/>
           </a:p>
         </p:txBody>
@@ -1049,7 +1051,111 @@
               <a:pPr>
                 <a:defRPr/>
               </a:pPr>
-              <a:t>18</a:t>
+              <a:t>5</a:t>
+            </a:fld>
+            <a:endParaRPr lang="en-GB"/>
+          </a:p>
+        </p:txBody>
+      </p:sp>
+    </p:spTree>
+    <p:extLst>
+      <p:ext uri="{BB962C8B-B14F-4D97-AF65-F5344CB8AC3E}">
+        <p14:creationId xmlns:p14="http://schemas.microsoft.com/office/powerpoint/2010/main" val="3895418963"/>
+      </p:ext>
+    </p:extLst>
+  </p:cSld>
+  <p:clrMapOvr>
+    <a:masterClrMapping/>
+  </p:clrMapOvr>
+</p:notes>
+</file>
+
+<file path=ppt/notesSlides/notesSlide3.xml><?xml version="1.0" encoding="utf-8"?>
+<p:notes xmlns:a="http://schemas.openxmlformats.org/drawingml/2006/main" xmlns:r="http://schemas.openxmlformats.org/officeDocument/2006/relationships" xmlns:p="http://schemas.openxmlformats.org/presentationml/2006/main">
+  <p:cSld>
+    <p:spTree>
+      <p:nvGrpSpPr>
+        <p:cNvPr id="1" name=""/>
+        <p:cNvGrpSpPr/>
+        <p:nvPr/>
+      </p:nvGrpSpPr>
+      <p:grpSpPr>
+        <a:xfrm>
+          <a:off x="0" y="0"/>
+          <a:ext cx="0" cy="0"/>
+          <a:chOff x="0" y="0"/>
+          <a:chExt cx="0" cy="0"/>
+        </a:xfrm>
+      </p:grpSpPr>
+      <p:sp>
+        <p:nvSpPr>
+          <p:cNvPr id="2" name="Slide Image Placeholder 1"/>
+          <p:cNvSpPr>
+            <a:spLocks noGrp="1" noRot="1" noChangeAspect="1"/>
+          </p:cNvSpPr>
+          <p:nvPr>
+            <p:ph type="sldImg"/>
+          </p:nvPr>
+        </p:nvSpPr>
+        <p:spPr/>
+      </p:sp>
+      <p:sp>
+        <p:nvSpPr>
+          <p:cNvPr id="3" name="Notes Placeholder 2"/>
+          <p:cNvSpPr>
+            <a:spLocks noGrp="1"/>
+          </p:cNvSpPr>
+          <p:nvPr>
+            <p:ph type="body" idx="1"/>
+          </p:nvPr>
+        </p:nvSpPr>
+        <p:spPr/>
+        <p:txBody>
+          <a:bodyPr/>
+          <a:lstStyle/>
+          <a:p>
+            <a:r>
+              <a:rPr lang="en-US" dirty="0"/>
+              <a:t>Functional implementation done</a:t>
+            </a:r>
+            <a:r>
+              <a:rPr lang="en-US" baseline="0" dirty="0"/>
+              <a:t> by colleague at R&amp;S.</a:t>
+            </a:r>
+          </a:p>
+          <a:p>
+            <a:r>
+              <a:rPr lang="en-US" baseline="0" dirty="0"/>
+              <a:t>For FPGA implementation, value is scaled according to N value.</a:t>
+            </a:r>
+            <a:endParaRPr lang="en-US" dirty="0"/>
+          </a:p>
+        </p:txBody>
+      </p:sp>
+      <p:sp>
+        <p:nvSpPr>
+          <p:cNvPr id="4" name="Slide Number Placeholder 3"/>
+          <p:cNvSpPr>
+            <a:spLocks noGrp="1"/>
+          </p:cNvSpPr>
+          <p:nvPr>
+            <p:ph type="sldNum" sz="quarter" idx="10"/>
+          </p:nvPr>
+        </p:nvSpPr>
+        <p:spPr/>
+        <p:txBody>
+          <a:bodyPr/>
+          <a:lstStyle/>
+          <a:p>
+            <a:pPr>
+              <a:defRPr/>
+            </a:pPr>
+            <a:fld id="{00AFC6D0-44D5-4EB7-828F-6F464F83D79A}" type="slidenum">
+              <a:rPr lang="en-GB" smtClean="0"/>
+              <a:pPr>
+                <a:defRPr/>
+              </a:pPr>
+              <a:t>19</a:t>
             </a:fld>
             <a:endParaRPr lang="en-GB"/>
           </a:p>
@@ -1059,6 +1165,110 @@
     <p:extLst>
       <p:ext uri="{BB962C8B-B14F-4D97-AF65-F5344CB8AC3E}">
         <p14:creationId xmlns:p14="http://schemas.microsoft.com/office/powerpoint/2010/main" val="2235643074"/>
+      </p:ext>
+    </p:extLst>
+  </p:cSld>
+  <p:clrMapOvr>
+    <a:masterClrMapping/>
+  </p:clrMapOvr>
+</p:notes>
+</file>
+
+<file path=ppt/notesSlides/notesSlide4.xml><?xml version="1.0" encoding="utf-8"?>
+<p:notes xmlns:a="http://schemas.openxmlformats.org/drawingml/2006/main" xmlns:r="http://schemas.openxmlformats.org/officeDocument/2006/relationships" xmlns:p="http://schemas.openxmlformats.org/presentationml/2006/main">
+  <p:cSld>
+    <p:spTree>
+      <p:nvGrpSpPr>
+        <p:cNvPr id="1" name=""/>
+        <p:cNvGrpSpPr/>
+        <p:nvPr/>
+      </p:nvGrpSpPr>
+      <p:grpSpPr>
+        <a:xfrm>
+          <a:off x="0" y="0"/>
+          <a:ext cx="0" cy="0"/>
+          <a:chOff x="0" y="0"/>
+          <a:chExt cx="0" cy="0"/>
+        </a:xfrm>
+      </p:grpSpPr>
+      <p:sp>
+        <p:nvSpPr>
+          <p:cNvPr id="2" name="Slide Image Placeholder 1"/>
+          <p:cNvSpPr>
+            <a:spLocks noGrp="1" noRot="1" noChangeAspect="1"/>
+          </p:cNvSpPr>
+          <p:nvPr>
+            <p:ph type="sldImg"/>
+          </p:nvPr>
+        </p:nvSpPr>
+        <p:spPr/>
+      </p:sp>
+      <p:sp>
+        <p:nvSpPr>
+          <p:cNvPr id="3" name="Notes Placeholder 2"/>
+          <p:cNvSpPr>
+            <a:spLocks noGrp="1"/>
+          </p:cNvSpPr>
+          <p:nvPr>
+            <p:ph type="body" idx="1"/>
+          </p:nvPr>
+        </p:nvSpPr>
+        <p:spPr/>
+        <p:txBody>
+          <a:bodyPr/>
+          <a:lstStyle/>
+          <a:p>
+            <a:r>
+              <a:rPr lang="en-US" dirty="0"/>
+              <a:t>Functional implementation done</a:t>
+            </a:r>
+            <a:r>
+              <a:rPr lang="en-US" baseline="0" dirty="0"/>
+              <a:t> by colleague at R&amp;S.</a:t>
+            </a:r>
+          </a:p>
+          <a:p>
+            <a:r>
+              <a:rPr lang="en-US" baseline="0" dirty="0"/>
+              <a:t>For FPGA implementation, value is scaled according to N value.</a:t>
+            </a:r>
+            <a:endParaRPr lang="en-US" dirty="0"/>
+          </a:p>
+        </p:txBody>
+      </p:sp>
+      <p:sp>
+        <p:nvSpPr>
+          <p:cNvPr id="4" name="Slide Number Placeholder 3"/>
+          <p:cNvSpPr>
+            <a:spLocks noGrp="1"/>
+          </p:cNvSpPr>
+          <p:nvPr>
+            <p:ph type="sldNum" sz="quarter" idx="10"/>
+          </p:nvPr>
+        </p:nvSpPr>
+        <p:spPr/>
+        <p:txBody>
+          <a:bodyPr/>
+          <a:lstStyle/>
+          <a:p>
+            <a:pPr>
+              <a:defRPr/>
+            </a:pPr>
+            <a:fld id="{00AFC6D0-44D5-4EB7-828F-6F464F83D79A}" type="slidenum">
+              <a:rPr lang="en-GB" smtClean="0"/>
+              <a:pPr>
+                <a:defRPr/>
+              </a:pPr>
+              <a:t>33</a:t>
+            </a:fld>
+            <a:endParaRPr lang="en-GB"/>
+          </a:p>
+        </p:txBody>
+      </p:sp>
+    </p:spTree>
+    <p:extLst>
+      <p:ext uri="{BB962C8B-B14F-4D97-AF65-F5344CB8AC3E}">
+        <p14:creationId xmlns:p14="http://schemas.microsoft.com/office/powerpoint/2010/main" val="3358614594"/>
       </p:ext>
     </p:extLst>
   </p:cSld>
@@ -1751,6 +1961,10 @@
             <a:br>
               <a:rPr lang="de-DE" noProof="0" dirty="0"/>
             </a:br>
+            <a:r>
+              <a:rPr lang="de-DE" noProof="0" dirty="0"/>
+              <a:t/>
+            </a:r>
             <a:br>
               <a:rPr lang="de-DE" noProof="0" dirty="0"/>
             </a:br>
@@ -1963,6 +2177,10 @@
             <a:br>
               <a:rPr lang="de-DE" noProof="0" dirty="0"/>
             </a:br>
+            <a:r>
+              <a:rPr lang="de-DE" noProof="0" dirty="0"/>
+              <a:t/>
+            </a:r>
             <a:br>
               <a:rPr lang="de-DE" noProof="0" dirty="0"/>
             </a:br>
@@ -7570,7 +7788,7 @@
         <p:spPr>
           <a:xfrm>
             <a:off x="317935" y="1199339"/>
-            <a:ext cx="8508999" cy="1198533"/>
+            <a:ext cx="8508999" cy="820738"/>
           </a:xfrm>
         </p:spPr>
         <p:txBody>
@@ -7583,7 +7801,23 @@
                   <a:schemeClr val="tx2"/>
                 </a:solidFill>
               </a:rPr>
-              <a:t>Polar FEC chain development in software for NR(5G)</a:t>
+              <a:t>Polar FEC chain development in software for </a:t>
+            </a:r>
+            <a:r>
+              <a:rPr lang="en-US" dirty="0" smtClean="0">
+                <a:solidFill>
+                  <a:schemeClr val="tx2"/>
+                </a:solidFill>
+              </a:rPr>
+              <a:t>5G</a:t>
+            </a:r>
+            <a:r>
+              <a:rPr lang="en-US" dirty="0">
+                <a:solidFill>
+                  <a:schemeClr val="tx2"/>
+                </a:solidFill>
+              </a:rPr>
+              <a:t/>
             </a:r>
             <a:br>
               <a:rPr lang="en-US" dirty="0">
@@ -7630,8 +7864,21 @@
           <a:p>
             <a:r>
               <a:rPr lang="de-DE" dirty="0"/>
-              <a:t>Yadhunandana Rajathadripura Kumaraiah</a:t>
-            </a:r>
+              <a:t>Yadhunandana Rajathadripura </a:t>
+            </a:r>
+            <a:r>
+              <a:rPr lang="de-DE" dirty="0" smtClean="0"/>
+              <a:t>Kumaraiah (</a:t>
+            </a:r>
+            <a:r>
+              <a:rPr lang="de-DE" dirty="0"/>
+              <a:t>Y</a:t>
+            </a:r>
+            <a:r>
+              <a:rPr lang="de-DE" dirty="0" smtClean="0"/>
+              <a:t>adhu)</a:t>
+            </a:r>
+            <a:endParaRPr lang="de-DE" dirty="0"/>
           </a:p>
           <a:p>
             <a:r>
@@ -7654,13 +7901,34 @@
           <a:p>
             <a:r>
               <a:rPr lang="en-US" dirty="0"/>
-              <a:t>Fabian Steiner and Peihong Yuan (TUM)</a:t>
-            </a:r>
-          </a:p>
-          <a:p>
+              <a:t>Fabian </a:t>
+            </a:r>
+            <a:r>
+              <a:rPr lang="en-US" dirty="0" smtClean="0"/>
+              <a:t>Steiner, Peihong </a:t>
+            </a:r>
             <a:r>
               <a:rPr lang="en-US" dirty="0"/>
-              <a:t>Dr. Moritz Harteneck and Alexander Heinz </a:t>
+              <a:t>Yuan (</a:t>
+            </a:r>
+            <a:r>
+              <a:rPr lang="en-US" dirty="0" smtClean="0"/>
+              <a:t>TUM)</a:t>
+            </a:r>
+            <a:endParaRPr lang="en-US" dirty="0"/>
+          </a:p>
+          <a:p>
+            <a:r>
+              <a:rPr lang="en-US" dirty="0"/>
+              <a:t>Dr. Moritz </a:t>
+            </a:r>
+            <a:r>
+              <a:rPr lang="en-US" dirty="0" smtClean="0"/>
+              <a:t>Harteneck, Alexander </a:t>
+            </a:r>
+            <a:r>
+              <a:rPr lang="en-US" dirty="0"/>
+              <a:t>Heinz </a:t>
             </a:r>
           </a:p>
           <a:p>
@@ -7703,7 +7971,7 @@
       </p:sp>
       <p:sp>
         <p:nvSpPr>
-          <p:cNvPr id="37" name="RS_Classification_Standard"/>
+          <p:cNvPr id="155" name="RS_Classification_Standard"/>
           <p:cNvSpPr txBox="1"/>
           <p:nvPr/>
         </p:nvSpPr>
@@ -7727,7 +7995,7 @@
           </a:bodyPr>
           <a:lstStyle/>
           <a:p>
-            <a:endParaRPr lang="en-US" sz="1100" b="1" kern="900" spc="100" dirty="0" err="1">
+            <a:endParaRPr lang="en-US" sz="1100" b="1" kern="900" spc="100" dirty="0" err="1" smtClean="0">
               <a:solidFill>
                 <a:srgbClr val="000000"/>
               </a:solidFill>
@@ -7769,86 +8037,35 @@
           <a:chExt cx="0" cy="0"/>
         </a:xfrm>
       </p:grpSpPr>
-      <p:sp>
-        <p:nvSpPr>
-          <p:cNvPr id="2" name="Content Placeholder 1"/>
-          <p:cNvSpPr>
-            <a:spLocks noGrp="1"/>
-          </p:cNvSpPr>
+      <p:pic>
+        <p:nvPicPr>
+          <p:cNvPr id="33" name="Content Placeholder 32"/>
+          <p:cNvPicPr>
+            <a:picLocks noGrp="1" noChangeAspect="1"/>
+          </p:cNvPicPr>
           <p:nvPr>
             <p:ph idx="1"/>
           </p:nvPr>
-        </p:nvSpPr>
-        <p:spPr/>
-        <p:txBody>
-          <a:bodyPr/>
-          <a:lstStyle/>
-          <a:p>
-            <a:pPr marL="285750" indent="-285750">
-              <a:buFont typeface="Arial" panose="020B0604020202020204" pitchFamily="34" charset="0"/>
-              <a:buChar char="•"/>
-            </a:pPr>
-            <a:r>
-              <a:rPr lang="en-US" dirty="0"/>
-              <a:t>Plain implementation in software considers each bit as one integer.</a:t>
-            </a:r>
-          </a:p>
-          <a:p>
-            <a:pPr marL="285750" indent="-285750">
-              <a:buFont typeface="Arial" panose="020B0604020202020204" pitchFamily="34" charset="0"/>
-              <a:buChar char="•"/>
-            </a:pPr>
-            <a:r>
-              <a:rPr lang="en-US" dirty="0"/>
-              <a:t>No parallel processing, each bit processed separately.</a:t>
-            </a:r>
-          </a:p>
-          <a:p>
-            <a:pPr marL="285750" indent="-285750">
-              <a:buFont typeface="Arial" panose="020B0604020202020204" pitchFamily="34" charset="0"/>
-              <a:buChar char="•"/>
-            </a:pPr>
-            <a:r>
-              <a:rPr lang="en-US" dirty="0"/>
-              <a:t>Information bits can be processed in parallel by packing multiple information bits to single integer.</a:t>
-            </a:r>
-          </a:p>
-          <a:p>
-            <a:pPr marL="285750" indent="-285750">
-              <a:buFont typeface="Arial" panose="020B0604020202020204" pitchFamily="34" charset="0"/>
-              <a:buChar char="•"/>
-            </a:pPr>
-            <a:r>
-              <a:rPr lang="en-US" dirty="0"/>
-              <a:t>For example: 8 bit integer = 8 info bits, 16 bits integer = 16 bit, 32 bit integer = 32 info bits, 64 bits integer = 64 info bits.</a:t>
-            </a:r>
-          </a:p>
-          <a:p>
-            <a:pPr marL="285750" indent="-285750">
-              <a:buFont typeface="Arial" panose="020B0604020202020204" pitchFamily="34" charset="0"/>
-              <a:buChar char="•"/>
-            </a:pPr>
-            <a:endParaRPr lang="en-US" dirty="0"/>
-          </a:p>
-          <a:p>
-            <a:pPr marL="285750" indent="-285750">
-              <a:buFont typeface="Arial" panose="020B0604020202020204" pitchFamily="34" charset="0"/>
-              <a:buChar char="•"/>
-            </a:pPr>
-            <a:r>
-              <a:rPr lang="en-US" dirty="0"/>
-              <a:t>SIMD processors have register size of 256 bits therefore 256 bits can be processed in a single instruction.</a:t>
-            </a:r>
-          </a:p>
-          <a:p>
-            <a:pPr marL="285750" indent="-285750">
-              <a:buFont typeface="Arial" panose="020B0604020202020204" pitchFamily="34" charset="0"/>
-              <a:buChar char="•"/>
-            </a:pPr>
-            <a:endParaRPr lang="en-US" dirty="0"/>
-          </a:p>
-        </p:txBody>
-      </p:sp>
+        </p:nvPicPr>
+        <p:blipFill>
+          <a:blip r:embed="rId3">
+            <a:extLst>
+              <a:ext uri="{28A0092B-C50C-407E-A947-70E740481C1C}">
+                <a14:useLocalDpi xmlns:a14="http://schemas.microsoft.com/office/drawing/2010/main" val="0"/>
+              </a:ext>
+            </a:extLst>
+          </a:blip>
+          <a:stretch>
+            <a:fillRect/>
+          </a:stretch>
+        </p:blipFill>
+        <p:spPr>
+          <a:xfrm>
+            <a:off x="319088" y="1735665"/>
+            <a:ext cx="8509000" cy="4283607"/>
+          </a:xfrm>
+        </p:spPr>
+      </p:pic>
       <p:sp>
         <p:nvSpPr>
           <p:cNvPr id="3" name="Slide Number Placeholder 2"/>
@@ -7883,25 +8100,27 @@
             <p:ph type="title"/>
           </p:nvPr>
         </p:nvSpPr>
-        <p:spPr/>
+        <p:spPr>
+          <a:xfrm>
+            <a:off x="319090" y="870766"/>
+            <a:ext cx="8508999" cy="410369"/>
+          </a:xfrm>
+        </p:spPr>
         <p:txBody>
           <a:bodyPr/>
           <a:lstStyle/>
           <a:p>
             <a:r>
-              <a:rPr lang="en-US" dirty="0">
-                <a:solidFill>
-                  <a:schemeClr val="bg2"/>
-                </a:solidFill>
-              </a:rPr>
-              <a:t>Optimization of Polar Encoding</a:t>
-            </a:r>
+              <a:rPr lang="en-US" dirty="0" smtClean="0"/>
+              <a:t>Processor architecture: Instruction pipelining</a:t>
+            </a:r>
+            <a:endParaRPr lang="en-US" dirty="0"/>
           </a:p>
         </p:txBody>
       </p:sp>
       <p:sp>
         <p:nvSpPr>
-          <p:cNvPr id="36" name="RS_Classification_Standard"/>
+          <p:cNvPr id="128" name="RS_Classification_Standard"/>
           <p:cNvSpPr txBox="1"/>
           <p:nvPr/>
         </p:nvSpPr>
@@ -7925,7 +8144,1214 @@
           </a:bodyPr>
           <a:lstStyle/>
           <a:p>
-            <a:endParaRPr lang="en-US" sz="1100" b="1" kern="900" spc="100" dirty="0" err="1">
+            <a:endParaRPr lang="en-US" sz="1100" b="1" kern="900" spc="100" dirty="0" err="1" smtClean="0">
+              <a:solidFill>
+                <a:srgbClr val="000000"/>
+              </a:solidFill>
+              <a:latin typeface="+mn-lt"/>
+            </a:endParaRPr>
+          </a:p>
+        </p:txBody>
+      </p:sp>
+    </p:spTree>
+    <p:custDataLst>
+      <p:tags r:id="rId1"/>
+    </p:custDataLst>
+    <p:extLst>
+      <p:ext uri="{BB962C8B-B14F-4D97-AF65-F5344CB8AC3E}">
+        <p14:creationId xmlns:p14="http://schemas.microsoft.com/office/powerpoint/2010/main" val="681163101"/>
+      </p:ext>
+    </p:extLst>
+  </p:cSld>
+  <p:clrMapOvr>
+    <a:masterClrMapping/>
+  </p:clrMapOvr>
+</p:sld>
+</file>
+
+<file path=ppt/slides/slide11.xml><?xml version="1.0" encoding="utf-8"?>
+<p:sld xmlns:a="http://schemas.openxmlformats.org/drawingml/2006/main" xmlns:r="http://schemas.openxmlformats.org/officeDocument/2006/relationships" xmlns:p="http://schemas.openxmlformats.org/presentationml/2006/main">
+  <p:cSld>
+    <p:spTree>
+      <p:nvGrpSpPr>
+        <p:cNvPr id="1" name=""/>
+        <p:cNvGrpSpPr/>
+        <p:nvPr/>
+      </p:nvGrpSpPr>
+      <p:grpSpPr>
+        <a:xfrm>
+          <a:off x="0" y="0"/>
+          <a:ext cx="0" cy="0"/>
+          <a:chOff x="0" y="0"/>
+          <a:chExt cx="0" cy="0"/>
+        </a:xfrm>
+      </p:grpSpPr>
+      <p:sp>
+        <p:nvSpPr>
+          <p:cNvPr id="2" name="Content Placeholder 1"/>
+          <p:cNvSpPr>
+            <a:spLocks noGrp="1"/>
+          </p:cNvSpPr>
+          <p:nvPr>
+            <p:ph idx="1"/>
+          </p:nvPr>
+        </p:nvSpPr>
+        <p:spPr>
+          <a:xfrm>
+            <a:off x="318009" y="1515081"/>
+            <a:ext cx="8508999" cy="4699572"/>
+          </a:xfrm>
+        </p:spPr>
+        <p:txBody>
+          <a:bodyPr/>
+          <a:lstStyle/>
+          <a:p>
+            <a:pPr marL="285750" indent="-285750">
+              <a:buFont typeface="Arial" panose="020B0604020202020204" pitchFamily="34" charset="0"/>
+              <a:buChar char="•"/>
+            </a:pPr>
+            <a:r>
+              <a:rPr lang="en-US" dirty="0"/>
+              <a:t>Single instruction multiple data (SIMD) allows single instruction to operate on multiple data items (Vectors).</a:t>
+            </a:r>
+          </a:p>
+          <a:p>
+            <a:pPr marL="285750" indent="-285750">
+              <a:buFont typeface="Arial" panose="020B0604020202020204" pitchFamily="34" charset="0"/>
+              <a:buChar char="•"/>
+            </a:pPr>
+            <a:r>
+              <a:rPr lang="en-US" dirty="0"/>
+              <a:t>Modern processors incorporate these vector processing units.</a:t>
+            </a:r>
+          </a:p>
+          <a:p>
+            <a:pPr marL="285750" indent="-285750">
+              <a:buFont typeface="Arial" panose="020B0604020202020204" pitchFamily="34" charset="0"/>
+              <a:buChar char="•"/>
+            </a:pPr>
+            <a:r>
+              <a:rPr lang="en-US" dirty="0"/>
+              <a:t>Allows faster data processing, popular among video and image processing community.</a:t>
+            </a:r>
+          </a:p>
+          <a:p>
+            <a:pPr marL="285750" indent="-285750">
+              <a:buFont typeface="Arial" panose="020B0604020202020204" pitchFamily="34" charset="0"/>
+              <a:buChar char="•"/>
+            </a:pPr>
+            <a:r>
+              <a:rPr lang="en-US" dirty="0"/>
+              <a:t>Faster encoding/decoding in communication systems can be implemented in software in general purpose processors using SIMD instructions without specialized hardware.</a:t>
+            </a:r>
+          </a:p>
+          <a:p>
+            <a:pPr marL="285750" indent="-285750">
+              <a:buFont typeface="Arial" panose="020B0604020202020204" pitchFamily="34" charset="0"/>
+              <a:buChar char="•"/>
+            </a:pPr>
+            <a:r>
+              <a:rPr lang="en-US" dirty="0"/>
+              <a:t>SIMD feature allows encoding/decoding with low latency, due to processing of vectors rather than element by element processing.</a:t>
+            </a:r>
+          </a:p>
+          <a:p>
+            <a:endParaRPr lang="en-US" dirty="0"/>
+          </a:p>
+        </p:txBody>
+      </p:sp>
+      <p:sp>
+        <p:nvSpPr>
+          <p:cNvPr id="3" name="Slide Number Placeholder 2"/>
+          <p:cNvSpPr>
+            <a:spLocks noGrp="1"/>
+          </p:cNvSpPr>
+          <p:nvPr>
+            <p:ph type="sldNum" sz="quarter" idx="11"/>
+          </p:nvPr>
+        </p:nvSpPr>
+        <p:spPr/>
+        <p:txBody>
+          <a:bodyPr/>
+          <a:lstStyle/>
+          <a:p>
+            <a:fld id="{CE58CB1E-F828-4F11-99E0-327109AF9DA4}" type="slidenum">
+              <a:rPr lang="de-DE" smtClean="0"/>
+              <a:pPr/>
+              <a:t>11</a:t>
+            </a:fld>
+            <a:endParaRPr lang="de-DE" dirty="0"/>
+          </a:p>
+        </p:txBody>
+      </p:sp>
+      <p:sp>
+        <p:nvSpPr>
+          <p:cNvPr id="4" name="Title 3"/>
+          <p:cNvSpPr>
+            <a:spLocks noGrp="1"/>
+          </p:cNvSpPr>
+          <p:nvPr>
+            <p:ph type="title"/>
+          </p:nvPr>
+        </p:nvSpPr>
+        <p:spPr>
+          <a:xfrm>
+            <a:off x="319090" y="846053"/>
+            <a:ext cx="8508999" cy="410369"/>
+          </a:xfrm>
+        </p:spPr>
+        <p:txBody>
+          <a:bodyPr/>
+          <a:lstStyle/>
+          <a:p>
+            <a:r>
+              <a:rPr lang="en-US" dirty="0" smtClean="0">
+                <a:solidFill>
+                  <a:schemeClr val="bg2"/>
+                </a:solidFill>
+              </a:rPr>
+              <a:t>Vector processing units</a:t>
+            </a:r>
+            <a:endParaRPr lang="en-US" dirty="0">
+              <a:solidFill>
+                <a:schemeClr val="bg2"/>
+              </a:solidFill>
+            </a:endParaRPr>
+          </a:p>
+        </p:txBody>
+      </p:sp>
+      <p:sp>
+        <p:nvSpPr>
+          <p:cNvPr id="154" name="RS_Classification_Standard"/>
+          <p:cNvSpPr txBox="1"/>
+          <p:nvPr/>
+        </p:nvSpPr>
+        <p:spPr>
+          <a:xfrm>
+            <a:off x="8990047" y="6187613"/>
+            <a:ext cx="153953" cy="251287"/>
+          </a:xfrm>
+          <a:prstGeom prst="rect">
+            <a:avLst/>
+          </a:prstGeom>
+          <a:solidFill>
+            <a:srgbClr val="FFFFFF">
+              <a:alpha val="0"/>
+            </a:srgbClr>
+          </a:solidFill>
+        </p:spPr>
+        <p:txBody>
+          <a:bodyPr vert="horz" wrap="none" lIns="76200" tIns="36830" rIns="76200" bIns="36830" rtlCol="0" anchor="ctr">
+            <a:spAutoFit/>
+          </a:bodyPr>
+          <a:lstStyle/>
+          <a:p>
+            <a:endParaRPr lang="en-US" sz="1100" b="1" kern="900" spc="100" dirty="0" err="1" smtClean="0">
+              <a:solidFill>
+                <a:srgbClr val="000000"/>
+              </a:solidFill>
+              <a:latin typeface="+mn-lt"/>
+            </a:endParaRPr>
+          </a:p>
+        </p:txBody>
+      </p:sp>
+    </p:spTree>
+    <p:custDataLst>
+      <p:tags r:id="rId1"/>
+    </p:custDataLst>
+    <p:extLst>
+      <p:ext uri="{BB962C8B-B14F-4D97-AF65-F5344CB8AC3E}">
+        <p14:creationId xmlns:p14="http://schemas.microsoft.com/office/powerpoint/2010/main" val="1552472261"/>
+      </p:ext>
+    </p:extLst>
+  </p:cSld>
+  <p:clrMapOvr>
+    <a:masterClrMapping/>
+  </p:clrMapOvr>
+</p:sld>
+</file>
+
+<file path=ppt/slides/slide12.xml><?xml version="1.0" encoding="utf-8"?>
+<p:sld xmlns:a="http://schemas.openxmlformats.org/drawingml/2006/main" xmlns:r="http://schemas.openxmlformats.org/officeDocument/2006/relationships" xmlns:p="http://schemas.openxmlformats.org/presentationml/2006/main">
+  <p:cSld>
+    <p:spTree>
+      <p:nvGrpSpPr>
+        <p:cNvPr id="1" name=""/>
+        <p:cNvGrpSpPr/>
+        <p:nvPr/>
+      </p:nvGrpSpPr>
+      <p:grpSpPr>
+        <a:xfrm>
+          <a:off x="0" y="0"/>
+          <a:ext cx="0" cy="0"/>
+          <a:chOff x="0" y="0"/>
+          <a:chExt cx="0" cy="0"/>
+        </a:xfrm>
+      </p:grpSpPr>
+      <p:sp>
+        <p:nvSpPr>
+          <p:cNvPr id="2" name="Inhaltsplatzhalter 1"/>
+          <p:cNvSpPr>
+            <a:spLocks noGrp="1"/>
+          </p:cNvSpPr>
+          <p:nvPr>
+            <p:ph idx="1"/>
+          </p:nvPr>
+        </p:nvSpPr>
+        <p:spPr>
+          <a:xfrm>
+            <a:off x="318009" y="1478011"/>
+            <a:ext cx="8508999" cy="4699572"/>
+          </a:xfrm>
+        </p:spPr>
+        <p:txBody>
+          <a:bodyPr/>
+          <a:lstStyle/>
+          <a:p>
+            <a:pPr marL="285750" indent="-285750">
+              <a:buFont typeface="Arial" panose="020B0604020202020204" pitchFamily="34" charset="0"/>
+              <a:buChar char="•"/>
+            </a:pPr>
+            <a:r>
+              <a:rPr dirty="0" smtClean="0"/>
+              <a:t>FEC </a:t>
+            </a:r>
+            <a:r>
+              <a:rPr dirty="0" err="1"/>
+              <a:t>chain</a:t>
+            </a:r>
+            <a:r>
+              <a:rPr dirty="0"/>
+              <a:t> </a:t>
+            </a:r>
+            <a:r>
+              <a:rPr dirty="0" err="1"/>
+              <a:t>of</a:t>
+            </a:r>
+            <a:r>
+              <a:rPr dirty="0"/>
+              <a:t> </a:t>
+            </a:r>
+            <a:r>
+              <a:rPr dirty="0" err="1"/>
+              <a:t>Physical</a:t>
+            </a:r>
+            <a:r>
+              <a:rPr dirty="0"/>
+              <a:t> Broadcast Channel (PBCH) </a:t>
+            </a:r>
+            <a:r>
+              <a:rPr dirty="0" err="1"/>
+              <a:t>and</a:t>
+            </a:r>
+            <a:r>
+              <a:rPr dirty="0"/>
+              <a:t> </a:t>
+            </a:r>
+            <a:r>
+              <a:rPr dirty="0" err="1"/>
+              <a:t>Physical</a:t>
+            </a:r>
+            <a:r>
+              <a:rPr dirty="0"/>
+              <a:t> </a:t>
+            </a:r>
+            <a:r>
+              <a:rPr dirty="0" err="1"/>
+              <a:t>Downlink</a:t>
+            </a:r>
+            <a:r>
+              <a:rPr dirty="0"/>
+              <a:t> Control Channel (PDCCH).</a:t>
+            </a:r>
+          </a:p>
+        </p:txBody>
+      </p:sp>
+      <p:sp>
+        <p:nvSpPr>
+          <p:cNvPr id="3" name="Titel 2"/>
+          <p:cNvSpPr>
+            <a:spLocks noGrp="1"/>
+          </p:cNvSpPr>
+          <p:nvPr>
+            <p:ph type="title"/>
+          </p:nvPr>
+        </p:nvSpPr>
+        <p:spPr>
+          <a:xfrm>
+            <a:off x="319090" y="771912"/>
+            <a:ext cx="8508999" cy="410369"/>
+          </a:xfrm>
+          <a:prstGeom prst="rect">
+            <a:avLst/>
+          </a:prstGeom>
+        </p:spPr>
+        <p:txBody>
+          <a:bodyPr/>
+          <a:lstStyle/>
+          <a:p>
+            <a:r>
+              <a:rPr sz="3000" dirty="0" smtClean="0">
+                <a:solidFill>
+                  <a:schemeClr val="bg2"/>
+                </a:solidFill>
+              </a:rPr>
+              <a:t>Encoding FEC </a:t>
+            </a:r>
+            <a:r>
+              <a:rPr sz="3000" dirty="0" err="1">
+                <a:solidFill>
+                  <a:schemeClr val="bg2"/>
+                </a:solidFill>
+              </a:rPr>
+              <a:t>chain</a:t>
+            </a:r>
+            <a:r>
+              <a:rPr sz="3000" dirty="0">
+                <a:solidFill>
+                  <a:schemeClr val="bg2"/>
+                </a:solidFill>
+              </a:rPr>
+              <a:t> in 5G</a:t>
+            </a:r>
+            <a:endParaRPr lang="de-DE" sz="3000" dirty="0">
+              <a:solidFill>
+                <a:schemeClr val="bg2"/>
+              </a:solidFill>
+            </a:endParaRPr>
+          </a:p>
+        </p:txBody>
+      </p:sp>
+      <p:sp>
+        <p:nvSpPr>
+          <p:cNvPr id="9" name="Slide Number Placeholder 8"/>
+          <p:cNvSpPr>
+            <a:spLocks noGrp="1"/>
+          </p:cNvSpPr>
+          <p:nvPr>
+            <p:ph type="sldNum" sz="quarter" idx="11"/>
+          </p:nvPr>
+        </p:nvSpPr>
+        <p:spPr/>
+        <p:txBody>
+          <a:bodyPr/>
+          <a:lstStyle/>
+          <a:p>
+            <a:fld id="{CE58CB1E-F828-4F11-99E0-327109AF9DA4}" type="slidenum">
+              <a:rPr lang="de-DE" smtClean="0"/>
+              <a:pPr/>
+              <a:t>12</a:t>
+            </a:fld>
+            <a:endParaRPr lang="de-DE" dirty="0"/>
+          </a:p>
+        </p:txBody>
+      </p:sp>
+      <p:pic>
+        <p:nvPicPr>
+          <p:cNvPr id="43" name="Picture 42">
+            <a:extLst>
+              <a:ext uri="{FF2B5EF4-FFF2-40B4-BE49-F238E27FC236}">
+                <a16:creationId xmlns:a16="http://schemas.microsoft.com/office/drawing/2014/main" id="{6D831758-BD1B-4861-99B5-7FE704AC983C}"/>
+              </a:ext>
+            </a:extLst>
+          </p:cNvPr>
+          <p:cNvPicPr>
+            <a:picLocks noChangeAspect="1"/>
+          </p:cNvPicPr>
+          <p:nvPr/>
+        </p:nvPicPr>
+        <p:blipFill>
+          <a:blip r:embed="rId3">
+            <a:extLst>
+              <a:ext uri="{28A0092B-C50C-407E-A947-70E740481C1C}">
+                <a14:useLocalDpi xmlns:a14="http://schemas.microsoft.com/office/drawing/2010/main" val="0"/>
+              </a:ext>
+            </a:extLst>
+          </a:blip>
+          <a:stretch>
+            <a:fillRect/>
+          </a:stretch>
+        </p:blipFill>
+        <p:spPr>
+          <a:xfrm>
+            <a:off x="1159531" y="2159857"/>
+            <a:ext cx="5963441" cy="3886715"/>
+          </a:xfrm>
+          <a:prstGeom prst="rect">
+            <a:avLst/>
+          </a:prstGeom>
+        </p:spPr>
+      </p:pic>
+      <mc:AlternateContent xmlns:mc="http://schemas.openxmlformats.org/markup-compatibility/2006" xmlns:a14="http://schemas.microsoft.com/office/drawing/2010/main">
+        <mc:Choice Requires="a14">
+          <p:sp>
+            <p:nvSpPr>
+              <p:cNvPr id="12" name="TextBox 11"/>
+              <p:cNvSpPr txBox="1"/>
+              <p:nvPr/>
+            </p:nvSpPr>
+            <p:spPr>
+              <a:xfrm>
+                <a:off x="6507892" y="2990335"/>
+                <a:ext cx="2319116" cy="3649332"/>
+              </a:xfrm>
+              <a:prstGeom prst="rect">
+                <a:avLst/>
+              </a:prstGeom>
+              <a:noFill/>
+            </p:spPr>
+            <p:txBody>
+              <a:bodyPr wrap="square" lIns="0" tIns="0" rIns="0" bIns="0" rtlCol="0">
+                <a:spAutoFit/>
+              </a:bodyPr>
+              <a:lstStyle/>
+              <a:p>
+                <a:pPr>
+                  <a:lnSpc>
+                    <a:spcPct val="114000"/>
+                  </a:lnSpc>
+                </a:pPr>
+                <a:r>
+                  <a:rPr lang="en-US" sz="1600" dirty="0">
+                    <a:latin typeface="+mn-lt"/>
+                  </a:rPr>
+                  <a:t>Code rates (at encoder)</a:t>
+                </a:r>
+              </a:p>
+              <a:p>
+                <a:pPr>
+                  <a:lnSpc>
+                    <a:spcPct val="114000"/>
+                  </a:lnSpc>
+                </a:pPr>
+                <a:r>
+                  <a:rPr lang="en-US" sz="1600" dirty="0">
+                    <a:latin typeface="+mn-lt"/>
+                  </a:rPr>
+                  <a:t>PBCH: </a:t>
+                </a:r>
+                <a:endParaRPr lang="en-US" sz="1600" i="1" dirty="0">
+                  <a:latin typeface="Cambria Math" panose="02040503050406030204" pitchFamily="18" charset="0"/>
+                </a:endParaRPr>
+              </a:p>
+              <a:p>
+                <a:pPr>
+                  <a:lnSpc>
+                    <a:spcPct val="114000"/>
+                  </a:lnSpc>
+                </a:pPr>
+                <a:endParaRPr lang="en-US" sz="1600" i="1" dirty="0">
+                  <a:latin typeface="Cambria Math" panose="02040503050406030204" pitchFamily="18" charset="0"/>
+                </a:endParaRPr>
+              </a:p>
+              <a:p>
+                <a:pPr>
+                  <a:lnSpc>
+                    <a:spcPct val="114000"/>
+                  </a:lnSpc>
+                </a:pPr>
+                <a14:m>
+                  <m:oMathPara xmlns:m="http://schemas.openxmlformats.org/officeDocument/2006/math">
+                    <m:oMathParaPr>
+                      <m:jc m:val="centerGroup"/>
+                    </m:oMathParaPr>
+                    <m:oMath xmlns:m="http://schemas.openxmlformats.org/officeDocument/2006/math">
+                      <m:r>
+                        <a:rPr lang="en-US" sz="1600" i="1" dirty="0" smtClean="0">
+                          <a:latin typeface="Cambria Math" panose="02040503050406030204" pitchFamily="18" charset="0"/>
+                        </a:rPr>
+                        <m:t>𝑅</m:t>
+                      </m:r>
+                      <m:r>
+                        <a:rPr lang="en-US" sz="1600" i="1" dirty="0" smtClean="0">
+                          <a:latin typeface="Cambria Math" panose="02040503050406030204" pitchFamily="18" charset="0"/>
+                        </a:rPr>
+                        <m:t> = 56/512</m:t>
+                      </m:r>
+                    </m:oMath>
+                  </m:oMathPara>
+                </a14:m>
+                <a:endParaRPr lang="en-US" sz="1600" dirty="0">
+                  <a:latin typeface="+mn-lt"/>
+                </a:endParaRPr>
+              </a:p>
+              <a:p>
+                <a:pPr>
+                  <a:lnSpc>
+                    <a:spcPct val="114000"/>
+                  </a:lnSpc>
+                </a:pPr>
+                <a:endParaRPr lang="en-US" sz="1600" dirty="0">
+                  <a:latin typeface="+mn-lt"/>
+                </a:endParaRPr>
+              </a:p>
+              <a:p>
+                <a:pPr>
+                  <a:lnSpc>
+                    <a:spcPct val="114000"/>
+                  </a:lnSpc>
+                </a:pPr>
+                <a:r>
+                  <a:rPr lang="en-US" sz="1600" dirty="0">
+                    <a:latin typeface="+mn-lt"/>
+                  </a:rPr>
+                  <a:t>PDCCH: Code rate varies based DCI format. In one case.</a:t>
+                </a:r>
+              </a:p>
+              <a:p>
+                <a:pPr>
+                  <a:lnSpc>
+                    <a:spcPct val="114000"/>
+                  </a:lnSpc>
+                </a:pPr>
+                <a:endParaRPr lang="en-US" sz="1600" i="1" dirty="0">
+                  <a:latin typeface="Cambria Math" panose="02040503050406030204" pitchFamily="18" charset="0"/>
+                </a:endParaRPr>
+              </a:p>
+              <a:p>
+                <a:pPr>
+                  <a:lnSpc>
+                    <a:spcPct val="114000"/>
+                  </a:lnSpc>
+                </a:pPr>
+                <a14:m>
+                  <m:oMathPara xmlns:m="http://schemas.openxmlformats.org/officeDocument/2006/math">
+                    <m:oMathParaPr>
+                      <m:jc m:val="centerGroup"/>
+                    </m:oMathParaPr>
+                    <m:oMath xmlns:m="http://schemas.openxmlformats.org/officeDocument/2006/math">
+                      <m:r>
+                        <a:rPr lang="en-US" sz="1600" i="1" dirty="0" smtClean="0">
+                          <a:latin typeface="Cambria Math" panose="02040503050406030204" pitchFamily="18" charset="0"/>
+                        </a:rPr>
+                        <m:t>𝑅</m:t>
+                      </m:r>
+                      <m:r>
+                        <a:rPr lang="en-US" sz="1600" i="1" dirty="0" smtClean="0">
+                          <a:latin typeface="Cambria Math" panose="02040503050406030204" pitchFamily="18" charset="0"/>
+                        </a:rPr>
+                        <m:t> = 80/512</m:t>
+                      </m:r>
+                    </m:oMath>
+                  </m:oMathPara>
+                </a14:m>
+                <a:endParaRPr lang="en-US" sz="1600" dirty="0">
+                  <a:latin typeface="+mn-lt"/>
+                </a:endParaRPr>
+              </a:p>
+              <a:p>
+                <a:pPr>
+                  <a:lnSpc>
+                    <a:spcPct val="114000"/>
+                  </a:lnSpc>
+                </a:pPr>
+                <a:endParaRPr lang="en-US" sz="1600" dirty="0">
+                  <a:latin typeface="+mn-lt"/>
+                </a:endParaRPr>
+              </a:p>
+              <a:p>
+                <a:pPr>
+                  <a:lnSpc>
+                    <a:spcPct val="114000"/>
+                  </a:lnSpc>
+                </a:pPr>
+                <a:endParaRPr lang="en-US" sz="1600" dirty="0">
+                  <a:latin typeface="+mn-lt"/>
+                </a:endParaRPr>
+              </a:p>
+              <a:p>
+                <a:pPr>
+                  <a:lnSpc>
+                    <a:spcPct val="114000"/>
+                  </a:lnSpc>
+                </a:pPr>
+                <a:endParaRPr lang="en-US" sz="1600" dirty="0">
+                  <a:latin typeface="+mn-lt"/>
+                </a:endParaRPr>
+              </a:p>
+            </p:txBody>
+          </p:sp>
+        </mc:Choice>
+        <mc:Fallback xmlns="">
+          <p:sp>
+            <p:nvSpPr>
+              <p:cNvPr id="12" name="TextBox 11"/>
+              <p:cNvSpPr txBox="1">
+                <a:spLocks noRot="1" noChangeAspect="1" noMove="1" noResize="1" noEditPoints="1" noAdjustHandles="1" noChangeArrowheads="1" noChangeShapeType="1" noTextEdit="1"/>
+              </p:cNvSpPr>
+              <p:nvPr/>
+            </p:nvSpPr>
+            <p:spPr>
+              <a:xfrm>
+                <a:off x="6507892" y="2990335"/>
+                <a:ext cx="2319116" cy="3649332"/>
+              </a:xfrm>
+              <a:prstGeom prst="rect">
+                <a:avLst/>
+              </a:prstGeom>
+              <a:blipFill>
+                <a:blip r:embed="rId4"/>
+                <a:stretch>
+                  <a:fillRect l="-5526" t="-1505" r="-4737"/>
+                </a:stretch>
+              </a:blipFill>
+            </p:spPr>
+            <p:txBody>
+              <a:bodyPr/>
+              <a:lstStyle/>
+              <a:p>
+                <a:r>
+                  <a:rPr lang="en-US">
+                    <a:noFill/>
+                  </a:rPr>
+                  <a:t> </a:t>
+                </a:r>
+              </a:p>
+            </p:txBody>
+          </p:sp>
+        </mc:Fallback>
+      </mc:AlternateContent>
+      <p:sp>
+        <p:nvSpPr>
+          <p:cNvPr id="156" name="RS_Classification_Standard"/>
+          <p:cNvSpPr txBox="1"/>
+          <p:nvPr/>
+        </p:nvSpPr>
+        <p:spPr>
+          <a:xfrm>
+            <a:off x="8990047" y="6187613"/>
+            <a:ext cx="153953" cy="251287"/>
+          </a:xfrm>
+          <a:prstGeom prst="rect">
+            <a:avLst/>
+          </a:prstGeom>
+          <a:solidFill>
+            <a:srgbClr val="FFFFFF">
+              <a:alpha val="0"/>
+            </a:srgbClr>
+          </a:solidFill>
+        </p:spPr>
+        <p:txBody>
+          <a:bodyPr vert="horz" wrap="none" lIns="76200" tIns="36830" rIns="76200" bIns="36830" rtlCol="0" anchor="ctr">
+            <a:spAutoFit/>
+          </a:bodyPr>
+          <a:lstStyle/>
+          <a:p>
+            <a:endParaRPr lang="en-US" sz="1100" b="1" kern="900" spc="100" dirty="0" err="1" smtClean="0">
+              <a:solidFill>
+                <a:srgbClr val="000000"/>
+              </a:solidFill>
+              <a:latin typeface="+mn-lt"/>
+            </a:endParaRPr>
+          </a:p>
+        </p:txBody>
+      </p:sp>
+    </p:spTree>
+    <p:custDataLst>
+      <p:tags r:id="rId1"/>
+    </p:custDataLst>
+  </p:cSld>
+  <p:clrMapOvr>
+    <a:masterClrMapping/>
+  </p:clrMapOvr>
+</p:sld>
+</file>
+
+<file path=ppt/slides/slide13.xml><?xml version="1.0" encoding="utf-8"?>
+<p:sld xmlns:a="http://schemas.openxmlformats.org/drawingml/2006/main" xmlns:r="http://schemas.openxmlformats.org/officeDocument/2006/relationships" xmlns:p="http://schemas.openxmlformats.org/presentationml/2006/main">
+  <p:cSld>
+    <p:spTree>
+      <p:nvGrpSpPr>
+        <p:cNvPr id="1" name=""/>
+        <p:cNvGrpSpPr/>
+        <p:nvPr/>
+      </p:nvGrpSpPr>
+      <p:grpSpPr>
+        <a:xfrm>
+          <a:off x="0" y="0"/>
+          <a:ext cx="0" cy="0"/>
+          <a:chOff x="0" y="0"/>
+          <a:chExt cx="0" cy="0"/>
+        </a:xfrm>
+      </p:grpSpPr>
+      <mc:AlternateContent xmlns:mc="http://schemas.openxmlformats.org/markup-compatibility/2006">
+        <mc:Choice xmlns:a14="http://schemas.microsoft.com/office/drawing/2010/main" Requires="a14">
+          <p:sp>
+            <p:nvSpPr>
+              <p:cNvPr id="2" name="Content Placeholder 1"/>
+              <p:cNvSpPr>
+                <a:spLocks noGrp="1"/>
+              </p:cNvSpPr>
+              <p:nvPr>
+                <p:ph idx="1"/>
+              </p:nvPr>
+            </p:nvSpPr>
+            <p:spPr>
+              <a:xfrm>
+                <a:off x="318009" y="1399723"/>
+                <a:ext cx="8508999" cy="4699572"/>
+              </a:xfrm>
+            </p:spPr>
+            <p:txBody>
+              <a:bodyPr/>
+              <a:lstStyle/>
+              <a:p>
+                <a:endParaRPr lang="en-US" dirty="0"/>
+              </a:p>
+              <a:p>
+                <a:pPr marL="285750" indent="-285750">
+                  <a:buFont typeface="Arial" panose="020B0604020202020204" pitchFamily="34" charset="0"/>
+                  <a:buChar char="•"/>
+                </a:pPr>
+                <a:r>
+                  <a:rPr lang="en-US" dirty="0"/>
+                  <a:t>Reliable bit indices selection is dependent on the rate matching.</a:t>
+                </a:r>
+              </a:p>
+              <a:p>
+                <a:pPr marL="285750" indent="-285750">
+                  <a:buFont typeface="Arial" panose="020B0604020202020204" pitchFamily="34" charset="0"/>
+                  <a:buChar char="•"/>
+                </a:pPr>
+                <a:r>
+                  <a:rPr lang="en-US" dirty="0"/>
+                  <a:t>Reliable bit indices need to be selected by considering effect of rate matching on reliability values.</a:t>
+                </a:r>
+              </a:p>
+              <a:p>
+                <a:pPr marL="285750" indent="-285750">
+                  <a:buFont typeface="Arial" panose="020B0604020202020204" pitchFamily="34" charset="0"/>
+                  <a:buChar char="•"/>
+                </a:pPr>
+                <a:r>
+                  <a:rPr lang="en-US" dirty="0"/>
+                  <a:t>Due this dependency reliability indices selection process involves </a:t>
+                </a:r>
+                <a14:m>
+                  <m:oMath xmlns:m="http://schemas.openxmlformats.org/officeDocument/2006/math">
+                    <m:r>
+                      <a:rPr lang="en-US" i="1" dirty="0" smtClean="0">
+                        <a:latin typeface="Cambria Math" panose="02040503050406030204" pitchFamily="18" charset="0"/>
+                      </a:rPr>
+                      <m:t>(</m:t>
+                    </m:r>
+                    <m:r>
+                      <a:rPr lang="en-US" i="1" dirty="0" smtClean="0">
+                        <a:latin typeface="Cambria Math" panose="02040503050406030204" pitchFamily="18" charset="0"/>
+                      </a:rPr>
+                      <m:t>𝑁</m:t>
+                    </m:r>
+                    <m:r>
+                      <a:rPr lang="en-US" i="1" dirty="0" smtClean="0">
+                        <a:latin typeface="Cambria Math" panose="02040503050406030204" pitchFamily="18" charset="0"/>
+                      </a:rPr>
+                      <m:t>−</m:t>
+                    </m:r>
+                    <m:r>
+                      <a:rPr lang="en-US" i="1" dirty="0" smtClean="0">
+                        <a:latin typeface="Cambria Math" panose="02040503050406030204" pitchFamily="18" charset="0"/>
+                      </a:rPr>
+                      <m:t>𝐾</m:t>
+                    </m:r>
+                    <m:r>
+                      <a:rPr lang="en-US" i="1" dirty="0" smtClean="0">
+                        <a:latin typeface="Cambria Math" panose="02040503050406030204" pitchFamily="18" charset="0"/>
+                      </a:rPr>
+                      <m:t>) </m:t>
+                    </m:r>
+                  </m:oMath>
+                </a14:m>
+                <a:r>
+                  <a:rPr lang="en-US" dirty="0"/>
+                  <a:t>search and remove operations in the list, which have huge overhead. </a:t>
+                </a:r>
+                <a:r>
+                  <a:rPr lang="en-US" dirty="0" smtClean="0"/>
+                  <a:t>(377 </a:t>
+                </a:r>
+                <a:r>
+                  <a:rPr lang="el-GR" dirty="0"/>
+                  <a:t>μ</a:t>
+                </a:r>
+                <a:r>
+                  <a:rPr lang="en-US" dirty="0"/>
+                  <a:t>s in the functional implementation).</a:t>
+                </a:r>
+              </a:p>
+              <a:p>
+                <a:pPr marL="285750" indent="-285750">
+                  <a:buFont typeface="Arial" panose="020B0604020202020204" pitchFamily="34" charset="0"/>
+                  <a:buChar char="•"/>
+                </a:pPr>
+                <a:r>
+                  <a:rPr lang="en-US" dirty="0"/>
+                  <a:t>Optimized the implementation with an algorithm which avoids search and remove operation. Latency reduced to 15 </a:t>
+                </a:r>
+                <a:r>
+                  <a:rPr lang="el-GR" dirty="0"/>
+                  <a:t>μ</a:t>
+                </a:r>
+                <a:r>
+                  <a:rPr lang="en-US" dirty="0"/>
+                  <a:t>s.</a:t>
+                </a:r>
+              </a:p>
+            </p:txBody>
+          </p:sp>
+        </mc:Choice>
+        <mc:Fallback>
+          <p:sp>
+            <p:nvSpPr>
+              <p:cNvPr id="2" name="Content Placeholder 1"/>
+              <p:cNvSpPr>
+                <a:spLocks noGrp="1" noRot="1" noChangeAspect="1" noMove="1" noResize="1" noEditPoints="1" noAdjustHandles="1" noChangeArrowheads="1" noChangeShapeType="1" noTextEdit="1"/>
+              </p:cNvSpPr>
+              <p:nvPr>
+                <p:ph idx="1"/>
+              </p:nvPr>
+            </p:nvSpPr>
+            <p:spPr>
+              <a:xfrm>
+                <a:off x="318009" y="1399723"/>
+                <a:ext cx="8508999" cy="4699572"/>
+              </a:xfrm>
+              <a:blipFill>
+                <a:blip r:embed="rId3"/>
+                <a:stretch>
+                  <a:fillRect l="-1361" r="-501"/>
+                </a:stretch>
+              </a:blipFill>
+            </p:spPr>
+            <p:txBody>
+              <a:bodyPr/>
+              <a:lstStyle/>
+              <a:p>
+                <a:r>
+                  <a:rPr lang="en-US">
+                    <a:noFill/>
+                  </a:rPr>
+                  <a:t> </a:t>
+                </a:r>
+              </a:p>
+            </p:txBody>
+          </p:sp>
+        </mc:Fallback>
+      </mc:AlternateContent>
+      <p:sp>
+        <p:nvSpPr>
+          <p:cNvPr id="3" name="Slide Number Placeholder 2"/>
+          <p:cNvSpPr>
+            <a:spLocks noGrp="1"/>
+          </p:cNvSpPr>
+          <p:nvPr>
+            <p:ph type="sldNum" sz="quarter" idx="11"/>
+          </p:nvPr>
+        </p:nvSpPr>
+        <p:spPr/>
+        <p:txBody>
+          <a:bodyPr/>
+          <a:lstStyle/>
+          <a:p>
+            <a:fld id="{CE58CB1E-F828-4F11-99E0-327109AF9DA4}" type="slidenum">
+              <a:rPr lang="de-DE" smtClean="0"/>
+              <a:pPr/>
+              <a:t>13</a:t>
+            </a:fld>
+            <a:endParaRPr lang="de-DE" dirty="0"/>
+          </a:p>
+        </p:txBody>
+      </p:sp>
+      <p:sp>
+        <p:nvSpPr>
+          <p:cNvPr id="4" name="Title 3"/>
+          <p:cNvSpPr>
+            <a:spLocks noGrp="1"/>
+          </p:cNvSpPr>
+          <p:nvPr>
+            <p:ph type="title"/>
+          </p:nvPr>
+        </p:nvSpPr>
+        <p:spPr>
+          <a:xfrm>
+            <a:off x="319090" y="837815"/>
+            <a:ext cx="8508999" cy="410369"/>
+          </a:xfrm>
+        </p:spPr>
+        <p:txBody>
+          <a:bodyPr/>
+          <a:lstStyle/>
+          <a:p>
+            <a:r>
+              <a:rPr lang="en-US" dirty="0" smtClean="0">
+                <a:solidFill>
+                  <a:schemeClr val="bg2"/>
+                </a:solidFill>
+              </a:rPr>
+              <a:t>Information bit indices selection</a:t>
+            </a:r>
+            <a:endParaRPr lang="en-US" dirty="0">
+              <a:solidFill>
+                <a:schemeClr val="bg2"/>
+              </a:solidFill>
+            </a:endParaRPr>
+          </a:p>
+        </p:txBody>
+      </p:sp>
+      <p:pic>
+        <p:nvPicPr>
+          <p:cNvPr id="10" name="Picture 9"/>
+          <p:cNvPicPr>
+            <a:picLocks noChangeAspect="1"/>
+          </p:cNvPicPr>
+          <p:nvPr/>
+        </p:nvPicPr>
+        <p:blipFill>
+          <a:blip r:embed="rId4">
+            <a:extLst>
+              <a:ext uri="{28A0092B-C50C-407E-A947-70E740481C1C}">
+                <a14:useLocalDpi xmlns:a14="http://schemas.microsoft.com/office/drawing/2010/main" val="0"/>
+              </a:ext>
+            </a:extLst>
+          </a:blip>
+          <a:stretch>
+            <a:fillRect/>
+          </a:stretch>
+        </p:blipFill>
+        <p:spPr>
+          <a:xfrm>
+            <a:off x="1268233" y="5127281"/>
+            <a:ext cx="6057900" cy="590550"/>
+          </a:xfrm>
+          <a:prstGeom prst="rect">
+            <a:avLst/>
+          </a:prstGeom>
+        </p:spPr>
+      </p:pic>
+      <p:sp>
+        <p:nvSpPr>
+          <p:cNvPr id="187" name="RS_Classification_Standard"/>
+          <p:cNvSpPr txBox="1"/>
+          <p:nvPr/>
+        </p:nvSpPr>
+        <p:spPr>
+          <a:xfrm>
+            <a:off x="8990047" y="6187613"/>
+            <a:ext cx="153953" cy="251287"/>
+          </a:xfrm>
+          <a:prstGeom prst="rect">
+            <a:avLst/>
+          </a:prstGeom>
+          <a:solidFill>
+            <a:srgbClr val="FFFFFF">
+              <a:alpha val="0"/>
+            </a:srgbClr>
+          </a:solidFill>
+        </p:spPr>
+        <p:txBody>
+          <a:bodyPr vert="horz" wrap="none" lIns="76200" tIns="36830" rIns="76200" bIns="36830" rtlCol="0" anchor="ctr">
+            <a:spAutoFit/>
+          </a:bodyPr>
+          <a:lstStyle/>
+          <a:p>
+            <a:endParaRPr lang="en-US" sz="1100" b="1" kern="900" spc="100" dirty="0" err="1" smtClean="0">
+              <a:solidFill>
+                <a:srgbClr val="000000"/>
+              </a:solidFill>
+              <a:latin typeface="+mn-lt"/>
+            </a:endParaRPr>
+          </a:p>
+        </p:txBody>
+      </p:sp>
+    </p:spTree>
+    <p:custDataLst>
+      <p:tags r:id="rId1"/>
+    </p:custDataLst>
+    <p:extLst>
+      <p:ext uri="{BB962C8B-B14F-4D97-AF65-F5344CB8AC3E}">
+        <p14:creationId xmlns:p14="http://schemas.microsoft.com/office/powerpoint/2010/main" val="2459265950"/>
+      </p:ext>
+    </p:extLst>
+  </p:cSld>
+  <p:clrMapOvr>
+    <a:masterClrMapping/>
+  </p:clrMapOvr>
+</p:sld>
+</file>
+
+<file path=ppt/slides/slide14.xml><?xml version="1.0" encoding="utf-8"?>
+<p:sld xmlns:a="http://schemas.openxmlformats.org/drawingml/2006/main" xmlns:r="http://schemas.openxmlformats.org/officeDocument/2006/relationships" xmlns:p="http://schemas.openxmlformats.org/presentationml/2006/main">
+  <p:cSld>
+    <p:spTree>
+      <p:nvGrpSpPr>
+        <p:cNvPr id="1" name=""/>
+        <p:cNvGrpSpPr/>
+        <p:nvPr/>
+      </p:nvGrpSpPr>
+      <p:grpSpPr>
+        <a:xfrm>
+          <a:off x="0" y="0"/>
+          <a:ext cx="0" cy="0"/>
+          <a:chOff x="0" y="0"/>
+          <a:chExt cx="0" cy="0"/>
+        </a:xfrm>
+      </p:grpSpPr>
+      <p:sp>
+        <p:nvSpPr>
+          <p:cNvPr id="2" name="Content Placeholder 1"/>
+          <p:cNvSpPr>
+            <a:spLocks noGrp="1"/>
+          </p:cNvSpPr>
+          <p:nvPr>
+            <p:ph idx="1"/>
+          </p:nvPr>
+        </p:nvSpPr>
+        <p:spPr/>
+        <p:txBody>
+          <a:bodyPr/>
+          <a:lstStyle/>
+          <a:p>
+            <a:pPr marL="285750" indent="-285750">
+              <a:buFont typeface="Arial" panose="020B0604020202020204" pitchFamily="34" charset="0"/>
+              <a:buChar char="•"/>
+            </a:pPr>
+            <a:r>
+              <a:rPr lang="en-US" dirty="0"/>
+              <a:t>Plain implementation in software considers each bit as one integer.</a:t>
+            </a:r>
+          </a:p>
+          <a:p>
+            <a:pPr marL="285750" indent="-285750">
+              <a:buFont typeface="Arial" panose="020B0604020202020204" pitchFamily="34" charset="0"/>
+              <a:buChar char="•"/>
+            </a:pPr>
+            <a:r>
+              <a:rPr lang="en-US" dirty="0"/>
+              <a:t>No parallel processing, each bit processed separately.</a:t>
+            </a:r>
+          </a:p>
+          <a:p>
+            <a:pPr marL="285750" indent="-285750">
+              <a:buFont typeface="Arial" panose="020B0604020202020204" pitchFamily="34" charset="0"/>
+              <a:buChar char="•"/>
+            </a:pPr>
+            <a:r>
+              <a:rPr lang="en-US" dirty="0"/>
+              <a:t>Information bits can be processed in parallel by packing multiple information bits to single integer.</a:t>
+            </a:r>
+          </a:p>
+          <a:p>
+            <a:pPr marL="285750" indent="-285750">
+              <a:buFont typeface="Arial" panose="020B0604020202020204" pitchFamily="34" charset="0"/>
+              <a:buChar char="•"/>
+            </a:pPr>
+            <a:r>
+              <a:rPr lang="en-US" dirty="0"/>
+              <a:t>For example: 8 bit integer = 8 info bits, 16 bits integer = 16 bit, 32 bit integer = 32 info bits, 64 bits integer = 64 info bits.</a:t>
+            </a:r>
+          </a:p>
+          <a:p>
+            <a:pPr marL="285750" indent="-285750">
+              <a:buFont typeface="Arial" panose="020B0604020202020204" pitchFamily="34" charset="0"/>
+              <a:buChar char="•"/>
+            </a:pPr>
+            <a:endParaRPr lang="en-US" dirty="0"/>
+          </a:p>
+          <a:p>
+            <a:pPr marL="285750" indent="-285750">
+              <a:buFont typeface="Arial" panose="020B0604020202020204" pitchFamily="34" charset="0"/>
+              <a:buChar char="•"/>
+            </a:pPr>
+            <a:r>
+              <a:rPr lang="en-US" dirty="0"/>
+              <a:t>SIMD processors have register size of 256 bits therefore 256 bits can be processed in a single instruction.</a:t>
+            </a:r>
+          </a:p>
+          <a:p>
+            <a:pPr marL="285750" indent="-285750">
+              <a:buFont typeface="Arial" panose="020B0604020202020204" pitchFamily="34" charset="0"/>
+              <a:buChar char="•"/>
+            </a:pPr>
+            <a:endParaRPr lang="en-US" dirty="0"/>
+          </a:p>
+        </p:txBody>
+      </p:sp>
+      <p:sp>
+        <p:nvSpPr>
+          <p:cNvPr id="3" name="Slide Number Placeholder 2"/>
+          <p:cNvSpPr>
+            <a:spLocks noGrp="1"/>
+          </p:cNvSpPr>
+          <p:nvPr>
+            <p:ph type="sldNum" sz="quarter" idx="11"/>
+          </p:nvPr>
+        </p:nvSpPr>
+        <p:spPr/>
+        <p:txBody>
+          <a:bodyPr/>
+          <a:lstStyle/>
+          <a:p>
+            <a:fld id="{CE58CB1E-F828-4F11-99E0-327109AF9DA4}" type="slidenum">
+              <a:rPr lang="de-DE" smtClean="0"/>
+              <a:pPr/>
+              <a:t>14</a:t>
+            </a:fld>
+            <a:endParaRPr lang="de-DE" dirty="0"/>
+          </a:p>
+        </p:txBody>
+      </p:sp>
+      <p:sp>
+        <p:nvSpPr>
+          <p:cNvPr id="4" name="Title 3"/>
+          <p:cNvSpPr>
+            <a:spLocks noGrp="1"/>
+          </p:cNvSpPr>
+          <p:nvPr>
+            <p:ph type="title"/>
+          </p:nvPr>
+        </p:nvSpPr>
+        <p:spPr/>
+        <p:txBody>
+          <a:bodyPr/>
+          <a:lstStyle/>
+          <a:p>
+            <a:r>
+              <a:rPr lang="en-US" dirty="0">
+                <a:solidFill>
+                  <a:schemeClr val="bg2"/>
+                </a:solidFill>
+              </a:rPr>
+              <a:t>Optimization of Polar Encoding</a:t>
+            </a:r>
+          </a:p>
+        </p:txBody>
+      </p:sp>
+      <p:sp>
+        <p:nvSpPr>
+          <p:cNvPr id="154" name="RS_Classification_Standard"/>
+          <p:cNvSpPr txBox="1"/>
+          <p:nvPr/>
+        </p:nvSpPr>
+        <p:spPr>
+          <a:xfrm>
+            <a:off x="8990047" y="6187613"/>
+            <a:ext cx="153953" cy="251287"/>
+          </a:xfrm>
+          <a:prstGeom prst="rect">
+            <a:avLst/>
+          </a:prstGeom>
+          <a:solidFill>
+            <a:srgbClr val="FFFFFF">
+              <a:alpha val="0"/>
+            </a:srgbClr>
+          </a:solidFill>
+        </p:spPr>
+        <p:txBody>
+          <a:bodyPr vert="horz" wrap="none" lIns="76200" tIns="36830" rIns="76200" bIns="36830" rtlCol="0" anchor="ctr">
+            <a:spAutoFit/>
+          </a:bodyPr>
+          <a:lstStyle/>
+          <a:p>
+            <a:endParaRPr lang="en-US" sz="1100" b="1" kern="900" spc="100" dirty="0" err="1" smtClean="0">
               <a:solidFill>
                 <a:srgbClr val="000000"/>
               </a:solidFill>
@@ -7950,7 +9376,7 @@
 </p:sld>
 </file>
 
-<file path=ppt/slides/slide11.xml><?xml version="1.0" encoding="utf-8"?>
+<file path=ppt/slides/slide15.xml><?xml version="1.0" encoding="utf-8"?>
 <p:sld xmlns:a="http://schemas.openxmlformats.org/drawingml/2006/main" xmlns:r="http://schemas.openxmlformats.org/officeDocument/2006/relationships" xmlns:p="http://schemas.openxmlformats.org/presentationml/2006/main">
   <p:cSld>
     <p:spTree>
@@ -7990,7 +9416,7 @@
             <a:fld id="{CE58CB1E-F828-4F11-99E0-327109AF9DA4}" type="slidenum">
               <a:rPr lang="de-DE" smtClean="0"/>
               <a:pPr/>
-              <a:t>11</a:t>
+              <a:t>15</a:t>
             </a:fld>
             <a:endParaRPr lang="de-DE" dirty="0"/>
           </a:p>
@@ -12189,7 +13615,7 @@
       </p:cxnSp>
       <p:sp>
         <p:nvSpPr>
-          <p:cNvPr id="48" name="RS_Classification_Standard"/>
+          <p:cNvPr id="163" name="RS_Classification_Standard"/>
           <p:cNvSpPr txBox="1"/>
           <p:nvPr/>
         </p:nvSpPr>
@@ -12213,7 +13639,7 @@
           </a:bodyPr>
           <a:lstStyle/>
           <a:p>
-            <a:endParaRPr lang="en-US" sz="1100" b="1" kern="900" spc="100" dirty="0" err="1">
+            <a:endParaRPr lang="en-US" sz="1100" b="1" kern="900" spc="100" dirty="0" err="1" smtClean="0">
               <a:solidFill>
                 <a:srgbClr val="000000"/>
               </a:solidFill>
@@ -12238,7 +13664,7 @@
 </p:sld>
 </file>
 
-<file path=ppt/slides/slide12.xml><?xml version="1.0" encoding="utf-8"?>
+<file path=ppt/slides/slide16.xml><?xml version="1.0" encoding="utf-8"?>
 <p:sld xmlns:a="http://schemas.openxmlformats.org/drawingml/2006/main" xmlns:r="http://schemas.openxmlformats.org/officeDocument/2006/relationships" xmlns:p="http://schemas.openxmlformats.org/presentationml/2006/main">
   <p:cSld>
     <p:spTree>
@@ -12368,7 +13794,7 @@
             <a:fld id="{CE58CB1E-F828-4F11-99E0-327109AF9DA4}" type="slidenum">
               <a:rPr lang="de-DE" smtClean="0"/>
               <a:pPr/>
-              <a:t>12</a:t>
+              <a:t>16</a:t>
             </a:fld>
             <a:endParaRPr lang="de-DE" dirty="0"/>
           </a:p>
@@ -12437,7 +13863,7 @@
       </p:pic>
       <p:sp>
         <p:nvSpPr>
-          <p:cNvPr id="37" name="RS_Classification_Standard"/>
+          <p:cNvPr id="155" name="RS_Classification_Standard"/>
           <p:cNvSpPr txBox="1"/>
           <p:nvPr/>
         </p:nvSpPr>
@@ -12461,7 +13887,7 @@
           </a:bodyPr>
           <a:lstStyle/>
           <a:p>
-            <a:endParaRPr lang="en-US" sz="1100" b="1" kern="900" spc="100" dirty="0" err="1">
+            <a:endParaRPr lang="en-US" sz="1100" b="1" kern="900" spc="100" dirty="0" err="1" smtClean="0">
               <a:solidFill>
                 <a:srgbClr val="000000"/>
               </a:solidFill>
@@ -12486,7 +13912,7 @@
 </p:sld>
 </file>
 
-<file path=ppt/slides/slide13.xml><?xml version="1.0" encoding="utf-8"?>
+<file path=ppt/slides/slide17.xml><?xml version="1.0" encoding="utf-8"?>
 <p:sld xmlns:a="http://schemas.openxmlformats.org/drawingml/2006/main" xmlns:r="http://schemas.openxmlformats.org/officeDocument/2006/relationships" xmlns:p="http://schemas.openxmlformats.org/presentationml/2006/main">
   <p:cSld>
     <p:spTree>
@@ -12776,7 +14202,7 @@
             <a:fld id="{CE58CB1E-F828-4F11-99E0-327109AF9DA4}" type="slidenum">
               <a:rPr lang="de-DE" smtClean="0"/>
               <a:pPr/>
-              <a:t>13</a:t>
+              <a:t>17</a:t>
             </a:fld>
             <a:endParaRPr lang="de-DE" dirty="0"/>
           </a:p>
@@ -12815,7 +14241,7 @@
       </p:sp>
       <p:sp>
         <p:nvSpPr>
-          <p:cNvPr id="36" name="RS_Classification_Standard"/>
+          <p:cNvPr id="154" name="RS_Classification_Standard"/>
           <p:cNvSpPr txBox="1"/>
           <p:nvPr/>
         </p:nvSpPr>
@@ -12839,7 +14265,7 @@
           </a:bodyPr>
           <a:lstStyle/>
           <a:p>
-            <a:endParaRPr lang="en-US" sz="1100" b="1" kern="900" spc="100" dirty="0" err="1">
+            <a:endParaRPr lang="en-US" sz="1100" b="1" kern="900" spc="100" dirty="0" err="1" smtClean="0">
               <a:solidFill>
                 <a:srgbClr val="000000"/>
               </a:solidFill>
@@ -12864,7 +14290,7 @@
 </p:sld>
 </file>
 
-<file path=ppt/slides/slide14.xml><?xml version="1.0" encoding="utf-8"?>
+<file path=ppt/slides/slide18.xml><?xml version="1.0" encoding="utf-8"?>
 <p:sld xmlns:a="http://schemas.openxmlformats.org/drawingml/2006/main" xmlns:r="http://schemas.openxmlformats.org/officeDocument/2006/relationships" xmlns:p="http://schemas.openxmlformats.org/presentationml/2006/main">
   <p:cSld>
     <p:spTree>
@@ -12940,7 +14366,7 @@
             <a:fld id="{CE58CB1E-F828-4F11-99E0-327109AF9DA4}" type="slidenum">
               <a:rPr lang="de-DE" smtClean="0"/>
               <a:pPr/>
-              <a:t>14</a:t>
+              <a:t>18</a:t>
             </a:fld>
             <a:endParaRPr lang="de-DE" dirty="0"/>
           </a:p>
@@ -13252,7 +14678,7 @@
       </p:sp>
       <p:sp>
         <p:nvSpPr>
-          <p:cNvPr id="38" name="RS_Classification_Standard"/>
+          <p:cNvPr id="156" name="RS_Classification_Standard"/>
           <p:cNvSpPr txBox="1"/>
           <p:nvPr/>
         </p:nvSpPr>
@@ -13276,7 +14702,7 @@
           </a:bodyPr>
           <a:lstStyle/>
           <a:p>
-            <a:endParaRPr lang="en-US" sz="1100" b="1" kern="900" spc="100" dirty="0" err="1">
+            <a:endParaRPr lang="en-US" sz="1100" b="1" kern="900" spc="100" dirty="0" err="1" smtClean="0">
               <a:solidFill>
                 <a:srgbClr val="000000"/>
               </a:solidFill>
@@ -13298,10 +14724,17 @@
   <p:clrMapOvr>
     <a:masterClrMapping/>
   </p:clrMapOvr>
+  <p:timing>
+    <p:tnLst>
+      <p:par>
+        <p:cTn id="1" dur="indefinite" restart="never" nodeType="tmRoot"/>
+      </p:par>
+    </p:tnLst>
+  </p:timing>
 </p:sld>
 </file>
 
-<file path=ppt/slides/slide15.xml><?xml version="1.0" encoding="utf-8"?>
+<file path=ppt/slides/slide19.xml><?xml version="1.0" encoding="utf-8"?>
 <p:sld xmlns:a="http://schemas.openxmlformats.org/drawingml/2006/main" xmlns:r="http://schemas.openxmlformats.org/officeDocument/2006/relationships" xmlns:p="http://schemas.openxmlformats.org/presentationml/2006/main">
   <p:cSld>
     <p:spTree>
@@ -13318,632 +14751,8 @@
           <a:chExt cx="0" cy="0"/>
         </a:xfrm>
       </p:grpSpPr>
-      <p:sp>
-        <p:nvSpPr>
-          <p:cNvPr id="3" name="Slide Number Placeholder 2">
-            <a:extLst>
-              <a:ext uri="{FF2B5EF4-FFF2-40B4-BE49-F238E27FC236}">
-                <a16:creationId xmlns:a16="http://schemas.microsoft.com/office/drawing/2014/main" id="{B34DFB4D-7E34-4753-9A5C-313CE4DE2571}"/>
-              </a:ext>
-            </a:extLst>
-          </p:cNvPr>
-          <p:cNvSpPr>
-            <a:spLocks noGrp="1"/>
-          </p:cNvSpPr>
-          <p:nvPr>
-            <p:ph type="sldNum" sz="quarter" idx="11"/>
-          </p:nvPr>
-        </p:nvSpPr>
-        <p:spPr/>
-        <p:txBody>
-          <a:bodyPr/>
-          <a:lstStyle/>
-          <a:p>
-            <a:fld id="{CE58CB1E-F828-4F11-99E0-327109AF9DA4}" type="slidenum">
-              <a:rPr lang="de-DE" smtClean="0"/>
-              <a:pPr/>
-              <a:t>15</a:t>
-            </a:fld>
-            <a:endParaRPr lang="de-DE" dirty="0"/>
-          </a:p>
-        </p:txBody>
-      </p:sp>
-      <p:sp>
-        <p:nvSpPr>
-          <p:cNvPr id="4" name="Title 3">
-            <a:extLst>
-              <a:ext uri="{FF2B5EF4-FFF2-40B4-BE49-F238E27FC236}">
-                <a16:creationId xmlns:a16="http://schemas.microsoft.com/office/drawing/2014/main" id="{3991085F-2850-4AE8-895E-B21757C446C2}"/>
-              </a:ext>
-            </a:extLst>
-          </p:cNvPr>
-          <p:cNvSpPr>
-            <a:spLocks noGrp="1"/>
-          </p:cNvSpPr>
-          <p:nvPr>
-            <p:ph type="title"/>
-          </p:nvPr>
-        </p:nvSpPr>
-        <p:spPr>
-          <a:xfrm>
-            <a:off x="318009" y="230654"/>
-            <a:ext cx="8508999" cy="410369"/>
-          </a:xfrm>
-        </p:spPr>
-        <p:txBody>
-          <a:bodyPr/>
-          <a:lstStyle/>
-          <a:p>
-            <a:r>
-              <a:rPr lang="en-IN" dirty="0"/>
-              <a:t>Decoding FEC chain</a:t>
-            </a:r>
-            <a:endParaRPr lang="en-US" dirty="0"/>
-          </a:p>
-        </p:txBody>
-      </p:sp>
-      <p:pic>
-        <p:nvPicPr>
-          <p:cNvPr id="10" name="Content Placeholder 9">
-            <a:extLst>
-              <a:ext uri="{FF2B5EF4-FFF2-40B4-BE49-F238E27FC236}">
-                <a16:creationId xmlns:a16="http://schemas.microsoft.com/office/drawing/2014/main" id="{9A0AAEFF-7344-4BFD-B5CB-9565F1A422FE}"/>
-              </a:ext>
-            </a:extLst>
-          </p:cNvPr>
-          <p:cNvPicPr>
-            <a:picLocks noGrp="1" noChangeAspect="1"/>
-          </p:cNvPicPr>
-          <p:nvPr>
-            <p:ph idx="1"/>
-          </p:nvPr>
-        </p:nvPicPr>
-        <p:blipFill>
-          <a:blip r:embed="rId2"/>
-          <a:stretch>
-            <a:fillRect/>
-          </a:stretch>
-        </p:blipFill>
-        <p:spPr>
-          <a:xfrm>
-            <a:off x="1467939" y="658212"/>
-            <a:ext cx="6208121" cy="5815101"/>
-          </a:xfrm>
-        </p:spPr>
-      </p:pic>
-    </p:spTree>
-    <p:extLst>
-      <p:ext uri="{BB962C8B-B14F-4D97-AF65-F5344CB8AC3E}">
-        <p14:creationId xmlns:p14="http://schemas.microsoft.com/office/powerpoint/2010/main" val="4010809908"/>
-      </p:ext>
-    </p:extLst>
-  </p:cSld>
-  <p:clrMapOvr>
-    <a:masterClrMapping/>
-  </p:clrMapOvr>
-</p:sld>
-</file>
-
-<file path=ppt/slides/slide16.xml><?xml version="1.0" encoding="utf-8"?>
-<p:sld xmlns:a="http://schemas.openxmlformats.org/drawingml/2006/main" xmlns:r="http://schemas.openxmlformats.org/officeDocument/2006/relationships" xmlns:p="http://schemas.openxmlformats.org/presentationml/2006/main">
-  <p:cSld>
-    <p:spTree>
-      <p:nvGrpSpPr>
-        <p:cNvPr id="1" name=""/>
-        <p:cNvGrpSpPr/>
-        <p:nvPr/>
-      </p:nvGrpSpPr>
-      <p:grpSpPr>
-        <a:xfrm>
-          <a:off x="0" y="0"/>
-          <a:ext cx="0" cy="0"/>
-          <a:chOff x="0" y="0"/>
-          <a:chExt cx="0" cy="0"/>
-        </a:xfrm>
-      </p:grpSpPr>
-      <p:sp>
-        <p:nvSpPr>
-          <p:cNvPr id="2" name="Content Placeholder 1">
-            <a:extLst>
-              <a:ext uri="{FF2B5EF4-FFF2-40B4-BE49-F238E27FC236}">
-                <a16:creationId xmlns:a16="http://schemas.microsoft.com/office/drawing/2014/main" id="{D0E174C2-B006-4E63-A6CE-BFB57AD708D5}"/>
-              </a:ext>
-            </a:extLst>
-          </p:cNvPr>
-          <p:cNvSpPr>
-            <a:spLocks noGrp="1"/>
-          </p:cNvSpPr>
-          <p:nvPr>
-            <p:ph idx="1"/>
-          </p:nvPr>
-        </p:nvSpPr>
-        <p:spPr/>
-        <p:txBody>
-          <a:bodyPr/>
-          <a:lstStyle/>
-          <a:p>
-            <a:endParaRPr lang="en-US"/>
-          </a:p>
-        </p:txBody>
-      </p:sp>
-      <p:sp>
-        <p:nvSpPr>
-          <p:cNvPr id="3" name="Slide Number Placeholder 2">
-            <a:extLst>
-              <a:ext uri="{FF2B5EF4-FFF2-40B4-BE49-F238E27FC236}">
-                <a16:creationId xmlns:a16="http://schemas.microsoft.com/office/drawing/2014/main" id="{DAE8CC57-3BB2-4975-994A-A40DBC7AB417}"/>
-              </a:ext>
-            </a:extLst>
-          </p:cNvPr>
-          <p:cNvSpPr>
-            <a:spLocks noGrp="1"/>
-          </p:cNvSpPr>
-          <p:nvPr>
-            <p:ph type="sldNum" sz="quarter" idx="11"/>
-          </p:nvPr>
-        </p:nvSpPr>
-        <p:spPr/>
-        <p:txBody>
-          <a:bodyPr/>
-          <a:lstStyle/>
-          <a:p>
-            <a:fld id="{CE58CB1E-F828-4F11-99E0-327109AF9DA4}" type="slidenum">
-              <a:rPr lang="de-DE" smtClean="0"/>
-              <a:pPr/>
-              <a:t>16</a:t>
-            </a:fld>
-            <a:endParaRPr lang="de-DE" dirty="0"/>
-          </a:p>
-        </p:txBody>
-      </p:sp>
-      <p:sp>
-        <p:nvSpPr>
-          <p:cNvPr id="4" name="Title 3">
-            <a:extLst>
-              <a:ext uri="{FF2B5EF4-FFF2-40B4-BE49-F238E27FC236}">
-                <a16:creationId xmlns:a16="http://schemas.microsoft.com/office/drawing/2014/main" id="{BE21A03B-C8E3-407F-8F3E-0D086E29B433}"/>
-              </a:ext>
-            </a:extLst>
-          </p:cNvPr>
-          <p:cNvSpPr>
-            <a:spLocks noGrp="1"/>
-          </p:cNvSpPr>
-          <p:nvPr>
-            <p:ph type="title"/>
-          </p:nvPr>
-        </p:nvSpPr>
-        <p:spPr/>
-        <p:txBody>
-          <a:bodyPr/>
-          <a:lstStyle/>
-          <a:p>
-            <a:endParaRPr lang="en-US" dirty="0"/>
-          </a:p>
-        </p:txBody>
-      </p:sp>
-    </p:spTree>
-    <p:extLst>
-      <p:ext uri="{BB962C8B-B14F-4D97-AF65-F5344CB8AC3E}">
-        <p14:creationId xmlns:p14="http://schemas.microsoft.com/office/powerpoint/2010/main" val="2156184787"/>
-      </p:ext>
-    </p:extLst>
-  </p:cSld>
-  <p:clrMapOvr>
-    <a:masterClrMapping/>
-  </p:clrMapOvr>
-</p:sld>
-</file>
-
-<file path=ppt/slides/slide17.xml><?xml version="1.0" encoding="utf-8"?>
-<p:sld xmlns:a="http://schemas.openxmlformats.org/drawingml/2006/main" xmlns:r="http://schemas.openxmlformats.org/officeDocument/2006/relationships" xmlns:p="http://schemas.openxmlformats.org/presentationml/2006/main">
-  <p:cSld>
-    <p:spTree>
-      <p:nvGrpSpPr>
-        <p:cNvPr id="1" name=""/>
-        <p:cNvGrpSpPr/>
-        <p:nvPr/>
-      </p:nvGrpSpPr>
-      <p:grpSpPr>
-        <a:xfrm>
-          <a:off x="0" y="0"/>
-          <a:ext cx="0" cy="0"/>
-          <a:chOff x="0" y="0"/>
-          <a:chExt cx="0" cy="0"/>
-        </a:xfrm>
-      </p:grpSpPr>
-      <mc:AlternateContent xmlns:mc="http://schemas.openxmlformats.org/markup-compatibility/2006" xmlns:a14="http://schemas.microsoft.com/office/drawing/2010/main">
-        <mc:Choice Requires="a14">
-          <p:sp>
-            <p:nvSpPr>
-              <p:cNvPr id="2" name="Content Placeholder 1"/>
-              <p:cNvSpPr>
-                <a:spLocks noGrp="1"/>
-              </p:cNvSpPr>
-              <p:nvPr>
-                <p:ph idx="1"/>
-              </p:nvPr>
-            </p:nvSpPr>
-            <p:spPr>
-              <a:xfrm>
-                <a:off x="318009" y="1488041"/>
-                <a:ext cx="8508999" cy="4699572"/>
-              </a:xfrm>
-            </p:spPr>
-            <p:txBody>
-              <a:bodyPr/>
-              <a:lstStyle/>
-              <a:p>
-                <a:pPr marL="285750" indent="-285750">
-                  <a:buFont typeface="Arial" panose="020B0604020202020204" pitchFamily="34" charset="0"/>
-                  <a:buChar char="•"/>
-                </a:pPr>
-                <a:r>
-                  <a:rPr lang="en-US" sz="1800" dirty="0"/>
-                  <a:t>Avoiding multiplication/division and modulus operations and achieving the same using bitwise operations.</a:t>
-                </a:r>
-              </a:p>
-              <a:p>
-                <a:pPr marL="285750" indent="-285750">
-                  <a:buFont typeface="Arial" panose="020B0604020202020204" pitchFamily="34" charset="0"/>
-                  <a:buChar char="•"/>
-                </a:pPr>
-                <a:r>
-                  <a:rPr lang="en-US" sz="1800" dirty="0"/>
-                  <a:t>Implemented approximate versions </a:t>
-                </a:r>
-                <a14:m>
-                  <m:oMath xmlns:m="http://schemas.openxmlformats.org/officeDocument/2006/math">
-                    <m:func>
-                      <m:funcPr>
-                        <m:ctrlPr>
-                          <a:rPr lang="en-US" sz="1800" i="1" dirty="0" smtClean="0">
-                            <a:latin typeface="Cambria Math" panose="02040503050406030204" pitchFamily="18" charset="0"/>
-                          </a:rPr>
-                        </m:ctrlPr>
-                      </m:funcPr>
-                      <m:fName>
-                        <m:sSub>
-                          <m:sSubPr>
-                            <m:ctrlPr>
-                              <a:rPr lang="en-US" sz="1800" i="1" dirty="0" smtClean="0">
-                                <a:latin typeface="Cambria Math" panose="02040503050406030204" pitchFamily="18" charset="0"/>
-                              </a:rPr>
-                            </m:ctrlPr>
-                          </m:sSubPr>
-                          <m:e>
-                            <m:r>
-                              <m:rPr>
-                                <m:sty m:val="p"/>
-                              </m:rPr>
-                              <a:rPr lang="en-US" sz="1800" i="0" dirty="0" smtClean="0">
-                                <a:latin typeface="Cambria Math" panose="02040503050406030204" pitchFamily="18" charset="0"/>
-                              </a:rPr>
-                              <m:t>log</m:t>
-                            </m:r>
-                          </m:e>
-                          <m:sub>
-                            <m:r>
-                              <a:rPr lang="en-US" sz="1800" b="0" i="1" dirty="0" smtClean="0">
-                                <a:latin typeface="Cambria Math" panose="02040503050406030204" pitchFamily="18" charset="0"/>
-                              </a:rPr>
-                              <m:t>2</m:t>
-                            </m:r>
-                          </m:sub>
-                        </m:sSub>
-                      </m:fName>
-                      <m:e>
-                        <m:r>
-                          <a:rPr lang="en-US" sz="1800" b="0" i="1" dirty="0" smtClean="0">
-                            <a:latin typeface="Cambria Math" panose="02040503050406030204" pitchFamily="18" charset="0"/>
-                          </a:rPr>
-                          <m:t>𝑋</m:t>
-                        </m:r>
-                      </m:e>
-                    </m:func>
-                  </m:oMath>
-                </a14:m>
-                <a:r>
-                  <a:rPr lang="en-US" sz="1800" dirty="0"/>
-                  <a:t> and exponential functions to reduce the number of floating point multiplications.</a:t>
-                </a:r>
-              </a:p>
-              <a:p>
-                <a:pPr marL="285750" indent="-285750">
-                  <a:buFont typeface="Arial" panose="020B0604020202020204" pitchFamily="34" charset="0"/>
-                  <a:buChar char="•"/>
-                </a:pPr>
-                <a:r>
-                  <a:rPr lang="en-US" sz="1800" dirty="0"/>
-                  <a:t>Avoided jump functions to avoid flushing of the instruction pipeline.</a:t>
-                </a:r>
-              </a:p>
-              <a:p>
-                <a:pPr marL="285750" indent="-285750">
-                  <a:buFont typeface="Arial" panose="020B0604020202020204" pitchFamily="34" charset="0"/>
-                  <a:buChar char="•"/>
-                </a:pPr>
-                <a:r>
-                  <a:rPr lang="en-US" sz="1800" dirty="0"/>
-                  <a:t>Using the compiler optimization primitives to reduce the branches in the program.</a:t>
-                </a:r>
-              </a:p>
-              <a:p>
-                <a:pPr marL="285750" indent="-285750">
-                  <a:buFont typeface="Arial" panose="020B0604020202020204" pitchFamily="34" charset="0"/>
-                  <a:buChar char="•"/>
-                </a:pPr>
-                <a:endParaRPr lang="en-US" sz="1800" dirty="0"/>
-              </a:p>
-              <a:p>
-                <a:pPr marL="285750" indent="-285750">
-                  <a:buFont typeface="Arial" panose="020B0604020202020204" pitchFamily="34" charset="0"/>
-                  <a:buChar char="•"/>
-                </a:pPr>
-                <a:r>
-                  <a:rPr lang="en-US" sz="1800" dirty="0"/>
-                  <a:t>Extended popular CRC algorithm</a:t>
-                </a:r>
-                <a:r>
-                  <a:rPr lang="en-US" sz="1800" baseline="30000" dirty="0"/>
-                  <a:t>[1]</a:t>
-                </a:r>
-                <a:r>
-                  <a:rPr lang="en-US" sz="1800" dirty="0"/>
-                  <a:t> to calculate 24 bit CRC in parallel (</a:t>
-                </a:r>
-                <a14:m>
-                  <m:oMath xmlns:m="http://schemas.openxmlformats.org/officeDocument/2006/math">
-                    <m:r>
-                      <a:rPr lang="en-US" sz="1800" i="1" dirty="0" smtClean="0">
-                        <a:latin typeface="Cambria Math" panose="02040503050406030204" pitchFamily="18" charset="0"/>
-                      </a:rPr>
-                      <m:t>𝑃</m:t>
-                    </m:r>
-                    <m:r>
-                      <a:rPr lang="en-US" sz="1800" i="1" dirty="0" smtClean="0">
-                        <a:latin typeface="Cambria Math" panose="02040503050406030204" pitchFamily="18" charset="0"/>
-                      </a:rPr>
-                      <m:t> = 8</m:t>
-                    </m:r>
-                  </m:oMath>
-                </a14:m>
-                <a:r>
-                  <a:rPr lang="en-US" sz="1800" dirty="0"/>
-                  <a:t>) Group of 8 bits are processed in parallel rather than bit by bit, Reduced CRC calculation latency from 8 </a:t>
-                </a:r>
-                <a:r>
-                  <a:rPr lang="el-GR" sz="1800" dirty="0"/>
-                  <a:t>μ</a:t>
-                </a:r>
-                <a:r>
-                  <a:rPr lang="en-US" sz="1800" dirty="0"/>
-                  <a:t>s to 0.8 </a:t>
-                </a:r>
-                <a:r>
-                  <a:rPr lang="el-GR" sz="1800" dirty="0"/>
-                  <a:t>μ</a:t>
-                </a:r>
-                <a:r>
-                  <a:rPr lang="en-US" sz="1800" dirty="0"/>
-                  <a:t>s in FEC chain.</a:t>
-                </a:r>
-              </a:p>
-            </p:txBody>
-          </p:sp>
-        </mc:Choice>
-        <mc:Fallback xmlns="">
-          <p:sp>
-            <p:nvSpPr>
-              <p:cNvPr id="2" name="Content Placeholder 1"/>
-              <p:cNvSpPr>
-                <a:spLocks noGrp="1" noRot="1" noChangeAspect="1" noMove="1" noResize="1" noEditPoints="1" noAdjustHandles="1" noChangeArrowheads="1" noChangeShapeType="1" noTextEdit="1"/>
-              </p:cNvSpPr>
-              <p:nvPr>
-                <p:ph idx="1"/>
-              </p:nvPr>
-            </p:nvSpPr>
-            <p:spPr>
-              <a:xfrm>
-                <a:off x="318009" y="1488041"/>
-                <a:ext cx="8508999" cy="4699572"/>
-              </a:xfrm>
-              <a:blipFill>
-                <a:blip r:embed="rId3"/>
-                <a:stretch>
-                  <a:fillRect l="-1504" t="-1427" r="-1719"/>
-                </a:stretch>
-              </a:blipFill>
-            </p:spPr>
-            <p:txBody>
-              <a:bodyPr/>
-              <a:lstStyle/>
-              <a:p>
-                <a:r>
-                  <a:rPr lang="en-US">
-                    <a:noFill/>
-                  </a:rPr>
-                  <a:t> </a:t>
-                </a:r>
-              </a:p>
-            </p:txBody>
-          </p:sp>
-        </mc:Fallback>
-      </mc:AlternateContent>
-      <p:sp>
-        <p:nvSpPr>
-          <p:cNvPr id="3" name="Slide Number Placeholder 2"/>
-          <p:cNvSpPr>
-            <a:spLocks noGrp="1"/>
-          </p:cNvSpPr>
-          <p:nvPr>
-            <p:ph type="sldNum" sz="quarter" idx="11"/>
-          </p:nvPr>
-        </p:nvSpPr>
-        <p:spPr/>
-        <p:txBody>
-          <a:bodyPr/>
-          <a:lstStyle/>
-          <a:p>
-            <a:fld id="{CE58CB1E-F828-4F11-99E0-327109AF9DA4}" type="slidenum">
-              <a:rPr lang="de-DE" smtClean="0"/>
-              <a:pPr/>
-              <a:t>17</a:t>
-            </a:fld>
-            <a:endParaRPr lang="de-DE" dirty="0"/>
-          </a:p>
-        </p:txBody>
-      </p:sp>
-      <p:sp>
-        <p:nvSpPr>
-          <p:cNvPr id="4" name="Title 3"/>
-          <p:cNvSpPr>
-            <a:spLocks noGrp="1"/>
-          </p:cNvSpPr>
-          <p:nvPr>
-            <p:ph type="title"/>
-          </p:nvPr>
-        </p:nvSpPr>
-        <p:spPr>
-          <a:xfrm>
-            <a:off x="319090" y="821339"/>
-            <a:ext cx="8508999" cy="410369"/>
-          </a:xfrm>
-        </p:spPr>
-        <p:txBody>
-          <a:bodyPr/>
-          <a:lstStyle/>
-          <a:p>
-            <a:r>
-              <a:rPr lang="en-US" dirty="0">
-                <a:solidFill>
-                  <a:schemeClr val="bg2"/>
-                </a:solidFill>
-              </a:rPr>
-              <a:t>Miscellaneous Optimizations</a:t>
-            </a:r>
-          </a:p>
-        </p:txBody>
-      </p:sp>
-      <p:sp>
-        <p:nvSpPr>
-          <p:cNvPr id="37" name="Footer Placeholder 36"/>
-          <p:cNvSpPr>
-            <a:spLocks noGrp="1"/>
-          </p:cNvSpPr>
-          <p:nvPr>
-            <p:ph type="ftr" sz="quarter" idx="12"/>
-          </p:nvPr>
-        </p:nvSpPr>
-        <p:spPr>
-          <a:xfrm>
-            <a:off x="311161" y="6252519"/>
-            <a:ext cx="7555973" cy="585919"/>
-          </a:xfrm>
-        </p:spPr>
-        <p:txBody>
-          <a:bodyPr/>
-          <a:lstStyle/>
-          <a:p>
-            <a:pPr marL="228600" indent="-228600">
-              <a:buFont typeface="+mj-lt"/>
-              <a:buAutoNum type="arabicPeriod"/>
-            </a:pPr>
-            <a:r>
-              <a:rPr lang="en-US" dirty="0"/>
-              <a:t>D.V. </a:t>
-            </a:r>
-            <a:r>
-              <a:rPr lang="en-US" dirty="0" err="1"/>
-              <a:t>Sarwate</a:t>
-            </a:r>
-            <a:r>
-              <a:rPr lang="en-US" dirty="0"/>
-              <a:t>, “Computation of Cyclic Redundancy Checks via Table Lookup,”</a:t>
-            </a:r>
-            <a:r>
-              <a:rPr lang="en-US" dirty="0" err="1"/>
-              <a:t>Comm</a:t>
-            </a:r>
-            <a:r>
-              <a:rPr lang="en-US" dirty="0"/>
-              <a:t>. ACM, vol.31, no. 8, pp. 1008-1013,Aug. 1988.</a:t>
-            </a:r>
-          </a:p>
-          <a:p>
-            <a:endParaRPr lang="en-US" dirty="0"/>
-          </a:p>
-        </p:txBody>
-      </p:sp>
-      <p:sp>
-        <p:nvSpPr>
-          <p:cNvPr id="36" name="RS_Classification_Standard"/>
-          <p:cNvSpPr txBox="1"/>
-          <p:nvPr/>
-        </p:nvSpPr>
-        <p:spPr>
-          <a:xfrm>
-            <a:off x="8990047" y="6187613"/>
-            <a:ext cx="153953" cy="251287"/>
-          </a:xfrm>
-          <a:prstGeom prst="rect">
-            <a:avLst/>
-          </a:prstGeom>
-          <a:solidFill>
-            <a:srgbClr val="FFFFFF">
-              <a:alpha val="0"/>
-            </a:srgbClr>
-          </a:solidFill>
-        </p:spPr>
-        <p:txBody>
-          <a:bodyPr vert="horz" wrap="none" lIns="76200" tIns="36830" rIns="76200" bIns="36830" rtlCol="0" anchor="ctr">
-            <a:spAutoFit/>
-          </a:bodyPr>
-          <a:lstStyle/>
-          <a:p>
-            <a:endParaRPr lang="en-US" sz="1100" b="1" kern="900" spc="100" dirty="0" err="1">
-              <a:solidFill>
-                <a:srgbClr val="000000"/>
-              </a:solidFill>
-              <a:latin typeface="+mn-lt"/>
-            </a:endParaRPr>
-          </a:p>
-        </p:txBody>
-      </p:sp>
-    </p:spTree>
-    <p:custDataLst>
-      <p:tags r:id="rId1"/>
-    </p:custDataLst>
-    <p:extLst>
-      <p:ext uri="{BB962C8B-B14F-4D97-AF65-F5344CB8AC3E}">
-        <p14:creationId xmlns:p14="http://schemas.microsoft.com/office/powerpoint/2010/main" val="1442063461"/>
-      </p:ext>
-    </p:extLst>
-  </p:cSld>
-  <p:clrMapOvr>
-    <a:masterClrMapping/>
-  </p:clrMapOvr>
-</p:sld>
-</file>
-
-<file path=ppt/slides/slide18.xml><?xml version="1.0" encoding="utf-8"?>
-<p:sld xmlns:a="http://schemas.openxmlformats.org/drawingml/2006/main" xmlns:r="http://schemas.openxmlformats.org/officeDocument/2006/relationships" xmlns:p="http://schemas.openxmlformats.org/presentationml/2006/main">
-  <p:cSld>
-    <p:spTree>
-      <p:nvGrpSpPr>
-        <p:cNvPr id="1" name=""/>
-        <p:cNvGrpSpPr/>
-        <p:nvPr/>
-      </p:nvGrpSpPr>
-      <p:grpSpPr>
-        <a:xfrm>
-          <a:off x="0" y="0"/>
-          <a:ext cx="0" cy="0"/>
-          <a:chOff x="0" y="0"/>
-          <a:chExt cx="0" cy="0"/>
-        </a:xfrm>
-      </p:grpSpPr>
-      <mc:AlternateContent xmlns:mc="http://schemas.openxmlformats.org/markup-compatibility/2006" xmlns:a14="http://schemas.microsoft.com/office/drawing/2010/main">
-        <mc:Choice Requires="a14">
+      <mc:AlternateContent xmlns:mc="http://schemas.openxmlformats.org/markup-compatibility/2006">
+        <mc:Choice xmlns:a14="http://schemas.microsoft.com/office/drawing/2010/main" Requires="a14">
           <p:sp>
             <p:nvSpPr>
               <p:cNvPr id="2" name="Content Placeholder 1"/>
@@ -14033,13 +14842,21 @@
               <a:p>
                 <a:r>
                   <a:rPr lang="en-US" b="1" dirty="0"/>
-                  <a:t>Whole PDCCH FEC chain:</a:t>
+                  <a:t>O</a:t>
+                </a:r>
+                <a:r>
+                  <a:rPr lang="en-US" b="1" dirty="0" smtClean="0"/>
+                  <a:t>verall </a:t>
+                </a:r>
+                <a:r>
+                  <a:rPr lang="en-US" b="1" dirty="0"/>
+                  <a:t>PDCCH FEC chain:</a:t>
                 </a:r>
               </a:p>
             </p:txBody>
           </p:sp>
         </mc:Choice>
-        <mc:Fallback xmlns="">
+        <mc:Fallback>
           <p:sp>
             <p:nvSpPr>
               <p:cNvPr id="2" name="Content Placeholder 1"/>
@@ -14095,7 +14912,7 @@
             <a:fld id="{CE58CB1E-F828-4F11-99E0-327109AF9DA4}" type="slidenum">
               <a:rPr lang="de-DE" smtClean="0"/>
               <a:pPr/>
-              <a:t>18</a:t>
+              <a:t>19</a:t>
             </a:fld>
             <a:endParaRPr lang="de-DE" dirty="0"/>
           </a:p>
@@ -15585,7 +16402,7 @@
       </p:graphicFrame>
       <p:sp>
         <p:nvSpPr>
-          <p:cNvPr id="40" name="RS_Classification_Standard"/>
+          <p:cNvPr id="158" name="RS_Classification_Standard"/>
           <p:cNvSpPr txBox="1"/>
           <p:nvPr/>
         </p:nvSpPr>
@@ -15609,7 +16426,7 @@
           </a:bodyPr>
           <a:lstStyle/>
           <a:p>
-            <a:endParaRPr lang="en-US" sz="1100" b="1" kern="900" spc="100" dirty="0" err="1">
+            <a:endParaRPr lang="en-US" sz="1100" b="1" kern="900" spc="100" dirty="0" err="1" smtClean="0">
               <a:solidFill>
                 <a:srgbClr val="000000"/>
               </a:solidFill>
@@ -15625,214 +16442,6 @@
     <p:extLst>
       <p:ext uri="{BB962C8B-B14F-4D97-AF65-F5344CB8AC3E}">
         <p14:creationId xmlns:p14="http://schemas.microsoft.com/office/powerpoint/2010/main" val="4201803810"/>
-      </p:ext>
-    </p:extLst>
-  </p:cSld>
-  <p:clrMapOvr>
-    <a:masterClrMapping/>
-  </p:clrMapOvr>
-</p:sld>
-</file>
-
-<file path=ppt/slides/slide19.xml><?xml version="1.0" encoding="utf-8"?>
-<p:sld xmlns:a="http://schemas.openxmlformats.org/drawingml/2006/main" xmlns:r="http://schemas.openxmlformats.org/officeDocument/2006/relationships" xmlns:p="http://schemas.openxmlformats.org/presentationml/2006/main">
-  <p:cSld>
-    <p:spTree>
-      <p:nvGrpSpPr>
-        <p:cNvPr id="1" name=""/>
-        <p:cNvGrpSpPr/>
-        <p:nvPr/>
-      </p:nvGrpSpPr>
-      <p:grpSpPr>
-        <a:xfrm>
-          <a:off x="0" y="0"/>
-          <a:ext cx="0" cy="0"/>
-          <a:chOff x="0" y="0"/>
-          <a:chExt cx="0" cy="0"/>
-        </a:xfrm>
-      </p:grpSpPr>
-      <p:sp>
-        <p:nvSpPr>
-          <p:cNvPr id="2" name="Content Placeholder 1"/>
-          <p:cNvSpPr>
-            <a:spLocks noGrp="1"/>
-          </p:cNvSpPr>
-          <p:nvPr>
-            <p:ph idx="1"/>
-          </p:nvPr>
-        </p:nvSpPr>
-        <p:spPr/>
-        <p:txBody>
-          <a:bodyPr/>
-          <a:lstStyle/>
-          <a:p>
-            <a:pPr marL="285750" indent="-285750">
-              <a:buFont typeface="Arial" panose="020B0604020202020204" pitchFamily="34" charset="0"/>
-              <a:buChar char="•"/>
-            </a:pPr>
-            <a:r>
-              <a:rPr lang="en-US" dirty="0"/>
-              <a:t>Profile the encoder implementation to optimize the cache memory access.</a:t>
-            </a:r>
-          </a:p>
-          <a:p>
-            <a:pPr marL="285750" indent="-285750">
-              <a:buFont typeface="Arial" panose="020B0604020202020204" pitchFamily="34" charset="0"/>
-              <a:buChar char="•"/>
-            </a:pPr>
-            <a:endParaRPr lang="en-US" dirty="0"/>
-          </a:p>
-          <a:p>
-            <a:pPr marL="285750" indent="-285750">
-              <a:buFont typeface="Arial" panose="020B0604020202020204" pitchFamily="34" charset="0"/>
-              <a:buChar char="•"/>
-            </a:pPr>
-            <a:r>
-              <a:rPr lang="en-US" dirty="0"/>
-              <a:t>Decoding FEC chain implementation and optimization with SIMD technology</a:t>
-            </a:r>
-          </a:p>
-          <a:p>
-            <a:pPr marL="285750" indent="-285750">
-              <a:buFont typeface="Arial" panose="020B0604020202020204" pitchFamily="34" charset="0"/>
-              <a:buChar char="•"/>
-            </a:pPr>
-            <a:r>
-              <a:rPr lang="en-US" dirty="0"/>
-              <a:t>Decoder algorithm improvement for low latency.</a:t>
-            </a:r>
-          </a:p>
-          <a:p>
-            <a:pPr marL="285750" indent="-285750">
-              <a:buFont typeface="Arial" panose="020B0604020202020204" pitchFamily="34" charset="0"/>
-              <a:buChar char="•"/>
-            </a:pPr>
-            <a:endParaRPr lang="en-US" dirty="0"/>
-          </a:p>
-          <a:p>
-            <a:pPr marL="285750" indent="-285750">
-              <a:buFont typeface="Arial" panose="020B0604020202020204" pitchFamily="34" charset="0"/>
-              <a:buChar char="•"/>
-            </a:pPr>
-            <a:endParaRPr lang="en-US" dirty="0"/>
-          </a:p>
-          <a:p>
-            <a:pPr marL="285750" indent="-285750">
-              <a:buFont typeface="Arial" panose="020B0604020202020204" pitchFamily="34" charset="0"/>
-              <a:buChar char="•"/>
-            </a:pPr>
-            <a:r>
-              <a:rPr lang="en-US" dirty="0"/>
-              <a:t>One such idea is</a:t>
-            </a:r>
-          </a:p>
-          <a:p>
-            <a:pPr marL="461963" lvl="1" indent="-285750">
-              <a:buFont typeface="Arial" panose="020B0604020202020204" pitchFamily="34" charset="0"/>
-              <a:buChar char="•"/>
-            </a:pPr>
-            <a:r>
-              <a:rPr lang="en-US" dirty="0"/>
-              <a:t>Pruning the decoder tree reduces the latency due to reduction in number of nodes. Analyze the BER versus latency tradeoff after pruning the tree.</a:t>
-            </a:r>
-          </a:p>
-          <a:p>
-            <a:endParaRPr lang="en-US" dirty="0"/>
-          </a:p>
-        </p:txBody>
-      </p:sp>
-      <p:sp>
-        <p:nvSpPr>
-          <p:cNvPr id="3" name="Slide Number Placeholder 2"/>
-          <p:cNvSpPr>
-            <a:spLocks noGrp="1"/>
-          </p:cNvSpPr>
-          <p:nvPr>
-            <p:ph type="sldNum" sz="quarter" idx="11"/>
-          </p:nvPr>
-        </p:nvSpPr>
-        <p:spPr/>
-        <p:txBody>
-          <a:bodyPr/>
-          <a:lstStyle/>
-          <a:p>
-            <a:fld id="{CE58CB1E-F828-4F11-99E0-327109AF9DA4}" type="slidenum">
-              <a:rPr lang="de-DE" smtClean="0"/>
-              <a:pPr/>
-              <a:t>19</a:t>
-            </a:fld>
-            <a:endParaRPr lang="de-DE" dirty="0"/>
-          </a:p>
-        </p:txBody>
-      </p:sp>
-      <p:sp>
-        <p:nvSpPr>
-          <p:cNvPr id="4" name="Title 3"/>
-          <p:cNvSpPr>
-            <a:spLocks noGrp="1"/>
-          </p:cNvSpPr>
-          <p:nvPr>
-            <p:ph type="title"/>
-          </p:nvPr>
-        </p:nvSpPr>
-        <p:spPr/>
-        <p:txBody>
-          <a:bodyPr/>
-          <a:lstStyle/>
-          <a:p>
-            <a:r>
-              <a:rPr lang="en-US" dirty="0">
-                <a:solidFill>
-                  <a:schemeClr val="bg2"/>
-                </a:solidFill>
-              </a:rPr>
-              <a:t>Future work</a:t>
-            </a:r>
-          </a:p>
-        </p:txBody>
-      </p:sp>
-      <p:sp>
-        <p:nvSpPr>
-          <p:cNvPr id="36" name="RS_Classification_Standard"/>
-          <p:cNvSpPr txBox="1"/>
-          <p:nvPr/>
-        </p:nvSpPr>
-        <p:spPr>
-          <a:xfrm>
-            <a:off x="8990047" y="6187613"/>
-            <a:ext cx="153953" cy="251287"/>
-          </a:xfrm>
-          <a:prstGeom prst="rect">
-            <a:avLst/>
-          </a:prstGeom>
-          <a:solidFill>
-            <a:srgbClr val="FFFFFF">
-              <a:alpha val="0"/>
-            </a:srgbClr>
-          </a:solidFill>
-        </p:spPr>
-        <p:txBody>
-          <a:bodyPr vert="horz" wrap="none" lIns="76200" tIns="36830" rIns="76200" bIns="36830" rtlCol="0" anchor="ctr">
-            <a:spAutoFit/>
-          </a:bodyPr>
-          <a:lstStyle/>
-          <a:p>
-            <a:endParaRPr lang="en-US" sz="1100" b="1" kern="900" spc="100" dirty="0" err="1">
-              <a:solidFill>
-                <a:srgbClr val="000000"/>
-              </a:solidFill>
-              <a:latin typeface="+mn-lt"/>
-            </a:endParaRPr>
-          </a:p>
-        </p:txBody>
-      </p:sp>
-    </p:spTree>
-    <p:custDataLst>
-      <p:tags r:id="rId1"/>
-    </p:custDataLst>
-    <p:extLst>
-      <p:ext uri="{BB962C8B-B14F-4D97-AF65-F5344CB8AC3E}">
-        <p14:creationId xmlns:p14="http://schemas.microsoft.com/office/powerpoint/2010/main" val="1356943978"/>
       </p:ext>
     </p:extLst>
   </p:cSld>
@@ -15871,8 +16480,8 @@
         </p:nvSpPr>
         <p:spPr>
           <a:xfrm>
-            <a:off x="319090" y="1522791"/>
-            <a:ext cx="8508999" cy="4699572"/>
+            <a:off x="319090" y="1451448"/>
+            <a:ext cx="8508999" cy="5021865"/>
           </a:xfrm>
         </p:spPr>
         <p:txBody>
@@ -15886,10 +16495,7 @@
               <a:buFont typeface="Arial" panose="020B0604020202020204" pitchFamily="34" charset="0"/>
               <a:buChar char="•"/>
             </a:pPr>
-            <a:r>
-              <a:rPr lang="en-US" sz="1800" dirty="0"/>
-              <a:t>Introduction and Motivation</a:t>
-            </a:r>
+            <a:endParaRPr lang="en-US" sz="1800" dirty="0" smtClean="0"/>
           </a:p>
           <a:p>
             <a:pPr marL="285750" indent="-285750">
@@ -15899,10 +16505,7 @@
               <a:buFont typeface="Arial" panose="020B0604020202020204" pitchFamily="34" charset="0"/>
               <a:buChar char="•"/>
             </a:pPr>
-            <a:r>
-              <a:rPr lang="en-US" sz="1800" dirty="0"/>
-              <a:t>Background</a:t>
-            </a:r>
+            <a:endParaRPr lang="en-US" sz="1800" dirty="0"/>
           </a:p>
           <a:p>
             <a:pPr marL="285750" indent="-285750">
@@ -15913,8 +16516,12 @@
               <a:buChar char="•"/>
             </a:pPr>
             <a:r>
-              <a:rPr lang="en-IN" sz="1800" dirty="0"/>
-              <a:t>Encoding FEC chain</a:t>
+              <a:rPr lang="en-US" sz="1800" dirty="0" smtClean="0"/>
+              <a:t>Introduction </a:t>
+            </a:r>
+            <a:r>
+              <a:rPr lang="en-US" sz="1800" dirty="0"/>
+              <a:t>and Motivation</a:t>
             </a:r>
           </a:p>
           <a:p>
@@ -15927,7 +16534,7 @@
             </a:pPr>
             <a:r>
               <a:rPr lang="en-US" sz="1800" dirty="0"/>
-              <a:t>Decoding FEC chain</a:t>
+              <a:t>Background</a:t>
             </a:r>
           </a:p>
           <a:p>
@@ -15939,9 +16546,48 @@
               <a:buChar char="•"/>
             </a:pPr>
             <a:r>
+              <a:rPr lang="en-IN" sz="1800" dirty="0"/>
+              <a:t>Encoding FEC </a:t>
+            </a:r>
+            <a:r>
+              <a:rPr lang="en-IN" sz="1800" dirty="0" smtClean="0"/>
+              <a:t>chain</a:t>
+            </a:r>
+          </a:p>
+          <a:p>
+            <a:pPr marL="285750" indent="-285750">
+              <a:lnSpc>
+                <a:spcPct val="150000"/>
+              </a:lnSpc>
+              <a:buFont typeface="Arial" panose="020B0604020202020204" pitchFamily="34" charset="0"/>
+              <a:buChar char="•"/>
+            </a:pPr>
+            <a:r>
+              <a:rPr lang="en-US" sz="1800" dirty="0" smtClean="0"/>
+              <a:t>Decoding </a:t>
+            </a:r>
+            <a:r>
               <a:rPr lang="en-US" sz="1800" dirty="0"/>
+              <a:t>FEC </a:t>
+            </a:r>
+            <a:r>
+              <a:rPr lang="en-US" sz="1800" dirty="0" smtClean="0"/>
+              <a:t>chain</a:t>
+            </a:r>
+          </a:p>
+          <a:p>
+            <a:pPr marL="285750" indent="-285750">
+              <a:lnSpc>
+                <a:spcPct val="150000"/>
+              </a:lnSpc>
+              <a:buFont typeface="Arial" panose="020B0604020202020204" pitchFamily="34" charset="0"/>
+              <a:buChar char="•"/>
+            </a:pPr>
+            <a:r>
+              <a:rPr lang="en-US" sz="1800" dirty="0" smtClean="0"/>
               <a:t>Results</a:t>
             </a:r>
+            <a:endParaRPr lang="en-US" sz="1800" dirty="0"/>
           </a:p>
           <a:p>
             <a:pPr marL="285750" indent="-285750">
@@ -16013,7 +16659,7 @@
         </p:nvSpPr>
         <p:spPr>
           <a:xfrm>
-            <a:off x="319090" y="861473"/>
+            <a:off x="318009" y="675954"/>
             <a:ext cx="8508999" cy="410369"/>
           </a:xfrm>
         </p:spPr>
@@ -16034,7 +16680,7 @@
       </p:sp>
       <p:sp>
         <p:nvSpPr>
-          <p:cNvPr id="36" name="RS_Classification_Standard"/>
+          <p:cNvPr id="154" name="RS_Classification_Standard"/>
           <p:cNvSpPr txBox="1"/>
           <p:nvPr/>
         </p:nvSpPr>
@@ -16058,7 +16704,7 @@
           </a:bodyPr>
           <a:lstStyle/>
           <a:p>
-            <a:endParaRPr lang="en-US" sz="1100" b="1" kern="900" spc="100" dirty="0" err="1">
+            <a:endParaRPr lang="en-US" sz="1100" b="1" kern="900" spc="100" dirty="0" err="1" smtClean="0">
               <a:solidFill>
                 <a:srgbClr val="000000"/>
               </a:solidFill>
@@ -16102,6 +16748,574 @@
       </p:grpSpPr>
       <p:sp>
         <p:nvSpPr>
+          <p:cNvPr id="3" name="Slide Number Placeholder 2">
+            <a:extLst>
+              <a:ext uri="{FF2B5EF4-FFF2-40B4-BE49-F238E27FC236}">
+                <a16:creationId xmlns:a16="http://schemas.microsoft.com/office/drawing/2014/main" id="{B34DFB4D-7E34-4753-9A5C-313CE4DE2571}"/>
+              </a:ext>
+            </a:extLst>
+          </p:cNvPr>
+          <p:cNvSpPr>
+            <a:spLocks noGrp="1"/>
+          </p:cNvSpPr>
+          <p:nvPr>
+            <p:ph type="sldNum" sz="quarter" idx="11"/>
+          </p:nvPr>
+        </p:nvSpPr>
+        <p:spPr/>
+        <p:txBody>
+          <a:bodyPr/>
+          <a:lstStyle/>
+          <a:p>
+            <a:fld id="{CE58CB1E-F828-4F11-99E0-327109AF9DA4}" type="slidenum">
+              <a:rPr lang="de-DE" smtClean="0"/>
+              <a:pPr/>
+              <a:t>20</a:t>
+            </a:fld>
+            <a:endParaRPr lang="de-DE" dirty="0"/>
+          </a:p>
+        </p:txBody>
+      </p:sp>
+      <p:sp>
+        <p:nvSpPr>
+          <p:cNvPr id="4" name="Title 3">
+            <a:extLst>
+              <a:ext uri="{FF2B5EF4-FFF2-40B4-BE49-F238E27FC236}">
+                <a16:creationId xmlns:a16="http://schemas.microsoft.com/office/drawing/2014/main" id="{3991085F-2850-4AE8-895E-B21757C446C2}"/>
+              </a:ext>
+            </a:extLst>
+          </p:cNvPr>
+          <p:cNvSpPr>
+            <a:spLocks noGrp="1"/>
+          </p:cNvSpPr>
+          <p:nvPr>
+            <p:ph type="title"/>
+          </p:nvPr>
+        </p:nvSpPr>
+        <p:spPr>
+          <a:xfrm>
+            <a:off x="318009" y="230654"/>
+            <a:ext cx="8508999" cy="410369"/>
+          </a:xfrm>
+        </p:spPr>
+        <p:txBody>
+          <a:bodyPr/>
+          <a:lstStyle/>
+          <a:p>
+            <a:r>
+              <a:rPr lang="en-IN" dirty="0"/>
+              <a:t>Decoding FEC chain</a:t>
+            </a:r>
+            <a:endParaRPr lang="en-US" dirty="0"/>
+          </a:p>
+        </p:txBody>
+      </p:sp>
+      <p:pic>
+        <p:nvPicPr>
+          <p:cNvPr id="10" name="Content Placeholder 9">
+            <a:extLst>
+              <a:ext uri="{FF2B5EF4-FFF2-40B4-BE49-F238E27FC236}">
+                <a16:creationId xmlns:a16="http://schemas.microsoft.com/office/drawing/2014/main" id="{9A0AAEFF-7344-4BFD-B5CB-9565F1A422FE}"/>
+              </a:ext>
+            </a:extLst>
+          </p:cNvPr>
+          <p:cNvPicPr>
+            <a:picLocks noGrp="1" noChangeAspect="1"/>
+          </p:cNvPicPr>
+          <p:nvPr>
+            <p:ph idx="1"/>
+          </p:nvPr>
+        </p:nvPicPr>
+        <p:blipFill>
+          <a:blip r:embed="rId3"/>
+          <a:stretch>
+            <a:fillRect/>
+          </a:stretch>
+        </p:blipFill>
+        <p:spPr>
+          <a:xfrm>
+            <a:off x="1468447" y="938299"/>
+            <a:ext cx="6208121" cy="5815101"/>
+          </a:xfrm>
+        </p:spPr>
+      </p:pic>
+      <p:sp>
+        <p:nvSpPr>
+          <p:cNvPr id="153" name="RS_Classification_Standard"/>
+          <p:cNvSpPr txBox="1"/>
+          <p:nvPr/>
+        </p:nvSpPr>
+        <p:spPr>
+          <a:xfrm>
+            <a:off x="8990047" y="6187613"/>
+            <a:ext cx="153953" cy="251287"/>
+          </a:xfrm>
+          <a:prstGeom prst="rect">
+            <a:avLst/>
+          </a:prstGeom>
+          <a:solidFill>
+            <a:srgbClr val="FFFFFF">
+              <a:alpha val="0"/>
+            </a:srgbClr>
+          </a:solidFill>
+        </p:spPr>
+        <p:txBody>
+          <a:bodyPr vert="horz" wrap="none" lIns="76200" tIns="36830" rIns="76200" bIns="36830" rtlCol="0" anchor="ctr">
+            <a:spAutoFit/>
+          </a:bodyPr>
+          <a:lstStyle/>
+          <a:p>
+            <a:endParaRPr lang="en-US" sz="1100" b="1" kern="900" spc="100" dirty="0" err="1" smtClean="0">
+              <a:solidFill>
+                <a:srgbClr val="000000"/>
+              </a:solidFill>
+              <a:latin typeface="+mn-lt"/>
+            </a:endParaRPr>
+          </a:p>
+        </p:txBody>
+      </p:sp>
+    </p:spTree>
+    <p:custDataLst>
+      <p:tags r:id="rId1"/>
+    </p:custDataLst>
+    <p:extLst>
+      <p:ext uri="{BB962C8B-B14F-4D97-AF65-F5344CB8AC3E}">
+        <p14:creationId xmlns:p14="http://schemas.microsoft.com/office/powerpoint/2010/main" val="4010809908"/>
+      </p:ext>
+    </p:extLst>
+  </p:cSld>
+  <p:clrMapOvr>
+    <a:masterClrMapping/>
+  </p:clrMapOvr>
+  <p:timing>
+    <p:tnLst>
+      <p:par>
+        <p:cTn id="1" dur="indefinite" restart="never" nodeType="tmRoot"/>
+      </p:par>
+    </p:tnLst>
+  </p:timing>
+</p:sld>
+</file>
+
+<file path=ppt/slides/slide21.xml><?xml version="1.0" encoding="utf-8"?>
+<p:sld xmlns:a="http://schemas.openxmlformats.org/drawingml/2006/main" xmlns:r="http://schemas.openxmlformats.org/officeDocument/2006/relationships" xmlns:p="http://schemas.openxmlformats.org/presentationml/2006/main">
+  <p:cSld>
+    <p:spTree>
+      <p:nvGrpSpPr>
+        <p:cNvPr id="1" name=""/>
+        <p:cNvGrpSpPr/>
+        <p:nvPr/>
+      </p:nvGrpSpPr>
+      <p:grpSpPr>
+        <a:xfrm>
+          <a:off x="0" y="0"/>
+          <a:ext cx="0" cy="0"/>
+          <a:chOff x="0" y="0"/>
+          <a:chExt cx="0" cy="0"/>
+        </a:xfrm>
+      </p:grpSpPr>
+      <p:sp>
+        <p:nvSpPr>
+          <p:cNvPr id="2" name="Content Placeholder 1">
+            <a:extLst>
+              <a:ext uri="{FF2B5EF4-FFF2-40B4-BE49-F238E27FC236}">
+                <a16:creationId xmlns:a16="http://schemas.microsoft.com/office/drawing/2014/main" id="{D0E174C2-B006-4E63-A6CE-BFB57AD708D5}"/>
+              </a:ext>
+            </a:extLst>
+          </p:cNvPr>
+          <p:cNvSpPr>
+            <a:spLocks noGrp="1"/>
+          </p:cNvSpPr>
+          <p:nvPr>
+            <p:ph idx="1"/>
+          </p:nvPr>
+        </p:nvSpPr>
+        <p:spPr>
+          <a:xfrm>
+            <a:off x="318008" y="1440941"/>
+            <a:ext cx="8508999" cy="4699572"/>
+          </a:xfrm>
+        </p:spPr>
+        <p:txBody>
+          <a:bodyPr/>
+          <a:lstStyle/>
+          <a:p>
+            <a:pPr marL="285750" indent="-285750">
+              <a:buFont typeface="Arial" panose="020B0604020202020204" pitchFamily="34" charset="0"/>
+              <a:buChar char="•"/>
+            </a:pPr>
+            <a:r>
+              <a:rPr lang="en-US" dirty="0" smtClean="0"/>
+              <a:t>Inverse of </a:t>
+            </a:r>
+            <a:r>
+              <a:rPr lang="en-US" dirty="0" err="1" smtClean="0"/>
+              <a:t>subblock</a:t>
+            </a:r>
+            <a:r>
+              <a:rPr lang="en-US" dirty="0" smtClean="0"/>
+              <a:t> </a:t>
+            </a:r>
+            <a:r>
+              <a:rPr lang="en-US" dirty="0" err="1" smtClean="0"/>
+              <a:t>interleaver</a:t>
+            </a:r>
+            <a:r>
+              <a:rPr lang="en-US" dirty="0" smtClean="0"/>
+              <a:t> operation performed at the transmitter.</a:t>
+            </a:r>
+          </a:p>
+          <a:p>
+            <a:pPr marL="285750" indent="-285750">
+              <a:buFont typeface="Arial" panose="020B0604020202020204" pitchFamily="34" charset="0"/>
+              <a:buChar char="•"/>
+            </a:pPr>
+            <a:r>
+              <a:rPr lang="en-US" dirty="0" err="1" smtClean="0"/>
+              <a:t>Deinterleaving</a:t>
+            </a:r>
+            <a:r>
+              <a:rPr lang="en-US" dirty="0" smtClean="0"/>
+              <a:t> is performed as shown in the figure.</a:t>
+            </a:r>
+          </a:p>
+          <a:p>
+            <a:pPr marL="285750" indent="-285750">
+              <a:buFont typeface="Arial" panose="020B0604020202020204" pitchFamily="34" charset="0"/>
+              <a:buChar char="•"/>
+            </a:pPr>
+            <a:r>
+              <a:rPr lang="en-US" dirty="0" smtClean="0"/>
+              <a:t>One of expensive operation due to huge number of division, multiplication and modulus operations and it is also sequential.</a:t>
+            </a:r>
+          </a:p>
+          <a:p>
+            <a:pPr marL="285750" indent="-285750">
+              <a:buFont typeface="Arial" panose="020B0604020202020204" pitchFamily="34" charset="0"/>
+              <a:buChar char="•"/>
+            </a:pPr>
+            <a:r>
+              <a:rPr lang="en-US" dirty="0" smtClean="0"/>
+              <a:t>This operation is </a:t>
+            </a:r>
+            <a:r>
+              <a:rPr lang="en-US" dirty="0"/>
+              <a:t>b</a:t>
+            </a:r>
+            <a:r>
+              <a:rPr lang="en-US" dirty="0" smtClean="0"/>
+              <a:t>roken down into three parts, each of them are implemented using </a:t>
+            </a:r>
+            <a:r>
+              <a:rPr lang="en-US" dirty="0" smtClean="0">
+                <a:latin typeface="Simplified Arabic Fixed" panose="02070309020205020404" pitchFamily="49" charset="-78"/>
+                <a:cs typeface="Simplified Arabic Fixed" panose="02070309020205020404" pitchFamily="49" charset="-78"/>
+              </a:rPr>
+              <a:t>permute</a:t>
+            </a:r>
+            <a:r>
+              <a:rPr lang="en-US" dirty="0" smtClean="0"/>
+              <a:t> and </a:t>
+            </a:r>
+            <a:r>
+              <a:rPr lang="en-US" dirty="0">
+                <a:latin typeface="Simplified Arabic Fixed" panose="02070309020205020404" pitchFamily="49" charset="-78"/>
+                <a:cs typeface="Simplified Arabic Fixed" panose="02070309020205020404" pitchFamily="49" charset="-78"/>
+              </a:rPr>
+              <a:t>blend</a:t>
+            </a:r>
+            <a:r>
+              <a:rPr lang="en-US" dirty="0" smtClean="0"/>
+              <a:t> SIMD instructions.</a:t>
+            </a:r>
+          </a:p>
+          <a:p>
+            <a:pPr marL="285750" indent="-285750">
+              <a:buFont typeface="Arial" panose="020B0604020202020204" pitchFamily="34" charset="0"/>
+              <a:buChar char="•"/>
+            </a:pPr>
+            <a:r>
+              <a:rPr lang="en-US" dirty="0" smtClean="0"/>
+              <a:t>Latency reduced from 19us to 0.47us.</a:t>
+            </a:r>
+          </a:p>
+          <a:p>
+            <a:pPr marL="285750" indent="-285750">
+              <a:buFont typeface="Arial" panose="020B0604020202020204" pitchFamily="34" charset="0"/>
+              <a:buChar char="•"/>
+            </a:pPr>
+            <a:endParaRPr lang="en-US" dirty="0"/>
+          </a:p>
+        </p:txBody>
+      </p:sp>
+      <p:sp>
+        <p:nvSpPr>
+          <p:cNvPr id="3" name="Slide Number Placeholder 2">
+            <a:extLst>
+              <a:ext uri="{FF2B5EF4-FFF2-40B4-BE49-F238E27FC236}">
+                <a16:creationId xmlns:a16="http://schemas.microsoft.com/office/drawing/2014/main" id="{DAE8CC57-3BB2-4975-994A-A40DBC7AB417}"/>
+              </a:ext>
+            </a:extLst>
+          </p:cNvPr>
+          <p:cNvSpPr>
+            <a:spLocks noGrp="1"/>
+          </p:cNvSpPr>
+          <p:nvPr>
+            <p:ph type="sldNum" sz="quarter" idx="11"/>
+          </p:nvPr>
+        </p:nvSpPr>
+        <p:spPr/>
+        <p:txBody>
+          <a:bodyPr/>
+          <a:lstStyle/>
+          <a:p>
+            <a:fld id="{CE58CB1E-F828-4F11-99E0-327109AF9DA4}" type="slidenum">
+              <a:rPr lang="de-DE" smtClean="0"/>
+              <a:pPr/>
+              <a:t>21</a:t>
+            </a:fld>
+            <a:endParaRPr lang="de-DE" dirty="0"/>
+          </a:p>
+        </p:txBody>
+      </p:sp>
+      <p:sp>
+        <p:nvSpPr>
+          <p:cNvPr id="4" name="Title 3">
+            <a:extLst>
+              <a:ext uri="{FF2B5EF4-FFF2-40B4-BE49-F238E27FC236}">
+                <a16:creationId xmlns:a16="http://schemas.microsoft.com/office/drawing/2014/main" id="{BE21A03B-C8E3-407F-8F3E-0D086E29B433}"/>
+              </a:ext>
+            </a:extLst>
+          </p:cNvPr>
+          <p:cNvSpPr>
+            <a:spLocks noGrp="1"/>
+          </p:cNvSpPr>
+          <p:nvPr>
+            <p:ph type="title"/>
+          </p:nvPr>
+        </p:nvSpPr>
+        <p:spPr>
+          <a:xfrm>
+            <a:off x="318009" y="697772"/>
+            <a:ext cx="8508999" cy="410369"/>
+          </a:xfrm>
+        </p:spPr>
+        <p:txBody>
+          <a:bodyPr/>
+          <a:lstStyle/>
+          <a:p>
+            <a:r>
+              <a:rPr lang="en-US" dirty="0" err="1" smtClean="0"/>
+              <a:t>Subblock</a:t>
+            </a:r>
+            <a:r>
+              <a:rPr lang="en-US" dirty="0" smtClean="0"/>
+              <a:t> </a:t>
+            </a:r>
+            <a:r>
+              <a:rPr lang="en-US" dirty="0" err="1" smtClean="0"/>
+              <a:t>deinterleaver</a:t>
+            </a:r>
+            <a:endParaRPr lang="en-US" dirty="0"/>
+          </a:p>
+        </p:txBody>
+      </p:sp>
+      <p:pic>
+        <p:nvPicPr>
+          <p:cNvPr id="121" name="Picture 120"/>
+          <p:cNvPicPr>
+            <a:picLocks noChangeAspect="1"/>
+          </p:cNvPicPr>
+          <p:nvPr/>
+        </p:nvPicPr>
+        <p:blipFill>
+          <a:blip r:embed="rId3">
+            <a:extLst>
+              <a:ext uri="{28A0092B-C50C-407E-A947-70E740481C1C}">
+                <a14:useLocalDpi xmlns:a14="http://schemas.microsoft.com/office/drawing/2010/main" val="0"/>
+              </a:ext>
+            </a:extLst>
+          </a:blip>
+          <a:stretch>
+            <a:fillRect/>
+          </a:stretch>
+        </p:blipFill>
+        <p:spPr>
+          <a:xfrm>
+            <a:off x="156519" y="5157667"/>
+            <a:ext cx="8509686" cy="1069523"/>
+          </a:xfrm>
+          <a:prstGeom prst="rect">
+            <a:avLst/>
+          </a:prstGeom>
+        </p:spPr>
+      </p:pic>
+      <p:sp>
+        <p:nvSpPr>
+          <p:cNvPr id="157" name="RS_Classification_Standard"/>
+          <p:cNvSpPr txBox="1"/>
+          <p:nvPr/>
+        </p:nvSpPr>
+        <p:spPr>
+          <a:xfrm>
+            <a:off x="8990047" y="6187613"/>
+            <a:ext cx="153953" cy="251287"/>
+          </a:xfrm>
+          <a:prstGeom prst="rect">
+            <a:avLst/>
+          </a:prstGeom>
+          <a:solidFill>
+            <a:srgbClr val="FFFFFF">
+              <a:alpha val="0"/>
+            </a:srgbClr>
+          </a:solidFill>
+        </p:spPr>
+        <p:txBody>
+          <a:bodyPr vert="horz" wrap="none" lIns="76200" tIns="36830" rIns="76200" bIns="36830" rtlCol="0" anchor="ctr">
+            <a:spAutoFit/>
+          </a:bodyPr>
+          <a:lstStyle/>
+          <a:p>
+            <a:endParaRPr lang="en-US" sz="1100" b="1" kern="900" spc="100" dirty="0" err="1" smtClean="0">
+              <a:solidFill>
+                <a:srgbClr val="000000"/>
+              </a:solidFill>
+              <a:latin typeface="+mn-lt"/>
+            </a:endParaRPr>
+          </a:p>
+        </p:txBody>
+      </p:sp>
+    </p:spTree>
+    <p:custDataLst>
+      <p:tags r:id="rId1"/>
+    </p:custDataLst>
+    <p:extLst>
+      <p:ext uri="{BB962C8B-B14F-4D97-AF65-F5344CB8AC3E}">
+        <p14:creationId xmlns:p14="http://schemas.microsoft.com/office/powerpoint/2010/main" val="2156184787"/>
+      </p:ext>
+    </p:extLst>
+  </p:cSld>
+  <p:clrMapOvr>
+    <a:masterClrMapping/>
+  </p:clrMapOvr>
+  <p:timing>
+    <p:tnLst>
+      <p:par>
+        <p:cTn id="1" dur="indefinite" restart="never" nodeType="tmRoot"/>
+      </p:par>
+    </p:tnLst>
+  </p:timing>
+</p:sld>
+</file>
+
+<file path=ppt/slides/slide22.xml><?xml version="1.0" encoding="utf-8"?>
+<p:sld xmlns:a="http://schemas.openxmlformats.org/drawingml/2006/main" xmlns:r="http://schemas.openxmlformats.org/officeDocument/2006/relationships" xmlns:p="http://schemas.openxmlformats.org/presentationml/2006/main">
+  <p:cSld>
+    <p:spTree>
+      <p:nvGrpSpPr>
+        <p:cNvPr id="1" name=""/>
+        <p:cNvGrpSpPr/>
+        <p:nvPr/>
+      </p:nvGrpSpPr>
+      <p:grpSpPr>
+        <a:xfrm>
+          <a:off x="0" y="0"/>
+          <a:ext cx="0" cy="0"/>
+          <a:chOff x="0" y="0"/>
+          <a:chExt cx="0" cy="0"/>
+        </a:xfrm>
+      </p:grpSpPr>
+      <p:sp>
+        <p:nvSpPr>
+          <p:cNvPr id="2" name="Content Placeholder 1"/>
+          <p:cNvSpPr>
+            <a:spLocks noGrp="1"/>
+          </p:cNvSpPr>
+          <p:nvPr>
+            <p:ph idx="1"/>
+          </p:nvPr>
+        </p:nvSpPr>
+        <p:spPr>
+          <a:xfrm>
+            <a:off x="318008" y="1445059"/>
+            <a:ext cx="8508999" cy="4699572"/>
+          </a:xfrm>
+        </p:spPr>
+        <p:txBody>
+          <a:bodyPr/>
+          <a:lstStyle/>
+          <a:p>
+            <a:pPr marL="285750" indent="-285750">
+              <a:buFont typeface="Arial" panose="020B0604020202020204" pitchFamily="34" charset="0"/>
+              <a:buChar char="•"/>
+            </a:pPr>
+            <a:r>
+              <a:rPr lang="en-US" dirty="0" smtClean="0"/>
+              <a:t>Packing multiple frozen bits efficient identification of component codes.</a:t>
+            </a:r>
+          </a:p>
+          <a:p>
+            <a:pPr marL="285750" indent="-285750">
+              <a:buFont typeface="Arial" panose="020B0604020202020204" pitchFamily="34" charset="0"/>
+              <a:buChar char="•"/>
+            </a:pPr>
+            <a:r>
+              <a:rPr lang="en-US" dirty="0" smtClean="0"/>
+              <a:t>Frozen pattern is passed in packed bit format to decoder.</a:t>
+            </a:r>
+          </a:p>
+          <a:p>
+            <a:pPr marL="285750" indent="-285750">
+              <a:buFont typeface="Arial" panose="020B0604020202020204" pitchFamily="34" charset="0"/>
+              <a:buChar char="•"/>
+            </a:pPr>
+            <a:r>
+              <a:rPr lang="en-US" dirty="0" smtClean="0"/>
+              <a:t>Identification component codes is performed at run time.</a:t>
+            </a:r>
+          </a:p>
+          <a:p>
+            <a:pPr marL="285750" indent="-285750">
+              <a:buFont typeface="Arial" panose="020B0604020202020204" pitchFamily="34" charset="0"/>
+              <a:buChar char="•"/>
+            </a:pPr>
+            <a:r>
+              <a:rPr lang="en-US" dirty="0" smtClean="0"/>
+              <a:t>Packing of multiple bits together allows identification of component codes in a single comparison instruction.</a:t>
+            </a:r>
+          </a:p>
+          <a:p>
+            <a:pPr marL="285750" indent="-285750">
+              <a:buFont typeface="Arial" panose="020B0604020202020204" pitchFamily="34" charset="0"/>
+              <a:buChar char="•"/>
+            </a:pPr>
+            <a:endParaRPr lang="en-US" dirty="0"/>
+          </a:p>
+          <a:p>
+            <a:pPr marL="285750" indent="-285750">
+              <a:buFont typeface="Arial" panose="020B0604020202020204" pitchFamily="34" charset="0"/>
+              <a:buChar char="•"/>
+            </a:pPr>
+            <a:endParaRPr lang="en-US" dirty="0" smtClean="0"/>
+          </a:p>
+          <a:p>
+            <a:pPr marL="285750" indent="-285750">
+              <a:buFont typeface="Arial" panose="020B0604020202020204" pitchFamily="34" charset="0"/>
+              <a:buChar char="•"/>
+            </a:pPr>
+            <a:endParaRPr lang="en-US" dirty="0"/>
+          </a:p>
+          <a:p>
+            <a:pPr marL="285750" indent="-285750">
+              <a:buFont typeface="Arial" panose="020B0604020202020204" pitchFamily="34" charset="0"/>
+              <a:buChar char="•"/>
+            </a:pPr>
+            <a:endParaRPr lang="en-US" dirty="0"/>
+          </a:p>
+        </p:txBody>
+      </p:sp>
+      <p:sp>
+        <p:nvSpPr>
           <p:cNvPr id="3" name="Slide Number Placeholder 2"/>
           <p:cNvSpPr>
             <a:spLocks noGrp="1"/>
@@ -16118,7 +17332,3598 @@
             <a:fld id="{CE58CB1E-F828-4F11-99E0-327109AF9DA4}" type="slidenum">
               <a:rPr lang="de-DE" smtClean="0"/>
               <a:pPr/>
-              <a:t>20</a:t>
+              <a:t>22</a:t>
+            </a:fld>
+            <a:endParaRPr lang="de-DE" dirty="0"/>
+          </a:p>
+        </p:txBody>
+      </p:sp>
+      <p:sp>
+        <p:nvSpPr>
+          <p:cNvPr id="4" name="Title 3"/>
+          <p:cNvSpPr>
+            <a:spLocks noGrp="1"/>
+          </p:cNvSpPr>
+          <p:nvPr>
+            <p:ph type="title"/>
+          </p:nvPr>
+        </p:nvSpPr>
+        <p:spPr>
+          <a:xfrm>
+            <a:off x="318009" y="706009"/>
+            <a:ext cx="8508999" cy="410369"/>
+          </a:xfrm>
+        </p:spPr>
+        <p:txBody>
+          <a:bodyPr/>
+          <a:lstStyle/>
+          <a:p>
+            <a:r>
+              <a:rPr lang="en-US" dirty="0" smtClean="0"/>
+              <a:t>Polar decoding: Packing frozen bits</a:t>
+            </a:r>
+            <a:endParaRPr lang="en-US" dirty="0"/>
+          </a:p>
+        </p:txBody>
+      </p:sp>
+      <p:sp>
+        <p:nvSpPr>
+          <p:cNvPr id="122" name="RS_Classification_Standard"/>
+          <p:cNvSpPr txBox="1"/>
+          <p:nvPr/>
+        </p:nvSpPr>
+        <p:spPr>
+          <a:xfrm>
+            <a:off x="8990047" y="6187613"/>
+            <a:ext cx="153953" cy="251287"/>
+          </a:xfrm>
+          <a:prstGeom prst="rect">
+            <a:avLst/>
+          </a:prstGeom>
+          <a:solidFill>
+            <a:srgbClr val="FFFFFF">
+              <a:alpha val="0"/>
+            </a:srgbClr>
+          </a:solidFill>
+        </p:spPr>
+        <p:txBody>
+          <a:bodyPr vert="horz" wrap="none" lIns="76200" tIns="36830" rIns="76200" bIns="36830" rtlCol="0" anchor="ctr">
+            <a:spAutoFit/>
+          </a:bodyPr>
+          <a:lstStyle/>
+          <a:p>
+            <a:endParaRPr lang="en-US" sz="1100" b="1" kern="900" spc="100" dirty="0" err="1" smtClean="0">
+              <a:solidFill>
+                <a:srgbClr val="000000"/>
+              </a:solidFill>
+              <a:latin typeface="+mn-lt"/>
+            </a:endParaRPr>
+          </a:p>
+        </p:txBody>
+      </p:sp>
+    </p:spTree>
+    <p:custDataLst>
+      <p:tags r:id="rId1"/>
+    </p:custDataLst>
+    <p:extLst>
+      <p:ext uri="{BB962C8B-B14F-4D97-AF65-F5344CB8AC3E}">
+        <p14:creationId xmlns:p14="http://schemas.microsoft.com/office/powerpoint/2010/main" val="3260881012"/>
+      </p:ext>
+    </p:extLst>
+  </p:cSld>
+  <p:clrMapOvr>
+    <a:masterClrMapping/>
+  </p:clrMapOvr>
+</p:sld>
+</file>
+
+<file path=ppt/slides/slide23.xml><?xml version="1.0" encoding="utf-8"?>
+<p:sld xmlns:a="http://schemas.openxmlformats.org/drawingml/2006/main" xmlns:r="http://schemas.openxmlformats.org/officeDocument/2006/relationships" xmlns:p="http://schemas.openxmlformats.org/presentationml/2006/main">
+  <p:cSld>
+    <p:spTree>
+      <p:nvGrpSpPr>
+        <p:cNvPr id="1" name=""/>
+        <p:cNvGrpSpPr/>
+        <p:nvPr/>
+      </p:nvGrpSpPr>
+      <p:grpSpPr>
+        <a:xfrm>
+          <a:off x="0" y="0"/>
+          <a:ext cx="0" cy="0"/>
+          <a:chOff x="0" y="0"/>
+          <a:chExt cx="0" cy="0"/>
+        </a:xfrm>
+      </p:grpSpPr>
+      <p:sp>
+        <p:nvSpPr>
+          <p:cNvPr id="2" name="Content Placeholder 1"/>
+          <p:cNvSpPr>
+            <a:spLocks noGrp="1"/>
+          </p:cNvSpPr>
+          <p:nvPr>
+            <p:ph idx="1"/>
+          </p:nvPr>
+        </p:nvSpPr>
+        <p:spPr/>
+        <p:txBody>
+          <a:bodyPr/>
+          <a:lstStyle/>
+          <a:p>
+            <a:endParaRPr lang="en-US" dirty="0"/>
+          </a:p>
+        </p:txBody>
+      </p:sp>
+      <p:sp>
+        <p:nvSpPr>
+          <p:cNvPr id="3" name="Slide Number Placeholder 2"/>
+          <p:cNvSpPr>
+            <a:spLocks noGrp="1"/>
+          </p:cNvSpPr>
+          <p:nvPr>
+            <p:ph type="sldNum" sz="quarter" idx="11"/>
+          </p:nvPr>
+        </p:nvSpPr>
+        <p:spPr/>
+        <p:txBody>
+          <a:bodyPr/>
+          <a:lstStyle/>
+          <a:p>
+            <a:fld id="{CE58CB1E-F828-4F11-99E0-327109AF9DA4}" type="slidenum">
+              <a:rPr lang="de-DE" smtClean="0"/>
+              <a:pPr/>
+              <a:t>23</a:t>
+            </a:fld>
+            <a:endParaRPr lang="de-DE" dirty="0"/>
+          </a:p>
+        </p:txBody>
+      </p:sp>
+      <p:sp>
+        <p:nvSpPr>
+          <p:cNvPr id="4" name="Title 3"/>
+          <p:cNvSpPr>
+            <a:spLocks noGrp="1"/>
+          </p:cNvSpPr>
+          <p:nvPr>
+            <p:ph type="title"/>
+          </p:nvPr>
+        </p:nvSpPr>
+        <p:spPr/>
+        <p:txBody>
+          <a:bodyPr/>
+          <a:lstStyle/>
+          <a:p>
+            <a:r>
+              <a:rPr lang="en-US" dirty="0"/>
+              <a:t>Polar decoding: </a:t>
+            </a:r>
+            <a:r>
+              <a:rPr lang="en-US" dirty="0" smtClean="0"/>
+              <a:t>Avoiding superfluous copying</a:t>
+            </a:r>
+            <a:endParaRPr lang="en-US" dirty="0"/>
+          </a:p>
+        </p:txBody>
+      </p:sp>
+      <p:sp>
+        <p:nvSpPr>
+          <p:cNvPr id="121" name="RS_Classification_Standard"/>
+          <p:cNvSpPr txBox="1"/>
+          <p:nvPr/>
+        </p:nvSpPr>
+        <p:spPr>
+          <a:xfrm>
+            <a:off x="8990047" y="6187613"/>
+            <a:ext cx="153953" cy="251287"/>
+          </a:xfrm>
+          <a:prstGeom prst="rect">
+            <a:avLst/>
+          </a:prstGeom>
+          <a:solidFill>
+            <a:srgbClr val="FFFFFF">
+              <a:alpha val="0"/>
+            </a:srgbClr>
+          </a:solidFill>
+        </p:spPr>
+        <p:txBody>
+          <a:bodyPr vert="horz" wrap="none" lIns="76200" tIns="36830" rIns="76200" bIns="36830" rtlCol="0" anchor="ctr">
+            <a:spAutoFit/>
+          </a:bodyPr>
+          <a:lstStyle/>
+          <a:p>
+            <a:endParaRPr lang="en-US" sz="1100" b="1" kern="900" spc="100" dirty="0" err="1" smtClean="0">
+              <a:solidFill>
+                <a:srgbClr val="000000"/>
+              </a:solidFill>
+              <a:latin typeface="+mn-lt"/>
+            </a:endParaRPr>
+          </a:p>
+        </p:txBody>
+      </p:sp>
+    </p:spTree>
+    <p:custDataLst>
+      <p:tags r:id="rId1"/>
+    </p:custDataLst>
+    <p:extLst>
+      <p:ext uri="{BB962C8B-B14F-4D97-AF65-F5344CB8AC3E}">
+        <p14:creationId xmlns:p14="http://schemas.microsoft.com/office/powerpoint/2010/main" val="3235814709"/>
+      </p:ext>
+    </p:extLst>
+  </p:cSld>
+  <p:clrMapOvr>
+    <a:masterClrMapping/>
+  </p:clrMapOvr>
+</p:sld>
+</file>
+
+<file path=ppt/slides/slide24.xml><?xml version="1.0" encoding="utf-8"?>
+<p:sld xmlns:a="http://schemas.openxmlformats.org/drawingml/2006/main" xmlns:r="http://schemas.openxmlformats.org/officeDocument/2006/relationships" xmlns:p="http://schemas.openxmlformats.org/presentationml/2006/main">
+  <p:cSld>
+    <p:spTree>
+      <p:nvGrpSpPr>
+        <p:cNvPr id="1" name=""/>
+        <p:cNvGrpSpPr/>
+        <p:nvPr/>
+      </p:nvGrpSpPr>
+      <p:grpSpPr>
+        <a:xfrm>
+          <a:off x="0" y="0"/>
+          <a:ext cx="0" cy="0"/>
+          <a:chOff x="0" y="0"/>
+          <a:chExt cx="0" cy="0"/>
+        </a:xfrm>
+      </p:grpSpPr>
+      <p:sp>
+        <p:nvSpPr>
+          <p:cNvPr id="2" name="Content Placeholder 1"/>
+          <p:cNvSpPr>
+            <a:spLocks noGrp="1"/>
+          </p:cNvSpPr>
+          <p:nvPr>
+            <p:ph idx="1"/>
+          </p:nvPr>
+        </p:nvSpPr>
+        <p:spPr/>
+        <p:txBody>
+          <a:bodyPr/>
+          <a:lstStyle/>
+          <a:p>
+            <a:endParaRPr lang="en-US"/>
+          </a:p>
+        </p:txBody>
+      </p:sp>
+      <p:sp>
+        <p:nvSpPr>
+          <p:cNvPr id="3" name="Slide Number Placeholder 2"/>
+          <p:cNvSpPr>
+            <a:spLocks noGrp="1"/>
+          </p:cNvSpPr>
+          <p:nvPr>
+            <p:ph type="sldNum" sz="quarter" idx="11"/>
+          </p:nvPr>
+        </p:nvSpPr>
+        <p:spPr/>
+        <p:txBody>
+          <a:bodyPr/>
+          <a:lstStyle/>
+          <a:p>
+            <a:fld id="{CE58CB1E-F828-4F11-99E0-327109AF9DA4}" type="slidenum">
+              <a:rPr lang="de-DE" smtClean="0"/>
+              <a:pPr/>
+              <a:t>24</a:t>
+            </a:fld>
+            <a:endParaRPr lang="de-DE" dirty="0"/>
+          </a:p>
+        </p:txBody>
+      </p:sp>
+      <p:sp>
+        <p:nvSpPr>
+          <p:cNvPr id="4" name="Title 3"/>
+          <p:cNvSpPr>
+            <a:spLocks noGrp="1"/>
+          </p:cNvSpPr>
+          <p:nvPr>
+            <p:ph type="title"/>
+          </p:nvPr>
+        </p:nvSpPr>
+        <p:spPr/>
+        <p:txBody>
+          <a:bodyPr/>
+          <a:lstStyle/>
+          <a:p>
+            <a:r>
+              <a:rPr lang="en-US" dirty="0" smtClean="0"/>
+              <a:t>Polar decoding: Optimized CN and VN operations</a:t>
+            </a:r>
+            <a:endParaRPr lang="en-US" dirty="0"/>
+          </a:p>
+        </p:txBody>
+      </p:sp>
+      <p:sp>
+        <p:nvSpPr>
+          <p:cNvPr id="120" name="RS_Classification_Standard"/>
+          <p:cNvSpPr txBox="1"/>
+          <p:nvPr/>
+        </p:nvSpPr>
+        <p:spPr>
+          <a:xfrm>
+            <a:off x="8990047" y="6187613"/>
+            <a:ext cx="153953" cy="251287"/>
+          </a:xfrm>
+          <a:prstGeom prst="rect">
+            <a:avLst/>
+          </a:prstGeom>
+          <a:solidFill>
+            <a:srgbClr val="FFFFFF">
+              <a:alpha val="0"/>
+            </a:srgbClr>
+          </a:solidFill>
+        </p:spPr>
+        <p:txBody>
+          <a:bodyPr vert="horz" wrap="none" lIns="76200" tIns="36830" rIns="76200" bIns="36830" rtlCol="0" anchor="ctr">
+            <a:spAutoFit/>
+          </a:bodyPr>
+          <a:lstStyle/>
+          <a:p>
+            <a:endParaRPr lang="en-US" sz="1100" b="1" kern="900" spc="100" dirty="0" err="1" smtClean="0">
+              <a:solidFill>
+                <a:srgbClr val="000000"/>
+              </a:solidFill>
+              <a:latin typeface="+mn-lt"/>
+            </a:endParaRPr>
+          </a:p>
+        </p:txBody>
+      </p:sp>
+    </p:spTree>
+    <p:custDataLst>
+      <p:tags r:id="rId1"/>
+    </p:custDataLst>
+    <p:extLst>
+      <p:ext uri="{BB962C8B-B14F-4D97-AF65-F5344CB8AC3E}">
+        <p14:creationId xmlns:p14="http://schemas.microsoft.com/office/powerpoint/2010/main" val="2207590021"/>
+      </p:ext>
+    </p:extLst>
+  </p:cSld>
+  <p:clrMapOvr>
+    <a:masterClrMapping/>
+  </p:clrMapOvr>
+</p:sld>
+</file>
+
+<file path=ppt/slides/slide25.xml><?xml version="1.0" encoding="utf-8"?>
+<p:sld xmlns:a="http://schemas.openxmlformats.org/drawingml/2006/main" xmlns:r="http://schemas.openxmlformats.org/officeDocument/2006/relationships" xmlns:p="http://schemas.openxmlformats.org/presentationml/2006/main">
+  <p:cSld>
+    <p:spTree>
+      <p:nvGrpSpPr>
+        <p:cNvPr id="1" name=""/>
+        <p:cNvGrpSpPr/>
+        <p:nvPr/>
+      </p:nvGrpSpPr>
+      <p:grpSpPr>
+        <a:xfrm>
+          <a:off x="0" y="0"/>
+          <a:ext cx="0" cy="0"/>
+          <a:chOff x="0" y="0"/>
+          <a:chExt cx="0" cy="0"/>
+        </a:xfrm>
+      </p:grpSpPr>
+      <p:sp>
+        <p:nvSpPr>
+          <p:cNvPr id="2" name="Content Placeholder 1"/>
+          <p:cNvSpPr>
+            <a:spLocks noGrp="1"/>
+          </p:cNvSpPr>
+          <p:nvPr>
+            <p:ph idx="1"/>
+          </p:nvPr>
+        </p:nvSpPr>
+        <p:spPr/>
+        <p:txBody>
+          <a:bodyPr/>
+          <a:lstStyle/>
+          <a:p>
+            <a:r>
+              <a:rPr lang="en-US" dirty="0" smtClean="0"/>
+              <a:t>Vector threshold detection and polar transform for R1 nodes.</a:t>
+            </a:r>
+            <a:endParaRPr lang="en-US" dirty="0"/>
+          </a:p>
+        </p:txBody>
+      </p:sp>
+      <p:sp>
+        <p:nvSpPr>
+          <p:cNvPr id="3" name="Slide Number Placeholder 2"/>
+          <p:cNvSpPr>
+            <a:spLocks noGrp="1"/>
+          </p:cNvSpPr>
+          <p:nvPr>
+            <p:ph type="sldNum" sz="quarter" idx="11"/>
+          </p:nvPr>
+        </p:nvSpPr>
+        <p:spPr/>
+        <p:txBody>
+          <a:bodyPr/>
+          <a:lstStyle/>
+          <a:p>
+            <a:fld id="{CE58CB1E-F828-4F11-99E0-327109AF9DA4}" type="slidenum">
+              <a:rPr lang="de-DE" smtClean="0"/>
+              <a:pPr/>
+              <a:t>25</a:t>
+            </a:fld>
+            <a:endParaRPr lang="de-DE" dirty="0"/>
+          </a:p>
+        </p:txBody>
+      </p:sp>
+      <p:sp>
+        <p:nvSpPr>
+          <p:cNvPr id="4" name="Title 3"/>
+          <p:cNvSpPr>
+            <a:spLocks noGrp="1"/>
+          </p:cNvSpPr>
+          <p:nvPr>
+            <p:ph type="title"/>
+          </p:nvPr>
+        </p:nvSpPr>
+        <p:spPr/>
+        <p:txBody>
+          <a:bodyPr/>
+          <a:lstStyle/>
+          <a:p>
+            <a:r>
+              <a:rPr lang="en-US" dirty="0" smtClean="0"/>
+              <a:t>Decoding R0 and R1 codes</a:t>
+            </a:r>
+            <a:endParaRPr lang="en-US" dirty="0"/>
+          </a:p>
+        </p:txBody>
+      </p:sp>
+      <p:sp>
+        <p:nvSpPr>
+          <p:cNvPr id="119" name="RS_Classification_Standard"/>
+          <p:cNvSpPr txBox="1"/>
+          <p:nvPr/>
+        </p:nvSpPr>
+        <p:spPr>
+          <a:xfrm>
+            <a:off x="8990047" y="6187613"/>
+            <a:ext cx="153953" cy="251287"/>
+          </a:xfrm>
+          <a:prstGeom prst="rect">
+            <a:avLst/>
+          </a:prstGeom>
+          <a:solidFill>
+            <a:srgbClr val="FFFFFF">
+              <a:alpha val="0"/>
+            </a:srgbClr>
+          </a:solidFill>
+        </p:spPr>
+        <p:txBody>
+          <a:bodyPr vert="horz" wrap="none" lIns="76200" tIns="36830" rIns="76200" bIns="36830" rtlCol="0" anchor="ctr">
+            <a:spAutoFit/>
+          </a:bodyPr>
+          <a:lstStyle/>
+          <a:p>
+            <a:endParaRPr lang="en-US" sz="1100" b="1" kern="900" spc="100" dirty="0" err="1" smtClean="0">
+              <a:solidFill>
+                <a:srgbClr val="000000"/>
+              </a:solidFill>
+              <a:latin typeface="+mn-lt"/>
+            </a:endParaRPr>
+          </a:p>
+        </p:txBody>
+      </p:sp>
+    </p:spTree>
+    <p:custDataLst>
+      <p:tags r:id="rId1"/>
+    </p:custDataLst>
+    <p:extLst>
+      <p:ext uri="{BB962C8B-B14F-4D97-AF65-F5344CB8AC3E}">
+        <p14:creationId xmlns:p14="http://schemas.microsoft.com/office/powerpoint/2010/main" val="1229493002"/>
+      </p:ext>
+    </p:extLst>
+  </p:cSld>
+  <p:clrMapOvr>
+    <a:masterClrMapping/>
+  </p:clrMapOvr>
+</p:sld>
+</file>
+
+<file path=ppt/slides/slide26.xml><?xml version="1.0" encoding="utf-8"?>
+<p:sld xmlns:a="http://schemas.openxmlformats.org/drawingml/2006/main" xmlns:r="http://schemas.openxmlformats.org/officeDocument/2006/relationships" xmlns:p="http://schemas.openxmlformats.org/presentationml/2006/main">
+  <p:cSld>
+    <p:spTree>
+      <p:nvGrpSpPr>
+        <p:cNvPr id="1" name=""/>
+        <p:cNvGrpSpPr/>
+        <p:nvPr/>
+      </p:nvGrpSpPr>
+      <p:grpSpPr>
+        <a:xfrm>
+          <a:off x="0" y="0"/>
+          <a:ext cx="0" cy="0"/>
+          <a:chOff x="0" y="0"/>
+          <a:chExt cx="0" cy="0"/>
+        </a:xfrm>
+      </p:grpSpPr>
+      <p:sp>
+        <p:nvSpPr>
+          <p:cNvPr id="2" name="Content Placeholder 1"/>
+          <p:cNvSpPr>
+            <a:spLocks noGrp="1"/>
+          </p:cNvSpPr>
+          <p:nvPr>
+            <p:ph idx="1"/>
+          </p:nvPr>
+        </p:nvSpPr>
+        <p:spPr/>
+        <p:txBody>
+          <a:bodyPr/>
+          <a:lstStyle/>
+          <a:p>
+            <a:r>
+              <a:rPr lang="en-US" dirty="0" smtClean="0"/>
+              <a:t>Parity calculation, position searching, polar transform</a:t>
+            </a:r>
+            <a:endParaRPr lang="en-US" dirty="0"/>
+          </a:p>
+        </p:txBody>
+      </p:sp>
+      <p:sp>
+        <p:nvSpPr>
+          <p:cNvPr id="3" name="Slide Number Placeholder 2"/>
+          <p:cNvSpPr>
+            <a:spLocks noGrp="1"/>
+          </p:cNvSpPr>
+          <p:nvPr>
+            <p:ph type="sldNum" sz="quarter" idx="11"/>
+          </p:nvPr>
+        </p:nvSpPr>
+        <p:spPr/>
+        <p:txBody>
+          <a:bodyPr/>
+          <a:lstStyle/>
+          <a:p>
+            <a:fld id="{CE58CB1E-F828-4F11-99E0-327109AF9DA4}" type="slidenum">
+              <a:rPr lang="de-DE" smtClean="0"/>
+              <a:pPr/>
+              <a:t>26</a:t>
+            </a:fld>
+            <a:endParaRPr lang="de-DE" dirty="0"/>
+          </a:p>
+        </p:txBody>
+      </p:sp>
+      <p:sp>
+        <p:nvSpPr>
+          <p:cNvPr id="4" name="Title 3"/>
+          <p:cNvSpPr>
+            <a:spLocks noGrp="1"/>
+          </p:cNvSpPr>
+          <p:nvPr>
+            <p:ph type="title"/>
+          </p:nvPr>
+        </p:nvSpPr>
+        <p:spPr/>
+        <p:txBody>
+          <a:bodyPr/>
+          <a:lstStyle/>
+          <a:p>
+            <a:r>
+              <a:rPr lang="en-US" dirty="0" smtClean="0"/>
+              <a:t>Decoding RPC and SPC codes</a:t>
+            </a:r>
+            <a:endParaRPr lang="en-US" dirty="0"/>
+          </a:p>
+        </p:txBody>
+      </p:sp>
+      <p:sp>
+        <p:nvSpPr>
+          <p:cNvPr id="118" name="RS_Classification_Standard"/>
+          <p:cNvSpPr txBox="1"/>
+          <p:nvPr/>
+        </p:nvSpPr>
+        <p:spPr>
+          <a:xfrm>
+            <a:off x="8990047" y="6187613"/>
+            <a:ext cx="153953" cy="251287"/>
+          </a:xfrm>
+          <a:prstGeom prst="rect">
+            <a:avLst/>
+          </a:prstGeom>
+          <a:solidFill>
+            <a:srgbClr val="FFFFFF">
+              <a:alpha val="0"/>
+            </a:srgbClr>
+          </a:solidFill>
+        </p:spPr>
+        <p:txBody>
+          <a:bodyPr vert="horz" wrap="none" lIns="76200" tIns="36830" rIns="76200" bIns="36830" rtlCol="0" anchor="ctr">
+            <a:spAutoFit/>
+          </a:bodyPr>
+          <a:lstStyle/>
+          <a:p>
+            <a:endParaRPr lang="en-US" sz="1100" b="1" kern="900" spc="100" dirty="0" err="1" smtClean="0">
+              <a:solidFill>
+                <a:srgbClr val="000000"/>
+              </a:solidFill>
+              <a:latin typeface="+mn-lt"/>
+            </a:endParaRPr>
+          </a:p>
+        </p:txBody>
+      </p:sp>
+    </p:spTree>
+    <p:custDataLst>
+      <p:tags r:id="rId1"/>
+    </p:custDataLst>
+    <p:extLst>
+      <p:ext uri="{BB962C8B-B14F-4D97-AF65-F5344CB8AC3E}">
+        <p14:creationId xmlns:p14="http://schemas.microsoft.com/office/powerpoint/2010/main" val="3784503623"/>
+      </p:ext>
+    </p:extLst>
+  </p:cSld>
+  <p:clrMapOvr>
+    <a:masterClrMapping/>
+  </p:clrMapOvr>
+</p:sld>
+</file>
+
+<file path=ppt/slides/slide27.xml><?xml version="1.0" encoding="utf-8"?>
+<p:sld xmlns:a="http://schemas.openxmlformats.org/drawingml/2006/main" xmlns:r="http://schemas.openxmlformats.org/officeDocument/2006/relationships" xmlns:p="http://schemas.openxmlformats.org/presentationml/2006/main">
+  <p:cSld>
+    <p:spTree>
+      <p:nvGrpSpPr>
+        <p:cNvPr id="1" name=""/>
+        <p:cNvGrpSpPr/>
+        <p:nvPr/>
+      </p:nvGrpSpPr>
+      <p:grpSpPr>
+        <a:xfrm>
+          <a:off x="0" y="0"/>
+          <a:ext cx="0" cy="0"/>
+          <a:chOff x="0" y="0"/>
+          <a:chExt cx="0" cy="0"/>
+        </a:xfrm>
+      </p:grpSpPr>
+      <p:pic>
+        <p:nvPicPr>
+          <p:cNvPr id="9" name="Content Placeholder 8"/>
+          <p:cNvPicPr>
+            <a:picLocks noGrp="1" noChangeAspect="1"/>
+          </p:cNvPicPr>
+          <p:nvPr>
+            <p:ph idx="1"/>
+          </p:nvPr>
+        </p:nvPicPr>
+        <p:blipFill>
+          <a:blip r:embed="rId3">
+            <a:extLst>
+              <a:ext uri="{28A0092B-C50C-407E-A947-70E740481C1C}">
+                <a14:useLocalDpi xmlns:a14="http://schemas.microsoft.com/office/drawing/2010/main" val="0"/>
+              </a:ext>
+            </a:extLst>
+          </a:blip>
+          <a:stretch>
+            <a:fillRect/>
+          </a:stretch>
+        </p:blipFill>
+        <p:spPr>
+          <a:xfrm>
+            <a:off x="0" y="1731956"/>
+            <a:ext cx="8509000" cy="4050883"/>
+          </a:xfrm>
+        </p:spPr>
+      </p:pic>
+      <p:sp>
+        <p:nvSpPr>
+          <p:cNvPr id="3" name="Slide Number Placeholder 2"/>
+          <p:cNvSpPr>
+            <a:spLocks noGrp="1"/>
+          </p:cNvSpPr>
+          <p:nvPr>
+            <p:ph type="sldNum" sz="quarter" idx="11"/>
+          </p:nvPr>
+        </p:nvSpPr>
+        <p:spPr/>
+        <p:txBody>
+          <a:bodyPr/>
+          <a:lstStyle/>
+          <a:p>
+            <a:fld id="{CE58CB1E-F828-4F11-99E0-327109AF9DA4}" type="slidenum">
+              <a:rPr lang="de-DE" smtClean="0"/>
+              <a:pPr/>
+              <a:t>27</a:t>
+            </a:fld>
+            <a:endParaRPr lang="de-DE" dirty="0"/>
+          </a:p>
+        </p:txBody>
+      </p:sp>
+      <p:sp>
+        <p:nvSpPr>
+          <p:cNvPr id="4" name="Title 3"/>
+          <p:cNvSpPr>
+            <a:spLocks noGrp="1"/>
+          </p:cNvSpPr>
+          <p:nvPr>
+            <p:ph type="title"/>
+          </p:nvPr>
+        </p:nvSpPr>
+        <p:spPr/>
+        <p:txBody>
+          <a:bodyPr/>
+          <a:lstStyle/>
+          <a:p>
+            <a:r>
+              <a:rPr lang="en-US" dirty="0" smtClean="0"/>
+              <a:t>Block wise addition for RPC</a:t>
+            </a:r>
+            <a:endParaRPr lang="en-US" dirty="0"/>
+          </a:p>
+        </p:txBody>
+      </p:sp>
+      <p:sp>
+        <p:nvSpPr>
+          <p:cNvPr id="119" name="RS_Classification_Standard"/>
+          <p:cNvSpPr txBox="1"/>
+          <p:nvPr/>
+        </p:nvSpPr>
+        <p:spPr>
+          <a:xfrm>
+            <a:off x="8990047" y="6187613"/>
+            <a:ext cx="153953" cy="251287"/>
+          </a:xfrm>
+          <a:prstGeom prst="rect">
+            <a:avLst/>
+          </a:prstGeom>
+          <a:solidFill>
+            <a:srgbClr val="FFFFFF">
+              <a:alpha val="0"/>
+            </a:srgbClr>
+          </a:solidFill>
+        </p:spPr>
+        <p:txBody>
+          <a:bodyPr vert="horz" wrap="none" lIns="76200" tIns="36830" rIns="76200" bIns="36830" rtlCol="0" anchor="ctr">
+            <a:spAutoFit/>
+          </a:bodyPr>
+          <a:lstStyle/>
+          <a:p>
+            <a:endParaRPr lang="en-US" sz="1100" b="1" kern="900" spc="100" dirty="0" err="1" smtClean="0">
+              <a:solidFill>
+                <a:srgbClr val="000000"/>
+              </a:solidFill>
+              <a:latin typeface="+mn-lt"/>
+            </a:endParaRPr>
+          </a:p>
+        </p:txBody>
+      </p:sp>
+    </p:spTree>
+    <p:custDataLst>
+      <p:tags r:id="rId1"/>
+    </p:custDataLst>
+    <p:extLst>
+      <p:ext uri="{BB962C8B-B14F-4D97-AF65-F5344CB8AC3E}">
+        <p14:creationId xmlns:p14="http://schemas.microsoft.com/office/powerpoint/2010/main" val="2413422492"/>
+      </p:ext>
+    </p:extLst>
+  </p:cSld>
+  <p:clrMapOvr>
+    <a:masterClrMapping/>
+  </p:clrMapOvr>
+</p:sld>
+</file>
+
+<file path=ppt/slides/slide28.xml><?xml version="1.0" encoding="utf-8"?>
+<p:sld xmlns:a="http://schemas.openxmlformats.org/drawingml/2006/main" xmlns:r="http://schemas.openxmlformats.org/officeDocument/2006/relationships" xmlns:p="http://schemas.openxmlformats.org/presentationml/2006/main">
+  <p:cSld>
+    <p:spTree>
+      <p:nvGrpSpPr>
+        <p:cNvPr id="1" name=""/>
+        <p:cNvGrpSpPr/>
+        <p:nvPr/>
+      </p:nvGrpSpPr>
+      <p:grpSpPr>
+        <a:xfrm>
+          <a:off x="0" y="0"/>
+          <a:ext cx="0" cy="0"/>
+          <a:chOff x="0" y="0"/>
+          <a:chExt cx="0" cy="0"/>
+        </a:xfrm>
+      </p:grpSpPr>
+      <p:sp>
+        <p:nvSpPr>
+          <p:cNvPr id="2" name="Content Placeholder 1"/>
+          <p:cNvSpPr>
+            <a:spLocks noGrp="1"/>
+          </p:cNvSpPr>
+          <p:nvPr>
+            <p:ph idx="1"/>
+          </p:nvPr>
+        </p:nvSpPr>
+        <p:spPr/>
+        <p:txBody>
+          <a:bodyPr/>
+          <a:lstStyle/>
+          <a:p>
+            <a:pPr marL="285750" indent="-285750">
+              <a:buFont typeface="Arial" panose="020B0604020202020204" pitchFamily="34" charset="0"/>
+              <a:buChar char="•"/>
+            </a:pPr>
+            <a:r>
+              <a:rPr lang="en-US" dirty="0" smtClean="0"/>
+              <a:t>Recursive formulation is advantageous for hardware implementation. However in software recursive function calling huge overhead.</a:t>
+            </a:r>
+          </a:p>
+          <a:p>
+            <a:pPr marL="285750" indent="-285750">
+              <a:buFont typeface="Arial" panose="020B0604020202020204" pitchFamily="34" charset="0"/>
+              <a:buChar char="•"/>
+            </a:pPr>
+            <a:r>
+              <a:rPr lang="en-US" dirty="0" smtClean="0"/>
+              <a:t>To overcome this overhead decoder implementation is unrolled using templates concept of C++.</a:t>
+            </a:r>
+          </a:p>
+          <a:p>
+            <a:pPr marL="285750" indent="-285750">
+              <a:buFont typeface="Arial" panose="020B0604020202020204" pitchFamily="34" charset="0"/>
+              <a:buChar char="•"/>
+            </a:pPr>
+            <a:r>
+              <a:rPr lang="en-US" dirty="0" smtClean="0"/>
+              <a:t>With templates compiler automatically generates the code for different vector sizes.</a:t>
+            </a:r>
+          </a:p>
+          <a:p>
+            <a:pPr marL="285750" indent="-285750">
+              <a:buFont typeface="Arial" panose="020B0604020202020204" pitchFamily="34" charset="0"/>
+              <a:buChar char="•"/>
+            </a:pPr>
+            <a:r>
+              <a:rPr lang="en-US" dirty="0" smtClean="0"/>
+              <a:t>One can also explicitly specialize functions if different logic needs to be implemented for particular vector size.</a:t>
+            </a:r>
+            <a:endParaRPr lang="en-US" dirty="0"/>
+          </a:p>
+        </p:txBody>
+      </p:sp>
+      <p:sp>
+        <p:nvSpPr>
+          <p:cNvPr id="3" name="Slide Number Placeholder 2"/>
+          <p:cNvSpPr>
+            <a:spLocks noGrp="1"/>
+          </p:cNvSpPr>
+          <p:nvPr>
+            <p:ph type="sldNum" sz="quarter" idx="11"/>
+          </p:nvPr>
+        </p:nvSpPr>
+        <p:spPr/>
+        <p:txBody>
+          <a:bodyPr/>
+          <a:lstStyle/>
+          <a:p>
+            <a:fld id="{CE58CB1E-F828-4F11-99E0-327109AF9DA4}" type="slidenum">
+              <a:rPr lang="de-DE" smtClean="0"/>
+              <a:pPr/>
+              <a:t>28</a:t>
+            </a:fld>
+            <a:endParaRPr lang="de-DE" dirty="0"/>
+          </a:p>
+        </p:txBody>
+      </p:sp>
+      <p:sp>
+        <p:nvSpPr>
+          <p:cNvPr id="4" name="Title 3"/>
+          <p:cNvSpPr>
+            <a:spLocks noGrp="1"/>
+          </p:cNvSpPr>
+          <p:nvPr>
+            <p:ph type="title"/>
+          </p:nvPr>
+        </p:nvSpPr>
+        <p:spPr/>
+        <p:txBody>
+          <a:bodyPr/>
+          <a:lstStyle/>
+          <a:p>
+            <a:r>
+              <a:rPr lang="en-US" dirty="0" smtClean="0"/>
+              <a:t>Unrolling the decoder</a:t>
+            </a:r>
+            <a:endParaRPr lang="en-US" dirty="0"/>
+          </a:p>
+        </p:txBody>
+      </p:sp>
+      <p:sp>
+        <p:nvSpPr>
+          <p:cNvPr id="93" name="RS_Classification_Standard"/>
+          <p:cNvSpPr txBox="1"/>
+          <p:nvPr/>
+        </p:nvSpPr>
+        <p:spPr>
+          <a:xfrm>
+            <a:off x="8990047" y="6187613"/>
+            <a:ext cx="153953" cy="251287"/>
+          </a:xfrm>
+          <a:prstGeom prst="rect">
+            <a:avLst/>
+          </a:prstGeom>
+          <a:solidFill>
+            <a:srgbClr val="FFFFFF">
+              <a:alpha val="0"/>
+            </a:srgbClr>
+          </a:solidFill>
+        </p:spPr>
+        <p:txBody>
+          <a:bodyPr vert="horz" wrap="none" lIns="76200" tIns="36830" rIns="76200" bIns="36830" rtlCol="0" anchor="ctr">
+            <a:spAutoFit/>
+          </a:bodyPr>
+          <a:lstStyle/>
+          <a:p>
+            <a:endParaRPr lang="en-US" sz="1100" b="1" kern="900" spc="100" dirty="0" err="1" smtClean="0">
+              <a:solidFill>
+                <a:srgbClr val="000000"/>
+              </a:solidFill>
+              <a:latin typeface="+mn-lt"/>
+            </a:endParaRPr>
+          </a:p>
+        </p:txBody>
+      </p:sp>
+    </p:spTree>
+    <p:custDataLst>
+      <p:tags r:id="rId1"/>
+    </p:custDataLst>
+    <p:extLst>
+      <p:ext uri="{BB962C8B-B14F-4D97-AF65-F5344CB8AC3E}">
+        <p14:creationId xmlns:p14="http://schemas.microsoft.com/office/powerpoint/2010/main" val="3852677075"/>
+      </p:ext>
+    </p:extLst>
+  </p:cSld>
+  <p:clrMapOvr>
+    <a:masterClrMapping/>
+  </p:clrMapOvr>
+</p:sld>
+</file>
+
+<file path=ppt/slides/slide29.xml><?xml version="1.0" encoding="utf-8"?>
+<p:sld xmlns:a="http://schemas.openxmlformats.org/drawingml/2006/main" xmlns:r="http://schemas.openxmlformats.org/officeDocument/2006/relationships" xmlns:p="http://schemas.openxmlformats.org/presentationml/2006/main">
+  <p:cSld>
+    <p:spTree>
+      <p:nvGrpSpPr>
+        <p:cNvPr id="1" name=""/>
+        <p:cNvGrpSpPr/>
+        <p:nvPr/>
+      </p:nvGrpSpPr>
+      <p:grpSpPr>
+        <a:xfrm>
+          <a:off x="0" y="0"/>
+          <a:ext cx="0" cy="0"/>
+          <a:chOff x="0" y="0"/>
+          <a:chExt cx="0" cy="0"/>
+        </a:xfrm>
+      </p:grpSpPr>
+      <p:sp>
+        <p:nvSpPr>
+          <p:cNvPr id="2" name="Content Placeholder 1"/>
+          <p:cNvSpPr>
+            <a:spLocks noGrp="1"/>
+          </p:cNvSpPr>
+          <p:nvPr>
+            <p:ph idx="1"/>
+          </p:nvPr>
+        </p:nvSpPr>
+        <p:spPr/>
+        <p:txBody>
+          <a:bodyPr/>
+          <a:lstStyle/>
+          <a:p>
+            <a:pPr marL="285750" indent="-285750">
+              <a:buFont typeface="Arial" panose="020B0604020202020204" pitchFamily="34" charset="0"/>
+              <a:buChar char="•"/>
+            </a:pPr>
+            <a:r>
+              <a:rPr lang="en-US" dirty="0"/>
+              <a:t>Memory access in the decoder is regular.</a:t>
+            </a:r>
+          </a:p>
+          <a:p>
+            <a:pPr marL="285750" indent="-285750">
+              <a:buFont typeface="Arial" panose="020B0604020202020204" pitchFamily="34" charset="0"/>
+              <a:buChar char="•"/>
+            </a:pPr>
+            <a:r>
+              <a:rPr lang="en-US" dirty="0"/>
+              <a:t>Future memory which is going to be accessed is known in advance.</a:t>
+            </a:r>
+          </a:p>
+          <a:p>
+            <a:pPr marL="285750" indent="-285750">
+              <a:buFont typeface="Arial" panose="020B0604020202020204" pitchFamily="34" charset="0"/>
+              <a:buChar char="•"/>
+            </a:pPr>
+            <a:r>
+              <a:rPr lang="en-US" dirty="0"/>
+              <a:t>Memory access latency can be overcome by issuing non blocking cache line fetch instruction in advance.</a:t>
+            </a:r>
+          </a:p>
+          <a:p>
+            <a:endParaRPr lang="en-US" dirty="0"/>
+          </a:p>
+        </p:txBody>
+      </p:sp>
+      <p:sp>
+        <p:nvSpPr>
+          <p:cNvPr id="3" name="Slide Number Placeholder 2"/>
+          <p:cNvSpPr>
+            <a:spLocks noGrp="1"/>
+          </p:cNvSpPr>
+          <p:nvPr>
+            <p:ph type="sldNum" sz="quarter" idx="11"/>
+          </p:nvPr>
+        </p:nvSpPr>
+        <p:spPr/>
+        <p:txBody>
+          <a:bodyPr/>
+          <a:lstStyle/>
+          <a:p>
+            <a:fld id="{CE58CB1E-F828-4F11-99E0-327109AF9DA4}" type="slidenum">
+              <a:rPr lang="de-DE" smtClean="0"/>
+              <a:pPr/>
+              <a:t>29</a:t>
+            </a:fld>
+            <a:endParaRPr lang="de-DE" dirty="0"/>
+          </a:p>
+        </p:txBody>
+      </p:sp>
+      <p:sp>
+        <p:nvSpPr>
+          <p:cNvPr id="4" name="Title 3"/>
+          <p:cNvSpPr>
+            <a:spLocks noGrp="1"/>
+          </p:cNvSpPr>
+          <p:nvPr>
+            <p:ph type="title"/>
+          </p:nvPr>
+        </p:nvSpPr>
+        <p:spPr/>
+        <p:txBody>
+          <a:bodyPr/>
+          <a:lstStyle/>
+          <a:p>
+            <a:r>
+              <a:rPr lang="en-US" dirty="0" smtClean="0"/>
+              <a:t>Cache prefetching</a:t>
+            </a:r>
+            <a:endParaRPr lang="en-US" dirty="0"/>
+          </a:p>
+        </p:txBody>
+      </p:sp>
+      <p:sp>
+        <p:nvSpPr>
+          <p:cNvPr id="116" name="RS_Classification_Standard"/>
+          <p:cNvSpPr txBox="1"/>
+          <p:nvPr/>
+        </p:nvSpPr>
+        <p:spPr>
+          <a:xfrm>
+            <a:off x="8990047" y="6187613"/>
+            <a:ext cx="153953" cy="251287"/>
+          </a:xfrm>
+          <a:prstGeom prst="rect">
+            <a:avLst/>
+          </a:prstGeom>
+          <a:solidFill>
+            <a:srgbClr val="FFFFFF">
+              <a:alpha val="0"/>
+            </a:srgbClr>
+          </a:solidFill>
+        </p:spPr>
+        <p:txBody>
+          <a:bodyPr vert="horz" wrap="none" lIns="76200" tIns="36830" rIns="76200" bIns="36830" rtlCol="0" anchor="ctr">
+            <a:spAutoFit/>
+          </a:bodyPr>
+          <a:lstStyle/>
+          <a:p>
+            <a:endParaRPr lang="en-US" sz="1100" b="1" kern="900" spc="100" dirty="0" err="1" smtClean="0">
+              <a:solidFill>
+                <a:srgbClr val="000000"/>
+              </a:solidFill>
+              <a:latin typeface="+mn-lt"/>
+            </a:endParaRPr>
+          </a:p>
+        </p:txBody>
+      </p:sp>
+    </p:spTree>
+    <p:custDataLst>
+      <p:tags r:id="rId1"/>
+    </p:custDataLst>
+    <p:extLst>
+      <p:ext uri="{BB962C8B-B14F-4D97-AF65-F5344CB8AC3E}">
+        <p14:creationId xmlns:p14="http://schemas.microsoft.com/office/powerpoint/2010/main" val="2863811702"/>
+      </p:ext>
+    </p:extLst>
+  </p:cSld>
+  <p:clrMapOvr>
+    <a:masterClrMapping/>
+  </p:clrMapOvr>
+</p:sld>
+</file>
+
+<file path=ppt/slides/slide3.xml><?xml version="1.0" encoding="utf-8"?>
+<p:sld xmlns:a="http://schemas.openxmlformats.org/drawingml/2006/main" xmlns:r="http://schemas.openxmlformats.org/officeDocument/2006/relationships" xmlns:p="http://schemas.openxmlformats.org/presentationml/2006/main">
+  <p:cSld>
+    <p:spTree>
+      <p:nvGrpSpPr>
+        <p:cNvPr id="1" name=""/>
+        <p:cNvGrpSpPr/>
+        <p:nvPr/>
+      </p:nvGrpSpPr>
+      <p:grpSpPr>
+        <a:xfrm>
+          <a:off x="0" y="0"/>
+          <a:ext cx="0" cy="0"/>
+          <a:chOff x="0" y="0"/>
+          <a:chExt cx="0" cy="0"/>
+        </a:xfrm>
+      </p:grpSpPr>
+      <p:sp>
+        <p:nvSpPr>
+          <p:cNvPr id="2" name="Content Placeholder 1"/>
+          <p:cNvSpPr>
+            <a:spLocks noGrp="1"/>
+          </p:cNvSpPr>
+          <p:nvPr>
+            <p:ph idx="1"/>
+          </p:nvPr>
+        </p:nvSpPr>
+        <p:spPr/>
+        <p:txBody>
+          <a:bodyPr/>
+          <a:lstStyle/>
+          <a:p>
+            <a:pPr marL="285750" indent="-285750">
+              <a:buFont typeface="Arial" panose="020B0604020202020204" pitchFamily="34" charset="0"/>
+              <a:buChar char="•"/>
+            </a:pPr>
+            <a:r>
+              <a:rPr lang="en-US" sz="1800" dirty="0"/>
+              <a:t>Traditionally FEC chains are developed in hardware </a:t>
+            </a:r>
+            <a:r>
+              <a:rPr lang="en-US" sz="1800" dirty="0" smtClean="0"/>
+              <a:t>i.e. </a:t>
+            </a:r>
+            <a:r>
+              <a:rPr lang="en-US" sz="1800" dirty="0"/>
+              <a:t>FPGA’s or ASIC’s to achieve low latency and high throughput.</a:t>
+            </a:r>
+          </a:p>
+          <a:p>
+            <a:pPr marL="285750" indent="-285750">
+              <a:buFont typeface="Arial" panose="020B0604020202020204" pitchFamily="34" charset="0"/>
+              <a:buChar char="•"/>
+            </a:pPr>
+            <a:r>
+              <a:rPr lang="en-US" sz="1800" dirty="0"/>
+              <a:t>Development/maintenance in FPGA/ASIC requires more time and expensive.</a:t>
+            </a:r>
+          </a:p>
+          <a:p>
+            <a:pPr marL="285750" indent="-285750">
+              <a:buFont typeface="Arial" panose="020B0604020202020204" pitchFamily="34" charset="0"/>
+              <a:buChar char="•"/>
+            </a:pPr>
+            <a:r>
+              <a:rPr lang="en-US" sz="1800" dirty="0"/>
+              <a:t>With recent advances in General Purpose Processors it is possible to achieve required latency and throughput with software implementations without custom hardware.</a:t>
+            </a:r>
+          </a:p>
+          <a:p>
+            <a:pPr marL="285750" indent="-285750">
+              <a:buFont typeface="Arial" panose="020B0604020202020204" pitchFamily="34" charset="0"/>
+              <a:buChar char="•"/>
+            </a:pPr>
+            <a:r>
+              <a:rPr lang="en-US" sz="1800" dirty="0"/>
+              <a:t>Software implementations </a:t>
+            </a:r>
+            <a:r>
+              <a:rPr lang="en-US" sz="1800" dirty="0" smtClean="0"/>
+              <a:t>require less development and maintenance effort and provide flexibility </a:t>
+            </a:r>
+            <a:r>
+              <a:rPr lang="en-US" sz="1800" dirty="0"/>
+              <a:t>and ease of maintenance to device manufacturer.</a:t>
+            </a:r>
+          </a:p>
+          <a:p>
+            <a:pPr marL="285750" indent="-285750">
+              <a:buFont typeface="Arial" panose="020B0604020202020204" pitchFamily="34" charset="0"/>
+              <a:buChar char="•"/>
+            </a:pPr>
+            <a:endParaRPr lang="en-US" sz="1800" dirty="0"/>
+          </a:p>
+          <a:p>
+            <a:pPr marL="285750" indent="-285750">
+              <a:buFont typeface="Arial" panose="020B0604020202020204" pitchFamily="34" charset="0"/>
+              <a:buChar char="•"/>
+            </a:pPr>
+            <a:r>
+              <a:rPr lang="en-US" sz="1800" dirty="0"/>
+              <a:t>However algorithms need to adopted/optimized to efficiently implement in software. </a:t>
+            </a:r>
+          </a:p>
+          <a:p>
+            <a:endParaRPr lang="en-US" dirty="0"/>
+          </a:p>
+        </p:txBody>
+      </p:sp>
+      <p:sp>
+        <p:nvSpPr>
+          <p:cNvPr id="3" name="Slide Number Placeholder 2"/>
+          <p:cNvSpPr>
+            <a:spLocks noGrp="1"/>
+          </p:cNvSpPr>
+          <p:nvPr>
+            <p:ph type="sldNum" sz="quarter" idx="11"/>
+          </p:nvPr>
+        </p:nvSpPr>
+        <p:spPr/>
+        <p:txBody>
+          <a:bodyPr/>
+          <a:lstStyle/>
+          <a:p>
+            <a:fld id="{CE58CB1E-F828-4F11-99E0-327109AF9DA4}" type="slidenum">
+              <a:rPr lang="de-DE" smtClean="0"/>
+              <a:pPr/>
+              <a:t>3</a:t>
+            </a:fld>
+            <a:endParaRPr lang="de-DE" dirty="0"/>
+          </a:p>
+        </p:txBody>
+      </p:sp>
+      <p:sp>
+        <p:nvSpPr>
+          <p:cNvPr id="4" name="Title 3"/>
+          <p:cNvSpPr>
+            <a:spLocks noGrp="1"/>
+          </p:cNvSpPr>
+          <p:nvPr>
+            <p:ph type="title"/>
+          </p:nvPr>
+        </p:nvSpPr>
+        <p:spPr/>
+        <p:txBody>
+          <a:bodyPr/>
+          <a:lstStyle/>
+          <a:p>
+            <a:r>
+              <a:rPr lang="en-US" dirty="0">
+                <a:solidFill>
+                  <a:schemeClr val="bg2"/>
+                </a:solidFill>
+              </a:rPr>
+              <a:t>Motivation</a:t>
+            </a:r>
+          </a:p>
+        </p:txBody>
+      </p:sp>
+      <p:sp>
+        <p:nvSpPr>
+          <p:cNvPr id="154" name="RS_Classification_Standard"/>
+          <p:cNvSpPr txBox="1"/>
+          <p:nvPr/>
+        </p:nvSpPr>
+        <p:spPr>
+          <a:xfrm>
+            <a:off x="8990047" y="6187613"/>
+            <a:ext cx="153953" cy="251287"/>
+          </a:xfrm>
+          <a:prstGeom prst="rect">
+            <a:avLst/>
+          </a:prstGeom>
+          <a:solidFill>
+            <a:srgbClr val="FFFFFF">
+              <a:alpha val="0"/>
+            </a:srgbClr>
+          </a:solidFill>
+        </p:spPr>
+        <p:txBody>
+          <a:bodyPr vert="horz" wrap="none" lIns="76200" tIns="36830" rIns="76200" bIns="36830" rtlCol="0" anchor="ctr">
+            <a:spAutoFit/>
+          </a:bodyPr>
+          <a:lstStyle/>
+          <a:p>
+            <a:endParaRPr lang="en-US" sz="1100" b="1" kern="900" spc="100" dirty="0" err="1" smtClean="0">
+              <a:solidFill>
+                <a:srgbClr val="000000"/>
+              </a:solidFill>
+              <a:latin typeface="+mn-lt"/>
+            </a:endParaRPr>
+          </a:p>
+        </p:txBody>
+      </p:sp>
+    </p:spTree>
+    <p:custDataLst>
+      <p:tags r:id="rId1"/>
+    </p:custDataLst>
+    <p:extLst>
+      <p:ext uri="{BB962C8B-B14F-4D97-AF65-F5344CB8AC3E}">
+        <p14:creationId xmlns:p14="http://schemas.microsoft.com/office/powerpoint/2010/main" val="2289706955"/>
+      </p:ext>
+    </p:extLst>
+  </p:cSld>
+  <p:clrMapOvr>
+    <a:masterClrMapping/>
+  </p:clrMapOvr>
+</p:sld>
+</file>
+
+<file path=ppt/slides/slide30.xml><?xml version="1.0" encoding="utf-8"?>
+<p:sld xmlns:a="http://schemas.openxmlformats.org/drawingml/2006/main" xmlns:r="http://schemas.openxmlformats.org/officeDocument/2006/relationships" xmlns:p="http://schemas.openxmlformats.org/presentationml/2006/main">
+  <p:cSld>
+    <p:spTree>
+      <p:nvGrpSpPr>
+        <p:cNvPr id="1" name=""/>
+        <p:cNvGrpSpPr/>
+        <p:nvPr/>
+      </p:nvGrpSpPr>
+      <p:grpSpPr>
+        <a:xfrm>
+          <a:off x="0" y="0"/>
+          <a:ext cx="0" cy="0"/>
+          <a:chOff x="0" y="0"/>
+          <a:chExt cx="0" cy="0"/>
+        </a:xfrm>
+      </p:grpSpPr>
+      <p:sp>
+        <p:nvSpPr>
+          <p:cNvPr id="2" name="Content Placeholder 1"/>
+          <p:cNvSpPr>
+            <a:spLocks noGrp="1"/>
+          </p:cNvSpPr>
+          <p:nvPr>
+            <p:ph idx="1"/>
+          </p:nvPr>
+        </p:nvSpPr>
+        <p:spPr/>
+        <p:txBody>
+          <a:bodyPr/>
+          <a:lstStyle/>
+          <a:p>
+            <a:pPr marL="285750" indent="-285750">
+              <a:buFont typeface="Arial" panose="020B0604020202020204" pitchFamily="34" charset="0"/>
+              <a:buChar char="•"/>
+            </a:pPr>
+            <a:endParaRPr lang="en-US" dirty="0"/>
+          </a:p>
+        </p:txBody>
+      </p:sp>
+      <p:sp>
+        <p:nvSpPr>
+          <p:cNvPr id="3" name="Slide Number Placeholder 2"/>
+          <p:cNvSpPr>
+            <a:spLocks noGrp="1"/>
+          </p:cNvSpPr>
+          <p:nvPr>
+            <p:ph type="sldNum" sz="quarter" idx="11"/>
+          </p:nvPr>
+        </p:nvSpPr>
+        <p:spPr/>
+        <p:txBody>
+          <a:bodyPr/>
+          <a:lstStyle/>
+          <a:p>
+            <a:fld id="{CE58CB1E-F828-4F11-99E0-327109AF9DA4}" type="slidenum">
+              <a:rPr lang="de-DE" smtClean="0"/>
+              <a:pPr/>
+              <a:t>30</a:t>
+            </a:fld>
+            <a:endParaRPr lang="de-DE" dirty="0"/>
+          </a:p>
+        </p:txBody>
+      </p:sp>
+      <p:sp>
+        <p:nvSpPr>
+          <p:cNvPr id="4" name="Title 3"/>
+          <p:cNvSpPr>
+            <a:spLocks noGrp="1"/>
+          </p:cNvSpPr>
+          <p:nvPr>
+            <p:ph type="title"/>
+          </p:nvPr>
+        </p:nvSpPr>
+        <p:spPr/>
+        <p:txBody>
+          <a:bodyPr/>
+          <a:lstStyle/>
+          <a:p>
+            <a:r>
+              <a:rPr lang="en-US" dirty="0" smtClean="0"/>
+              <a:t>Decoder tree pruning</a:t>
+            </a:r>
+            <a:endParaRPr lang="en-US" dirty="0"/>
+          </a:p>
+        </p:txBody>
+      </p:sp>
+      <p:sp>
+        <p:nvSpPr>
+          <p:cNvPr id="106" name="RS_Classification_Standard"/>
+          <p:cNvSpPr txBox="1"/>
+          <p:nvPr/>
+        </p:nvSpPr>
+        <p:spPr>
+          <a:xfrm>
+            <a:off x="8990047" y="6187613"/>
+            <a:ext cx="153953" cy="251287"/>
+          </a:xfrm>
+          <a:prstGeom prst="rect">
+            <a:avLst/>
+          </a:prstGeom>
+          <a:solidFill>
+            <a:srgbClr val="FFFFFF">
+              <a:alpha val="0"/>
+            </a:srgbClr>
+          </a:solidFill>
+        </p:spPr>
+        <p:txBody>
+          <a:bodyPr vert="horz" wrap="none" lIns="76200" tIns="36830" rIns="76200" bIns="36830" rtlCol="0" anchor="ctr">
+            <a:spAutoFit/>
+          </a:bodyPr>
+          <a:lstStyle/>
+          <a:p>
+            <a:endParaRPr lang="en-US" sz="1100" b="1" kern="900" spc="100" dirty="0" err="1" smtClean="0">
+              <a:solidFill>
+                <a:srgbClr val="000000"/>
+              </a:solidFill>
+              <a:latin typeface="+mn-lt"/>
+            </a:endParaRPr>
+          </a:p>
+        </p:txBody>
+      </p:sp>
+    </p:spTree>
+    <p:custDataLst>
+      <p:tags r:id="rId1"/>
+    </p:custDataLst>
+    <p:extLst>
+      <p:ext uri="{BB962C8B-B14F-4D97-AF65-F5344CB8AC3E}">
+        <p14:creationId xmlns:p14="http://schemas.microsoft.com/office/powerpoint/2010/main" val="686851237"/>
+      </p:ext>
+    </p:extLst>
+  </p:cSld>
+  <p:clrMapOvr>
+    <a:masterClrMapping/>
+  </p:clrMapOvr>
+</p:sld>
+</file>
+
+<file path=ppt/slides/slide31.xml><?xml version="1.0" encoding="utf-8"?>
+<p:sld xmlns:a="http://schemas.openxmlformats.org/drawingml/2006/main" xmlns:r="http://schemas.openxmlformats.org/officeDocument/2006/relationships" xmlns:p="http://schemas.openxmlformats.org/presentationml/2006/main">
+  <p:cSld>
+    <p:spTree>
+      <p:nvGrpSpPr>
+        <p:cNvPr id="1" name=""/>
+        <p:cNvGrpSpPr/>
+        <p:nvPr/>
+      </p:nvGrpSpPr>
+      <p:grpSpPr>
+        <a:xfrm>
+          <a:off x="0" y="0"/>
+          <a:ext cx="0" cy="0"/>
+          <a:chOff x="0" y="0"/>
+          <a:chExt cx="0" cy="0"/>
+        </a:xfrm>
+      </p:grpSpPr>
+      <p:sp>
+        <p:nvSpPr>
+          <p:cNvPr id="2" name="Content Placeholder 1"/>
+          <p:cNvSpPr>
+            <a:spLocks noGrp="1"/>
+          </p:cNvSpPr>
+          <p:nvPr>
+            <p:ph idx="1"/>
+          </p:nvPr>
+        </p:nvSpPr>
+        <p:spPr/>
+        <p:txBody>
+          <a:bodyPr/>
+          <a:lstStyle/>
+          <a:p>
+            <a:pPr marL="285750" indent="-285750">
+              <a:buFont typeface="Arial" panose="020B0604020202020204" pitchFamily="34" charset="0"/>
+              <a:buChar char="•"/>
+            </a:pPr>
+            <a:r>
+              <a:rPr lang="en-US" dirty="0" smtClean="0"/>
+              <a:t>PBCH and PDCCH channel need to calculate </a:t>
+            </a:r>
+            <a:r>
+              <a:rPr lang="en-US" i="1" dirty="0" smtClean="0"/>
+              <a:t>CRC24 </a:t>
+            </a:r>
+            <a:r>
+              <a:rPr lang="en-US" dirty="0" smtClean="0"/>
+              <a:t>for downlink control information transmission.</a:t>
+            </a:r>
+            <a:endParaRPr lang="en-US" i="1" dirty="0" smtClean="0"/>
+          </a:p>
+          <a:p>
+            <a:pPr marL="285750" indent="-285750">
+              <a:buFont typeface="Arial" panose="020B0604020202020204" pitchFamily="34" charset="0"/>
+              <a:buChar char="•"/>
+            </a:pPr>
+            <a:r>
+              <a:rPr lang="en-US" dirty="0" smtClean="0"/>
+              <a:t>PUCCH and PUSCH channel need calculate </a:t>
+            </a:r>
+            <a:r>
+              <a:rPr lang="en-US" i="1" dirty="0" smtClean="0"/>
+              <a:t>CRC6</a:t>
+            </a:r>
+            <a:r>
+              <a:rPr lang="en-US" dirty="0" smtClean="0"/>
+              <a:t> or </a:t>
+            </a:r>
+            <a:r>
+              <a:rPr lang="en-US" i="1" dirty="0" smtClean="0"/>
+              <a:t>CRC11 </a:t>
+            </a:r>
+            <a:r>
+              <a:rPr lang="en-US" dirty="0" smtClean="0"/>
+              <a:t>for CRC check.</a:t>
+            </a:r>
+          </a:p>
+          <a:p>
+            <a:pPr marL="285750" indent="-285750">
+              <a:buFont typeface="Arial" panose="020B0604020202020204" pitchFamily="34" charset="0"/>
+              <a:buChar char="•"/>
+            </a:pPr>
+            <a:r>
+              <a:rPr lang="en-US" dirty="0" smtClean="0"/>
+              <a:t>CRC calculation is one of the significant latency contributor to both in encoding and decoding FEC chains.</a:t>
+            </a:r>
+          </a:p>
+          <a:p>
+            <a:pPr marL="285750" indent="-285750">
+              <a:buFont typeface="Arial" panose="020B0604020202020204" pitchFamily="34" charset="0"/>
+              <a:buChar char="•"/>
+            </a:pPr>
+            <a:r>
+              <a:rPr lang="en-US" dirty="0" smtClean="0"/>
+              <a:t>Extended </a:t>
+            </a:r>
+            <a:r>
+              <a:rPr lang="en-US" dirty="0"/>
+              <a:t>popular CRC algorithm</a:t>
+            </a:r>
+            <a:r>
+              <a:rPr lang="en-US" baseline="30000" dirty="0"/>
+              <a:t>[1]</a:t>
+            </a:r>
+            <a:r>
+              <a:rPr lang="en-US" dirty="0"/>
+              <a:t> to calculate </a:t>
+            </a:r>
+            <a:r>
+              <a:rPr lang="en-US" dirty="0" smtClean="0"/>
+              <a:t>CRC24, CRC6 and CRC11 .</a:t>
+            </a:r>
+          </a:p>
+          <a:p>
+            <a:pPr marL="285750" indent="-285750">
+              <a:buFont typeface="Arial" panose="020B0604020202020204" pitchFamily="34" charset="0"/>
+              <a:buChar char="•"/>
+            </a:pPr>
+            <a:r>
+              <a:rPr lang="en-US" dirty="0" smtClean="0"/>
+              <a:t>In this algorithm group </a:t>
+            </a:r>
+            <a:r>
+              <a:rPr lang="en-US" dirty="0"/>
+              <a:t>of 8 bits are processed in parallel rather than bit by bit, Reduced CRC calculation latency from 8 </a:t>
+            </a:r>
+            <a:r>
+              <a:rPr lang="el-GR" dirty="0"/>
+              <a:t>μ</a:t>
+            </a:r>
+            <a:r>
+              <a:rPr lang="en-US" dirty="0"/>
+              <a:t>s to 0.8 </a:t>
+            </a:r>
+            <a:r>
+              <a:rPr lang="el-GR" dirty="0"/>
+              <a:t>μ</a:t>
+            </a:r>
+            <a:r>
+              <a:rPr lang="en-US" dirty="0"/>
+              <a:t>s in FEC chain.</a:t>
+            </a:r>
+          </a:p>
+          <a:p>
+            <a:endParaRPr lang="en-US" dirty="0"/>
+          </a:p>
+        </p:txBody>
+      </p:sp>
+      <p:sp>
+        <p:nvSpPr>
+          <p:cNvPr id="3" name="Slide Number Placeholder 2"/>
+          <p:cNvSpPr>
+            <a:spLocks noGrp="1"/>
+          </p:cNvSpPr>
+          <p:nvPr>
+            <p:ph type="sldNum" sz="quarter" idx="11"/>
+          </p:nvPr>
+        </p:nvSpPr>
+        <p:spPr/>
+        <p:txBody>
+          <a:bodyPr/>
+          <a:lstStyle/>
+          <a:p>
+            <a:fld id="{CE58CB1E-F828-4F11-99E0-327109AF9DA4}" type="slidenum">
+              <a:rPr lang="de-DE" smtClean="0"/>
+              <a:pPr/>
+              <a:t>31</a:t>
+            </a:fld>
+            <a:endParaRPr lang="de-DE" dirty="0"/>
+          </a:p>
+        </p:txBody>
+      </p:sp>
+      <p:sp>
+        <p:nvSpPr>
+          <p:cNvPr id="4" name="Title 3"/>
+          <p:cNvSpPr>
+            <a:spLocks noGrp="1"/>
+          </p:cNvSpPr>
+          <p:nvPr>
+            <p:ph type="title"/>
+          </p:nvPr>
+        </p:nvSpPr>
+        <p:spPr/>
+        <p:txBody>
+          <a:bodyPr/>
+          <a:lstStyle/>
+          <a:p>
+            <a:r>
+              <a:rPr lang="en-US" dirty="0" smtClean="0"/>
+              <a:t>CRC calculation</a:t>
+            </a:r>
+            <a:endParaRPr lang="en-US" dirty="0"/>
+          </a:p>
+        </p:txBody>
+      </p:sp>
+      <p:sp>
+        <p:nvSpPr>
+          <p:cNvPr id="11" name="Footer Placeholder 36"/>
+          <p:cNvSpPr>
+            <a:spLocks noGrp="1"/>
+          </p:cNvSpPr>
+          <p:nvPr>
+            <p:ph type="ftr" sz="quarter" idx="12"/>
+          </p:nvPr>
+        </p:nvSpPr>
+        <p:spPr>
+          <a:xfrm>
+            <a:off x="311161" y="6252519"/>
+            <a:ext cx="7555973" cy="585919"/>
+          </a:xfrm>
+        </p:spPr>
+        <p:txBody>
+          <a:bodyPr/>
+          <a:lstStyle/>
+          <a:p>
+            <a:pPr marL="228600" indent="-228600">
+              <a:buFont typeface="+mj-lt"/>
+              <a:buAutoNum type="arabicPeriod"/>
+            </a:pPr>
+            <a:r>
+              <a:rPr lang="en-US" dirty="0"/>
+              <a:t>D.V. </a:t>
+            </a:r>
+            <a:r>
+              <a:rPr lang="en-US" dirty="0" err="1"/>
+              <a:t>Sarwate</a:t>
+            </a:r>
+            <a:r>
+              <a:rPr lang="en-US" dirty="0"/>
+              <a:t>, “Computation of Cyclic Redundancy Checks via Table Lookup,”</a:t>
+            </a:r>
+            <a:r>
+              <a:rPr lang="en-US" dirty="0" err="1"/>
+              <a:t>Comm</a:t>
+            </a:r>
+            <a:r>
+              <a:rPr lang="en-US" dirty="0"/>
+              <a:t>. ACM, vol.31, no. 8, pp. 1008-1013,Aug. 1988.</a:t>
+            </a:r>
+          </a:p>
+          <a:p>
+            <a:endParaRPr lang="en-US" dirty="0"/>
+          </a:p>
+        </p:txBody>
+      </p:sp>
+      <p:sp>
+        <p:nvSpPr>
+          <p:cNvPr id="101" name="RS_Classification_Standard"/>
+          <p:cNvSpPr txBox="1"/>
+          <p:nvPr/>
+        </p:nvSpPr>
+        <p:spPr>
+          <a:xfrm>
+            <a:off x="8990047" y="6187613"/>
+            <a:ext cx="153953" cy="251287"/>
+          </a:xfrm>
+          <a:prstGeom prst="rect">
+            <a:avLst/>
+          </a:prstGeom>
+          <a:solidFill>
+            <a:srgbClr val="FFFFFF">
+              <a:alpha val="0"/>
+            </a:srgbClr>
+          </a:solidFill>
+        </p:spPr>
+        <p:txBody>
+          <a:bodyPr vert="horz" wrap="none" lIns="76200" tIns="36830" rIns="76200" bIns="36830" rtlCol="0" anchor="ctr">
+            <a:spAutoFit/>
+          </a:bodyPr>
+          <a:lstStyle/>
+          <a:p>
+            <a:endParaRPr lang="en-US" sz="1100" b="1" kern="900" spc="100" dirty="0" err="1" smtClean="0">
+              <a:solidFill>
+                <a:srgbClr val="000000"/>
+              </a:solidFill>
+              <a:latin typeface="+mn-lt"/>
+            </a:endParaRPr>
+          </a:p>
+        </p:txBody>
+      </p:sp>
+    </p:spTree>
+    <p:custDataLst>
+      <p:tags r:id="rId1"/>
+    </p:custDataLst>
+    <p:extLst>
+      <p:ext uri="{BB962C8B-B14F-4D97-AF65-F5344CB8AC3E}">
+        <p14:creationId xmlns:p14="http://schemas.microsoft.com/office/powerpoint/2010/main" val="2691754771"/>
+      </p:ext>
+    </p:extLst>
+  </p:cSld>
+  <p:clrMapOvr>
+    <a:masterClrMapping/>
+  </p:clrMapOvr>
+</p:sld>
+</file>
+
+<file path=ppt/slides/slide32.xml><?xml version="1.0" encoding="utf-8"?>
+<p:sld xmlns:a="http://schemas.openxmlformats.org/drawingml/2006/main" xmlns:r="http://schemas.openxmlformats.org/officeDocument/2006/relationships" xmlns:p="http://schemas.openxmlformats.org/presentationml/2006/main">
+  <p:cSld>
+    <p:spTree>
+      <p:nvGrpSpPr>
+        <p:cNvPr id="1" name=""/>
+        <p:cNvGrpSpPr/>
+        <p:nvPr/>
+      </p:nvGrpSpPr>
+      <p:grpSpPr>
+        <a:xfrm>
+          <a:off x="0" y="0"/>
+          <a:ext cx="0" cy="0"/>
+          <a:chOff x="0" y="0"/>
+          <a:chExt cx="0" cy="0"/>
+        </a:xfrm>
+      </p:grpSpPr>
+      <mc:AlternateContent xmlns:mc="http://schemas.openxmlformats.org/markup-compatibility/2006">
+        <mc:Choice xmlns:a14="http://schemas.microsoft.com/office/drawing/2010/main" Requires="a14">
+          <p:sp>
+            <p:nvSpPr>
+              <p:cNvPr id="2" name="Content Placeholder 1"/>
+              <p:cNvSpPr>
+                <a:spLocks noGrp="1"/>
+              </p:cNvSpPr>
+              <p:nvPr>
+                <p:ph idx="1"/>
+              </p:nvPr>
+            </p:nvSpPr>
+            <p:spPr>
+              <a:xfrm>
+                <a:off x="318009" y="1488041"/>
+                <a:ext cx="8508999" cy="4699572"/>
+              </a:xfrm>
+            </p:spPr>
+            <p:txBody>
+              <a:bodyPr/>
+              <a:lstStyle/>
+              <a:p>
+                <a:pPr marL="285750" indent="-285750">
+                  <a:buFont typeface="Arial" panose="020B0604020202020204" pitchFamily="34" charset="0"/>
+                  <a:buChar char="•"/>
+                </a:pPr>
+                <a:r>
+                  <a:rPr lang="en-US" sz="1800" dirty="0"/>
+                  <a:t>Avoiding multiplication/division and modulus operations and achieving the same using bitwise operations.</a:t>
+                </a:r>
+              </a:p>
+              <a:p>
+                <a:pPr marL="285750" indent="-285750">
+                  <a:buFont typeface="Arial" panose="020B0604020202020204" pitchFamily="34" charset="0"/>
+                  <a:buChar char="•"/>
+                </a:pPr>
+                <a:r>
+                  <a:rPr lang="en-US" sz="1800" dirty="0"/>
+                  <a:t>Implemented approximate versions </a:t>
+                </a:r>
+                <a14:m>
+                  <m:oMath xmlns:m="http://schemas.openxmlformats.org/officeDocument/2006/math">
+                    <m:func>
+                      <m:funcPr>
+                        <m:ctrlPr>
+                          <a:rPr lang="en-US" sz="1800" i="1" dirty="0" smtClean="0">
+                            <a:latin typeface="Cambria Math" panose="02040503050406030204" pitchFamily="18" charset="0"/>
+                          </a:rPr>
+                        </m:ctrlPr>
+                      </m:funcPr>
+                      <m:fName>
+                        <m:sSub>
+                          <m:sSubPr>
+                            <m:ctrlPr>
+                              <a:rPr lang="en-US" sz="1800" i="1" dirty="0" smtClean="0">
+                                <a:latin typeface="Cambria Math" panose="02040503050406030204" pitchFamily="18" charset="0"/>
+                              </a:rPr>
+                            </m:ctrlPr>
+                          </m:sSubPr>
+                          <m:e>
+                            <m:r>
+                              <m:rPr>
+                                <m:sty m:val="p"/>
+                              </m:rPr>
+                              <a:rPr lang="en-US" sz="1800" i="0" dirty="0" smtClean="0">
+                                <a:latin typeface="Cambria Math" panose="02040503050406030204" pitchFamily="18" charset="0"/>
+                              </a:rPr>
+                              <m:t>log</m:t>
+                            </m:r>
+                          </m:e>
+                          <m:sub>
+                            <m:r>
+                              <a:rPr lang="en-US" sz="1800" b="0" i="1" dirty="0" smtClean="0">
+                                <a:latin typeface="Cambria Math" panose="02040503050406030204" pitchFamily="18" charset="0"/>
+                              </a:rPr>
+                              <m:t>2</m:t>
+                            </m:r>
+                          </m:sub>
+                        </m:sSub>
+                      </m:fName>
+                      <m:e>
+                        <m:r>
+                          <a:rPr lang="en-US" sz="1800" b="0" i="1" dirty="0" smtClean="0">
+                            <a:latin typeface="Cambria Math" panose="02040503050406030204" pitchFamily="18" charset="0"/>
+                          </a:rPr>
+                          <m:t>𝑋</m:t>
+                        </m:r>
+                      </m:e>
+                    </m:func>
+                  </m:oMath>
+                </a14:m>
+                <a:r>
+                  <a:rPr lang="en-US" sz="1800" dirty="0"/>
+                  <a:t> and exponential functions to reduce the number of floating point multiplications.</a:t>
+                </a:r>
+              </a:p>
+              <a:p>
+                <a:pPr marL="285750" indent="-285750">
+                  <a:buFont typeface="Arial" panose="020B0604020202020204" pitchFamily="34" charset="0"/>
+                  <a:buChar char="•"/>
+                </a:pPr>
+                <a:r>
+                  <a:rPr lang="en-US" sz="1800" dirty="0"/>
+                  <a:t>Avoided jump functions to avoid flushing of the instruction pipeline.</a:t>
+                </a:r>
+              </a:p>
+              <a:p>
+                <a:pPr marL="285750" indent="-285750">
+                  <a:buFont typeface="Arial" panose="020B0604020202020204" pitchFamily="34" charset="0"/>
+                  <a:buChar char="•"/>
+                </a:pPr>
+                <a:r>
+                  <a:rPr lang="en-US" sz="1800" dirty="0"/>
+                  <a:t>Using the compiler optimization primitives to reduce the branches in the program.</a:t>
+                </a:r>
+              </a:p>
+              <a:p>
+                <a:pPr marL="285750" indent="-285750">
+                  <a:buFont typeface="Arial" panose="020B0604020202020204" pitchFamily="34" charset="0"/>
+                  <a:buChar char="•"/>
+                </a:pPr>
+                <a:endParaRPr lang="en-US" sz="1800" dirty="0"/>
+              </a:p>
+            </p:txBody>
+          </p:sp>
+        </mc:Choice>
+        <mc:Fallback>
+          <p:sp>
+            <p:nvSpPr>
+              <p:cNvPr id="2" name="Content Placeholder 1"/>
+              <p:cNvSpPr>
+                <a:spLocks noGrp="1" noRot="1" noChangeAspect="1" noMove="1" noResize="1" noEditPoints="1" noAdjustHandles="1" noChangeArrowheads="1" noChangeShapeType="1" noTextEdit="1"/>
+              </p:cNvSpPr>
+              <p:nvPr>
+                <p:ph idx="1"/>
+              </p:nvPr>
+            </p:nvSpPr>
+            <p:spPr>
+              <a:xfrm>
+                <a:off x="318009" y="1488041"/>
+                <a:ext cx="8508999" cy="4699572"/>
+              </a:xfrm>
+              <a:blipFill>
+                <a:blip r:embed="rId3"/>
+                <a:stretch>
+                  <a:fillRect l="-1504" t="-1427" r="-1719"/>
+                </a:stretch>
+              </a:blipFill>
+            </p:spPr>
+            <p:txBody>
+              <a:bodyPr/>
+              <a:lstStyle/>
+              <a:p>
+                <a:r>
+                  <a:rPr lang="en-US">
+                    <a:noFill/>
+                  </a:rPr>
+                  <a:t> </a:t>
+                </a:r>
+              </a:p>
+            </p:txBody>
+          </p:sp>
+        </mc:Fallback>
+      </mc:AlternateContent>
+      <p:sp>
+        <p:nvSpPr>
+          <p:cNvPr id="3" name="Slide Number Placeholder 2"/>
+          <p:cNvSpPr>
+            <a:spLocks noGrp="1"/>
+          </p:cNvSpPr>
+          <p:nvPr>
+            <p:ph type="sldNum" sz="quarter" idx="11"/>
+          </p:nvPr>
+        </p:nvSpPr>
+        <p:spPr/>
+        <p:txBody>
+          <a:bodyPr/>
+          <a:lstStyle/>
+          <a:p>
+            <a:fld id="{CE58CB1E-F828-4F11-99E0-327109AF9DA4}" type="slidenum">
+              <a:rPr lang="de-DE" smtClean="0"/>
+              <a:pPr/>
+              <a:t>32</a:t>
+            </a:fld>
+            <a:endParaRPr lang="de-DE" dirty="0"/>
+          </a:p>
+        </p:txBody>
+      </p:sp>
+      <p:sp>
+        <p:nvSpPr>
+          <p:cNvPr id="4" name="Title 3"/>
+          <p:cNvSpPr>
+            <a:spLocks noGrp="1"/>
+          </p:cNvSpPr>
+          <p:nvPr>
+            <p:ph type="title"/>
+          </p:nvPr>
+        </p:nvSpPr>
+        <p:spPr>
+          <a:xfrm>
+            <a:off x="319090" y="821339"/>
+            <a:ext cx="8508999" cy="410369"/>
+          </a:xfrm>
+        </p:spPr>
+        <p:txBody>
+          <a:bodyPr/>
+          <a:lstStyle/>
+          <a:p>
+            <a:r>
+              <a:rPr lang="en-US" dirty="0">
+                <a:solidFill>
+                  <a:schemeClr val="bg2"/>
+                </a:solidFill>
+              </a:rPr>
+              <a:t>Miscellaneous Optimizations</a:t>
+            </a:r>
+          </a:p>
+        </p:txBody>
+      </p:sp>
+      <p:sp>
+        <p:nvSpPr>
+          <p:cNvPr id="155" name="RS_Classification_Standard"/>
+          <p:cNvSpPr txBox="1"/>
+          <p:nvPr/>
+        </p:nvSpPr>
+        <p:spPr>
+          <a:xfrm>
+            <a:off x="8990047" y="6187613"/>
+            <a:ext cx="153953" cy="251287"/>
+          </a:xfrm>
+          <a:prstGeom prst="rect">
+            <a:avLst/>
+          </a:prstGeom>
+          <a:solidFill>
+            <a:srgbClr val="FFFFFF">
+              <a:alpha val="0"/>
+            </a:srgbClr>
+          </a:solidFill>
+        </p:spPr>
+        <p:txBody>
+          <a:bodyPr vert="horz" wrap="none" lIns="76200" tIns="36830" rIns="76200" bIns="36830" rtlCol="0" anchor="ctr">
+            <a:spAutoFit/>
+          </a:bodyPr>
+          <a:lstStyle/>
+          <a:p>
+            <a:endParaRPr lang="en-US" sz="1100" b="1" kern="900" spc="100" dirty="0" err="1" smtClean="0">
+              <a:solidFill>
+                <a:srgbClr val="000000"/>
+              </a:solidFill>
+              <a:latin typeface="+mn-lt"/>
+            </a:endParaRPr>
+          </a:p>
+        </p:txBody>
+      </p:sp>
+    </p:spTree>
+    <p:custDataLst>
+      <p:tags r:id="rId1"/>
+    </p:custDataLst>
+    <p:extLst>
+      <p:ext uri="{BB962C8B-B14F-4D97-AF65-F5344CB8AC3E}">
+        <p14:creationId xmlns:p14="http://schemas.microsoft.com/office/powerpoint/2010/main" val="1442063461"/>
+      </p:ext>
+    </p:extLst>
+  </p:cSld>
+  <p:clrMapOvr>
+    <a:masterClrMapping/>
+  </p:clrMapOvr>
+</p:sld>
+</file>
+
+<file path=ppt/slides/slide33.xml><?xml version="1.0" encoding="utf-8"?>
+<p:sld xmlns:a="http://schemas.openxmlformats.org/drawingml/2006/main" xmlns:r="http://schemas.openxmlformats.org/officeDocument/2006/relationships" xmlns:p="http://schemas.openxmlformats.org/presentationml/2006/main">
+  <p:cSld>
+    <p:spTree>
+      <p:nvGrpSpPr>
+        <p:cNvPr id="1" name=""/>
+        <p:cNvGrpSpPr/>
+        <p:nvPr/>
+      </p:nvGrpSpPr>
+      <p:grpSpPr>
+        <a:xfrm>
+          <a:off x="0" y="0"/>
+          <a:ext cx="0" cy="0"/>
+          <a:chOff x="0" y="0"/>
+          <a:chExt cx="0" cy="0"/>
+        </a:xfrm>
+      </p:grpSpPr>
+      <mc:AlternateContent xmlns:mc="http://schemas.openxmlformats.org/markup-compatibility/2006">
+        <mc:Choice xmlns:a14="http://schemas.microsoft.com/office/drawing/2010/main" Requires="a14">
+          <p:sp>
+            <p:nvSpPr>
+              <p:cNvPr id="2" name="Content Placeholder 1"/>
+              <p:cNvSpPr>
+                <a:spLocks noGrp="1"/>
+              </p:cNvSpPr>
+              <p:nvPr>
+                <p:ph idx="1"/>
+              </p:nvPr>
+            </p:nvSpPr>
+            <p:spPr>
+              <a:xfrm>
+                <a:off x="318009" y="1358534"/>
+                <a:ext cx="8508999" cy="4699572"/>
+              </a:xfrm>
+            </p:spPr>
+            <p:txBody>
+              <a:bodyPr/>
+              <a:lstStyle/>
+              <a:p>
+                <a:r>
+                  <a:rPr lang="en-US" dirty="0"/>
+                  <a:t>Comparison with </a:t>
+                </a:r>
+                <a:r>
+                  <a:rPr lang="en-US" dirty="0" smtClean="0"/>
+                  <a:t>state of the art polar decoder software </a:t>
+                </a:r>
+                <a:r>
+                  <a:rPr lang="en-US" dirty="0"/>
+                  <a:t>implementation (in AMD EPYC processor at 1.6ghz) </a:t>
+                </a:r>
+                <a14:m>
+                  <m:oMath xmlns:m="http://schemas.openxmlformats.org/officeDocument/2006/math">
+                    <m:r>
+                      <a:rPr lang="en-US" i="1" dirty="0" smtClean="0">
+                        <a:latin typeface="Cambria Math" panose="02040503050406030204" pitchFamily="18" charset="0"/>
+                      </a:rPr>
+                      <m:t>𝑁</m:t>
+                    </m:r>
+                    <m:r>
+                      <a:rPr lang="en-US" i="1" dirty="0" smtClean="0">
+                        <a:latin typeface="Cambria Math" panose="02040503050406030204" pitchFamily="18" charset="0"/>
+                      </a:rPr>
+                      <m:t> = 1024 </m:t>
+                    </m:r>
+                  </m:oMath>
+                </a14:m>
+                <a:endParaRPr lang="en-US" dirty="0"/>
+              </a:p>
+              <a:p>
+                <a:endParaRPr lang="en-US" dirty="0"/>
+              </a:p>
+              <a:p>
+                <a:endParaRPr lang="en-US" b="1" dirty="0"/>
+              </a:p>
+              <a:p>
+                <a:endParaRPr lang="en-US" b="1" dirty="0"/>
+              </a:p>
+              <a:p>
+                <a:endParaRPr lang="en-US" b="1" dirty="0"/>
+              </a:p>
+              <a:p>
+                <a:endParaRPr lang="en-US" b="1" dirty="0"/>
+              </a:p>
+              <a:p>
+                <a:r>
+                  <a:rPr lang="en-US" b="1" dirty="0" smtClean="0"/>
+                  <a:t>Overall PUCCH </a:t>
+                </a:r>
+                <a:r>
+                  <a:rPr lang="en-US" b="1" dirty="0"/>
+                  <a:t>FEC chain:</a:t>
+                </a:r>
+              </a:p>
+            </p:txBody>
+          </p:sp>
+        </mc:Choice>
+        <mc:Fallback>
+          <p:sp>
+            <p:nvSpPr>
+              <p:cNvPr id="2" name="Content Placeholder 1"/>
+              <p:cNvSpPr>
+                <a:spLocks noGrp="1" noRot="1" noChangeAspect="1" noMove="1" noResize="1" noEditPoints="1" noAdjustHandles="1" noChangeArrowheads="1" noChangeShapeType="1" noTextEdit="1"/>
+              </p:cNvSpPr>
+              <p:nvPr>
+                <p:ph idx="1"/>
+              </p:nvPr>
+            </p:nvSpPr>
+            <p:spPr>
+              <a:xfrm>
+                <a:off x="318009" y="1358534"/>
+                <a:ext cx="8508999" cy="4699572"/>
+              </a:xfrm>
+              <a:blipFill>
+                <a:blip r:embed="rId4"/>
+                <a:stretch>
+                  <a:fillRect l="-1433" t="-1167"/>
+                </a:stretch>
+              </a:blipFill>
+            </p:spPr>
+            <p:txBody>
+              <a:bodyPr/>
+              <a:lstStyle/>
+              <a:p>
+                <a:r>
+                  <a:rPr lang="en-US">
+                    <a:noFill/>
+                  </a:rPr>
+                  <a:t> </a:t>
+                </a:r>
+              </a:p>
+            </p:txBody>
+          </p:sp>
+        </mc:Fallback>
+      </mc:AlternateContent>
+      <p:sp>
+        <p:nvSpPr>
+          <p:cNvPr id="3" name="Slide Number Placeholder 2"/>
+          <p:cNvSpPr>
+            <a:spLocks noGrp="1"/>
+          </p:cNvSpPr>
+          <p:nvPr>
+            <p:ph type="sldNum" sz="quarter" idx="11"/>
+          </p:nvPr>
+        </p:nvSpPr>
+        <p:spPr/>
+        <p:txBody>
+          <a:bodyPr/>
+          <a:lstStyle/>
+          <a:p>
+            <a:fld id="{CE58CB1E-F828-4F11-99E0-327109AF9DA4}" type="slidenum">
+              <a:rPr lang="de-DE" smtClean="0"/>
+              <a:pPr/>
+              <a:t>33</a:t>
+            </a:fld>
+            <a:endParaRPr lang="de-DE" dirty="0"/>
+          </a:p>
+        </p:txBody>
+      </p:sp>
+      <p:sp>
+        <p:nvSpPr>
+          <p:cNvPr id="4" name="Title 3"/>
+          <p:cNvSpPr>
+            <a:spLocks noGrp="1"/>
+          </p:cNvSpPr>
+          <p:nvPr>
+            <p:ph type="title"/>
+          </p:nvPr>
+        </p:nvSpPr>
+        <p:spPr>
+          <a:xfrm>
+            <a:off x="319090" y="804864"/>
+            <a:ext cx="8508999" cy="410369"/>
+          </a:xfrm>
+        </p:spPr>
+        <p:txBody>
+          <a:bodyPr/>
+          <a:lstStyle/>
+          <a:p>
+            <a:r>
+              <a:rPr lang="en-US" dirty="0" smtClean="0">
+                <a:solidFill>
+                  <a:schemeClr val="bg2"/>
+                </a:solidFill>
+              </a:rPr>
+              <a:t>Results: Decoding</a:t>
+            </a:r>
+            <a:endParaRPr lang="en-US" dirty="0">
+              <a:solidFill>
+                <a:schemeClr val="bg2"/>
+              </a:solidFill>
+            </a:endParaRPr>
+          </a:p>
+        </p:txBody>
+      </p:sp>
+      <p:graphicFrame>
+        <p:nvGraphicFramePr>
+          <p:cNvPr id="13" name="Table 12"/>
+          <p:cNvGraphicFramePr>
+            <a:graphicFrameLocks noGrp="1"/>
+          </p:cNvGraphicFramePr>
+          <p:nvPr>
+            <p:extLst>
+              <p:ext uri="{D42A27DB-BD31-4B8C-83A1-F6EECF244321}">
+                <p14:modId xmlns:p14="http://schemas.microsoft.com/office/powerpoint/2010/main" val="2236658892"/>
+              </p:ext>
+            </p:extLst>
+          </p:nvPr>
+        </p:nvGraphicFramePr>
+        <p:xfrm>
+          <a:off x="318008" y="3708320"/>
+          <a:ext cx="4431104" cy="747556"/>
+        </p:xfrm>
+        <a:graphic>
+          <a:graphicData uri="http://schemas.openxmlformats.org/drawingml/2006/table">
+            <a:tbl>
+              <a:tblPr firstRow="1" bandRow="1">
+                <a:tableStyleId>{2D5ABB26-0587-4C30-8999-92F81FD0307C}</a:tableStyleId>
+              </a:tblPr>
+              <a:tblGrid>
+                <a:gridCol w="1906207">
+                  <a:extLst>
+                    <a:ext uri="{9D8B030D-6E8A-4147-A177-3AD203B41FA5}">
+                      <a16:colId xmlns:a16="http://schemas.microsoft.com/office/drawing/2014/main" val="1117280656"/>
+                    </a:ext>
+                  </a:extLst>
+                </a:gridCol>
+                <a:gridCol w="2524897">
+                  <a:extLst>
+                    <a:ext uri="{9D8B030D-6E8A-4147-A177-3AD203B41FA5}">
+                      <a16:colId xmlns:a16="http://schemas.microsoft.com/office/drawing/2014/main" val="1195562751"/>
+                    </a:ext>
+                  </a:extLst>
+                </a:gridCol>
+              </a:tblGrid>
+              <a:tr h="373778">
+                <a:tc>
+                  <a:txBody>
+                    <a:bodyPr/>
+                    <a:lstStyle/>
+                    <a:p>
+                      <a:pPr algn="ctr"/>
+                      <a:r>
+                        <a:rPr lang="en-US" sz="1700" baseline="0" dirty="0"/>
+                        <a:t>Functional</a:t>
+                      </a:r>
+                    </a:p>
+                  </a:txBody>
+                  <a:tcPr>
+                    <a:lnL w="12700" cap="flat" cmpd="sng" algn="ctr">
+                      <a:solidFill>
+                        <a:schemeClr val="tx1"/>
+                      </a:solidFill>
+                      <a:prstDash val="solid"/>
+                      <a:round/>
+                      <a:headEnd type="none" w="med" len="med"/>
+                      <a:tailEnd type="none" w="med" len="med"/>
+                    </a:lnL>
+                    <a:lnR w="12700" cap="flat" cmpd="sng" algn="ctr">
+                      <a:solidFill>
+                        <a:schemeClr val="tx1"/>
+                      </a:solidFill>
+                      <a:prstDash val="solid"/>
+                      <a:round/>
+                      <a:headEnd type="none" w="med" len="med"/>
+                      <a:tailEnd type="none" w="med" len="med"/>
+                    </a:lnR>
+                    <a:lnT w="12700" cap="flat" cmpd="sng" algn="ctr">
+                      <a:solidFill>
+                        <a:schemeClr val="tx1"/>
+                      </a:solidFill>
+                      <a:prstDash val="solid"/>
+                      <a:round/>
+                      <a:headEnd type="none" w="med" len="med"/>
+                      <a:tailEnd type="none" w="med" len="med"/>
+                    </a:lnT>
+                    <a:lnB w="12700" cap="flat" cmpd="sng" algn="ctr">
+                      <a:solidFill>
+                        <a:schemeClr val="tx1"/>
+                      </a:solidFill>
+                      <a:prstDash val="solid"/>
+                      <a:round/>
+                      <a:headEnd type="none" w="med" len="med"/>
+                      <a:tailEnd type="none" w="med" len="med"/>
+                    </a:lnB>
+                    <a:solidFill>
+                      <a:schemeClr val="bg2">
+                        <a:lumMod val="40000"/>
+                        <a:lumOff val="60000"/>
+                      </a:schemeClr>
+                    </a:solidFill>
+                  </a:tcPr>
+                </a:tc>
+                <a:tc>
+                  <a:txBody>
+                    <a:bodyPr/>
+                    <a:lstStyle/>
+                    <a:p>
+                      <a:pPr marL="0" marR="0" lvl="0" indent="0" algn="ctr" defTabSz="914400" rtl="0" eaLnBrk="1" fontAlgn="auto" latinLnBrk="0" hangingPunct="1">
+                        <a:lnSpc>
+                          <a:spcPct val="100000"/>
+                        </a:lnSpc>
+                        <a:spcBef>
+                          <a:spcPts val="0"/>
+                        </a:spcBef>
+                        <a:spcAft>
+                          <a:spcPts val="0"/>
+                        </a:spcAft>
+                        <a:buClrTx/>
+                        <a:buSzTx/>
+                        <a:buFontTx/>
+                        <a:buNone/>
+                        <a:tabLst/>
+                        <a:defRPr/>
+                      </a:pPr>
+                      <a:r>
+                        <a:rPr lang="en-US" sz="1700" kern="1200" baseline="0" dirty="0">
+                          <a:solidFill>
+                            <a:schemeClr val="tx1"/>
+                          </a:solidFill>
+                          <a:latin typeface="+mn-lt"/>
+                          <a:ea typeface="+mn-ea"/>
+                          <a:cs typeface="+mn-cs"/>
+                        </a:rPr>
+                        <a:t>Current implementation</a:t>
+                      </a:r>
+                    </a:p>
+                  </a:txBody>
+                  <a:tcPr>
+                    <a:lnL w="12700" cap="flat" cmpd="sng" algn="ctr">
+                      <a:solidFill>
+                        <a:schemeClr val="tx1"/>
+                      </a:solidFill>
+                      <a:prstDash val="solid"/>
+                      <a:round/>
+                      <a:headEnd type="none" w="med" len="med"/>
+                      <a:tailEnd type="none" w="med" len="med"/>
+                    </a:lnL>
+                    <a:lnR w="12700" cap="flat" cmpd="sng" algn="ctr">
+                      <a:solidFill>
+                        <a:schemeClr val="tx1"/>
+                      </a:solidFill>
+                      <a:prstDash val="solid"/>
+                      <a:round/>
+                      <a:headEnd type="none" w="med" len="med"/>
+                      <a:tailEnd type="none" w="med" len="med"/>
+                    </a:lnR>
+                    <a:lnT w="12700" cap="flat" cmpd="sng" algn="ctr">
+                      <a:solidFill>
+                        <a:schemeClr val="tx1"/>
+                      </a:solidFill>
+                      <a:prstDash val="solid"/>
+                      <a:round/>
+                      <a:headEnd type="none" w="med" len="med"/>
+                      <a:tailEnd type="none" w="med" len="med"/>
+                    </a:lnT>
+                    <a:lnB w="12700" cap="flat" cmpd="sng" algn="ctr">
+                      <a:solidFill>
+                        <a:schemeClr val="tx1"/>
+                      </a:solidFill>
+                      <a:prstDash val="solid"/>
+                      <a:round/>
+                      <a:headEnd type="none" w="med" len="med"/>
+                      <a:tailEnd type="none" w="med" len="med"/>
+                    </a:lnB>
+                    <a:solidFill>
+                      <a:schemeClr val="bg2">
+                        <a:lumMod val="40000"/>
+                        <a:lumOff val="60000"/>
+                      </a:schemeClr>
+                    </a:solidFill>
+                  </a:tcPr>
+                </a:tc>
+                <a:extLst>
+                  <a:ext uri="{0D108BD9-81ED-4DB2-BD59-A6C34878D82A}">
+                    <a16:rowId xmlns:a16="http://schemas.microsoft.com/office/drawing/2014/main" val="2279112131"/>
+                  </a:ext>
+                </a:extLst>
+              </a:tr>
+              <a:tr h="373778">
+                <a:tc>
+                  <a:txBody>
+                    <a:bodyPr/>
+                    <a:lstStyle/>
+                    <a:p>
+                      <a:pPr algn="ctr"/>
+                      <a:r>
+                        <a:rPr lang="en-US" sz="1700" baseline="0" dirty="0" smtClean="0"/>
+                        <a:t>391</a:t>
+                      </a:r>
+                      <a:r>
+                        <a:rPr lang="en-US" sz="1800" dirty="0" smtClean="0"/>
+                        <a:t> </a:t>
+                      </a:r>
+                      <a:r>
+                        <a:rPr lang="el-GR" sz="1800" dirty="0"/>
+                        <a:t>μ</a:t>
+                      </a:r>
+                      <a:r>
+                        <a:rPr lang="en-US" sz="1800" dirty="0"/>
+                        <a:t>s</a:t>
+                      </a:r>
+                    </a:p>
+                  </a:txBody>
+                  <a:tcPr>
+                    <a:lnL w="12700" cap="flat" cmpd="sng" algn="ctr">
+                      <a:solidFill>
+                        <a:schemeClr val="tx1"/>
+                      </a:solidFill>
+                      <a:prstDash val="solid"/>
+                      <a:round/>
+                      <a:headEnd type="none" w="med" len="med"/>
+                      <a:tailEnd type="none" w="med" len="med"/>
+                    </a:lnL>
+                    <a:lnR w="12700" cap="flat" cmpd="sng" algn="ctr">
+                      <a:solidFill>
+                        <a:schemeClr val="tx1"/>
+                      </a:solidFill>
+                      <a:prstDash val="solid"/>
+                      <a:round/>
+                      <a:headEnd type="none" w="med" len="med"/>
+                      <a:tailEnd type="none" w="med" len="med"/>
+                    </a:lnR>
+                    <a:lnT w="12700" cap="flat" cmpd="sng" algn="ctr">
+                      <a:solidFill>
+                        <a:schemeClr val="tx1"/>
+                      </a:solidFill>
+                      <a:prstDash val="solid"/>
+                      <a:round/>
+                      <a:headEnd type="none" w="med" len="med"/>
+                      <a:tailEnd type="none" w="med" len="med"/>
+                    </a:lnT>
+                    <a:lnB w="12700" cap="flat" cmpd="sng" algn="ctr">
+                      <a:solidFill>
+                        <a:schemeClr val="tx1"/>
+                      </a:solidFill>
+                      <a:prstDash val="solid"/>
+                      <a:round/>
+                      <a:headEnd type="none" w="med" len="med"/>
+                      <a:tailEnd type="none" w="med" len="med"/>
+                    </a:lnB>
+                  </a:tcPr>
+                </a:tc>
+                <a:tc>
+                  <a:txBody>
+                    <a:bodyPr/>
+                    <a:lstStyle/>
+                    <a:p>
+                      <a:pPr algn="ctr"/>
+                      <a:r>
+                        <a:rPr lang="en-US" sz="1700" baseline="0" dirty="0" smtClean="0"/>
+                        <a:t>40</a:t>
+                      </a:r>
+                      <a:r>
+                        <a:rPr lang="en-US" sz="1800" dirty="0" smtClean="0"/>
+                        <a:t> </a:t>
+                      </a:r>
+                      <a:r>
+                        <a:rPr lang="el-GR" sz="1800" dirty="0"/>
+                        <a:t>μ</a:t>
+                      </a:r>
+                      <a:r>
+                        <a:rPr lang="en-US" sz="1800" dirty="0"/>
+                        <a:t>s</a:t>
+                      </a:r>
+                    </a:p>
+                  </a:txBody>
+                  <a:tcPr>
+                    <a:lnL w="12700" cap="flat" cmpd="sng" algn="ctr">
+                      <a:solidFill>
+                        <a:schemeClr val="tx1"/>
+                      </a:solidFill>
+                      <a:prstDash val="solid"/>
+                      <a:round/>
+                      <a:headEnd type="none" w="med" len="med"/>
+                      <a:tailEnd type="none" w="med" len="med"/>
+                    </a:lnL>
+                    <a:lnR w="12700" cap="flat" cmpd="sng" algn="ctr">
+                      <a:solidFill>
+                        <a:schemeClr val="tx1"/>
+                      </a:solidFill>
+                      <a:prstDash val="solid"/>
+                      <a:round/>
+                      <a:headEnd type="none" w="med" len="med"/>
+                      <a:tailEnd type="none" w="med" len="med"/>
+                    </a:lnR>
+                    <a:lnT w="12700" cap="flat" cmpd="sng" algn="ctr">
+                      <a:solidFill>
+                        <a:schemeClr val="tx1"/>
+                      </a:solidFill>
+                      <a:prstDash val="solid"/>
+                      <a:round/>
+                      <a:headEnd type="none" w="med" len="med"/>
+                      <a:tailEnd type="none" w="med" len="med"/>
+                    </a:lnT>
+                    <a:lnB w="12700" cap="flat" cmpd="sng" algn="ctr">
+                      <a:solidFill>
+                        <a:schemeClr val="tx1"/>
+                      </a:solidFill>
+                      <a:prstDash val="solid"/>
+                      <a:round/>
+                      <a:headEnd type="none" w="med" len="med"/>
+                      <a:tailEnd type="none" w="med" len="med"/>
+                    </a:lnB>
+                  </a:tcPr>
+                </a:tc>
+                <a:extLst>
+                  <a:ext uri="{0D108BD9-81ED-4DB2-BD59-A6C34878D82A}">
+                    <a16:rowId xmlns:a16="http://schemas.microsoft.com/office/drawing/2014/main" val="1935748397"/>
+                  </a:ext>
+                </a:extLst>
+              </a:tr>
+            </a:tbl>
+          </a:graphicData>
+        </a:graphic>
+      </p:graphicFrame>
+      <p:sp>
+        <p:nvSpPr>
+          <p:cNvPr id="15" name="Footer Placeholder 14"/>
+          <p:cNvSpPr>
+            <a:spLocks noGrp="1"/>
+          </p:cNvSpPr>
+          <p:nvPr>
+            <p:ph type="ftr" sz="quarter" idx="12"/>
+          </p:nvPr>
+        </p:nvSpPr>
+        <p:spPr>
+          <a:xfrm>
+            <a:off x="318008" y="5958954"/>
+            <a:ext cx="8265818" cy="696921"/>
+          </a:xfrm>
+        </p:spPr>
+        <p:txBody>
+          <a:bodyPr/>
+          <a:lstStyle/>
+          <a:p>
+            <a:pPr marL="342900" indent="-342900">
+              <a:buFont typeface="+mj-lt"/>
+              <a:buAutoNum type="arabicPeriod"/>
+            </a:pPr>
+            <a:r>
+              <a:rPr lang="en-US" dirty="0">
+                <a:solidFill>
+                  <a:srgbClr val="000000"/>
+                </a:solidFill>
+              </a:rPr>
+              <a:t>P. </a:t>
+            </a:r>
+            <a:r>
+              <a:rPr lang="en-US" dirty="0" err="1">
+                <a:solidFill>
+                  <a:srgbClr val="000000"/>
+                </a:solidFill>
+              </a:rPr>
+              <a:t>Giard</a:t>
+            </a:r>
+            <a:r>
+              <a:rPr lang="en-US" dirty="0">
+                <a:solidFill>
+                  <a:srgbClr val="000000"/>
+                </a:solidFill>
+              </a:rPr>
+              <a:t>, G. </a:t>
+            </a:r>
+            <a:r>
+              <a:rPr lang="en-US" dirty="0" err="1">
+                <a:solidFill>
+                  <a:srgbClr val="000000"/>
+                </a:solidFill>
+              </a:rPr>
+              <a:t>Sarkis</a:t>
+            </a:r>
+            <a:r>
+              <a:rPr lang="en-US" dirty="0">
+                <a:solidFill>
+                  <a:srgbClr val="000000"/>
+                </a:solidFill>
+              </a:rPr>
+              <a:t>, C. </a:t>
+            </a:r>
+            <a:r>
+              <a:rPr lang="en-US" dirty="0" err="1">
+                <a:solidFill>
+                  <a:srgbClr val="000000"/>
+                </a:solidFill>
+              </a:rPr>
+              <a:t>Leroux</a:t>
+            </a:r>
+            <a:r>
+              <a:rPr lang="en-US" dirty="0">
+                <a:solidFill>
+                  <a:srgbClr val="000000"/>
+                </a:solidFill>
+              </a:rPr>
+              <a:t>, C. </a:t>
+            </a:r>
+            <a:r>
+              <a:rPr lang="en-US" dirty="0" err="1">
+                <a:solidFill>
+                  <a:srgbClr val="000000"/>
+                </a:solidFill>
+              </a:rPr>
+              <a:t>Thibeault</a:t>
+            </a:r>
+            <a:r>
+              <a:rPr lang="en-US" dirty="0">
+                <a:solidFill>
+                  <a:srgbClr val="000000"/>
+                </a:solidFill>
+              </a:rPr>
+              <a:t>, and W. J. Gross, “Low-latency </a:t>
+            </a:r>
+            <a:r>
+              <a:rPr lang="en-US" dirty="0" smtClean="0">
+                <a:solidFill>
+                  <a:srgbClr val="000000"/>
+                </a:solidFill>
+              </a:rPr>
+              <a:t>software polar </a:t>
+            </a:r>
+            <a:r>
+              <a:rPr lang="en-US" dirty="0">
+                <a:solidFill>
+                  <a:srgbClr val="000000"/>
+                </a:solidFill>
+              </a:rPr>
+              <a:t>decoders,” J. Signal Process. Syst., vol. 90, pp. 761–775, May 2018</a:t>
+            </a:r>
+            <a:r>
+              <a:rPr lang="en-US" dirty="0" smtClean="0">
+                <a:solidFill>
+                  <a:srgbClr val="000000"/>
+                </a:solidFill>
+              </a:rPr>
+              <a:t>.</a:t>
+            </a:r>
+          </a:p>
+        </p:txBody>
+      </p:sp>
+      <p:graphicFrame>
+        <p:nvGraphicFramePr>
+          <p:cNvPr id="26" name="Table 25"/>
+          <p:cNvGraphicFramePr>
+            <a:graphicFrameLocks noGrp="1"/>
+          </p:cNvGraphicFramePr>
+          <p:nvPr>
+            <p:extLst>
+              <p:ext uri="{D42A27DB-BD31-4B8C-83A1-F6EECF244321}">
+                <p14:modId xmlns:p14="http://schemas.microsoft.com/office/powerpoint/2010/main" val="2595876067"/>
+              </p:ext>
+            </p:extLst>
+          </p:nvPr>
+        </p:nvGraphicFramePr>
+        <p:xfrm>
+          <a:off x="318008" y="2016110"/>
+          <a:ext cx="4431105" cy="808401"/>
+        </p:xfrm>
+        <a:graphic>
+          <a:graphicData uri="http://schemas.openxmlformats.org/drawingml/2006/table">
+            <a:tbl>
+              <a:tblPr firstRow="1" bandRow="1">
+                <a:tableStyleId>{2D5ABB26-0587-4C30-8999-92F81FD0307C}</a:tableStyleId>
+              </a:tblPr>
+              <a:tblGrid>
+                <a:gridCol w="1926802">
+                  <a:extLst>
+                    <a:ext uri="{9D8B030D-6E8A-4147-A177-3AD203B41FA5}">
+                      <a16:colId xmlns:a16="http://schemas.microsoft.com/office/drawing/2014/main" val="1117280656"/>
+                    </a:ext>
+                  </a:extLst>
+                </a:gridCol>
+                <a:gridCol w="2504303">
+                  <a:extLst>
+                    <a:ext uri="{9D8B030D-6E8A-4147-A177-3AD203B41FA5}">
+                      <a16:colId xmlns:a16="http://schemas.microsoft.com/office/drawing/2014/main" val="1195562751"/>
+                    </a:ext>
+                  </a:extLst>
+                </a:gridCol>
+              </a:tblGrid>
+              <a:tr h="426607">
+                <a:tc>
+                  <a:txBody>
+                    <a:bodyPr/>
+                    <a:lstStyle/>
+                    <a:p>
+                      <a:pPr marL="0" marR="0" lvl="0" indent="0" algn="ctr" defTabSz="914400" rtl="0" eaLnBrk="1" fontAlgn="auto" latinLnBrk="0" hangingPunct="1">
+                        <a:lnSpc>
+                          <a:spcPct val="100000"/>
+                        </a:lnSpc>
+                        <a:spcBef>
+                          <a:spcPts val="0"/>
+                        </a:spcBef>
+                        <a:spcAft>
+                          <a:spcPts val="0"/>
+                        </a:spcAft>
+                        <a:buClrTx/>
+                        <a:buSzTx/>
+                        <a:buFontTx/>
+                        <a:buNone/>
+                        <a:tabLst/>
+                        <a:defRPr/>
+                      </a:pPr>
+                      <a:r>
+                        <a:rPr lang="en-US" sz="1700" b="0" kern="1200" baseline="0" dirty="0" smtClean="0">
+                          <a:solidFill>
+                            <a:schemeClr val="tx1"/>
+                          </a:solidFill>
+                          <a:latin typeface="+mn-lt"/>
+                          <a:ea typeface="+mn-ea"/>
+                          <a:cs typeface="+mn-cs"/>
+                        </a:rPr>
+                        <a:t>[1]</a:t>
+                      </a:r>
+                      <a:endParaRPr lang="en-US" sz="1700" b="0" kern="1200" baseline="0" dirty="0">
+                        <a:solidFill>
+                          <a:schemeClr val="tx1"/>
+                        </a:solidFill>
+                        <a:latin typeface="+mn-lt"/>
+                        <a:ea typeface="+mn-ea"/>
+                        <a:cs typeface="+mn-cs"/>
+                      </a:endParaRPr>
+                    </a:p>
+                  </a:txBody>
+                  <a:tcPr>
+                    <a:lnL w="12700" cap="flat" cmpd="sng" algn="ctr">
+                      <a:solidFill>
+                        <a:schemeClr val="tx1"/>
+                      </a:solidFill>
+                      <a:prstDash val="solid"/>
+                      <a:round/>
+                      <a:headEnd type="none" w="med" len="med"/>
+                      <a:tailEnd type="none" w="med" len="med"/>
+                    </a:lnL>
+                    <a:lnR w="12700" cap="flat" cmpd="sng" algn="ctr">
+                      <a:solidFill>
+                        <a:schemeClr val="tx1"/>
+                      </a:solidFill>
+                      <a:prstDash val="solid"/>
+                      <a:round/>
+                      <a:headEnd type="none" w="med" len="med"/>
+                      <a:tailEnd type="none" w="med" len="med"/>
+                    </a:lnR>
+                    <a:lnT w="12700" cap="flat" cmpd="sng" algn="ctr">
+                      <a:solidFill>
+                        <a:schemeClr val="tx1"/>
+                      </a:solidFill>
+                      <a:prstDash val="solid"/>
+                      <a:round/>
+                      <a:headEnd type="none" w="med" len="med"/>
+                      <a:tailEnd type="none" w="med" len="med"/>
+                    </a:lnT>
+                    <a:lnB w="12700" cap="flat" cmpd="sng" algn="ctr">
+                      <a:solidFill>
+                        <a:schemeClr val="tx1"/>
+                      </a:solidFill>
+                      <a:prstDash val="solid"/>
+                      <a:round/>
+                      <a:headEnd type="none" w="med" len="med"/>
+                      <a:tailEnd type="none" w="med" len="med"/>
+                    </a:lnB>
+                    <a:solidFill>
+                      <a:schemeClr val="bg2">
+                        <a:lumMod val="40000"/>
+                        <a:lumOff val="60000"/>
+                      </a:schemeClr>
+                    </a:solidFill>
+                  </a:tcPr>
+                </a:tc>
+                <a:tc>
+                  <a:txBody>
+                    <a:bodyPr/>
+                    <a:lstStyle/>
+                    <a:p>
+                      <a:pPr marL="0" marR="0" lvl="0" indent="0" algn="ctr" defTabSz="914400" rtl="0" eaLnBrk="1" fontAlgn="auto" latinLnBrk="0" hangingPunct="1">
+                        <a:lnSpc>
+                          <a:spcPct val="100000"/>
+                        </a:lnSpc>
+                        <a:spcBef>
+                          <a:spcPts val="0"/>
+                        </a:spcBef>
+                        <a:spcAft>
+                          <a:spcPts val="0"/>
+                        </a:spcAft>
+                        <a:buClrTx/>
+                        <a:buSzTx/>
+                        <a:buFontTx/>
+                        <a:buNone/>
+                        <a:tabLst/>
+                        <a:defRPr/>
+                      </a:pPr>
+                      <a:r>
+                        <a:rPr lang="en-US" sz="1700" kern="1200" baseline="0" dirty="0" smtClean="0">
+                          <a:solidFill>
+                            <a:schemeClr val="tx1"/>
+                          </a:solidFill>
+                          <a:latin typeface="+mn-lt"/>
+                          <a:ea typeface="+mn-ea"/>
+                          <a:cs typeface="+mn-cs"/>
+                        </a:rPr>
+                        <a:t>This work</a:t>
+                      </a:r>
+                      <a:endParaRPr lang="en-US" sz="1700" kern="1200" baseline="0" dirty="0">
+                        <a:solidFill>
+                          <a:schemeClr val="tx1"/>
+                        </a:solidFill>
+                        <a:latin typeface="+mn-lt"/>
+                        <a:ea typeface="+mn-ea"/>
+                        <a:cs typeface="+mn-cs"/>
+                      </a:endParaRPr>
+                    </a:p>
+                  </a:txBody>
+                  <a:tcPr>
+                    <a:lnL w="12700" cap="flat" cmpd="sng" algn="ctr">
+                      <a:solidFill>
+                        <a:schemeClr val="tx1"/>
+                      </a:solidFill>
+                      <a:prstDash val="solid"/>
+                      <a:round/>
+                      <a:headEnd type="none" w="med" len="med"/>
+                      <a:tailEnd type="none" w="med" len="med"/>
+                    </a:lnL>
+                    <a:lnR w="12700" cap="flat" cmpd="sng" algn="ctr">
+                      <a:solidFill>
+                        <a:schemeClr val="tx1"/>
+                      </a:solidFill>
+                      <a:prstDash val="solid"/>
+                      <a:round/>
+                      <a:headEnd type="none" w="med" len="med"/>
+                      <a:tailEnd type="none" w="med" len="med"/>
+                    </a:lnR>
+                    <a:lnT w="12700" cap="flat" cmpd="sng" algn="ctr">
+                      <a:solidFill>
+                        <a:schemeClr val="tx1"/>
+                      </a:solidFill>
+                      <a:prstDash val="solid"/>
+                      <a:round/>
+                      <a:headEnd type="none" w="med" len="med"/>
+                      <a:tailEnd type="none" w="med" len="med"/>
+                    </a:lnT>
+                    <a:lnB w="12700" cap="flat" cmpd="sng" algn="ctr">
+                      <a:solidFill>
+                        <a:schemeClr val="tx1"/>
+                      </a:solidFill>
+                      <a:prstDash val="solid"/>
+                      <a:round/>
+                      <a:headEnd type="none" w="med" len="med"/>
+                      <a:tailEnd type="none" w="med" len="med"/>
+                    </a:lnB>
+                    <a:solidFill>
+                      <a:schemeClr val="bg2">
+                        <a:lumMod val="40000"/>
+                        <a:lumOff val="60000"/>
+                      </a:schemeClr>
+                    </a:solidFill>
+                  </a:tcPr>
+                </a:tc>
+                <a:extLst>
+                  <a:ext uri="{0D108BD9-81ED-4DB2-BD59-A6C34878D82A}">
+                    <a16:rowId xmlns:a16="http://schemas.microsoft.com/office/drawing/2014/main" val="2279112131"/>
+                  </a:ext>
+                </a:extLst>
+              </a:tr>
+              <a:tr h="381794">
+                <a:tc>
+                  <a:txBody>
+                    <a:bodyPr/>
+                    <a:lstStyle/>
+                    <a:p>
+                      <a:pPr algn="ctr"/>
+                      <a:r>
+                        <a:rPr lang="en-US" sz="1600" dirty="0" smtClean="0"/>
+                        <a:t>8 </a:t>
+                      </a:r>
+                      <a:r>
+                        <a:rPr lang="el-GR" sz="1600" dirty="0"/>
+                        <a:t>μ</a:t>
+                      </a:r>
+                      <a:r>
+                        <a:rPr lang="en-US" sz="1600" dirty="0"/>
+                        <a:t>s</a:t>
+                      </a:r>
+                    </a:p>
+                  </a:txBody>
+                  <a:tcPr>
+                    <a:lnL w="12700" cap="flat" cmpd="sng" algn="ctr">
+                      <a:solidFill>
+                        <a:schemeClr val="tx1"/>
+                      </a:solidFill>
+                      <a:prstDash val="solid"/>
+                      <a:round/>
+                      <a:headEnd type="none" w="med" len="med"/>
+                      <a:tailEnd type="none" w="med" len="med"/>
+                    </a:lnL>
+                    <a:lnR w="12700" cap="flat" cmpd="sng" algn="ctr">
+                      <a:solidFill>
+                        <a:schemeClr val="tx1"/>
+                      </a:solidFill>
+                      <a:prstDash val="solid"/>
+                      <a:round/>
+                      <a:headEnd type="none" w="med" len="med"/>
+                      <a:tailEnd type="none" w="med" len="med"/>
+                    </a:lnR>
+                    <a:lnT w="12700" cap="flat" cmpd="sng" algn="ctr">
+                      <a:solidFill>
+                        <a:schemeClr val="tx1"/>
+                      </a:solidFill>
+                      <a:prstDash val="solid"/>
+                      <a:round/>
+                      <a:headEnd type="none" w="med" len="med"/>
+                      <a:tailEnd type="none" w="med" len="med"/>
+                    </a:lnT>
+                    <a:lnB w="12700" cap="flat" cmpd="sng" algn="ctr">
+                      <a:solidFill>
+                        <a:schemeClr val="tx1"/>
+                      </a:solidFill>
+                      <a:prstDash val="solid"/>
+                      <a:round/>
+                      <a:headEnd type="none" w="med" len="med"/>
+                      <a:tailEnd type="none" w="med" len="med"/>
+                    </a:lnB>
+                  </a:tcPr>
+                </a:tc>
+                <a:tc>
+                  <a:txBody>
+                    <a:bodyPr/>
+                    <a:lstStyle/>
+                    <a:p>
+                      <a:pPr algn="ctr"/>
+                      <a:r>
+                        <a:rPr lang="en-US" sz="1600" dirty="0" smtClean="0"/>
+                        <a:t>5 </a:t>
+                      </a:r>
+                      <a:r>
+                        <a:rPr lang="el-GR" sz="1600" dirty="0"/>
+                        <a:t>μ</a:t>
+                      </a:r>
+                      <a:r>
+                        <a:rPr lang="en-US" sz="1600" dirty="0"/>
+                        <a:t>s</a:t>
+                      </a:r>
+                    </a:p>
+                  </a:txBody>
+                  <a:tcPr>
+                    <a:lnL w="12700" cap="flat" cmpd="sng" algn="ctr">
+                      <a:solidFill>
+                        <a:schemeClr val="tx1"/>
+                      </a:solidFill>
+                      <a:prstDash val="solid"/>
+                      <a:round/>
+                      <a:headEnd type="none" w="med" len="med"/>
+                      <a:tailEnd type="none" w="med" len="med"/>
+                    </a:lnL>
+                    <a:lnR w="12700" cap="flat" cmpd="sng" algn="ctr">
+                      <a:solidFill>
+                        <a:schemeClr val="tx1"/>
+                      </a:solidFill>
+                      <a:prstDash val="solid"/>
+                      <a:round/>
+                      <a:headEnd type="none" w="med" len="med"/>
+                      <a:tailEnd type="none" w="med" len="med"/>
+                    </a:lnR>
+                    <a:lnT w="12700" cap="flat" cmpd="sng" algn="ctr">
+                      <a:solidFill>
+                        <a:schemeClr val="tx1"/>
+                      </a:solidFill>
+                      <a:prstDash val="solid"/>
+                      <a:round/>
+                      <a:headEnd type="none" w="med" len="med"/>
+                      <a:tailEnd type="none" w="med" len="med"/>
+                    </a:lnT>
+                    <a:lnB w="12700" cap="flat" cmpd="sng" algn="ctr">
+                      <a:solidFill>
+                        <a:schemeClr val="tx1"/>
+                      </a:solidFill>
+                      <a:prstDash val="solid"/>
+                      <a:round/>
+                      <a:headEnd type="none" w="med" len="med"/>
+                      <a:tailEnd type="none" w="med" len="med"/>
+                    </a:lnB>
+                  </a:tcPr>
+                </a:tc>
+                <a:extLst>
+                  <a:ext uri="{0D108BD9-81ED-4DB2-BD59-A6C34878D82A}">
+                    <a16:rowId xmlns:a16="http://schemas.microsoft.com/office/drawing/2014/main" val="1935748397"/>
+                  </a:ext>
+                </a:extLst>
+              </a:tr>
+            </a:tbl>
+          </a:graphicData>
+        </a:graphic>
+      </p:graphicFrame>
+      <p:sp>
+        <p:nvSpPr>
+          <p:cNvPr id="117" name="RS_Classification_Standard"/>
+          <p:cNvSpPr txBox="1"/>
+          <p:nvPr/>
+        </p:nvSpPr>
+        <p:spPr>
+          <a:xfrm>
+            <a:off x="8990047" y="6187613"/>
+            <a:ext cx="153953" cy="251287"/>
+          </a:xfrm>
+          <a:prstGeom prst="rect">
+            <a:avLst/>
+          </a:prstGeom>
+          <a:solidFill>
+            <a:srgbClr val="FFFFFF">
+              <a:alpha val="0"/>
+            </a:srgbClr>
+          </a:solidFill>
+        </p:spPr>
+        <p:txBody>
+          <a:bodyPr vert="horz" wrap="none" lIns="76200" tIns="36830" rIns="76200" bIns="36830" rtlCol="0" anchor="ctr">
+            <a:spAutoFit/>
+          </a:bodyPr>
+          <a:lstStyle/>
+          <a:p>
+            <a:endParaRPr lang="en-US" sz="1100" b="1" kern="900" spc="100" dirty="0" err="1" smtClean="0">
+              <a:solidFill>
+                <a:srgbClr val="000000"/>
+              </a:solidFill>
+              <a:latin typeface="+mn-lt"/>
+            </a:endParaRPr>
+          </a:p>
+        </p:txBody>
+      </p:sp>
+    </p:spTree>
+    <p:custDataLst>
+      <p:tags r:id="rId1"/>
+    </p:custDataLst>
+    <p:extLst>
+      <p:ext uri="{BB962C8B-B14F-4D97-AF65-F5344CB8AC3E}">
+        <p14:creationId xmlns:p14="http://schemas.microsoft.com/office/powerpoint/2010/main" val="1421144252"/>
+      </p:ext>
+    </p:extLst>
+  </p:cSld>
+  <p:clrMapOvr>
+    <a:masterClrMapping/>
+  </p:clrMapOvr>
+</p:sld>
+</file>
+
+<file path=ppt/slides/slide34.xml><?xml version="1.0" encoding="utf-8"?>
+<p:sld xmlns:a="http://schemas.openxmlformats.org/drawingml/2006/main" xmlns:r="http://schemas.openxmlformats.org/officeDocument/2006/relationships" xmlns:p="http://schemas.openxmlformats.org/presentationml/2006/main">
+  <p:cSld>
+    <p:spTree>
+      <p:nvGrpSpPr>
+        <p:cNvPr id="1" name=""/>
+        <p:cNvGrpSpPr/>
+        <p:nvPr/>
+      </p:nvGrpSpPr>
+      <p:grpSpPr>
+        <a:xfrm>
+          <a:off x="0" y="0"/>
+          <a:ext cx="0" cy="0"/>
+          <a:chOff x="0" y="0"/>
+          <a:chExt cx="0" cy="0"/>
+        </a:xfrm>
+      </p:grpSpPr>
+      <p:sp>
+        <p:nvSpPr>
+          <p:cNvPr id="2" name="Content Placeholder 1"/>
+          <p:cNvSpPr>
+            <a:spLocks noGrp="1"/>
+          </p:cNvSpPr>
+          <p:nvPr>
+            <p:ph idx="1"/>
+          </p:nvPr>
+        </p:nvSpPr>
+        <p:spPr/>
+        <p:txBody>
+          <a:bodyPr/>
+          <a:lstStyle/>
+          <a:p>
+            <a:pPr marL="285750" indent="-285750">
+              <a:buFont typeface="Arial" panose="020B0604020202020204" pitchFamily="34" charset="0"/>
+              <a:buChar char="•"/>
+            </a:pPr>
+            <a:endParaRPr lang="en-US" dirty="0" smtClean="0"/>
+          </a:p>
+          <a:p>
+            <a:pPr marL="285750" indent="-285750">
+              <a:buFont typeface="Arial" panose="020B0604020202020204" pitchFamily="34" charset="0"/>
+              <a:buChar char="•"/>
+            </a:pPr>
+            <a:r>
+              <a:rPr lang="en-US" dirty="0" smtClean="0"/>
+              <a:t>Both encoding and decoding FEC chains are efficiently implemented through both algorithmic and software optimizations</a:t>
+            </a:r>
+          </a:p>
+          <a:p>
+            <a:pPr marL="285750" indent="-285750">
+              <a:buFont typeface="Arial" panose="020B0604020202020204" pitchFamily="34" charset="0"/>
+              <a:buChar char="•"/>
+            </a:pPr>
+            <a:r>
+              <a:rPr lang="en-US" dirty="0" smtClean="0"/>
+              <a:t>Optimized implementation exploits the features provided by modern processors such SIMD, Cache prefetching et cetera.</a:t>
+            </a:r>
+          </a:p>
+          <a:p>
+            <a:pPr marL="285750" indent="-285750">
+              <a:buFont typeface="Arial" panose="020B0604020202020204" pitchFamily="34" charset="0"/>
+              <a:buChar char="•"/>
+            </a:pPr>
+            <a:endParaRPr lang="en-US" dirty="0"/>
+          </a:p>
+          <a:p>
+            <a:pPr marL="285750" indent="-285750">
+              <a:buFont typeface="Arial" panose="020B0604020202020204" pitchFamily="34" charset="0"/>
+              <a:buChar char="•"/>
+            </a:pPr>
+            <a:r>
+              <a:rPr lang="en-US" dirty="0" smtClean="0"/>
+              <a:t>This work achieved latency requirements </a:t>
+            </a:r>
+            <a:r>
+              <a:rPr lang="en-US" dirty="0"/>
+              <a:t>encoding and decoding FEC </a:t>
+            </a:r>
+            <a:r>
+              <a:rPr lang="en-US" dirty="0" smtClean="0"/>
+              <a:t>chains of 5G through software implementation.</a:t>
+            </a:r>
+            <a:endParaRPr lang="en-US" dirty="0"/>
+          </a:p>
+          <a:p>
+            <a:pPr marL="285750" indent="-285750">
+              <a:buFont typeface="Arial" panose="020B0604020202020204" pitchFamily="34" charset="0"/>
+              <a:buChar char="•"/>
+            </a:pPr>
+            <a:r>
+              <a:rPr lang="en-US" dirty="0" smtClean="0"/>
+              <a:t>Efficient implementation and optimization reduced the latency by 10x.</a:t>
+            </a:r>
+            <a:endParaRPr lang="en-US" dirty="0"/>
+          </a:p>
+          <a:p>
+            <a:pPr marL="285750" indent="-285750">
+              <a:buFont typeface="Arial" panose="020B0604020202020204" pitchFamily="34" charset="0"/>
+              <a:buChar char="•"/>
+            </a:pPr>
+            <a:endParaRPr lang="en-US" dirty="0"/>
+          </a:p>
+          <a:p>
+            <a:pPr marL="285750" indent="-285750">
+              <a:buFont typeface="Arial" panose="020B0604020202020204" pitchFamily="34" charset="0"/>
+              <a:buChar char="•"/>
+            </a:pPr>
+            <a:endParaRPr lang="en-US" dirty="0"/>
+          </a:p>
+          <a:p>
+            <a:endParaRPr lang="en-US" dirty="0"/>
+          </a:p>
+        </p:txBody>
+      </p:sp>
+      <p:sp>
+        <p:nvSpPr>
+          <p:cNvPr id="3" name="Slide Number Placeholder 2"/>
+          <p:cNvSpPr>
+            <a:spLocks noGrp="1"/>
+          </p:cNvSpPr>
+          <p:nvPr>
+            <p:ph type="sldNum" sz="quarter" idx="11"/>
+          </p:nvPr>
+        </p:nvSpPr>
+        <p:spPr/>
+        <p:txBody>
+          <a:bodyPr/>
+          <a:lstStyle/>
+          <a:p>
+            <a:fld id="{CE58CB1E-F828-4F11-99E0-327109AF9DA4}" type="slidenum">
+              <a:rPr lang="de-DE" smtClean="0"/>
+              <a:pPr/>
+              <a:t>34</a:t>
+            </a:fld>
+            <a:endParaRPr lang="de-DE" dirty="0"/>
+          </a:p>
+        </p:txBody>
+      </p:sp>
+      <p:sp>
+        <p:nvSpPr>
+          <p:cNvPr id="4" name="Title 3"/>
+          <p:cNvSpPr>
+            <a:spLocks noGrp="1"/>
+          </p:cNvSpPr>
+          <p:nvPr>
+            <p:ph type="title"/>
+          </p:nvPr>
+        </p:nvSpPr>
+        <p:spPr/>
+        <p:txBody>
+          <a:bodyPr/>
+          <a:lstStyle/>
+          <a:p>
+            <a:r>
+              <a:rPr lang="en-US" dirty="0" smtClean="0">
+                <a:solidFill>
+                  <a:schemeClr val="bg2"/>
+                </a:solidFill>
+              </a:rPr>
+              <a:t>Conclusion</a:t>
+            </a:r>
+            <a:endParaRPr lang="en-US" dirty="0">
+              <a:solidFill>
+                <a:schemeClr val="bg2"/>
+              </a:solidFill>
+            </a:endParaRPr>
+          </a:p>
+        </p:txBody>
+      </p:sp>
+      <p:sp>
+        <p:nvSpPr>
+          <p:cNvPr id="154" name="RS_Classification_Standard"/>
+          <p:cNvSpPr txBox="1"/>
+          <p:nvPr/>
+        </p:nvSpPr>
+        <p:spPr>
+          <a:xfrm>
+            <a:off x="8990047" y="6187613"/>
+            <a:ext cx="153953" cy="251287"/>
+          </a:xfrm>
+          <a:prstGeom prst="rect">
+            <a:avLst/>
+          </a:prstGeom>
+          <a:solidFill>
+            <a:srgbClr val="FFFFFF">
+              <a:alpha val="0"/>
+            </a:srgbClr>
+          </a:solidFill>
+        </p:spPr>
+        <p:txBody>
+          <a:bodyPr vert="horz" wrap="none" lIns="76200" tIns="36830" rIns="76200" bIns="36830" rtlCol="0" anchor="ctr">
+            <a:spAutoFit/>
+          </a:bodyPr>
+          <a:lstStyle/>
+          <a:p>
+            <a:endParaRPr lang="en-US" sz="1100" b="1" kern="900" spc="100" dirty="0" err="1" smtClean="0">
+              <a:solidFill>
+                <a:srgbClr val="000000"/>
+              </a:solidFill>
+              <a:latin typeface="+mn-lt"/>
+            </a:endParaRPr>
+          </a:p>
+        </p:txBody>
+      </p:sp>
+    </p:spTree>
+    <p:custDataLst>
+      <p:tags r:id="rId1"/>
+    </p:custDataLst>
+    <p:extLst>
+      <p:ext uri="{BB962C8B-B14F-4D97-AF65-F5344CB8AC3E}">
+        <p14:creationId xmlns:p14="http://schemas.microsoft.com/office/powerpoint/2010/main" val="1356943978"/>
+      </p:ext>
+    </p:extLst>
+  </p:cSld>
+  <p:clrMapOvr>
+    <a:masterClrMapping/>
+  </p:clrMapOvr>
+</p:sld>
+</file>
+
+<file path=ppt/slides/slide35.xml><?xml version="1.0" encoding="utf-8"?>
+<p:sld xmlns:a="http://schemas.openxmlformats.org/drawingml/2006/main" xmlns:r="http://schemas.openxmlformats.org/officeDocument/2006/relationships" xmlns:p="http://schemas.openxmlformats.org/presentationml/2006/main">
+  <p:cSld>
+    <p:spTree>
+      <p:nvGrpSpPr>
+        <p:cNvPr id="1" name=""/>
+        <p:cNvGrpSpPr/>
+        <p:nvPr/>
+      </p:nvGrpSpPr>
+      <p:grpSpPr>
+        <a:xfrm>
+          <a:off x="0" y="0"/>
+          <a:ext cx="0" cy="0"/>
+          <a:chOff x="0" y="0"/>
+          <a:chExt cx="0" cy="0"/>
+        </a:xfrm>
+      </p:grpSpPr>
+      <p:sp>
+        <p:nvSpPr>
+          <p:cNvPr id="2" name="Content Placeholder 1"/>
+          <p:cNvSpPr>
+            <a:spLocks noGrp="1"/>
+          </p:cNvSpPr>
+          <p:nvPr>
+            <p:ph idx="1"/>
+          </p:nvPr>
+        </p:nvSpPr>
+        <p:spPr/>
+        <p:txBody>
+          <a:bodyPr/>
+          <a:lstStyle/>
+          <a:p>
+            <a:pPr marL="285750" indent="-285750">
+              <a:buFont typeface="Arial" panose="020B0604020202020204" pitchFamily="34" charset="0"/>
+              <a:buChar char="•"/>
+            </a:pPr>
+            <a:r>
+              <a:rPr lang="en-US" dirty="0" smtClean="0"/>
+              <a:t>As part of this work another decoding algorithm, CRC aided Successive Cancellation List (</a:t>
+            </a:r>
+            <a:r>
+              <a:rPr lang="en-US" i="1" dirty="0" smtClean="0"/>
+              <a:t>CA-SCL</a:t>
+            </a:r>
+            <a:r>
+              <a:rPr lang="en-US" dirty="0" smtClean="0"/>
+              <a:t>) algorithm is also implemented. However it is not optimized.</a:t>
+            </a:r>
+          </a:p>
+          <a:p>
+            <a:pPr marL="285750" indent="-285750">
+              <a:buFont typeface="Arial" panose="020B0604020202020204" pitchFamily="34" charset="0"/>
+              <a:buChar char="•"/>
+            </a:pPr>
+            <a:r>
+              <a:rPr lang="en-US" i="1" dirty="0" smtClean="0"/>
+              <a:t>CA-SCL </a:t>
+            </a:r>
+            <a:r>
+              <a:rPr lang="en-US" dirty="0" smtClean="0"/>
+              <a:t>algorithm has approximately 1.5dB gain over </a:t>
+            </a:r>
+            <a:r>
+              <a:rPr lang="en-US" i="1" dirty="0" smtClean="0"/>
+              <a:t>fast-SSC </a:t>
+            </a:r>
+            <a:r>
+              <a:rPr lang="en-US" dirty="0" smtClean="0"/>
+              <a:t>algorithm </a:t>
+            </a:r>
+            <a:r>
+              <a:rPr lang="en-US" dirty="0"/>
+              <a:t>for N = 2048 and list size of </a:t>
+            </a:r>
+            <a:r>
+              <a:rPr lang="en-US" dirty="0" smtClean="0"/>
+              <a:t>8.</a:t>
+            </a:r>
+            <a:endParaRPr lang="en-US" i="1" dirty="0"/>
+          </a:p>
+          <a:p>
+            <a:pPr marL="285750" indent="-285750">
+              <a:buFont typeface="Arial" panose="020B0604020202020204" pitchFamily="34" charset="0"/>
+              <a:buChar char="•"/>
+            </a:pPr>
+            <a:r>
+              <a:rPr lang="en-US" dirty="0" smtClean="0"/>
+              <a:t>Ideal continuation of this work would be to extend decoding FEC chain by incorporating </a:t>
+            </a:r>
+            <a:r>
+              <a:rPr lang="en-US" i="1" dirty="0" smtClean="0"/>
+              <a:t>CA-SCL</a:t>
+            </a:r>
+            <a:r>
+              <a:rPr lang="en-US" dirty="0" smtClean="0"/>
+              <a:t>.</a:t>
+            </a:r>
+          </a:p>
+          <a:p>
+            <a:pPr marL="285750" indent="-285750">
+              <a:buFont typeface="Arial" panose="020B0604020202020204" pitchFamily="34" charset="0"/>
+              <a:buChar char="•"/>
+            </a:pPr>
+            <a:endParaRPr lang="en-US" dirty="0"/>
+          </a:p>
+          <a:p>
+            <a:pPr marL="285750" indent="-285750">
+              <a:buFont typeface="Arial" panose="020B0604020202020204" pitchFamily="34" charset="0"/>
+              <a:buChar char="•"/>
+            </a:pPr>
+            <a:r>
+              <a:rPr lang="en-US" dirty="0" smtClean="0"/>
+              <a:t>It would be interesting to see latency values of </a:t>
+            </a:r>
+            <a:r>
+              <a:rPr lang="en-US" i="1" dirty="0" smtClean="0"/>
+              <a:t>CA-SCL </a:t>
+            </a:r>
+            <a:r>
+              <a:rPr lang="en-US" dirty="0" smtClean="0"/>
+              <a:t>which has expensive </a:t>
+            </a:r>
+            <a:r>
+              <a:rPr lang="en-US" i="1" dirty="0" smtClean="0"/>
+              <a:t>sort</a:t>
+            </a:r>
+            <a:r>
+              <a:rPr lang="en-US" dirty="0" smtClean="0"/>
+              <a:t> and </a:t>
+            </a:r>
+            <a:r>
+              <a:rPr lang="en-US" i="1" dirty="0" smtClean="0"/>
+              <a:t>copying</a:t>
+            </a:r>
+            <a:r>
+              <a:rPr lang="en-US" dirty="0" smtClean="0"/>
+              <a:t> operations.</a:t>
+            </a:r>
+            <a:endParaRPr lang="en-US" dirty="0"/>
+          </a:p>
+          <a:p>
+            <a:endParaRPr lang="en-US" dirty="0"/>
+          </a:p>
+        </p:txBody>
+      </p:sp>
+      <p:sp>
+        <p:nvSpPr>
+          <p:cNvPr id="3" name="Slide Number Placeholder 2"/>
+          <p:cNvSpPr>
+            <a:spLocks noGrp="1"/>
+          </p:cNvSpPr>
+          <p:nvPr>
+            <p:ph type="sldNum" sz="quarter" idx="11"/>
+          </p:nvPr>
+        </p:nvSpPr>
+        <p:spPr/>
+        <p:txBody>
+          <a:bodyPr/>
+          <a:lstStyle/>
+          <a:p>
+            <a:fld id="{CE58CB1E-F828-4F11-99E0-327109AF9DA4}" type="slidenum">
+              <a:rPr lang="de-DE" smtClean="0"/>
+              <a:pPr/>
+              <a:t>35</a:t>
+            </a:fld>
+            <a:endParaRPr lang="de-DE" dirty="0"/>
+          </a:p>
+        </p:txBody>
+      </p:sp>
+      <p:sp>
+        <p:nvSpPr>
+          <p:cNvPr id="4" name="Title 3"/>
+          <p:cNvSpPr>
+            <a:spLocks noGrp="1"/>
+          </p:cNvSpPr>
+          <p:nvPr>
+            <p:ph type="title"/>
+          </p:nvPr>
+        </p:nvSpPr>
+        <p:spPr/>
+        <p:txBody>
+          <a:bodyPr/>
+          <a:lstStyle/>
+          <a:p>
+            <a:r>
+              <a:rPr lang="en-US" dirty="0" smtClean="0">
+                <a:solidFill>
+                  <a:schemeClr val="bg2"/>
+                </a:solidFill>
+              </a:rPr>
+              <a:t>Outlook</a:t>
+            </a:r>
+            <a:endParaRPr lang="en-US" dirty="0">
+              <a:solidFill>
+                <a:schemeClr val="bg2"/>
+              </a:solidFill>
+            </a:endParaRPr>
+          </a:p>
+        </p:txBody>
+      </p:sp>
+      <p:sp>
+        <p:nvSpPr>
+          <p:cNvPr id="101" name="RS_Classification_Standard"/>
+          <p:cNvSpPr txBox="1"/>
+          <p:nvPr/>
+        </p:nvSpPr>
+        <p:spPr>
+          <a:xfrm>
+            <a:off x="8990047" y="6187613"/>
+            <a:ext cx="153953" cy="251287"/>
+          </a:xfrm>
+          <a:prstGeom prst="rect">
+            <a:avLst/>
+          </a:prstGeom>
+          <a:solidFill>
+            <a:srgbClr val="FFFFFF">
+              <a:alpha val="0"/>
+            </a:srgbClr>
+          </a:solidFill>
+        </p:spPr>
+        <p:txBody>
+          <a:bodyPr vert="horz" wrap="none" lIns="76200" tIns="36830" rIns="76200" bIns="36830" rtlCol="0" anchor="ctr">
+            <a:spAutoFit/>
+          </a:bodyPr>
+          <a:lstStyle/>
+          <a:p>
+            <a:endParaRPr lang="en-US" sz="1100" b="1" kern="900" spc="100" dirty="0" err="1" smtClean="0">
+              <a:solidFill>
+                <a:srgbClr val="000000"/>
+              </a:solidFill>
+              <a:latin typeface="+mn-lt"/>
+            </a:endParaRPr>
+          </a:p>
+        </p:txBody>
+      </p:sp>
+    </p:spTree>
+    <p:custDataLst>
+      <p:tags r:id="rId1"/>
+    </p:custDataLst>
+    <p:extLst>
+      <p:ext uri="{BB962C8B-B14F-4D97-AF65-F5344CB8AC3E}">
+        <p14:creationId xmlns:p14="http://schemas.microsoft.com/office/powerpoint/2010/main" val="4099116343"/>
+      </p:ext>
+    </p:extLst>
+  </p:cSld>
+  <p:clrMapOvr>
+    <a:masterClrMapping/>
+  </p:clrMapOvr>
+</p:sld>
+</file>
+
+<file path=ppt/slides/slide36.xml><?xml version="1.0" encoding="utf-8"?>
+<p:sld xmlns:a="http://schemas.openxmlformats.org/drawingml/2006/main" xmlns:r="http://schemas.openxmlformats.org/officeDocument/2006/relationships" xmlns:p="http://schemas.openxmlformats.org/presentationml/2006/main">
+  <p:cSld>
+    <p:spTree>
+      <p:nvGrpSpPr>
+        <p:cNvPr id="1" name=""/>
+        <p:cNvGrpSpPr/>
+        <p:nvPr/>
+      </p:nvGrpSpPr>
+      <p:grpSpPr>
+        <a:xfrm>
+          <a:off x="0" y="0"/>
+          <a:ext cx="0" cy="0"/>
+          <a:chOff x="0" y="0"/>
+          <a:chExt cx="0" cy="0"/>
+        </a:xfrm>
+      </p:grpSpPr>
+      <p:sp>
+        <p:nvSpPr>
+          <p:cNvPr id="3" name="Slide Number Placeholder 2"/>
+          <p:cNvSpPr>
+            <a:spLocks noGrp="1"/>
+          </p:cNvSpPr>
+          <p:nvPr>
+            <p:ph type="sldNum" sz="quarter" idx="11"/>
+          </p:nvPr>
+        </p:nvSpPr>
+        <p:spPr/>
+        <p:txBody>
+          <a:bodyPr/>
+          <a:lstStyle/>
+          <a:p>
+            <a:fld id="{CE58CB1E-F828-4F11-99E0-327109AF9DA4}" type="slidenum">
+              <a:rPr lang="de-DE" smtClean="0"/>
+              <a:pPr/>
+              <a:t>36</a:t>
             </a:fld>
             <a:endParaRPr lang="de-DE" dirty="0"/>
           </a:p>
@@ -16219,7 +21024,7 @@
       </p:sp>
       <p:sp>
         <p:nvSpPr>
-          <p:cNvPr id="39" name="RS_Classification_Standard"/>
+          <p:cNvPr id="155" name="RS_Classification_Standard"/>
           <p:cNvSpPr txBox="1"/>
           <p:nvPr/>
         </p:nvSpPr>
@@ -16243,7 +21048,7 @@
           </a:bodyPr>
           <a:lstStyle/>
           <a:p>
-            <a:endParaRPr lang="en-US" sz="1100" b="1" kern="900" spc="100" dirty="0" err="1">
+            <a:endParaRPr lang="en-US" sz="1100" b="1" kern="900" spc="100" dirty="0" err="1" smtClean="0">
               <a:solidFill>
                 <a:srgbClr val="000000"/>
               </a:solidFill>
@@ -16259,208 +21064,6 @@
     <p:extLst>
       <p:ext uri="{BB962C8B-B14F-4D97-AF65-F5344CB8AC3E}">
         <p14:creationId xmlns:p14="http://schemas.microsoft.com/office/powerpoint/2010/main" val="532498723"/>
-      </p:ext>
-    </p:extLst>
-  </p:cSld>
-  <p:clrMapOvr>
-    <a:masterClrMapping/>
-  </p:clrMapOvr>
-</p:sld>
-</file>
-
-<file path=ppt/slides/slide3.xml><?xml version="1.0" encoding="utf-8"?>
-<p:sld xmlns:a="http://schemas.openxmlformats.org/drawingml/2006/main" xmlns:r="http://schemas.openxmlformats.org/officeDocument/2006/relationships" xmlns:p="http://schemas.openxmlformats.org/presentationml/2006/main">
-  <p:cSld>
-    <p:spTree>
-      <p:nvGrpSpPr>
-        <p:cNvPr id="1" name=""/>
-        <p:cNvGrpSpPr/>
-        <p:nvPr/>
-      </p:nvGrpSpPr>
-      <p:grpSpPr>
-        <a:xfrm>
-          <a:off x="0" y="0"/>
-          <a:ext cx="0" cy="0"/>
-          <a:chOff x="0" y="0"/>
-          <a:chExt cx="0" cy="0"/>
-        </a:xfrm>
-      </p:grpSpPr>
-      <p:sp>
-        <p:nvSpPr>
-          <p:cNvPr id="2" name="Content Placeholder 1"/>
-          <p:cNvSpPr>
-            <a:spLocks noGrp="1"/>
-          </p:cNvSpPr>
-          <p:nvPr>
-            <p:ph idx="1"/>
-          </p:nvPr>
-        </p:nvSpPr>
-        <p:spPr/>
-        <p:txBody>
-          <a:bodyPr/>
-          <a:lstStyle/>
-          <a:p>
-            <a:pPr marL="285750" indent="-285750">
-              <a:buFont typeface="Arial" panose="020B0604020202020204" pitchFamily="34" charset="0"/>
-              <a:buChar char="•"/>
-            </a:pPr>
-            <a:r>
-              <a:rPr lang="en-US" sz="1800" dirty="0"/>
-              <a:t>Traditionally FEC chains are developed in hardware </a:t>
-            </a:r>
-            <a:r>
-              <a:rPr lang="en-US" sz="1800" dirty="0" err="1"/>
-              <a:t>i.e</a:t>
-            </a:r>
-            <a:r>
-              <a:rPr lang="en-US" sz="1800" dirty="0"/>
-              <a:t> FPGA’s or ASIC’s to achieve low latency and high throughput.</a:t>
-            </a:r>
-          </a:p>
-          <a:p>
-            <a:pPr marL="285750" indent="-285750">
-              <a:buFont typeface="Arial" panose="020B0604020202020204" pitchFamily="34" charset="0"/>
-              <a:buChar char="•"/>
-            </a:pPr>
-            <a:r>
-              <a:rPr lang="en-US" sz="1800" dirty="0"/>
-              <a:t>Development/maintenance in FPGA/ASIC requires more time and expensive.</a:t>
-            </a:r>
-          </a:p>
-          <a:p>
-            <a:pPr marL="285750" indent="-285750">
-              <a:buFont typeface="Arial" panose="020B0604020202020204" pitchFamily="34" charset="0"/>
-              <a:buChar char="•"/>
-            </a:pPr>
-            <a:r>
-              <a:rPr lang="en-US" sz="1800" dirty="0"/>
-              <a:t>With recent advances in General Purpose Processors it is possible to achieve required latency and throughput with software implementations without custom hardware.</a:t>
-            </a:r>
-          </a:p>
-          <a:p>
-            <a:pPr marL="285750" indent="-285750">
-              <a:buFont typeface="Arial" panose="020B0604020202020204" pitchFamily="34" charset="0"/>
-              <a:buChar char="•"/>
-            </a:pPr>
-            <a:r>
-              <a:rPr lang="en-US" sz="1800" dirty="0"/>
-              <a:t>Software implementations are flexibility and ease of maintenance to device manufacturer.</a:t>
-            </a:r>
-          </a:p>
-          <a:p>
-            <a:pPr marL="285750" indent="-285750">
-              <a:buFont typeface="Arial" panose="020B0604020202020204" pitchFamily="34" charset="0"/>
-              <a:buChar char="•"/>
-            </a:pPr>
-            <a:endParaRPr lang="en-US" sz="1800" dirty="0"/>
-          </a:p>
-          <a:p>
-            <a:pPr marL="285750" indent="-285750">
-              <a:buFont typeface="Arial" panose="020B0604020202020204" pitchFamily="34" charset="0"/>
-              <a:buChar char="•"/>
-            </a:pPr>
-            <a:r>
-              <a:rPr lang="en-US" sz="1800" dirty="0"/>
-              <a:t>However algorithms need to adopted/optimized to efficiently implement in software. </a:t>
-            </a:r>
-          </a:p>
-          <a:p>
-            <a:endParaRPr lang="en-US" dirty="0"/>
-          </a:p>
-        </p:txBody>
-      </p:sp>
-      <p:sp>
-        <p:nvSpPr>
-          <p:cNvPr id="3" name="Slide Number Placeholder 2"/>
-          <p:cNvSpPr>
-            <a:spLocks noGrp="1"/>
-          </p:cNvSpPr>
-          <p:nvPr>
-            <p:ph type="sldNum" sz="quarter" idx="11"/>
-          </p:nvPr>
-        </p:nvSpPr>
-        <p:spPr/>
-        <p:txBody>
-          <a:bodyPr/>
-          <a:lstStyle/>
-          <a:p>
-            <a:fld id="{CE58CB1E-F828-4F11-99E0-327109AF9DA4}" type="slidenum">
-              <a:rPr lang="de-DE" smtClean="0"/>
-              <a:pPr/>
-              <a:t>3</a:t>
-            </a:fld>
-            <a:endParaRPr lang="de-DE" dirty="0"/>
-          </a:p>
-        </p:txBody>
-      </p:sp>
-      <p:sp>
-        <p:nvSpPr>
-          <p:cNvPr id="4" name="Title 3"/>
-          <p:cNvSpPr>
-            <a:spLocks noGrp="1"/>
-          </p:cNvSpPr>
-          <p:nvPr>
-            <p:ph type="title"/>
-          </p:nvPr>
-        </p:nvSpPr>
-        <p:spPr/>
-        <p:txBody>
-          <a:bodyPr/>
-          <a:lstStyle/>
-          <a:p>
-            <a:r>
-              <a:rPr lang="en-US" dirty="0">
-                <a:solidFill>
-                  <a:schemeClr val="bg2"/>
-                </a:solidFill>
-              </a:rPr>
-              <a:t>Motivation</a:t>
-            </a:r>
-          </a:p>
-        </p:txBody>
-      </p:sp>
-      <p:sp>
-        <p:nvSpPr>
-          <p:cNvPr id="36" name="RS_Classification_Standard"/>
-          <p:cNvSpPr txBox="1"/>
-          <p:nvPr/>
-        </p:nvSpPr>
-        <p:spPr>
-          <a:xfrm>
-            <a:off x="8990047" y="6187613"/>
-            <a:ext cx="153953" cy="251287"/>
-          </a:xfrm>
-          <a:prstGeom prst="rect">
-            <a:avLst/>
-          </a:prstGeom>
-          <a:solidFill>
-            <a:srgbClr val="FFFFFF">
-              <a:alpha val="0"/>
-            </a:srgbClr>
-          </a:solidFill>
-        </p:spPr>
-        <p:txBody>
-          <a:bodyPr vert="horz" wrap="none" lIns="76200" tIns="36830" rIns="76200" bIns="36830" rtlCol="0" anchor="ctr">
-            <a:spAutoFit/>
-          </a:bodyPr>
-          <a:lstStyle/>
-          <a:p>
-            <a:endParaRPr lang="en-US" sz="1100" b="1" kern="900" spc="100" dirty="0" err="1">
-              <a:solidFill>
-                <a:srgbClr val="000000"/>
-              </a:solidFill>
-              <a:latin typeface="+mn-lt"/>
-            </a:endParaRPr>
-          </a:p>
-        </p:txBody>
-      </p:sp>
-    </p:spTree>
-    <p:custDataLst>
-      <p:tags r:id="rId1"/>
-    </p:custDataLst>
-    <p:extLst>
-      <p:ext uri="{BB962C8B-B14F-4D97-AF65-F5344CB8AC3E}">
-        <p14:creationId xmlns:p14="http://schemas.microsoft.com/office/powerpoint/2010/main" val="2289706955"/>
       </p:ext>
     </p:extLst>
   </p:cSld>
@@ -16714,12 +21317,20 @@
           <a:lstStyle/>
           <a:p>
             <a:r>
-              <a:rPr sz="3000" dirty="0">
+              <a:rPr sz="3000" dirty="0" smtClean="0">
                 <a:solidFill>
                   <a:schemeClr val="bg2"/>
                 </a:solidFill>
               </a:rPr>
-              <a:t>Polar Codes</a:t>
+              <a:t>Background:  Polar </a:t>
+            </a:r>
+            <a:r>
+              <a:rPr sz="3000" dirty="0" err="1" smtClean="0">
+                <a:solidFill>
+                  <a:schemeClr val="bg2"/>
+                </a:solidFill>
+              </a:rPr>
+              <a:t>codes</a:t>
             </a:r>
             <a:endParaRPr lang="de-DE" sz="3000" dirty="0">
               <a:solidFill>
@@ -16952,7 +21563,7 @@
       </p:sp>
       <p:sp>
         <p:nvSpPr>
-          <p:cNvPr id="38" name="RS_Classification_Standard"/>
+          <p:cNvPr id="157" name="RS_Classification_Standard"/>
           <p:cNvSpPr txBox="1"/>
           <p:nvPr/>
         </p:nvSpPr>
@@ -16976,7 +21587,7 @@
           </a:bodyPr>
           <a:lstStyle/>
           <a:p>
-            <a:endParaRPr lang="en-US" sz="1100" b="1" kern="900" spc="100" dirty="0" err="1">
+            <a:endParaRPr lang="en-US" sz="1100" b="1" kern="900" spc="100" dirty="0" err="1" smtClean="0">
               <a:solidFill>
                 <a:srgbClr val="000000"/>
               </a:solidFill>
@@ -16993,6 +21604,13 @@
   <p:clrMapOvr>
     <a:masterClrMapping/>
   </p:clrMapOvr>
+  <p:timing>
+    <p:tnLst>
+      <p:par>
+        <p:cTn id="1" dur="indefinite" restart="never" nodeType="tmRoot"/>
+      </p:par>
+    </p:tnLst>
+  </p:timing>
 </p:sld>
 </file>
 
@@ -17013,8 +21631,8 @@
           <a:chExt cx="0" cy="0"/>
         </a:xfrm>
       </p:grpSpPr>
-      <mc:AlternateContent xmlns:mc="http://schemas.openxmlformats.org/markup-compatibility/2006" xmlns:a14="http://schemas.microsoft.com/office/drawing/2010/main">
-        <mc:Choice Requires="a14">
+      <mc:AlternateContent xmlns:mc="http://schemas.openxmlformats.org/markup-compatibility/2006">
+        <mc:Choice xmlns:a14="http://schemas.microsoft.com/office/drawing/2010/main" Requires="a14">
           <p:sp>
             <p:nvSpPr>
               <p:cNvPr id="2" name="Content Placeholder 1"/>
@@ -17160,7 +21778,7 @@
                   </m:oMath>
                 </a14:m>
                 <a:r>
-                  <a:rPr lang="en-IN" dirty="0"/>
+                  <a:rPr lang="en-IN" dirty="0" smtClean="0"/>
                   <a:t>.</a:t>
                 </a:r>
               </a:p>
@@ -17169,7 +21787,49 @@
                   <a:buFont typeface="Arial" panose="020B0604020202020204" pitchFamily="34" charset="0"/>
                   <a:buChar char="•"/>
                 </a:pPr>
-                <a:endParaRPr lang="en-US" dirty="0"/>
+                <a:r>
+                  <a:rPr lang="en-IN" dirty="0" smtClean="0"/>
+                  <a:t>Each stage contains vector of size 2</a:t>
+                </a:r>
+                <a:r>
+                  <a:rPr lang="en-IN" baseline="30000" dirty="0" smtClean="0"/>
+                  <a:t>N-stage</a:t>
+                </a:r>
+                <a:endParaRPr lang="en-IN" baseline="30000" dirty="0"/>
+              </a:p>
+              <a:p>
+                <a:pPr marL="285750" indent="-285750">
+                  <a:buFont typeface="Arial" panose="020B0604020202020204" pitchFamily="34" charset="0"/>
+                  <a:buChar char="•"/>
+                </a:pPr>
+                <a:r>
+                  <a:rPr lang="en-US" dirty="0" smtClean="0"/>
+                  <a:t>Encoding introduces correlation between code word bits through </a:t>
+                </a:r>
+                <a:r>
+                  <a:rPr lang="en-US" dirty="0" smtClean="0">
+                    <a:latin typeface="Simplified Arabic Fixed" panose="02070309020205020404" pitchFamily="49" charset="-78"/>
+                    <a:cs typeface="Simplified Arabic Fixed" panose="02070309020205020404" pitchFamily="49" charset="-78"/>
+                  </a:rPr>
+                  <a:t>XOR </a:t>
+                </a:r>
+                <a:r>
+                  <a:rPr lang="en-US" dirty="0" smtClean="0">
+                    <a:cs typeface="Simplified Arabic Fixed" panose="02070309020205020404" pitchFamily="49" charset="-78"/>
+                  </a:rPr>
+                  <a:t>operation</a:t>
+                </a:r>
+                <a:r>
+                  <a:rPr lang="en-US" dirty="0" smtClean="0">
+                    <a:latin typeface="+mj-lt"/>
+                    <a:cs typeface="Simplified Arabic Fixed" panose="02070309020205020404" pitchFamily="49" charset="-78"/>
+                  </a:rPr>
+                  <a:t>.</a:t>
+                </a:r>
+                <a:endParaRPr lang="en-US" dirty="0">
+                  <a:latin typeface="Simplified Arabic Fixed" panose="02070309020205020404" pitchFamily="49" charset="-78"/>
+                  <a:cs typeface="Simplified Arabic Fixed" panose="02070309020205020404" pitchFamily="49" charset="-78"/>
+                </a:endParaRPr>
               </a:p>
               <a:p>
                 <a:pPr marL="285750" indent="-285750">
@@ -17181,7 +21841,7 @@
             </p:txBody>
           </p:sp>
         </mc:Choice>
-        <mc:Fallback xmlns="">
+        <mc:Fallback>
           <p:sp>
             <p:nvSpPr>
               <p:cNvPr id="2" name="Content Placeholder 1"/>
@@ -17198,7 +21858,7 @@
                 <a:ext cx="8508999" cy="5052158"/>
               </a:xfrm>
               <a:blipFill>
-                <a:blip r:embed="rId3"/>
+                <a:blip r:embed="rId4"/>
                 <a:stretch>
                   <a:fillRect l="-1361" t="-965"/>
                 </a:stretch>
@@ -17267,36 +21927,12 @@
           <a:lstStyle/>
           <a:p>
             <a:r>
-              <a:rPr sz="3000" dirty="0">
+              <a:rPr lang="en-US" dirty="0" smtClean="0">
                 <a:solidFill>
                   <a:schemeClr val="bg2"/>
                 </a:solidFill>
               </a:rPr>
-              <a:t>Polar Codes </a:t>
-            </a:r>
-            <a:r>
-              <a:rPr dirty="0" err="1">
-                <a:solidFill>
-                  <a:schemeClr val="bg2"/>
-                </a:solidFill>
-              </a:rPr>
-              <a:t>c</a:t>
-            </a:r>
-            <a:r>
-              <a:rPr sz="3000" dirty="0" err="1">
-                <a:solidFill>
-                  <a:schemeClr val="bg2"/>
-                </a:solidFill>
-              </a:rPr>
-              <a:t>ontinued</a:t>
-            </a:r>
-            <a:r>
-              <a:rPr sz="3000" dirty="0">
-                <a:solidFill>
-                  <a:schemeClr val="bg2"/>
-                </a:solidFill>
-              </a:rPr>
-              <a:t>..</a:t>
+              <a:t>Polar Encoding</a:t>
             </a:r>
             <a:endParaRPr lang="de-DE" sz="3000" dirty="0">
               <a:solidFill>
@@ -17308,20 +21944,14 @@
       </p:sp>
       <p:pic>
         <p:nvPicPr>
-          <p:cNvPr id="9" name="Picture 8">
-            <a:extLst>
-              <a:ext uri="{FF2B5EF4-FFF2-40B4-BE49-F238E27FC236}">
-                <a16:creationId xmlns:a16="http://schemas.microsoft.com/office/drawing/2014/main" id="{E17E2D87-78BD-4A1B-BF74-25D6475A9F6C}"/>
-              </a:ext>
-            </a:extLst>
-          </p:cNvPr>
+          <p:cNvPr id="148" name="Picture 147"/>
           <p:cNvPicPr>
             <a:picLocks noChangeAspect="1"/>
           </p:cNvPicPr>
           <p:nvPr/>
         </p:nvPicPr>
         <p:blipFill>
-          <a:blip r:embed="rId4">
+          <a:blip r:embed="rId5">
             <a:extLst>
               <a:ext uri="{28A0092B-C50C-407E-A947-70E740481C1C}">
                 <a14:useLocalDpi xmlns:a14="http://schemas.microsoft.com/office/drawing/2010/main" val="0"/>
@@ -17334,8 +21964,8 @@
         </p:blipFill>
         <p:spPr>
           <a:xfrm>
-            <a:off x="491003" y="2225292"/>
-            <a:ext cx="7397572" cy="3962321"/>
+            <a:off x="193754" y="3256981"/>
+            <a:ext cx="8633254" cy="2678749"/>
           </a:xfrm>
           <a:prstGeom prst="rect">
             <a:avLst/>
@@ -17344,7 +21974,7 @@
       </p:pic>
       <p:sp>
         <p:nvSpPr>
-          <p:cNvPr id="37" name="RS_Classification_Standard"/>
+          <p:cNvPr id="158" name="RS_Classification_Standard"/>
           <p:cNvSpPr txBox="1"/>
           <p:nvPr/>
         </p:nvSpPr>
@@ -17368,7 +21998,7 @@
           </a:bodyPr>
           <a:lstStyle/>
           <a:p>
-            <a:endParaRPr lang="en-US" sz="1100" b="1" kern="900" spc="100" dirty="0" err="1">
+            <a:endParaRPr lang="en-US" sz="1100" b="1" kern="900" spc="100" dirty="0" err="1" smtClean="0">
               <a:solidFill>
                 <a:srgbClr val="000000"/>
               </a:solidFill>
@@ -17390,6 +22020,13 @@
   <p:clrMapOvr>
     <a:masterClrMapping/>
   </p:clrMapOvr>
+  <p:timing>
+    <p:tnLst>
+      <p:par>
+        <p:cTn id="1" dur="indefinite" restart="never" nodeType="tmRoot"/>
+      </p:par>
+    </p:tnLst>
+  </p:timing>
 </p:sld>
 </file>
 
@@ -17610,7 +22247,23 @@
                   <a:schemeClr val="bg2"/>
                 </a:solidFill>
               </a:rPr>
-              <a:t>Polar codes for control channels in 5G</a:t>
+              <a:t>Polar </a:t>
+            </a:r>
+            <a:r>
+              <a:rPr lang="en-US" dirty="0" smtClean="0">
+                <a:solidFill>
+                  <a:schemeClr val="bg2"/>
+                </a:solidFill>
+              </a:rPr>
+              <a:t>code construction in </a:t>
+            </a:r>
+            <a:r>
+              <a:rPr lang="en-US" dirty="0">
+                <a:solidFill>
+                  <a:schemeClr val="bg2"/>
+                </a:solidFill>
+              </a:rPr>
+              <a:t>5G</a:t>
             </a:r>
           </a:p>
         </p:txBody>
@@ -17705,7 +22358,7 @@
       </p:sp>
       <p:sp>
         <p:nvSpPr>
-          <p:cNvPr id="37" name="RS_Classification_Standard"/>
+          <p:cNvPr id="155" name="RS_Classification_Standard"/>
           <p:cNvSpPr txBox="1"/>
           <p:nvPr/>
         </p:nvSpPr>
@@ -17729,7 +22382,7 @@
           </a:bodyPr>
           <a:lstStyle/>
           <a:p>
-            <a:endParaRPr lang="en-US" sz="1100" b="1" kern="900" spc="100" dirty="0" err="1">
+            <a:endParaRPr lang="en-US" sz="1100" b="1" kern="900" spc="100" dirty="0" err="1" smtClean="0">
               <a:solidFill>
                 <a:srgbClr val="000000"/>
               </a:solidFill>
@@ -17751,6 +22404,13 @@
   <p:clrMapOvr>
     <a:masterClrMapping/>
   </p:clrMapOvr>
+  <p:timing>
+    <p:tnLst>
+      <p:par>
+        <p:cTn id="1" dur="indefinite" restart="never" nodeType="tmRoot"/>
+      </p:par>
+    </p:tnLst>
+  </p:timing>
 </p:sld>
 </file>
 
@@ -17781,66 +22441,15 @@
             <p:ph idx="1"/>
           </p:nvPr>
         </p:nvSpPr>
-        <p:spPr>
-          <a:xfrm>
-            <a:off x="318009" y="1515081"/>
-            <a:ext cx="8508999" cy="4699572"/>
-          </a:xfrm>
-        </p:spPr>
+        <p:spPr/>
         <p:txBody>
           <a:bodyPr/>
           <a:lstStyle/>
           <a:p>
-            <a:pPr marL="285750" indent="-285750">
-              <a:buFont typeface="Arial" panose="020B0604020202020204" pitchFamily="34" charset="0"/>
-              <a:buChar char="•"/>
-            </a:pPr>
             <a:r>
               <a:rPr lang="en-US" dirty="0"/>
-              <a:t>Single instruction multiple data (SIMD) allows single instruction to operate on multiple data items (Vectors).</a:t>
-            </a:r>
-          </a:p>
-          <a:p>
-            <a:pPr marL="285750" indent="-285750">
-              <a:buFont typeface="Arial" panose="020B0604020202020204" pitchFamily="34" charset="0"/>
-              <a:buChar char="•"/>
-            </a:pPr>
-            <a:r>
-              <a:rPr lang="en-US" dirty="0"/>
-              <a:t>Modern processors incorporate these vector processing units.</a:t>
-            </a:r>
-          </a:p>
-          <a:p>
-            <a:pPr marL="285750" indent="-285750">
-              <a:buFont typeface="Arial" panose="020B0604020202020204" pitchFamily="34" charset="0"/>
-              <a:buChar char="•"/>
-            </a:pPr>
-            <a:r>
-              <a:rPr lang="en-US" dirty="0"/>
-              <a:t>Allows faster data processing, popular among video and image processing community.</a:t>
-            </a:r>
-          </a:p>
-          <a:p>
-            <a:pPr marL="285750" indent="-285750">
-              <a:buFont typeface="Arial" panose="020B0604020202020204" pitchFamily="34" charset="0"/>
-              <a:buChar char="•"/>
-            </a:pPr>
-            <a:r>
-              <a:rPr lang="en-US" dirty="0"/>
-              <a:t>Faster encoding/decoding in communication systems can be implemented in software in general purpose processors using SIMD instructions without specialized hardware.</a:t>
-            </a:r>
-          </a:p>
-          <a:p>
-            <a:pPr marL="285750" indent="-285750">
-              <a:buFont typeface="Arial" panose="020B0604020202020204" pitchFamily="34" charset="0"/>
-              <a:buChar char="•"/>
-            </a:pPr>
-            <a:r>
-              <a:rPr lang="en-US" dirty="0"/>
-              <a:t>SIMD feature allows encoding/decoding with low latency, due to processing of vectors rather than element by element processing.</a:t>
-            </a:r>
-          </a:p>
-          <a:p>
+              <a:t>In two slides explain polar decoding algorithms, Show decoder as tree diagram and explain fast SSC</a:t>
+            </a:r>
             <a:endParaRPr lang="en-US" dirty="0"/>
           </a:p>
         </p:txBody>
@@ -17879,30 +22488,22 @@
             <p:ph type="title"/>
           </p:nvPr>
         </p:nvSpPr>
-        <p:spPr>
-          <a:xfrm>
-            <a:off x="319090" y="846053"/>
-            <a:ext cx="8508999" cy="410369"/>
-          </a:xfrm>
-        </p:spPr>
+        <p:spPr/>
         <p:txBody>
           <a:bodyPr/>
           <a:lstStyle/>
           <a:p>
             <a:r>
-              <a:rPr lang="en-US" dirty="0">
-                <a:solidFill>
-                  <a:schemeClr val="bg2"/>
-                </a:solidFill>
-              </a:rPr>
-              <a:t>SIMD Technology Background</a:t>
-            </a:r>
+              <a:rPr lang="en-US" dirty="0" smtClean="0"/>
+              <a:t>Decoding polar codes</a:t>
+            </a:r>
+            <a:endParaRPr lang="en-US" dirty="0"/>
           </a:p>
         </p:txBody>
       </p:sp>
       <p:sp>
         <p:nvSpPr>
-          <p:cNvPr id="36" name="RS_Classification_Standard"/>
+          <p:cNvPr id="135" name="RS_Classification_Standard"/>
           <p:cNvSpPr txBox="1"/>
           <p:nvPr/>
         </p:nvSpPr>
@@ -17926,7 +22527,7 @@
           </a:bodyPr>
           <a:lstStyle/>
           <a:p>
-            <a:endParaRPr lang="en-US" sz="1100" b="1" kern="900" spc="100" dirty="0" err="1">
+            <a:endParaRPr lang="en-US" sz="1100" b="1" kern="900" spc="100" dirty="0" err="1" smtClean="0">
               <a:solidFill>
                 <a:srgbClr val="000000"/>
               </a:solidFill>
@@ -17941,13 +22542,20 @@
     </p:custDataLst>
     <p:extLst>
       <p:ext uri="{BB962C8B-B14F-4D97-AF65-F5344CB8AC3E}">
-        <p14:creationId xmlns:p14="http://schemas.microsoft.com/office/powerpoint/2010/main" val="1552472261"/>
+        <p14:creationId xmlns:p14="http://schemas.microsoft.com/office/powerpoint/2010/main" val="2402617929"/>
       </p:ext>
     </p:extLst>
   </p:cSld>
   <p:clrMapOvr>
     <a:masterClrMapping/>
   </p:clrMapOvr>
+  <p:timing>
+    <p:tnLst>
+      <p:par>
+        <p:cTn id="1" dur="indefinite" restart="never" nodeType="tmRoot"/>
+      </p:par>
+    </p:tnLst>
+  </p:timing>
 </p:sld>
 </file>
 
@@ -17968,213 +22576,15 @@
           <a:chExt cx="0" cy="0"/>
         </a:xfrm>
       </p:grpSpPr>
-      <p:sp>
-        <p:nvSpPr>
-          <p:cNvPr id="2" name="Inhaltsplatzhalter 1"/>
-          <p:cNvSpPr>
-            <a:spLocks noGrp="1"/>
-          </p:cNvSpPr>
+      <p:pic>
+        <p:nvPicPr>
+          <p:cNvPr id="120" name="Content Placeholder 119"/>
+          <p:cNvPicPr>
+            <a:picLocks noGrp="1" noChangeAspect="1"/>
+          </p:cNvPicPr>
           <p:nvPr>
             <p:ph idx="1"/>
           </p:nvPr>
-        </p:nvSpPr>
-        <p:spPr>
-          <a:xfrm>
-            <a:off x="318009" y="1478011"/>
-            <a:ext cx="8508999" cy="4699572"/>
-          </a:xfrm>
-        </p:spPr>
-        <p:txBody>
-          <a:bodyPr/>
-          <a:lstStyle/>
-          <a:p>
-            <a:pPr marL="285750" indent="-285750">
-              <a:buFont typeface="Arial" panose="020B0604020202020204" pitchFamily="34" charset="0"/>
-              <a:buChar char="•"/>
-            </a:pPr>
-            <a:r>
-              <a:rPr dirty="0"/>
-              <a:t>F</a:t>
-            </a:r>
-            <a:r>
-              <a:rPr lang="en-US" dirty="0"/>
-              <a:t>o</a:t>
-            </a:r>
-            <a:r>
-              <a:rPr dirty="0" err="1"/>
-              <a:t>llowing</a:t>
-            </a:r>
-            <a:r>
-              <a:rPr dirty="0"/>
-              <a:t> </a:t>
-            </a:r>
-            <a:r>
-              <a:rPr dirty="0" err="1"/>
-              <a:t>diagram</a:t>
-            </a:r>
-            <a:r>
-              <a:rPr dirty="0"/>
-              <a:t> </a:t>
-            </a:r>
-            <a:r>
-              <a:rPr dirty="0" err="1"/>
-              <a:t>shows</a:t>
-            </a:r>
-            <a:r>
-              <a:rPr dirty="0"/>
-              <a:t> </a:t>
-            </a:r>
-            <a:r>
-              <a:rPr dirty="0" err="1"/>
-              <a:t>the</a:t>
-            </a:r>
-            <a:r>
-              <a:rPr dirty="0"/>
-              <a:t> FEC </a:t>
-            </a:r>
-            <a:r>
-              <a:rPr dirty="0" err="1"/>
-              <a:t>chain</a:t>
-            </a:r>
-            <a:r>
-              <a:rPr dirty="0"/>
-              <a:t> </a:t>
-            </a:r>
-            <a:r>
-              <a:rPr dirty="0" err="1"/>
-              <a:t>of</a:t>
-            </a:r>
-            <a:r>
-              <a:rPr dirty="0"/>
-              <a:t> </a:t>
-            </a:r>
-            <a:r>
-              <a:rPr dirty="0" err="1"/>
-              <a:t>Physical</a:t>
-            </a:r>
-            <a:r>
-              <a:rPr dirty="0"/>
-              <a:t> Broadcast Channel (PBCH) </a:t>
-            </a:r>
-            <a:r>
-              <a:rPr dirty="0" err="1"/>
-              <a:t>and</a:t>
-            </a:r>
-            <a:r>
-              <a:rPr dirty="0"/>
-              <a:t> </a:t>
-            </a:r>
-            <a:r>
-              <a:rPr dirty="0" err="1"/>
-              <a:t>Physical</a:t>
-            </a:r>
-            <a:r>
-              <a:rPr dirty="0"/>
-              <a:t> </a:t>
-            </a:r>
-            <a:r>
-              <a:rPr dirty="0" err="1"/>
-              <a:t>Downlink</a:t>
-            </a:r>
-            <a:r>
-              <a:rPr dirty="0"/>
-              <a:t> Control Channel (PDCCH).</a:t>
-            </a:r>
-          </a:p>
-        </p:txBody>
-      </p:sp>
-      <p:sp>
-        <p:nvSpPr>
-          <p:cNvPr id="3" name="Titel 2"/>
-          <p:cNvSpPr>
-            <a:spLocks noGrp="1"/>
-          </p:cNvSpPr>
-          <p:nvPr>
-            <p:ph type="title"/>
-          </p:nvPr>
-        </p:nvSpPr>
-        <p:spPr>
-          <a:xfrm>
-            <a:off x="319090" y="771912"/>
-            <a:ext cx="8508999" cy="410369"/>
-          </a:xfrm>
-          <a:prstGeom prst="rect">
-            <a:avLst/>
-          </a:prstGeom>
-        </p:spPr>
-        <p:txBody>
-          <a:bodyPr/>
-          <a:lstStyle/>
-          <a:p>
-            <a:r>
-              <a:rPr sz="3000" dirty="0">
-                <a:solidFill>
-                  <a:schemeClr val="bg2"/>
-                </a:solidFill>
-              </a:rPr>
-              <a:t>Polar FEC </a:t>
-            </a:r>
-            <a:r>
-              <a:rPr sz="3000" dirty="0" err="1">
-                <a:solidFill>
-                  <a:schemeClr val="bg2"/>
-                </a:solidFill>
-              </a:rPr>
-              <a:t>chain</a:t>
-            </a:r>
-            <a:r>
-              <a:rPr sz="3000" dirty="0">
-                <a:solidFill>
-                  <a:schemeClr val="bg2"/>
-                </a:solidFill>
-              </a:rPr>
-              <a:t> in 5G</a:t>
-            </a:r>
-            <a:endParaRPr lang="de-DE" sz="3000" dirty="0">
-              <a:solidFill>
-                <a:schemeClr val="bg2"/>
-              </a:solidFill>
-            </a:endParaRPr>
-          </a:p>
-        </p:txBody>
-      </p:sp>
-      <p:sp>
-        <p:nvSpPr>
-          <p:cNvPr id="9" name="Slide Number Placeholder 8"/>
-          <p:cNvSpPr>
-            <a:spLocks noGrp="1"/>
-          </p:cNvSpPr>
-          <p:nvPr>
-            <p:ph type="sldNum" sz="quarter" idx="11"/>
-          </p:nvPr>
-        </p:nvSpPr>
-        <p:spPr/>
-        <p:txBody>
-          <a:bodyPr/>
-          <a:lstStyle/>
-          <a:p>
-            <a:fld id="{CE58CB1E-F828-4F11-99E0-327109AF9DA4}" type="slidenum">
-              <a:rPr lang="de-DE" smtClean="0"/>
-              <a:pPr/>
-              <a:t>8</a:t>
-            </a:fld>
-            <a:endParaRPr lang="de-DE" dirty="0"/>
-          </a:p>
-        </p:txBody>
-      </p:sp>
-      <p:pic>
-        <p:nvPicPr>
-          <p:cNvPr id="43" name="Picture 42">
-            <a:extLst>
-              <a:ext uri="{FF2B5EF4-FFF2-40B4-BE49-F238E27FC236}">
-                <a16:creationId xmlns:a16="http://schemas.microsoft.com/office/drawing/2014/main" id="{6D831758-BD1B-4861-99B5-7FE704AC983C}"/>
-              </a:ext>
-            </a:extLst>
-          </p:cNvPr>
-          <p:cNvPicPr>
-            <a:picLocks noChangeAspect="1"/>
-          </p:cNvPicPr>
-          <p:nvPr/>
         </p:nvPicPr>
         <p:blipFill>
           <a:blip r:embed="rId3">
@@ -18190,246 +22600,135 @@
         </p:blipFill>
         <p:spPr>
           <a:xfrm>
-            <a:off x="1159531" y="2159857"/>
-            <a:ext cx="5963441" cy="3886715"/>
+            <a:off x="5028482" y="2073499"/>
+            <a:ext cx="4038541" cy="4699000"/>
+          </a:xfrm>
+        </p:spPr>
+      </p:pic>
+      <p:sp>
+        <p:nvSpPr>
+          <p:cNvPr id="3" name="Slide Number Placeholder 2"/>
+          <p:cNvSpPr>
+            <a:spLocks noGrp="1"/>
+          </p:cNvSpPr>
+          <p:nvPr>
+            <p:ph type="sldNum" sz="quarter" idx="11"/>
+          </p:nvPr>
+        </p:nvSpPr>
+        <p:spPr/>
+        <p:txBody>
+          <a:bodyPr/>
+          <a:lstStyle/>
+          <a:p>
+            <a:fld id="{CE58CB1E-F828-4F11-99E0-327109AF9DA4}" type="slidenum">
+              <a:rPr lang="de-DE" smtClean="0"/>
+              <a:pPr/>
+              <a:t>8</a:t>
+            </a:fld>
+            <a:endParaRPr lang="de-DE" dirty="0"/>
+          </a:p>
+        </p:txBody>
+      </p:sp>
+      <p:sp>
+        <p:nvSpPr>
+          <p:cNvPr id="4" name="Title 3"/>
+          <p:cNvSpPr>
+            <a:spLocks noGrp="1"/>
+          </p:cNvSpPr>
+          <p:nvPr>
+            <p:ph type="title"/>
+          </p:nvPr>
+        </p:nvSpPr>
+        <p:spPr>
+          <a:xfrm>
+            <a:off x="318009" y="730210"/>
+            <a:ext cx="8508999" cy="410369"/>
+          </a:xfrm>
+        </p:spPr>
+        <p:txBody>
+          <a:bodyPr/>
+          <a:lstStyle/>
+          <a:p>
+            <a:r>
+              <a:rPr lang="en-US" dirty="0" smtClean="0"/>
+              <a:t>Decoding polar codes</a:t>
+            </a:r>
+            <a:endParaRPr lang="en-US" dirty="0"/>
+          </a:p>
+        </p:txBody>
+      </p:sp>
+      <p:sp>
+        <p:nvSpPr>
+          <p:cNvPr id="124" name="TextBox 123"/>
+          <p:cNvSpPr txBox="1"/>
+          <p:nvPr/>
+        </p:nvSpPr>
+        <p:spPr>
+          <a:xfrm>
+            <a:off x="6631459" y="1482811"/>
+            <a:ext cx="1721709" cy="561436"/>
+          </a:xfrm>
+          <a:prstGeom prst="rect">
+            <a:avLst/>
+          </a:prstGeom>
+          <a:noFill/>
+        </p:spPr>
+        <p:txBody>
+          <a:bodyPr wrap="square" lIns="0" tIns="0" rIns="0" bIns="0" rtlCol="0">
+            <a:spAutoFit/>
+          </a:bodyPr>
+          <a:lstStyle/>
+          <a:p>
+            <a:pPr algn="ctr">
+              <a:lnSpc>
+                <a:spcPct val="114000"/>
+              </a:lnSpc>
+            </a:pPr>
+            <a:r>
+              <a:rPr lang="en-US" sz="1600" dirty="0" smtClean="0">
+                <a:latin typeface="+mn-lt"/>
+              </a:rPr>
+              <a:t>Local decoder with messages</a:t>
+            </a:r>
+            <a:endParaRPr lang="en-US" sz="1600" dirty="0" smtClean="0">
+              <a:latin typeface="+mn-lt"/>
+            </a:endParaRPr>
+          </a:p>
+        </p:txBody>
+      </p:sp>
+      <p:pic>
+        <p:nvPicPr>
+          <p:cNvPr id="127" name="Picture 126"/>
+          <p:cNvPicPr>
+            <a:picLocks noChangeAspect="1"/>
+          </p:cNvPicPr>
+          <p:nvPr/>
+        </p:nvPicPr>
+        <p:blipFill>
+          <a:blip r:embed="rId4">
+            <a:extLst>
+              <a:ext uri="{28A0092B-C50C-407E-A947-70E740481C1C}">
+                <a14:useLocalDpi xmlns:a14="http://schemas.microsoft.com/office/drawing/2010/main" val="0"/>
+              </a:ext>
+            </a:extLst>
+          </a:blip>
+          <a:stretch>
+            <a:fillRect/>
+          </a:stretch>
+        </p:blipFill>
+        <p:spPr>
+          <a:xfrm>
+            <a:off x="534374" y="4259534"/>
+            <a:ext cx="4038134" cy="1928079"/>
           </a:xfrm>
           <a:prstGeom prst="rect">
             <a:avLst/>
           </a:prstGeom>
         </p:spPr>
       </p:pic>
-      <mc:AlternateContent xmlns:mc="http://schemas.openxmlformats.org/markup-compatibility/2006" xmlns:a14="http://schemas.microsoft.com/office/drawing/2010/main">
-        <mc:Choice Requires="a14">
-          <p:sp>
-            <p:nvSpPr>
-              <p:cNvPr id="12" name="TextBox 11"/>
-              <p:cNvSpPr txBox="1"/>
-              <p:nvPr/>
-            </p:nvSpPr>
-            <p:spPr>
-              <a:xfrm>
-                <a:off x="6507892" y="2990335"/>
-                <a:ext cx="2319116" cy="3649332"/>
-              </a:xfrm>
-              <a:prstGeom prst="rect">
-                <a:avLst/>
-              </a:prstGeom>
-              <a:noFill/>
-            </p:spPr>
-            <p:txBody>
-              <a:bodyPr wrap="square" lIns="0" tIns="0" rIns="0" bIns="0" rtlCol="0">
-                <a:spAutoFit/>
-              </a:bodyPr>
-              <a:lstStyle/>
-              <a:p>
-                <a:pPr>
-                  <a:lnSpc>
-                    <a:spcPct val="114000"/>
-                  </a:lnSpc>
-                </a:pPr>
-                <a:r>
-                  <a:rPr lang="en-US" sz="1600" dirty="0">
-                    <a:latin typeface="+mn-lt"/>
-                  </a:rPr>
-                  <a:t>Code rates (at encoder)</a:t>
-                </a:r>
-              </a:p>
-              <a:p>
-                <a:pPr>
-                  <a:lnSpc>
-                    <a:spcPct val="114000"/>
-                  </a:lnSpc>
-                </a:pPr>
-                <a:r>
-                  <a:rPr lang="en-US" sz="1600" dirty="0">
-                    <a:latin typeface="+mn-lt"/>
-                  </a:rPr>
-                  <a:t>PBCH: </a:t>
-                </a:r>
-                <a:endParaRPr lang="en-US" sz="1600" i="1" dirty="0">
-                  <a:latin typeface="Cambria Math" panose="02040503050406030204" pitchFamily="18" charset="0"/>
-                </a:endParaRPr>
-              </a:p>
-              <a:p>
-                <a:pPr>
-                  <a:lnSpc>
-                    <a:spcPct val="114000"/>
-                  </a:lnSpc>
-                </a:pPr>
-                <a:endParaRPr lang="en-US" sz="1600" i="1" dirty="0">
-                  <a:latin typeface="Cambria Math" panose="02040503050406030204" pitchFamily="18" charset="0"/>
-                </a:endParaRPr>
-              </a:p>
-              <a:p>
-                <a:pPr>
-                  <a:lnSpc>
-                    <a:spcPct val="114000"/>
-                  </a:lnSpc>
-                </a:pPr>
-                <a14:m>
-                  <m:oMathPara xmlns:m="http://schemas.openxmlformats.org/officeDocument/2006/math">
-                    <m:oMathParaPr>
-                      <m:jc m:val="centerGroup"/>
-                    </m:oMathParaPr>
-                    <m:oMath xmlns:m="http://schemas.openxmlformats.org/officeDocument/2006/math">
-                      <m:r>
-                        <a:rPr lang="en-US" sz="1600" i="1" dirty="0" smtClean="0">
-                          <a:latin typeface="Cambria Math" panose="02040503050406030204" pitchFamily="18" charset="0"/>
-                        </a:rPr>
-                        <m:t>𝑅</m:t>
-                      </m:r>
-                      <m:r>
-                        <a:rPr lang="en-US" sz="1600" i="1" dirty="0" smtClean="0">
-                          <a:latin typeface="Cambria Math" panose="02040503050406030204" pitchFamily="18" charset="0"/>
-                        </a:rPr>
-                        <m:t> = 56/512</m:t>
-                      </m:r>
-                    </m:oMath>
-                  </m:oMathPara>
-                </a14:m>
-                <a:endParaRPr lang="en-US" sz="1600" dirty="0">
-                  <a:latin typeface="+mn-lt"/>
-                </a:endParaRPr>
-              </a:p>
-              <a:p>
-                <a:pPr>
-                  <a:lnSpc>
-                    <a:spcPct val="114000"/>
-                  </a:lnSpc>
-                </a:pPr>
-                <a:endParaRPr lang="en-US" sz="1600" dirty="0">
-                  <a:latin typeface="+mn-lt"/>
-                </a:endParaRPr>
-              </a:p>
-              <a:p>
-                <a:pPr>
-                  <a:lnSpc>
-                    <a:spcPct val="114000"/>
-                  </a:lnSpc>
-                </a:pPr>
-                <a:r>
-                  <a:rPr lang="en-US" sz="1600" dirty="0">
-                    <a:latin typeface="+mn-lt"/>
-                  </a:rPr>
-                  <a:t>PDCCH: Code rate varies based DCI format. In one case.</a:t>
-                </a:r>
-              </a:p>
-              <a:p>
-                <a:pPr>
-                  <a:lnSpc>
-                    <a:spcPct val="114000"/>
-                  </a:lnSpc>
-                </a:pPr>
-                <a:endParaRPr lang="en-US" sz="1600" i="1" dirty="0">
-                  <a:latin typeface="Cambria Math" panose="02040503050406030204" pitchFamily="18" charset="0"/>
-                </a:endParaRPr>
-              </a:p>
-              <a:p>
-                <a:pPr>
-                  <a:lnSpc>
-                    <a:spcPct val="114000"/>
-                  </a:lnSpc>
-                </a:pPr>
-                <a14:m>
-                  <m:oMathPara xmlns:m="http://schemas.openxmlformats.org/officeDocument/2006/math">
-                    <m:oMathParaPr>
-                      <m:jc m:val="centerGroup"/>
-                    </m:oMathParaPr>
-                    <m:oMath xmlns:m="http://schemas.openxmlformats.org/officeDocument/2006/math">
-                      <m:r>
-                        <a:rPr lang="en-US" sz="1600" i="1" dirty="0" smtClean="0">
-                          <a:latin typeface="Cambria Math" panose="02040503050406030204" pitchFamily="18" charset="0"/>
-                        </a:rPr>
-                        <m:t>𝑅</m:t>
-                      </m:r>
-                      <m:r>
-                        <a:rPr lang="en-US" sz="1600" i="1" dirty="0" smtClean="0">
-                          <a:latin typeface="Cambria Math" panose="02040503050406030204" pitchFamily="18" charset="0"/>
-                        </a:rPr>
-                        <m:t> = 80/512</m:t>
-                      </m:r>
-                    </m:oMath>
-                  </m:oMathPara>
-                </a14:m>
-                <a:endParaRPr lang="en-US" sz="1600" dirty="0">
-                  <a:latin typeface="+mn-lt"/>
-                </a:endParaRPr>
-              </a:p>
-              <a:p>
-                <a:pPr>
-                  <a:lnSpc>
-                    <a:spcPct val="114000"/>
-                  </a:lnSpc>
-                </a:pPr>
-                <a:endParaRPr lang="en-US" sz="1600" dirty="0">
-                  <a:latin typeface="+mn-lt"/>
-                </a:endParaRPr>
-              </a:p>
-              <a:p>
-                <a:pPr>
-                  <a:lnSpc>
-                    <a:spcPct val="114000"/>
-                  </a:lnSpc>
-                </a:pPr>
-                <a:endParaRPr lang="en-US" sz="1600" dirty="0">
-                  <a:latin typeface="+mn-lt"/>
-                </a:endParaRPr>
-              </a:p>
-              <a:p>
-                <a:pPr>
-                  <a:lnSpc>
-                    <a:spcPct val="114000"/>
-                  </a:lnSpc>
-                </a:pPr>
-                <a:endParaRPr lang="en-US" sz="1600" dirty="0">
-                  <a:latin typeface="+mn-lt"/>
-                </a:endParaRPr>
-              </a:p>
-            </p:txBody>
-          </p:sp>
-        </mc:Choice>
-        <mc:Fallback xmlns="">
-          <p:sp>
-            <p:nvSpPr>
-              <p:cNvPr id="12" name="TextBox 11"/>
-              <p:cNvSpPr txBox="1">
-                <a:spLocks noRot="1" noChangeAspect="1" noMove="1" noResize="1" noEditPoints="1" noAdjustHandles="1" noChangeArrowheads="1" noChangeShapeType="1" noTextEdit="1"/>
-              </p:cNvSpPr>
-              <p:nvPr/>
-            </p:nvSpPr>
-            <p:spPr>
-              <a:xfrm>
-                <a:off x="6507892" y="2990335"/>
-                <a:ext cx="2319116" cy="3649332"/>
-              </a:xfrm>
-              <a:prstGeom prst="rect">
-                <a:avLst/>
-              </a:prstGeom>
-              <a:blipFill>
-                <a:blip r:embed="rId4"/>
-                <a:stretch>
-                  <a:fillRect l="-5526" t="-1505" r="-4737"/>
-                </a:stretch>
-              </a:blipFill>
-            </p:spPr>
-            <p:txBody>
-              <a:bodyPr/>
-              <a:lstStyle/>
-              <a:p>
-                <a:r>
-                  <a:rPr lang="en-US">
-                    <a:noFill/>
-                  </a:rPr>
-                  <a:t> </a:t>
-                </a:r>
-              </a:p>
-            </p:txBody>
-          </p:sp>
-        </mc:Fallback>
-      </mc:AlternateContent>
       <p:sp>
         <p:nvSpPr>
-          <p:cNvPr id="37" name="RS_Classification_Standard"/>
+          <p:cNvPr id="133" name="RS_Classification_Standard"/>
           <p:cNvSpPr txBox="1"/>
           <p:nvPr/>
         </p:nvSpPr>
@@ -18453,7 +22752,7 @@
           </a:bodyPr>
           <a:lstStyle/>
           <a:p>
-            <a:endParaRPr lang="en-US" sz="1100" b="1" kern="900" spc="100" dirty="0" err="1">
+            <a:endParaRPr lang="en-US" sz="1100" b="1" kern="900" spc="100" dirty="0" err="1" smtClean="0">
               <a:solidFill>
                 <a:srgbClr val="000000"/>
               </a:solidFill>
@@ -18466,10 +22765,22 @@
     <p:custDataLst>
       <p:tags r:id="rId1"/>
     </p:custDataLst>
+    <p:extLst>
+      <p:ext uri="{BB962C8B-B14F-4D97-AF65-F5344CB8AC3E}">
+        <p14:creationId xmlns:p14="http://schemas.microsoft.com/office/powerpoint/2010/main" val="1241743884"/>
+      </p:ext>
+    </p:extLst>
   </p:cSld>
   <p:clrMapOvr>
     <a:masterClrMapping/>
   </p:clrMapOvr>
+  <p:timing>
+    <p:tnLst>
+      <p:par>
+        <p:cTn id="1" dur="indefinite" restart="never" nodeType="tmRoot"/>
+      </p:par>
+    </p:tnLst>
+  </p:timing>
 </p:sld>
 </file>
 
@@ -18490,165 +22801,35 @@
           <a:chExt cx="0" cy="0"/>
         </a:xfrm>
       </p:grpSpPr>
-      <mc:AlternateContent xmlns:mc="http://schemas.openxmlformats.org/markup-compatibility/2006">
-        <mc:Choice xmlns:a14="http://schemas.microsoft.com/office/drawing/2010/main" Requires="a14">
-          <p:sp>
-            <p:nvSpPr>
-              <p:cNvPr id="2" name="Content Placeholder 1"/>
-              <p:cNvSpPr>
-                <a:spLocks noGrp="1"/>
-              </p:cNvSpPr>
-              <p:nvPr>
-                <p:ph idx="1"/>
-              </p:nvPr>
-            </p:nvSpPr>
-            <p:spPr>
-              <a:xfrm>
-                <a:off x="318009" y="1399723"/>
-                <a:ext cx="8508999" cy="4699572"/>
-              </a:xfrm>
-            </p:spPr>
-            <p:txBody>
-              <a:bodyPr/>
-              <a:lstStyle/>
-              <a:p>
-                <a:endParaRPr lang="en-US" dirty="0"/>
-              </a:p>
-              <a:p>
-                <a:pPr marL="285750" indent="-285750">
-                  <a:buFont typeface="Arial" panose="020B0604020202020204" pitchFamily="34" charset="0"/>
-                  <a:buChar char="•"/>
-                </a:pPr>
-                <a:r>
-                  <a:rPr lang="en-US" dirty="0"/>
-                  <a:t>Reliable bit indices selection is dependent on the rate matching.</a:t>
-                </a:r>
-              </a:p>
-              <a:p>
-                <a:pPr marL="285750" indent="-285750">
-                  <a:buFont typeface="Arial" panose="020B0604020202020204" pitchFamily="34" charset="0"/>
-                  <a:buChar char="•"/>
-                </a:pPr>
-                <a:r>
-                  <a:rPr lang="en-US" dirty="0"/>
-                  <a:t>Reliable bit indices need to be selected by considering effect of rate matching on reliability values.</a:t>
-                </a:r>
-              </a:p>
-              <a:p>
-                <a:pPr marL="285750" indent="-285750">
-                  <a:buFont typeface="Arial" panose="020B0604020202020204" pitchFamily="34" charset="0"/>
-                  <a:buChar char="•"/>
-                </a:pPr>
-                <a:r>
-                  <a:rPr lang="en-US" dirty="0"/>
-                  <a:t>Due this dependency reliability indices selection process involves </a:t>
-                </a:r>
-                <a14:m>
-                  <m:oMath xmlns:m="http://schemas.openxmlformats.org/officeDocument/2006/math">
-                    <m:r>
-                      <a:rPr lang="en-US" i="1" dirty="0" smtClean="0">
-                        <a:latin typeface="Cambria Math" panose="02040503050406030204" pitchFamily="18" charset="0"/>
-                      </a:rPr>
-                      <m:t>(</m:t>
-                    </m:r>
-                    <m:r>
-                      <a:rPr lang="en-US" i="1" dirty="0" smtClean="0">
-                        <a:latin typeface="Cambria Math" panose="02040503050406030204" pitchFamily="18" charset="0"/>
-                      </a:rPr>
-                      <m:t>𝑁</m:t>
-                    </m:r>
-                    <m:r>
-                      <a:rPr lang="en-US" i="1" dirty="0" smtClean="0">
-                        <a:latin typeface="Cambria Math" panose="02040503050406030204" pitchFamily="18" charset="0"/>
-                      </a:rPr>
-                      <m:t>−</m:t>
-                    </m:r>
-                    <m:r>
-                      <a:rPr lang="en-US" i="1" dirty="0" smtClean="0">
-                        <a:latin typeface="Cambria Math" panose="02040503050406030204" pitchFamily="18" charset="0"/>
-                      </a:rPr>
-                      <m:t>𝐾</m:t>
-                    </m:r>
-                    <m:r>
-                      <a:rPr lang="en-US" i="1" dirty="0" smtClean="0">
-                        <a:latin typeface="Cambria Math" panose="02040503050406030204" pitchFamily="18" charset="0"/>
-                      </a:rPr>
-                      <m:t>) </m:t>
-                    </m:r>
-                  </m:oMath>
-                </a14:m>
-                <a:r>
-                  <a:rPr lang="en-US" dirty="0"/>
-                  <a:t>search and remove operations in the list, which have huge overhead. (209 </a:t>
-                </a:r>
-                <a:r>
-                  <a:rPr lang="el-GR" dirty="0"/>
-                  <a:t>μ</a:t>
-                </a:r>
-                <a:r>
-                  <a:rPr lang="en-US" dirty="0"/>
-                  <a:t>s in the functional implementation).</a:t>
-                </a:r>
-              </a:p>
-              <a:p>
-                <a:pPr marL="285750" indent="-285750">
-                  <a:buFont typeface="Arial" panose="020B0604020202020204" pitchFamily="34" charset="0"/>
-                  <a:buChar char="•"/>
-                </a:pPr>
-                <a:r>
-                  <a:rPr lang="en-US" dirty="0"/>
-                  <a:t>Optimized the implementation with an algorithm which avoids search and remove operation. Latency reduced to 15 </a:t>
-                </a:r>
-                <a:r>
-                  <a:rPr lang="el-GR" dirty="0"/>
-                  <a:t>μ</a:t>
-                </a:r>
-                <a:r>
-                  <a:rPr lang="en-US" dirty="0"/>
-                  <a:t>s.</a:t>
-                </a:r>
-              </a:p>
-            </p:txBody>
-          </p:sp>
-        </mc:Choice>
-        <mc:Fallback>
-          <p:sp>
-            <p:nvSpPr>
-              <p:cNvPr id="2" name="Content Placeholder 1"/>
-              <p:cNvSpPr>
-                <a:spLocks noGrp="1" noRot="1" noChangeAspect="1" noMove="1" noResize="1" noEditPoints="1" noAdjustHandles="1" noChangeArrowheads="1" noChangeShapeType="1" noTextEdit="1"/>
-              </p:cNvSpPr>
-              <p:nvPr>
-                <p:ph idx="1"/>
-              </p:nvPr>
-            </p:nvSpPr>
-            <p:spPr>
-              <a:xfrm>
-                <a:off x="318009" y="1399723"/>
-                <a:ext cx="8508999" cy="4699572"/>
-              </a:xfrm>
-              <a:blipFill>
-                <a:blip r:embed="rId3"/>
-                <a:stretch>
-                  <a:fillRect l="-1361" r="-501"/>
-                </a:stretch>
-              </a:blipFill>
-            </p:spPr>
-            <p:txBody>
-              <a:bodyPr/>
-              <a:lstStyle/>
-              <a:p>
-                <a:r>
-                  <a:rPr lang="en-US">
-                    <a:noFill/>
-                  </a:rPr>
-                  <a:t> </a:t>
-                </a:r>
-              </a:p>
-            </p:txBody>
-          </p:sp>
-        </mc:Fallback>
-      </mc:AlternateContent>
+      <p:pic>
+        <p:nvPicPr>
+          <p:cNvPr id="38" name="Content Placeholder 37"/>
+          <p:cNvPicPr>
+            <a:picLocks noGrp="1" noChangeAspect="1"/>
+          </p:cNvPicPr>
+          <p:nvPr>
+            <p:ph idx="1"/>
+          </p:nvPr>
+        </p:nvPicPr>
+        <p:blipFill>
+          <a:blip r:embed="rId3">
+            <a:extLst>
+              <a:ext uri="{28A0092B-C50C-407E-A947-70E740481C1C}">
+                <a14:useLocalDpi xmlns:a14="http://schemas.microsoft.com/office/drawing/2010/main" val="0"/>
+              </a:ext>
+            </a:extLst>
+          </a:blip>
+          <a:stretch>
+            <a:fillRect/>
+          </a:stretch>
+        </p:blipFill>
+        <p:spPr>
+          <a:xfrm>
+            <a:off x="989036" y="5117407"/>
+            <a:ext cx="7169106" cy="1355906"/>
+          </a:xfrm>
+        </p:spPr>
+      </p:pic>
       <p:sp>
         <p:nvSpPr>
           <p:cNvPr id="3" name="Slide Number Placeholder 2"/>
@@ -18685,7 +22866,7 @@
         </p:nvSpPr>
         <p:spPr>
           <a:xfrm>
-            <a:off x="319090" y="837815"/>
+            <a:off x="319090" y="870766"/>
             <a:ext cx="8508999" cy="410369"/>
           </a:xfrm>
         </p:spPr>
@@ -18694,49 +22875,16 @@
           <a:lstStyle/>
           <a:p>
             <a:r>
-              <a:rPr lang="en-US" dirty="0">
-                <a:solidFill>
-                  <a:schemeClr val="bg2"/>
-                </a:solidFill>
-              </a:rPr>
-              <a:t>Optimization in reliability indices selection</a:t>
-            </a:r>
+              <a:rPr lang="en-US" dirty="0" smtClean="0"/>
+              <a:t>Processor architecture: Cache memory</a:t>
+            </a:r>
+            <a:endParaRPr lang="en-US" dirty="0"/>
           </a:p>
         </p:txBody>
       </p:sp>
-      <p:pic>
-        <p:nvPicPr>
-          <p:cNvPr id="10" name="Picture 9"/>
-          <p:cNvPicPr>
-            <a:picLocks noChangeAspect="1"/>
-          </p:cNvPicPr>
-          <p:nvPr/>
-        </p:nvPicPr>
-        <p:blipFill>
-          <a:blip r:embed="rId4">
-            <a:extLst>
-              <a:ext uri="{28A0092B-C50C-407E-A947-70E740481C1C}">
-                <a14:useLocalDpi xmlns:a14="http://schemas.microsoft.com/office/drawing/2010/main" val="0"/>
-              </a:ext>
-            </a:extLst>
-          </a:blip>
-          <a:stretch>
-            <a:fillRect/>
-          </a:stretch>
-        </p:blipFill>
-        <p:spPr>
-          <a:xfrm>
-            <a:off x="1268233" y="5127281"/>
-            <a:ext cx="6057900" cy="590550"/>
-          </a:xfrm>
-          <a:prstGeom prst="rect">
-            <a:avLst/>
-          </a:prstGeom>
-        </p:spPr>
-      </p:pic>
       <p:sp>
         <p:nvSpPr>
-          <p:cNvPr id="69" name="RS_Classification_Standard"/>
+          <p:cNvPr id="133" name="RS_Classification_Standard"/>
           <p:cNvSpPr txBox="1"/>
           <p:nvPr/>
         </p:nvSpPr>
@@ -18760,7 +22908,7 @@
           </a:bodyPr>
           <a:lstStyle/>
           <a:p>
-            <a:endParaRPr lang="en-US" sz="1100" b="1" kern="900" spc="100" dirty="0" err="1">
+            <a:endParaRPr lang="en-US" sz="1100" b="1" kern="900" spc="100" dirty="0" err="1" smtClean="0">
               <a:solidFill>
                 <a:srgbClr val="000000"/>
               </a:solidFill>
@@ -18775,7 +22923,7 @@
     </p:custDataLst>
     <p:extLst>
       <p:ext uri="{BB962C8B-B14F-4D97-AF65-F5344CB8AC3E}">
-        <p14:creationId xmlns:p14="http://schemas.microsoft.com/office/powerpoint/2010/main" val="2459265950"/>
+        <p14:creationId xmlns:p14="http://schemas.microsoft.com/office/powerpoint/2010/main" val="4025964318"/>
       </p:ext>
     </p:extLst>
   </p:cSld>
@@ -18868,7 +23016,133 @@
 </p:tagLst>
 </file>
 
+<file path=ppt/tags/tag20.xml><?xml version="1.0" encoding="utf-8"?>
+<p:tagLst xmlns:a="http://schemas.openxmlformats.org/drawingml/2006/main" xmlns:r="http://schemas.openxmlformats.org/officeDocument/2006/relationships" xmlns:p="http://schemas.openxmlformats.org/presentationml/2006/main">
+  <p:tag name="RS_CLASSIFICATIONID" val="0"/>
+  <p:tag name="RS_CLASSIFICATION" val="UNRESTRICTED"/>
+</p:tagLst>
+</file>
+
+<file path=ppt/tags/tag21.xml><?xml version="1.0" encoding="utf-8"?>
+<p:tagLst xmlns:a="http://schemas.openxmlformats.org/drawingml/2006/main" xmlns:r="http://schemas.openxmlformats.org/officeDocument/2006/relationships" xmlns:p="http://schemas.openxmlformats.org/presentationml/2006/main">
+  <p:tag name="RS_CLASSIFICATIONID" val="0"/>
+  <p:tag name="RS_CLASSIFICATION" val="UNRESTRICTED"/>
+</p:tagLst>
+</file>
+
+<file path=ppt/tags/tag22.xml><?xml version="1.0" encoding="utf-8"?>
+<p:tagLst xmlns:a="http://schemas.openxmlformats.org/drawingml/2006/main" xmlns:r="http://schemas.openxmlformats.org/officeDocument/2006/relationships" xmlns:p="http://schemas.openxmlformats.org/presentationml/2006/main">
+  <p:tag name="RS_CLASSIFICATIONID" val="0"/>
+  <p:tag name="RS_CLASSIFICATION" val="UNRESTRICTED"/>
+</p:tagLst>
+</file>
+
+<file path=ppt/tags/tag23.xml><?xml version="1.0" encoding="utf-8"?>
+<p:tagLst xmlns:a="http://schemas.openxmlformats.org/drawingml/2006/main" xmlns:r="http://schemas.openxmlformats.org/officeDocument/2006/relationships" xmlns:p="http://schemas.openxmlformats.org/presentationml/2006/main">
+  <p:tag name="RS_CLASSIFICATIONID" val="0"/>
+  <p:tag name="RS_CLASSIFICATION" val="UNRESTRICTED"/>
+</p:tagLst>
+</file>
+
+<file path=ppt/tags/tag24.xml><?xml version="1.0" encoding="utf-8"?>
+<p:tagLst xmlns:a="http://schemas.openxmlformats.org/drawingml/2006/main" xmlns:r="http://schemas.openxmlformats.org/officeDocument/2006/relationships" xmlns:p="http://schemas.openxmlformats.org/presentationml/2006/main">
+  <p:tag name="RS_CLASSIFICATIONID" val="0"/>
+  <p:tag name="RS_CLASSIFICATION" val="UNRESTRICTED"/>
+</p:tagLst>
+</file>
+
+<file path=ppt/tags/tag25.xml><?xml version="1.0" encoding="utf-8"?>
+<p:tagLst xmlns:a="http://schemas.openxmlformats.org/drawingml/2006/main" xmlns:r="http://schemas.openxmlformats.org/officeDocument/2006/relationships" xmlns:p="http://schemas.openxmlformats.org/presentationml/2006/main">
+  <p:tag name="RS_CLASSIFICATIONID" val="0"/>
+  <p:tag name="RS_CLASSIFICATION" val="UNRESTRICTED"/>
+</p:tagLst>
+</file>
+
+<file path=ppt/tags/tag26.xml><?xml version="1.0" encoding="utf-8"?>
+<p:tagLst xmlns:a="http://schemas.openxmlformats.org/drawingml/2006/main" xmlns:r="http://schemas.openxmlformats.org/officeDocument/2006/relationships" xmlns:p="http://schemas.openxmlformats.org/presentationml/2006/main">
+  <p:tag name="RS_CLASSIFICATIONID" val="0"/>
+  <p:tag name="RS_CLASSIFICATION" val="UNRESTRICTED"/>
+</p:tagLst>
+</file>
+
+<file path=ppt/tags/tag27.xml><?xml version="1.0" encoding="utf-8"?>
+<p:tagLst xmlns:a="http://schemas.openxmlformats.org/drawingml/2006/main" xmlns:r="http://schemas.openxmlformats.org/officeDocument/2006/relationships" xmlns:p="http://schemas.openxmlformats.org/presentationml/2006/main">
+  <p:tag name="RS_CLASSIFICATIONID" val="0"/>
+  <p:tag name="RS_CLASSIFICATION" val="UNRESTRICTED"/>
+</p:tagLst>
+</file>
+
+<file path=ppt/tags/tag28.xml><?xml version="1.0" encoding="utf-8"?>
+<p:tagLst xmlns:a="http://schemas.openxmlformats.org/drawingml/2006/main" xmlns:r="http://schemas.openxmlformats.org/officeDocument/2006/relationships" xmlns:p="http://schemas.openxmlformats.org/presentationml/2006/main">
+  <p:tag name="RS_CLASSIFICATIONID" val="0"/>
+  <p:tag name="RS_CLASSIFICATION" val="UNRESTRICTED"/>
+</p:tagLst>
+</file>
+
+<file path=ppt/tags/tag29.xml><?xml version="1.0" encoding="utf-8"?>
+<p:tagLst xmlns:a="http://schemas.openxmlformats.org/drawingml/2006/main" xmlns:r="http://schemas.openxmlformats.org/officeDocument/2006/relationships" xmlns:p="http://schemas.openxmlformats.org/presentationml/2006/main">
+  <p:tag name="RS_CLASSIFICATIONID" val="0"/>
+  <p:tag name="RS_CLASSIFICATION" val="UNRESTRICTED"/>
+</p:tagLst>
+</file>
+
 <file path=ppt/tags/tag3.xml><?xml version="1.0" encoding="utf-8"?>
+<p:tagLst xmlns:a="http://schemas.openxmlformats.org/drawingml/2006/main" xmlns:r="http://schemas.openxmlformats.org/officeDocument/2006/relationships" xmlns:p="http://schemas.openxmlformats.org/presentationml/2006/main">
+  <p:tag name="RS_CLASSIFICATIONID" val="0"/>
+  <p:tag name="RS_CLASSIFICATION" val="UNRESTRICTED"/>
+</p:tagLst>
+</file>
+
+<file path=ppt/tags/tag30.xml><?xml version="1.0" encoding="utf-8"?>
+<p:tagLst xmlns:a="http://schemas.openxmlformats.org/drawingml/2006/main" xmlns:r="http://schemas.openxmlformats.org/officeDocument/2006/relationships" xmlns:p="http://schemas.openxmlformats.org/presentationml/2006/main">
+  <p:tag name="RS_CLASSIFICATIONID" val="0"/>
+  <p:tag name="RS_CLASSIFICATION" val="UNRESTRICTED"/>
+</p:tagLst>
+</file>
+
+<file path=ppt/tags/tag31.xml><?xml version="1.0" encoding="utf-8"?>
+<p:tagLst xmlns:a="http://schemas.openxmlformats.org/drawingml/2006/main" xmlns:r="http://schemas.openxmlformats.org/officeDocument/2006/relationships" xmlns:p="http://schemas.openxmlformats.org/presentationml/2006/main">
+  <p:tag name="RS_CLASSIFICATIONID" val="0"/>
+  <p:tag name="RS_CLASSIFICATION" val="UNRESTRICTED"/>
+</p:tagLst>
+</file>
+
+<file path=ppt/tags/tag32.xml><?xml version="1.0" encoding="utf-8"?>
+<p:tagLst xmlns:a="http://schemas.openxmlformats.org/drawingml/2006/main" xmlns:r="http://schemas.openxmlformats.org/officeDocument/2006/relationships" xmlns:p="http://schemas.openxmlformats.org/presentationml/2006/main">
+  <p:tag name="RS_CLASSIFICATIONID" val="0"/>
+  <p:tag name="RS_CLASSIFICATION" val="UNRESTRICTED"/>
+</p:tagLst>
+</file>
+
+<file path=ppt/tags/tag33.xml><?xml version="1.0" encoding="utf-8"?>
+<p:tagLst xmlns:a="http://schemas.openxmlformats.org/drawingml/2006/main" xmlns:r="http://schemas.openxmlformats.org/officeDocument/2006/relationships" xmlns:p="http://schemas.openxmlformats.org/presentationml/2006/main">
+  <p:tag name="RS_CLASSIFICATIONID" val="0"/>
+  <p:tag name="RS_CLASSIFICATION" val="UNRESTRICTED"/>
+</p:tagLst>
+</file>
+
+<file path=ppt/tags/tag34.xml><?xml version="1.0" encoding="utf-8"?>
+<p:tagLst xmlns:a="http://schemas.openxmlformats.org/drawingml/2006/main" xmlns:r="http://schemas.openxmlformats.org/officeDocument/2006/relationships" xmlns:p="http://schemas.openxmlformats.org/presentationml/2006/main">
+  <p:tag name="RS_CLASSIFICATIONID" val="0"/>
+  <p:tag name="RS_CLASSIFICATION" val="UNRESTRICTED"/>
+</p:tagLst>
+</file>
+
+<file path=ppt/tags/tag35.xml><?xml version="1.0" encoding="utf-8"?>
+<p:tagLst xmlns:a="http://schemas.openxmlformats.org/drawingml/2006/main" xmlns:r="http://schemas.openxmlformats.org/officeDocument/2006/relationships" xmlns:p="http://schemas.openxmlformats.org/presentationml/2006/main">
+  <p:tag name="RS_CLASSIFICATIONID" val="0"/>
+  <p:tag name="RS_CLASSIFICATION" val="UNRESTRICTED"/>
+</p:tagLst>
+</file>
+
+<file path=ppt/tags/tag36.xml><?xml version="1.0" encoding="utf-8"?>
+<p:tagLst xmlns:a="http://schemas.openxmlformats.org/drawingml/2006/main" xmlns:r="http://schemas.openxmlformats.org/officeDocument/2006/relationships" xmlns:p="http://schemas.openxmlformats.org/presentationml/2006/main">
+  <p:tag name="RS_CLASSIFICATIONID" val="0"/>
+  <p:tag name="RS_CLASSIFICATION" val="UNRESTRICTED"/>
+</p:tagLst>
+</file>
+
+<file path=ppt/tags/tag37.xml><?xml version="1.0" encoding="utf-8"?>
 <p:tagLst xmlns:a="http://schemas.openxmlformats.org/drawingml/2006/main" xmlns:r="http://schemas.openxmlformats.org/officeDocument/2006/relationships" xmlns:p="http://schemas.openxmlformats.org/presentationml/2006/main">
   <p:tag name="RS_CLASSIFICATIONID" val="0"/>
   <p:tag name="RS_CLASSIFICATION" val="UNRESTRICTED"/>

--- a/final_presentation/finalPpt.pptx
+++ b/final_presentation/finalPpt.pptx
@@ -1961,10 +1961,6 @@
             <a:br>
               <a:rPr lang="de-DE" noProof="0" dirty="0"/>
             </a:br>
-            <a:r>
-              <a:rPr lang="de-DE" noProof="0" dirty="0"/>
-              <a:t/>
-            </a:r>
             <a:br>
               <a:rPr lang="de-DE" noProof="0" dirty="0"/>
             </a:br>
@@ -2177,10 +2173,6 @@
             <a:br>
               <a:rPr lang="de-DE" noProof="0" dirty="0"/>
             </a:br>
-            <a:r>
-              <a:rPr lang="de-DE" noProof="0" dirty="0"/>
-              <a:t/>
-            </a:r>
             <a:br>
               <a:rPr lang="de-DE" noProof="0" dirty="0"/>
             </a:br>
@@ -7801,23 +7793,7 @@
                   <a:schemeClr val="tx2"/>
                 </a:solidFill>
               </a:rPr>
-              <a:t>Polar FEC chain development in software for </a:t>
-            </a:r>
-            <a:r>
-              <a:rPr lang="en-US" dirty="0" smtClean="0">
-                <a:solidFill>
-                  <a:schemeClr val="tx2"/>
-                </a:solidFill>
-              </a:rPr>
-              <a:t>5G</a:t>
-            </a:r>
-            <a:r>
-              <a:rPr lang="en-US" dirty="0">
-                <a:solidFill>
-                  <a:schemeClr val="tx2"/>
-                </a:solidFill>
-              </a:rPr>
-              <a:t/>
+              <a:t>Polar FEC chain development in software for 5G</a:t>
             </a:r>
             <a:br>
               <a:rPr lang="en-US" dirty="0">
@@ -7864,21 +7840,8 @@
           <a:p>
             <a:r>
               <a:rPr lang="de-DE" dirty="0"/>
-              <a:t>Yadhunandana Rajathadripura </a:t>
-            </a:r>
-            <a:r>
-              <a:rPr lang="de-DE" dirty="0" smtClean="0"/>
-              <a:t>Kumaraiah (</a:t>
-            </a:r>
-            <a:r>
-              <a:rPr lang="de-DE" dirty="0"/>
-              <a:t>Y</a:t>
-            </a:r>
-            <a:r>
-              <a:rPr lang="de-DE" dirty="0" smtClean="0"/>
-              <a:t>adhu)</a:t>
-            </a:r>
-            <a:endParaRPr lang="de-DE" dirty="0"/>
+              <a:t>Yadhunandana Rajathadripura Kumaraiah (Yadhu)</a:t>
+            </a:r>
           </a:p>
           <a:p>
             <a:r>
@@ -7901,34 +7864,13 @@
           <a:p>
             <a:r>
               <a:rPr lang="en-US" dirty="0"/>
-              <a:t>Fabian </a:t>
-            </a:r>
-            <a:r>
-              <a:rPr lang="en-US" dirty="0" smtClean="0"/>
-              <a:t>Steiner, Peihong </a:t>
-            </a:r>
+              <a:t>Fabian Steiner, Peihong Yuan (TUM)</a:t>
+            </a:r>
+          </a:p>
+          <a:p>
             <a:r>
               <a:rPr lang="en-US" dirty="0"/>
-              <a:t>Yuan (</a:t>
-            </a:r>
-            <a:r>
-              <a:rPr lang="en-US" dirty="0" smtClean="0"/>
-              <a:t>TUM)</a:t>
-            </a:r>
-            <a:endParaRPr lang="en-US" dirty="0"/>
-          </a:p>
-          <a:p>
-            <a:r>
-              <a:rPr lang="en-US" dirty="0"/>
-              <a:t>Dr. Moritz </a:t>
-            </a:r>
-            <a:r>
-              <a:rPr lang="en-US" dirty="0" smtClean="0"/>
-              <a:t>Harteneck, Alexander </a:t>
-            </a:r>
-            <a:r>
-              <a:rPr lang="en-US" dirty="0"/>
-              <a:t>Heinz </a:t>
+              <a:t>Dr. Moritz Harteneck, Alexander Heinz </a:t>
             </a:r>
           </a:p>
           <a:p>
@@ -7995,7 +7937,7 @@
           </a:bodyPr>
           <a:lstStyle/>
           <a:p>
-            <a:endParaRPr lang="en-US" sz="1100" b="1" kern="900" spc="100" dirty="0" err="1" smtClean="0">
+            <a:endParaRPr lang="en-US" sz="1100" b="1" kern="900" spc="100" dirty="0" err="1">
               <a:solidFill>
                 <a:srgbClr val="000000"/>
               </a:solidFill>
@@ -8111,10 +8053,9 @@
           <a:lstStyle/>
           <a:p>
             <a:r>
-              <a:rPr lang="en-US" dirty="0" smtClean="0"/>
+              <a:rPr lang="en-US" dirty="0"/>
               <a:t>Processor architecture: Instruction pipelining</a:t>
             </a:r>
-            <a:endParaRPr lang="en-US" dirty="0"/>
           </a:p>
         </p:txBody>
       </p:sp>
@@ -8144,7 +8085,7 @@
           </a:bodyPr>
           <a:lstStyle/>
           <a:p>
-            <a:endParaRPr lang="en-US" sz="1100" b="1" kern="900" spc="100" dirty="0" err="1" smtClean="0">
+            <a:endParaRPr lang="en-US" sz="1100" b="1" kern="900" spc="100" dirty="0" err="1">
               <a:solidFill>
                 <a:srgbClr val="000000"/>
               </a:solidFill>
@@ -8305,18 +8246,13 @@
           <a:lstStyle/>
           <a:p>
             <a:r>
-              <a:rPr lang="en-US" dirty="0" smtClean="0">
+              <a:rPr lang="en-US" dirty="0">
                 <a:solidFill>
                   <a:schemeClr val="bg2"/>
                 </a:solidFill>
               </a:rPr>
               <a:t>Vector processing units</a:t>
             </a:r>
-            <a:endParaRPr lang="en-US" dirty="0">
-              <a:solidFill>
-                <a:schemeClr val="bg2"/>
-              </a:solidFill>
-            </a:endParaRPr>
           </a:p>
         </p:txBody>
       </p:sp>
@@ -8346,7 +8282,7 @@
           </a:bodyPr>
           <a:lstStyle/>
           <a:p>
-            <a:endParaRPr lang="en-US" sz="1100" b="1" kern="900" spc="100" dirty="0" err="1" smtClean="0">
+            <a:endParaRPr lang="en-US" sz="1100" b="1" kern="900" spc="100" dirty="0" err="1">
               <a:solidFill>
                 <a:srgbClr val="000000"/>
               </a:solidFill>
@@ -8413,7 +8349,7 @@
               <a:buChar char="•"/>
             </a:pPr>
             <a:r>
-              <a:rPr dirty="0" smtClean="0"/>
+              <a:rPr dirty="0"/>
               <a:t>FEC </a:t>
             </a:r>
             <a:r>
@@ -8491,7 +8427,7 @@
           <a:lstStyle/>
           <a:p>
             <a:r>
-              <a:rPr sz="3000" dirty="0" smtClean="0">
+              <a:rPr sz="3000" dirty="0">
                 <a:solidFill>
                   <a:schemeClr val="bg2"/>
                 </a:solidFill>
@@ -8837,7 +8773,7 @@
           </a:bodyPr>
           <a:lstStyle/>
           <a:p>
-            <a:endParaRPr lang="en-US" sz="1100" b="1" kern="900" spc="100" dirty="0" err="1" smtClean="0">
+            <a:endParaRPr lang="en-US" sz="1100" b="1" kern="900" spc="100" dirty="0" err="1">
               <a:solidFill>
                 <a:srgbClr val="000000"/>
               </a:solidFill>
@@ -8874,8 +8810,8 @@
           <a:chExt cx="0" cy="0"/>
         </a:xfrm>
       </p:grpSpPr>
-      <mc:AlternateContent xmlns:mc="http://schemas.openxmlformats.org/markup-compatibility/2006">
-        <mc:Choice xmlns:a14="http://schemas.microsoft.com/office/drawing/2010/main" Requires="a14">
+      <mc:AlternateContent xmlns:mc="http://schemas.openxmlformats.org/markup-compatibility/2006" xmlns:a14="http://schemas.microsoft.com/office/drawing/2010/main">
+        <mc:Choice Requires="a14">
           <p:sp>
             <p:nvSpPr>
               <p:cNvPr id="2" name="Content Placeholder 1"/>
@@ -8963,11 +8899,7 @@
                 </a14:m>
                 <a:r>
                   <a:rPr lang="en-US" dirty="0"/>
-                  <a:t>search and remove operations in the list, which have huge overhead. </a:t>
-                </a:r>
-                <a:r>
-                  <a:rPr lang="en-US" dirty="0" smtClean="0"/>
-                  <a:t>(377 </a:t>
+                  <a:t>search and remove operations in the list, which have huge overhead. (377 </a:t>
                 </a:r>
                 <a:r>
                   <a:rPr lang="el-GR" dirty="0"/>
@@ -8999,7 +8931,7 @@
             </p:txBody>
           </p:sp>
         </mc:Choice>
-        <mc:Fallback>
+        <mc:Fallback xmlns="">
           <p:sp>
             <p:nvSpPr>
               <p:cNvPr id="2" name="Content Placeholder 1"/>
@@ -9082,18 +9014,13 @@
           <a:lstStyle/>
           <a:p>
             <a:r>
-              <a:rPr lang="en-US" dirty="0" smtClean="0">
+              <a:rPr lang="en-US" dirty="0">
                 <a:solidFill>
                   <a:schemeClr val="bg2"/>
                 </a:solidFill>
               </a:rPr>
               <a:t>Information bit indices selection</a:t>
             </a:r>
-            <a:endParaRPr lang="en-US" dirty="0">
-              <a:solidFill>
-                <a:schemeClr val="bg2"/>
-              </a:solidFill>
-            </a:endParaRPr>
           </a:p>
         </p:txBody>
       </p:sp>
@@ -9153,7 +9080,7 @@
           </a:bodyPr>
           <a:lstStyle/>
           <a:p>
-            <a:endParaRPr lang="en-US" sz="1100" b="1" kern="900" spc="100" dirty="0" err="1" smtClean="0">
+            <a:endParaRPr lang="en-US" sz="1100" b="1" kern="900" spc="100" dirty="0" err="1">
               <a:solidFill>
                 <a:srgbClr val="000000"/>
               </a:solidFill>
@@ -9351,7 +9278,7 @@
           </a:bodyPr>
           <a:lstStyle/>
           <a:p>
-            <a:endParaRPr lang="en-US" sz="1100" b="1" kern="900" spc="100" dirty="0" err="1" smtClean="0">
+            <a:endParaRPr lang="en-US" sz="1100" b="1" kern="900" spc="100" dirty="0" err="1">
               <a:solidFill>
                 <a:srgbClr val="000000"/>
               </a:solidFill>
@@ -13639,7 +13566,7 @@
           </a:bodyPr>
           <a:lstStyle/>
           <a:p>
-            <a:endParaRPr lang="en-US" sz="1100" b="1" kern="900" spc="100" dirty="0" err="1" smtClean="0">
+            <a:endParaRPr lang="en-US" sz="1100" b="1" kern="900" spc="100" dirty="0" err="1">
               <a:solidFill>
                 <a:srgbClr val="000000"/>
               </a:solidFill>
@@ -13887,7 +13814,7 @@
           </a:bodyPr>
           <a:lstStyle/>
           <a:p>
-            <a:endParaRPr lang="en-US" sz="1100" b="1" kern="900" spc="100" dirty="0" err="1" smtClean="0">
+            <a:endParaRPr lang="en-US" sz="1100" b="1" kern="900" spc="100" dirty="0" err="1">
               <a:solidFill>
                 <a:srgbClr val="000000"/>
               </a:solidFill>
@@ -14265,7 +14192,7 @@
           </a:bodyPr>
           <a:lstStyle/>
           <a:p>
-            <a:endParaRPr lang="en-US" sz="1100" b="1" kern="900" spc="100" dirty="0" err="1" smtClean="0">
+            <a:endParaRPr lang="en-US" sz="1100" b="1" kern="900" spc="100" dirty="0" err="1">
               <a:solidFill>
                 <a:srgbClr val="000000"/>
               </a:solidFill>
@@ -14702,7 +14629,7 @@
           </a:bodyPr>
           <a:lstStyle/>
           <a:p>
-            <a:endParaRPr lang="en-US" sz="1100" b="1" kern="900" spc="100" dirty="0" err="1" smtClean="0">
+            <a:endParaRPr lang="en-US" sz="1100" b="1" kern="900" spc="100" dirty="0" err="1">
               <a:solidFill>
                 <a:srgbClr val="000000"/>
               </a:solidFill>
@@ -14724,13 +14651,6 @@
   <p:clrMapOvr>
     <a:masterClrMapping/>
   </p:clrMapOvr>
-  <p:timing>
-    <p:tnLst>
-      <p:par>
-        <p:cTn id="1" dur="indefinite" restart="never" nodeType="tmRoot"/>
-      </p:par>
-    </p:tnLst>
-  </p:timing>
 </p:sld>
 </file>
 
@@ -14751,8 +14671,8 @@
           <a:chExt cx="0" cy="0"/>
         </a:xfrm>
       </p:grpSpPr>
-      <mc:AlternateContent xmlns:mc="http://schemas.openxmlformats.org/markup-compatibility/2006">
-        <mc:Choice xmlns:a14="http://schemas.microsoft.com/office/drawing/2010/main" Requires="a14">
+      <mc:AlternateContent xmlns:mc="http://schemas.openxmlformats.org/markup-compatibility/2006" xmlns:a14="http://schemas.microsoft.com/office/drawing/2010/main">
+        <mc:Choice Requires="a14">
           <p:sp>
             <p:nvSpPr>
               <p:cNvPr id="2" name="Content Placeholder 1"/>
@@ -14842,21 +14762,13 @@
               <a:p>
                 <a:r>
                   <a:rPr lang="en-US" b="1" dirty="0"/>
-                  <a:t>O</a:t>
-                </a:r>
-                <a:r>
-                  <a:rPr lang="en-US" b="1" dirty="0" smtClean="0"/>
-                  <a:t>verall </a:t>
-                </a:r>
-                <a:r>
-                  <a:rPr lang="en-US" b="1" dirty="0"/>
-                  <a:t>PDCCH FEC chain:</a:t>
+                  <a:t>Overall PDCCH FEC chain:</a:t>
                 </a:r>
               </a:p>
             </p:txBody>
           </p:sp>
         </mc:Choice>
-        <mc:Fallback>
+        <mc:Fallback xmlns="">
           <p:sp>
             <p:nvSpPr>
               <p:cNvPr id="2" name="Content Placeholder 1"/>
@@ -16426,7 +16338,7 @@
           </a:bodyPr>
           <a:lstStyle/>
           <a:p>
-            <a:endParaRPr lang="en-US" sz="1100" b="1" kern="900" spc="100" dirty="0" err="1" smtClean="0">
+            <a:endParaRPr lang="en-US" sz="1100" b="1" kern="900" spc="100" dirty="0" err="1">
               <a:solidFill>
                 <a:srgbClr val="000000"/>
               </a:solidFill>
@@ -16495,7 +16407,7 @@
               <a:buFont typeface="Arial" panose="020B0604020202020204" pitchFamily="34" charset="0"/>
               <a:buChar char="•"/>
             </a:pPr>
-            <a:endParaRPr lang="en-US" sz="1800" dirty="0" smtClean="0"/>
+            <a:endParaRPr lang="en-US" sz="1800" dirty="0"/>
           </a:p>
           <a:p>
             <a:pPr marL="285750" indent="-285750">
@@ -16516,12 +16428,8 @@
               <a:buChar char="•"/>
             </a:pPr>
             <a:r>
-              <a:rPr lang="en-US" sz="1800" dirty="0" smtClean="0"/>
-              <a:t>Introduction </a:t>
-            </a:r>
-            <a:r>
               <a:rPr lang="en-US" sz="1800" dirty="0"/>
-              <a:t>and Motivation</a:t>
+              <a:t>Introduction and Motivation</a:t>
             </a:r>
           </a:p>
           <a:p>
@@ -16547,11 +16455,7 @@
             </a:pPr>
             <a:r>
               <a:rPr lang="en-IN" sz="1800" dirty="0"/>
-              <a:t>Encoding FEC </a:t>
-            </a:r>
-            <a:r>
-              <a:rPr lang="en-IN" sz="1800" dirty="0" smtClean="0"/>
-              <a:t>chain</a:t>
+              <a:t>Encoding FEC chain</a:t>
             </a:r>
           </a:p>
           <a:p>
@@ -16563,16 +16467,8 @@
               <a:buChar char="•"/>
             </a:pPr>
             <a:r>
-              <a:rPr lang="en-US" sz="1800" dirty="0" smtClean="0"/>
-              <a:t>Decoding </a:t>
-            </a:r>
-            <a:r>
               <a:rPr lang="en-US" sz="1800" dirty="0"/>
-              <a:t>FEC </a:t>
-            </a:r>
-            <a:r>
-              <a:rPr lang="en-US" sz="1800" dirty="0" smtClean="0"/>
-              <a:t>chain</a:t>
+              <a:t>Decoding FEC chain</a:t>
             </a:r>
           </a:p>
           <a:p>
@@ -16584,10 +16480,9 @@
               <a:buChar char="•"/>
             </a:pPr>
             <a:r>
-              <a:rPr lang="en-US" sz="1800" dirty="0" smtClean="0"/>
+              <a:rPr lang="en-US" sz="1800" dirty="0"/>
               <a:t>Results</a:t>
             </a:r>
-            <a:endParaRPr lang="en-US" sz="1800" dirty="0"/>
           </a:p>
           <a:p>
             <a:pPr marL="285750" indent="-285750">
@@ -16704,7 +16599,7 @@
           </a:bodyPr>
           <a:lstStyle/>
           <a:p>
-            <a:endParaRPr lang="en-US" sz="1100" b="1" kern="900" spc="100" dirty="0" err="1" smtClean="0">
+            <a:endParaRPr lang="en-US" sz="1100" b="1" kern="900" spc="100" dirty="0" err="1">
               <a:solidFill>
                 <a:srgbClr val="000000"/>
               </a:solidFill>
@@ -16810,35 +16705,6 @@
           </a:p>
         </p:txBody>
       </p:sp>
-      <p:pic>
-        <p:nvPicPr>
-          <p:cNvPr id="10" name="Content Placeholder 9">
-            <a:extLst>
-              <a:ext uri="{FF2B5EF4-FFF2-40B4-BE49-F238E27FC236}">
-                <a16:creationId xmlns:a16="http://schemas.microsoft.com/office/drawing/2014/main" id="{9A0AAEFF-7344-4BFD-B5CB-9565F1A422FE}"/>
-              </a:ext>
-            </a:extLst>
-          </p:cNvPr>
-          <p:cNvPicPr>
-            <a:picLocks noGrp="1" noChangeAspect="1"/>
-          </p:cNvPicPr>
-          <p:nvPr>
-            <p:ph idx="1"/>
-          </p:nvPr>
-        </p:nvPicPr>
-        <p:blipFill>
-          <a:blip r:embed="rId3"/>
-          <a:stretch>
-            <a:fillRect/>
-          </a:stretch>
-        </p:blipFill>
-        <p:spPr>
-          <a:xfrm>
-            <a:off x="1468447" y="938299"/>
-            <a:ext cx="6208121" cy="5815101"/>
-          </a:xfrm>
-        </p:spPr>
-      </p:pic>
       <p:sp>
         <p:nvSpPr>
           <p:cNvPr id="153" name="RS_Classification_Standard"/>
@@ -16865,7 +16731,7 @@
           </a:bodyPr>
           <a:lstStyle/>
           <a:p>
-            <a:endParaRPr lang="en-US" sz="1100" b="1" kern="900" spc="100" dirty="0" err="1" smtClean="0">
+            <a:endParaRPr lang="en-US" sz="1100" b="1" kern="900" spc="100" dirty="0" err="1">
               <a:solidFill>
                 <a:srgbClr val="000000"/>
               </a:solidFill>
@@ -16874,6 +16740,35 @@
           </a:p>
         </p:txBody>
       </p:sp>
+      <p:pic>
+        <p:nvPicPr>
+          <p:cNvPr id="12" name="Content Placeholder 11">
+            <a:extLst>
+              <a:ext uri="{FF2B5EF4-FFF2-40B4-BE49-F238E27FC236}">
+                <a16:creationId xmlns:a16="http://schemas.microsoft.com/office/drawing/2014/main" id="{957F4742-937F-4F3E-8F2F-1263E39ACF71}"/>
+              </a:ext>
+            </a:extLst>
+          </p:cNvPr>
+          <p:cNvPicPr>
+            <a:picLocks noGrp="1" noChangeAspect="1"/>
+          </p:cNvPicPr>
+          <p:nvPr>
+            <p:ph idx="1"/>
+          </p:nvPr>
+        </p:nvPicPr>
+        <p:blipFill>
+          <a:blip r:embed="rId3"/>
+          <a:stretch>
+            <a:fillRect/>
+          </a:stretch>
+        </p:blipFill>
+        <p:spPr>
+          <a:xfrm>
+            <a:off x="965199" y="641023"/>
+            <a:ext cx="6375087" cy="6069614"/>
+          </a:xfrm>
+        </p:spPr>
+      </p:pic>
     </p:spTree>
     <p:custDataLst>
       <p:tags r:id="rId1"/>
@@ -16887,13 +16782,6 @@
   <p:clrMapOvr>
     <a:masterClrMapping/>
   </p:clrMapOvr>
-  <p:timing>
-    <p:tnLst>
-      <p:par>
-        <p:cTn id="1" dur="indefinite" restart="never" nodeType="tmRoot"/>
-      </p:par>
-    </p:tnLst>
-  </p:timing>
 </p:sld>
 </file>
 
@@ -16945,23 +16833,23 @@
               <a:buChar char="•"/>
             </a:pPr>
             <a:r>
-              <a:rPr lang="en-US" dirty="0" smtClean="0"/>
+              <a:rPr lang="en-US" dirty="0"/>
               <a:t>Inverse of </a:t>
             </a:r>
             <a:r>
-              <a:rPr lang="en-US" dirty="0" err="1" smtClean="0"/>
+              <a:rPr lang="en-US" dirty="0" err="1"/>
               <a:t>subblock</a:t>
             </a:r>
             <a:r>
-              <a:rPr lang="en-US" dirty="0" smtClean="0"/>
+              <a:rPr lang="en-US" dirty="0"/>
               <a:t> </a:t>
             </a:r>
             <a:r>
-              <a:rPr lang="en-US" dirty="0" err="1" smtClean="0"/>
+              <a:rPr lang="en-US" dirty="0" err="1"/>
               <a:t>interleaver</a:t>
             </a:r>
             <a:r>
-              <a:rPr lang="en-US" dirty="0" smtClean="0"/>
+              <a:rPr lang="en-US" dirty="0"/>
               <a:t> operation performed at the transmitter.</a:t>
             </a:r>
           </a:p>
@@ -16971,11 +16859,11 @@
               <a:buChar char="•"/>
             </a:pPr>
             <a:r>
-              <a:rPr lang="en-US" dirty="0" err="1" smtClean="0"/>
+              <a:rPr lang="en-US" dirty="0" err="1"/>
               <a:t>Deinterleaving</a:t>
             </a:r>
             <a:r>
-              <a:rPr lang="en-US" dirty="0" smtClean="0"/>
+              <a:rPr lang="en-US" dirty="0"/>
               <a:t> is performed as shown in the figure.</a:t>
             </a:r>
           </a:p>
@@ -16985,7 +16873,7 @@
               <a:buChar char="•"/>
             </a:pPr>
             <a:r>
-              <a:rPr lang="en-US" dirty="0" smtClean="0"/>
+              <a:rPr lang="en-US" dirty="0"/>
               <a:t>One of expensive operation due to huge number of division, multiplication and modulus operations and it is also sequential.</a:t>
             </a:r>
           </a:p>
@@ -16995,26 +16883,18 @@
               <a:buChar char="•"/>
             </a:pPr>
             <a:r>
-              <a:rPr lang="en-US" dirty="0" smtClean="0"/>
-              <a:t>This operation is </a:t>
-            </a:r>
-            <a:r>
               <a:rPr lang="en-US" dirty="0"/>
-              <a:t>b</a:t>
-            </a:r>
-            <a:r>
-              <a:rPr lang="en-US" dirty="0" smtClean="0"/>
-              <a:t>roken down into three parts, each of them are implemented using </a:t>
-            </a:r>
-            <a:r>
-              <a:rPr lang="en-US" dirty="0" smtClean="0">
+              <a:t>This operation is broken down into three parts, each of them are implemented using </a:t>
+            </a:r>
+            <a:r>
+              <a:rPr lang="en-US" dirty="0">
                 <a:latin typeface="Simplified Arabic Fixed" panose="02070309020205020404" pitchFamily="49" charset="-78"/>
                 <a:cs typeface="Simplified Arabic Fixed" panose="02070309020205020404" pitchFamily="49" charset="-78"/>
               </a:rPr>
               <a:t>permute</a:t>
             </a:r>
             <a:r>
-              <a:rPr lang="en-US" dirty="0" smtClean="0"/>
+              <a:rPr lang="en-US" dirty="0"/>
               <a:t> and </a:t>
             </a:r>
             <a:r>
@@ -17025,7 +16905,7 @@
               <a:t>blend</a:t>
             </a:r>
             <a:r>
-              <a:rPr lang="en-US" dirty="0" smtClean="0"/>
+              <a:rPr lang="en-US" dirty="0"/>
               <a:t> SIMD instructions.</a:t>
             </a:r>
           </a:p>
@@ -17035,7 +16915,7 @@
               <a:buChar char="•"/>
             </a:pPr>
             <a:r>
-              <a:rPr lang="en-US" dirty="0" smtClean="0"/>
+              <a:rPr lang="en-US" dirty="0"/>
               <a:t>Latency reduced from 19us to 0.47us.</a:t>
             </a:r>
           </a:p>
@@ -17105,15 +16985,15 @@
           <a:lstStyle/>
           <a:p>
             <a:r>
-              <a:rPr lang="en-US" dirty="0" err="1" smtClean="0"/>
+              <a:rPr lang="en-US" dirty="0" err="1"/>
               <a:t>Subblock</a:t>
             </a:r>
             <a:r>
-              <a:rPr lang="en-US" dirty="0" smtClean="0"/>
+              <a:rPr lang="en-US" dirty="0"/>
               <a:t> </a:t>
             </a:r>
             <a:r>
-              <a:rPr lang="en-US" dirty="0" err="1" smtClean="0"/>
+              <a:rPr lang="en-US" dirty="0" err="1"/>
               <a:t>deinterleaver</a:t>
             </a:r>
             <a:endParaRPr lang="en-US" dirty="0"/>
@@ -17142,7 +17022,7 @@
         </p:blipFill>
         <p:spPr>
           <a:xfrm>
-            <a:off x="156519" y="5157667"/>
+            <a:off x="316306" y="5118090"/>
             <a:ext cx="8509686" cy="1069523"/>
           </a:xfrm>
           <a:prstGeom prst="rect">
@@ -17176,7 +17056,7 @@
           </a:bodyPr>
           <a:lstStyle/>
           <a:p>
-            <a:endParaRPr lang="en-US" sz="1100" b="1" kern="900" spc="100" dirty="0" err="1" smtClean="0">
+            <a:endParaRPr lang="en-US" sz="1100" b="1" kern="900" spc="100" dirty="0" err="1">
               <a:solidFill>
                 <a:srgbClr val="000000"/>
               </a:solidFill>
@@ -17198,13 +17078,6 @@
   <p:clrMapOvr>
     <a:masterClrMapping/>
   </p:clrMapOvr>
-  <p:timing>
-    <p:tnLst>
-      <p:par>
-        <p:cTn id="1" dur="indefinite" restart="never" nodeType="tmRoot"/>
-      </p:par>
-    </p:tnLst>
-  </p:timing>
 </p:sld>
 </file>
 
@@ -17250,7 +17123,7 @@
               <a:buChar char="•"/>
             </a:pPr>
             <a:r>
-              <a:rPr lang="en-US" dirty="0" smtClean="0"/>
+              <a:rPr lang="en-US" dirty="0"/>
               <a:t>Packing multiple frozen bits efficient identification of component codes.</a:t>
             </a:r>
           </a:p>
@@ -17260,7 +17133,7 @@
               <a:buChar char="•"/>
             </a:pPr>
             <a:r>
-              <a:rPr lang="en-US" dirty="0" smtClean="0"/>
+              <a:rPr lang="en-US" dirty="0"/>
               <a:t>Frozen pattern is passed in packed bit format to decoder.</a:t>
             </a:r>
           </a:p>
@@ -17270,7 +17143,7 @@
               <a:buChar char="•"/>
             </a:pPr>
             <a:r>
-              <a:rPr lang="en-US" dirty="0" smtClean="0"/>
+              <a:rPr lang="en-US" dirty="0"/>
               <a:t>Identification component codes is performed at run time.</a:t>
             </a:r>
           </a:p>
@@ -17280,7 +17153,7 @@
               <a:buChar char="•"/>
             </a:pPr>
             <a:r>
-              <a:rPr lang="en-US" dirty="0" smtClean="0"/>
+              <a:rPr lang="en-US" dirty="0"/>
               <a:t>Packing of multiple bits together allows identification of component codes in a single comparison instruction.</a:t>
             </a:r>
           </a:p>
@@ -17296,7 +17169,7 @@
               <a:buFont typeface="Arial" panose="020B0604020202020204" pitchFamily="34" charset="0"/>
               <a:buChar char="•"/>
             </a:pPr>
-            <a:endParaRPr lang="en-US" dirty="0" smtClean="0"/>
+            <a:endParaRPr lang="en-US" dirty="0"/>
           </a:p>
           <a:p>
             <a:pPr marL="285750" indent="-285750">
@@ -17359,10 +17232,9 @@
           <a:lstStyle/>
           <a:p>
             <a:r>
-              <a:rPr lang="en-US" dirty="0" smtClean="0"/>
+              <a:rPr lang="en-US" dirty="0"/>
               <a:t>Polar decoding: Packing frozen bits</a:t>
             </a:r>
-            <a:endParaRPr lang="en-US" dirty="0"/>
           </a:p>
         </p:txBody>
       </p:sp>
@@ -17392,7 +17264,7 @@
           </a:bodyPr>
           <a:lstStyle/>
           <a:p>
-            <a:endParaRPr lang="en-US" sz="1100" b="1" kern="900" spc="100" dirty="0" err="1" smtClean="0">
+            <a:endParaRPr lang="en-US" sz="1100" b="1" kern="900" spc="100" dirty="0" err="1">
               <a:solidFill>
                 <a:srgbClr val="000000"/>
               </a:solidFill>
@@ -17444,7 +17316,12 @@
             <p:ph idx="1"/>
           </p:nvPr>
         </p:nvSpPr>
-        <p:spPr/>
+        <p:spPr>
+          <a:xfrm>
+            <a:off x="319090" y="1589222"/>
+            <a:ext cx="8508999" cy="4699572"/>
+          </a:xfrm>
+        </p:spPr>
         <p:txBody>
           <a:bodyPr/>
           <a:lstStyle/>
@@ -17487,20 +17364,20 @@
             <p:ph type="title"/>
           </p:nvPr>
         </p:nvSpPr>
-        <p:spPr/>
+        <p:spPr>
+          <a:xfrm>
+            <a:off x="317500" y="807903"/>
+            <a:ext cx="8508999" cy="410369"/>
+          </a:xfrm>
+        </p:spPr>
         <p:txBody>
           <a:bodyPr/>
           <a:lstStyle/>
           <a:p>
             <a:r>
               <a:rPr lang="en-US" dirty="0"/>
-              <a:t>Polar decoding: </a:t>
-            </a:r>
-            <a:r>
-              <a:rPr lang="en-US" dirty="0" smtClean="0"/>
-              <a:t>Avoiding superfluous copying</a:t>
-            </a:r>
-            <a:endParaRPr lang="en-US" dirty="0"/>
+              <a:t>Polar decoding: Avoiding superfluous copying</a:t>
+            </a:r>
           </a:p>
         </p:txBody>
       </p:sp>
@@ -17530,7 +17407,7 @@
           </a:bodyPr>
           <a:lstStyle/>
           <a:p>
-            <a:endParaRPr lang="en-US" sz="1100" b="1" kern="900" spc="100" dirty="0" err="1" smtClean="0">
+            <a:endParaRPr lang="en-US" sz="1100" b="1" kern="900" spc="100" dirty="0" err="1">
               <a:solidFill>
                 <a:srgbClr val="000000"/>
               </a:solidFill>
@@ -17631,10 +17508,9 @@
           <a:lstStyle/>
           <a:p>
             <a:r>
-              <a:rPr lang="en-US" dirty="0" smtClean="0"/>
+              <a:rPr lang="en-US" dirty="0"/>
               <a:t>Polar decoding: Optimized CN and VN operations</a:t>
             </a:r>
-            <a:endParaRPr lang="en-US" dirty="0"/>
           </a:p>
         </p:txBody>
       </p:sp>
@@ -17664,7 +17540,7 @@
           </a:bodyPr>
           <a:lstStyle/>
           <a:p>
-            <a:endParaRPr lang="en-US" sz="1100" b="1" kern="900" spc="100" dirty="0" err="1" smtClean="0">
+            <a:endParaRPr lang="en-US" sz="1100" b="1" kern="900" spc="100" dirty="0" err="1">
               <a:solidFill>
                 <a:srgbClr val="000000"/>
               </a:solidFill>
@@ -17722,10 +17598,9 @@
           <a:lstStyle/>
           <a:p>
             <a:r>
-              <a:rPr lang="en-US" dirty="0" smtClean="0"/>
+              <a:rPr lang="en-US" dirty="0"/>
               <a:t>Vector threshold detection and polar transform for R1 nodes.</a:t>
             </a:r>
-            <a:endParaRPr lang="en-US" dirty="0"/>
           </a:p>
         </p:txBody>
       </p:sp>
@@ -17769,10 +17644,9 @@
           <a:lstStyle/>
           <a:p>
             <a:r>
-              <a:rPr lang="en-US" dirty="0" smtClean="0"/>
+              <a:rPr lang="en-US" dirty="0"/>
               <a:t>Decoding R0 and R1 codes</a:t>
             </a:r>
-            <a:endParaRPr lang="en-US" dirty="0"/>
           </a:p>
         </p:txBody>
       </p:sp>
@@ -17802,7 +17676,7 @@
           </a:bodyPr>
           <a:lstStyle/>
           <a:p>
-            <a:endParaRPr lang="en-US" sz="1100" b="1" kern="900" spc="100" dirty="0" err="1" smtClean="0">
+            <a:endParaRPr lang="en-US" sz="1100" b="1" kern="900" spc="100" dirty="0" err="1">
               <a:solidFill>
                 <a:srgbClr val="000000"/>
               </a:solidFill>
@@ -17860,10 +17734,9 @@
           <a:lstStyle/>
           <a:p>
             <a:r>
-              <a:rPr lang="en-US" dirty="0" smtClean="0"/>
+              <a:rPr lang="en-US" dirty="0"/>
               <a:t>Parity calculation, position searching, polar transform</a:t>
             </a:r>
-            <a:endParaRPr lang="en-US" dirty="0"/>
           </a:p>
         </p:txBody>
       </p:sp>
@@ -17907,10 +17780,9 @@
           <a:lstStyle/>
           <a:p>
             <a:r>
-              <a:rPr lang="en-US" dirty="0" smtClean="0"/>
+              <a:rPr lang="en-US" dirty="0"/>
               <a:t>Decoding RPC and SPC codes</a:t>
             </a:r>
-            <a:endParaRPr lang="en-US" dirty="0"/>
           </a:p>
         </p:txBody>
       </p:sp>
@@ -17940,7 +17812,7 @@
           </a:bodyPr>
           <a:lstStyle/>
           <a:p>
-            <a:endParaRPr lang="en-US" sz="1100" b="1" kern="900" spc="100" dirty="0" err="1" smtClean="0">
+            <a:endParaRPr lang="en-US" sz="1100" b="1" kern="900" spc="100" dirty="0" err="1">
               <a:solidFill>
                 <a:srgbClr val="000000"/>
               </a:solidFill>
@@ -18051,10 +17923,9 @@
           <a:lstStyle/>
           <a:p>
             <a:r>
-              <a:rPr lang="en-US" dirty="0" smtClean="0"/>
+              <a:rPr lang="en-US" dirty="0"/>
               <a:t>Block wise addition for RPC</a:t>
             </a:r>
-            <a:endParaRPr lang="en-US" dirty="0"/>
           </a:p>
         </p:txBody>
       </p:sp>
@@ -18084,7 +17955,7 @@
           </a:bodyPr>
           <a:lstStyle/>
           <a:p>
-            <a:endParaRPr lang="en-US" sz="1100" b="1" kern="900" spc="100" dirty="0" err="1" smtClean="0">
+            <a:endParaRPr lang="en-US" sz="1100" b="1" kern="900" spc="100" dirty="0" err="1">
               <a:solidFill>
                 <a:srgbClr val="000000"/>
               </a:solidFill>
@@ -18146,7 +18017,7 @@
               <a:buChar char="•"/>
             </a:pPr>
             <a:r>
-              <a:rPr lang="en-US" dirty="0" smtClean="0"/>
+              <a:rPr lang="en-US" dirty="0"/>
               <a:t>Recursive formulation is advantageous for hardware implementation. However in software recursive function calling huge overhead.</a:t>
             </a:r>
           </a:p>
@@ -18156,7 +18027,7 @@
               <a:buChar char="•"/>
             </a:pPr>
             <a:r>
-              <a:rPr lang="en-US" dirty="0" smtClean="0"/>
+              <a:rPr lang="en-US" dirty="0"/>
               <a:t>To overcome this overhead decoder implementation is unrolled using templates concept of C++.</a:t>
             </a:r>
           </a:p>
@@ -18166,7 +18037,7 @@
               <a:buChar char="•"/>
             </a:pPr>
             <a:r>
-              <a:rPr lang="en-US" dirty="0" smtClean="0"/>
+              <a:rPr lang="en-US" dirty="0"/>
               <a:t>With templates compiler automatically generates the code for different vector sizes.</a:t>
             </a:r>
           </a:p>
@@ -18176,10 +18047,9 @@
               <a:buChar char="•"/>
             </a:pPr>
             <a:r>
-              <a:rPr lang="en-US" dirty="0" smtClean="0"/>
+              <a:rPr lang="en-US" dirty="0"/>
               <a:t>One can also explicitly specialize functions if different logic needs to be implemented for particular vector size.</a:t>
             </a:r>
-            <a:endParaRPr lang="en-US" dirty="0"/>
           </a:p>
         </p:txBody>
       </p:sp>
@@ -18223,10 +18093,9 @@
           <a:lstStyle/>
           <a:p>
             <a:r>
-              <a:rPr lang="en-US" dirty="0" smtClean="0"/>
+              <a:rPr lang="en-US" dirty="0"/>
               <a:t>Unrolling the decoder</a:t>
             </a:r>
-            <a:endParaRPr lang="en-US" dirty="0"/>
           </a:p>
         </p:txBody>
       </p:sp>
@@ -18256,7 +18125,7 @@
           </a:bodyPr>
           <a:lstStyle/>
           <a:p>
-            <a:endParaRPr lang="en-US" sz="1100" b="1" kern="900" spc="100" dirty="0" err="1" smtClean="0">
+            <a:endParaRPr lang="en-US" sz="1100" b="1" kern="900" spc="100" dirty="0" err="1">
               <a:solidFill>
                 <a:srgbClr val="000000"/>
               </a:solidFill>
@@ -18387,10 +18256,9 @@
           <a:lstStyle/>
           <a:p>
             <a:r>
-              <a:rPr lang="en-US" dirty="0" smtClean="0"/>
+              <a:rPr lang="en-US" dirty="0"/>
               <a:t>Cache prefetching</a:t>
             </a:r>
-            <a:endParaRPr lang="en-US" dirty="0"/>
           </a:p>
         </p:txBody>
       </p:sp>
@@ -18420,7 +18288,7 @@
           </a:bodyPr>
           <a:lstStyle/>
           <a:p>
-            <a:endParaRPr lang="en-US" sz="1100" b="1" kern="900" spc="100" dirty="0" err="1" smtClean="0">
+            <a:endParaRPr lang="en-US" sz="1100" b="1" kern="900" spc="100" dirty="0" err="1">
               <a:solidFill>
                 <a:srgbClr val="000000"/>
               </a:solidFill>
@@ -18483,15 +18351,7 @@
             </a:pPr>
             <a:r>
               <a:rPr lang="en-US" sz="1800" dirty="0"/>
-              <a:t>Traditionally FEC chains are developed in hardware </a:t>
-            </a:r>
-            <a:r>
-              <a:rPr lang="en-US" sz="1800" dirty="0" smtClean="0"/>
-              <a:t>i.e. </a:t>
-            </a:r>
-            <a:r>
-              <a:rPr lang="en-US" sz="1800" dirty="0"/>
-              <a:t>FPGA’s or ASIC’s to achieve low latency and high throughput.</a:t>
+              <a:t>Traditionally FEC chains are developed in hardware i.e. FPGA’s or ASIC’s to achieve low latency and high throughput.</a:t>
             </a:r>
           </a:p>
           <a:p>
@@ -18521,15 +18381,7 @@
             </a:pPr>
             <a:r>
               <a:rPr lang="en-US" sz="1800" dirty="0"/>
-              <a:t>Software implementations </a:t>
-            </a:r>
-            <a:r>
-              <a:rPr lang="en-US" sz="1800" dirty="0" smtClean="0"/>
-              <a:t>require less development and maintenance effort and provide flexibility </a:t>
-            </a:r>
-            <a:r>
-              <a:rPr lang="en-US" sz="1800" dirty="0"/>
-              <a:t>and ease of maintenance to device manufacturer.</a:t>
+              <a:t>Software implementations require less development and maintenance effort and provide flexibility and ease of maintenance to device manufacturer.</a:t>
             </a:r>
           </a:p>
           <a:p>
@@ -18630,7 +18482,7 @@
           </a:bodyPr>
           <a:lstStyle/>
           <a:p>
-            <a:endParaRPr lang="en-US" sz="1100" b="1" kern="900" spc="100" dirty="0" err="1" smtClean="0">
+            <a:endParaRPr lang="en-US" sz="1100" b="1" kern="900" spc="100" dirty="0" err="1">
               <a:solidFill>
                 <a:srgbClr val="000000"/>
               </a:solidFill>
@@ -18735,10 +18587,9 @@
           <a:lstStyle/>
           <a:p>
             <a:r>
-              <a:rPr lang="en-US" dirty="0" smtClean="0"/>
+              <a:rPr lang="en-US" dirty="0"/>
               <a:t>Decoder tree pruning</a:t>
             </a:r>
-            <a:endParaRPr lang="en-US" dirty="0"/>
           </a:p>
         </p:txBody>
       </p:sp>
@@ -18768,7 +18619,7 @@
           </a:bodyPr>
           <a:lstStyle/>
           <a:p>
-            <a:endParaRPr lang="en-US" sz="1100" b="1" kern="900" spc="100" dirty="0" err="1" smtClean="0">
+            <a:endParaRPr lang="en-US" sz="1100" b="1" kern="900" spc="100" dirty="0" err="1">
               <a:solidFill>
                 <a:srgbClr val="000000"/>
               </a:solidFill>
@@ -18830,18 +18681,18 @@
               <a:buChar char="•"/>
             </a:pPr>
             <a:r>
-              <a:rPr lang="en-US" dirty="0" smtClean="0"/>
+              <a:rPr lang="en-US" dirty="0"/>
               <a:t>PBCH and PDCCH channel need to calculate </a:t>
             </a:r>
             <a:r>
-              <a:rPr lang="en-US" i="1" dirty="0" smtClean="0"/>
+              <a:rPr lang="en-US" i="1" dirty="0"/>
               <a:t>CRC24 </a:t>
             </a:r>
             <a:r>
-              <a:rPr lang="en-US" dirty="0" smtClean="0"/>
+              <a:rPr lang="en-US" dirty="0"/>
               <a:t>for downlink control information transmission.</a:t>
             </a:r>
-            <a:endParaRPr lang="en-US" i="1" dirty="0" smtClean="0"/>
+            <a:endParaRPr lang="en-US" i="1" dirty="0"/>
           </a:p>
           <a:p>
             <a:pPr marL="285750" indent="-285750">
@@ -18849,23 +18700,23 @@
               <a:buChar char="•"/>
             </a:pPr>
             <a:r>
-              <a:rPr lang="en-US" dirty="0" smtClean="0"/>
+              <a:rPr lang="en-US" dirty="0"/>
               <a:t>PUCCH and PUSCH channel need calculate </a:t>
             </a:r>
             <a:r>
-              <a:rPr lang="en-US" i="1" dirty="0" smtClean="0"/>
+              <a:rPr lang="en-US" i="1" dirty="0"/>
               <a:t>CRC6</a:t>
             </a:r>
             <a:r>
-              <a:rPr lang="en-US" dirty="0" smtClean="0"/>
+              <a:rPr lang="en-US" dirty="0"/>
               <a:t> or </a:t>
             </a:r>
             <a:r>
-              <a:rPr lang="en-US" i="1" dirty="0" smtClean="0"/>
+              <a:rPr lang="en-US" i="1" dirty="0"/>
               <a:t>CRC11 </a:t>
             </a:r>
             <a:r>
-              <a:rPr lang="en-US" dirty="0" smtClean="0"/>
+              <a:rPr lang="en-US" dirty="0"/>
               <a:t>for CRC check.</a:t>
             </a:r>
           </a:p>
@@ -18875,7 +18726,7 @@
               <a:buChar char="•"/>
             </a:pPr>
             <a:r>
-              <a:rPr lang="en-US" dirty="0" smtClean="0"/>
+              <a:rPr lang="en-US" dirty="0"/>
               <a:t>CRC calculation is one of the significant latency contributor to both in encoding and decoding FEC chains.</a:t>
             </a:r>
           </a:p>
@@ -18885,12 +18736,8 @@
               <a:buChar char="•"/>
             </a:pPr>
             <a:r>
-              <a:rPr lang="en-US" dirty="0" smtClean="0"/>
-              <a:t>Extended </a:t>
-            </a:r>
-            <a:r>
               <a:rPr lang="en-US" dirty="0"/>
-              <a:t>popular CRC algorithm</a:t>
+              <a:t>Extended popular CRC algorithm</a:t>
             </a:r>
             <a:r>
               <a:rPr lang="en-US" baseline="30000" dirty="0"/>
@@ -18898,11 +18745,7 @@
             </a:r>
             <a:r>
               <a:rPr lang="en-US" dirty="0"/>
-              <a:t> to calculate </a:t>
-            </a:r>
-            <a:r>
-              <a:rPr lang="en-US" dirty="0" smtClean="0"/>
-              <a:t>CRC24, CRC6 and CRC11 .</a:t>
+              <a:t> to calculate CRC24, CRC6 and CRC11 .</a:t>
             </a:r>
           </a:p>
           <a:p>
@@ -18911,12 +18754,8 @@
               <a:buChar char="•"/>
             </a:pPr>
             <a:r>
-              <a:rPr lang="en-US" dirty="0" smtClean="0"/>
-              <a:t>In this algorithm group </a:t>
-            </a:r>
-            <a:r>
               <a:rPr lang="en-US" dirty="0"/>
-              <a:t>of 8 bits are processed in parallel rather than bit by bit, Reduced CRC calculation latency from 8 </a:t>
+              <a:t>In this algorithm group of 8 bits are processed in parallel rather than bit by bit, Reduced CRC calculation latency from 8 </a:t>
             </a:r>
             <a:r>
               <a:rPr lang="el-GR" dirty="0"/>
@@ -18980,10 +18819,9 @@
           <a:lstStyle/>
           <a:p>
             <a:r>
-              <a:rPr lang="en-US" dirty="0" smtClean="0"/>
+              <a:rPr lang="en-US" dirty="0"/>
               <a:t>CRC calculation</a:t>
             </a:r>
-            <a:endParaRPr lang="en-US" dirty="0"/>
           </a:p>
         </p:txBody>
       </p:sp>
@@ -19063,7 +18901,7 @@
           </a:bodyPr>
           <a:lstStyle/>
           <a:p>
-            <a:endParaRPr lang="en-US" sz="1100" b="1" kern="900" spc="100" dirty="0" err="1" smtClean="0">
+            <a:endParaRPr lang="en-US" sz="1100" b="1" kern="900" spc="100" dirty="0" err="1">
               <a:solidFill>
                 <a:srgbClr val="000000"/>
               </a:solidFill>
@@ -19105,8 +18943,8 @@
           <a:chExt cx="0" cy="0"/>
         </a:xfrm>
       </p:grpSpPr>
-      <mc:AlternateContent xmlns:mc="http://schemas.openxmlformats.org/markup-compatibility/2006">
-        <mc:Choice xmlns:a14="http://schemas.microsoft.com/office/drawing/2010/main" Requires="a14">
+      <mc:AlternateContent xmlns:mc="http://schemas.openxmlformats.org/markup-compatibility/2006" xmlns:a14="http://schemas.microsoft.com/office/drawing/2010/main">
+        <mc:Choice Requires="a14">
           <p:sp>
             <p:nvSpPr>
               <p:cNvPr id="2" name="Content Placeholder 1"/>
@@ -19231,7 +19069,7 @@
             </p:txBody>
           </p:sp>
         </mc:Choice>
-        <mc:Fallback>
+        <mc:Fallback xmlns="">
           <p:sp>
             <p:nvSpPr>
               <p:cNvPr id="2" name="Content Placeholder 1"/>
@@ -19350,7 +19188,7 @@
           </a:bodyPr>
           <a:lstStyle/>
           <a:p>
-            <a:endParaRPr lang="en-US" sz="1100" b="1" kern="900" spc="100" dirty="0" err="1" smtClean="0">
+            <a:endParaRPr lang="en-US" sz="1100" b="1" kern="900" spc="100" dirty="0" err="1">
               <a:solidFill>
                 <a:srgbClr val="000000"/>
               </a:solidFill>
@@ -19392,8 +19230,8 @@
           <a:chExt cx="0" cy="0"/>
         </a:xfrm>
       </p:grpSpPr>
-      <mc:AlternateContent xmlns:mc="http://schemas.openxmlformats.org/markup-compatibility/2006">
-        <mc:Choice xmlns:a14="http://schemas.microsoft.com/office/drawing/2010/main" Requires="a14">
+      <mc:AlternateContent xmlns:mc="http://schemas.openxmlformats.org/markup-compatibility/2006" xmlns:a14="http://schemas.microsoft.com/office/drawing/2010/main">
+        <mc:Choice Requires="a14">
           <p:sp>
             <p:nvSpPr>
               <p:cNvPr id="2" name="Content Placeholder 1"/>
@@ -19416,15 +19254,7 @@
               <a:p>
                 <a:r>
                   <a:rPr lang="en-US" dirty="0"/>
-                  <a:t>Comparison with </a:t>
-                </a:r>
-                <a:r>
-                  <a:rPr lang="en-US" dirty="0" smtClean="0"/>
-                  <a:t>state of the art polar decoder software </a:t>
-                </a:r>
-                <a:r>
-                  <a:rPr lang="en-US" dirty="0"/>
-                  <a:t>implementation (in AMD EPYC processor at 1.6ghz) </a:t>
+                  <a:t>Comparison with state of the art polar decoder software implementation (in AMD EPYC processor at 1.6ghz) </a:t>
                 </a:r>
                 <a14:m>
                   <m:oMath xmlns:m="http://schemas.openxmlformats.org/officeDocument/2006/math">
@@ -19461,18 +19291,14 @@
               </a:p>
               <a:p>
                 <a:r>
-                  <a:rPr lang="en-US" b="1" dirty="0" smtClean="0"/>
-                  <a:t>Overall PUCCH </a:t>
-                </a:r>
-                <a:r>
                   <a:rPr lang="en-US" b="1" dirty="0"/>
-                  <a:t>FEC chain:</a:t>
+                  <a:t>Overall PUCCH FEC chain:</a:t>
                 </a:r>
               </a:p>
             </p:txBody>
           </p:sp>
         </mc:Choice>
-        <mc:Fallback>
+        <mc:Fallback xmlns="">
           <p:sp>
             <p:nvSpPr>
               <p:cNvPr id="2" name="Content Placeholder 1"/>
@@ -19555,18 +19381,13 @@
           <a:lstStyle/>
           <a:p>
             <a:r>
-              <a:rPr lang="en-US" dirty="0" smtClean="0">
+              <a:rPr lang="en-US" dirty="0">
                 <a:solidFill>
                   <a:schemeClr val="bg2"/>
                 </a:solidFill>
               </a:rPr>
               <a:t>Results: Decoding</a:t>
             </a:r>
-            <a:endParaRPr lang="en-US" dirty="0">
-              <a:solidFill>
-                <a:schemeClr val="bg2"/>
-              </a:solidFill>
-            </a:endParaRPr>
           </a:p>
         </p:txBody>
       </p:sp>
@@ -19762,11 +19583,11 @@
                     <a:p>
                       <a:pPr algn="ctr"/>
                       <a:r>
-                        <a:rPr lang="en-US" sz="1700" baseline="0" dirty="0" smtClean="0"/>
+                        <a:rPr lang="en-US" sz="1700" baseline="0" dirty="0"/>
                         <a:t>391</a:t>
                       </a:r>
                       <a:r>
-                        <a:rPr lang="en-US" sz="1800" dirty="0" smtClean="0"/>
+                        <a:rPr lang="en-US" sz="1800" dirty="0"/>
                         <a:t> </a:t>
                       </a:r>
                       <a:r>
@@ -19825,11 +19646,11 @@
                     <a:p>
                       <a:pPr algn="ctr"/>
                       <a:r>
-                        <a:rPr lang="en-US" sz="1700" baseline="0" dirty="0" smtClean="0"/>
+                        <a:rPr lang="en-US" sz="1700" baseline="0" dirty="0"/>
                         <a:t>40</a:t>
                       </a:r>
                       <a:r>
-                        <a:rPr lang="en-US" sz="1800" dirty="0" smtClean="0"/>
+                        <a:rPr lang="en-US" sz="1800" dirty="0"/>
                         <a:t> </a:t>
                       </a:r>
                       <a:r>
@@ -19985,31 +19806,7 @@
                   <a:srgbClr val="000000"/>
                 </a:solidFill>
               </a:rPr>
-              <a:t>, and W. J. Gross, “Low-latency </a:t>
-            </a:r>
-            <a:r>
-              <a:rPr lang="en-US" dirty="0" smtClean="0">
-                <a:solidFill>
-                  <a:srgbClr val="000000"/>
-                </a:solidFill>
-              </a:rPr>
-              <a:t>software polar </a:t>
-            </a:r>
-            <a:r>
-              <a:rPr lang="en-US" dirty="0">
-                <a:solidFill>
-                  <a:srgbClr val="000000"/>
-                </a:solidFill>
-              </a:rPr>
-              <a:t>decoders,” J. Signal Process. Syst., vol. 90, pp. 761–775, May 2018</a:t>
-            </a:r>
-            <a:r>
-              <a:rPr lang="en-US" dirty="0" smtClean="0">
-                <a:solidFill>
-                  <a:srgbClr val="000000"/>
-                </a:solidFill>
-              </a:rPr>
-              <a:t>.</a:t>
+              <a:t>, and W. J. Gross, “Low-latency software polar decoders,” J. Signal Process. Syst., vol. 90, pp. 761–775, May 2018.</a:t>
             </a:r>
           </a:p>
         </p:txBody>
@@ -20078,7 +19875,7 @@
                         <a:defRPr/>
                       </a:pPr>
                       <a:r>
-                        <a:rPr lang="en-US" sz="1700" b="0" kern="1200" baseline="0" dirty="0" smtClean="0">
+                        <a:rPr lang="en-US" sz="1700" b="0" kern="1200" baseline="0" dirty="0">
                           <a:solidFill>
                             <a:schemeClr val="tx1"/>
                           </a:solidFill>
@@ -20088,14 +19885,6 @@
                         </a:rPr>
                         <a:t>[1]</a:t>
                       </a:r>
-                      <a:endParaRPr lang="en-US" sz="1700" b="0" kern="1200" baseline="0" dirty="0">
-                        <a:solidFill>
-                          <a:schemeClr val="tx1"/>
-                        </a:solidFill>
-                        <a:latin typeface="+mn-lt"/>
-                        <a:ea typeface="+mn-ea"/>
-                        <a:cs typeface="+mn-cs"/>
-                      </a:endParaRPr>
                     </a:p>
                   </a:txBody>
                   <a:tcPr>
@@ -20166,7 +19955,7 @@
                         <a:defRPr/>
                       </a:pPr>
                       <a:r>
-                        <a:rPr lang="en-US" sz="1700" kern="1200" baseline="0" dirty="0" smtClean="0">
+                        <a:rPr lang="en-US" sz="1700" kern="1200" baseline="0" dirty="0">
                           <a:solidFill>
                             <a:schemeClr val="tx1"/>
                           </a:solidFill>
@@ -20176,14 +19965,6 @@
                         </a:rPr>
                         <a:t>This work</a:t>
                       </a:r>
-                      <a:endParaRPr lang="en-US" sz="1700" kern="1200" baseline="0" dirty="0">
-                        <a:solidFill>
-                          <a:schemeClr val="tx1"/>
-                        </a:solidFill>
-                        <a:latin typeface="+mn-lt"/>
-                        <a:ea typeface="+mn-ea"/>
-                        <a:cs typeface="+mn-cs"/>
-                      </a:endParaRPr>
                     </a:p>
                   </a:txBody>
                   <a:tcPr>
@@ -20245,7 +20026,7 @@
                     <a:p>
                       <a:pPr algn="ctr"/>
                       <a:r>
-                        <a:rPr lang="en-US" sz="1600" dirty="0" smtClean="0"/>
+                        <a:rPr lang="en-US" sz="1600" dirty="0"/>
                         <a:t>8 </a:t>
                       </a:r>
                       <a:r>
@@ -20304,7 +20085,7 @@
                     <a:p>
                       <a:pPr algn="ctr"/>
                       <a:r>
-                        <a:rPr lang="en-US" sz="1600" dirty="0" smtClean="0"/>
+                        <a:rPr lang="en-US" sz="1600" dirty="0"/>
                         <a:t>5 </a:t>
                       </a:r>
                       <a:r>
@@ -20392,7 +20173,7 @@
           </a:bodyPr>
           <a:lstStyle/>
           <a:p>
-            <a:endParaRPr lang="en-US" sz="1100" b="1" kern="900" spc="100" dirty="0" err="1" smtClean="0">
+            <a:endParaRPr lang="en-US" sz="1100" b="1" kern="900" spc="100" dirty="0" err="1">
               <a:solidFill>
                 <a:srgbClr val="000000"/>
               </a:solidFill>
@@ -20453,7 +20234,7 @@
               <a:buFont typeface="Arial" panose="020B0604020202020204" pitchFamily="34" charset="0"/>
               <a:buChar char="•"/>
             </a:pPr>
-            <a:endParaRPr lang="en-US" dirty="0" smtClean="0"/>
+            <a:endParaRPr lang="en-US" dirty="0"/>
           </a:p>
           <a:p>
             <a:pPr marL="285750" indent="-285750">
@@ -20461,7 +20242,7 @@
               <a:buChar char="•"/>
             </a:pPr>
             <a:r>
-              <a:rPr lang="en-US" dirty="0" smtClean="0"/>
+              <a:rPr lang="en-US" dirty="0"/>
               <a:t>Both encoding and decoding FEC chains are efficiently implemented through both algorithmic and software optimizations</a:t>
             </a:r>
           </a:p>
@@ -20471,7 +20252,7 @@
               <a:buChar char="•"/>
             </a:pPr>
             <a:r>
-              <a:rPr lang="en-US" dirty="0" smtClean="0"/>
+              <a:rPr lang="en-US" dirty="0"/>
               <a:t>Optimized implementation exploits the features provided by modern processors such SIMD, Cache prefetching et cetera.</a:t>
             </a:r>
           </a:p>
@@ -20488,18 +20269,9 @@
               <a:buChar char="•"/>
             </a:pPr>
             <a:r>
-              <a:rPr lang="en-US" dirty="0" smtClean="0"/>
-              <a:t>This work achieved latency requirements </a:t>
-            </a:r>
-            <a:r>
               <a:rPr lang="en-US" dirty="0"/>
-              <a:t>encoding and decoding FEC </a:t>
-            </a:r>
-            <a:r>
-              <a:rPr lang="en-US" dirty="0" smtClean="0"/>
-              <a:t>chains of 5G through software implementation.</a:t>
-            </a:r>
-            <a:endParaRPr lang="en-US" dirty="0"/>
+              <a:t>This work achieved latency requirements encoding and decoding FEC chains of 5G through software implementation.</a:t>
+            </a:r>
           </a:p>
           <a:p>
             <a:pPr marL="285750" indent="-285750">
@@ -20507,10 +20279,9 @@
               <a:buChar char="•"/>
             </a:pPr>
             <a:r>
-              <a:rPr lang="en-US" dirty="0" smtClean="0"/>
+              <a:rPr lang="en-US" dirty="0"/>
               <a:t>Efficient implementation and optimization reduced the latency by 10x.</a:t>
             </a:r>
-            <a:endParaRPr lang="en-US" dirty="0"/>
           </a:p>
           <a:p>
             <a:pPr marL="285750" indent="-285750">
@@ -20571,18 +20342,13 @@
           <a:lstStyle/>
           <a:p>
             <a:r>
-              <a:rPr lang="en-US" dirty="0" smtClean="0">
+              <a:rPr lang="en-US" dirty="0">
                 <a:solidFill>
                   <a:schemeClr val="bg2"/>
                 </a:solidFill>
               </a:rPr>
               <a:t>Conclusion</a:t>
             </a:r>
-            <a:endParaRPr lang="en-US" dirty="0">
-              <a:solidFill>
-                <a:schemeClr val="bg2"/>
-              </a:solidFill>
-            </a:endParaRPr>
           </a:p>
         </p:txBody>
       </p:sp>
@@ -20612,7 +20378,7 @@
           </a:bodyPr>
           <a:lstStyle/>
           <a:p>
-            <a:endParaRPr lang="en-US" sz="1100" b="1" kern="900" spc="100" dirty="0" err="1" smtClean="0">
+            <a:endParaRPr lang="en-US" sz="1100" b="1" kern="900" spc="100" dirty="0" err="1">
               <a:solidFill>
                 <a:srgbClr val="000000"/>
               </a:solidFill>
@@ -20674,15 +20440,15 @@
               <a:buChar char="•"/>
             </a:pPr>
             <a:r>
-              <a:rPr lang="en-US" dirty="0" smtClean="0"/>
+              <a:rPr lang="en-US" dirty="0"/>
               <a:t>As part of this work another decoding algorithm, CRC aided Successive Cancellation List (</a:t>
             </a:r>
             <a:r>
-              <a:rPr lang="en-US" i="1" dirty="0" smtClean="0"/>
+              <a:rPr lang="en-US" i="1" dirty="0"/>
               <a:t>CA-SCL</a:t>
             </a:r>
             <a:r>
-              <a:rPr lang="en-US" dirty="0" smtClean="0"/>
+              <a:rPr lang="en-US" dirty="0"/>
               <a:t>) algorithm is also implemented. However it is not optimized.</a:t>
             </a:r>
           </a:p>
@@ -20692,28 +20458,20 @@
               <a:buChar char="•"/>
             </a:pPr>
             <a:r>
-              <a:rPr lang="en-US" i="1" dirty="0" smtClean="0"/>
+              <a:rPr lang="en-US" i="1" dirty="0"/>
               <a:t>CA-SCL </a:t>
             </a:r>
             <a:r>
-              <a:rPr lang="en-US" dirty="0" smtClean="0"/>
+              <a:rPr lang="en-US" dirty="0"/>
               <a:t>algorithm has approximately 1.5dB gain over </a:t>
             </a:r>
             <a:r>
-              <a:rPr lang="en-US" i="1" dirty="0" smtClean="0"/>
+              <a:rPr lang="en-US" i="1" dirty="0"/>
               <a:t>fast-SSC </a:t>
             </a:r>
             <a:r>
-              <a:rPr lang="en-US" dirty="0" smtClean="0"/>
-              <a:t>algorithm </a:t>
-            </a:r>
-            <a:r>
               <a:rPr lang="en-US" dirty="0"/>
-              <a:t>for N = 2048 and list size of </a:t>
-            </a:r>
-            <a:r>
-              <a:rPr lang="en-US" dirty="0" smtClean="0"/>
-              <a:t>8.</a:t>
+              <a:t>algorithm for N = 2048 and list size of 8.</a:t>
             </a:r>
             <a:endParaRPr lang="en-US" i="1" dirty="0"/>
           </a:p>
@@ -20723,15 +20481,15 @@
               <a:buChar char="•"/>
             </a:pPr>
             <a:r>
-              <a:rPr lang="en-US" dirty="0" smtClean="0"/>
+              <a:rPr lang="en-US" dirty="0"/>
               <a:t>Ideal continuation of this work would be to extend decoding FEC chain by incorporating </a:t>
             </a:r>
             <a:r>
-              <a:rPr lang="en-US" i="1" dirty="0" smtClean="0"/>
+              <a:rPr lang="en-US" i="1" dirty="0"/>
               <a:t>CA-SCL</a:t>
             </a:r>
             <a:r>
-              <a:rPr lang="en-US" dirty="0" smtClean="0"/>
+              <a:rPr lang="en-US" dirty="0"/>
               <a:t>.</a:t>
             </a:r>
           </a:p>
@@ -20748,34 +20506,33 @@
               <a:buChar char="•"/>
             </a:pPr>
             <a:r>
-              <a:rPr lang="en-US" dirty="0" smtClean="0"/>
+              <a:rPr lang="en-US" dirty="0"/>
               <a:t>It would be interesting to see latency values of </a:t>
             </a:r>
             <a:r>
-              <a:rPr lang="en-US" i="1" dirty="0" smtClean="0"/>
+              <a:rPr lang="en-US" i="1" dirty="0"/>
               <a:t>CA-SCL </a:t>
             </a:r>
             <a:r>
-              <a:rPr lang="en-US" dirty="0" smtClean="0"/>
+              <a:rPr lang="en-US" dirty="0"/>
               <a:t>which has expensive </a:t>
             </a:r>
             <a:r>
-              <a:rPr lang="en-US" i="1" dirty="0" smtClean="0"/>
+              <a:rPr lang="en-US" i="1" dirty="0"/>
               <a:t>sort</a:t>
             </a:r>
             <a:r>
-              <a:rPr lang="en-US" dirty="0" smtClean="0"/>
+              <a:rPr lang="en-US" dirty="0"/>
               <a:t> and </a:t>
             </a:r>
             <a:r>
-              <a:rPr lang="en-US" i="1" dirty="0" smtClean="0"/>
+              <a:rPr lang="en-US" i="1" dirty="0"/>
               <a:t>copying</a:t>
             </a:r>
             <a:r>
-              <a:rPr lang="en-US" dirty="0" smtClean="0"/>
+              <a:rPr lang="en-US" dirty="0"/>
               <a:t> operations.</a:t>
             </a:r>
-            <a:endParaRPr lang="en-US" dirty="0"/>
           </a:p>
           <a:p>
             <a:endParaRPr lang="en-US" dirty="0"/>
@@ -20822,18 +20579,13 @@
           <a:lstStyle/>
           <a:p>
             <a:r>
-              <a:rPr lang="en-US" dirty="0" smtClean="0">
+              <a:rPr lang="en-US" dirty="0">
                 <a:solidFill>
                   <a:schemeClr val="bg2"/>
                 </a:solidFill>
               </a:rPr>
               <a:t>Outlook</a:t>
             </a:r>
-            <a:endParaRPr lang="en-US" dirty="0">
-              <a:solidFill>
-                <a:schemeClr val="bg2"/>
-              </a:solidFill>
-            </a:endParaRPr>
           </a:p>
         </p:txBody>
       </p:sp>
@@ -20863,7 +20615,7 @@
           </a:bodyPr>
           <a:lstStyle/>
           <a:p>
-            <a:endParaRPr lang="en-US" sz="1100" b="1" kern="900" spc="100" dirty="0" err="1" smtClean="0">
+            <a:endParaRPr lang="en-US" sz="1100" b="1" kern="900" spc="100" dirty="0" err="1">
               <a:solidFill>
                 <a:srgbClr val="000000"/>
               </a:solidFill>
@@ -21048,7 +20800,7 @@
           </a:bodyPr>
           <a:lstStyle/>
           <a:p>
-            <a:endParaRPr lang="en-US" sz="1100" b="1" kern="900" spc="100" dirty="0" err="1" smtClean="0">
+            <a:endParaRPr lang="en-US" sz="1100" b="1" kern="900" spc="100" dirty="0" err="1">
               <a:solidFill>
                 <a:srgbClr val="000000"/>
               </a:solidFill>
@@ -21317,7 +21069,7 @@
           <a:lstStyle/>
           <a:p>
             <a:r>
-              <a:rPr sz="3000" dirty="0" smtClean="0">
+              <a:rPr sz="3000" dirty="0">
                 <a:solidFill>
                   <a:schemeClr val="bg2"/>
                 </a:solidFill>
@@ -21325,7 +21077,7 @@
               <a:t>Background:  Polar </a:t>
             </a:r>
             <a:r>
-              <a:rPr sz="3000" dirty="0" err="1" smtClean="0">
+              <a:rPr sz="3000" dirty="0" err="1">
                 <a:solidFill>
                   <a:schemeClr val="bg2"/>
                 </a:solidFill>
@@ -21587,7 +21339,7 @@
           </a:bodyPr>
           <a:lstStyle/>
           <a:p>
-            <a:endParaRPr lang="en-US" sz="1100" b="1" kern="900" spc="100" dirty="0" err="1" smtClean="0">
+            <a:endParaRPr lang="en-US" sz="1100" b="1" kern="900" spc="100" dirty="0" err="1">
               <a:solidFill>
                 <a:srgbClr val="000000"/>
               </a:solidFill>
@@ -21604,13 +21356,6 @@
   <p:clrMapOvr>
     <a:masterClrMapping/>
   </p:clrMapOvr>
-  <p:timing>
-    <p:tnLst>
-      <p:par>
-        <p:cTn id="1" dur="indefinite" restart="never" nodeType="tmRoot"/>
-      </p:par>
-    </p:tnLst>
-  </p:timing>
 </p:sld>
 </file>
 
@@ -21778,7 +21523,7 @@
                   </m:oMath>
                 </a14:m>
                 <a:r>
-                  <a:rPr lang="en-IN" dirty="0" smtClean="0"/>
+                  <a:rPr lang="en-IN" dirty="0"/>
                   <a:t>.</a:t>
                 </a:r>
               </a:p>
@@ -21788,14 +21533,13 @@
                   <a:buChar char="•"/>
                 </a:pPr>
                 <a:r>
-                  <a:rPr lang="en-IN" dirty="0" smtClean="0"/>
+                  <a:rPr lang="en-IN" dirty="0"/>
                   <a:t>Each stage contains vector of size 2</a:t>
                 </a:r>
                 <a:r>
-                  <a:rPr lang="en-IN" baseline="30000" dirty="0" smtClean="0"/>
-                  <a:t>N-stage</a:t>
+                  <a:rPr lang="en-IN" baseline="30000" dirty="0"/>
+                  <a:t>(N-stage)</a:t>
                 </a:r>
-                <a:endParaRPr lang="en-IN" baseline="30000" dirty="0"/>
               </a:p>
               <a:p>
                 <a:pPr marL="285750" indent="-285750">
@@ -21803,24 +21547,24 @@
                   <a:buChar char="•"/>
                 </a:pPr>
                 <a:r>
-                  <a:rPr lang="en-US" dirty="0" smtClean="0"/>
+                  <a:rPr lang="en-US" dirty="0"/>
                   <a:t>Encoding introduces correlation between code word bits through </a:t>
                 </a:r>
                 <a:r>
-                  <a:rPr lang="en-US" dirty="0" smtClean="0">
+                  <a:rPr lang="en-US" dirty="0">
                     <a:latin typeface="Simplified Arabic Fixed" panose="02070309020205020404" pitchFamily="49" charset="-78"/>
                     <a:cs typeface="Simplified Arabic Fixed" panose="02070309020205020404" pitchFamily="49" charset="-78"/>
                   </a:rPr>
                   <a:t>XOR </a:t>
                 </a:r>
                 <a:r>
-                  <a:rPr lang="en-US" dirty="0" smtClean="0">
+                  <a:rPr lang="en-US" dirty="0">
                     <a:cs typeface="Simplified Arabic Fixed" panose="02070309020205020404" pitchFamily="49" charset="-78"/>
                   </a:rPr>
                   <a:t>operation</a:t>
                 </a:r>
                 <a:r>
-                  <a:rPr lang="en-US" dirty="0" smtClean="0">
+                  <a:rPr lang="en-US" dirty="0">
                     <a:latin typeface="+mj-lt"/>
                     <a:cs typeface="Simplified Arabic Fixed" panose="02070309020205020404" pitchFamily="49" charset="-78"/>
                   </a:rPr>
@@ -21927,7 +21671,7 @@
           <a:lstStyle/>
           <a:p>
             <a:r>
-              <a:rPr lang="en-US" dirty="0" smtClean="0">
+              <a:rPr lang="en-US" dirty="0">
                 <a:solidFill>
                   <a:schemeClr val="bg2"/>
                 </a:solidFill>
@@ -21964,8 +21708,8 @@
         </p:blipFill>
         <p:spPr>
           <a:xfrm>
-            <a:off x="193754" y="3256981"/>
-            <a:ext cx="8633254" cy="2678749"/>
+            <a:off x="94053" y="3320249"/>
+            <a:ext cx="8972970" cy="2650992"/>
           </a:xfrm>
           <a:prstGeom prst="rect">
             <a:avLst/>
@@ -21998,7 +21742,7 @@
           </a:bodyPr>
           <a:lstStyle/>
           <a:p>
-            <a:endParaRPr lang="en-US" sz="1100" b="1" kern="900" spc="100" dirty="0" err="1" smtClean="0">
+            <a:endParaRPr lang="en-US" sz="1100" b="1" kern="900" spc="100" dirty="0" err="1">
               <a:solidFill>
                 <a:srgbClr val="000000"/>
               </a:solidFill>
@@ -22020,13 +21764,6 @@
   <p:clrMapOvr>
     <a:masterClrMapping/>
   </p:clrMapOvr>
-  <p:timing>
-    <p:tnLst>
-      <p:par>
-        <p:cTn id="1" dur="indefinite" restart="never" nodeType="tmRoot"/>
-      </p:par>
-    </p:tnLst>
-  </p:timing>
 </p:sld>
 </file>
 
@@ -22247,23 +21984,7 @@
                   <a:schemeClr val="bg2"/>
                 </a:solidFill>
               </a:rPr>
-              <a:t>Polar </a:t>
-            </a:r>
-            <a:r>
-              <a:rPr lang="en-US" dirty="0" smtClean="0">
-                <a:solidFill>
-                  <a:schemeClr val="bg2"/>
-                </a:solidFill>
-              </a:rPr>
-              <a:t>code construction in </a:t>
-            </a:r>
-            <a:r>
-              <a:rPr lang="en-US" dirty="0">
-                <a:solidFill>
-                  <a:schemeClr val="bg2"/>
-                </a:solidFill>
-              </a:rPr>
-              <a:t>5G</a:t>
+              <a:t>Polar code construction in 5G</a:t>
             </a:r>
           </a:p>
         </p:txBody>
@@ -22382,7 +22103,7 @@
           </a:bodyPr>
           <a:lstStyle/>
           <a:p>
-            <a:endParaRPr lang="en-US" sz="1100" b="1" kern="900" spc="100" dirty="0" err="1" smtClean="0">
+            <a:endParaRPr lang="en-US" sz="1100" b="1" kern="900" spc="100" dirty="0" err="1">
               <a:solidFill>
                 <a:srgbClr val="000000"/>
               </a:solidFill>
@@ -22404,13 +22125,6 @@
   <p:clrMapOvr>
     <a:masterClrMapping/>
   </p:clrMapOvr>
-  <p:timing>
-    <p:tnLst>
-      <p:par>
-        <p:cTn id="1" dur="indefinite" restart="never" nodeType="tmRoot"/>
-      </p:par>
-    </p:tnLst>
-  </p:timing>
 </p:sld>
 </file>
 
@@ -22450,7 +22164,6 @@
               <a:rPr lang="en-US" dirty="0"/>
               <a:t>In two slides explain polar decoding algorithms, Show decoder as tree diagram and explain fast SSC</a:t>
             </a:r>
-            <a:endParaRPr lang="en-US" dirty="0"/>
           </a:p>
         </p:txBody>
       </p:sp>
@@ -22494,10 +22207,9 @@
           <a:lstStyle/>
           <a:p>
             <a:r>
-              <a:rPr lang="en-US" dirty="0" smtClean="0"/>
+              <a:rPr lang="en-US" dirty="0"/>
               <a:t>Decoding polar codes</a:t>
             </a:r>
-            <a:endParaRPr lang="en-US" dirty="0"/>
           </a:p>
         </p:txBody>
       </p:sp>
@@ -22527,7 +22239,7 @@
           </a:bodyPr>
           <a:lstStyle/>
           <a:p>
-            <a:endParaRPr lang="en-US" sz="1100" b="1" kern="900" spc="100" dirty="0" err="1" smtClean="0">
+            <a:endParaRPr lang="en-US" sz="1100" b="1" kern="900" spc="100" dirty="0" err="1">
               <a:solidFill>
                 <a:srgbClr val="000000"/>
               </a:solidFill>
@@ -22549,13 +22261,6 @@
   <p:clrMapOvr>
     <a:masterClrMapping/>
   </p:clrMapOvr>
-  <p:timing>
-    <p:tnLst>
-      <p:par>
-        <p:cTn id="1" dur="indefinite" restart="never" nodeType="tmRoot"/>
-      </p:par>
-    </p:tnLst>
-  </p:timing>
 </p:sld>
 </file>
 
@@ -22641,7 +22346,7 @@
         </p:nvSpPr>
         <p:spPr>
           <a:xfrm>
-            <a:off x="318009" y="730210"/>
+            <a:off x="318009" y="670387"/>
             <a:ext cx="8508999" cy="410369"/>
           </a:xfrm>
         </p:spPr>
@@ -22650,10 +22355,9 @@
           <a:lstStyle/>
           <a:p>
             <a:r>
-              <a:rPr lang="en-US" dirty="0" smtClean="0"/>
+              <a:rPr lang="en-US" dirty="0"/>
               <a:t>Decoding polar codes</a:t>
             </a:r>
-            <a:endParaRPr lang="en-US" dirty="0"/>
           </a:p>
         </p:txBody>
       </p:sp>
@@ -22685,14 +22389,11 @@
               </a:lnSpc>
             </a:pPr>
             <a:r>
-              <a:rPr lang="en-US" sz="1600" dirty="0" smtClean="0">
+              <a:rPr lang="en-US" sz="1600" dirty="0">
                 <a:latin typeface="+mn-lt"/>
               </a:rPr>
               <a:t>Local decoder with messages</a:t>
             </a:r>
-            <a:endParaRPr lang="en-US" sz="1600" dirty="0" smtClean="0">
-              <a:latin typeface="+mn-lt"/>
-            </a:endParaRPr>
           </a:p>
         </p:txBody>
       </p:sp>
@@ -22752,7 +22453,7 @@
           </a:bodyPr>
           <a:lstStyle/>
           <a:p>
-            <a:endParaRPr lang="en-US" sz="1100" b="1" kern="900" spc="100" dirty="0" err="1" smtClean="0">
+            <a:endParaRPr lang="en-US" sz="1100" b="1" kern="900" spc="100" dirty="0" err="1">
               <a:solidFill>
                 <a:srgbClr val="000000"/>
               </a:solidFill>
@@ -22774,13 +22475,6 @@
   <p:clrMapOvr>
     <a:masterClrMapping/>
   </p:clrMapOvr>
-  <p:timing>
-    <p:tnLst>
-      <p:par>
-        <p:cTn id="1" dur="indefinite" restart="never" nodeType="tmRoot"/>
-      </p:par>
-    </p:tnLst>
-  </p:timing>
 </p:sld>
 </file>
 
@@ -22875,10 +22569,9 @@
           <a:lstStyle/>
           <a:p>
             <a:r>
-              <a:rPr lang="en-US" dirty="0" smtClean="0"/>
+              <a:rPr lang="en-US" dirty="0"/>
               <a:t>Processor architecture: Cache memory</a:t>
             </a:r>
-            <a:endParaRPr lang="en-US" dirty="0"/>
           </a:p>
         </p:txBody>
       </p:sp>
@@ -22908,7 +22601,7 @@
           </a:bodyPr>
           <a:lstStyle/>
           <a:p>
-            <a:endParaRPr lang="en-US" sz="1100" b="1" kern="900" spc="100" dirty="0" err="1" smtClean="0">
+            <a:endParaRPr lang="en-US" sz="1100" b="1" kern="900" spc="100" dirty="0" err="1">
               <a:solidFill>
                 <a:srgbClr val="000000"/>
               </a:solidFill>

--- a/final_presentation/finalPpt.pptx
+++ b/final_presentation/finalPpt.pptx
@@ -8574,7 +8574,7 @@
       </p:sp>
       <p:sp>
         <p:nvSpPr>
-          <p:cNvPr id="382" name="RS_Classification_Standard"/>
+          <p:cNvPr id="454" name="RS_Classification_Standard"/>
           <p:cNvSpPr txBox="1"/>
           <p:nvPr/>
         </p:nvSpPr>
@@ -8647,15 +8647,147 @@
           <a:chExt cx="0" cy="0"/>
         </a:xfrm>
       </p:grpSpPr>
-      <p:pic>
-        <p:nvPicPr>
-          <p:cNvPr id="38" name="Content Placeholder 37"/>
-          <p:cNvPicPr>
-            <a:picLocks noGrp="1" noChangeAspect="1"/>
-          </p:cNvPicPr>
+      <p:sp>
+        <p:nvSpPr>
+          <p:cNvPr id="3" name="Slide Number Placeholder 2"/>
+          <p:cNvSpPr>
+            <a:spLocks noGrp="1"/>
+          </p:cNvSpPr>
+          <p:nvPr>
+            <p:ph type="sldNum" sz="quarter" idx="11"/>
+          </p:nvPr>
+        </p:nvSpPr>
+        <p:spPr/>
+        <p:txBody>
+          <a:bodyPr/>
+          <a:lstStyle/>
+          <a:p>
+            <a:fld id="{CE58CB1E-F828-4F11-99E0-327109AF9DA4}" type="slidenum">
+              <a:rPr lang="de-DE" smtClean="0"/>
+              <a:pPr/>
+              <a:t>10</a:t>
+            </a:fld>
+            <a:endParaRPr lang="de-DE" dirty="0"/>
+          </a:p>
+        </p:txBody>
+      </p:sp>
+      <p:sp>
+        <p:nvSpPr>
+          <p:cNvPr id="4" name="Title 3"/>
+          <p:cNvSpPr>
+            <a:spLocks noGrp="1"/>
+          </p:cNvSpPr>
+          <p:nvPr>
+            <p:ph type="title"/>
+          </p:nvPr>
+        </p:nvSpPr>
+        <p:spPr>
+          <a:xfrm>
+            <a:off x="318009" y="731281"/>
+            <a:ext cx="8508999" cy="410369"/>
+          </a:xfrm>
+        </p:spPr>
+        <p:txBody>
+          <a:bodyPr/>
+          <a:lstStyle/>
+          <a:p>
+            <a:r>
+              <a:rPr lang="en-US" dirty="0">
+                <a:solidFill>
+                  <a:schemeClr val="bg2"/>
+                </a:solidFill>
+              </a:rPr>
+              <a:t>Processor architecture: Cache memory</a:t>
+            </a:r>
+          </a:p>
+        </p:txBody>
+      </p:sp>
+      <p:sp>
+        <p:nvSpPr>
+          <p:cNvPr id="397" name="Content Placeholder 396"/>
+          <p:cNvSpPr>
+            <a:spLocks noGrp="1"/>
+          </p:cNvSpPr>
           <p:nvPr>
             <p:ph idx="1"/>
           </p:nvPr>
+        </p:nvSpPr>
+        <p:spPr>
+          <a:xfrm>
+            <a:off x="233849" y="1366982"/>
+            <a:ext cx="8508999" cy="4699572"/>
+          </a:xfrm>
+        </p:spPr>
+        <p:txBody>
+          <a:bodyPr/>
+          <a:lstStyle/>
+          <a:p>
+            <a:pPr marL="285750" indent="-285750">
+              <a:buFont typeface="Arial" panose="020B0604020202020204" pitchFamily="34" charset="0"/>
+              <a:buChar char="•"/>
+            </a:pPr>
+            <a:r>
+              <a:rPr lang="en-US" dirty="0" smtClean="0"/>
+              <a:t>Performance bottleneck in modern processors is accessing main memory.</a:t>
+            </a:r>
+          </a:p>
+          <a:p>
+            <a:pPr marL="285750" indent="-285750">
+              <a:buFont typeface="Arial" panose="020B0604020202020204" pitchFamily="34" charset="0"/>
+              <a:buChar char="•"/>
+            </a:pPr>
+            <a:r>
+              <a:rPr lang="en-US" dirty="0" smtClean="0"/>
+              <a:t>Modern processors come with faster memory called cache.</a:t>
+            </a:r>
+          </a:p>
+          <a:p>
+            <a:pPr marL="285750" indent="-285750">
+              <a:buFont typeface="Arial" panose="020B0604020202020204" pitchFamily="34" charset="0"/>
+              <a:buChar char="•"/>
+            </a:pPr>
+            <a:r>
+              <a:rPr lang="en-US" dirty="0" smtClean="0"/>
+              <a:t>Caches reduce the average memory access latency.</a:t>
+            </a:r>
+          </a:p>
+          <a:p>
+            <a:pPr marL="285750" indent="-285750">
+              <a:buFont typeface="Arial" panose="020B0604020202020204" pitchFamily="34" charset="0"/>
+              <a:buChar char="•"/>
+            </a:pPr>
+            <a:r>
+              <a:rPr lang="en-US" dirty="0" smtClean="0"/>
+              <a:t>Copy of frequently accessed data is stored in cache.</a:t>
+            </a:r>
+          </a:p>
+          <a:p>
+            <a:pPr marL="285750" indent="-285750">
+              <a:buFont typeface="Arial" panose="020B0604020202020204" pitchFamily="34" charset="0"/>
+              <a:buChar char="•"/>
+            </a:pPr>
+            <a:endParaRPr lang="en-US" dirty="0"/>
+          </a:p>
+          <a:p>
+            <a:pPr marL="285750" indent="-285750">
+              <a:buFont typeface="Arial" panose="020B0604020202020204" pitchFamily="34" charset="0"/>
+              <a:buChar char="•"/>
+            </a:pPr>
+            <a:r>
+              <a:rPr lang="en-US" dirty="0" smtClean="0"/>
+              <a:t>Data access latency of cache is negligible comparatively.</a:t>
+            </a:r>
+            <a:endParaRPr lang="en-US" dirty="0"/>
+          </a:p>
+        </p:txBody>
+      </p:sp>
+      <p:pic>
+        <p:nvPicPr>
+          <p:cNvPr id="398" name="Content Placeholder 37"/>
+          <p:cNvPicPr>
+            <a:picLocks noChangeAspect="1"/>
+          </p:cNvPicPr>
+          <p:nvPr/>
         </p:nvPicPr>
         <p:blipFill>
           <a:blip r:embed="rId3">
@@ -8671,49 +8803,35 @@
         </p:blipFill>
         <p:spPr>
           <a:xfrm>
-            <a:off x="711058" y="5082994"/>
+            <a:off x="318009" y="3932345"/>
             <a:ext cx="7169106" cy="1355906"/>
           </a:xfrm>
+          <a:prstGeom prst="rect">
+            <a:avLst/>
+          </a:prstGeom>
+          <a:noFill/>
+          <a:ln w="9525">
+            <a:noFill/>
+            <a:miter lim="800000"/>
+            <a:headEnd/>
+            <a:tailEnd/>
+          </a:ln>
         </p:spPr>
       </p:pic>
       <p:sp>
         <p:nvSpPr>
-          <p:cNvPr id="3" name="Slide Number Placeholder 2"/>
+          <p:cNvPr id="414" name="Footer Placeholder 39"/>
           <p:cNvSpPr>
             <a:spLocks noGrp="1"/>
           </p:cNvSpPr>
           <p:nvPr>
-            <p:ph type="sldNum" sz="quarter" idx="11"/>
-          </p:nvPr>
-        </p:nvSpPr>
-        <p:spPr/>
-        <p:txBody>
-          <a:bodyPr/>
-          <a:lstStyle/>
-          <a:p>
-            <a:fld id="{CE58CB1E-F828-4F11-99E0-327109AF9DA4}" type="slidenum">
-              <a:rPr lang="de-DE" smtClean="0"/>
-              <a:pPr/>
-              <a:t>10</a:t>
-            </a:fld>
-            <a:endParaRPr lang="de-DE" dirty="0"/>
-          </a:p>
-        </p:txBody>
-      </p:sp>
-      <p:sp>
-        <p:nvSpPr>
-          <p:cNvPr id="4" name="Title 3"/>
-          <p:cNvSpPr>
-            <a:spLocks noGrp="1"/>
-          </p:cNvSpPr>
-          <p:nvPr>
-            <p:ph type="title"/>
+            <p:ph type="ftr" sz="quarter" idx="12"/>
           </p:nvPr>
         </p:nvSpPr>
         <p:spPr>
           <a:xfrm>
-            <a:off x="319090" y="870766"/>
-            <a:ext cx="8508999" cy="410369"/>
+            <a:off x="318009" y="6438900"/>
+            <a:ext cx="6464280" cy="365125"/>
           </a:xfrm>
         </p:spPr>
         <p:txBody>
@@ -8721,19 +8839,24 @@
           <a:lstStyle/>
           <a:p>
             <a:r>
-              <a:rPr lang="en-US" dirty="0">
-                <a:solidFill>
-                  <a:schemeClr val="bg2"/>
-                </a:solidFill>
-              </a:rPr>
-              <a:t>Processor architecture: Cache memory</a:t>
-            </a:r>
+              <a:rPr lang="en-US" sz="1000" dirty="0" smtClean="0"/>
+              <a:t>Reference: Ulrich </a:t>
+            </a:r>
+            <a:r>
+              <a:rPr lang="en-US" sz="1000" dirty="0" err="1"/>
+              <a:t>Drepper</a:t>
+            </a:r>
+            <a:r>
+              <a:rPr lang="en-US" sz="1000" dirty="0"/>
+              <a:t>, “What Every Programmer Should Know About Memory.” Red Hat, Inc.</a:t>
+            </a:r>
+            <a:endParaRPr lang="en-US" sz="1000" dirty="0"/>
           </a:p>
         </p:txBody>
       </p:sp>
       <p:sp>
         <p:nvSpPr>
-          <p:cNvPr id="349" name="RS_Classification_Standard"/>
+          <p:cNvPr id="425" name="RS_Classification_Standard"/>
           <p:cNvSpPr txBox="1"/>
           <p:nvPr/>
         </p:nvSpPr>
@@ -8806,15 +8929,208 @@
           <a:chExt cx="0" cy="0"/>
         </a:xfrm>
       </p:grpSpPr>
-      <p:pic>
-        <p:nvPicPr>
-          <p:cNvPr id="33" name="Content Placeholder 32"/>
-          <p:cNvPicPr>
-            <a:picLocks noGrp="1" noChangeAspect="1"/>
-          </p:cNvPicPr>
+      <p:sp>
+        <p:nvSpPr>
+          <p:cNvPr id="3" name="Slide Number Placeholder 2"/>
+          <p:cNvSpPr>
+            <a:spLocks noGrp="1"/>
+          </p:cNvSpPr>
+          <p:nvPr>
+            <p:ph type="sldNum" sz="quarter" idx="11"/>
+          </p:nvPr>
+        </p:nvSpPr>
+        <p:spPr/>
+        <p:txBody>
+          <a:bodyPr/>
+          <a:lstStyle/>
+          <a:p>
+            <a:fld id="{CE58CB1E-F828-4F11-99E0-327109AF9DA4}" type="slidenum">
+              <a:rPr lang="de-DE" smtClean="0"/>
+              <a:pPr/>
+              <a:t>11</a:t>
+            </a:fld>
+            <a:endParaRPr lang="de-DE" dirty="0"/>
+          </a:p>
+        </p:txBody>
+      </p:sp>
+      <p:sp>
+        <p:nvSpPr>
+          <p:cNvPr id="20" name="Footer Placeholder 39"/>
+          <p:cNvSpPr>
+            <a:spLocks noGrp="1"/>
+          </p:cNvSpPr>
+          <p:nvPr>
+            <p:ph type="ftr" sz="quarter" idx="12"/>
+          </p:nvPr>
+        </p:nvSpPr>
+        <p:spPr/>
+        <p:txBody>
+          <a:bodyPr/>
+          <a:lstStyle/>
+          <a:p>
+            <a:r>
+              <a:rPr lang="en-US" sz="800" dirty="0"/>
+              <a:t>A. </a:t>
+            </a:r>
+            <a:r>
+              <a:rPr lang="en-US" sz="800" dirty="0" err="1"/>
+              <a:t>Herkersdorf</a:t>
+            </a:r>
+            <a:r>
+              <a:rPr lang="en-US" sz="800" dirty="0"/>
+              <a:t>, “Chip multi core processors.” Lecture Notes, Institute for </a:t>
+            </a:r>
+            <a:r>
+              <a:rPr lang="en-US" sz="800" dirty="0" smtClean="0"/>
+              <a:t>Integrated Systems</a:t>
+            </a:r>
+            <a:r>
+              <a:rPr lang="en-US" sz="800" dirty="0"/>
+              <a:t>, </a:t>
+            </a:r>
+            <a:r>
+              <a:rPr lang="en-US" sz="800" dirty="0" err="1"/>
+              <a:t>Technische</a:t>
+            </a:r>
+            <a:r>
+              <a:rPr lang="en-US" sz="800" dirty="0"/>
+              <a:t> </a:t>
+            </a:r>
+            <a:r>
+              <a:rPr lang="en-US" sz="800" dirty="0" err="1" smtClean="0"/>
+              <a:t>Universitaet</a:t>
+            </a:r>
+            <a:r>
+              <a:rPr lang="en-US" sz="800" dirty="0" smtClean="0"/>
+              <a:t> </a:t>
+            </a:r>
+            <a:r>
+              <a:rPr lang="en-US" sz="800" dirty="0" err="1" smtClean="0"/>
+              <a:t>Muenchen</a:t>
+            </a:r>
+            <a:r>
+              <a:rPr lang="en-US" sz="800" dirty="0"/>
+              <a:t>,</a:t>
+            </a:r>
+            <a:endParaRPr lang="en-US" sz="800" dirty="0"/>
+          </a:p>
+        </p:txBody>
+      </p:sp>
+      <p:sp>
+        <p:nvSpPr>
+          <p:cNvPr id="4" name="Title 3"/>
+          <p:cNvSpPr>
+            <a:spLocks noGrp="1"/>
+          </p:cNvSpPr>
+          <p:nvPr>
+            <p:ph type="title"/>
+          </p:nvPr>
+        </p:nvSpPr>
+        <p:spPr>
+          <a:xfrm>
+            <a:off x="319090" y="661120"/>
+            <a:ext cx="8508999" cy="410369"/>
+          </a:xfrm>
+        </p:spPr>
+        <p:txBody>
+          <a:bodyPr/>
+          <a:lstStyle/>
+          <a:p>
+            <a:r>
+              <a:rPr lang="en-US" dirty="0">
+                <a:solidFill>
+                  <a:schemeClr val="bg2"/>
+                </a:solidFill>
+              </a:rPr>
+              <a:t>Instruction </a:t>
+            </a:r>
+            <a:r>
+              <a:rPr lang="en-US" dirty="0">
+                <a:solidFill>
+                  <a:schemeClr val="bg2"/>
+                </a:solidFill>
+              </a:rPr>
+              <a:t>pipelining</a:t>
+            </a:r>
+          </a:p>
+        </p:txBody>
+      </p:sp>
+      <p:sp>
+        <p:nvSpPr>
+          <p:cNvPr id="385" name="Content Placeholder 384"/>
+          <p:cNvSpPr>
+            <a:spLocks noGrp="1"/>
+          </p:cNvSpPr>
           <p:nvPr>
             <p:ph idx="1"/>
           </p:nvPr>
+        </p:nvSpPr>
+        <p:spPr>
+          <a:xfrm>
+            <a:off x="311162" y="1184350"/>
+            <a:ext cx="8508999" cy="5128906"/>
+          </a:xfrm>
+        </p:spPr>
+        <p:txBody>
+          <a:bodyPr/>
+          <a:lstStyle/>
+          <a:p>
+            <a:pPr marL="285750" indent="-285750">
+              <a:buFont typeface="Arial" panose="020B0604020202020204" pitchFamily="34" charset="0"/>
+              <a:buChar char="•"/>
+            </a:pPr>
+            <a:r>
+              <a:rPr lang="en-US" dirty="0" smtClean="0"/>
+              <a:t>Modern processors come with advanced pipelining.</a:t>
+            </a:r>
+          </a:p>
+          <a:p>
+            <a:pPr marL="285750" indent="-285750">
+              <a:buFont typeface="Arial" panose="020B0604020202020204" pitchFamily="34" charset="0"/>
+              <a:buChar char="•"/>
+            </a:pPr>
+            <a:r>
+              <a:rPr lang="en-US" dirty="0" smtClean="0"/>
+              <a:t>Pipelining increases IPC (Instructions Per Cycle).</a:t>
+            </a:r>
+          </a:p>
+          <a:p>
+            <a:pPr marL="285750" indent="-285750">
+              <a:buFont typeface="Arial" panose="020B0604020202020204" pitchFamily="34" charset="0"/>
+              <a:buChar char="•"/>
+            </a:pPr>
+            <a:r>
+              <a:rPr lang="en-US" dirty="0" smtClean="0"/>
+              <a:t>Branching and  cache misses create stalls in pipelining which reduce IPC.</a:t>
+            </a:r>
+          </a:p>
+          <a:p>
+            <a:pPr marL="285750" indent="-285750">
+              <a:buFont typeface="Arial" panose="020B0604020202020204" pitchFamily="34" charset="0"/>
+              <a:buChar char="•"/>
+            </a:pPr>
+            <a:endParaRPr lang="en-US" dirty="0"/>
+          </a:p>
+          <a:p>
+            <a:pPr marL="285750" indent="-285750">
+              <a:buFont typeface="Arial" panose="020B0604020202020204" pitchFamily="34" charset="0"/>
+              <a:buChar char="•"/>
+            </a:pPr>
+            <a:r>
+              <a:rPr lang="en-US" dirty="0" smtClean="0"/>
+              <a:t>Branches and cache misses need to reduced in a code to achieve high performance.</a:t>
+            </a:r>
+            <a:endParaRPr lang="en-US" dirty="0"/>
+          </a:p>
+        </p:txBody>
+      </p:sp>
+      <p:pic>
+        <p:nvPicPr>
+          <p:cNvPr id="386" name="Content Placeholder 32"/>
+          <p:cNvPicPr>
+            <a:picLocks noChangeAspect="1"/>
+          </p:cNvPicPr>
+          <p:nvPr/>
         </p:nvPicPr>
         <p:blipFill>
           <a:blip r:embed="rId4">
@@ -8830,137 +9146,24 @@
         </p:blipFill>
         <p:spPr>
           <a:xfrm>
-            <a:off x="319088" y="1735665"/>
-            <a:ext cx="8509000" cy="4283607"/>
+            <a:off x="1131375" y="3114731"/>
+            <a:ext cx="5984149" cy="3012545"/>
           </a:xfrm>
+          <a:prstGeom prst="rect">
+            <a:avLst/>
+          </a:prstGeom>
+          <a:noFill/>
+          <a:ln w="9525">
+            <a:noFill/>
+            <a:miter lim="800000"/>
+            <a:headEnd/>
+            <a:tailEnd/>
+          </a:ln>
         </p:spPr>
       </p:pic>
       <p:sp>
         <p:nvSpPr>
-          <p:cNvPr id="3" name="Slide Number Placeholder 2"/>
-          <p:cNvSpPr>
-            <a:spLocks noGrp="1"/>
-          </p:cNvSpPr>
-          <p:nvPr>
-            <p:ph type="sldNum" sz="quarter" idx="11"/>
-          </p:nvPr>
-        </p:nvSpPr>
-        <p:spPr/>
-        <p:txBody>
-          <a:bodyPr/>
-          <a:lstStyle/>
-          <a:p>
-            <a:fld id="{CE58CB1E-F828-4F11-99E0-327109AF9DA4}" type="slidenum">
-              <a:rPr lang="de-DE" smtClean="0"/>
-              <a:pPr/>
-              <a:t>11</a:t>
-            </a:fld>
-            <a:endParaRPr lang="de-DE" dirty="0"/>
-          </a:p>
-        </p:txBody>
-      </p:sp>
-      <p:sp>
-        <p:nvSpPr>
-          <p:cNvPr id="4" name="Title 3"/>
-          <p:cNvSpPr>
-            <a:spLocks noGrp="1"/>
-          </p:cNvSpPr>
-          <p:nvPr>
-            <p:ph type="title"/>
-          </p:nvPr>
-        </p:nvSpPr>
-        <p:spPr>
-          <a:xfrm>
-            <a:off x="319090" y="870766"/>
-            <a:ext cx="8508999" cy="410369"/>
-          </a:xfrm>
-        </p:spPr>
-        <p:txBody>
-          <a:bodyPr/>
-          <a:lstStyle/>
-          <a:p>
-            <a:r>
-              <a:rPr lang="en-US" dirty="0" smtClean="0"/>
-              <a:t>Instruction </a:t>
-            </a:r>
-            <a:r>
-              <a:rPr lang="en-US" dirty="0"/>
-              <a:t>pipelining</a:t>
-            </a:r>
-          </a:p>
-        </p:txBody>
-      </p:sp>
-      <p:sp>
-        <p:nvSpPr>
-          <p:cNvPr id="20" name="Footer Placeholder 39"/>
-          <p:cNvSpPr>
-            <a:spLocks noGrp="1"/>
-          </p:cNvSpPr>
-          <p:nvPr>
-            <p:ph type="ftr" sz="quarter" idx="12"/>
-          </p:nvPr>
-        </p:nvSpPr>
-        <p:spPr>
-          <a:xfrm>
-            <a:off x="319090" y="6473313"/>
-            <a:ext cx="8297379" cy="367896"/>
-          </a:xfrm>
-        </p:spPr>
-        <p:txBody>
-          <a:bodyPr/>
-          <a:lstStyle/>
-          <a:p>
-            <a:r>
-              <a:rPr lang="en-US" sz="800" dirty="0"/>
-              <a:t>A. </a:t>
-            </a:r>
-            <a:r>
-              <a:rPr lang="en-US" sz="800" dirty="0" err="1"/>
-              <a:t>Herkersdorf</a:t>
-            </a:r>
-            <a:r>
-              <a:rPr lang="en-US" sz="800" dirty="0"/>
-              <a:t>, “Chip multi core processors.” Lecture Notes, Institute for </a:t>
-            </a:r>
-            <a:r>
-              <a:rPr lang="en-US" sz="800" dirty="0" smtClean="0"/>
-              <a:t>Integrated Systems</a:t>
-            </a:r>
-            <a:r>
-              <a:rPr lang="en-US" sz="800" dirty="0"/>
-              <a:t>, </a:t>
-            </a:r>
-            <a:r>
-              <a:rPr lang="en-US" sz="800" dirty="0" err="1"/>
-              <a:t>Technische</a:t>
-            </a:r>
-            <a:r>
-              <a:rPr lang="en-US" sz="800" dirty="0"/>
-              <a:t> </a:t>
-            </a:r>
-            <a:r>
-              <a:rPr lang="en-US" sz="800" dirty="0" err="1" smtClean="0"/>
-              <a:t>Universitaet</a:t>
-            </a:r>
-            <a:r>
-              <a:rPr lang="en-US" sz="800" dirty="0" smtClean="0"/>
-              <a:t> </a:t>
-            </a:r>
-            <a:r>
-              <a:rPr lang="en-US" sz="800" dirty="0" err="1" smtClean="0"/>
-              <a:t>Muenchen</a:t>
-            </a:r>
-            <a:r>
-              <a:rPr lang="en-US" sz="800" dirty="0"/>
-              <a:t>,</a:t>
-            </a:r>
-            <a:endParaRPr lang="en-US" sz="800" dirty="0"/>
-          </a:p>
-        </p:txBody>
-      </p:sp>
-      <p:sp>
-        <p:nvSpPr>
-          <p:cNvPr id="350" name="RS_Classification_Standard"/>
+          <p:cNvPr id="424" name="RS_Classification_Standard"/>
           <p:cNvSpPr txBox="1"/>
           <p:nvPr/>
         </p:nvSpPr>
@@ -9238,7 +9441,7 @@
       </p:sp>
       <p:sp>
         <p:nvSpPr>
-          <p:cNvPr id="384" name="RS_Classification_Standard"/>
+          <p:cNvPr id="456" name="RS_Classification_Standard"/>
           <p:cNvSpPr txBox="1"/>
           <p:nvPr/>
         </p:nvSpPr>
@@ -9730,7 +9933,7 @@
       </p:pic>
       <p:sp>
         <p:nvSpPr>
-          <p:cNvPr id="352" name="RS_Classification_Standard"/>
+          <p:cNvPr id="424" name="RS_Classification_Standard"/>
           <p:cNvSpPr txBox="1"/>
           <p:nvPr/>
         </p:nvSpPr>
@@ -10071,7 +10274,7 @@
       </p:pic>
       <p:sp>
         <p:nvSpPr>
-          <p:cNvPr id="414" name="RS_Classification_Standard"/>
+          <p:cNvPr id="486" name="RS_Classification_Standard"/>
           <p:cNvSpPr txBox="1"/>
           <p:nvPr/>
         </p:nvSpPr>
@@ -10166,8 +10369,23 @@
                   <a:buChar char="•"/>
                 </a:pPr>
                 <a:r>
+                  <a:rPr lang="en-US" dirty="0" smtClean="0"/>
+                  <a:t>Avoiding superfluous copy operations through intelligent memory layout design.</a:t>
+                </a:r>
+                <a:endParaRPr lang="en-US" dirty="0" smtClean="0"/>
+              </a:p>
+              <a:p>
+                <a:pPr marL="285750" indent="-285750">
+                  <a:buFont typeface="Arial" panose="020B0604020202020204" pitchFamily="34" charset="0"/>
+                  <a:buChar char="•"/>
+                </a:pPr>
+                <a:r>
+                  <a:rPr lang="en-US" dirty="0" smtClean="0"/>
+                  <a:t>Plain </a:t>
+                </a:r>
+                <a:r>
                   <a:rPr lang="en-US" dirty="0"/>
-                  <a:t>Plain implementation in software considers each bit as one integer.</a:t>
+                  <a:t>implementation in software considers each bit as one integer.</a:t>
                 </a:r>
               </a:p>
               <a:p>
@@ -10338,7 +10556,7 @@
       </p:sp>
       <p:sp>
         <p:nvSpPr>
-          <p:cNvPr id="381" name="RS_Classification_Standard"/>
+          <p:cNvPr id="453" name="RS_Classification_Standard"/>
           <p:cNvSpPr txBox="1"/>
           <p:nvPr/>
         </p:nvSpPr>
@@ -10452,7 +10670,7 @@
         </p:nvSpPr>
         <p:spPr>
           <a:xfrm>
-            <a:off x="319090" y="779251"/>
+            <a:off x="316601" y="645285"/>
             <a:ext cx="8508999" cy="410369"/>
           </a:xfrm>
         </p:spPr>
@@ -10480,13 +10698,13 @@
           <p:nvPr>
             <p:extLst>
               <p:ext uri="{D42A27DB-BD31-4B8C-83A1-F6EECF244321}">
-                <p14:modId xmlns:p14="http://schemas.microsoft.com/office/powerpoint/2010/main" val="2730162231"/>
+                <p14:modId xmlns:p14="http://schemas.microsoft.com/office/powerpoint/2010/main" val="3056769837"/>
               </p:ext>
             </p:extLst>
           </p:nvPr>
         </p:nvGraphicFramePr>
         <p:xfrm>
-          <a:off x="1124238" y="2497250"/>
+          <a:off x="1052361" y="2048451"/>
           <a:ext cx="2231640" cy="2926080"/>
         </p:xfrm>
         <a:graphic>
@@ -13853,7 +14071,7 @@
         </p:nvCxnSpPr>
         <p:spPr>
           <a:xfrm>
-            <a:off x="3235329" y="2110156"/>
+            <a:off x="3134589" y="1602325"/>
             <a:ext cx="0" cy="305250"/>
           </a:xfrm>
           <a:prstGeom prst="straightConnector1">
@@ -13886,7 +14104,7 @@
         </p:nvSpPr>
         <p:spPr>
           <a:xfrm>
-            <a:off x="3676090" y="1943252"/>
+            <a:off x="3292089" y="1345012"/>
             <a:ext cx="2284801" cy="553998"/>
           </a:xfrm>
           <a:prstGeom prst="rect">
@@ -13915,7 +14133,7 @@
         </p:nvSpPr>
         <p:spPr>
           <a:xfrm>
-            <a:off x="3676090" y="3496328"/>
+            <a:off x="3520089" y="2728870"/>
             <a:ext cx="1828800" cy="685800"/>
           </a:xfrm>
           <a:prstGeom prst="rightArrow">
@@ -13959,13 +14177,13 @@
           <p:nvPr>
             <p:extLst>
               <p:ext uri="{D42A27DB-BD31-4B8C-83A1-F6EECF244321}">
-                <p14:modId xmlns:p14="http://schemas.microsoft.com/office/powerpoint/2010/main" val="2551154973"/>
+                <p14:modId xmlns:p14="http://schemas.microsoft.com/office/powerpoint/2010/main" val="3744958750"/>
               </p:ext>
             </p:extLst>
           </p:nvPr>
         </p:nvGraphicFramePr>
         <p:xfrm>
-          <a:off x="6145314" y="3612672"/>
+          <a:off x="5659114" y="2920713"/>
           <a:ext cx="2231640" cy="365760"/>
         </p:xfrm>
         <a:graphic>
@@ -14483,7 +14701,7 @@
         </p:nvSpPr>
         <p:spPr>
           <a:xfrm>
-            <a:off x="6169698" y="2906339"/>
+            <a:off x="5659114" y="2257845"/>
             <a:ext cx="2101271" cy="553998"/>
           </a:xfrm>
           <a:prstGeom prst="rect">
@@ -14512,7 +14730,7 @@
         </p:nvSpPr>
         <p:spPr>
           <a:xfrm>
-            <a:off x="105730" y="1826832"/>
+            <a:off x="152224" y="1193183"/>
             <a:ext cx="2514600" cy="784830"/>
           </a:xfrm>
           <a:prstGeom prst="rect">
@@ -14541,7 +14759,7 @@
         </p:nvSpPr>
         <p:spPr>
           <a:xfrm>
-            <a:off x="5576890" y="4449976"/>
+            <a:off x="5576890" y="3661239"/>
             <a:ext cx="3200400" cy="1015663"/>
           </a:xfrm>
           <a:prstGeom prst="rect">
@@ -14570,7 +14788,7 @@
         </p:nvSpPr>
         <p:spPr>
           <a:xfrm>
-            <a:off x="871234" y="5931243"/>
+            <a:off x="1052361" y="5071038"/>
             <a:ext cx="7399735" cy="257250"/>
           </a:xfrm>
           <a:prstGeom prst="rect">
@@ -14606,7 +14824,7 @@
         </p:nvCxnSpPr>
         <p:spPr>
           <a:xfrm flipV="1">
-            <a:off x="628650" y="2652584"/>
+            <a:off x="508365" y="2182480"/>
             <a:ext cx="362869" cy="129"/>
           </a:xfrm>
           <a:prstGeom prst="straightConnector1">
@@ -14633,7 +14851,69 @@
       </p:cxnSp>
       <p:sp>
         <p:nvSpPr>
-          <p:cNvPr id="390" name="RS_Classification_Standard"/>
+          <p:cNvPr id="429" name="TextBox 428"/>
+          <p:cNvSpPr txBox="1"/>
+          <p:nvPr/>
+        </p:nvSpPr>
+        <p:spPr>
+          <a:xfrm>
+            <a:off x="508365" y="5526298"/>
+            <a:ext cx="8051370" cy="842154"/>
+          </a:xfrm>
+          <a:prstGeom prst="rect">
+            <a:avLst/>
+          </a:prstGeom>
+          <a:noFill/>
+        </p:spPr>
+        <p:txBody>
+          <a:bodyPr wrap="square" lIns="0" tIns="0" rIns="0" bIns="0" rtlCol="0">
+            <a:spAutoFit/>
+          </a:bodyPr>
+          <a:lstStyle/>
+          <a:p>
+            <a:pPr marL="285750" indent="-285750">
+              <a:lnSpc>
+                <a:spcPct val="114000"/>
+              </a:lnSpc>
+              <a:buFont typeface="Arial" panose="020B0604020202020204" pitchFamily="34" charset="0"/>
+              <a:buChar char="•"/>
+            </a:pPr>
+            <a:r>
+              <a:rPr lang="en-US" sz="1600" dirty="0" smtClean="0">
+                <a:latin typeface="+mn-lt"/>
+              </a:rPr>
+              <a:t>Packing/Unpacking needs to performed very efficiently.</a:t>
+            </a:r>
+          </a:p>
+          <a:p>
+            <a:pPr marL="285750" indent="-285750">
+              <a:lnSpc>
+                <a:spcPct val="114000"/>
+              </a:lnSpc>
+              <a:buFont typeface="Arial" panose="020B0604020202020204" pitchFamily="34" charset="0"/>
+              <a:buChar char="•"/>
+            </a:pPr>
+            <a:r>
+              <a:rPr lang="en-US" sz="1600" dirty="0" smtClean="0">
+                <a:latin typeface="+mn-lt"/>
+              </a:rPr>
+              <a:t>SIMD extensions provide dedicated instructions to perform packing and unpacking efficiently</a:t>
+            </a:r>
+            <a:r>
+              <a:rPr lang="en-US" sz="1600" dirty="0" smtClean="0">
+                <a:latin typeface="+mn-lt"/>
+              </a:rPr>
+              <a:t>.</a:t>
+            </a:r>
+            <a:endParaRPr lang="en-US" sz="1600" dirty="0" smtClean="0">
+              <a:latin typeface="+mn-lt"/>
+            </a:endParaRPr>
+          </a:p>
+        </p:txBody>
+      </p:sp>
+      <p:sp>
+        <p:nvSpPr>
+          <p:cNvPr id="463" name="RS_Classification_Standard"/>
           <p:cNvSpPr txBox="1"/>
           <p:nvPr/>
         </p:nvSpPr>
@@ -14888,7 +15168,7 @@
       </p:pic>
       <p:sp>
         <p:nvSpPr>
-          <p:cNvPr id="382" name="RS_Classification_Standard"/>
+          <p:cNvPr id="454" name="RS_Classification_Standard"/>
           <p:cNvSpPr txBox="1"/>
           <p:nvPr/>
         </p:nvSpPr>
@@ -15283,7 +15563,7 @@
       </p:sp>
       <p:sp>
         <p:nvSpPr>
-          <p:cNvPr id="381" name="RS_Classification_Standard"/>
+          <p:cNvPr id="453" name="RS_Classification_Standard"/>
           <p:cNvSpPr txBox="1"/>
           <p:nvPr/>
         </p:nvSpPr>
@@ -15727,7 +16007,7 @@
       </p:sp>
       <p:sp>
         <p:nvSpPr>
-          <p:cNvPr id="351" name="RS_Classification_Standard"/>
+          <p:cNvPr id="423" name="RS_Classification_Standard"/>
           <p:cNvSpPr txBox="1"/>
           <p:nvPr/>
         </p:nvSpPr>
@@ -15982,7 +16262,7 @@
       </p:sp>
       <p:sp>
         <p:nvSpPr>
-          <p:cNvPr id="381" name="RS_Classification_Standard"/>
+          <p:cNvPr id="453" name="RS_Classification_Standard"/>
           <p:cNvSpPr txBox="1"/>
           <p:nvPr/>
         </p:nvSpPr>
@@ -17733,7 +18013,7 @@
       </p:graphicFrame>
       <p:sp>
         <p:nvSpPr>
-          <p:cNvPr id="385" name="RS_Classification_Standard"/>
+          <p:cNvPr id="457" name="RS_Classification_Standard"/>
           <p:cNvSpPr txBox="1"/>
           <p:nvPr/>
         </p:nvSpPr>
@@ -17909,7 +18189,7 @@
       </p:pic>
       <p:sp>
         <p:nvSpPr>
-          <p:cNvPr id="381" name="RS_Classification_Standard"/>
+          <p:cNvPr id="453" name="RS_Classification_Standard"/>
           <p:cNvSpPr txBox="1"/>
           <p:nvPr/>
         </p:nvSpPr>
@@ -17982,132 +18262,231 @@
           <a:chExt cx="0" cy="0"/>
         </a:xfrm>
       </p:grpSpPr>
-      <p:sp>
-        <p:nvSpPr>
-          <p:cNvPr id="2" name="Content Placeholder 1">
-            <a:extLst>
-              <a:ext uri="{FF2B5EF4-FFF2-40B4-BE49-F238E27FC236}">
-                <a16:creationId xmlns:a16="http://schemas.microsoft.com/office/drawing/2014/main" id="{D0E174C2-B006-4E63-A6CE-BFB57AD708D5}"/>
-              </a:ext>
-            </a:extLst>
-          </p:cNvPr>
-          <p:cNvSpPr>
-            <a:spLocks noGrp="1"/>
-          </p:cNvSpPr>
-          <p:nvPr>
-            <p:ph idx="1"/>
-          </p:nvPr>
-        </p:nvSpPr>
-        <p:spPr>
-          <a:xfrm>
-            <a:off x="318008" y="1440941"/>
-            <a:ext cx="8508999" cy="4699572"/>
-          </a:xfrm>
-        </p:spPr>
-        <p:txBody>
-          <a:bodyPr/>
-          <a:lstStyle/>
-          <a:p>
-            <a:pPr marL="285750" indent="-285750">
-              <a:buFont typeface="Arial" panose="020B0604020202020204" pitchFamily="34" charset="0"/>
-              <a:buChar char="•"/>
-            </a:pPr>
-            <a:r>
-              <a:rPr lang="en-US" dirty="0"/>
-              <a:t>Inverse of </a:t>
-            </a:r>
-            <a:r>
-              <a:rPr lang="en-US" dirty="0" err="1"/>
-              <a:t>subblock</a:t>
-            </a:r>
-            <a:r>
-              <a:rPr lang="en-US" dirty="0"/>
-              <a:t> </a:t>
-            </a:r>
-            <a:r>
-              <a:rPr lang="en-US" dirty="0" err="1"/>
-              <a:t>interleaver</a:t>
-            </a:r>
-            <a:r>
-              <a:rPr lang="en-US" dirty="0"/>
-              <a:t> operation performed at the transmitter.</a:t>
-            </a:r>
-          </a:p>
-          <a:p>
-            <a:pPr marL="285750" indent="-285750">
-              <a:buFont typeface="Arial" panose="020B0604020202020204" pitchFamily="34" charset="0"/>
-              <a:buChar char="•"/>
-            </a:pPr>
-            <a:r>
-              <a:rPr lang="en-US" dirty="0" err="1"/>
-              <a:t>Deinterleaving</a:t>
-            </a:r>
-            <a:r>
-              <a:rPr lang="en-US" dirty="0"/>
-              <a:t> is performed as shown in the figure.</a:t>
-            </a:r>
-          </a:p>
-          <a:p>
-            <a:pPr marL="285750" indent="-285750">
-              <a:buFont typeface="Arial" panose="020B0604020202020204" pitchFamily="34" charset="0"/>
-              <a:buChar char="•"/>
-            </a:pPr>
-            <a:r>
-              <a:rPr lang="en-US" dirty="0"/>
-              <a:t>One of expensive operation due to huge number of division, multiplication and modulus operations and it is also sequential.</a:t>
-            </a:r>
-          </a:p>
-          <a:p>
-            <a:pPr marL="285750" indent="-285750">
-              <a:buFont typeface="Arial" panose="020B0604020202020204" pitchFamily="34" charset="0"/>
-              <a:buChar char="•"/>
-            </a:pPr>
-            <a:r>
-              <a:rPr lang="en-US" dirty="0"/>
-              <a:t>This operation is broken down into three parts, each of them are implemented using </a:t>
-            </a:r>
-            <a:r>
-              <a:rPr lang="en-US" dirty="0">
-                <a:latin typeface="Simplified Arabic Fixed" panose="02070309020205020404" pitchFamily="49" charset="-78"/>
-                <a:cs typeface="Simplified Arabic Fixed" panose="02070309020205020404" pitchFamily="49" charset="-78"/>
-              </a:rPr>
-              <a:t>permute</a:t>
-            </a:r>
-            <a:r>
-              <a:rPr lang="en-US" dirty="0"/>
-              <a:t> and </a:t>
-            </a:r>
-            <a:r>
-              <a:rPr lang="en-US" dirty="0">
-                <a:latin typeface="Simplified Arabic Fixed" panose="02070309020205020404" pitchFamily="49" charset="-78"/>
-                <a:cs typeface="Simplified Arabic Fixed" panose="02070309020205020404" pitchFamily="49" charset="-78"/>
-              </a:rPr>
-              <a:t>blend</a:t>
-            </a:r>
-            <a:r>
-              <a:rPr lang="en-US" dirty="0"/>
-              <a:t> SIMD instructions.</a:t>
-            </a:r>
-          </a:p>
-          <a:p>
-            <a:pPr marL="285750" indent="-285750">
-              <a:buFont typeface="Arial" panose="020B0604020202020204" pitchFamily="34" charset="0"/>
-              <a:buChar char="•"/>
-            </a:pPr>
-            <a:r>
-              <a:rPr lang="en-US" dirty="0"/>
-              <a:t>Latency reduced from 19us to 0.47us.</a:t>
-            </a:r>
-          </a:p>
-          <a:p>
-            <a:pPr marL="285750" indent="-285750">
-              <a:buFont typeface="Arial" panose="020B0604020202020204" pitchFamily="34" charset="0"/>
-              <a:buChar char="•"/>
-            </a:pPr>
-            <a:endParaRPr lang="en-US" dirty="0"/>
-          </a:p>
-        </p:txBody>
-      </p:sp>
+      <mc:AlternateContent xmlns:mc="http://schemas.openxmlformats.org/markup-compatibility/2006">
+        <mc:Choice xmlns:a14="http://schemas.microsoft.com/office/drawing/2010/main" Requires="a14">
+          <p:sp>
+            <p:nvSpPr>
+              <p:cNvPr id="2" name="Content Placeholder 1">
+                <a:extLst>
+                  <a:ext uri="{FF2B5EF4-FFF2-40B4-BE49-F238E27FC236}">
+                    <a16:creationId xmlns:a16="http://schemas.microsoft.com/office/drawing/2014/main" id="{D0E174C2-B006-4E63-A6CE-BFB57AD708D5}"/>
+                  </a:ext>
+                </a:extLst>
+              </p:cNvPr>
+              <p:cNvSpPr>
+                <a:spLocks noGrp="1"/>
+              </p:cNvSpPr>
+              <p:nvPr>
+                <p:ph idx="1"/>
+              </p:nvPr>
+            </p:nvSpPr>
+            <p:spPr>
+              <a:xfrm>
+                <a:off x="318008" y="1440941"/>
+                <a:ext cx="8508999" cy="4699572"/>
+              </a:xfrm>
+            </p:spPr>
+            <p:txBody>
+              <a:bodyPr/>
+              <a:lstStyle/>
+              <a:p>
+                <a:pPr marL="285750" indent="-285750">
+                  <a:buFont typeface="Arial" panose="020B0604020202020204" pitchFamily="34" charset="0"/>
+                  <a:buChar char="•"/>
+                </a:pPr>
+                <a:r>
+                  <a:rPr lang="en-US" dirty="0"/>
+                  <a:t>Inverse of </a:t>
+                </a:r>
+                <a:r>
+                  <a:rPr lang="en-US" dirty="0" err="1"/>
+                  <a:t>subblock</a:t>
+                </a:r>
+                <a:r>
+                  <a:rPr lang="en-US" dirty="0"/>
+                  <a:t> </a:t>
+                </a:r>
+                <a:r>
+                  <a:rPr lang="en-US" dirty="0" err="1"/>
+                  <a:t>interleaver</a:t>
+                </a:r>
+                <a:r>
+                  <a:rPr lang="en-US" dirty="0"/>
+                  <a:t> operation performed at the transmitter.</a:t>
+                </a:r>
+              </a:p>
+              <a:p>
+                <a:pPr marL="285750" indent="-285750">
+                  <a:buFont typeface="Arial" panose="020B0604020202020204" pitchFamily="34" charset="0"/>
+                  <a:buChar char="•"/>
+                </a:pPr>
+                <a:r>
+                  <a:rPr lang="en-US" dirty="0" err="1"/>
+                  <a:t>Deinterleaving</a:t>
+                </a:r>
+                <a:r>
+                  <a:rPr lang="en-US" dirty="0"/>
+                  <a:t> is performed as shown in the figure.</a:t>
+                </a:r>
+              </a:p>
+              <a:p>
+                <a:pPr marL="285750" indent="-285750">
+                  <a:buFont typeface="Arial" panose="020B0604020202020204" pitchFamily="34" charset="0"/>
+                  <a:buChar char="•"/>
+                </a:pPr>
+                <a:r>
+                  <a:rPr lang="en-US" dirty="0"/>
+                  <a:t>One of expensive operation due to huge number of division, multiplication and modulus operations and it is also sequential.</a:t>
+                </a:r>
+              </a:p>
+              <a:p>
+                <a:pPr marL="285750" indent="-285750">
+                  <a:buFont typeface="Arial" panose="020B0604020202020204" pitchFamily="34" charset="0"/>
+                  <a:buChar char="•"/>
+                </a:pPr>
+                <a:r>
+                  <a:rPr lang="en-US" dirty="0"/>
+                  <a:t>This operation is broken down into three parts, each of them are implemented using </a:t>
+                </a:r>
+                <a:r>
+                  <a:rPr lang="en-US" dirty="0">
+                    <a:latin typeface="Simplified Arabic Fixed" panose="02070309020205020404" pitchFamily="49" charset="-78"/>
+                    <a:cs typeface="Simplified Arabic Fixed" panose="02070309020205020404" pitchFamily="49" charset="-78"/>
+                  </a:rPr>
+                  <a:t>permute</a:t>
+                </a:r>
+                <a:r>
+                  <a:rPr lang="en-US" dirty="0"/>
+                  <a:t> and </a:t>
+                </a:r>
+                <a:r>
+                  <a:rPr lang="en-US" dirty="0">
+                    <a:latin typeface="Simplified Arabic Fixed" panose="02070309020205020404" pitchFamily="49" charset="-78"/>
+                    <a:cs typeface="Simplified Arabic Fixed" panose="02070309020205020404" pitchFamily="49" charset="-78"/>
+                  </a:rPr>
+                  <a:t>blend</a:t>
+                </a:r>
+                <a:r>
+                  <a:rPr lang="en-US" dirty="0"/>
+                  <a:t> SIMD instructions.</a:t>
+                </a:r>
+              </a:p>
+              <a:p>
+                <a:pPr marL="285750" indent="-285750">
+                  <a:buFont typeface="Arial" panose="020B0604020202020204" pitchFamily="34" charset="0"/>
+                  <a:buChar char="•"/>
+                </a:pPr>
+                <a:r>
+                  <a:rPr lang="en-US" dirty="0"/>
+                  <a:t>Latency reduced from </a:t>
+                </a:r>
+                <a:r>
+                  <a:rPr lang="en-US" dirty="0" smtClean="0"/>
+                  <a:t>19</a:t>
+                </a:r>
+                <a14:m>
+                  <m:oMath xmlns:m="http://schemas.openxmlformats.org/officeDocument/2006/math">
+                    <m:r>
+                      <a:rPr lang="en-US" i="1" dirty="0" smtClean="0">
+                        <a:latin typeface="Cambria Math" panose="02040503050406030204" pitchFamily="18" charset="0"/>
+                        <a:ea typeface="Cambria Math" panose="02040503050406030204" pitchFamily="18" charset="0"/>
+                      </a:rPr>
+                      <m:t>𝜇</m:t>
+                    </m:r>
+                    <m:r>
+                      <a:rPr lang="en-US" i="1" dirty="0" smtClean="0">
+                        <a:latin typeface="Cambria Math" panose="02040503050406030204" pitchFamily="18" charset="0"/>
+                      </a:rPr>
+                      <m:t>𝑠</m:t>
+                    </m:r>
+                    <m:r>
+                      <a:rPr lang="en-US" i="1" dirty="0" smtClean="0">
+                        <a:latin typeface="Cambria Math" panose="02040503050406030204" pitchFamily="18" charset="0"/>
+                      </a:rPr>
+                      <m:t>  </m:t>
+                    </m:r>
+                  </m:oMath>
+                </a14:m>
+                <a:r>
+                  <a:rPr lang="en-US" dirty="0" smtClean="0"/>
+                  <a:t>to  0.47</a:t>
+                </a:r>
+                <a14:m>
+                  <m:oMath xmlns:m="http://schemas.openxmlformats.org/officeDocument/2006/math">
+                    <m:r>
+                      <a:rPr lang="en-US" i="1" dirty="0" smtClean="0">
+                        <a:latin typeface="Cambria Math" panose="02040503050406030204" pitchFamily="18" charset="0"/>
+                        <a:ea typeface="Cambria Math" panose="02040503050406030204" pitchFamily="18" charset="0"/>
+                      </a:rPr>
+                      <m:t>𝜇</m:t>
+                    </m:r>
+                    <m:r>
+                      <a:rPr lang="en-US" i="1" dirty="0" smtClean="0">
+                        <a:latin typeface="Cambria Math" panose="02040503050406030204" pitchFamily="18" charset="0"/>
+                      </a:rPr>
+                      <m:t>𝑠</m:t>
+                    </m:r>
+                  </m:oMath>
+                </a14:m>
+                <a:r>
+                  <a:rPr lang="en-US" dirty="0"/>
+                  <a:t>.</a:t>
+                </a:r>
+              </a:p>
+              <a:p>
+                <a:pPr marL="285750" indent="-285750">
+                  <a:buFont typeface="Arial" panose="020B0604020202020204" pitchFamily="34" charset="0"/>
+                  <a:buChar char="•"/>
+                </a:pPr>
+                <a:endParaRPr lang="en-US" dirty="0"/>
+              </a:p>
+            </p:txBody>
+          </p:sp>
+        </mc:Choice>
+        <mc:Fallback>
+          <p:sp>
+            <p:nvSpPr>
+              <p:cNvPr id="2" name="Content Placeholder 1">
+                <a:extLst>
+                  <a:ext uri="{FF2B5EF4-FFF2-40B4-BE49-F238E27FC236}">
+                    <a16:creationId xmlns:a16="http://schemas.microsoft.com/office/drawing/2014/main" id="{D0E174C2-B006-4E63-A6CE-BFB57AD708D5}"/>
+                  </a:ext>
+                </a:extLst>
+              </p:cNvPr>
+              <p:cNvSpPr>
+                <a:spLocks noGrp="1" noRot="1" noChangeAspect="1" noMove="1" noResize="1" noEditPoints="1" noAdjustHandles="1" noChangeArrowheads="1" noChangeShapeType="1" noTextEdit="1"/>
+              </p:cNvSpPr>
+              <p:nvPr>
+                <p:ph idx="1"/>
+              </p:nvPr>
+            </p:nvSpPr>
+            <p:spPr>
+              <a:xfrm>
+                <a:off x="318008" y="1440941"/>
+                <a:ext cx="8508999" cy="4699572"/>
+              </a:xfrm>
+              <a:blipFill>
+                <a:blip r:embed="rId3"/>
+                <a:stretch>
+                  <a:fillRect l="-1361" t="-1038"/>
+                </a:stretch>
+              </a:blipFill>
+            </p:spPr>
+            <p:txBody>
+              <a:bodyPr/>
+              <a:lstStyle/>
+              <a:p>
+                <a:r>
+                  <a:rPr lang="en-US">
+                    <a:noFill/>
+                  </a:rPr>
+                  <a:t> </a:t>
+                </a:r>
+              </a:p>
+            </p:txBody>
+          </p:sp>
+        </mc:Fallback>
+      </mc:AlternateContent>
       <p:sp>
         <p:nvSpPr>
           <p:cNvPr id="3" name="Slide Number Placeholder 2">
@@ -18205,7 +18584,7 @@
           <p:nvPr/>
         </p:nvPicPr>
         <p:blipFill>
-          <a:blip r:embed="rId3">
+          <a:blip r:embed="rId4">
             <a:extLst>
               <a:ext uri="{28A0092B-C50C-407E-A947-70E740481C1C}">
                 <a14:useLocalDpi xmlns:a14="http://schemas.microsoft.com/office/drawing/2010/main" val="0"/>
@@ -18228,7 +18607,7 @@
       </p:pic>
       <p:sp>
         <p:nvSpPr>
-          <p:cNvPr id="350" name="RS_Classification_Standard"/>
+          <p:cNvPr id="422" name="RS_Classification_Standard"/>
           <p:cNvSpPr txBox="1"/>
           <p:nvPr/>
         </p:nvSpPr>
@@ -19018,8 +19397,8 @@
         </p:nvSpPr>
         <p:spPr>
           <a:xfrm>
-            <a:off x="5118929" y="3859652"/>
-            <a:ext cx="1173382" cy="280718"/>
+            <a:off x="4715973" y="3874356"/>
+            <a:ext cx="2126529" cy="280718"/>
           </a:xfrm>
           <a:prstGeom prst="rect">
             <a:avLst/>
@@ -19041,7 +19420,7 @@
               <a:rPr lang="en-US" sz="1600" dirty="0" smtClean="0">
                 <a:latin typeface="+mn-lt"/>
               </a:rPr>
-              <a:t>Efficient way</a:t>
+              <a:t>Efficient SIMD way</a:t>
             </a:r>
           </a:p>
         </p:txBody>
@@ -19484,7 +19863,7 @@
       </p:sp>
       <p:sp>
         <p:nvSpPr>
-          <p:cNvPr id="353" name="RS_Classification_Standard"/>
+          <p:cNvPr id="425" name="RS_Classification_Standard"/>
           <p:cNvSpPr txBox="1"/>
           <p:nvPr/>
         </p:nvSpPr>
@@ -19634,7 +20013,7 @@
                 </a:pPr>
                 <a:r>
                   <a:rPr lang="en-US" dirty="0" smtClean="0"/>
-                  <a:t>In VN operation multiplication is based on </a:t>
+                  <a:t>In VN operation multiplication based on </a:t>
                 </a:r>
                 <a14:m>
                   <m:oMath xmlns:m="http://schemas.openxmlformats.org/officeDocument/2006/math">
@@ -19691,7 +20070,7 @@
                 </a14:m>
                 <a:r>
                   <a:rPr lang="en-US" dirty="0" smtClean="0"/>
-                  <a:t> is implemented using bit wise negation operations.</a:t>
+                  <a:t> is reformulated using bit wise negation operations.</a:t>
                 </a:r>
               </a:p>
               <a:p>
@@ -19825,7 +20204,7 @@
       </p:sp>
       <p:sp>
         <p:nvSpPr>
-          <p:cNvPr id="349" name="RS_Classification_Standard"/>
+          <p:cNvPr id="421" name="RS_Classification_Standard"/>
           <p:cNvSpPr txBox="1"/>
           <p:nvPr/>
         </p:nvSpPr>
@@ -20249,7 +20628,7 @@
       </p:sp>
       <p:sp>
         <p:nvSpPr>
-          <p:cNvPr id="352" name="RS_Classification_Standard"/>
+          <p:cNvPr id="424" name="RS_Classification_Standard"/>
           <p:cNvSpPr txBox="1"/>
           <p:nvPr/>
         </p:nvSpPr>
@@ -20838,7 +21217,7 @@
       </mc:AlternateContent>
       <p:sp>
         <p:nvSpPr>
-          <p:cNvPr id="354" name="RS_Classification_Standard"/>
+          <p:cNvPr id="426" name="RS_Classification_Standard"/>
           <p:cNvSpPr txBox="1"/>
           <p:nvPr/>
         </p:nvSpPr>
@@ -21965,7 +22344,7 @@
       </p:cxnSp>
       <p:sp>
         <p:nvSpPr>
-          <p:cNvPr id="396" name="RS_Classification_Standard"/>
+          <p:cNvPr id="468" name="RS_Classification_Standard"/>
           <p:cNvSpPr txBox="1"/>
           <p:nvPr/>
         </p:nvSpPr>
@@ -23256,7 +23635,7 @@
       </mc:AlternateContent>
       <p:sp>
         <p:nvSpPr>
-          <p:cNvPr id="351" name="RS_Classification_Standard"/>
+          <p:cNvPr id="423" name="RS_Classification_Standard"/>
           <p:cNvSpPr txBox="1"/>
           <p:nvPr/>
         </p:nvSpPr>
@@ -23477,7 +23856,7 @@
       </p:pic>
       <p:sp>
         <p:nvSpPr>
-          <p:cNvPr id="324" name="RS_Classification_Standard"/>
+          <p:cNvPr id="396" name="RS_Classification_Standard"/>
           <p:cNvSpPr txBox="1"/>
           <p:nvPr/>
         </p:nvSpPr>
@@ -23678,7 +24057,7 @@
       </p:sp>
       <p:sp>
         <p:nvSpPr>
-          <p:cNvPr id="381" name="RS_Classification_Standard"/>
+          <p:cNvPr id="453" name="RS_Classification_Standard"/>
           <p:cNvSpPr txBox="1"/>
           <p:nvPr/>
         </p:nvSpPr>
@@ -23763,7 +24142,7 @@
         </p:nvSpPr>
         <p:spPr>
           <a:xfrm>
-            <a:off x="318009" y="1492440"/>
+            <a:off x="318009" y="1352955"/>
             <a:ext cx="8508999" cy="4699572"/>
           </a:xfrm>
         </p:spPr>
@@ -23776,9 +24155,10 @@
               <a:buChar char="•"/>
             </a:pPr>
             <a:r>
-              <a:rPr lang="en-US" dirty="0"/>
-              <a:t>Memory access in the decoder is regular.</a:t>
-            </a:r>
+              <a:rPr lang="en-US" dirty="0" smtClean="0"/>
+              <a:t>VN, CN and bit combination operations fetch a block of memory to perform vector operations.</a:t>
+            </a:r>
+            <a:endParaRPr lang="en-US" dirty="0"/>
           </a:p>
           <a:p>
             <a:pPr marL="285750" indent="-285750">
@@ -23786,8 +24166,16 @@
               <a:buChar char="•"/>
             </a:pPr>
             <a:r>
+              <a:rPr lang="en-US" dirty="0" smtClean="0"/>
+              <a:t>Memory </a:t>
+            </a:r>
+            <a:r>
               <a:rPr lang="en-US" dirty="0"/>
-              <a:t>Future memory which is going to be accessed is known in advance.</a:t>
+              <a:t>access </a:t>
+            </a:r>
+            <a:r>
+              <a:rPr lang="en-US" dirty="0" smtClean="0"/>
+              <a:t>pattern in all these is regular and known in advance.</a:t>
             </a:r>
           </a:p>
           <a:p>
@@ -23796,11 +24184,54 @@
               <a:buChar char="•"/>
             </a:pPr>
             <a:r>
+              <a:rPr lang="en-US" dirty="0" smtClean="0"/>
+              <a:t>To avoid memory access latency future memory accesses can be fetched to cache well in advance.</a:t>
+            </a:r>
+            <a:endParaRPr lang="en-US" dirty="0"/>
+          </a:p>
+          <a:p>
+            <a:pPr marL="285750" indent="-285750">
+              <a:buFont typeface="Arial" panose="020B0604020202020204" pitchFamily="34" charset="0"/>
+              <a:buChar char="•"/>
+            </a:pPr>
+            <a:r>
+              <a:rPr lang="en-US" dirty="0" smtClean="0"/>
+              <a:t>Cache line fetching </a:t>
+            </a:r>
+            <a:r>
               <a:rPr lang="en-US" dirty="0"/>
-              <a:t>Memory access latency can be overcome by issuing non blocking cache line fetch instruction in advance.</a:t>
-            </a:r>
-          </a:p>
-          <a:p>
+              <a:t>is </a:t>
+            </a:r>
+            <a:r>
+              <a:rPr lang="en-US" dirty="0" smtClean="0"/>
+              <a:t>provided non blocking </a:t>
+            </a:r>
+            <a:r>
+              <a:rPr lang="en-US" dirty="0">
+                <a:latin typeface="Simplified Arabic Fixed" panose="02070309020205020404" pitchFamily="49" charset="-78"/>
+                <a:cs typeface="Simplified Arabic Fixed" panose="02070309020205020404" pitchFamily="49" charset="-78"/>
+              </a:rPr>
+              <a:t>PREFETCH</a:t>
+            </a:r>
+            <a:r>
+              <a:rPr lang="en-US" dirty="0"/>
+              <a:t> </a:t>
+            </a:r>
+            <a:r>
+              <a:rPr lang="en-US" dirty="0" smtClean="0"/>
+              <a:t>instruction provided by latest </a:t>
+            </a:r>
+            <a:r>
+              <a:rPr lang="en-US" dirty="0" smtClean="0">
+                <a:latin typeface="Simplified Arabic Fixed" panose="02070309020205020404" pitchFamily="49" charset="-78"/>
+                <a:cs typeface="Simplified Arabic Fixed" panose="02070309020205020404" pitchFamily="49" charset="-78"/>
+              </a:rPr>
+              <a:t>3dnow</a:t>
+            </a:r>
+            <a:r>
+              <a:rPr lang="en-US" dirty="0" smtClean="0"/>
+              <a:t> extension of AMD EPYC processor.</a:t>
+            </a:r>
             <a:endParaRPr lang="en-US" dirty="0"/>
           </a:p>
         </p:txBody>
@@ -23841,7 +24272,7 @@
         </p:nvSpPr>
         <p:spPr>
           <a:xfrm>
-            <a:off x="318009" y="881409"/>
+            <a:off x="318009" y="736236"/>
             <a:ext cx="8508999" cy="410369"/>
           </a:xfrm>
         </p:spPr>
@@ -23860,9 +24291,682 @@
           </a:p>
         </p:txBody>
       </p:sp>
+      <p:grpSp>
+        <p:nvGrpSpPr>
+          <p:cNvPr id="408" name="Group 407"/>
+          <p:cNvGrpSpPr/>
+          <p:nvPr/>
+        </p:nvGrpSpPr>
+        <p:grpSpPr>
+          <a:xfrm>
+            <a:off x="1162372" y="4200778"/>
+            <a:ext cx="6354306" cy="1580307"/>
+            <a:chOff x="2084521" y="4138785"/>
+            <a:chExt cx="6354306" cy="1580307"/>
+          </a:xfrm>
+        </p:grpSpPr>
+        <p:grpSp>
+          <p:nvGrpSpPr>
+            <p:cNvPr id="393" name="Group 392"/>
+            <p:cNvGrpSpPr/>
+            <p:nvPr/>
+          </p:nvGrpSpPr>
+          <p:grpSpPr>
+            <a:xfrm>
+              <a:off x="2084521" y="4244039"/>
+              <a:ext cx="4037817" cy="1475053"/>
+              <a:chOff x="2084521" y="4244039"/>
+              <a:chExt cx="4037817" cy="1475053"/>
+            </a:xfrm>
+          </p:grpSpPr>
+          <p:sp>
+            <p:nvSpPr>
+              <p:cNvPr id="371" name="Rounded Rectangle 370"/>
+              <p:cNvSpPr/>
+              <p:nvPr/>
+            </p:nvSpPr>
+            <p:spPr>
+              <a:xfrm rot="5400000" flipH="1" flipV="1">
+                <a:off x="1812164" y="4640602"/>
+                <a:ext cx="1226640" cy="681926"/>
+              </a:xfrm>
+              <a:prstGeom prst="roundRect">
+                <a:avLst/>
+              </a:prstGeom>
+              <a:ln/>
+            </p:spPr>
+            <p:style>
+              <a:lnRef idx="2">
+                <a:schemeClr val="accent3"/>
+              </a:lnRef>
+              <a:fillRef idx="1">
+                <a:schemeClr val="lt1"/>
+              </a:fillRef>
+              <a:effectRef idx="0">
+                <a:schemeClr val="accent3"/>
+              </a:effectRef>
+              <a:fontRef idx="minor">
+                <a:schemeClr val="dk1"/>
+              </a:fontRef>
+            </p:style>
+            <p:txBody>
+              <a:bodyPr rot="0" spcFirstLastPara="0" vertOverflow="overflow" horzOverflow="overflow" vert="horz" wrap="square" lIns="91440" tIns="45720" rIns="91440" bIns="45720" numCol="1" spcCol="0" rtlCol="0" fromWordArt="0" anchor="t" anchorCtr="0" forceAA="0" compatLnSpc="1">
+                <a:prstTxWarp prst="textNoShape">
+                  <a:avLst/>
+                </a:prstTxWarp>
+                <a:noAutofit/>
+              </a:bodyPr>
+              <a:lstStyle/>
+              <a:p>
+                <a:pPr algn="ctr">
+                  <a:lnSpc>
+                    <a:spcPct val="114000"/>
+                  </a:lnSpc>
+                </a:pPr>
+                <a:endParaRPr lang="en-US" sz="1200" dirty="0" smtClean="0"/>
+              </a:p>
+              <a:p>
+                <a:pPr algn="ctr">
+                  <a:lnSpc>
+                    <a:spcPct val="114000"/>
+                  </a:lnSpc>
+                </a:pPr>
+                <a:r>
+                  <a:rPr lang="en-US" sz="1200" dirty="0" smtClean="0"/>
+                  <a:t>Processor</a:t>
+                </a:r>
+                <a:endParaRPr lang="en-US" sz="1200" dirty="0" smtClean="0"/>
+              </a:p>
+            </p:txBody>
+          </p:sp>
+          <p:sp>
+            <p:nvSpPr>
+              <p:cNvPr id="372" name="Rounded Rectangle 371"/>
+              <p:cNvSpPr/>
+              <p:nvPr/>
+            </p:nvSpPr>
+            <p:spPr>
+              <a:xfrm>
+                <a:off x="3017558" y="4625104"/>
+                <a:ext cx="402955" cy="712922"/>
+              </a:xfrm>
+              <a:prstGeom prst="roundRect">
+                <a:avLst/>
+              </a:prstGeom>
+              <a:ln/>
+            </p:spPr>
+            <p:style>
+              <a:lnRef idx="2">
+                <a:schemeClr val="accent4"/>
+              </a:lnRef>
+              <a:fillRef idx="1">
+                <a:schemeClr val="lt1"/>
+              </a:fillRef>
+              <a:effectRef idx="0">
+                <a:schemeClr val="accent4"/>
+              </a:effectRef>
+              <a:fontRef idx="minor">
+                <a:schemeClr val="dk1"/>
+              </a:fontRef>
+            </p:style>
+            <p:txBody>
+              <a:bodyPr rot="0" spcFirstLastPara="0" vertOverflow="overflow" horzOverflow="overflow" vert="vert270" wrap="square" lIns="91440" tIns="45720" rIns="91440" bIns="45720" numCol="1" spcCol="0" rtlCol="0" fromWordArt="0" anchor="t" anchorCtr="0" forceAA="0" compatLnSpc="1">
+                <a:prstTxWarp prst="textNoShape">
+                  <a:avLst/>
+                </a:prstTxWarp>
+                <a:noAutofit/>
+              </a:bodyPr>
+              <a:lstStyle/>
+              <a:p>
+                <a:pPr algn="ctr">
+                  <a:lnSpc>
+                    <a:spcPct val="114000"/>
+                  </a:lnSpc>
+                </a:pPr>
+                <a:r>
+                  <a:rPr lang="en-US" sz="1000" dirty="0" smtClean="0"/>
+                  <a:t>L1-Cache</a:t>
+                </a:r>
+                <a:endParaRPr lang="en-US" sz="1000" dirty="0" smtClean="0"/>
+              </a:p>
+            </p:txBody>
+          </p:sp>
+          <p:sp>
+            <p:nvSpPr>
+              <p:cNvPr id="373" name="Rounded Rectangle 372"/>
+              <p:cNvSpPr/>
+              <p:nvPr/>
+            </p:nvSpPr>
+            <p:spPr>
+              <a:xfrm>
+                <a:off x="3596837" y="4558667"/>
+                <a:ext cx="490779" cy="845796"/>
+              </a:xfrm>
+              <a:prstGeom prst="roundRect">
+                <a:avLst/>
+              </a:prstGeom>
+              <a:ln/>
+            </p:spPr>
+            <p:style>
+              <a:lnRef idx="2">
+                <a:schemeClr val="accent4"/>
+              </a:lnRef>
+              <a:fillRef idx="1">
+                <a:schemeClr val="lt1"/>
+              </a:fillRef>
+              <a:effectRef idx="0">
+                <a:schemeClr val="accent4"/>
+              </a:effectRef>
+              <a:fontRef idx="minor">
+                <a:schemeClr val="dk1"/>
+              </a:fontRef>
+            </p:style>
+            <p:txBody>
+              <a:bodyPr rot="0" spcFirstLastPara="0" vertOverflow="overflow" horzOverflow="overflow" vert="vert270" wrap="square" lIns="91440" tIns="45720" rIns="91440" bIns="45720" numCol="1" spcCol="0" rtlCol="0" fromWordArt="0" anchor="t" anchorCtr="0" forceAA="0" compatLnSpc="1">
+                <a:prstTxWarp prst="textNoShape">
+                  <a:avLst/>
+                </a:prstTxWarp>
+                <a:noAutofit/>
+              </a:bodyPr>
+              <a:lstStyle/>
+              <a:p>
+                <a:pPr algn="ctr">
+                  <a:lnSpc>
+                    <a:spcPct val="114000"/>
+                  </a:lnSpc>
+                </a:pPr>
+                <a:r>
+                  <a:rPr lang="en-US" sz="1000" dirty="0" smtClean="0"/>
+                  <a:t>L2-Cache</a:t>
+                </a:r>
+                <a:endParaRPr lang="en-US" sz="1000" dirty="0" smtClean="0"/>
+              </a:p>
+            </p:txBody>
+          </p:sp>
+          <p:sp>
+            <p:nvSpPr>
+              <p:cNvPr id="374" name="Rounded Rectangle 373"/>
+              <p:cNvSpPr/>
+              <p:nvPr/>
+            </p:nvSpPr>
+            <p:spPr>
+              <a:xfrm>
+                <a:off x="4456167" y="4494452"/>
+                <a:ext cx="537274" cy="974226"/>
+              </a:xfrm>
+              <a:prstGeom prst="roundRect">
+                <a:avLst/>
+              </a:prstGeom>
+              <a:ln/>
+            </p:spPr>
+            <p:style>
+              <a:lnRef idx="2">
+                <a:schemeClr val="accent4"/>
+              </a:lnRef>
+              <a:fillRef idx="1">
+                <a:schemeClr val="lt1"/>
+              </a:fillRef>
+              <a:effectRef idx="0">
+                <a:schemeClr val="accent4"/>
+              </a:effectRef>
+              <a:fontRef idx="minor">
+                <a:schemeClr val="dk1"/>
+              </a:fontRef>
+            </p:style>
+            <p:txBody>
+              <a:bodyPr rot="0" spcFirstLastPara="0" vertOverflow="overflow" horzOverflow="overflow" vert="vert270" wrap="square" lIns="91440" tIns="45720" rIns="91440" bIns="45720" numCol="1" spcCol="0" rtlCol="0" fromWordArt="0" anchor="t" anchorCtr="0" forceAA="0" compatLnSpc="1">
+                <a:prstTxWarp prst="textNoShape">
+                  <a:avLst/>
+                </a:prstTxWarp>
+                <a:noAutofit/>
+              </a:bodyPr>
+              <a:lstStyle/>
+              <a:p>
+                <a:pPr algn="ctr">
+                  <a:lnSpc>
+                    <a:spcPct val="114000"/>
+                  </a:lnSpc>
+                </a:pPr>
+                <a:r>
+                  <a:rPr lang="en-US" sz="1000" dirty="0" smtClean="0"/>
+                  <a:t>L3-Cache</a:t>
+                </a:r>
+                <a:endParaRPr lang="en-US" sz="1000" dirty="0" smtClean="0"/>
+              </a:p>
+            </p:txBody>
+          </p:sp>
+          <p:sp>
+            <p:nvSpPr>
+              <p:cNvPr id="375" name="Rectangle 374"/>
+              <p:cNvSpPr/>
+              <p:nvPr/>
+            </p:nvSpPr>
+            <p:spPr>
+              <a:xfrm>
+                <a:off x="5607381" y="4244039"/>
+                <a:ext cx="514957" cy="1475053"/>
+              </a:xfrm>
+              <a:prstGeom prst="rect">
+                <a:avLst/>
+              </a:prstGeom>
+              <a:ln/>
+            </p:spPr>
+            <p:style>
+              <a:lnRef idx="2">
+                <a:schemeClr val="accent5"/>
+              </a:lnRef>
+              <a:fillRef idx="1">
+                <a:schemeClr val="lt1"/>
+              </a:fillRef>
+              <a:effectRef idx="0">
+                <a:schemeClr val="accent5"/>
+              </a:effectRef>
+              <a:fontRef idx="minor">
+                <a:schemeClr val="dk1"/>
+              </a:fontRef>
+            </p:style>
+            <p:txBody>
+              <a:bodyPr rot="0" spcFirstLastPara="0" vertOverflow="overflow" horzOverflow="overflow" vert="vert270" wrap="square" lIns="91440" tIns="45720" rIns="91440" bIns="45720" numCol="1" spcCol="0" rtlCol="0" fromWordArt="0" anchor="t" anchorCtr="0" forceAA="0" compatLnSpc="1">
+                <a:prstTxWarp prst="textNoShape">
+                  <a:avLst/>
+                </a:prstTxWarp>
+                <a:noAutofit/>
+              </a:bodyPr>
+              <a:lstStyle/>
+              <a:p>
+                <a:pPr algn="ctr">
+                  <a:lnSpc>
+                    <a:spcPct val="114000"/>
+                  </a:lnSpc>
+                </a:pPr>
+                <a:r>
+                  <a:rPr lang="en-US" sz="1000" dirty="0" smtClean="0"/>
+                  <a:t>Main memory</a:t>
+                </a:r>
+                <a:endParaRPr lang="en-US" sz="1000" dirty="0" smtClean="0"/>
+              </a:p>
+            </p:txBody>
+          </p:sp>
+          <p:cxnSp>
+            <p:nvCxnSpPr>
+              <p:cNvPr id="377" name="Straight Connector 376"/>
+              <p:cNvCxnSpPr>
+                <a:stCxn id="371" idx="2"/>
+                <a:endCxn id="372" idx="1"/>
+              </p:cNvCxnSpPr>
+              <p:nvPr/>
+            </p:nvCxnSpPr>
+            <p:spPr>
+              <a:xfrm>
+                <a:off x="2766447" y="4981565"/>
+                <a:ext cx="251111" cy="0"/>
+              </a:xfrm>
+              <a:prstGeom prst="line">
+                <a:avLst/>
+              </a:prstGeom>
+            </p:spPr>
+            <p:style>
+              <a:lnRef idx="3">
+                <a:schemeClr val="dk1"/>
+              </a:lnRef>
+              <a:fillRef idx="0">
+                <a:schemeClr val="dk1"/>
+              </a:fillRef>
+              <a:effectRef idx="2">
+                <a:schemeClr val="dk1"/>
+              </a:effectRef>
+              <a:fontRef idx="minor">
+                <a:schemeClr val="tx1"/>
+              </a:fontRef>
+            </p:style>
+          </p:cxnSp>
+          <p:cxnSp>
+            <p:nvCxnSpPr>
+              <p:cNvPr id="381" name="Straight Arrow Connector 380"/>
+              <p:cNvCxnSpPr/>
+              <p:nvPr/>
+            </p:nvCxnSpPr>
+            <p:spPr>
+              <a:xfrm>
+                <a:off x="3420513" y="4819973"/>
+                <a:ext cx="176324" cy="0"/>
+              </a:xfrm>
+              <a:prstGeom prst="straightConnector1">
+                <a:avLst/>
+              </a:prstGeom>
+              <a:ln>
+                <a:tailEnd type="triangle"/>
+              </a:ln>
+            </p:spPr>
+            <p:style>
+              <a:lnRef idx="3">
+                <a:schemeClr val="accent1"/>
+              </a:lnRef>
+              <a:fillRef idx="0">
+                <a:schemeClr val="accent1"/>
+              </a:fillRef>
+              <a:effectRef idx="2">
+                <a:schemeClr val="accent1"/>
+              </a:effectRef>
+              <a:fontRef idx="minor">
+                <a:schemeClr val="tx1"/>
+              </a:fontRef>
+            </p:style>
+          </p:cxnSp>
+          <p:cxnSp>
+            <p:nvCxnSpPr>
+              <p:cNvPr id="382" name="Straight Arrow Connector 381"/>
+              <p:cNvCxnSpPr/>
+              <p:nvPr/>
+            </p:nvCxnSpPr>
+            <p:spPr>
+              <a:xfrm>
+                <a:off x="4087616" y="4819973"/>
+                <a:ext cx="368551" cy="0"/>
+              </a:xfrm>
+              <a:prstGeom prst="straightConnector1">
+                <a:avLst/>
+              </a:prstGeom>
+              <a:ln>
+                <a:tailEnd type="triangle"/>
+              </a:ln>
+            </p:spPr>
+            <p:style>
+              <a:lnRef idx="3">
+                <a:schemeClr val="accent1"/>
+              </a:lnRef>
+              <a:fillRef idx="0">
+                <a:schemeClr val="accent1"/>
+              </a:fillRef>
+              <a:effectRef idx="2">
+                <a:schemeClr val="accent1"/>
+              </a:effectRef>
+              <a:fontRef idx="minor">
+                <a:schemeClr val="tx1"/>
+              </a:fontRef>
+            </p:style>
+          </p:cxnSp>
+          <p:cxnSp>
+            <p:nvCxnSpPr>
+              <p:cNvPr id="384" name="Straight Arrow Connector 383"/>
+              <p:cNvCxnSpPr/>
+              <p:nvPr/>
+            </p:nvCxnSpPr>
+            <p:spPr>
+              <a:xfrm>
+                <a:off x="4993441" y="4819973"/>
+                <a:ext cx="613940" cy="2583"/>
+              </a:xfrm>
+              <a:prstGeom prst="straightConnector1">
+                <a:avLst/>
+              </a:prstGeom>
+              <a:ln>
+                <a:tailEnd type="triangle"/>
+              </a:ln>
+            </p:spPr>
+            <p:style>
+              <a:lnRef idx="3">
+                <a:schemeClr val="accent1"/>
+              </a:lnRef>
+              <a:fillRef idx="0">
+                <a:schemeClr val="accent1"/>
+              </a:fillRef>
+              <a:effectRef idx="2">
+                <a:schemeClr val="accent1"/>
+              </a:effectRef>
+              <a:fontRef idx="minor">
+                <a:schemeClr val="tx1"/>
+              </a:fontRef>
+            </p:style>
+          </p:cxnSp>
+          <p:cxnSp>
+            <p:nvCxnSpPr>
+              <p:cNvPr id="387" name="Straight Arrow Connector 386"/>
+              <p:cNvCxnSpPr/>
+              <p:nvPr/>
+            </p:nvCxnSpPr>
+            <p:spPr>
+              <a:xfrm flipH="1">
+                <a:off x="4993441" y="5106692"/>
+                <a:ext cx="613940" cy="23247"/>
+              </a:xfrm>
+              <a:prstGeom prst="straightConnector1">
+                <a:avLst/>
+              </a:prstGeom>
+              <a:ln>
+                <a:tailEnd type="triangle"/>
+              </a:ln>
+            </p:spPr>
+            <p:style>
+              <a:lnRef idx="3">
+                <a:schemeClr val="dk1"/>
+              </a:lnRef>
+              <a:fillRef idx="0">
+                <a:schemeClr val="dk1"/>
+              </a:fillRef>
+              <a:effectRef idx="2">
+                <a:schemeClr val="dk1"/>
+              </a:effectRef>
+              <a:fontRef idx="minor">
+                <a:schemeClr val="tx1"/>
+              </a:fontRef>
+            </p:style>
+          </p:cxnSp>
+          <p:cxnSp>
+            <p:nvCxnSpPr>
+              <p:cNvPr id="388" name="Straight Arrow Connector 387"/>
+              <p:cNvCxnSpPr/>
+              <p:nvPr/>
+            </p:nvCxnSpPr>
+            <p:spPr>
+              <a:xfrm flipH="1" flipV="1">
+                <a:off x="4087406" y="5118315"/>
+                <a:ext cx="368761" cy="1"/>
+              </a:xfrm>
+              <a:prstGeom prst="straightConnector1">
+                <a:avLst/>
+              </a:prstGeom>
+              <a:ln>
+                <a:tailEnd type="triangle"/>
+              </a:ln>
+            </p:spPr>
+            <p:style>
+              <a:lnRef idx="3">
+                <a:schemeClr val="dk1"/>
+              </a:lnRef>
+              <a:fillRef idx="0">
+                <a:schemeClr val="dk1"/>
+              </a:fillRef>
+              <a:effectRef idx="2">
+                <a:schemeClr val="dk1"/>
+              </a:effectRef>
+              <a:fontRef idx="minor">
+                <a:schemeClr val="tx1"/>
+              </a:fontRef>
+            </p:style>
+          </p:cxnSp>
+          <p:cxnSp>
+            <p:nvCxnSpPr>
+              <p:cNvPr id="391" name="Straight Arrow Connector 390"/>
+              <p:cNvCxnSpPr/>
+              <p:nvPr/>
+            </p:nvCxnSpPr>
+            <p:spPr>
+              <a:xfrm flipH="1">
+                <a:off x="3411676" y="5118315"/>
+                <a:ext cx="184380" cy="1"/>
+              </a:xfrm>
+              <a:prstGeom prst="straightConnector1">
+                <a:avLst/>
+              </a:prstGeom>
+              <a:ln>
+                <a:tailEnd type="triangle"/>
+              </a:ln>
+            </p:spPr>
+            <p:style>
+              <a:lnRef idx="3">
+                <a:schemeClr val="dk1"/>
+              </a:lnRef>
+              <a:fillRef idx="0">
+                <a:schemeClr val="dk1"/>
+              </a:fillRef>
+              <a:effectRef idx="2">
+                <a:schemeClr val="dk1"/>
+              </a:effectRef>
+              <a:fontRef idx="minor">
+                <a:schemeClr val="tx1"/>
+              </a:fontRef>
+            </p:style>
+          </p:cxnSp>
+        </p:grpSp>
+        <p:cxnSp>
+          <p:nvCxnSpPr>
+            <p:cNvPr id="396" name="Straight Arrow Connector 395"/>
+            <p:cNvCxnSpPr/>
+            <p:nvPr/>
+          </p:nvCxnSpPr>
+          <p:spPr>
+            <a:xfrm>
+              <a:off x="6533089" y="4244039"/>
+              <a:ext cx="472145" cy="0"/>
+            </a:xfrm>
+            <a:prstGeom prst="straightConnector1">
+              <a:avLst/>
+            </a:prstGeom>
+            <a:ln>
+              <a:tailEnd type="triangle"/>
+            </a:ln>
+          </p:spPr>
+          <p:style>
+            <a:lnRef idx="3">
+              <a:schemeClr val="accent1"/>
+            </a:lnRef>
+            <a:fillRef idx="0">
+              <a:schemeClr val="accent1"/>
+            </a:fillRef>
+            <a:effectRef idx="2">
+              <a:schemeClr val="accent1"/>
+            </a:effectRef>
+            <a:fontRef idx="minor">
+              <a:schemeClr val="tx1"/>
+            </a:fontRef>
+          </p:style>
+        </p:cxnSp>
+        <p:cxnSp>
+          <p:nvCxnSpPr>
+            <p:cNvPr id="398" name="Straight Arrow Connector 397"/>
+            <p:cNvCxnSpPr/>
+            <p:nvPr/>
+          </p:nvCxnSpPr>
+          <p:spPr>
+            <a:xfrm flipV="1">
+              <a:off x="6533301" y="4624818"/>
+              <a:ext cx="471933" cy="286"/>
+            </a:xfrm>
+            <a:prstGeom prst="straightConnector1">
+              <a:avLst/>
+            </a:prstGeom>
+            <a:ln>
+              <a:tailEnd type="triangle"/>
+            </a:ln>
+          </p:spPr>
+          <p:style>
+            <a:lnRef idx="3">
+              <a:schemeClr val="dk1"/>
+            </a:lnRef>
+            <a:fillRef idx="0">
+              <a:schemeClr val="dk1"/>
+            </a:fillRef>
+            <a:effectRef idx="2">
+              <a:schemeClr val="dk1"/>
+            </a:effectRef>
+            <a:fontRef idx="minor">
+              <a:schemeClr val="tx1"/>
+            </a:fontRef>
+          </p:style>
+        </p:cxnSp>
+        <p:sp>
+          <p:nvSpPr>
+            <p:cNvPr id="401" name="TextBox 400"/>
+            <p:cNvSpPr txBox="1"/>
+            <p:nvPr/>
+          </p:nvSpPr>
+          <p:spPr>
+            <a:xfrm>
+              <a:off x="7067227" y="4138785"/>
+              <a:ext cx="1371600" cy="210507"/>
+            </a:xfrm>
+            <a:prstGeom prst="rect">
+              <a:avLst/>
+            </a:prstGeom>
+            <a:noFill/>
+          </p:spPr>
+          <p:txBody>
+            <a:bodyPr wrap="square" lIns="0" tIns="0" rIns="0" bIns="0" rtlCol="0">
+              <a:spAutoFit/>
+            </a:bodyPr>
+            <a:lstStyle/>
+            <a:p>
+              <a:pPr>
+                <a:lnSpc>
+                  <a:spcPct val="114000"/>
+                </a:lnSpc>
+              </a:pPr>
+              <a:r>
+                <a:rPr lang="en-US" sz="1200" dirty="0" smtClean="0">
+                  <a:latin typeface="+mn-lt"/>
+                </a:rPr>
+                <a:t>Prefetching request</a:t>
+              </a:r>
+              <a:endParaRPr lang="en-US" sz="1200" dirty="0" smtClean="0">
+                <a:latin typeface="+mn-lt"/>
+              </a:endParaRPr>
+            </a:p>
+          </p:txBody>
+        </p:sp>
+        <p:sp>
+          <p:nvSpPr>
+            <p:cNvPr id="402" name="TextBox 401"/>
+            <p:cNvSpPr txBox="1"/>
+            <p:nvPr/>
+          </p:nvSpPr>
+          <p:spPr>
+            <a:xfrm>
+              <a:off x="7067227" y="4542964"/>
+              <a:ext cx="1247614" cy="193002"/>
+            </a:xfrm>
+            <a:prstGeom prst="rect">
+              <a:avLst/>
+            </a:prstGeom>
+            <a:noFill/>
+          </p:spPr>
+          <p:txBody>
+            <a:bodyPr wrap="square" lIns="0" tIns="0" rIns="0" bIns="0" rtlCol="0">
+              <a:spAutoFit/>
+            </a:bodyPr>
+            <a:lstStyle/>
+            <a:p>
+              <a:pPr>
+                <a:lnSpc>
+                  <a:spcPct val="114000"/>
+                </a:lnSpc>
+              </a:pPr>
+              <a:r>
+                <a:rPr lang="en-US" sz="1200" dirty="0" smtClean="0">
+                  <a:latin typeface="+mn-lt"/>
+                </a:rPr>
+                <a:t>Data transfer</a:t>
+              </a:r>
+              <a:endParaRPr lang="en-US" sz="1200" dirty="0" smtClean="0">
+                <a:latin typeface="+mn-lt"/>
+              </a:endParaRPr>
+            </a:p>
+          </p:txBody>
+        </p:sp>
+      </p:grpSp>
       <p:sp>
         <p:nvSpPr>
-          <p:cNvPr id="349" name="RS_Classification_Standard"/>
+          <p:cNvPr id="452" name="RS_Classification_Standard"/>
           <p:cNvSpPr txBox="1"/>
           <p:nvPr/>
         </p:nvSpPr>
@@ -24000,7 +25104,7 @@
             </a:pPr>
             <a:r>
               <a:rPr lang="en-US" dirty="0" smtClean="0"/>
-              <a:t>At high SNR and low code rate scenarios this method can be used for low latency.</a:t>
+              <a:t>At high SNR and low code rate scenarios this method can be used.</a:t>
             </a:r>
           </a:p>
           <a:p>
@@ -24010,7 +25114,7 @@
             </a:pPr>
             <a:r>
               <a:rPr lang="en-US" dirty="0" smtClean="0"/>
-              <a:t>Pruning increases the BLER, Level of pruning and BLER.</a:t>
+              <a:t>Pruning increases the BLER. Level of pruning and BLER can be dealt as a trade-off.</a:t>
             </a:r>
             <a:endParaRPr lang="en-US" dirty="0"/>
           </a:p>
@@ -24071,9 +25175,39 @@
           </a:p>
         </p:txBody>
       </p:sp>
+      <p:pic>
+        <p:nvPicPr>
+          <p:cNvPr id="383" name="Picture 382"/>
+          <p:cNvPicPr>
+            <a:picLocks noChangeAspect="1"/>
+          </p:cNvPicPr>
+          <p:nvPr/>
+        </p:nvPicPr>
+        <p:blipFill>
+          <a:blip r:embed="rId3">
+            <a:extLst>
+              <a:ext uri="{28A0092B-C50C-407E-A947-70E740481C1C}">
+                <a14:useLocalDpi xmlns:a14="http://schemas.microsoft.com/office/drawing/2010/main" val="0"/>
+              </a:ext>
+            </a:extLst>
+          </a:blip>
+          <a:stretch>
+            <a:fillRect/>
+          </a:stretch>
+        </p:blipFill>
+        <p:spPr>
+          <a:xfrm>
+            <a:off x="875655" y="3264917"/>
+            <a:ext cx="6418411" cy="2922696"/>
+          </a:xfrm>
+          <a:prstGeom prst="rect">
+            <a:avLst/>
+          </a:prstGeom>
+        </p:spPr>
+      </p:pic>
       <p:sp>
         <p:nvSpPr>
-          <p:cNvPr id="349" name="RS_Classification_Standard"/>
+          <p:cNvPr id="422" name="RS_Classification_Standard"/>
           <p:cNvSpPr txBox="1"/>
           <p:nvPr/>
         </p:nvSpPr>
@@ -24403,7 +25537,7 @@
       </p:sp>
       <p:sp>
         <p:nvSpPr>
-          <p:cNvPr id="350" name="RS_Classification_Standard"/>
+          <p:cNvPr id="422" name="RS_Classification_Standard"/>
           <p:cNvSpPr txBox="1"/>
           <p:nvPr/>
         </p:nvSpPr>
@@ -24741,7 +25875,7 @@
       </p:sp>
       <p:sp>
         <p:nvSpPr>
-          <p:cNvPr id="381" name="RS_Classification_Standard"/>
+          <p:cNvPr id="453" name="RS_Classification_Standard"/>
           <p:cNvSpPr txBox="1"/>
           <p:nvPr/>
         </p:nvSpPr>
@@ -26277,7 +27411,7 @@
       </p:sp>
       <p:sp>
         <p:nvSpPr>
-          <p:cNvPr id="326" name="RS_Classification_Standard"/>
+          <p:cNvPr id="398" name="RS_Classification_Standard"/>
           <p:cNvSpPr txBox="1"/>
           <p:nvPr/>
         </p:nvSpPr>
@@ -26507,7 +27641,7 @@
       </p:sp>
       <p:sp>
         <p:nvSpPr>
-          <p:cNvPr id="381" name="RS_Classification_Standard"/>
+          <p:cNvPr id="453" name="RS_Classification_Standard"/>
           <p:cNvSpPr txBox="1"/>
           <p:nvPr/>
         </p:nvSpPr>
@@ -26807,7 +27941,7 @@
       </p:sp>
       <p:sp>
         <p:nvSpPr>
-          <p:cNvPr id="350" name="RS_Classification_Standard"/>
+          <p:cNvPr id="422" name="RS_Classification_Standard"/>
           <p:cNvSpPr txBox="1"/>
           <p:nvPr/>
         </p:nvSpPr>
@@ -26999,7 +28133,7 @@
       </p:sp>
       <p:sp>
         <p:nvSpPr>
-          <p:cNvPr id="382" name="RS_Classification_Standard"/>
+          <p:cNvPr id="454" name="RS_Classification_Standard"/>
           <p:cNvSpPr txBox="1"/>
           <p:nvPr/>
         </p:nvSpPr>
@@ -27545,7 +28679,7 @@
       </p:sp>
       <p:sp>
         <p:nvSpPr>
-          <p:cNvPr id="352" name="RS_Classification_Standard"/>
+          <p:cNvPr id="424" name="RS_Classification_Standard"/>
           <p:cNvSpPr txBox="1"/>
           <p:nvPr/>
         </p:nvSpPr>
@@ -27789,6 +28923,10 @@
                   </a:rPr>
                   <a:t> frozen bits.</a:t>
                 </a:r>
+                <a:r>
+                  <a:rPr lang="en-US" dirty="0"/>
+                  <a:t> superfluous</a:t>
+                </a:r>
                 <a:endParaRPr lang="en-US" dirty="0">
                   <a:latin typeface="Simplified Arabic Fixed" panose="02070309020205020404" pitchFamily="49" charset="-78"/>
                   <a:cs typeface="Simplified Arabic Fixed" panose="02070309020205020404" pitchFamily="49" charset="-78"/>
@@ -27853,6 +28991,13 @@
                   </a:rPr>
                   <a:t>.</a:t>
                 </a:r>
+              </a:p>
+              <a:p>
+                <a:endParaRPr lang="en-US" dirty="0" smtClean="0">
+                  <a:solidFill>
+                    <a:prstClr val="black"/>
+                  </a:solidFill>
+                </a:endParaRPr>
               </a:p>
               <a:p>
                 <a:pPr lvl="3" indent="0">
@@ -28650,13 +29795,13 @@
                       <m:t>∕∕</m:t>
                     </m:r>
                     <m:r>
-                      <a:rPr lang="en-US" i="1">
+                      <a:rPr lang="en-US" b="0" i="1" smtClean="0">
                         <a:solidFill>
                           <a:prstClr val="black"/>
                         </a:solidFill>
                         <a:latin typeface="Cambria Math" panose="02040503050406030204" pitchFamily="18" charset="0"/>
                       </a:rPr>
-                      <m:t>𝐽𝑢𝑠𝑡</m:t>
+                      <m:t>𝑆𝑢𝑝𝑒𝑟𝑓𝑙𝑢𝑜𝑢𝑠</m:t>
                     </m:r>
                     <m:r>
                       <a:rPr lang="en-US" i="1">
@@ -28950,7 +30095,7 @@
       </p:pic>
       <p:sp>
         <p:nvSpPr>
-          <p:cNvPr id="387" name="RS_Classification_Standard"/>
+          <p:cNvPr id="459" name="RS_Classification_Standard"/>
           <p:cNvSpPr txBox="1"/>
           <p:nvPr/>
         </p:nvSpPr>
@@ -29318,7 +30463,7 @@
       </p:sp>
       <p:sp>
         <p:nvSpPr>
-          <p:cNvPr id="382" name="RS_Classification_Standard"/>
+          <p:cNvPr id="454" name="RS_Classification_Standard"/>
           <p:cNvSpPr txBox="1"/>
           <p:nvPr/>
         </p:nvSpPr>
@@ -29529,7 +30674,7 @@
       </p:sp>
       <p:sp>
         <p:nvSpPr>
-          <p:cNvPr id="357" name="RS_Classification_Standard"/>
+          <p:cNvPr id="429" name="RS_Classification_Standard"/>
           <p:cNvSpPr txBox="1"/>
           <p:nvPr/>
         </p:nvSpPr>
@@ -29924,7 +31069,7 @@
       </p:sp>
       <p:sp>
         <p:nvSpPr>
-          <p:cNvPr id="359" name="RS_Classification_Standard"/>
+          <p:cNvPr id="431" name="RS_Classification_Standard"/>
           <p:cNvSpPr txBox="1"/>
           <p:nvPr/>
         </p:nvSpPr>
@@ -32000,7 +33145,7 @@
       </p:sp>
       <p:sp>
         <p:nvSpPr>
-          <p:cNvPr id="210" name="RS_Classification_Standard"/>
+          <p:cNvPr id="282" name="RS_Classification_Standard"/>
           <p:cNvSpPr txBox="1"/>
           <p:nvPr/>
         </p:nvSpPr>

--- a/final_presentation/finalPpt.pptx
+++ b/final_presentation/finalPpt.pptx
@@ -10,10 +10,10 @@
     <p:sldMasterId id="2147483697" r:id="rId6"/>
   </p:sldMasterIdLst>
   <p:notesMasterIdLst>
-    <p:notesMasterId r:id="rId44"/>
+    <p:notesMasterId r:id="rId45"/>
   </p:notesMasterIdLst>
   <p:handoutMasterIdLst>
-    <p:handoutMasterId r:id="rId45"/>
+    <p:handoutMasterId r:id="rId46"/>
   </p:handoutMasterIdLst>
   <p:sldIdLst>
     <p:sldId id="396" r:id="rId7"/>
@@ -23,8 +23,8 @@
     <p:sldId id="399" r:id="rId11"/>
     <p:sldId id="401" r:id="rId12"/>
     <p:sldId id="415" r:id="rId13"/>
-    <p:sldId id="417" r:id="rId14"/>
-    <p:sldId id="431" r:id="rId15"/>
+    <p:sldId id="431" r:id="rId14"/>
+    <p:sldId id="417" r:id="rId15"/>
     <p:sldId id="416" r:id="rId16"/>
     <p:sldId id="418" r:id="rId17"/>
     <p:sldId id="400" r:id="rId18"/>
@@ -36,28 +36,29 @@
     <p:sldId id="407" r:id="rId24"/>
     <p:sldId id="406" r:id="rId25"/>
     <p:sldId id="410" r:id="rId26"/>
-    <p:sldId id="413" r:id="rId27"/>
-    <p:sldId id="414" r:id="rId28"/>
-    <p:sldId id="419" r:id="rId29"/>
-    <p:sldId id="421" r:id="rId30"/>
-    <p:sldId id="422" r:id="rId31"/>
-    <p:sldId id="423" r:id="rId32"/>
-    <p:sldId id="424" r:id="rId33"/>
-    <p:sldId id="420" r:id="rId34"/>
-    <p:sldId id="429" r:id="rId35"/>
-    <p:sldId id="425" r:id="rId36"/>
-    <p:sldId id="427" r:id="rId37"/>
-    <p:sldId id="428" r:id="rId38"/>
-    <p:sldId id="409" r:id="rId39"/>
-    <p:sldId id="426" r:id="rId40"/>
-    <p:sldId id="411" r:id="rId41"/>
-    <p:sldId id="430" r:id="rId42"/>
-    <p:sldId id="412" r:id="rId43"/>
+    <p:sldId id="432" r:id="rId27"/>
+    <p:sldId id="413" r:id="rId28"/>
+    <p:sldId id="414" r:id="rId29"/>
+    <p:sldId id="419" r:id="rId30"/>
+    <p:sldId id="421" r:id="rId31"/>
+    <p:sldId id="422" r:id="rId32"/>
+    <p:sldId id="423" r:id="rId33"/>
+    <p:sldId id="424" r:id="rId34"/>
+    <p:sldId id="420" r:id="rId35"/>
+    <p:sldId id="429" r:id="rId36"/>
+    <p:sldId id="425" r:id="rId37"/>
+    <p:sldId id="427" r:id="rId38"/>
+    <p:sldId id="428" r:id="rId39"/>
+    <p:sldId id="409" r:id="rId40"/>
+    <p:sldId id="426" r:id="rId41"/>
+    <p:sldId id="411" r:id="rId42"/>
+    <p:sldId id="430" r:id="rId43"/>
+    <p:sldId id="412" r:id="rId44"/>
   </p:sldIdLst>
   <p:sldSz cx="9144000" cy="6858000" type="screen4x3"/>
   <p:notesSz cx="9925050" cy="6665913"/>
   <p:custDataLst>
-    <p:tags r:id="rId46"/>
+    <p:tags r:id="rId47"/>
   </p:custDataLst>
   <p:defaultTextStyle>
     <a:defPPr>
@@ -1027,12 +1028,16 @@
           <a:p>
             <a:r>
               <a:rPr lang="en-US" dirty="0" smtClean="0"/>
-              <a:t>Low priority</a:t>
-            </a:r>
-            <a:r>
-              <a:rPr lang="en-US" baseline="0" dirty="0" smtClean="0"/>
-              <a:t>, can be removed if needed.</a:t>
-            </a:r>
+              <a:t>position searching, polar transform</a:t>
+            </a:r>
+          </a:p>
+          <a:p>
+            <a:r>
+              <a:rPr lang="en-US" dirty="0" smtClean="0"/>
+              <a:t> Parity calculation,</a:t>
+            </a:r>
+          </a:p>
+          <a:p>
             <a:endParaRPr lang="en-US" dirty="0"/>
           </a:p>
         </p:txBody>
@@ -1069,7 +1074,7 @@
     </p:spTree>
     <p:extLst>
       <p:ext uri="{BB962C8B-B14F-4D97-AF65-F5344CB8AC3E}">
-        <p14:creationId xmlns:p14="http://schemas.microsoft.com/office/powerpoint/2010/main" val="2111189960"/>
+        <p14:creationId xmlns:p14="http://schemas.microsoft.com/office/powerpoint/2010/main" val="906912703"/>
       </p:ext>
     </p:extLst>
   </p:cSld>
@@ -1123,6 +1128,14 @@
           <a:bodyPr/>
           <a:lstStyle/>
           <a:p>
+            <a:r>
+              <a:rPr lang="en-US" dirty="0" smtClean="0"/>
+              <a:t>Low priority</a:t>
+            </a:r>
+            <a:r>
+              <a:rPr lang="en-US" baseline="0" dirty="0" smtClean="0"/>
+              <a:t>, can be removed if needed.</a:t>
+            </a:r>
             <a:endParaRPr lang="en-US" dirty="0"/>
           </a:p>
         </p:txBody>
@@ -1150,7 +1163,97 @@
               <a:pPr>
                 <a:defRPr/>
               </a:pPr>
-              <a:t>34</a:t>
+              <a:t>29</a:t>
+            </a:fld>
+            <a:endParaRPr lang="en-GB"/>
+          </a:p>
+        </p:txBody>
+      </p:sp>
+    </p:spTree>
+    <p:extLst>
+      <p:ext uri="{BB962C8B-B14F-4D97-AF65-F5344CB8AC3E}">
+        <p14:creationId xmlns:p14="http://schemas.microsoft.com/office/powerpoint/2010/main" val="2111189960"/>
+      </p:ext>
+    </p:extLst>
+  </p:cSld>
+  <p:clrMapOvr>
+    <a:masterClrMapping/>
+  </p:clrMapOvr>
+</p:notes>
+</file>
+
+<file path=ppt/notesSlides/notesSlide12.xml><?xml version="1.0" encoding="utf-8"?>
+<p:notes xmlns:a="http://schemas.openxmlformats.org/drawingml/2006/main" xmlns:r="http://schemas.openxmlformats.org/officeDocument/2006/relationships" xmlns:p="http://schemas.openxmlformats.org/presentationml/2006/main">
+  <p:cSld>
+    <p:spTree>
+      <p:nvGrpSpPr>
+        <p:cNvPr id="1" name=""/>
+        <p:cNvGrpSpPr/>
+        <p:nvPr/>
+      </p:nvGrpSpPr>
+      <p:grpSpPr>
+        <a:xfrm>
+          <a:off x="0" y="0"/>
+          <a:ext cx="0" cy="0"/>
+          <a:chOff x="0" y="0"/>
+          <a:chExt cx="0" cy="0"/>
+        </a:xfrm>
+      </p:grpSpPr>
+      <p:sp>
+        <p:nvSpPr>
+          <p:cNvPr id="2" name="Slide Image Placeholder 1"/>
+          <p:cNvSpPr>
+            <a:spLocks noGrp="1" noRot="1" noChangeAspect="1"/>
+          </p:cNvSpPr>
+          <p:nvPr>
+            <p:ph type="sldImg"/>
+          </p:nvPr>
+        </p:nvSpPr>
+        <p:spPr/>
+      </p:sp>
+      <p:sp>
+        <p:nvSpPr>
+          <p:cNvPr id="3" name="Notes Placeholder 2"/>
+          <p:cNvSpPr>
+            <a:spLocks noGrp="1"/>
+          </p:cNvSpPr>
+          <p:nvPr>
+            <p:ph type="body" idx="1"/>
+          </p:nvPr>
+        </p:nvSpPr>
+        <p:spPr/>
+        <p:txBody>
+          <a:bodyPr/>
+          <a:lstStyle/>
+          <a:p>
+            <a:endParaRPr lang="en-US" dirty="0"/>
+          </a:p>
+        </p:txBody>
+      </p:sp>
+      <p:sp>
+        <p:nvSpPr>
+          <p:cNvPr id="4" name="Slide Number Placeholder 3"/>
+          <p:cNvSpPr>
+            <a:spLocks noGrp="1"/>
+          </p:cNvSpPr>
+          <p:nvPr>
+            <p:ph type="sldNum" sz="quarter" idx="10"/>
+          </p:nvPr>
+        </p:nvSpPr>
+        <p:spPr/>
+        <p:txBody>
+          <a:bodyPr/>
+          <a:lstStyle/>
+          <a:p>
+            <a:pPr>
+              <a:defRPr/>
+            </a:pPr>
+            <a:fld id="{00AFC6D0-44D5-4EB7-828F-6F464F83D79A}" type="slidenum">
+              <a:rPr lang="en-GB" smtClean="0"/>
+              <a:pPr>
+                <a:defRPr/>
+              </a:pPr>
+              <a:t>35</a:t>
             </a:fld>
             <a:endParaRPr lang="en-GB"/>
           </a:p>
@@ -1339,7 +1442,7 @@
     </p:spTree>
     <p:extLst>
       <p:ext uri="{BB962C8B-B14F-4D97-AF65-F5344CB8AC3E}">
-        <p14:creationId xmlns:p14="http://schemas.microsoft.com/office/powerpoint/2010/main" val="1331145926"/>
+        <p14:creationId xmlns:p14="http://schemas.microsoft.com/office/powerpoint/2010/main" val="838286246"/>
       </p:ext>
     </p:extLst>
   </p:cSld>
@@ -1429,7 +1532,7 @@
     </p:spTree>
     <p:extLst>
       <p:ext uri="{BB962C8B-B14F-4D97-AF65-F5344CB8AC3E}">
-        <p14:creationId xmlns:p14="http://schemas.microsoft.com/office/powerpoint/2010/main" val="838286246"/>
+        <p14:creationId xmlns:p14="http://schemas.microsoft.com/office/powerpoint/2010/main" val="1331145926"/>
       </p:ext>
     </p:extLst>
   </p:cSld>
@@ -1866,17 +1969,19 @@
           <a:lstStyle/>
           <a:p>
             <a:r>
-              <a:rPr lang="en-US" dirty="0" smtClean="0"/>
-              <a:t>position searching, polar transform</a:t>
-            </a:r>
-          </a:p>
-          <a:p>
-            <a:r>
-              <a:rPr lang="en-US" dirty="0" smtClean="0"/>
-              <a:t> Parity calculation,</a:t>
-            </a:r>
-          </a:p>
-          <a:p>
+              <a:rPr lang="en-US" dirty="0"/>
+              <a:t>Functional implementation done</a:t>
+            </a:r>
+            <a:r>
+              <a:rPr lang="en-US" baseline="0" dirty="0"/>
+              <a:t> by colleague at R&amp;S.</a:t>
+            </a:r>
+          </a:p>
+          <a:p>
+            <a:r>
+              <a:rPr lang="en-US" baseline="0" dirty="0"/>
+              <a:t>For FPGA implementation, value is scaled according to N value.</a:t>
+            </a:r>
             <a:endParaRPr lang="en-US" dirty="0"/>
           </a:p>
         </p:txBody>
@@ -1904,7 +2009,7 @@
               <a:pPr>
                 <a:defRPr/>
               </a:pPr>
-              <a:t>27</a:t>
+              <a:t>21</a:t>
             </a:fld>
             <a:endParaRPr lang="en-GB"/>
           </a:p>
@@ -1913,7 +2018,7 @@
     </p:spTree>
     <p:extLst>
       <p:ext uri="{BB962C8B-B14F-4D97-AF65-F5344CB8AC3E}">
-        <p14:creationId xmlns:p14="http://schemas.microsoft.com/office/powerpoint/2010/main" val="906912703"/>
+        <p14:creationId xmlns:p14="http://schemas.microsoft.com/office/powerpoint/2010/main" val="1791216768"/>
       </p:ext>
     </p:extLst>
   </p:cSld>
@@ -8497,7 +8602,7 @@
             </a:r>
             <a:r>
               <a:rPr lang="de-DE" dirty="0" err="1" smtClean="0"/>
-              <a:t>Yadu</a:t>
+              <a:t>Yadhu</a:t>
             </a:r>
             <a:r>
               <a:rPr lang="de-DE" dirty="0"/>
@@ -8574,7 +8679,7 @@
       </p:sp>
       <p:sp>
         <p:nvSpPr>
-          <p:cNvPr id="454" name="RS_Classification_Standard"/>
+          <p:cNvPr id="508" name="RS_Classification_Standard"/>
           <p:cNvSpPr txBox="1"/>
           <p:nvPr/>
         </p:nvSpPr>
@@ -8856,7 +8961,7 @@
       </p:sp>
       <p:sp>
         <p:nvSpPr>
-          <p:cNvPr id="425" name="RS_Classification_Standard"/>
+          <p:cNvPr id="479" name="RS_Classification_Standard"/>
           <p:cNvSpPr txBox="1"/>
           <p:nvPr/>
         </p:nvSpPr>
@@ -9163,7 +9268,7 @@
       </p:pic>
       <p:sp>
         <p:nvSpPr>
-          <p:cNvPr id="424" name="RS_Classification_Standard"/>
+          <p:cNvPr id="478" name="RS_Classification_Standard"/>
           <p:cNvSpPr txBox="1"/>
           <p:nvPr/>
         </p:nvSpPr>
@@ -9441,7 +9546,7 @@
       </p:sp>
       <p:sp>
         <p:nvSpPr>
-          <p:cNvPr id="456" name="RS_Classification_Standard"/>
+          <p:cNvPr id="510" name="RS_Classification_Standard"/>
           <p:cNvSpPr txBox="1"/>
           <p:nvPr/>
         </p:nvSpPr>
@@ -9933,7 +10038,7 @@
       </p:pic>
       <p:sp>
         <p:nvSpPr>
-          <p:cNvPr id="424" name="RS_Classification_Standard"/>
+          <p:cNvPr id="478" name="RS_Classification_Standard"/>
           <p:cNvSpPr txBox="1"/>
           <p:nvPr/>
         </p:nvSpPr>
@@ -10274,7 +10379,7 @@
       </p:pic>
       <p:sp>
         <p:nvSpPr>
-          <p:cNvPr id="486" name="RS_Classification_Standard"/>
+          <p:cNvPr id="540" name="RS_Classification_Standard"/>
           <p:cNvSpPr txBox="1"/>
           <p:nvPr/>
         </p:nvSpPr>
@@ -10359,7 +10464,12 @@
                 <p:ph idx="1"/>
               </p:nvPr>
             </p:nvSpPr>
-            <p:spPr/>
+            <p:spPr>
+              <a:xfrm>
+                <a:off x="318009" y="1315960"/>
+                <a:ext cx="8508999" cy="5209198"/>
+              </a:xfrm>
+            </p:spPr>
             <p:txBody>
               <a:bodyPr/>
               <a:lstStyle/>
@@ -10373,6 +10483,861 @@
                   <a:t>Avoiding superfluous copy operations through intelligent memory layout design.</a:t>
                 </a:r>
                 <a:endParaRPr lang="en-US" dirty="0" smtClean="0"/>
+              </a:p>
+              <a:p>
+                <a:pPr lvl="3" indent="0">
+                  <a:buNone/>
+                </a:pPr>
+                <a:endParaRPr lang="en-US" i="1" dirty="0" smtClean="0">
+                  <a:solidFill>
+                    <a:prstClr val="black"/>
+                  </a:solidFill>
+                  <a:latin typeface="Cambria Math" panose="02040503050406030204" pitchFamily="18" charset="0"/>
+                </a:endParaRPr>
+              </a:p>
+              <a:p>
+                <a:pPr lvl="3" indent="0">
+                  <a:buNone/>
+                </a:pPr>
+                <a14:m>
+                  <m:oMath xmlns:m="http://schemas.openxmlformats.org/officeDocument/2006/math">
+                    <m:sSub>
+                      <m:sSubPr>
+                        <m:ctrlPr>
+                          <a:rPr lang="en-US" i="1">
+                            <a:solidFill>
+                              <a:prstClr val="black"/>
+                            </a:solidFill>
+                            <a:latin typeface="Cambria Math" panose="02040503050406030204" pitchFamily="18" charset="0"/>
+                          </a:rPr>
+                        </m:ctrlPr>
+                      </m:sSubPr>
+                      <m:e>
+                        <m:r>
+                          <a:rPr lang="en-US" i="1">
+                            <a:solidFill>
+                              <a:prstClr val="black"/>
+                            </a:solidFill>
+                            <a:latin typeface="Cambria Math" panose="02040503050406030204" pitchFamily="18" charset="0"/>
+                            <a:ea typeface="Cambria Math" panose="02040503050406030204" pitchFamily="18" charset="0"/>
+                          </a:rPr>
+                          <m:t>𝛽</m:t>
+                        </m:r>
+                      </m:e>
+                      <m:sub>
+                        <m:sSub>
+                          <m:sSubPr>
+                            <m:ctrlPr>
+                              <a:rPr lang="en-US" i="1">
+                                <a:solidFill>
+                                  <a:prstClr val="black"/>
+                                </a:solidFill>
+                                <a:latin typeface="Cambria Math" panose="02040503050406030204" pitchFamily="18" charset="0"/>
+                              </a:rPr>
+                            </m:ctrlPr>
+                          </m:sSubPr>
+                          <m:e>
+                            <m:r>
+                              <a:rPr lang="en-US" i="1">
+                                <a:solidFill>
+                                  <a:prstClr val="black"/>
+                                </a:solidFill>
+                                <a:latin typeface="Cambria Math" panose="02040503050406030204" pitchFamily="18" charset="0"/>
+                              </a:rPr>
+                              <m:t>𝑣</m:t>
+                            </m:r>
+                          </m:e>
+                          <m:sub>
+                            <m:r>
+                              <a:rPr lang="en-US" i="1">
+                                <a:solidFill>
+                                  <a:prstClr val="black"/>
+                                </a:solidFill>
+                                <a:latin typeface="Cambria Math" panose="02040503050406030204" pitchFamily="18" charset="0"/>
+                              </a:rPr>
+                              <m:t>𝑙</m:t>
+                            </m:r>
+                          </m:sub>
+                        </m:sSub>
+                      </m:sub>
+                    </m:sSub>
+                    <m:d>
+                      <m:dPr>
+                        <m:begChr m:val="["/>
+                        <m:endChr m:val="]"/>
+                        <m:ctrlPr>
+                          <a:rPr lang="en-US" i="1">
+                            <a:solidFill>
+                              <a:prstClr val="black"/>
+                            </a:solidFill>
+                            <a:latin typeface="Cambria Math" panose="02040503050406030204" pitchFamily="18" charset="0"/>
+                          </a:rPr>
+                        </m:ctrlPr>
+                      </m:dPr>
+                      <m:e>
+                        <m:r>
+                          <a:rPr lang="en-US" i="1">
+                            <a:solidFill>
+                              <a:prstClr val="black"/>
+                            </a:solidFill>
+                            <a:latin typeface="Cambria Math" panose="02040503050406030204" pitchFamily="18" charset="0"/>
+                          </a:rPr>
+                          <m:t>𝑖</m:t>
+                        </m:r>
+                      </m:e>
+                    </m:d>
+                    <m:r>
+                      <a:rPr lang="en-US" i="1">
+                        <a:solidFill>
+                          <a:prstClr val="black"/>
+                        </a:solidFill>
+                        <a:latin typeface="Cambria Math" panose="02040503050406030204" pitchFamily="18" charset="0"/>
+                      </a:rPr>
+                      <m:t> =</m:t>
+                    </m:r>
+                  </m:oMath>
+                </a14:m>
+                <a:r>
+                  <a:rPr lang="en-US" dirty="0"/>
+                  <a:t> </a:t>
+                </a:r>
+                <a14:m>
+                  <m:oMath xmlns:m="http://schemas.openxmlformats.org/officeDocument/2006/math">
+                    <m:sSub>
+                      <m:sSubPr>
+                        <m:ctrlPr>
+                          <a:rPr lang="en-US" i="1">
+                            <a:solidFill>
+                              <a:prstClr val="black"/>
+                            </a:solidFill>
+                            <a:latin typeface="Cambria Math" panose="02040503050406030204" pitchFamily="18" charset="0"/>
+                          </a:rPr>
+                        </m:ctrlPr>
+                      </m:sSubPr>
+                      <m:e>
+                        <m:r>
+                          <a:rPr lang="en-US" i="1">
+                            <a:solidFill>
+                              <a:prstClr val="black"/>
+                            </a:solidFill>
+                            <a:latin typeface="Cambria Math" panose="02040503050406030204" pitchFamily="18" charset="0"/>
+                            <a:ea typeface="Cambria Math" panose="02040503050406030204" pitchFamily="18" charset="0"/>
+                          </a:rPr>
+                          <m:t>𝛽</m:t>
+                        </m:r>
+                      </m:e>
+                      <m:sub>
+                        <m:r>
+                          <a:rPr lang="en-US" i="1">
+                            <a:solidFill>
+                              <a:prstClr val="black"/>
+                            </a:solidFill>
+                            <a:latin typeface="Cambria Math" panose="02040503050406030204" pitchFamily="18" charset="0"/>
+                          </a:rPr>
+                          <m:t>𝑣</m:t>
+                        </m:r>
+                      </m:sub>
+                    </m:sSub>
+                    <m:r>
+                      <a:rPr lang="en-US" i="1">
+                        <a:solidFill>
+                          <a:prstClr val="black"/>
+                        </a:solidFill>
+                        <a:latin typeface="Cambria Math" panose="02040503050406030204" pitchFamily="18" charset="0"/>
+                      </a:rPr>
+                      <m:t>[</m:t>
+                    </m:r>
+                    <m:r>
+                      <a:rPr lang="en-US" i="1">
+                        <a:solidFill>
+                          <a:prstClr val="black"/>
+                        </a:solidFill>
+                        <a:latin typeface="Cambria Math" panose="02040503050406030204" pitchFamily="18" charset="0"/>
+                      </a:rPr>
+                      <m:t>𝑖</m:t>
+                    </m:r>
+                    <m:r>
+                      <a:rPr lang="en-US" i="1">
+                        <a:solidFill>
+                          <a:prstClr val="black"/>
+                        </a:solidFill>
+                        <a:latin typeface="Cambria Math" panose="02040503050406030204" pitchFamily="18" charset="0"/>
+                      </a:rPr>
+                      <m:t>]</m:t>
+                    </m:r>
+                    <m:nary>
+                      <m:naryPr>
+                        <m:chr m:val="⨁"/>
+                        <m:subHide m:val="on"/>
+                        <m:supHide m:val="on"/>
+                        <m:ctrlPr>
+                          <a:rPr lang="en-US" i="1">
+                            <a:solidFill>
+                              <a:prstClr val="black"/>
+                            </a:solidFill>
+                            <a:latin typeface="Cambria Math" panose="02040503050406030204" pitchFamily="18" charset="0"/>
+                            <a:ea typeface="Cambria Math" panose="02040503050406030204" pitchFamily="18" charset="0"/>
+                          </a:rPr>
+                        </m:ctrlPr>
+                      </m:naryPr>
+                      <m:sub/>
+                      <m:sup/>
+                      <m:e>
+                        <m:sSub>
+                          <m:sSubPr>
+                            <m:ctrlPr>
+                              <a:rPr lang="en-US" i="1">
+                                <a:solidFill>
+                                  <a:prstClr val="black"/>
+                                </a:solidFill>
+                                <a:latin typeface="Cambria Math" panose="02040503050406030204" pitchFamily="18" charset="0"/>
+                              </a:rPr>
+                            </m:ctrlPr>
+                          </m:sSubPr>
+                          <m:e>
+                            <m:r>
+                              <a:rPr lang="en-US" i="1">
+                                <a:solidFill>
+                                  <a:prstClr val="black"/>
+                                </a:solidFill>
+                                <a:latin typeface="Cambria Math" panose="02040503050406030204" pitchFamily="18" charset="0"/>
+                                <a:ea typeface="Cambria Math" panose="02040503050406030204" pitchFamily="18" charset="0"/>
+                              </a:rPr>
+                              <m:t>𝛽</m:t>
+                            </m:r>
+                          </m:e>
+                          <m:sub>
+                            <m:r>
+                              <a:rPr lang="en-US" i="1">
+                                <a:solidFill>
+                                  <a:prstClr val="black"/>
+                                </a:solidFill>
+                                <a:latin typeface="Cambria Math" panose="02040503050406030204" pitchFamily="18" charset="0"/>
+                              </a:rPr>
+                              <m:t>𝑣</m:t>
+                            </m:r>
+                          </m:sub>
+                        </m:sSub>
+                        <m:d>
+                          <m:dPr>
+                            <m:begChr m:val="["/>
+                            <m:endChr m:val="]"/>
+                            <m:ctrlPr>
+                              <a:rPr lang="en-US" i="1">
+                                <a:solidFill>
+                                  <a:prstClr val="black"/>
+                                </a:solidFill>
+                                <a:latin typeface="Cambria Math" panose="02040503050406030204" pitchFamily="18" charset="0"/>
+                              </a:rPr>
+                            </m:ctrlPr>
+                          </m:dPr>
+                          <m:e>
+                            <m:r>
+                              <a:rPr lang="en-US" i="1">
+                                <a:solidFill>
+                                  <a:prstClr val="black"/>
+                                </a:solidFill>
+                                <a:latin typeface="Cambria Math" panose="02040503050406030204" pitchFamily="18" charset="0"/>
+                              </a:rPr>
+                              <m:t>𝑖</m:t>
+                            </m:r>
+                            <m:r>
+                              <a:rPr lang="en-US" i="1">
+                                <a:solidFill>
+                                  <a:prstClr val="black"/>
+                                </a:solidFill>
+                                <a:latin typeface="Cambria Math" panose="02040503050406030204" pitchFamily="18" charset="0"/>
+                              </a:rPr>
+                              <m:t>+</m:t>
+                            </m:r>
+                            <m:f>
+                              <m:fPr>
+                                <m:type m:val="lin"/>
+                                <m:ctrlPr>
+                                  <a:rPr lang="en-US" i="1" dirty="0">
+                                    <a:solidFill>
+                                      <a:prstClr val="black"/>
+                                    </a:solidFill>
+                                    <a:latin typeface="Cambria Math" panose="02040503050406030204" pitchFamily="18" charset="0"/>
+                                  </a:rPr>
+                                </m:ctrlPr>
+                              </m:fPr>
+                              <m:num>
+                                <m:sSub>
+                                  <m:sSubPr>
+                                    <m:ctrlPr>
+                                      <a:rPr lang="en-US" i="1">
+                                        <a:solidFill>
+                                          <a:prstClr val="black"/>
+                                        </a:solidFill>
+                                        <a:latin typeface="Cambria Math" panose="02040503050406030204" pitchFamily="18" charset="0"/>
+                                      </a:rPr>
+                                    </m:ctrlPr>
+                                  </m:sSubPr>
+                                  <m:e>
+                                    <m:r>
+                                      <a:rPr lang="en-US" i="1">
+                                        <a:solidFill>
+                                          <a:prstClr val="black"/>
+                                        </a:solidFill>
+                                        <a:latin typeface="Cambria Math" panose="02040503050406030204" pitchFamily="18" charset="0"/>
+                                      </a:rPr>
+                                      <m:t>𝑁</m:t>
+                                    </m:r>
+                                  </m:e>
+                                  <m:sub>
+                                    <m:r>
+                                      <a:rPr lang="en-US" i="1">
+                                        <a:solidFill>
+                                          <a:prstClr val="black"/>
+                                        </a:solidFill>
+                                        <a:latin typeface="Cambria Math" panose="02040503050406030204" pitchFamily="18" charset="0"/>
+                                      </a:rPr>
+                                      <m:t>𝑣</m:t>
+                                    </m:r>
+                                  </m:sub>
+                                </m:sSub>
+                              </m:num>
+                              <m:den>
+                                <m:r>
+                                  <a:rPr lang="en-US" i="1" dirty="0">
+                                    <a:solidFill>
+                                      <a:prstClr val="black"/>
+                                    </a:solidFill>
+                                    <a:latin typeface="Cambria Math" panose="02040503050406030204" pitchFamily="18" charset="0"/>
+                                  </a:rPr>
+                                  <m:t>2</m:t>
+                                </m:r>
+                              </m:den>
+                            </m:f>
+                          </m:e>
+                        </m:d>
+                        <m:r>
+                          <a:rPr lang="en-US" i="1">
+                            <a:solidFill>
+                              <a:prstClr val="black"/>
+                            </a:solidFill>
+                            <a:latin typeface="Cambria Math" panose="02040503050406030204" pitchFamily="18" charset="0"/>
+                          </a:rPr>
+                          <m:t>   </m:t>
+                        </m:r>
+                        <m:r>
+                          <a:rPr lang="en-US" i="1" dirty="0">
+                            <a:solidFill>
+                              <a:prstClr val="black"/>
+                            </a:solidFill>
+                            <a:latin typeface="Cambria Math" panose="02040503050406030204" pitchFamily="18" charset="0"/>
+                          </a:rPr>
+                          <m:t>0</m:t>
+                        </m:r>
+                        <m:r>
+                          <a:rPr lang="en-US" i="1" dirty="0">
+                            <a:solidFill>
+                              <a:prstClr val="black"/>
+                            </a:solidFill>
+                            <a:latin typeface="Cambria Math" panose="02040503050406030204" pitchFamily="18" charset="0"/>
+                            <a:ea typeface="Cambria Math" panose="02040503050406030204" pitchFamily="18" charset="0"/>
+                          </a:rPr>
+                          <m:t>≤</m:t>
+                        </m:r>
+                        <m:r>
+                          <a:rPr lang="en-US" i="1" dirty="0" err="1">
+                            <a:solidFill>
+                              <a:prstClr val="black"/>
+                            </a:solidFill>
+                            <a:latin typeface="Cambria Math" panose="02040503050406030204" pitchFamily="18" charset="0"/>
+                          </a:rPr>
+                          <m:t>𝑖</m:t>
+                        </m:r>
+                        <m:r>
+                          <a:rPr lang="en-US" i="1" dirty="0">
+                            <a:solidFill>
+                              <a:prstClr val="black"/>
+                            </a:solidFill>
+                            <a:latin typeface="Cambria Math" panose="02040503050406030204" pitchFamily="18" charset="0"/>
+                          </a:rPr>
+                          <m:t>&lt;</m:t>
+                        </m:r>
+                        <m:f>
+                          <m:fPr>
+                            <m:type m:val="lin"/>
+                            <m:ctrlPr>
+                              <a:rPr lang="en-US" i="1" dirty="0">
+                                <a:solidFill>
+                                  <a:prstClr val="black"/>
+                                </a:solidFill>
+                                <a:latin typeface="Cambria Math" panose="02040503050406030204" pitchFamily="18" charset="0"/>
+                              </a:rPr>
+                            </m:ctrlPr>
+                          </m:fPr>
+                          <m:num>
+                            <m:sSub>
+                              <m:sSubPr>
+                                <m:ctrlPr>
+                                  <a:rPr lang="en-US" i="1">
+                                    <a:solidFill>
+                                      <a:prstClr val="black"/>
+                                    </a:solidFill>
+                                    <a:latin typeface="Cambria Math" panose="02040503050406030204" pitchFamily="18" charset="0"/>
+                                  </a:rPr>
+                                </m:ctrlPr>
+                              </m:sSubPr>
+                              <m:e>
+                                <m:r>
+                                  <a:rPr lang="en-US" i="1">
+                                    <a:solidFill>
+                                      <a:prstClr val="black"/>
+                                    </a:solidFill>
+                                    <a:latin typeface="Cambria Math" panose="02040503050406030204" pitchFamily="18" charset="0"/>
+                                  </a:rPr>
+                                  <m:t>𝑁</m:t>
+                                </m:r>
+                              </m:e>
+                              <m:sub>
+                                <m:r>
+                                  <a:rPr lang="en-US" i="1">
+                                    <a:solidFill>
+                                      <a:prstClr val="black"/>
+                                    </a:solidFill>
+                                    <a:latin typeface="Cambria Math" panose="02040503050406030204" pitchFamily="18" charset="0"/>
+                                  </a:rPr>
+                                  <m:t>𝑣</m:t>
+                                </m:r>
+                              </m:sub>
+                            </m:sSub>
+                          </m:num>
+                          <m:den>
+                            <m:r>
+                              <a:rPr lang="en-US" i="1" dirty="0">
+                                <a:solidFill>
+                                  <a:prstClr val="black"/>
+                                </a:solidFill>
+                                <a:latin typeface="Cambria Math" panose="02040503050406030204" pitchFamily="18" charset="0"/>
+                              </a:rPr>
+                              <m:t>2</m:t>
+                            </m:r>
+                          </m:den>
+                        </m:f>
+                      </m:e>
+                    </m:nary>
+                  </m:oMath>
+                </a14:m>
+                <a:endParaRPr lang="en-US" dirty="0"/>
+              </a:p>
+              <a:p>
+                <a:pPr lvl="3" indent="0">
+                  <a:buNone/>
+                </a:pPr>
+                <a14:m>
+                  <m:oMath xmlns:m="http://schemas.openxmlformats.org/officeDocument/2006/math">
+                    <m:sSub>
+                      <m:sSubPr>
+                        <m:ctrlPr>
+                          <a:rPr lang="en-US" i="1">
+                            <a:solidFill>
+                              <a:prstClr val="black"/>
+                            </a:solidFill>
+                            <a:latin typeface="Cambria Math" panose="02040503050406030204" pitchFamily="18" charset="0"/>
+                          </a:rPr>
+                        </m:ctrlPr>
+                      </m:sSubPr>
+                      <m:e>
+                        <m:r>
+                          <a:rPr lang="en-US" i="1">
+                            <a:solidFill>
+                              <a:prstClr val="black"/>
+                            </a:solidFill>
+                            <a:latin typeface="Cambria Math" panose="02040503050406030204" pitchFamily="18" charset="0"/>
+                            <a:ea typeface="Cambria Math" panose="02040503050406030204" pitchFamily="18" charset="0"/>
+                          </a:rPr>
+                          <m:t>𝛽</m:t>
+                        </m:r>
+                      </m:e>
+                      <m:sub>
+                        <m:sSub>
+                          <m:sSubPr>
+                            <m:ctrlPr>
+                              <a:rPr lang="en-US" i="1">
+                                <a:solidFill>
+                                  <a:prstClr val="black"/>
+                                </a:solidFill>
+                                <a:latin typeface="Cambria Math" panose="02040503050406030204" pitchFamily="18" charset="0"/>
+                              </a:rPr>
+                            </m:ctrlPr>
+                          </m:sSubPr>
+                          <m:e>
+                            <m:r>
+                              <a:rPr lang="en-US" i="1">
+                                <a:solidFill>
+                                  <a:prstClr val="black"/>
+                                </a:solidFill>
+                                <a:latin typeface="Cambria Math" panose="02040503050406030204" pitchFamily="18" charset="0"/>
+                              </a:rPr>
+                              <m:t>𝑣</m:t>
+                            </m:r>
+                          </m:e>
+                          <m:sub>
+                            <m:r>
+                              <a:rPr lang="en-US" i="1">
+                                <a:solidFill>
+                                  <a:prstClr val="black"/>
+                                </a:solidFill>
+                                <a:latin typeface="Cambria Math" panose="02040503050406030204" pitchFamily="18" charset="0"/>
+                              </a:rPr>
+                              <m:t>𝑟</m:t>
+                            </m:r>
+                          </m:sub>
+                        </m:sSub>
+                      </m:sub>
+                    </m:sSub>
+                    <m:d>
+                      <m:dPr>
+                        <m:begChr m:val="["/>
+                        <m:endChr m:val="]"/>
+                        <m:ctrlPr>
+                          <a:rPr lang="en-US" i="1">
+                            <a:solidFill>
+                              <a:prstClr val="black"/>
+                            </a:solidFill>
+                            <a:latin typeface="Cambria Math" panose="02040503050406030204" pitchFamily="18" charset="0"/>
+                          </a:rPr>
+                        </m:ctrlPr>
+                      </m:dPr>
+                      <m:e>
+                        <m:r>
+                          <a:rPr lang="en-US" i="1">
+                            <a:solidFill>
+                              <a:prstClr val="black"/>
+                            </a:solidFill>
+                            <a:latin typeface="Cambria Math" panose="02040503050406030204" pitchFamily="18" charset="0"/>
+                          </a:rPr>
+                          <m:t>𝑖</m:t>
+                        </m:r>
+                      </m:e>
+                    </m:d>
+                    <m:r>
+                      <a:rPr lang="en-US" i="1">
+                        <a:solidFill>
+                          <a:prstClr val="black"/>
+                        </a:solidFill>
+                        <a:latin typeface="Cambria Math" panose="02040503050406030204" pitchFamily="18" charset="0"/>
+                      </a:rPr>
+                      <m:t> =</m:t>
+                    </m:r>
+                    <m:sSub>
+                      <m:sSubPr>
+                        <m:ctrlPr>
+                          <a:rPr lang="en-US" i="1">
+                            <a:solidFill>
+                              <a:prstClr val="black"/>
+                            </a:solidFill>
+                            <a:latin typeface="Cambria Math" panose="02040503050406030204" pitchFamily="18" charset="0"/>
+                          </a:rPr>
+                        </m:ctrlPr>
+                      </m:sSubPr>
+                      <m:e>
+                        <m:r>
+                          <a:rPr lang="en-US" i="1">
+                            <a:solidFill>
+                              <a:prstClr val="black"/>
+                            </a:solidFill>
+                            <a:latin typeface="Cambria Math" panose="02040503050406030204" pitchFamily="18" charset="0"/>
+                          </a:rPr>
+                          <m:t> </m:t>
+                        </m:r>
+                        <m:r>
+                          <a:rPr lang="en-US" i="1">
+                            <a:solidFill>
+                              <a:prstClr val="black"/>
+                            </a:solidFill>
+                            <a:latin typeface="Cambria Math" panose="02040503050406030204" pitchFamily="18" charset="0"/>
+                            <a:ea typeface="Cambria Math" panose="02040503050406030204" pitchFamily="18" charset="0"/>
+                          </a:rPr>
+                          <m:t>𝛽</m:t>
+                        </m:r>
+                      </m:e>
+                      <m:sub>
+                        <m:r>
+                          <a:rPr lang="en-US" i="1">
+                            <a:solidFill>
+                              <a:prstClr val="black"/>
+                            </a:solidFill>
+                            <a:latin typeface="Cambria Math" panose="02040503050406030204" pitchFamily="18" charset="0"/>
+                          </a:rPr>
+                          <m:t>𝑣</m:t>
+                        </m:r>
+                      </m:sub>
+                    </m:sSub>
+                    <m:d>
+                      <m:dPr>
+                        <m:begChr m:val="["/>
+                        <m:endChr m:val="]"/>
+                        <m:ctrlPr>
+                          <a:rPr lang="en-US" i="1">
+                            <a:solidFill>
+                              <a:prstClr val="black"/>
+                            </a:solidFill>
+                            <a:latin typeface="Cambria Math" panose="02040503050406030204" pitchFamily="18" charset="0"/>
+                          </a:rPr>
+                        </m:ctrlPr>
+                      </m:dPr>
+                      <m:e>
+                        <m:r>
+                          <a:rPr lang="en-US" i="1">
+                            <a:solidFill>
+                              <a:prstClr val="black"/>
+                            </a:solidFill>
+                            <a:latin typeface="Cambria Math" panose="02040503050406030204" pitchFamily="18" charset="0"/>
+                          </a:rPr>
+                          <m:t>𝑖</m:t>
+                        </m:r>
+                        <m:r>
+                          <a:rPr lang="en-US" i="1">
+                            <a:solidFill>
+                              <a:prstClr val="black"/>
+                            </a:solidFill>
+                            <a:latin typeface="Cambria Math" panose="02040503050406030204" pitchFamily="18" charset="0"/>
+                          </a:rPr>
+                          <m:t>+</m:t>
+                        </m:r>
+                        <m:f>
+                          <m:fPr>
+                            <m:type m:val="lin"/>
+                            <m:ctrlPr>
+                              <a:rPr lang="en-US" i="1" dirty="0">
+                                <a:solidFill>
+                                  <a:prstClr val="black"/>
+                                </a:solidFill>
+                                <a:latin typeface="Cambria Math" panose="02040503050406030204" pitchFamily="18" charset="0"/>
+                              </a:rPr>
+                            </m:ctrlPr>
+                          </m:fPr>
+                          <m:num>
+                            <m:sSub>
+                              <m:sSubPr>
+                                <m:ctrlPr>
+                                  <a:rPr lang="en-US" i="1">
+                                    <a:solidFill>
+                                      <a:prstClr val="black"/>
+                                    </a:solidFill>
+                                    <a:latin typeface="Cambria Math" panose="02040503050406030204" pitchFamily="18" charset="0"/>
+                                  </a:rPr>
+                                </m:ctrlPr>
+                              </m:sSubPr>
+                              <m:e>
+                                <m:r>
+                                  <a:rPr lang="en-US" i="1">
+                                    <a:solidFill>
+                                      <a:prstClr val="black"/>
+                                    </a:solidFill>
+                                    <a:latin typeface="Cambria Math" panose="02040503050406030204" pitchFamily="18" charset="0"/>
+                                  </a:rPr>
+                                  <m:t>𝑁</m:t>
+                                </m:r>
+                              </m:e>
+                              <m:sub>
+                                <m:r>
+                                  <a:rPr lang="en-US" i="1">
+                                    <a:solidFill>
+                                      <a:prstClr val="black"/>
+                                    </a:solidFill>
+                                    <a:latin typeface="Cambria Math" panose="02040503050406030204" pitchFamily="18" charset="0"/>
+                                  </a:rPr>
+                                  <m:t>𝑣</m:t>
+                                </m:r>
+                              </m:sub>
+                            </m:sSub>
+                          </m:num>
+                          <m:den>
+                            <m:r>
+                              <a:rPr lang="en-US" i="1" dirty="0">
+                                <a:solidFill>
+                                  <a:prstClr val="black"/>
+                                </a:solidFill>
+                                <a:latin typeface="Cambria Math" panose="02040503050406030204" pitchFamily="18" charset="0"/>
+                              </a:rPr>
+                              <m:t>2</m:t>
+                            </m:r>
+                          </m:den>
+                        </m:f>
+                      </m:e>
+                    </m:d>
+                    <m:r>
+                      <a:rPr lang="en-US" i="1">
+                        <a:solidFill>
+                          <a:prstClr val="black"/>
+                        </a:solidFill>
+                        <a:latin typeface="Cambria Math" panose="02040503050406030204" pitchFamily="18" charset="0"/>
+                      </a:rPr>
+                      <m:t>   </m:t>
+                    </m:r>
+                    <m:r>
+                      <a:rPr lang="en-US" i="1">
+                        <a:solidFill>
+                          <a:prstClr val="black"/>
+                        </a:solidFill>
+                        <a:latin typeface="Cambria Math" panose="02040503050406030204" pitchFamily="18" charset="0"/>
+                      </a:rPr>
+                      <m:t>             </m:t>
+                    </m:r>
+                    <m:r>
+                      <a:rPr lang="en-US" i="1" dirty="0">
+                        <a:solidFill>
+                          <a:prstClr val="black"/>
+                        </a:solidFill>
+                        <a:latin typeface="Cambria Math" panose="02040503050406030204" pitchFamily="18" charset="0"/>
+                      </a:rPr>
+                      <m:t>0</m:t>
+                    </m:r>
+                    <m:r>
+                      <a:rPr lang="en-US" i="1" dirty="0">
+                        <a:solidFill>
+                          <a:prstClr val="black"/>
+                        </a:solidFill>
+                        <a:latin typeface="Cambria Math" panose="02040503050406030204" pitchFamily="18" charset="0"/>
+                        <a:ea typeface="Cambria Math" panose="02040503050406030204" pitchFamily="18" charset="0"/>
+                      </a:rPr>
+                      <m:t>≤</m:t>
+                    </m:r>
+                    <m:r>
+                      <a:rPr lang="en-US" i="1" dirty="0" err="1">
+                        <a:solidFill>
+                          <a:prstClr val="black"/>
+                        </a:solidFill>
+                        <a:latin typeface="Cambria Math" panose="02040503050406030204" pitchFamily="18" charset="0"/>
+                      </a:rPr>
+                      <m:t>𝑖</m:t>
+                    </m:r>
+                    <m:r>
+                      <a:rPr lang="en-US" i="1" dirty="0">
+                        <a:solidFill>
+                          <a:prstClr val="black"/>
+                        </a:solidFill>
+                        <a:latin typeface="Cambria Math" panose="02040503050406030204" pitchFamily="18" charset="0"/>
+                      </a:rPr>
+                      <m:t>&lt;</m:t>
+                    </m:r>
+                    <m:f>
+                      <m:fPr>
+                        <m:type m:val="lin"/>
+                        <m:ctrlPr>
+                          <a:rPr lang="en-US" i="1" dirty="0">
+                            <a:solidFill>
+                              <a:prstClr val="black"/>
+                            </a:solidFill>
+                            <a:latin typeface="Cambria Math" panose="02040503050406030204" pitchFamily="18" charset="0"/>
+                          </a:rPr>
+                        </m:ctrlPr>
+                      </m:fPr>
+                      <m:num>
+                        <m:sSub>
+                          <m:sSubPr>
+                            <m:ctrlPr>
+                              <a:rPr lang="en-US" i="1">
+                                <a:solidFill>
+                                  <a:prstClr val="black"/>
+                                </a:solidFill>
+                                <a:latin typeface="Cambria Math" panose="02040503050406030204" pitchFamily="18" charset="0"/>
+                              </a:rPr>
+                            </m:ctrlPr>
+                          </m:sSubPr>
+                          <m:e>
+                            <m:r>
+                              <a:rPr lang="en-US" i="1">
+                                <a:solidFill>
+                                  <a:prstClr val="black"/>
+                                </a:solidFill>
+                                <a:latin typeface="Cambria Math" panose="02040503050406030204" pitchFamily="18" charset="0"/>
+                              </a:rPr>
+                              <m:t>𝑁</m:t>
+                            </m:r>
+                          </m:e>
+                          <m:sub>
+                            <m:r>
+                              <a:rPr lang="en-US" i="1">
+                                <a:solidFill>
+                                  <a:prstClr val="black"/>
+                                </a:solidFill>
+                                <a:latin typeface="Cambria Math" panose="02040503050406030204" pitchFamily="18" charset="0"/>
+                              </a:rPr>
+                              <m:t>𝑣</m:t>
+                            </m:r>
+                          </m:sub>
+                        </m:sSub>
+                      </m:num>
+                      <m:den>
+                        <m:r>
+                          <a:rPr lang="en-US" i="1" dirty="0">
+                            <a:solidFill>
+                              <a:prstClr val="black"/>
+                            </a:solidFill>
+                            <a:latin typeface="Cambria Math" panose="02040503050406030204" pitchFamily="18" charset="0"/>
+                          </a:rPr>
+                          <m:t>2</m:t>
+                        </m:r>
+                      </m:den>
+                    </m:f>
+                  </m:oMath>
+                </a14:m>
+                <a:r>
+                  <a:rPr lang="en-US" dirty="0"/>
+                  <a:t> </a:t>
+                </a:r>
+                <a14:m>
+                  <m:oMath xmlns:m="http://schemas.openxmlformats.org/officeDocument/2006/math">
+                    <m:r>
+                      <a:rPr lang="en-US" i="1">
+                        <a:solidFill>
+                          <a:prstClr val="black"/>
+                        </a:solidFill>
+                        <a:latin typeface="Cambria Math" panose="02040503050406030204" pitchFamily="18" charset="0"/>
+                        <a:ea typeface="Cambria Math" panose="02040503050406030204" pitchFamily="18" charset="0"/>
+                      </a:rPr>
+                      <m:t>∕∕</m:t>
+                    </m:r>
+                    <m:r>
+                      <a:rPr lang="en-US" i="1">
+                        <a:solidFill>
+                          <a:prstClr val="black"/>
+                        </a:solidFill>
+                        <a:latin typeface="Cambria Math" panose="02040503050406030204" pitchFamily="18" charset="0"/>
+                      </a:rPr>
+                      <m:t>𝑆𝑢𝑝𝑒𝑟𝑓𝑙𝑢𝑜𝑢𝑠</m:t>
+                    </m:r>
+                    <m:r>
+                      <a:rPr lang="en-US" i="1">
+                        <a:solidFill>
+                          <a:prstClr val="black"/>
+                        </a:solidFill>
+                        <a:latin typeface="Cambria Math" panose="02040503050406030204" pitchFamily="18" charset="0"/>
+                      </a:rPr>
+                      <m:t> </m:t>
+                    </m:r>
+                    <m:r>
+                      <a:rPr lang="en-US" i="1">
+                        <a:solidFill>
+                          <a:prstClr val="black"/>
+                        </a:solidFill>
+                        <a:latin typeface="Cambria Math" panose="02040503050406030204" pitchFamily="18" charset="0"/>
+                      </a:rPr>
+                      <m:t>𝑐𝑜𝑝𝑦𝑖𝑛𝑔</m:t>
+                    </m:r>
+                  </m:oMath>
+                </a14:m>
+                <a:endParaRPr lang="en-US" dirty="0">
+                  <a:solidFill>
+                    <a:prstClr val="black"/>
+                  </a:solidFill>
+                </a:endParaRPr>
+              </a:p>
+              <a:p>
+                <a:endParaRPr lang="en-US" dirty="0" smtClean="0"/>
+              </a:p>
+              <a:p>
+                <a:endParaRPr lang="en-US" dirty="0"/>
+              </a:p>
+              <a:p>
+                <a:endParaRPr lang="en-US" dirty="0"/>
               </a:p>
               <a:p>
                 <a:pPr marL="285750" indent="-285750">
@@ -10415,7 +11380,15 @@
                 </a:pPr>
                 <a:r>
                   <a:rPr lang="en-US" dirty="0"/>
-                  <a:t>For example: 8 bit integer = 8 info bits, 16 bits integer = 16 bit, 32 bit integer = 32 info bits, 64 bits integer = 64 info bits.</a:t>
+                  <a:t>For example: 8 bit integer = 8 info bits, </a:t>
+                </a:r>
+                <a:r>
+                  <a:rPr lang="en-US" dirty="0" smtClean="0"/>
+                  <a:t>32 </a:t>
+                </a:r>
+                <a:r>
+                  <a:rPr lang="en-US" dirty="0"/>
+                  <a:t>bit integer = 32 info bits, 64 bits integer = 64 info bits.</a:t>
                 </a:r>
               </a:p>
               <a:p>
@@ -10482,10 +11455,14 @@
               </p:nvPr>
             </p:nvSpPr>
             <p:spPr>
+              <a:xfrm>
+                <a:off x="318009" y="1315960"/>
+                <a:ext cx="8508999" cy="5209198"/>
+              </a:xfrm>
               <a:blipFill>
                 <a:blip r:embed="rId3"/>
                 <a:stretch>
-                  <a:fillRect l="-1361" t="-1038" r="-645"/>
+                  <a:fillRect l="-1361" t="-1054" r="-1289"/>
                 </a:stretch>
               </a:blipFill>
             </p:spPr>
@@ -10538,7 +11515,12 @@
             <p:ph type="title"/>
           </p:nvPr>
         </p:nvSpPr>
-        <p:spPr/>
+        <p:spPr>
+          <a:xfrm>
+            <a:off x="319090" y="750320"/>
+            <a:ext cx="8508999" cy="410369"/>
+          </a:xfrm>
+        </p:spPr>
         <p:txBody>
           <a:bodyPr/>
           <a:lstStyle/>
@@ -10556,7 +11538,248 @@
       </p:sp>
       <p:sp>
         <p:nvSpPr>
-          <p:cNvPr id="453" name="RS_Classification_Standard"/>
+          <p:cNvPr id="464" name="Content Placeholder 1"/>
+          <p:cNvSpPr txBox="1">
+            <a:spLocks/>
+          </p:cNvSpPr>
+          <p:nvPr/>
+        </p:nvSpPr>
+        <p:spPr>
+          <a:xfrm>
+            <a:off x="881279" y="5248096"/>
+            <a:ext cx="8508999" cy="5052158"/>
+          </a:xfrm>
+          <a:prstGeom prst="rect">
+            <a:avLst/>
+          </a:prstGeom>
+          <a:noFill/>
+          <a:ln w="9525">
+            <a:noFill/>
+            <a:miter lim="800000"/>
+            <a:headEnd/>
+            <a:tailEnd/>
+          </a:ln>
+        </p:spPr>
+        <p:txBody>
+          <a:bodyPr vert="horz" wrap="square" lIns="0" tIns="0" rIns="0" bIns="0" numCol="1" anchor="t" anchorCtr="0" compatLnSpc="1">
+            <a:prstTxWarp prst="textNoShape">
+              <a:avLst/>
+            </a:prstTxWarp>
+          </a:bodyPr>
+          <a:lstStyle>
+            <a:lvl1pPr algn="l" rtl="0" eaLnBrk="0" fontAlgn="base" hangingPunct="0">
+              <a:lnSpc>
+                <a:spcPct val="114000"/>
+              </a:lnSpc>
+              <a:spcBef>
+                <a:spcPct val="0"/>
+              </a:spcBef>
+              <a:spcAft>
+                <a:spcPct val="0"/>
+              </a:spcAft>
+              <a:defRPr lang="de-DE" sz="1600" kern="1200" noProof="0" dirty="0" smtClean="0">
+                <a:solidFill>
+                  <a:schemeClr val="tx1"/>
+                </a:solidFill>
+                <a:latin typeface="+mn-lt"/>
+                <a:ea typeface="+mn-ea"/>
+                <a:cs typeface="+mn-cs"/>
+              </a:defRPr>
+            </a:lvl1pPr>
+            <a:lvl2pPr marL="176213" indent="-176213" algn="l" rtl="0" eaLnBrk="0" fontAlgn="base" hangingPunct="0">
+              <a:lnSpc>
+                <a:spcPct val="114000"/>
+              </a:lnSpc>
+              <a:spcBef>
+                <a:spcPct val="0"/>
+              </a:spcBef>
+              <a:spcAft>
+                <a:spcPct val="0"/>
+              </a:spcAft>
+              <a:buFont typeface="Arial" charset="0"/>
+              <a:buChar char="•"/>
+              <a:defRPr lang="de-DE" sz="1600" kern="1200" noProof="0" dirty="0" smtClean="0">
+                <a:solidFill>
+                  <a:schemeClr val="tx1"/>
+                </a:solidFill>
+                <a:latin typeface="+mn-lt"/>
+                <a:ea typeface="+mn-ea"/>
+                <a:cs typeface="+mn-cs"/>
+              </a:defRPr>
+            </a:lvl2pPr>
+            <a:lvl3pPr marL="360363" indent="-184150" algn="l" rtl="0" eaLnBrk="0" fontAlgn="base" hangingPunct="0">
+              <a:lnSpc>
+                <a:spcPct val="125000"/>
+              </a:lnSpc>
+              <a:spcBef>
+                <a:spcPct val="0"/>
+              </a:spcBef>
+              <a:spcAft>
+                <a:spcPct val="0"/>
+              </a:spcAft>
+              <a:buFont typeface="Symbol" pitchFamily="18" charset="2"/>
+              <a:buChar char="-"/>
+              <a:defRPr sz="1600" kern="1200">
+                <a:solidFill>
+                  <a:schemeClr val="tx1"/>
+                </a:solidFill>
+                <a:latin typeface="+mn-lt"/>
+                <a:ea typeface="+mn-ea"/>
+                <a:cs typeface="+mn-cs"/>
+              </a:defRPr>
+            </a:lvl3pPr>
+            <a:lvl4pPr marL="538163" indent="-177800" algn="l" rtl="0" eaLnBrk="0" fontAlgn="base" hangingPunct="0">
+              <a:lnSpc>
+                <a:spcPct val="125000"/>
+              </a:lnSpc>
+              <a:spcBef>
+                <a:spcPct val="0"/>
+              </a:spcBef>
+              <a:spcAft>
+                <a:spcPct val="0"/>
+              </a:spcAft>
+              <a:buFont typeface="Symbol" pitchFamily="18" charset="2"/>
+              <a:buChar char="-"/>
+              <a:defRPr sz="1400" kern="1200">
+                <a:solidFill>
+                  <a:schemeClr val="tx1"/>
+                </a:solidFill>
+                <a:latin typeface="+mn-lt"/>
+                <a:ea typeface="+mn-ea"/>
+                <a:cs typeface="+mn-cs"/>
+              </a:defRPr>
+            </a:lvl4pPr>
+            <a:lvl5pPr marL="714375" indent="-176213" algn="l" rtl="0" eaLnBrk="0" fontAlgn="base" hangingPunct="0">
+              <a:lnSpc>
+                <a:spcPct val="125000"/>
+              </a:lnSpc>
+              <a:spcBef>
+                <a:spcPct val="0"/>
+              </a:spcBef>
+              <a:spcAft>
+                <a:spcPct val="0"/>
+              </a:spcAft>
+              <a:buFont typeface="Symbol" pitchFamily="18" charset="2"/>
+              <a:buChar char="-"/>
+              <a:defRPr sz="1400" kern="1200">
+                <a:solidFill>
+                  <a:schemeClr val="tx1"/>
+                </a:solidFill>
+                <a:latin typeface="+mn-lt"/>
+                <a:ea typeface="+mn-ea"/>
+                <a:cs typeface="+mn-cs"/>
+              </a:defRPr>
+            </a:lvl5pPr>
+            <a:lvl6pPr marL="2514600" indent="-228600" algn="l" defTabSz="914400" rtl="0" eaLnBrk="1" latinLnBrk="0" hangingPunct="1">
+              <a:spcBef>
+                <a:spcPct val="20000"/>
+              </a:spcBef>
+              <a:buFont typeface="Arial" pitchFamily="34" charset="0"/>
+              <a:buChar char="•"/>
+              <a:defRPr sz="2000" kern="1200">
+                <a:solidFill>
+                  <a:schemeClr val="tx1"/>
+                </a:solidFill>
+                <a:latin typeface="+mn-lt"/>
+                <a:ea typeface="+mn-ea"/>
+                <a:cs typeface="+mn-cs"/>
+              </a:defRPr>
+            </a:lvl6pPr>
+            <a:lvl7pPr marL="2971800" indent="-228600" algn="l" defTabSz="914400" rtl="0" eaLnBrk="1" latinLnBrk="0" hangingPunct="1">
+              <a:spcBef>
+                <a:spcPct val="20000"/>
+              </a:spcBef>
+              <a:buFont typeface="Arial" pitchFamily="34" charset="0"/>
+              <a:buChar char="•"/>
+              <a:defRPr sz="2000" kern="1200">
+                <a:solidFill>
+                  <a:schemeClr val="tx1"/>
+                </a:solidFill>
+                <a:latin typeface="+mn-lt"/>
+                <a:ea typeface="+mn-ea"/>
+                <a:cs typeface="+mn-cs"/>
+              </a:defRPr>
+            </a:lvl7pPr>
+            <a:lvl8pPr marL="3429000" indent="-228600" algn="l" defTabSz="914400" rtl="0" eaLnBrk="1" latinLnBrk="0" hangingPunct="1">
+              <a:spcBef>
+                <a:spcPct val="20000"/>
+              </a:spcBef>
+              <a:buFont typeface="Arial" pitchFamily="34" charset="0"/>
+              <a:buChar char="•"/>
+              <a:defRPr sz="2000" kern="1200">
+                <a:solidFill>
+                  <a:schemeClr val="tx1"/>
+                </a:solidFill>
+                <a:latin typeface="+mn-lt"/>
+                <a:ea typeface="+mn-ea"/>
+                <a:cs typeface="+mn-cs"/>
+              </a:defRPr>
+            </a:lvl8pPr>
+            <a:lvl9pPr marL="3886200" indent="-228600" algn="l" defTabSz="914400" rtl="0" eaLnBrk="1" latinLnBrk="0" hangingPunct="1">
+              <a:spcBef>
+                <a:spcPct val="20000"/>
+              </a:spcBef>
+              <a:buFont typeface="Arial" pitchFamily="34" charset="0"/>
+              <a:buChar char="•"/>
+              <a:defRPr sz="2000" kern="1200">
+                <a:solidFill>
+                  <a:schemeClr val="tx1"/>
+                </a:solidFill>
+                <a:latin typeface="+mn-lt"/>
+                <a:ea typeface="+mn-ea"/>
+                <a:cs typeface="+mn-cs"/>
+              </a:defRPr>
+            </a:lvl9pPr>
+          </a:lstStyle>
+          <a:p>
+            <a:endParaRPr lang="en-US" dirty="0">
+              <a:solidFill>
+                <a:prstClr val="black"/>
+              </a:solidFill>
+            </a:endParaRPr>
+          </a:p>
+          <a:p>
+            <a:pPr lvl="3" indent="0">
+              <a:buFont typeface="Symbol" pitchFamily="18" charset="2"/>
+              <a:buNone/>
+            </a:pPr>
+            <a:endParaRPr lang="en-US" dirty="0"/>
+          </a:p>
+        </p:txBody>
+      </p:sp>
+      <p:pic>
+        <p:nvPicPr>
+          <p:cNvPr id="465" name="Picture 464"/>
+          <p:cNvPicPr>
+            <a:picLocks noChangeAspect="1"/>
+          </p:cNvPicPr>
+          <p:nvPr/>
+        </p:nvPicPr>
+        <p:blipFill>
+          <a:blip r:embed="rId4">
+            <a:extLst>
+              <a:ext uri="{28A0092B-C50C-407E-A947-70E740481C1C}">
+                <a14:useLocalDpi xmlns:a14="http://schemas.microsoft.com/office/drawing/2010/main" val="0"/>
+              </a:ext>
+            </a:extLst>
+          </a:blip>
+          <a:stretch>
+            <a:fillRect/>
+          </a:stretch>
+        </p:blipFill>
+        <p:spPr>
+          <a:xfrm>
+            <a:off x="7047337" y="1809052"/>
+            <a:ext cx="1240794" cy="1472976"/>
+          </a:xfrm>
+          <a:prstGeom prst="rect">
+            <a:avLst/>
+          </a:prstGeom>
+        </p:spPr>
+      </p:pic>
+      <p:sp>
+        <p:nvSpPr>
+          <p:cNvPr id="509" name="RS_Classification_Standard"/>
           <p:cNvSpPr txBox="1"/>
           <p:nvPr/>
         </p:nvSpPr>
@@ -14882,7 +16105,7 @@
               <a:rPr lang="en-US" sz="1600" dirty="0" smtClean="0">
                 <a:latin typeface="+mn-lt"/>
               </a:rPr>
-              <a:t>Packing/Unpacking needs to performed very efficiently.</a:t>
+              <a:t>Packing/Unpacking needs to be performed very efficiently.</a:t>
             </a:r>
           </a:p>
           <a:p>
@@ -14897,7 +16120,7 @@
               <a:rPr lang="en-US" sz="1600" dirty="0" smtClean="0">
                 <a:latin typeface="+mn-lt"/>
               </a:rPr>
-              <a:t>SIMD extensions provide dedicated instructions to perform packing and unpacking efficiently</a:t>
+              <a:t>SIMD extensions provide dedicated instructions to perform fast packing and unpacking</a:t>
             </a:r>
             <a:r>
               <a:rPr lang="en-US" sz="1600" dirty="0" smtClean="0">
@@ -14913,7 +16136,7 @@
       </p:sp>
       <p:sp>
         <p:nvSpPr>
-          <p:cNvPr id="463" name="RS_Classification_Standard"/>
+          <p:cNvPr id="517" name="RS_Classification_Standard"/>
           <p:cNvSpPr txBox="1"/>
           <p:nvPr/>
         </p:nvSpPr>
@@ -14970,7 +16193,7 @@
 </file>
 
 <file path=ppt/slides/slide17.xml><?xml version="1.0" encoding="utf-8"?>
-<p:sld xmlns:a="http://schemas.openxmlformats.org/drawingml/2006/main" xmlns:r="http://schemas.openxmlformats.org/officeDocument/2006/relationships" xmlns:p="http://schemas.openxmlformats.org/presentationml/2006/main">
+<p:sld xmlns:a="http://schemas.openxmlformats.org/drawingml/2006/main" xmlns:r="http://schemas.openxmlformats.org/officeDocument/2006/relationships" xmlns:p="http://schemas.openxmlformats.org/presentationml/2006/main" show="0">
   <p:cSld>
     <p:spTree>
       <p:nvGrpSpPr>
@@ -15168,7 +16391,7 @@
       </p:pic>
       <p:sp>
         <p:nvSpPr>
-          <p:cNvPr id="454" name="RS_Classification_Standard"/>
+          <p:cNvPr id="508" name="RS_Classification_Standard"/>
           <p:cNvSpPr txBox="1"/>
           <p:nvPr/>
         </p:nvSpPr>
@@ -15214,6 +16437,14 @@
   <p:clrMapOvr>
     <a:masterClrMapping/>
   </p:clrMapOvr>
+  <mc:AlternateContent xmlns:mc="http://schemas.openxmlformats.org/markup-compatibility/2006">
+    <mc:Choice xmlns:p14="http://schemas.microsoft.com/office/powerpoint/2010/main" Requires="p14">
+      <p:transition spd="slow" p14:dur="2000"/>
+    </mc:Choice>
+    <mc:Fallback>
+      <p:transition spd="slow"/>
+    </mc:Fallback>
+  </mc:AlternateContent>
   <p:timing>
     <p:tnLst>
       <p:par>
@@ -15289,7 +16520,11 @@
                 </a14:m>
                 <a:r>
                   <a:rPr lang="en-US" dirty="0"/>
-                  <a:t>, encoder needs to travel </a:t>
+                  <a:t>, encoder needs to </a:t>
+                </a:r>
+                <a:r>
+                  <a:rPr lang="en-US" dirty="0" smtClean="0"/>
+                  <a:t>traverse </a:t>
                 </a:r>
                 <a14:m>
                   <m:oMath xmlns:m="http://schemas.openxmlformats.org/officeDocument/2006/math">
@@ -15303,7 +16538,15 @@
                 </a14:m>
                 <a:r>
                   <a:rPr lang="en-US" dirty="0"/>
-                  <a:t> nodes in a tree.</a:t>
+                  <a:t> nodes </a:t>
+                </a:r>
+                <a:r>
+                  <a:rPr lang="en-US" dirty="0" smtClean="0"/>
+                  <a:t>of a tree</a:t>
+                </a:r>
+                <a:r>
+                  <a:rPr lang="en-US" dirty="0"/>
+                  <a:t>.</a:t>
                 </a:r>
               </a:p>
               <a:p>
@@ -15563,7 +16806,7 @@
       </p:sp>
       <p:sp>
         <p:nvSpPr>
-          <p:cNvPr id="453" name="RS_Classification_Standard"/>
+          <p:cNvPr id="507" name="RS_Classification_Standard"/>
           <p:cNvSpPr txBox="1"/>
           <p:nvPr/>
         </p:nvSpPr>
@@ -15672,7 +16915,15 @@
             </a:pPr>
             <a:r>
               <a:rPr lang="en-US" dirty="0"/>
-              <a:t>Avoiding branching(Jump instructions) which has significant overhead.</a:t>
+              <a:t>Avoiding branching(Jump </a:t>
+            </a:r>
+            <a:r>
+              <a:rPr lang="en-US" dirty="0" smtClean="0"/>
+              <a:t>instruction) </a:t>
+            </a:r>
+            <a:r>
+              <a:rPr lang="en-US" dirty="0"/>
+              <a:t>which has significant overhead.</a:t>
             </a:r>
           </a:p>
         </p:txBody>
@@ -16007,7 +17258,7 @@
       </p:sp>
       <p:sp>
         <p:nvSpPr>
-          <p:cNvPr id="423" name="RS_Classification_Standard"/>
+          <p:cNvPr id="477" name="RS_Classification_Standard"/>
           <p:cNvSpPr txBox="1"/>
           <p:nvPr/>
         </p:nvSpPr>
@@ -16116,9 +17367,10 @@
               <a:buChar char="•"/>
             </a:pPr>
             <a:r>
-              <a:rPr lang="en-US" dirty="0"/>
-              <a:t>Introduction and Motivation</a:t>
-            </a:r>
+              <a:rPr lang="en-US" dirty="0" smtClean="0"/>
+              <a:t>Motivation</a:t>
+            </a:r>
+            <a:endParaRPr lang="en-US" dirty="0"/>
           </a:p>
           <a:p>
             <a:pPr marL="285750" indent="-285750">
@@ -16181,9 +17433,10 @@
               <a:buChar char="•"/>
             </a:pPr>
             <a:r>
-              <a:rPr lang="en-US" dirty="0"/>
-              <a:t>Future work</a:t>
-            </a:r>
+              <a:rPr lang="en-US" dirty="0" smtClean="0"/>
+              <a:t>Conclusion and Outlook</a:t>
+            </a:r>
+            <a:endParaRPr lang="en-US" dirty="0"/>
           </a:p>
           <a:p>
             <a:pPr marL="285750" indent="-285750">
@@ -16262,7 +17515,7 @@
       </p:sp>
       <p:sp>
         <p:nvSpPr>
-          <p:cNvPr id="453" name="RS_Classification_Standard"/>
+          <p:cNvPr id="507" name="RS_Classification_Standard"/>
           <p:cNvSpPr txBox="1"/>
           <p:nvPr/>
         </p:nvSpPr>
@@ -18013,7 +19266,7 @@
       </p:graphicFrame>
       <p:sp>
         <p:nvSpPr>
-          <p:cNvPr id="457" name="RS_Classification_Standard"/>
+          <p:cNvPr id="511" name="RS_Classification_Standard"/>
           <p:cNvSpPr txBox="1"/>
           <p:nvPr/>
         </p:nvSpPr>
@@ -18086,6 +19339,1029 @@
           <a:chExt cx="0" cy="0"/>
         </a:xfrm>
       </p:grpSpPr>
+      <mc:AlternateContent xmlns:mc="http://schemas.openxmlformats.org/markup-compatibility/2006">
+        <mc:Choice xmlns:a14="http://schemas.microsoft.com/office/drawing/2010/main" Requires="a14">
+          <p:sp>
+            <p:nvSpPr>
+              <p:cNvPr id="2" name="Content Placeholder 1"/>
+              <p:cNvSpPr>
+                <a:spLocks noGrp="1"/>
+              </p:cNvSpPr>
+              <p:nvPr>
+                <p:ph idx="1"/>
+              </p:nvPr>
+            </p:nvSpPr>
+            <p:spPr>
+              <a:xfrm>
+                <a:off x="318009" y="1358534"/>
+                <a:ext cx="8508999" cy="4699572"/>
+              </a:xfrm>
+            </p:spPr>
+            <p:txBody>
+              <a:bodyPr/>
+              <a:lstStyle/>
+              <a:p>
+                <a:r>
+                  <a:rPr lang="en-US" dirty="0"/>
+                  <a:t>Comparison with open source encoder software implementation (in AMD EPYC processor at 1.6ghz) </a:t>
+                </a:r>
+                <a14:m>
+                  <m:oMath xmlns:m="http://schemas.openxmlformats.org/officeDocument/2006/math">
+                    <m:r>
+                      <a:rPr lang="en-US" i="1" dirty="0" smtClean="0">
+                        <a:latin typeface="Cambria Math" panose="02040503050406030204" pitchFamily="18" charset="0"/>
+                      </a:rPr>
+                      <m:t>𝑁</m:t>
+                    </m:r>
+                    <m:r>
+                      <a:rPr lang="en-US" i="1" dirty="0" smtClean="0">
+                        <a:latin typeface="Cambria Math" panose="02040503050406030204" pitchFamily="18" charset="0"/>
+                      </a:rPr>
+                      <m:t> = 1024 </m:t>
+                    </m:r>
+                  </m:oMath>
+                </a14:m>
+                <a:endParaRPr lang="en-US" dirty="0"/>
+              </a:p>
+              <a:p>
+                <a:endParaRPr lang="en-US" dirty="0"/>
+              </a:p>
+              <a:p>
+                <a:endParaRPr lang="en-US" b="1" dirty="0"/>
+              </a:p>
+              <a:p>
+                <a:endParaRPr lang="en-US" b="1" dirty="0"/>
+              </a:p>
+              <a:p>
+                <a:endParaRPr lang="en-US" b="1" dirty="0"/>
+              </a:p>
+              <a:p>
+                <a:endParaRPr lang="en-US" b="1" dirty="0"/>
+              </a:p>
+              <a:p>
+                <a:r>
+                  <a:rPr lang="en-US" b="1" dirty="0" smtClean="0"/>
+                  <a:t>Worst case encoding FEC chain:</a:t>
+                </a:r>
+                <a:endParaRPr lang="en-US" b="1" dirty="0"/>
+              </a:p>
+            </p:txBody>
+          </p:sp>
+        </mc:Choice>
+        <mc:Fallback>
+          <p:sp>
+            <p:nvSpPr>
+              <p:cNvPr id="2" name="Content Placeholder 1"/>
+              <p:cNvSpPr>
+                <a:spLocks noGrp="1" noRot="1" noChangeAspect="1" noMove="1" noResize="1" noEditPoints="1" noAdjustHandles="1" noChangeArrowheads="1" noChangeShapeType="1" noTextEdit="1"/>
+              </p:cNvSpPr>
+              <p:nvPr>
+                <p:ph idx="1"/>
+              </p:nvPr>
+            </p:nvSpPr>
+            <p:spPr>
+              <a:xfrm>
+                <a:off x="318009" y="1358534"/>
+                <a:ext cx="8508999" cy="4699572"/>
+              </a:xfrm>
+              <a:blipFill>
+                <a:blip r:embed="rId4"/>
+                <a:stretch>
+                  <a:fillRect l="-1433" t="-1167"/>
+                </a:stretch>
+              </a:blipFill>
+            </p:spPr>
+            <p:txBody>
+              <a:bodyPr/>
+              <a:lstStyle/>
+              <a:p>
+                <a:r>
+                  <a:rPr lang="en-US">
+                    <a:noFill/>
+                  </a:rPr>
+                  <a:t> </a:t>
+                </a:r>
+              </a:p>
+            </p:txBody>
+          </p:sp>
+        </mc:Fallback>
+      </mc:AlternateContent>
+      <p:sp>
+        <p:nvSpPr>
+          <p:cNvPr id="3" name="Slide Number Placeholder 2"/>
+          <p:cNvSpPr>
+            <a:spLocks noGrp="1"/>
+          </p:cNvSpPr>
+          <p:nvPr>
+            <p:ph type="sldNum" sz="quarter" idx="11"/>
+          </p:nvPr>
+        </p:nvSpPr>
+        <p:spPr/>
+        <p:txBody>
+          <a:bodyPr/>
+          <a:lstStyle/>
+          <a:p>
+            <a:fld id="{CE58CB1E-F828-4F11-99E0-327109AF9DA4}" type="slidenum">
+              <a:rPr lang="de-DE" smtClean="0"/>
+              <a:pPr/>
+              <a:t>21</a:t>
+            </a:fld>
+            <a:endParaRPr lang="de-DE" dirty="0"/>
+          </a:p>
+        </p:txBody>
+      </p:sp>
+      <p:sp>
+        <p:nvSpPr>
+          <p:cNvPr id="4" name="Title 3"/>
+          <p:cNvSpPr>
+            <a:spLocks noGrp="1"/>
+          </p:cNvSpPr>
+          <p:nvPr>
+            <p:ph type="title"/>
+          </p:nvPr>
+        </p:nvSpPr>
+        <p:spPr>
+          <a:xfrm>
+            <a:off x="319090" y="804864"/>
+            <a:ext cx="8508999" cy="410369"/>
+          </a:xfrm>
+        </p:spPr>
+        <p:txBody>
+          <a:bodyPr/>
+          <a:lstStyle/>
+          <a:p>
+            <a:r>
+              <a:rPr lang="en-US" dirty="0" smtClean="0">
+                <a:solidFill>
+                  <a:schemeClr val="bg2"/>
+                </a:solidFill>
+              </a:rPr>
+              <a:t>Encoding chain </a:t>
+            </a:r>
+            <a:r>
+              <a:rPr lang="en-US" dirty="0">
+                <a:solidFill>
+                  <a:schemeClr val="bg2"/>
+                </a:solidFill>
+              </a:rPr>
+              <a:t>r</a:t>
+            </a:r>
+            <a:r>
+              <a:rPr lang="en-US" dirty="0" smtClean="0">
+                <a:solidFill>
+                  <a:schemeClr val="bg2"/>
+                </a:solidFill>
+              </a:rPr>
+              <a:t>esults</a:t>
+            </a:r>
+            <a:endParaRPr lang="en-US" dirty="0">
+              <a:solidFill>
+                <a:schemeClr val="bg2"/>
+              </a:solidFill>
+            </a:endParaRPr>
+          </a:p>
+        </p:txBody>
+      </p:sp>
+      <p:graphicFrame>
+        <p:nvGraphicFramePr>
+          <p:cNvPr id="13" name="Table 12"/>
+          <p:cNvGraphicFramePr>
+            <a:graphicFrameLocks noGrp="1"/>
+          </p:cNvGraphicFramePr>
+          <p:nvPr>
+            <p:extLst>
+              <p:ext uri="{D42A27DB-BD31-4B8C-83A1-F6EECF244321}">
+                <p14:modId xmlns:p14="http://schemas.microsoft.com/office/powerpoint/2010/main" val="2866562157"/>
+              </p:ext>
+            </p:extLst>
+          </p:nvPr>
+        </p:nvGraphicFramePr>
+        <p:xfrm>
+          <a:off x="318007" y="3708320"/>
+          <a:ext cx="4431104" cy="747556"/>
+        </p:xfrm>
+        <a:graphic>
+          <a:graphicData uri="http://schemas.openxmlformats.org/drawingml/2006/table">
+            <a:tbl>
+              <a:tblPr firstRow="1" bandRow="1">
+                <a:tableStyleId>{2D5ABB26-0587-4C30-8999-92F81FD0307C}</a:tableStyleId>
+              </a:tblPr>
+              <a:tblGrid>
+                <a:gridCol w="1906207">
+                  <a:extLst>
+                    <a:ext uri="{9D8B030D-6E8A-4147-A177-3AD203B41FA5}">
+                      <a16:colId xmlns:a16="http://schemas.microsoft.com/office/drawing/2014/main" val="1117280656"/>
+                    </a:ext>
+                  </a:extLst>
+                </a:gridCol>
+                <a:gridCol w="2524897">
+                  <a:extLst>
+                    <a:ext uri="{9D8B030D-6E8A-4147-A177-3AD203B41FA5}">
+                      <a16:colId xmlns:a16="http://schemas.microsoft.com/office/drawing/2014/main" val="1195562751"/>
+                    </a:ext>
+                  </a:extLst>
+                </a:gridCol>
+              </a:tblGrid>
+              <a:tr h="373778">
+                <a:tc>
+                  <a:txBody>
+                    <a:bodyPr/>
+                    <a:lstStyle/>
+                    <a:p>
+                      <a:r>
+                        <a:rPr lang="en-US" sz="1700" baseline="0" dirty="0"/>
+                        <a:t>Functional</a:t>
+                      </a:r>
+                    </a:p>
+                  </a:txBody>
+                  <a:tcPr>
+                    <a:lnL w="12700" cap="flat" cmpd="sng" algn="ctr">
+                      <a:solidFill>
+                        <a:schemeClr val="tx1"/>
+                      </a:solidFill>
+                      <a:prstDash val="solid"/>
+                      <a:round/>
+                      <a:headEnd type="none" w="med" len="med"/>
+                      <a:tailEnd type="none" w="med" len="med"/>
+                    </a:lnL>
+                    <a:lnR w="12700" cap="flat" cmpd="sng" algn="ctr">
+                      <a:solidFill>
+                        <a:schemeClr val="tx1"/>
+                      </a:solidFill>
+                      <a:prstDash val="solid"/>
+                      <a:round/>
+                      <a:headEnd type="none" w="med" len="med"/>
+                      <a:tailEnd type="none" w="med" len="med"/>
+                    </a:lnR>
+                    <a:lnT w="12700" cap="flat" cmpd="sng" algn="ctr">
+                      <a:solidFill>
+                        <a:schemeClr val="tx1"/>
+                      </a:solidFill>
+                      <a:prstDash val="solid"/>
+                      <a:round/>
+                      <a:headEnd type="none" w="med" len="med"/>
+                      <a:tailEnd type="none" w="med" len="med"/>
+                    </a:lnT>
+                    <a:lnB w="12700" cap="flat" cmpd="sng" algn="ctr">
+                      <a:solidFill>
+                        <a:schemeClr val="tx1"/>
+                      </a:solidFill>
+                      <a:prstDash val="solid"/>
+                      <a:round/>
+                      <a:headEnd type="none" w="med" len="med"/>
+                      <a:tailEnd type="none" w="med" len="med"/>
+                    </a:lnB>
+                    <a:solidFill>
+                      <a:schemeClr val="bg2">
+                        <a:lumMod val="40000"/>
+                        <a:lumOff val="60000"/>
+                      </a:schemeClr>
+                    </a:solidFill>
+                  </a:tcPr>
+                </a:tc>
+                <a:tc>
+                  <a:txBody>
+                    <a:bodyPr/>
+                    <a:lstStyle/>
+                    <a:p>
+                      <a:pPr marL="0" marR="0" lvl="0" indent="0" algn="l" defTabSz="914400" rtl="0" eaLnBrk="1" fontAlgn="auto" latinLnBrk="0" hangingPunct="1">
+                        <a:lnSpc>
+                          <a:spcPct val="100000"/>
+                        </a:lnSpc>
+                        <a:spcBef>
+                          <a:spcPts val="0"/>
+                        </a:spcBef>
+                        <a:spcAft>
+                          <a:spcPts val="0"/>
+                        </a:spcAft>
+                        <a:buClrTx/>
+                        <a:buSzTx/>
+                        <a:buFontTx/>
+                        <a:buNone/>
+                        <a:tabLst/>
+                        <a:defRPr/>
+                      </a:pPr>
+                      <a:r>
+                        <a:rPr lang="en-US" sz="1700" kern="1200" baseline="0" dirty="0">
+                          <a:solidFill>
+                            <a:schemeClr val="tx1"/>
+                          </a:solidFill>
+                          <a:latin typeface="+mn-lt"/>
+                          <a:ea typeface="+mn-ea"/>
+                          <a:cs typeface="+mn-cs"/>
+                        </a:rPr>
+                        <a:t>Current implementation</a:t>
+                      </a:r>
+                    </a:p>
+                  </a:txBody>
+                  <a:tcPr>
+                    <a:lnL w="12700" cap="flat" cmpd="sng" algn="ctr">
+                      <a:solidFill>
+                        <a:schemeClr val="tx1"/>
+                      </a:solidFill>
+                      <a:prstDash val="solid"/>
+                      <a:round/>
+                      <a:headEnd type="none" w="med" len="med"/>
+                      <a:tailEnd type="none" w="med" len="med"/>
+                    </a:lnL>
+                    <a:lnR w="12700" cap="flat" cmpd="sng" algn="ctr">
+                      <a:solidFill>
+                        <a:schemeClr val="tx1"/>
+                      </a:solidFill>
+                      <a:prstDash val="solid"/>
+                      <a:round/>
+                      <a:headEnd type="none" w="med" len="med"/>
+                      <a:tailEnd type="none" w="med" len="med"/>
+                    </a:lnR>
+                    <a:lnT w="12700" cap="flat" cmpd="sng" algn="ctr">
+                      <a:solidFill>
+                        <a:schemeClr val="tx1"/>
+                      </a:solidFill>
+                      <a:prstDash val="solid"/>
+                      <a:round/>
+                      <a:headEnd type="none" w="med" len="med"/>
+                      <a:tailEnd type="none" w="med" len="med"/>
+                    </a:lnT>
+                    <a:lnB w="12700" cap="flat" cmpd="sng" algn="ctr">
+                      <a:solidFill>
+                        <a:schemeClr val="tx1"/>
+                      </a:solidFill>
+                      <a:prstDash val="solid"/>
+                      <a:round/>
+                      <a:headEnd type="none" w="med" len="med"/>
+                      <a:tailEnd type="none" w="med" len="med"/>
+                    </a:lnB>
+                    <a:solidFill>
+                      <a:schemeClr val="bg2">
+                        <a:lumMod val="40000"/>
+                        <a:lumOff val="60000"/>
+                      </a:schemeClr>
+                    </a:solidFill>
+                  </a:tcPr>
+                </a:tc>
+                <a:extLst>
+                  <a:ext uri="{0D108BD9-81ED-4DB2-BD59-A6C34878D82A}">
+                    <a16:rowId xmlns:a16="http://schemas.microsoft.com/office/drawing/2014/main" val="2279112131"/>
+                  </a:ext>
+                </a:extLst>
+              </a:tr>
+              <a:tr h="373778">
+                <a:tc>
+                  <a:txBody>
+                    <a:bodyPr/>
+                    <a:lstStyle/>
+                    <a:p>
+                      <a:r>
+                        <a:rPr lang="en-US" sz="1700" baseline="0" dirty="0" smtClean="0"/>
+                        <a:t>451</a:t>
+                      </a:r>
+                      <a:r>
+                        <a:rPr lang="en-US" sz="1800" dirty="0" smtClean="0"/>
+                        <a:t> </a:t>
+                      </a:r>
+                      <a:r>
+                        <a:rPr lang="el-GR" sz="1800" dirty="0"/>
+                        <a:t>μ</a:t>
+                      </a:r>
+                      <a:r>
+                        <a:rPr lang="en-US" sz="1800" dirty="0"/>
+                        <a:t>s</a:t>
+                      </a:r>
+                    </a:p>
+                  </a:txBody>
+                  <a:tcPr>
+                    <a:lnL w="12700" cap="flat" cmpd="sng" algn="ctr">
+                      <a:solidFill>
+                        <a:schemeClr val="tx1"/>
+                      </a:solidFill>
+                      <a:prstDash val="solid"/>
+                      <a:round/>
+                      <a:headEnd type="none" w="med" len="med"/>
+                      <a:tailEnd type="none" w="med" len="med"/>
+                    </a:lnL>
+                    <a:lnR w="12700" cap="flat" cmpd="sng" algn="ctr">
+                      <a:solidFill>
+                        <a:schemeClr val="tx1"/>
+                      </a:solidFill>
+                      <a:prstDash val="solid"/>
+                      <a:round/>
+                      <a:headEnd type="none" w="med" len="med"/>
+                      <a:tailEnd type="none" w="med" len="med"/>
+                    </a:lnR>
+                    <a:lnT w="12700" cap="flat" cmpd="sng" algn="ctr">
+                      <a:solidFill>
+                        <a:schemeClr val="tx1"/>
+                      </a:solidFill>
+                      <a:prstDash val="solid"/>
+                      <a:round/>
+                      <a:headEnd type="none" w="med" len="med"/>
+                      <a:tailEnd type="none" w="med" len="med"/>
+                    </a:lnT>
+                    <a:lnB w="12700" cap="flat" cmpd="sng" algn="ctr">
+                      <a:solidFill>
+                        <a:schemeClr val="tx1"/>
+                      </a:solidFill>
+                      <a:prstDash val="solid"/>
+                      <a:round/>
+                      <a:headEnd type="none" w="med" len="med"/>
+                      <a:tailEnd type="none" w="med" len="med"/>
+                    </a:lnB>
+                  </a:tcPr>
+                </a:tc>
+                <a:tc>
+                  <a:txBody>
+                    <a:bodyPr/>
+                    <a:lstStyle/>
+                    <a:p>
+                      <a:r>
+                        <a:rPr lang="en-US" sz="1700" baseline="0" dirty="0" smtClean="0"/>
+                        <a:t>40</a:t>
+                      </a:r>
+                      <a:r>
+                        <a:rPr lang="en-US" sz="1800" dirty="0" smtClean="0"/>
+                        <a:t> </a:t>
+                      </a:r>
+                      <a:r>
+                        <a:rPr lang="el-GR" sz="1800" dirty="0"/>
+                        <a:t>μ</a:t>
+                      </a:r>
+                      <a:r>
+                        <a:rPr lang="en-US" sz="1800" dirty="0"/>
+                        <a:t>s</a:t>
+                      </a:r>
+                    </a:p>
+                  </a:txBody>
+                  <a:tcPr>
+                    <a:lnL w="12700" cap="flat" cmpd="sng" algn="ctr">
+                      <a:solidFill>
+                        <a:schemeClr val="tx1"/>
+                      </a:solidFill>
+                      <a:prstDash val="solid"/>
+                      <a:round/>
+                      <a:headEnd type="none" w="med" len="med"/>
+                      <a:tailEnd type="none" w="med" len="med"/>
+                    </a:lnL>
+                    <a:lnR w="12700" cap="flat" cmpd="sng" algn="ctr">
+                      <a:solidFill>
+                        <a:schemeClr val="tx1"/>
+                      </a:solidFill>
+                      <a:prstDash val="solid"/>
+                      <a:round/>
+                      <a:headEnd type="none" w="med" len="med"/>
+                      <a:tailEnd type="none" w="med" len="med"/>
+                    </a:lnR>
+                    <a:lnT w="12700" cap="flat" cmpd="sng" algn="ctr">
+                      <a:solidFill>
+                        <a:schemeClr val="tx1"/>
+                      </a:solidFill>
+                      <a:prstDash val="solid"/>
+                      <a:round/>
+                      <a:headEnd type="none" w="med" len="med"/>
+                      <a:tailEnd type="none" w="med" len="med"/>
+                    </a:lnT>
+                    <a:lnB w="12700" cap="flat" cmpd="sng" algn="ctr">
+                      <a:solidFill>
+                        <a:schemeClr val="tx1"/>
+                      </a:solidFill>
+                      <a:prstDash val="solid"/>
+                      <a:round/>
+                      <a:headEnd type="none" w="med" len="med"/>
+                      <a:tailEnd type="none" w="med" len="med"/>
+                    </a:lnB>
+                  </a:tcPr>
+                </a:tc>
+                <a:extLst>
+                  <a:ext uri="{0D108BD9-81ED-4DB2-BD59-A6C34878D82A}">
+                    <a16:rowId xmlns:a16="http://schemas.microsoft.com/office/drawing/2014/main" val="1935748397"/>
+                  </a:ext>
+                </a:extLst>
+              </a:tr>
+            </a:tbl>
+          </a:graphicData>
+        </a:graphic>
+      </p:graphicFrame>
+      <p:sp>
+        <p:nvSpPr>
+          <p:cNvPr id="15" name="Footer Placeholder 14"/>
+          <p:cNvSpPr>
+            <a:spLocks noGrp="1"/>
+          </p:cNvSpPr>
+          <p:nvPr>
+            <p:ph type="ftr" sz="quarter" idx="12"/>
+          </p:nvPr>
+        </p:nvSpPr>
+        <p:spPr>
+          <a:xfrm>
+            <a:off x="318008" y="5958954"/>
+            <a:ext cx="8265818" cy="696921"/>
+          </a:xfrm>
+        </p:spPr>
+        <p:txBody>
+          <a:bodyPr/>
+          <a:lstStyle/>
+          <a:p>
+            <a:pPr marL="342900" indent="-342900">
+              <a:buFont typeface="+mj-lt"/>
+              <a:buAutoNum type="arabicPeriod"/>
+            </a:pPr>
+            <a:r>
+              <a:rPr lang="en-US" dirty="0">
+                <a:solidFill>
+                  <a:srgbClr val="000000"/>
+                </a:solidFill>
+              </a:rPr>
+              <a:t>A Fast Forward Error Correction Toolbox (</a:t>
+            </a:r>
+            <a:r>
+              <a:rPr lang="en-US" dirty="0">
+                <a:solidFill>
+                  <a:srgbClr val="000000"/>
+                </a:solidFill>
+                <a:hlinkClick r:id="rId5"/>
+              </a:rPr>
+              <a:t>http://aff3ct.github.io/</a:t>
+            </a:r>
+            <a:r>
+              <a:rPr lang="en-US" dirty="0">
+                <a:solidFill>
+                  <a:srgbClr val="000000"/>
+                </a:solidFill>
+              </a:rPr>
+              <a:t>) (No SIMD optimization)</a:t>
+            </a:r>
+          </a:p>
+          <a:p>
+            <a:pPr marL="342900" indent="-342900">
+              <a:buFont typeface="+mj-lt"/>
+              <a:buAutoNum type="arabicPeriod"/>
+            </a:pPr>
+            <a:r>
+              <a:rPr lang="en-US" dirty="0">
+                <a:solidFill>
+                  <a:srgbClr val="000000"/>
+                </a:solidFill>
+              </a:rPr>
+              <a:t>Efficient Encoders and Decoders for Polar Codes: Algorithms and Implementations, Gabi </a:t>
+            </a:r>
+            <a:r>
+              <a:rPr lang="en-US" dirty="0" err="1">
+                <a:solidFill>
+                  <a:srgbClr val="000000"/>
+                </a:solidFill>
+              </a:rPr>
+              <a:t>Sarkis</a:t>
+            </a:r>
+            <a:r>
+              <a:rPr lang="en-US" dirty="0">
+                <a:solidFill>
+                  <a:srgbClr val="000000"/>
+                </a:solidFill>
+              </a:rPr>
+              <a:t>, Department of Electrical and Computer Engineering McGill University. Montreal, Canada.</a:t>
+            </a:r>
+          </a:p>
+        </p:txBody>
+      </p:sp>
+      <p:graphicFrame>
+        <p:nvGraphicFramePr>
+          <p:cNvPr id="26" name="Table 25"/>
+          <p:cNvGraphicFramePr>
+            <a:graphicFrameLocks noGrp="1"/>
+          </p:cNvGraphicFramePr>
+          <p:nvPr>
+            <p:extLst>
+              <p:ext uri="{D42A27DB-BD31-4B8C-83A1-F6EECF244321}">
+                <p14:modId xmlns:p14="http://schemas.microsoft.com/office/powerpoint/2010/main" val="706903924"/>
+              </p:ext>
+            </p:extLst>
+          </p:nvPr>
+        </p:nvGraphicFramePr>
+        <p:xfrm>
+          <a:off x="318007" y="1976702"/>
+          <a:ext cx="4431105" cy="808401"/>
+        </p:xfrm>
+        <a:graphic>
+          <a:graphicData uri="http://schemas.openxmlformats.org/drawingml/2006/table">
+            <a:tbl>
+              <a:tblPr firstRow="1" bandRow="1">
+                <a:tableStyleId>{2D5ABB26-0587-4C30-8999-92F81FD0307C}</a:tableStyleId>
+              </a:tblPr>
+              <a:tblGrid>
+                <a:gridCol w="1926802">
+                  <a:extLst>
+                    <a:ext uri="{9D8B030D-6E8A-4147-A177-3AD203B41FA5}">
+                      <a16:colId xmlns:a16="http://schemas.microsoft.com/office/drawing/2014/main" val="1117280656"/>
+                    </a:ext>
+                  </a:extLst>
+                </a:gridCol>
+                <a:gridCol w="2504303">
+                  <a:extLst>
+                    <a:ext uri="{9D8B030D-6E8A-4147-A177-3AD203B41FA5}">
+                      <a16:colId xmlns:a16="http://schemas.microsoft.com/office/drawing/2014/main" val="1195562751"/>
+                    </a:ext>
+                  </a:extLst>
+                </a:gridCol>
+              </a:tblGrid>
+              <a:tr h="426607">
+                <a:tc>
+                  <a:txBody>
+                    <a:bodyPr/>
+                    <a:lstStyle/>
+                    <a:p>
+                      <a:pPr marL="0" marR="0" lvl="0" indent="0" algn="l" defTabSz="914400" rtl="0" eaLnBrk="1" fontAlgn="auto" latinLnBrk="0" hangingPunct="1">
+                        <a:lnSpc>
+                          <a:spcPct val="100000"/>
+                        </a:lnSpc>
+                        <a:spcBef>
+                          <a:spcPts val="0"/>
+                        </a:spcBef>
+                        <a:spcAft>
+                          <a:spcPts val="0"/>
+                        </a:spcAft>
+                        <a:buClrTx/>
+                        <a:buSzTx/>
+                        <a:buFontTx/>
+                        <a:buNone/>
+                        <a:tabLst/>
+                        <a:defRPr/>
+                      </a:pPr>
+                      <a:r>
+                        <a:rPr lang="en-US" sz="1700" kern="1200" baseline="0" dirty="0">
+                          <a:solidFill>
+                            <a:schemeClr val="tx1"/>
+                          </a:solidFill>
+                          <a:latin typeface="+mn-lt"/>
+                          <a:ea typeface="+mn-ea"/>
+                          <a:cs typeface="+mn-cs"/>
+                        </a:rPr>
+                        <a:t>aff3c</a:t>
+                      </a:r>
+                      <a:r>
+                        <a:rPr lang="en-US" sz="1700" b="0" kern="1200" baseline="0" dirty="0">
+                          <a:solidFill>
+                            <a:schemeClr val="tx1"/>
+                          </a:solidFill>
+                          <a:latin typeface="+mn-lt"/>
+                          <a:ea typeface="+mn-ea"/>
+                          <a:cs typeface="+mn-cs"/>
+                        </a:rPr>
+                        <a:t>t</a:t>
+                      </a:r>
+                      <a:r>
+                        <a:rPr lang="en-US" sz="1600" b="0" baseline="30000" dirty="0"/>
+                        <a:t>[1]</a:t>
+                      </a:r>
+                      <a:r>
+                        <a:rPr lang="en-US" sz="1600" b="0" dirty="0"/>
+                        <a:t> (No</a:t>
+                      </a:r>
+                      <a:r>
+                        <a:rPr lang="en-US" sz="1600" b="0" baseline="0" dirty="0"/>
+                        <a:t> SIMD)</a:t>
+                      </a:r>
+                      <a:endParaRPr lang="en-US" sz="1700" b="0" kern="1200" baseline="0" dirty="0">
+                        <a:solidFill>
+                          <a:schemeClr val="tx1"/>
+                        </a:solidFill>
+                        <a:latin typeface="+mn-lt"/>
+                        <a:ea typeface="+mn-ea"/>
+                        <a:cs typeface="+mn-cs"/>
+                      </a:endParaRPr>
+                    </a:p>
+                  </a:txBody>
+                  <a:tcPr>
+                    <a:lnL w="12700" cap="flat" cmpd="sng" algn="ctr">
+                      <a:solidFill>
+                        <a:schemeClr val="tx1"/>
+                      </a:solidFill>
+                      <a:prstDash val="solid"/>
+                      <a:round/>
+                      <a:headEnd type="none" w="med" len="med"/>
+                      <a:tailEnd type="none" w="med" len="med"/>
+                    </a:lnL>
+                    <a:lnR w="12700" cap="flat" cmpd="sng" algn="ctr">
+                      <a:solidFill>
+                        <a:schemeClr val="tx1"/>
+                      </a:solidFill>
+                      <a:prstDash val="solid"/>
+                      <a:round/>
+                      <a:headEnd type="none" w="med" len="med"/>
+                      <a:tailEnd type="none" w="med" len="med"/>
+                    </a:lnR>
+                    <a:lnT w="12700" cap="flat" cmpd="sng" algn="ctr">
+                      <a:solidFill>
+                        <a:schemeClr val="tx1"/>
+                      </a:solidFill>
+                      <a:prstDash val="solid"/>
+                      <a:round/>
+                      <a:headEnd type="none" w="med" len="med"/>
+                      <a:tailEnd type="none" w="med" len="med"/>
+                    </a:lnT>
+                    <a:lnB w="12700" cap="flat" cmpd="sng" algn="ctr">
+                      <a:solidFill>
+                        <a:schemeClr val="tx1"/>
+                      </a:solidFill>
+                      <a:prstDash val="solid"/>
+                      <a:round/>
+                      <a:headEnd type="none" w="med" len="med"/>
+                      <a:tailEnd type="none" w="med" len="med"/>
+                    </a:lnB>
+                    <a:solidFill>
+                      <a:schemeClr val="bg2">
+                        <a:lumMod val="40000"/>
+                        <a:lumOff val="60000"/>
+                      </a:schemeClr>
+                    </a:solidFill>
+                  </a:tcPr>
+                </a:tc>
+                <a:tc>
+                  <a:txBody>
+                    <a:bodyPr/>
+                    <a:lstStyle/>
+                    <a:p>
+                      <a:pPr marL="0" marR="0" lvl="0" indent="0" algn="l" defTabSz="914400" rtl="0" eaLnBrk="1" fontAlgn="auto" latinLnBrk="0" hangingPunct="1">
+                        <a:lnSpc>
+                          <a:spcPct val="100000"/>
+                        </a:lnSpc>
+                        <a:spcBef>
+                          <a:spcPts val="0"/>
+                        </a:spcBef>
+                        <a:spcAft>
+                          <a:spcPts val="0"/>
+                        </a:spcAft>
+                        <a:buClrTx/>
+                        <a:buSzTx/>
+                        <a:buFontTx/>
+                        <a:buNone/>
+                        <a:tabLst/>
+                        <a:defRPr/>
+                      </a:pPr>
+                      <a:r>
+                        <a:rPr lang="en-US" sz="1700" kern="1200" baseline="0" dirty="0">
+                          <a:solidFill>
+                            <a:schemeClr val="tx1"/>
+                          </a:solidFill>
+                          <a:latin typeface="+mn-lt"/>
+                          <a:ea typeface="+mn-ea"/>
+                          <a:cs typeface="+mn-cs"/>
+                        </a:rPr>
+                        <a:t>Current implementation</a:t>
+                      </a:r>
+                    </a:p>
+                  </a:txBody>
+                  <a:tcPr>
+                    <a:lnL w="12700" cap="flat" cmpd="sng" algn="ctr">
+                      <a:solidFill>
+                        <a:schemeClr val="tx1"/>
+                      </a:solidFill>
+                      <a:prstDash val="solid"/>
+                      <a:round/>
+                      <a:headEnd type="none" w="med" len="med"/>
+                      <a:tailEnd type="none" w="med" len="med"/>
+                    </a:lnL>
+                    <a:lnR w="12700" cap="flat" cmpd="sng" algn="ctr">
+                      <a:solidFill>
+                        <a:schemeClr val="tx1"/>
+                      </a:solidFill>
+                      <a:prstDash val="solid"/>
+                      <a:round/>
+                      <a:headEnd type="none" w="med" len="med"/>
+                      <a:tailEnd type="none" w="med" len="med"/>
+                    </a:lnR>
+                    <a:lnT w="12700" cap="flat" cmpd="sng" algn="ctr">
+                      <a:solidFill>
+                        <a:schemeClr val="tx1"/>
+                      </a:solidFill>
+                      <a:prstDash val="solid"/>
+                      <a:round/>
+                      <a:headEnd type="none" w="med" len="med"/>
+                      <a:tailEnd type="none" w="med" len="med"/>
+                    </a:lnT>
+                    <a:lnB w="12700" cap="flat" cmpd="sng" algn="ctr">
+                      <a:solidFill>
+                        <a:schemeClr val="tx1"/>
+                      </a:solidFill>
+                      <a:prstDash val="solid"/>
+                      <a:round/>
+                      <a:headEnd type="none" w="med" len="med"/>
+                      <a:tailEnd type="none" w="med" len="med"/>
+                    </a:lnB>
+                    <a:solidFill>
+                      <a:schemeClr val="bg2">
+                        <a:lumMod val="40000"/>
+                        <a:lumOff val="60000"/>
+                      </a:schemeClr>
+                    </a:solidFill>
+                  </a:tcPr>
+                </a:tc>
+                <a:extLst>
+                  <a:ext uri="{0D108BD9-81ED-4DB2-BD59-A6C34878D82A}">
+                    <a16:rowId xmlns:a16="http://schemas.microsoft.com/office/drawing/2014/main" val="2279112131"/>
+                  </a:ext>
+                </a:extLst>
+              </a:tr>
+              <a:tr h="381794">
+                <a:tc>
+                  <a:txBody>
+                    <a:bodyPr/>
+                    <a:lstStyle/>
+                    <a:p>
+                      <a:r>
+                        <a:rPr lang="en-US" sz="1600" dirty="0"/>
+                        <a:t>5.6 </a:t>
+                      </a:r>
+                      <a:r>
+                        <a:rPr lang="el-GR" sz="1600" dirty="0"/>
+                        <a:t>μ</a:t>
+                      </a:r>
+                      <a:r>
+                        <a:rPr lang="en-US" sz="1600" dirty="0"/>
+                        <a:t>s</a:t>
+                      </a:r>
+                    </a:p>
+                  </a:txBody>
+                  <a:tcPr>
+                    <a:lnL w="12700" cap="flat" cmpd="sng" algn="ctr">
+                      <a:solidFill>
+                        <a:schemeClr val="tx1"/>
+                      </a:solidFill>
+                      <a:prstDash val="solid"/>
+                      <a:round/>
+                      <a:headEnd type="none" w="med" len="med"/>
+                      <a:tailEnd type="none" w="med" len="med"/>
+                    </a:lnL>
+                    <a:lnR w="12700" cap="flat" cmpd="sng" algn="ctr">
+                      <a:solidFill>
+                        <a:schemeClr val="tx1"/>
+                      </a:solidFill>
+                      <a:prstDash val="solid"/>
+                      <a:round/>
+                      <a:headEnd type="none" w="med" len="med"/>
+                      <a:tailEnd type="none" w="med" len="med"/>
+                    </a:lnR>
+                    <a:lnT w="12700" cap="flat" cmpd="sng" algn="ctr">
+                      <a:solidFill>
+                        <a:schemeClr val="tx1"/>
+                      </a:solidFill>
+                      <a:prstDash val="solid"/>
+                      <a:round/>
+                      <a:headEnd type="none" w="med" len="med"/>
+                      <a:tailEnd type="none" w="med" len="med"/>
+                    </a:lnT>
+                    <a:lnB w="12700" cap="flat" cmpd="sng" algn="ctr">
+                      <a:solidFill>
+                        <a:schemeClr val="tx1"/>
+                      </a:solidFill>
+                      <a:prstDash val="solid"/>
+                      <a:round/>
+                      <a:headEnd type="none" w="med" len="med"/>
+                      <a:tailEnd type="none" w="med" len="med"/>
+                    </a:lnB>
+                  </a:tcPr>
+                </a:tc>
+                <a:tc>
+                  <a:txBody>
+                    <a:bodyPr/>
+                    <a:lstStyle/>
+                    <a:p>
+                      <a:r>
+                        <a:rPr lang="en-US" sz="1600" dirty="0"/>
+                        <a:t>0.24 </a:t>
+                      </a:r>
+                      <a:r>
+                        <a:rPr lang="el-GR" sz="1600" dirty="0"/>
+                        <a:t>μ</a:t>
+                      </a:r>
+                      <a:r>
+                        <a:rPr lang="en-US" sz="1600" dirty="0"/>
+                        <a:t>s</a:t>
+                      </a:r>
+                    </a:p>
+                  </a:txBody>
+                  <a:tcPr>
+                    <a:lnL w="12700" cap="flat" cmpd="sng" algn="ctr">
+                      <a:solidFill>
+                        <a:schemeClr val="tx1"/>
+                      </a:solidFill>
+                      <a:prstDash val="solid"/>
+                      <a:round/>
+                      <a:headEnd type="none" w="med" len="med"/>
+                      <a:tailEnd type="none" w="med" len="med"/>
+                    </a:lnL>
+                    <a:lnR w="12700" cap="flat" cmpd="sng" algn="ctr">
+                      <a:solidFill>
+                        <a:schemeClr val="tx1"/>
+                      </a:solidFill>
+                      <a:prstDash val="solid"/>
+                      <a:round/>
+                      <a:headEnd type="none" w="med" len="med"/>
+                      <a:tailEnd type="none" w="med" len="med"/>
+                    </a:lnR>
+                    <a:lnT w="12700" cap="flat" cmpd="sng" algn="ctr">
+                      <a:solidFill>
+                        <a:schemeClr val="tx1"/>
+                      </a:solidFill>
+                      <a:prstDash val="solid"/>
+                      <a:round/>
+                      <a:headEnd type="none" w="med" len="med"/>
+                      <a:tailEnd type="none" w="med" len="med"/>
+                    </a:lnT>
+                    <a:lnB w="12700" cap="flat" cmpd="sng" algn="ctr">
+                      <a:solidFill>
+                        <a:schemeClr val="tx1"/>
+                      </a:solidFill>
+                      <a:prstDash val="solid"/>
+                      <a:round/>
+                      <a:headEnd type="none" w="med" len="med"/>
+                      <a:tailEnd type="none" w="med" len="med"/>
+                    </a:lnB>
+                  </a:tcPr>
+                </a:tc>
+                <a:extLst>
+                  <a:ext uri="{0D108BD9-81ED-4DB2-BD59-A6C34878D82A}">
+                    <a16:rowId xmlns:a16="http://schemas.microsoft.com/office/drawing/2014/main" val="1935748397"/>
+                  </a:ext>
+                </a:extLst>
+              </a:tr>
+            </a:tbl>
+          </a:graphicData>
+        </a:graphic>
+      </p:graphicFrame>
+      <p:sp>
+        <p:nvSpPr>
+          <p:cNvPr id="457" name="RS_Classification_Standard"/>
+          <p:cNvSpPr txBox="1"/>
+          <p:nvPr/>
+        </p:nvSpPr>
+        <p:spPr>
+          <a:xfrm>
+            <a:off x="8990047" y="6187613"/>
+            <a:ext cx="153953" cy="251287"/>
+          </a:xfrm>
+          <a:prstGeom prst="rect">
+            <a:avLst/>
+          </a:prstGeom>
+          <a:solidFill>
+            <a:srgbClr val="FFFFFF">
+              <a:alpha val="0"/>
+            </a:srgbClr>
+          </a:solidFill>
+        </p:spPr>
+        <p:txBody>
+          <a:bodyPr vert="horz" wrap="none" lIns="76200" tIns="36830" rIns="76200" bIns="36830" rtlCol="0" anchor="ctr">
+            <a:spAutoFit/>
+          </a:bodyPr>
+          <a:lstStyle/>
+          <a:p>
+            <a:endParaRPr lang="en-US" sz="1100" b="1" kern="900" spc="100" dirty="0" err="1" smtClean="0">
+              <a:solidFill>
+                <a:srgbClr val="000000"/>
+              </a:solidFill>
+              <a:latin typeface="+mn-lt"/>
+            </a:endParaRPr>
+          </a:p>
+        </p:txBody>
+      </p:sp>
+    </p:spTree>
+    <p:custDataLst>
+      <p:tags r:id="rId1"/>
+    </p:custDataLst>
+    <p:extLst>
+      <p:ext uri="{BB962C8B-B14F-4D97-AF65-F5344CB8AC3E}">
+        <p14:creationId xmlns:p14="http://schemas.microsoft.com/office/powerpoint/2010/main" val="2538783491"/>
+      </p:ext>
+    </p:extLst>
+  </p:cSld>
+  <p:clrMapOvr>
+    <a:masterClrMapping/>
+  </p:clrMapOvr>
+  <p:timing>
+    <p:tnLst>
+      <p:par>
+        <p:cTn id="1" dur="indefinite" restart="never" nodeType="tmRoot"/>
+      </p:par>
+    </p:tnLst>
+  </p:timing>
+</p:sld>
+</file>
+
+<file path=ppt/slides/slide22.xml><?xml version="1.0" encoding="utf-8"?>
+<p:sld xmlns:a="http://schemas.openxmlformats.org/drawingml/2006/main" xmlns:r="http://schemas.openxmlformats.org/officeDocument/2006/relationships" xmlns:p="http://schemas.openxmlformats.org/presentationml/2006/main">
+  <p:cSld>
+    <p:spTree>
+      <p:nvGrpSpPr>
+        <p:cNvPr id="1" name=""/>
+        <p:cNvGrpSpPr/>
+        <p:nvPr/>
+      </p:nvGrpSpPr>
+      <p:grpSpPr>
+        <a:xfrm>
+          <a:off x="0" y="0"/>
+          <a:ext cx="0" cy="0"/>
+          <a:chOff x="0" y="0"/>
+          <a:chExt cx="0" cy="0"/>
+        </a:xfrm>
+      </p:grpSpPr>
       <p:sp>
         <p:nvSpPr>
           <p:cNvPr id="3" name="Slide Number Placeholder 2">
@@ -18110,7 +20386,7 @@
             <a:fld id="{CE58CB1E-F828-4F11-99E0-327109AF9DA4}" type="slidenum">
               <a:rPr lang="de-DE" smtClean="0"/>
               <a:pPr/>
-              <a:t>21</a:t>
+              <a:t>22</a:t>
             </a:fld>
             <a:endParaRPr lang="de-DE" dirty="0"/>
           </a:p>
@@ -18134,7 +20410,7 @@
         </p:nvSpPr>
         <p:spPr>
           <a:xfrm>
-            <a:off x="318009" y="230654"/>
+            <a:off x="318009" y="662251"/>
             <a:ext cx="8508999" cy="410369"/>
           </a:xfrm>
         </p:spPr>
@@ -18158,9 +20434,57 @@
           </a:p>
         </p:txBody>
       </p:sp>
+      <p:sp>
+        <p:nvSpPr>
+          <p:cNvPr id="477" name="Content Placeholder 476"/>
+          <p:cNvSpPr>
+            <a:spLocks noGrp="1"/>
+          </p:cNvSpPr>
+          <p:nvPr>
+            <p:ph idx="1"/>
+          </p:nvPr>
+        </p:nvSpPr>
+        <p:spPr>
+          <a:xfrm>
+            <a:off x="319090" y="1148486"/>
+            <a:ext cx="8508999" cy="5313274"/>
+          </a:xfrm>
+        </p:spPr>
+        <p:txBody>
+          <a:bodyPr/>
+          <a:lstStyle/>
+          <a:p>
+            <a:pPr marL="285750" indent="-285750">
+              <a:buFont typeface="Arial" panose="020B0604020202020204" pitchFamily="34" charset="0"/>
+              <a:buChar char="•"/>
+            </a:pPr>
+            <a:r>
+              <a:rPr lang="en-US" dirty="0" smtClean="0"/>
+              <a:t>Decoding FEC chain for Physical Uplink Control Channel (</a:t>
+            </a:r>
+            <a:r>
+              <a:rPr lang="en-US" i="1" dirty="0" smtClean="0"/>
+              <a:t>PUCCH</a:t>
+            </a:r>
+            <a:r>
+              <a:rPr lang="en-US" dirty="0" smtClean="0"/>
+              <a:t>) and Physical uplink shared Channel (</a:t>
+            </a:r>
+            <a:r>
+              <a:rPr lang="en-US" i="1" dirty="0" smtClean="0"/>
+              <a:t>PUSCH</a:t>
+            </a:r>
+            <a:r>
+              <a:rPr lang="en-US" dirty="0" smtClean="0"/>
+              <a:t>).</a:t>
+            </a:r>
+            <a:endParaRPr lang="en-US" dirty="0"/>
+          </a:p>
+        </p:txBody>
+      </p:sp>
       <p:pic>
         <p:nvPicPr>
-          <p:cNvPr id="12" name="Content Placeholder 11">
+          <p:cNvPr id="478" name="Content Placeholder 11">
             <a:extLst>
               <a:ext uri="{FF2B5EF4-FFF2-40B4-BE49-F238E27FC236}">
                 <a16:creationId xmlns:a16="http://schemas.microsoft.com/office/drawing/2014/main" id="{957F4742-937F-4F3E-8F2F-1263E39ACF71}"/>
@@ -18168,11 +20492,9 @@
             </a:extLst>
           </p:cNvPr>
           <p:cNvPicPr>
-            <a:picLocks noGrp="1" noChangeAspect="1"/>
+            <a:picLocks noChangeAspect="1"/>
           </p:cNvPicPr>
-          <p:nvPr>
-            <p:ph idx="1"/>
-          </p:nvPr>
+          <p:nvPr/>
         </p:nvPicPr>
         <p:blipFill>
           <a:blip r:embed="rId3"/>
@@ -18182,14 +20504,24 @@
         </p:blipFill>
         <p:spPr>
           <a:xfrm>
-            <a:off x="600989" y="641023"/>
-            <a:ext cx="6375087" cy="6069614"/>
+            <a:off x="413106" y="1995161"/>
+            <a:ext cx="4466962" cy="4252920"/>
           </a:xfrm>
+          <a:prstGeom prst="rect">
+            <a:avLst/>
+          </a:prstGeom>
+          <a:noFill/>
+          <a:ln w="9525">
+            <a:noFill/>
+            <a:miter lim="800000"/>
+            <a:headEnd/>
+            <a:tailEnd/>
+          </a:ln>
         </p:spPr>
       </p:pic>
       <p:sp>
         <p:nvSpPr>
-          <p:cNvPr id="453" name="RS_Classification_Standard"/>
+          <p:cNvPr id="509" name="RS_Classification_Standard"/>
           <p:cNvSpPr txBox="1"/>
           <p:nvPr/>
         </p:nvSpPr>
@@ -18245,7 +20577,7 @@
 </p:sld>
 </file>
 
-<file path=ppt/slides/slide22.xml><?xml version="1.0" encoding="utf-8"?>
+<file path=ppt/slides/slide23.xml><?xml version="1.0" encoding="utf-8"?>
 <p:sld xmlns:a="http://schemas.openxmlformats.org/drawingml/2006/main" xmlns:r="http://schemas.openxmlformats.org/officeDocument/2006/relationships" xmlns:p="http://schemas.openxmlformats.org/presentationml/2006/main">
   <p:cSld>
     <p:spTree>
@@ -18336,7 +20668,15 @@
                 </a:pPr>
                 <a:r>
                   <a:rPr lang="en-US" dirty="0"/>
-                  <a:t>One of expensive operation due to huge number of division, multiplication and modulus operations and it is also sequential.</a:t>
+                  <a:t>E</a:t>
+                </a:r>
+                <a:r>
+                  <a:rPr lang="en-US" dirty="0" smtClean="0"/>
+                  <a:t>xpensive </a:t>
+                </a:r>
+                <a:r>
+                  <a:rPr lang="en-US" dirty="0"/>
+                  <a:t>operation due to huge number of division, multiplication and modulus operations and it is also sequential.</a:t>
                 </a:r>
               </a:p>
               <a:p>
@@ -18468,7 +20808,7 @@
               <a:blipFill>
                 <a:blip r:embed="rId3"/>
                 <a:stretch>
-                  <a:fillRect l="-1361" t="-1038"/>
+                  <a:fillRect l="-1361" t="-1038" r="-1719"/>
                 </a:stretch>
               </a:blipFill>
             </p:spPr>
@@ -18511,7 +20851,7 @@
             <a:fld id="{CE58CB1E-F828-4F11-99E0-327109AF9DA4}" type="slidenum">
               <a:rPr lang="de-DE" smtClean="0"/>
               <a:pPr/>
-              <a:t>22</a:t>
+              <a:t>23</a:t>
             </a:fld>
             <a:endParaRPr lang="de-DE" dirty="0"/>
           </a:p>
@@ -18597,7 +20937,7 @@
         </p:blipFill>
         <p:spPr>
           <a:xfrm>
-            <a:off x="316306" y="5118090"/>
+            <a:off x="317321" y="4620656"/>
             <a:ext cx="8509686" cy="1069523"/>
           </a:xfrm>
           <a:prstGeom prst="rect">
@@ -18607,7 +20947,7 @@
       </p:pic>
       <p:sp>
         <p:nvSpPr>
-          <p:cNvPr id="422" name="RS_Classification_Standard"/>
+          <p:cNvPr id="476" name="RS_Classification_Standard"/>
           <p:cNvSpPr txBox="1"/>
           <p:nvPr/>
         </p:nvSpPr>
@@ -18663,7 +21003,7 @@
 </p:sld>
 </file>
 
-<file path=ppt/slides/slide23.xml><?xml version="1.0" encoding="utf-8"?>
+<file path=ppt/slides/slide24.xml><?xml version="1.0" encoding="utf-8"?>
 <p:sld xmlns:a="http://schemas.openxmlformats.org/drawingml/2006/main" xmlns:r="http://schemas.openxmlformats.org/officeDocument/2006/relationships" xmlns:p="http://schemas.openxmlformats.org/presentationml/2006/main">
   <p:cSld>
     <p:spTree>
@@ -18758,7 +21098,7 @@
             </a:pPr>
             <a:r>
               <a:rPr lang="en-US" dirty="0" smtClean="0"/>
-              <a:t>Reduces the expensive branch instructions, hence less pipeline stalling.</a:t>
+              <a:t>Reduces the expensive branch instructions and exploits data parallelism.</a:t>
             </a:r>
             <a:endParaRPr lang="en-US" dirty="0" smtClean="0"/>
           </a:p>
@@ -19316,7 +21656,7 @@
             <a:fld id="{CE58CB1E-F828-4F11-99E0-327109AF9DA4}" type="slidenum">
               <a:rPr lang="de-DE" smtClean="0"/>
               <a:pPr/>
-              <a:t>23</a:t>
+              <a:t>24</a:t>
             </a:fld>
             <a:endParaRPr lang="de-DE" dirty="0"/>
           </a:p>
@@ -19348,8 +21688,21 @@
                   <a:schemeClr val="bg2"/>
                 </a:solidFill>
               </a:rPr>
-              <a:t>Polar decoding: Packing frozen bits</a:t>
-            </a:r>
+              <a:t>Polar decoding: Packing frozen </a:t>
+            </a:r>
+            <a:r>
+              <a:rPr lang="en-US" dirty="0" smtClean="0">
+                <a:solidFill>
+                  <a:schemeClr val="bg2"/>
+                </a:solidFill>
+              </a:rPr>
+              <a:t>pattern</a:t>
+            </a:r>
+            <a:endParaRPr lang="en-US" dirty="0">
+              <a:solidFill>
+                <a:schemeClr val="bg2"/>
+              </a:solidFill>
+            </a:endParaRPr>
           </a:p>
         </p:txBody>
       </p:sp>
@@ -19863,7 +22216,7 @@
       </p:sp>
       <p:sp>
         <p:nvSpPr>
-          <p:cNvPr id="425" name="RS_Classification_Standard"/>
+          <p:cNvPr id="479" name="RS_Classification_Standard"/>
           <p:cNvSpPr txBox="1"/>
           <p:nvPr/>
         </p:nvSpPr>
@@ -19919,7 +22272,7 @@
 </p:sld>
 </file>
 
-<file path=ppt/slides/slide24.xml><?xml version="1.0" encoding="utf-8"?>
+<file path=ppt/slides/slide25.xml><?xml version="1.0" encoding="utf-8"?>
 <p:sld xmlns:a="http://schemas.openxmlformats.org/drawingml/2006/main" xmlns:r="http://schemas.openxmlformats.org/officeDocument/2006/relationships" xmlns:p="http://schemas.openxmlformats.org/presentationml/2006/main">
   <p:cSld>
     <p:spTree>
@@ -20072,12 +22425,6 @@
                   <a:rPr lang="en-US" dirty="0" smtClean="0"/>
                   <a:t> is reformulated using bit wise negation operations.</a:t>
                 </a:r>
-              </a:p>
-              <a:p>
-                <a:pPr marL="285750" indent="-285750">
-                  <a:buFont typeface="Arial" panose="020B0604020202020204" pitchFamily="34" charset="0"/>
-                  <a:buChar char="•"/>
-                </a:pPr>
                 <a:endParaRPr lang="en-US" dirty="0"/>
               </a:p>
               <a:p>
@@ -20165,7 +22512,7 @@
             <a:fld id="{CE58CB1E-F828-4F11-99E0-327109AF9DA4}" type="slidenum">
               <a:rPr lang="de-DE" smtClean="0"/>
               <a:pPr/>
-              <a:t>24</a:t>
+              <a:t>25</a:t>
             </a:fld>
             <a:endParaRPr lang="de-DE" dirty="0"/>
           </a:p>
@@ -20202,9 +22549,2206 @@
           </a:p>
         </p:txBody>
       </p:sp>
+      <mc:AlternateContent xmlns:mc="http://schemas.openxmlformats.org/markup-compatibility/2006">
+        <mc:Choice xmlns:a14="http://schemas.microsoft.com/office/drawing/2010/main" Requires="a14">
+          <p:sp>
+            <p:nvSpPr>
+              <p:cNvPr id="456" name="Content Placeholder 1"/>
+              <p:cNvSpPr txBox="1">
+                <a:spLocks/>
+              </p:cNvSpPr>
+              <p:nvPr/>
+            </p:nvSpPr>
+            <p:spPr>
+              <a:xfrm>
+                <a:off x="568221" y="4549738"/>
+                <a:ext cx="3769693" cy="2200917"/>
+              </a:xfrm>
+              <a:prstGeom prst="rect">
+                <a:avLst/>
+              </a:prstGeom>
+              <a:noFill/>
+              <a:ln w="9525">
+                <a:noFill/>
+                <a:miter lim="800000"/>
+                <a:headEnd/>
+                <a:tailEnd/>
+              </a:ln>
+            </p:spPr>
+            <p:txBody>
+              <a:bodyPr vert="horz" wrap="square" lIns="0" tIns="0" rIns="0" bIns="0" numCol="1" anchor="t" anchorCtr="0" compatLnSpc="1">
+                <a:prstTxWarp prst="textNoShape">
+                  <a:avLst/>
+                </a:prstTxWarp>
+              </a:bodyPr>
+              <a:lstStyle>
+                <a:lvl1pPr algn="l" rtl="0" eaLnBrk="0" fontAlgn="base" hangingPunct="0">
+                  <a:lnSpc>
+                    <a:spcPct val="114000"/>
+                  </a:lnSpc>
+                  <a:spcBef>
+                    <a:spcPct val="0"/>
+                  </a:spcBef>
+                  <a:spcAft>
+                    <a:spcPct val="0"/>
+                  </a:spcAft>
+                  <a:defRPr lang="de-DE" sz="1600" kern="1200" noProof="0" dirty="0" smtClean="0">
+                    <a:solidFill>
+                      <a:schemeClr val="tx1"/>
+                    </a:solidFill>
+                    <a:latin typeface="+mn-lt"/>
+                    <a:ea typeface="+mn-ea"/>
+                    <a:cs typeface="+mn-cs"/>
+                  </a:defRPr>
+                </a:lvl1pPr>
+                <a:lvl2pPr marL="176213" indent="-176213" algn="l" rtl="0" eaLnBrk="0" fontAlgn="base" hangingPunct="0">
+                  <a:lnSpc>
+                    <a:spcPct val="114000"/>
+                  </a:lnSpc>
+                  <a:spcBef>
+                    <a:spcPct val="0"/>
+                  </a:spcBef>
+                  <a:spcAft>
+                    <a:spcPct val="0"/>
+                  </a:spcAft>
+                  <a:buFont typeface="Arial" charset="0"/>
+                  <a:buChar char="•"/>
+                  <a:defRPr lang="de-DE" sz="1600" kern="1200" noProof="0" dirty="0" smtClean="0">
+                    <a:solidFill>
+                      <a:schemeClr val="tx1"/>
+                    </a:solidFill>
+                    <a:latin typeface="+mn-lt"/>
+                    <a:ea typeface="+mn-ea"/>
+                    <a:cs typeface="+mn-cs"/>
+                  </a:defRPr>
+                </a:lvl2pPr>
+                <a:lvl3pPr marL="360363" indent="-184150" algn="l" rtl="0" eaLnBrk="0" fontAlgn="base" hangingPunct="0">
+                  <a:lnSpc>
+                    <a:spcPct val="125000"/>
+                  </a:lnSpc>
+                  <a:spcBef>
+                    <a:spcPct val="0"/>
+                  </a:spcBef>
+                  <a:spcAft>
+                    <a:spcPct val="0"/>
+                  </a:spcAft>
+                  <a:buFont typeface="Symbol" pitchFamily="18" charset="2"/>
+                  <a:buChar char="-"/>
+                  <a:defRPr sz="1600" kern="1200">
+                    <a:solidFill>
+                      <a:schemeClr val="tx1"/>
+                    </a:solidFill>
+                    <a:latin typeface="+mn-lt"/>
+                    <a:ea typeface="+mn-ea"/>
+                    <a:cs typeface="+mn-cs"/>
+                  </a:defRPr>
+                </a:lvl3pPr>
+                <a:lvl4pPr marL="538163" indent="-177800" algn="l" rtl="0" eaLnBrk="0" fontAlgn="base" hangingPunct="0">
+                  <a:lnSpc>
+                    <a:spcPct val="125000"/>
+                  </a:lnSpc>
+                  <a:spcBef>
+                    <a:spcPct val="0"/>
+                  </a:spcBef>
+                  <a:spcAft>
+                    <a:spcPct val="0"/>
+                  </a:spcAft>
+                  <a:buFont typeface="Symbol" pitchFamily="18" charset="2"/>
+                  <a:buChar char="-"/>
+                  <a:defRPr sz="1400" kern="1200">
+                    <a:solidFill>
+                      <a:schemeClr val="tx1"/>
+                    </a:solidFill>
+                    <a:latin typeface="+mn-lt"/>
+                    <a:ea typeface="+mn-ea"/>
+                    <a:cs typeface="+mn-cs"/>
+                  </a:defRPr>
+                </a:lvl4pPr>
+                <a:lvl5pPr marL="714375" indent="-176213" algn="l" rtl="0" eaLnBrk="0" fontAlgn="base" hangingPunct="0">
+                  <a:lnSpc>
+                    <a:spcPct val="125000"/>
+                  </a:lnSpc>
+                  <a:spcBef>
+                    <a:spcPct val="0"/>
+                  </a:spcBef>
+                  <a:spcAft>
+                    <a:spcPct val="0"/>
+                  </a:spcAft>
+                  <a:buFont typeface="Symbol" pitchFamily="18" charset="2"/>
+                  <a:buChar char="-"/>
+                  <a:defRPr sz="1400" kern="1200">
+                    <a:solidFill>
+                      <a:schemeClr val="tx1"/>
+                    </a:solidFill>
+                    <a:latin typeface="+mn-lt"/>
+                    <a:ea typeface="+mn-ea"/>
+                    <a:cs typeface="+mn-cs"/>
+                  </a:defRPr>
+                </a:lvl5pPr>
+                <a:lvl6pPr marL="2514600" indent="-228600" algn="l" defTabSz="914400" rtl="0" eaLnBrk="1" latinLnBrk="0" hangingPunct="1">
+                  <a:spcBef>
+                    <a:spcPct val="20000"/>
+                  </a:spcBef>
+                  <a:buFont typeface="Arial" pitchFamily="34" charset="0"/>
+                  <a:buChar char="•"/>
+                  <a:defRPr sz="2000" kern="1200">
+                    <a:solidFill>
+                      <a:schemeClr val="tx1"/>
+                    </a:solidFill>
+                    <a:latin typeface="+mn-lt"/>
+                    <a:ea typeface="+mn-ea"/>
+                    <a:cs typeface="+mn-cs"/>
+                  </a:defRPr>
+                </a:lvl6pPr>
+                <a:lvl7pPr marL="2971800" indent="-228600" algn="l" defTabSz="914400" rtl="0" eaLnBrk="1" latinLnBrk="0" hangingPunct="1">
+                  <a:spcBef>
+                    <a:spcPct val="20000"/>
+                  </a:spcBef>
+                  <a:buFont typeface="Arial" pitchFamily="34" charset="0"/>
+                  <a:buChar char="•"/>
+                  <a:defRPr sz="2000" kern="1200">
+                    <a:solidFill>
+                      <a:schemeClr val="tx1"/>
+                    </a:solidFill>
+                    <a:latin typeface="+mn-lt"/>
+                    <a:ea typeface="+mn-ea"/>
+                    <a:cs typeface="+mn-cs"/>
+                  </a:defRPr>
+                </a:lvl7pPr>
+                <a:lvl8pPr marL="3429000" indent="-228600" algn="l" defTabSz="914400" rtl="0" eaLnBrk="1" latinLnBrk="0" hangingPunct="1">
+                  <a:spcBef>
+                    <a:spcPct val="20000"/>
+                  </a:spcBef>
+                  <a:buFont typeface="Arial" pitchFamily="34" charset="0"/>
+                  <a:buChar char="•"/>
+                  <a:defRPr sz="2000" kern="1200">
+                    <a:solidFill>
+                      <a:schemeClr val="tx1"/>
+                    </a:solidFill>
+                    <a:latin typeface="+mn-lt"/>
+                    <a:ea typeface="+mn-ea"/>
+                    <a:cs typeface="+mn-cs"/>
+                  </a:defRPr>
+                </a:lvl8pPr>
+                <a:lvl9pPr marL="3886200" indent="-228600" algn="l" defTabSz="914400" rtl="0" eaLnBrk="1" latinLnBrk="0" hangingPunct="1">
+                  <a:spcBef>
+                    <a:spcPct val="20000"/>
+                  </a:spcBef>
+                  <a:buFont typeface="Arial" pitchFamily="34" charset="0"/>
+                  <a:buChar char="•"/>
+                  <a:defRPr sz="2000" kern="1200">
+                    <a:solidFill>
+                      <a:schemeClr val="tx1"/>
+                    </a:solidFill>
+                    <a:latin typeface="+mn-lt"/>
+                    <a:ea typeface="+mn-ea"/>
+                    <a:cs typeface="+mn-cs"/>
+                  </a:defRPr>
+                </a:lvl9pPr>
+              </a:lstStyle>
+              <a:p>
+                <a:endParaRPr lang="en-US" sz="1200" dirty="0">
+                  <a:solidFill>
+                    <a:prstClr val="black"/>
+                  </a:solidFill>
+                </a:endParaRPr>
+              </a:p>
+              <a:p>
+                <a:pPr marL="285750" indent="-285750">
+                  <a:buFont typeface="Arial" panose="020B0604020202020204" pitchFamily="34" charset="0"/>
+                  <a:buChar char="•"/>
+                </a:pPr>
+                <a:r>
+                  <a:rPr lang="en-US" sz="1200" dirty="0">
+                    <a:solidFill>
+                      <a:prstClr val="black"/>
+                    </a:solidFill>
+                  </a:rPr>
+                  <a:t>CN operation: (</a:t>
+                </a:r>
+                <a14:m>
+                  <m:oMath xmlns:m="http://schemas.openxmlformats.org/officeDocument/2006/math">
+                    <m:r>
+                      <a:rPr lang="en-US" sz="1200" i="1">
+                        <a:solidFill>
+                          <a:prstClr val="black"/>
+                        </a:solidFill>
+                        <a:latin typeface="Cambria Math" panose="02040503050406030204" pitchFamily="18" charset="0"/>
+                        <a:ea typeface="Cambria Math" panose="02040503050406030204" pitchFamily="18" charset="0"/>
+                      </a:rPr>
+                      <m:t>⨁</m:t>
+                    </m:r>
+                  </m:oMath>
+                </a14:m>
+                <a:r>
+                  <a:rPr lang="en-US" sz="1200" dirty="0" smtClean="0">
+                    <a:solidFill>
+                      <a:prstClr val="black"/>
+                    </a:solidFill>
+                  </a:rPr>
+                  <a:t>)</a:t>
+                </a:r>
+              </a:p>
+              <a:p>
+                <a:pPr marL="0" lvl="1" indent="0">
+                  <a:buFont typeface="Arial" charset="0"/>
+                  <a:buNone/>
+                </a:pPr>
+                <a14:m>
+                  <m:oMathPara xmlns:m="http://schemas.openxmlformats.org/officeDocument/2006/math">
+                    <m:oMathParaPr>
+                      <m:jc m:val="centerGroup"/>
+                    </m:oMathParaPr>
+                    <m:oMath xmlns:m="http://schemas.openxmlformats.org/officeDocument/2006/math">
+                      <m:sSub>
+                        <m:sSubPr>
+                          <m:ctrlPr>
+                            <a:rPr lang="en-US" sz="1200" i="1">
+                              <a:solidFill>
+                                <a:prstClr val="black"/>
+                              </a:solidFill>
+                              <a:latin typeface="Cambria Math" panose="02040503050406030204" pitchFamily="18" charset="0"/>
+                            </a:rPr>
+                          </m:ctrlPr>
+                        </m:sSubPr>
+                        <m:e>
+                          <m:r>
+                            <a:rPr lang="en-US" sz="1200" i="1">
+                              <a:solidFill>
+                                <a:prstClr val="black"/>
+                              </a:solidFill>
+                              <a:latin typeface="Cambria Math" panose="02040503050406030204" pitchFamily="18" charset="0"/>
+                              <a:ea typeface="Cambria Math" panose="02040503050406030204" pitchFamily="18" charset="0"/>
+                            </a:rPr>
+                            <m:t>𝛼</m:t>
+                          </m:r>
+                        </m:e>
+                        <m:sub>
+                          <m:sSub>
+                            <m:sSubPr>
+                              <m:ctrlPr>
+                                <a:rPr lang="en-US" sz="1200" i="1">
+                                  <a:solidFill>
+                                    <a:prstClr val="black"/>
+                                  </a:solidFill>
+                                  <a:latin typeface="Cambria Math" panose="02040503050406030204" pitchFamily="18" charset="0"/>
+                                </a:rPr>
+                              </m:ctrlPr>
+                            </m:sSubPr>
+                            <m:e>
+                              <m:r>
+                                <a:rPr lang="en-US" sz="1200" i="1">
+                                  <a:solidFill>
+                                    <a:prstClr val="black"/>
+                                  </a:solidFill>
+                                  <a:latin typeface="Cambria Math" panose="02040503050406030204" pitchFamily="18" charset="0"/>
+                                </a:rPr>
+                                <m:t>𝑣</m:t>
+                              </m:r>
+                            </m:e>
+                            <m:sub>
+                              <m:r>
+                                <a:rPr lang="en-US" sz="1200" i="1">
+                                  <a:solidFill>
+                                    <a:prstClr val="black"/>
+                                  </a:solidFill>
+                                  <a:latin typeface="Cambria Math" panose="02040503050406030204" pitchFamily="18" charset="0"/>
+                                </a:rPr>
+                                <m:t>𝑙</m:t>
+                              </m:r>
+                            </m:sub>
+                          </m:sSub>
+                        </m:sub>
+                      </m:sSub>
+                      <m:d>
+                        <m:dPr>
+                          <m:begChr m:val="["/>
+                          <m:endChr m:val="]"/>
+                          <m:ctrlPr>
+                            <a:rPr lang="en-US" sz="1200" i="1">
+                              <a:solidFill>
+                                <a:prstClr val="black"/>
+                              </a:solidFill>
+                              <a:latin typeface="Cambria Math" panose="02040503050406030204" pitchFamily="18" charset="0"/>
+                            </a:rPr>
+                          </m:ctrlPr>
+                        </m:dPr>
+                        <m:e>
+                          <m:r>
+                            <a:rPr lang="en-US" sz="1200" i="1">
+                              <a:solidFill>
+                                <a:prstClr val="black"/>
+                              </a:solidFill>
+                              <a:latin typeface="Cambria Math" panose="02040503050406030204" pitchFamily="18" charset="0"/>
+                            </a:rPr>
+                            <m:t>𝑖</m:t>
+                          </m:r>
+                        </m:e>
+                      </m:d>
+                      <m:r>
+                        <a:rPr lang="en-US" sz="1200" i="1">
+                          <a:solidFill>
+                            <a:prstClr val="black"/>
+                          </a:solidFill>
+                          <a:latin typeface="Cambria Math" panose="02040503050406030204" pitchFamily="18" charset="0"/>
+                        </a:rPr>
+                        <m:t>=</m:t>
+                      </m:r>
+                      <m:r>
+                        <a:rPr lang="en-US" sz="1200" i="1">
+                          <a:solidFill>
+                            <a:prstClr val="black"/>
+                          </a:solidFill>
+                          <a:latin typeface="Cambria Math" panose="02040503050406030204" pitchFamily="18" charset="0"/>
+                        </a:rPr>
+                        <m:t>𝑠𝑖𝑔𝑛</m:t>
+                      </m:r>
+                      <m:d>
+                        <m:dPr>
+                          <m:ctrlPr>
+                            <a:rPr lang="en-US" sz="1200" i="1">
+                              <a:solidFill>
+                                <a:prstClr val="black"/>
+                              </a:solidFill>
+                              <a:latin typeface="Cambria Math" panose="02040503050406030204" pitchFamily="18" charset="0"/>
+                            </a:rPr>
+                          </m:ctrlPr>
+                        </m:dPr>
+                        <m:e>
+                          <m:sSub>
+                            <m:sSubPr>
+                              <m:ctrlPr>
+                                <a:rPr lang="en-US" sz="1200" i="1">
+                                  <a:solidFill>
+                                    <a:prstClr val="black"/>
+                                  </a:solidFill>
+                                  <a:latin typeface="Cambria Math" panose="02040503050406030204" pitchFamily="18" charset="0"/>
+                                </a:rPr>
+                              </m:ctrlPr>
+                            </m:sSubPr>
+                            <m:e>
+                              <m:r>
+                                <a:rPr lang="en-US" sz="1200" i="1">
+                                  <a:solidFill>
+                                    <a:prstClr val="black"/>
+                                  </a:solidFill>
+                                  <a:latin typeface="Cambria Math" panose="02040503050406030204" pitchFamily="18" charset="0"/>
+                                  <a:ea typeface="Cambria Math" panose="02040503050406030204" pitchFamily="18" charset="0"/>
+                                </a:rPr>
+                                <m:t>𝛼</m:t>
+                              </m:r>
+                            </m:e>
+                            <m:sub>
+                              <m:r>
+                                <a:rPr lang="en-US" sz="1200" i="1">
+                                  <a:solidFill>
+                                    <a:prstClr val="black"/>
+                                  </a:solidFill>
+                                  <a:latin typeface="Cambria Math" panose="02040503050406030204" pitchFamily="18" charset="0"/>
+                                  <a:ea typeface="Cambria Math" panose="02040503050406030204" pitchFamily="18" charset="0"/>
+                                </a:rPr>
+                                <m:t>𝑣</m:t>
+                              </m:r>
+                            </m:sub>
+                          </m:sSub>
+                          <m:d>
+                            <m:dPr>
+                              <m:begChr m:val="["/>
+                              <m:endChr m:val="]"/>
+                              <m:ctrlPr>
+                                <a:rPr lang="en-US" sz="1200" i="1">
+                                  <a:solidFill>
+                                    <a:prstClr val="black"/>
+                                  </a:solidFill>
+                                  <a:latin typeface="Cambria Math" panose="02040503050406030204" pitchFamily="18" charset="0"/>
+                                </a:rPr>
+                              </m:ctrlPr>
+                            </m:dPr>
+                            <m:e>
+                              <m:r>
+                                <a:rPr lang="en-US" sz="1200" i="1" err="1">
+                                  <a:solidFill>
+                                    <a:prstClr val="black"/>
+                                  </a:solidFill>
+                                  <a:latin typeface="Cambria Math" panose="02040503050406030204" pitchFamily="18" charset="0"/>
+                                </a:rPr>
+                                <m:t>𝑖</m:t>
+                              </m:r>
+                            </m:e>
+                          </m:d>
+                        </m:e>
+                      </m:d>
+                      <m:r>
+                        <a:rPr lang="en-US" sz="1200" i="1">
+                          <a:solidFill>
+                            <a:prstClr val="black"/>
+                          </a:solidFill>
+                          <a:latin typeface="Cambria Math" panose="02040503050406030204" pitchFamily="18" charset="0"/>
+                        </a:rPr>
+                        <m:t>∗</m:t>
+                      </m:r>
+                      <m:r>
+                        <a:rPr lang="en-US" sz="1200" i="1">
+                          <a:solidFill>
+                            <a:prstClr val="black"/>
+                          </a:solidFill>
+                          <a:latin typeface="Cambria Math" panose="02040503050406030204" pitchFamily="18" charset="0"/>
+                        </a:rPr>
+                        <m:t>𝑠𝑖𝑔𝑛</m:t>
+                      </m:r>
+                      <m:r>
+                        <a:rPr lang="en-US" sz="1200" i="1">
+                          <a:solidFill>
+                            <a:prstClr val="black"/>
+                          </a:solidFill>
+                          <a:latin typeface="Cambria Math" panose="02040503050406030204" pitchFamily="18" charset="0"/>
+                        </a:rPr>
+                        <m:t>(</m:t>
+                      </m:r>
+                      <m:sSub>
+                        <m:sSubPr>
+                          <m:ctrlPr>
+                            <a:rPr lang="en-US" sz="1200" i="1">
+                              <a:solidFill>
+                                <a:prstClr val="black"/>
+                              </a:solidFill>
+                              <a:latin typeface="Cambria Math" panose="02040503050406030204" pitchFamily="18" charset="0"/>
+                            </a:rPr>
+                          </m:ctrlPr>
+                        </m:sSubPr>
+                        <m:e>
+                          <m:r>
+                            <a:rPr lang="en-US" sz="1200" i="1">
+                              <a:solidFill>
+                                <a:prstClr val="black"/>
+                              </a:solidFill>
+                              <a:latin typeface="Cambria Math" panose="02040503050406030204" pitchFamily="18" charset="0"/>
+                              <a:ea typeface="Cambria Math" panose="02040503050406030204" pitchFamily="18" charset="0"/>
+                            </a:rPr>
+                            <m:t>𝛼</m:t>
+                          </m:r>
+                        </m:e>
+                        <m:sub>
+                          <m:r>
+                            <a:rPr lang="en-US" sz="1200" i="1">
+                              <a:solidFill>
+                                <a:prstClr val="black"/>
+                              </a:solidFill>
+                              <a:latin typeface="Cambria Math" panose="02040503050406030204" pitchFamily="18" charset="0"/>
+                              <a:ea typeface="Cambria Math" panose="02040503050406030204" pitchFamily="18" charset="0"/>
+                            </a:rPr>
+                            <m:t>𝑣</m:t>
+                          </m:r>
+                        </m:sub>
+                      </m:sSub>
+                      <m:r>
+                        <a:rPr lang="en-US" sz="1200" i="1">
+                          <a:solidFill>
+                            <a:prstClr val="black"/>
+                          </a:solidFill>
+                          <a:latin typeface="Cambria Math" panose="02040503050406030204" pitchFamily="18" charset="0"/>
+                          <a:ea typeface="Cambria Math" panose="02040503050406030204" pitchFamily="18" charset="0"/>
+                        </a:rPr>
+                        <m:t> </m:t>
+                      </m:r>
+                      <m:d>
+                        <m:dPr>
+                          <m:begChr m:val="["/>
+                          <m:endChr m:val="]"/>
+                          <m:ctrlPr>
+                            <a:rPr lang="en-US" sz="1200" i="1">
+                              <a:solidFill>
+                                <a:prstClr val="black"/>
+                              </a:solidFill>
+                              <a:latin typeface="Cambria Math" panose="02040503050406030204" pitchFamily="18" charset="0"/>
+                              <a:ea typeface="Cambria Math" panose="02040503050406030204" pitchFamily="18" charset="0"/>
+                            </a:rPr>
+                          </m:ctrlPr>
+                        </m:dPr>
+                        <m:e>
+                          <m:r>
+                            <a:rPr lang="en-US" sz="1200" i="1" err="1">
+                              <a:solidFill>
+                                <a:prstClr val="black"/>
+                              </a:solidFill>
+                              <a:latin typeface="Cambria Math" panose="02040503050406030204" pitchFamily="18" charset="0"/>
+                            </a:rPr>
+                            <m:t>𝑖</m:t>
+                          </m:r>
+                          <m:r>
+                            <a:rPr lang="en-US" sz="1200" i="1" err="1">
+                              <a:solidFill>
+                                <a:prstClr val="black"/>
+                              </a:solidFill>
+                              <a:latin typeface="Cambria Math" panose="02040503050406030204" pitchFamily="18" charset="0"/>
+                            </a:rPr>
+                            <m:t>+</m:t>
+                          </m:r>
+                          <m:f>
+                            <m:fPr>
+                              <m:ctrlPr>
+                                <a:rPr lang="en-US" sz="1200" i="1">
+                                  <a:solidFill>
+                                    <a:prstClr val="black"/>
+                                  </a:solidFill>
+                                  <a:latin typeface="Cambria Math" panose="02040503050406030204" pitchFamily="18" charset="0"/>
+                                </a:rPr>
+                              </m:ctrlPr>
+                            </m:fPr>
+                            <m:num>
+                              <m:sSub>
+                                <m:sSubPr>
+                                  <m:ctrlPr>
+                                    <a:rPr lang="en-US" sz="1200" i="1">
+                                      <a:latin typeface="Cambria Math" panose="02040503050406030204" pitchFamily="18" charset="0"/>
+                                    </a:rPr>
+                                  </m:ctrlPr>
+                                </m:sSubPr>
+                                <m:e>
+                                  <m:r>
+                                    <a:rPr lang="en-US" sz="1200" i="1">
+                                      <a:latin typeface="Cambria Math" panose="02040503050406030204" pitchFamily="18" charset="0"/>
+                                    </a:rPr>
+                                    <m:t>𝑁</m:t>
+                                  </m:r>
+                                </m:e>
+                                <m:sub>
+                                  <m:r>
+                                    <a:rPr lang="en-US" sz="1200" i="1">
+                                      <a:latin typeface="Cambria Math" panose="02040503050406030204" pitchFamily="18" charset="0"/>
+                                    </a:rPr>
+                                    <m:t>𝑣</m:t>
+                                  </m:r>
+                                </m:sub>
+                              </m:sSub>
+                            </m:num>
+                            <m:den>
+                              <m:r>
+                                <a:rPr lang="en-US" sz="1200" i="1">
+                                  <a:solidFill>
+                                    <a:prstClr val="black"/>
+                                  </a:solidFill>
+                                  <a:latin typeface="Cambria Math" panose="02040503050406030204" pitchFamily="18" charset="0"/>
+                                </a:rPr>
+                                <m:t>2</m:t>
+                              </m:r>
+                            </m:den>
+                          </m:f>
+                        </m:e>
+                      </m:d>
+                      <m:r>
+                        <a:rPr lang="en-US" sz="1200" i="1">
+                          <a:solidFill>
+                            <a:prstClr val="black"/>
+                          </a:solidFill>
+                          <a:latin typeface="Cambria Math" panose="02040503050406030204" pitchFamily="18" charset="0"/>
+                        </a:rPr>
+                        <m:t>)∗</m:t>
+                      </m:r>
+                    </m:oMath>
+                  </m:oMathPara>
+                </a14:m>
+                <a:endParaRPr lang="en-US" sz="1200" dirty="0">
+                  <a:solidFill>
+                    <a:prstClr val="black"/>
+                  </a:solidFill>
+                </a:endParaRPr>
+              </a:p>
+              <a:p>
+                <a:pPr marL="0" lvl="1" indent="0">
+                  <a:buFont typeface="Arial" charset="0"/>
+                  <a:buNone/>
+                </a:pPr>
+                <a:r>
+                  <a:rPr lang="en-US" sz="1200" dirty="0">
+                    <a:solidFill>
+                      <a:prstClr val="black"/>
+                    </a:solidFill>
+                  </a:rPr>
+                  <a:t>		</a:t>
+                </a:r>
+                <a14:m>
+                  <m:oMath xmlns:m="http://schemas.openxmlformats.org/officeDocument/2006/math">
+                    <m:r>
+                      <m:rPr>
+                        <m:sty m:val="p"/>
+                      </m:rPr>
+                      <a:rPr lang="en-US" sz="1200" i="1">
+                        <a:solidFill>
+                          <a:prstClr val="black"/>
+                        </a:solidFill>
+                        <a:latin typeface="Cambria Math" panose="02040503050406030204" pitchFamily="18" charset="0"/>
+                      </a:rPr>
+                      <m:t>min</m:t>
+                    </m:r>
+                    <m:r>
+                      <a:rPr lang="en-US" sz="1200" i="1">
+                        <a:solidFill>
+                          <a:prstClr val="black"/>
+                        </a:solidFill>
+                        <a:latin typeface="Cambria Math" panose="02040503050406030204" pitchFamily="18" charset="0"/>
+                      </a:rPr>
+                      <m:t>⁡(</m:t>
+                    </m:r>
+                    <m:sSub>
+                      <m:sSubPr>
+                        <m:ctrlPr>
+                          <a:rPr lang="en-US" sz="1200" i="1">
+                            <a:solidFill>
+                              <a:prstClr val="black"/>
+                            </a:solidFill>
+                            <a:latin typeface="Cambria Math" panose="02040503050406030204" pitchFamily="18" charset="0"/>
+                          </a:rPr>
+                        </m:ctrlPr>
+                      </m:sSubPr>
+                      <m:e>
+                        <m:r>
+                          <a:rPr lang="en-US" sz="1200" i="1">
+                            <a:solidFill>
+                              <a:prstClr val="black"/>
+                            </a:solidFill>
+                            <a:latin typeface="Cambria Math" panose="02040503050406030204" pitchFamily="18" charset="0"/>
+                          </a:rPr>
+                          <m:t>|</m:t>
+                        </m:r>
+                        <m:r>
+                          <a:rPr lang="en-US" sz="1200" i="1">
+                            <a:solidFill>
+                              <a:prstClr val="black"/>
+                            </a:solidFill>
+                            <a:latin typeface="Cambria Math" panose="02040503050406030204" pitchFamily="18" charset="0"/>
+                            <a:ea typeface="Cambria Math" panose="02040503050406030204" pitchFamily="18" charset="0"/>
+                          </a:rPr>
+                          <m:t>𝛼</m:t>
+                        </m:r>
+                      </m:e>
+                      <m:sub>
+                        <m:r>
+                          <a:rPr lang="en-US" sz="1200" i="1">
+                            <a:solidFill>
+                              <a:prstClr val="black"/>
+                            </a:solidFill>
+                            <a:latin typeface="Cambria Math" panose="02040503050406030204" pitchFamily="18" charset="0"/>
+                            <a:ea typeface="Cambria Math" panose="02040503050406030204" pitchFamily="18" charset="0"/>
+                          </a:rPr>
+                          <m:t>𝑣</m:t>
+                        </m:r>
+                      </m:sub>
+                    </m:sSub>
+                    <m:d>
+                      <m:dPr>
+                        <m:begChr m:val="["/>
+                        <m:endChr m:val="]"/>
+                        <m:ctrlPr>
+                          <a:rPr lang="en-US" sz="1200" i="1">
+                            <a:solidFill>
+                              <a:prstClr val="black"/>
+                            </a:solidFill>
+                            <a:latin typeface="Cambria Math" panose="02040503050406030204" pitchFamily="18" charset="0"/>
+                          </a:rPr>
+                        </m:ctrlPr>
+                      </m:dPr>
+                      <m:e>
+                        <m:r>
+                          <a:rPr lang="en-US" sz="1200" i="1" err="1">
+                            <a:solidFill>
+                              <a:prstClr val="black"/>
+                            </a:solidFill>
+                            <a:latin typeface="Cambria Math" panose="02040503050406030204" pitchFamily="18" charset="0"/>
+                          </a:rPr>
+                          <m:t>𝑖</m:t>
+                        </m:r>
+                      </m:e>
+                    </m:d>
+                    <m:r>
+                      <a:rPr lang="en-US" sz="1200" i="1">
+                        <a:solidFill>
+                          <a:prstClr val="black"/>
+                        </a:solidFill>
+                        <a:latin typeface="Cambria Math" panose="02040503050406030204" pitchFamily="18" charset="0"/>
+                      </a:rPr>
+                      <m:t>|,</m:t>
+                    </m:r>
+                    <m:sSub>
+                      <m:sSubPr>
+                        <m:ctrlPr>
+                          <a:rPr lang="en-US" sz="1200" i="1">
+                            <a:solidFill>
+                              <a:prstClr val="black"/>
+                            </a:solidFill>
+                            <a:latin typeface="Cambria Math" panose="02040503050406030204" pitchFamily="18" charset="0"/>
+                          </a:rPr>
+                        </m:ctrlPr>
+                      </m:sSubPr>
+                      <m:e>
+                        <m:r>
+                          <a:rPr lang="en-US" sz="1200" i="1">
+                            <a:solidFill>
+                              <a:prstClr val="black"/>
+                            </a:solidFill>
+                            <a:latin typeface="Cambria Math" panose="02040503050406030204" pitchFamily="18" charset="0"/>
+                            <a:ea typeface="Cambria Math" panose="02040503050406030204" pitchFamily="18" charset="0"/>
+                          </a:rPr>
+                          <m:t>𝛼</m:t>
+                        </m:r>
+                      </m:e>
+                      <m:sub>
+                        <m:r>
+                          <a:rPr lang="en-US" sz="1200" i="1">
+                            <a:solidFill>
+                              <a:prstClr val="black"/>
+                            </a:solidFill>
+                            <a:latin typeface="Cambria Math" panose="02040503050406030204" pitchFamily="18" charset="0"/>
+                            <a:ea typeface="Cambria Math" panose="02040503050406030204" pitchFamily="18" charset="0"/>
+                          </a:rPr>
+                          <m:t>𝑣</m:t>
+                        </m:r>
+                      </m:sub>
+                    </m:sSub>
+                    <m:r>
+                      <a:rPr lang="en-US" sz="1200" i="1">
+                        <a:solidFill>
+                          <a:prstClr val="black"/>
+                        </a:solidFill>
+                        <a:latin typeface="Cambria Math" panose="02040503050406030204" pitchFamily="18" charset="0"/>
+                        <a:ea typeface="Cambria Math" panose="02040503050406030204" pitchFamily="18" charset="0"/>
+                      </a:rPr>
+                      <m:t> </m:t>
+                    </m:r>
+                    <m:d>
+                      <m:dPr>
+                        <m:begChr m:val="["/>
+                        <m:endChr m:val="]"/>
+                        <m:ctrlPr>
+                          <a:rPr lang="en-US" sz="1200" i="1">
+                            <a:solidFill>
+                              <a:prstClr val="black"/>
+                            </a:solidFill>
+                            <a:latin typeface="Cambria Math" panose="02040503050406030204" pitchFamily="18" charset="0"/>
+                            <a:ea typeface="Cambria Math" panose="02040503050406030204" pitchFamily="18" charset="0"/>
+                          </a:rPr>
+                        </m:ctrlPr>
+                      </m:dPr>
+                      <m:e>
+                        <m:r>
+                          <a:rPr lang="en-US" sz="1200" i="1" err="1">
+                            <a:solidFill>
+                              <a:prstClr val="black"/>
+                            </a:solidFill>
+                            <a:latin typeface="Cambria Math" panose="02040503050406030204" pitchFamily="18" charset="0"/>
+                          </a:rPr>
+                          <m:t>𝑖</m:t>
+                        </m:r>
+                        <m:r>
+                          <a:rPr lang="en-US" sz="1200" i="1" err="1">
+                            <a:solidFill>
+                              <a:prstClr val="black"/>
+                            </a:solidFill>
+                            <a:latin typeface="Cambria Math" panose="02040503050406030204" pitchFamily="18" charset="0"/>
+                          </a:rPr>
+                          <m:t>+</m:t>
+                        </m:r>
+                        <m:f>
+                          <m:fPr>
+                            <m:ctrlPr>
+                              <a:rPr lang="en-US" sz="1200" i="1">
+                                <a:solidFill>
+                                  <a:prstClr val="black"/>
+                                </a:solidFill>
+                                <a:latin typeface="Cambria Math" panose="02040503050406030204" pitchFamily="18" charset="0"/>
+                              </a:rPr>
+                            </m:ctrlPr>
+                          </m:fPr>
+                          <m:num>
+                            <m:sSub>
+                              <m:sSubPr>
+                                <m:ctrlPr>
+                                  <a:rPr lang="en-US" sz="1200" i="1">
+                                    <a:latin typeface="Cambria Math" panose="02040503050406030204" pitchFamily="18" charset="0"/>
+                                  </a:rPr>
+                                </m:ctrlPr>
+                              </m:sSubPr>
+                              <m:e>
+                                <m:r>
+                                  <a:rPr lang="en-US" sz="1200" i="1">
+                                    <a:latin typeface="Cambria Math" panose="02040503050406030204" pitchFamily="18" charset="0"/>
+                                  </a:rPr>
+                                  <m:t>𝑁</m:t>
+                                </m:r>
+                              </m:e>
+                              <m:sub>
+                                <m:r>
+                                  <a:rPr lang="en-US" sz="1200" i="1">
+                                    <a:latin typeface="Cambria Math" panose="02040503050406030204" pitchFamily="18" charset="0"/>
+                                  </a:rPr>
+                                  <m:t>𝑣</m:t>
+                                </m:r>
+                              </m:sub>
+                            </m:sSub>
+                          </m:num>
+                          <m:den>
+                            <m:r>
+                              <a:rPr lang="en-US" sz="1200" i="1">
+                                <a:solidFill>
+                                  <a:prstClr val="black"/>
+                                </a:solidFill>
+                                <a:latin typeface="Cambria Math" panose="02040503050406030204" pitchFamily="18" charset="0"/>
+                              </a:rPr>
+                              <m:t>2</m:t>
+                            </m:r>
+                          </m:den>
+                        </m:f>
+                      </m:e>
+                    </m:d>
+                    <m:r>
+                      <a:rPr lang="en-US" sz="1200" i="1">
+                        <a:solidFill>
+                          <a:prstClr val="black"/>
+                        </a:solidFill>
+                        <a:latin typeface="Cambria Math" panose="02040503050406030204" pitchFamily="18" charset="0"/>
+                      </a:rPr>
+                      <m:t>)</m:t>
+                    </m:r>
+                  </m:oMath>
+                </a14:m>
+                <a:endParaRPr lang="en-US" sz="1200" dirty="0">
+                  <a:solidFill>
+                    <a:prstClr val="black"/>
+                  </a:solidFill>
+                </a:endParaRPr>
+              </a:p>
+              <a:p>
+                <a:r>
+                  <a:rPr lang="en-US" sz="1200" dirty="0">
+                    <a:solidFill>
+                      <a:prstClr val="black"/>
+                    </a:solidFill>
+                  </a:rPr>
+                  <a:t>	</a:t>
+                </a:r>
+                <a:endParaRPr lang="en-US" sz="1200" dirty="0"/>
+              </a:p>
+            </p:txBody>
+          </p:sp>
+        </mc:Choice>
+        <mc:Fallback>
+          <p:sp>
+            <p:nvSpPr>
+              <p:cNvPr id="456" name="Content Placeholder 1"/>
+              <p:cNvSpPr txBox="1">
+                <a:spLocks noRot="1" noChangeAspect="1" noMove="1" noResize="1" noEditPoints="1" noAdjustHandles="1" noChangeArrowheads="1" noChangeShapeType="1" noTextEdit="1"/>
+              </p:cNvSpPr>
+              <p:nvPr/>
+            </p:nvSpPr>
+            <p:spPr>
+              <a:xfrm>
+                <a:off x="568221" y="4549738"/>
+                <a:ext cx="3769693" cy="2200917"/>
+              </a:xfrm>
+              <a:prstGeom prst="rect">
+                <a:avLst/>
+              </a:prstGeom>
+              <a:blipFill>
+                <a:blip r:embed="rId4"/>
+                <a:stretch>
+                  <a:fillRect l="-2262"/>
+                </a:stretch>
+              </a:blipFill>
+              <a:ln w="9525">
+                <a:noFill/>
+                <a:miter lim="800000"/>
+                <a:headEnd/>
+                <a:tailEnd/>
+              </a:ln>
+            </p:spPr>
+            <p:txBody>
+              <a:bodyPr/>
+              <a:lstStyle/>
+              <a:p>
+                <a:r>
+                  <a:rPr lang="en-US">
+                    <a:noFill/>
+                  </a:rPr>
+                  <a:t> </a:t>
+                </a:r>
+              </a:p>
+            </p:txBody>
+          </p:sp>
+        </mc:Fallback>
+      </mc:AlternateContent>
+      <mc:AlternateContent xmlns:mc="http://schemas.openxmlformats.org/markup-compatibility/2006">
+        <mc:Choice xmlns:a14="http://schemas.microsoft.com/office/drawing/2010/main" Requires="a14">
+          <p:sp>
+            <p:nvSpPr>
+              <p:cNvPr id="457" name="Content Placeholder 1"/>
+              <p:cNvSpPr txBox="1">
+                <a:spLocks/>
+              </p:cNvSpPr>
+              <p:nvPr/>
+            </p:nvSpPr>
+            <p:spPr>
+              <a:xfrm>
+                <a:off x="4585193" y="4362699"/>
+                <a:ext cx="3372139" cy="2200917"/>
+              </a:xfrm>
+              <a:prstGeom prst="rect">
+                <a:avLst/>
+              </a:prstGeom>
+              <a:noFill/>
+              <a:ln w="9525">
+                <a:noFill/>
+                <a:miter lim="800000"/>
+                <a:headEnd/>
+                <a:tailEnd/>
+              </a:ln>
+            </p:spPr>
+            <p:txBody>
+              <a:bodyPr vert="horz" wrap="square" lIns="0" tIns="0" rIns="0" bIns="0" numCol="1" anchor="t" anchorCtr="0" compatLnSpc="1">
+                <a:prstTxWarp prst="textNoShape">
+                  <a:avLst/>
+                </a:prstTxWarp>
+              </a:bodyPr>
+              <a:lstStyle>
+                <a:lvl1pPr algn="l" rtl="0" eaLnBrk="0" fontAlgn="base" hangingPunct="0">
+                  <a:lnSpc>
+                    <a:spcPct val="114000"/>
+                  </a:lnSpc>
+                  <a:spcBef>
+                    <a:spcPct val="0"/>
+                  </a:spcBef>
+                  <a:spcAft>
+                    <a:spcPct val="0"/>
+                  </a:spcAft>
+                  <a:defRPr lang="de-DE" sz="1600" kern="1200" noProof="0" dirty="0" smtClean="0">
+                    <a:solidFill>
+                      <a:schemeClr val="tx1"/>
+                    </a:solidFill>
+                    <a:latin typeface="+mn-lt"/>
+                    <a:ea typeface="+mn-ea"/>
+                    <a:cs typeface="+mn-cs"/>
+                  </a:defRPr>
+                </a:lvl1pPr>
+                <a:lvl2pPr marL="176213" indent="-176213" algn="l" rtl="0" eaLnBrk="0" fontAlgn="base" hangingPunct="0">
+                  <a:lnSpc>
+                    <a:spcPct val="114000"/>
+                  </a:lnSpc>
+                  <a:spcBef>
+                    <a:spcPct val="0"/>
+                  </a:spcBef>
+                  <a:spcAft>
+                    <a:spcPct val="0"/>
+                  </a:spcAft>
+                  <a:buFont typeface="Arial" charset="0"/>
+                  <a:buChar char="•"/>
+                  <a:defRPr lang="de-DE" sz="1600" kern="1200" noProof="0" dirty="0" smtClean="0">
+                    <a:solidFill>
+                      <a:schemeClr val="tx1"/>
+                    </a:solidFill>
+                    <a:latin typeface="+mn-lt"/>
+                    <a:ea typeface="+mn-ea"/>
+                    <a:cs typeface="+mn-cs"/>
+                  </a:defRPr>
+                </a:lvl2pPr>
+                <a:lvl3pPr marL="360363" indent="-184150" algn="l" rtl="0" eaLnBrk="0" fontAlgn="base" hangingPunct="0">
+                  <a:lnSpc>
+                    <a:spcPct val="125000"/>
+                  </a:lnSpc>
+                  <a:spcBef>
+                    <a:spcPct val="0"/>
+                  </a:spcBef>
+                  <a:spcAft>
+                    <a:spcPct val="0"/>
+                  </a:spcAft>
+                  <a:buFont typeface="Symbol" pitchFamily="18" charset="2"/>
+                  <a:buChar char="-"/>
+                  <a:defRPr sz="1600" kern="1200">
+                    <a:solidFill>
+                      <a:schemeClr val="tx1"/>
+                    </a:solidFill>
+                    <a:latin typeface="+mn-lt"/>
+                    <a:ea typeface="+mn-ea"/>
+                    <a:cs typeface="+mn-cs"/>
+                  </a:defRPr>
+                </a:lvl3pPr>
+                <a:lvl4pPr marL="538163" indent="-177800" algn="l" rtl="0" eaLnBrk="0" fontAlgn="base" hangingPunct="0">
+                  <a:lnSpc>
+                    <a:spcPct val="125000"/>
+                  </a:lnSpc>
+                  <a:spcBef>
+                    <a:spcPct val="0"/>
+                  </a:spcBef>
+                  <a:spcAft>
+                    <a:spcPct val="0"/>
+                  </a:spcAft>
+                  <a:buFont typeface="Symbol" pitchFamily="18" charset="2"/>
+                  <a:buChar char="-"/>
+                  <a:defRPr sz="1400" kern="1200">
+                    <a:solidFill>
+                      <a:schemeClr val="tx1"/>
+                    </a:solidFill>
+                    <a:latin typeface="+mn-lt"/>
+                    <a:ea typeface="+mn-ea"/>
+                    <a:cs typeface="+mn-cs"/>
+                  </a:defRPr>
+                </a:lvl4pPr>
+                <a:lvl5pPr marL="714375" indent="-176213" algn="l" rtl="0" eaLnBrk="0" fontAlgn="base" hangingPunct="0">
+                  <a:lnSpc>
+                    <a:spcPct val="125000"/>
+                  </a:lnSpc>
+                  <a:spcBef>
+                    <a:spcPct val="0"/>
+                  </a:spcBef>
+                  <a:spcAft>
+                    <a:spcPct val="0"/>
+                  </a:spcAft>
+                  <a:buFont typeface="Symbol" pitchFamily="18" charset="2"/>
+                  <a:buChar char="-"/>
+                  <a:defRPr sz="1400" kern="1200">
+                    <a:solidFill>
+                      <a:schemeClr val="tx1"/>
+                    </a:solidFill>
+                    <a:latin typeface="+mn-lt"/>
+                    <a:ea typeface="+mn-ea"/>
+                    <a:cs typeface="+mn-cs"/>
+                  </a:defRPr>
+                </a:lvl5pPr>
+                <a:lvl6pPr marL="2514600" indent="-228600" algn="l" defTabSz="914400" rtl="0" eaLnBrk="1" latinLnBrk="0" hangingPunct="1">
+                  <a:spcBef>
+                    <a:spcPct val="20000"/>
+                  </a:spcBef>
+                  <a:buFont typeface="Arial" pitchFamily="34" charset="0"/>
+                  <a:buChar char="•"/>
+                  <a:defRPr sz="2000" kern="1200">
+                    <a:solidFill>
+                      <a:schemeClr val="tx1"/>
+                    </a:solidFill>
+                    <a:latin typeface="+mn-lt"/>
+                    <a:ea typeface="+mn-ea"/>
+                    <a:cs typeface="+mn-cs"/>
+                  </a:defRPr>
+                </a:lvl6pPr>
+                <a:lvl7pPr marL="2971800" indent="-228600" algn="l" defTabSz="914400" rtl="0" eaLnBrk="1" latinLnBrk="0" hangingPunct="1">
+                  <a:spcBef>
+                    <a:spcPct val="20000"/>
+                  </a:spcBef>
+                  <a:buFont typeface="Arial" pitchFamily="34" charset="0"/>
+                  <a:buChar char="•"/>
+                  <a:defRPr sz="2000" kern="1200">
+                    <a:solidFill>
+                      <a:schemeClr val="tx1"/>
+                    </a:solidFill>
+                    <a:latin typeface="+mn-lt"/>
+                    <a:ea typeface="+mn-ea"/>
+                    <a:cs typeface="+mn-cs"/>
+                  </a:defRPr>
+                </a:lvl7pPr>
+                <a:lvl8pPr marL="3429000" indent="-228600" algn="l" defTabSz="914400" rtl="0" eaLnBrk="1" latinLnBrk="0" hangingPunct="1">
+                  <a:spcBef>
+                    <a:spcPct val="20000"/>
+                  </a:spcBef>
+                  <a:buFont typeface="Arial" pitchFamily="34" charset="0"/>
+                  <a:buChar char="•"/>
+                  <a:defRPr sz="2000" kern="1200">
+                    <a:solidFill>
+                      <a:schemeClr val="tx1"/>
+                    </a:solidFill>
+                    <a:latin typeface="+mn-lt"/>
+                    <a:ea typeface="+mn-ea"/>
+                    <a:cs typeface="+mn-cs"/>
+                  </a:defRPr>
+                </a:lvl8pPr>
+                <a:lvl9pPr marL="3886200" indent="-228600" algn="l" defTabSz="914400" rtl="0" eaLnBrk="1" latinLnBrk="0" hangingPunct="1">
+                  <a:spcBef>
+                    <a:spcPct val="20000"/>
+                  </a:spcBef>
+                  <a:buFont typeface="Arial" pitchFamily="34" charset="0"/>
+                  <a:buChar char="•"/>
+                  <a:defRPr sz="2000" kern="1200">
+                    <a:solidFill>
+                      <a:schemeClr val="tx1"/>
+                    </a:solidFill>
+                    <a:latin typeface="+mn-lt"/>
+                    <a:ea typeface="+mn-ea"/>
+                    <a:cs typeface="+mn-cs"/>
+                  </a:defRPr>
+                </a:lvl9pPr>
+              </a:lstStyle>
+              <a:p>
+                <a:pPr marL="285750" indent="-285750">
+                  <a:buFont typeface="Arial" panose="020B0604020202020204" pitchFamily="34" charset="0"/>
+                  <a:buChar char="•"/>
+                </a:pPr>
+                <a:endParaRPr lang="en-US" sz="1200" dirty="0">
+                  <a:solidFill>
+                    <a:prstClr val="black"/>
+                  </a:solidFill>
+                </a:endParaRPr>
+              </a:p>
+              <a:p>
+                <a:pPr marL="285750" indent="-285750">
+                  <a:buFont typeface="Arial" panose="020B0604020202020204" pitchFamily="34" charset="0"/>
+                  <a:buChar char="•"/>
+                </a:pPr>
+                <a:r>
+                  <a:rPr lang="en-US" sz="1200" dirty="0">
+                    <a:solidFill>
+                      <a:prstClr val="black"/>
+                    </a:solidFill>
+                  </a:rPr>
+                  <a:t>VN </a:t>
+                </a:r>
+                <a:r>
+                  <a:rPr lang="en-US" sz="1200" dirty="0">
+                    <a:solidFill>
+                      <a:prstClr val="black"/>
+                    </a:solidFill>
+                  </a:rPr>
+                  <a:t>operation</a:t>
+                </a:r>
+                <a:r>
+                  <a:rPr lang="en-US" sz="1200" dirty="0" smtClean="0">
+                    <a:solidFill>
+                      <a:prstClr val="black"/>
+                    </a:solidFill>
+                  </a:rPr>
+                  <a:t>:</a:t>
+                </a:r>
+                <a:endParaRPr lang="en-US" sz="1200" dirty="0">
+                  <a:solidFill>
+                    <a:prstClr val="black"/>
+                  </a:solidFill>
+                </a:endParaRPr>
+              </a:p>
+              <a:p>
+                <a:pPr marL="538162" lvl="4" indent="0">
+                  <a:buFont typeface="Symbol" pitchFamily="18" charset="2"/>
+                  <a:buNone/>
+                </a:pPr>
+                <a14:m>
+                  <m:oMath xmlns:m="http://schemas.openxmlformats.org/officeDocument/2006/math">
+                    <m:sSub>
+                      <m:sSubPr>
+                        <m:ctrlPr>
+                          <a:rPr lang="en-US" sz="1200" i="1">
+                            <a:solidFill>
+                              <a:prstClr val="black"/>
+                            </a:solidFill>
+                            <a:latin typeface="Cambria Math" panose="02040503050406030204" pitchFamily="18" charset="0"/>
+                          </a:rPr>
+                        </m:ctrlPr>
+                      </m:sSubPr>
+                      <m:e>
+                        <m:r>
+                          <a:rPr lang="en-US" sz="1200" i="1">
+                            <a:solidFill>
+                              <a:prstClr val="black"/>
+                            </a:solidFill>
+                            <a:latin typeface="Cambria Math" panose="02040503050406030204" pitchFamily="18" charset="0"/>
+                            <a:ea typeface="Cambria Math" panose="02040503050406030204" pitchFamily="18" charset="0"/>
+                          </a:rPr>
+                          <m:t>𝛼</m:t>
+                        </m:r>
+                      </m:e>
+                      <m:sub>
+                        <m:sSub>
+                          <m:sSubPr>
+                            <m:ctrlPr>
+                              <a:rPr lang="en-US" sz="1200" i="1">
+                                <a:solidFill>
+                                  <a:prstClr val="black"/>
+                                </a:solidFill>
+                                <a:latin typeface="Cambria Math" panose="02040503050406030204" pitchFamily="18" charset="0"/>
+                              </a:rPr>
+                            </m:ctrlPr>
+                          </m:sSubPr>
+                          <m:e>
+                            <m:r>
+                              <a:rPr lang="en-US" sz="1200" i="1">
+                                <a:solidFill>
+                                  <a:prstClr val="black"/>
+                                </a:solidFill>
+                                <a:latin typeface="Cambria Math" panose="02040503050406030204" pitchFamily="18" charset="0"/>
+                              </a:rPr>
+                              <m:t>𝑣</m:t>
+                            </m:r>
+                          </m:e>
+                          <m:sub>
+                            <m:r>
+                              <a:rPr lang="en-US" sz="1200" i="1">
+                                <a:solidFill>
+                                  <a:prstClr val="black"/>
+                                </a:solidFill>
+                                <a:latin typeface="Cambria Math" panose="02040503050406030204" pitchFamily="18" charset="0"/>
+                              </a:rPr>
+                              <m:t>𝑟</m:t>
+                            </m:r>
+                          </m:sub>
+                        </m:sSub>
+                      </m:sub>
+                    </m:sSub>
+                    <m:d>
+                      <m:dPr>
+                        <m:begChr m:val="["/>
+                        <m:endChr m:val="]"/>
+                        <m:ctrlPr>
+                          <a:rPr lang="en-US" sz="1200" i="1" dirty="0">
+                            <a:solidFill>
+                              <a:prstClr val="black"/>
+                            </a:solidFill>
+                            <a:latin typeface="Cambria Math" panose="02040503050406030204" pitchFamily="18" charset="0"/>
+                          </a:rPr>
+                        </m:ctrlPr>
+                      </m:dPr>
+                      <m:e>
+                        <m:r>
+                          <a:rPr lang="en-US" sz="1200" i="1" dirty="0">
+                            <a:solidFill>
+                              <a:prstClr val="black"/>
+                            </a:solidFill>
+                            <a:latin typeface="Cambria Math" panose="02040503050406030204" pitchFamily="18" charset="0"/>
+                          </a:rPr>
+                          <m:t>𝑖</m:t>
+                        </m:r>
+                      </m:e>
+                    </m:d>
+                  </m:oMath>
+                </a14:m>
+                <a:r>
+                  <a:rPr lang="en-US" sz="1200" dirty="0">
+                    <a:solidFill>
+                      <a:prstClr val="black"/>
+                    </a:solidFill>
+                  </a:rPr>
+                  <a:t> = </a:t>
+                </a:r>
+                <a14:m>
+                  <m:oMath xmlns:m="http://schemas.openxmlformats.org/officeDocument/2006/math">
+                    <m:d>
+                      <m:dPr>
+                        <m:ctrlPr>
+                          <a:rPr lang="en-US" sz="1200" i="1">
+                            <a:solidFill>
+                              <a:prstClr val="black"/>
+                            </a:solidFill>
+                            <a:latin typeface="Cambria Math" panose="02040503050406030204" pitchFamily="18" charset="0"/>
+                          </a:rPr>
+                        </m:ctrlPr>
+                      </m:dPr>
+                      <m:e>
+                        <m:r>
+                          <a:rPr lang="en-US" sz="1200" i="1">
+                            <a:solidFill>
+                              <a:prstClr val="black"/>
+                            </a:solidFill>
+                            <a:latin typeface="Cambria Math" panose="02040503050406030204" pitchFamily="18" charset="0"/>
+                          </a:rPr>
+                          <m:t>1−</m:t>
+                        </m:r>
+                        <m:sSub>
+                          <m:sSubPr>
+                            <m:ctrlPr>
+                              <a:rPr lang="en-US" sz="1200" i="1">
+                                <a:solidFill>
+                                  <a:prstClr val="black"/>
+                                </a:solidFill>
+                                <a:latin typeface="Cambria Math" panose="02040503050406030204" pitchFamily="18" charset="0"/>
+                              </a:rPr>
+                            </m:ctrlPr>
+                          </m:sSubPr>
+                          <m:e>
+                            <m:r>
+                              <a:rPr lang="en-US" sz="1200" i="1">
+                                <a:solidFill>
+                                  <a:prstClr val="black"/>
+                                </a:solidFill>
+                                <a:latin typeface="Cambria Math" panose="02040503050406030204" pitchFamily="18" charset="0"/>
+                                <a:ea typeface="Cambria Math" panose="02040503050406030204" pitchFamily="18" charset="0"/>
+                              </a:rPr>
+                              <m:t>𝛽</m:t>
+                            </m:r>
+                          </m:e>
+                          <m:sub>
+                            <m:sSub>
+                              <m:sSubPr>
+                                <m:ctrlPr>
+                                  <a:rPr lang="en-US" sz="1200" i="1">
+                                    <a:solidFill>
+                                      <a:prstClr val="black"/>
+                                    </a:solidFill>
+                                    <a:latin typeface="Cambria Math" panose="02040503050406030204" pitchFamily="18" charset="0"/>
+                                  </a:rPr>
+                                </m:ctrlPr>
+                              </m:sSubPr>
+                              <m:e>
+                                <m:r>
+                                  <a:rPr lang="en-US" sz="1200" i="1">
+                                    <a:solidFill>
+                                      <a:prstClr val="black"/>
+                                    </a:solidFill>
+                                    <a:latin typeface="Cambria Math" panose="02040503050406030204" pitchFamily="18" charset="0"/>
+                                  </a:rPr>
+                                  <m:t>𝑣</m:t>
+                                </m:r>
+                              </m:e>
+                              <m:sub>
+                                <m:r>
+                                  <a:rPr lang="en-US" sz="1200" i="1">
+                                    <a:solidFill>
+                                      <a:prstClr val="black"/>
+                                    </a:solidFill>
+                                    <a:latin typeface="Cambria Math" panose="02040503050406030204" pitchFamily="18" charset="0"/>
+                                  </a:rPr>
+                                  <m:t>𝑙</m:t>
+                                </m:r>
+                              </m:sub>
+                            </m:sSub>
+                          </m:sub>
+                        </m:sSub>
+                      </m:e>
+                    </m:d>
+                    <m:r>
+                      <a:rPr lang="en-US" sz="1200" i="1">
+                        <a:solidFill>
+                          <a:prstClr val="black"/>
+                        </a:solidFill>
+                        <a:latin typeface="Cambria Math" panose="02040503050406030204" pitchFamily="18" charset="0"/>
+                      </a:rPr>
+                      <m:t>∗</m:t>
+                    </m:r>
+                    <m:sSub>
+                      <m:sSubPr>
+                        <m:ctrlPr>
+                          <a:rPr lang="en-US" sz="1200" i="1">
+                            <a:solidFill>
+                              <a:prstClr val="black"/>
+                            </a:solidFill>
+                            <a:latin typeface="Cambria Math" panose="02040503050406030204" pitchFamily="18" charset="0"/>
+                          </a:rPr>
+                        </m:ctrlPr>
+                      </m:sSubPr>
+                      <m:e>
+                        <m:r>
+                          <a:rPr lang="en-US" sz="1200" i="1">
+                            <a:solidFill>
+                              <a:prstClr val="black"/>
+                            </a:solidFill>
+                            <a:latin typeface="Cambria Math" panose="02040503050406030204" pitchFamily="18" charset="0"/>
+                            <a:ea typeface="Cambria Math" panose="02040503050406030204" pitchFamily="18" charset="0"/>
+                          </a:rPr>
+                          <m:t>𝛼</m:t>
+                        </m:r>
+                      </m:e>
+                      <m:sub>
+                        <m:r>
+                          <a:rPr lang="en-US" sz="1200" i="1">
+                            <a:solidFill>
+                              <a:prstClr val="black"/>
+                            </a:solidFill>
+                            <a:latin typeface="Cambria Math" panose="02040503050406030204" pitchFamily="18" charset="0"/>
+                            <a:ea typeface="Cambria Math" panose="02040503050406030204" pitchFamily="18" charset="0"/>
+                          </a:rPr>
+                          <m:t>𝑣</m:t>
+                        </m:r>
+                      </m:sub>
+                    </m:sSub>
+                    <m:d>
+                      <m:dPr>
+                        <m:begChr m:val="["/>
+                        <m:endChr m:val="]"/>
+                        <m:ctrlPr>
+                          <a:rPr lang="en-US" sz="1200" i="1" dirty="0">
+                            <a:solidFill>
+                              <a:prstClr val="black"/>
+                            </a:solidFill>
+                            <a:latin typeface="Cambria Math" panose="02040503050406030204" pitchFamily="18" charset="0"/>
+                          </a:rPr>
+                        </m:ctrlPr>
+                      </m:dPr>
+                      <m:e>
+                        <m:r>
+                          <a:rPr lang="en-US" sz="1200" i="1" dirty="0" err="1">
+                            <a:solidFill>
+                              <a:prstClr val="black"/>
+                            </a:solidFill>
+                            <a:latin typeface="Cambria Math" panose="02040503050406030204" pitchFamily="18" charset="0"/>
+                          </a:rPr>
+                          <m:t>𝑖</m:t>
+                        </m:r>
+                      </m:e>
+                    </m:d>
+                    <m:r>
+                      <a:rPr lang="en-US" sz="1200" i="1" dirty="0">
+                        <a:solidFill>
+                          <a:prstClr val="black"/>
+                        </a:solidFill>
+                        <a:latin typeface="Cambria Math" panose="02040503050406030204" pitchFamily="18" charset="0"/>
+                      </a:rPr>
+                      <m:t>+</m:t>
+                    </m:r>
+                    <m:sSub>
+                      <m:sSubPr>
+                        <m:ctrlPr>
+                          <a:rPr lang="en-US" sz="1200" i="1">
+                            <a:solidFill>
+                              <a:prstClr val="black"/>
+                            </a:solidFill>
+                            <a:latin typeface="Cambria Math" panose="02040503050406030204" pitchFamily="18" charset="0"/>
+                          </a:rPr>
+                        </m:ctrlPr>
+                      </m:sSubPr>
+                      <m:e>
+                        <m:r>
+                          <a:rPr lang="en-US" sz="1200" i="1">
+                            <a:solidFill>
+                              <a:prstClr val="black"/>
+                            </a:solidFill>
+                            <a:latin typeface="Cambria Math" panose="02040503050406030204" pitchFamily="18" charset="0"/>
+                            <a:ea typeface="Cambria Math" panose="02040503050406030204" pitchFamily="18" charset="0"/>
+                          </a:rPr>
+                          <m:t>𝛼</m:t>
+                        </m:r>
+                      </m:e>
+                      <m:sub>
+                        <m:r>
+                          <a:rPr lang="en-US" sz="1200" i="1">
+                            <a:solidFill>
+                              <a:prstClr val="black"/>
+                            </a:solidFill>
+                            <a:latin typeface="Cambria Math" panose="02040503050406030204" pitchFamily="18" charset="0"/>
+                            <a:ea typeface="Cambria Math" panose="02040503050406030204" pitchFamily="18" charset="0"/>
+                          </a:rPr>
+                          <m:t>𝑣</m:t>
+                        </m:r>
+                      </m:sub>
+                    </m:sSub>
+                    <m:r>
+                      <a:rPr lang="en-US" sz="1200" i="1">
+                        <a:solidFill>
+                          <a:prstClr val="black"/>
+                        </a:solidFill>
+                        <a:latin typeface="Cambria Math" panose="02040503050406030204" pitchFamily="18" charset="0"/>
+                        <a:ea typeface="Cambria Math" panose="02040503050406030204" pitchFamily="18" charset="0"/>
+                      </a:rPr>
+                      <m:t> </m:t>
+                    </m:r>
+                    <m:d>
+                      <m:dPr>
+                        <m:begChr m:val="["/>
+                        <m:endChr m:val="]"/>
+                        <m:ctrlPr>
+                          <a:rPr lang="en-US" sz="1200" i="1" dirty="0">
+                            <a:solidFill>
+                              <a:prstClr val="black"/>
+                            </a:solidFill>
+                            <a:latin typeface="Cambria Math" panose="02040503050406030204" pitchFamily="18" charset="0"/>
+                            <a:ea typeface="Cambria Math" panose="02040503050406030204" pitchFamily="18" charset="0"/>
+                          </a:rPr>
+                        </m:ctrlPr>
+                      </m:dPr>
+                      <m:e>
+                        <m:r>
+                          <a:rPr lang="en-US" sz="1200" i="1" dirty="0">
+                            <a:solidFill>
+                              <a:prstClr val="black"/>
+                            </a:solidFill>
+                            <a:latin typeface="Cambria Math" panose="02040503050406030204" pitchFamily="18" charset="0"/>
+                          </a:rPr>
+                          <m:t>𝑖</m:t>
+                        </m:r>
+                        <m:r>
+                          <a:rPr lang="en-US" sz="1200" i="1" dirty="0">
+                            <a:solidFill>
+                              <a:prstClr val="black"/>
+                            </a:solidFill>
+                            <a:latin typeface="Cambria Math" panose="02040503050406030204" pitchFamily="18" charset="0"/>
+                          </a:rPr>
+                          <m:t>+</m:t>
+                        </m:r>
+                        <m:f>
+                          <m:fPr>
+                            <m:ctrlPr>
+                              <a:rPr lang="en-US" sz="1200" i="1" dirty="0">
+                                <a:solidFill>
+                                  <a:prstClr val="black"/>
+                                </a:solidFill>
+                                <a:latin typeface="Cambria Math" panose="02040503050406030204" pitchFamily="18" charset="0"/>
+                              </a:rPr>
+                            </m:ctrlPr>
+                          </m:fPr>
+                          <m:num>
+                            <m:sSub>
+                              <m:sSubPr>
+                                <m:ctrlPr>
+                                  <a:rPr lang="en-US" sz="1200" i="1">
+                                    <a:latin typeface="Cambria Math" panose="02040503050406030204" pitchFamily="18" charset="0"/>
+                                  </a:rPr>
+                                </m:ctrlPr>
+                              </m:sSubPr>
+                              <m:e>
+                                <m:r>
+                                  <a:rPr lang="en-US" sz="1200" i="1">
+                                    <a:latin typeface="Cambria Math" panose="02040503050406030204" pitchFamily="18" charset="0"/>
+                                  </a:rPr>
+                                  <m:t>𝑁</m:t>
+                                </m:r>
+                              </m:e>
+                              <m:sub>
+                                <m:r>
+                                  <a:rPr lang="en-US" sz="1200" i="1">
+                                    <a:latin typeface="Cambria Math" panose="02040503050406030204" pitchFamily="18" charset="0"/>
+                                  </a:rPr>
+                                  <m:t>𝑣</m:t>
+                                </m:r>
+                              </m:sub>
+                            </m:sSub>
+                          </m:num>
+                          <m:den>
+                            <m:r>
+                              <a:rPr lang="en-US" sz="1200" i="1" dirty="0">
+                                <a:solidFill>
+                                  <a:prstClr val="black"/>
+                                </a:solidFill>
+                                <a:latin typeface="Cambria Math" panose="02040503050406030204" pitchFamily="18" charset="0"/>
+                              </a:rPr>
+                              <m:t>2</m:t>
+                            </m:r>
+                          </m:den>
+                        </m:f>
+                      </m:e>
+                    </m:d>
+                  </m:oMath>
+                </a14:m>
+                <a:endParaRPr lang="en-US" sz="1200" dirty="0">
+                  <a:solidFill>
+                    <a:prstClr val="black"/>
+                  </a:solidFill>
+                </a:endParaRPr>
+              </a:p>
+              <a:p>
+                <a:pPr marL="285750" indent="-285750">
+                  <a:buFont typeface="Arial" panose="020B0604020202020204" pitchFamily="34" charset="0"/>
+                  <a:buChar char="•"/>
+                </a:pPr>
+                <a:endParaRPr lang="en-US" sz="1200" dirty="0">
+                  <a:solidFill>
+                    <a:prstClr val="black"/>
+                  </a:solidFill>
+                </a:endParaRPr>
+              </a:p>
+              <a:p>
+                <a:pPr marL="285750" indent="-285750">
+                  <a:buFont typeface="Arial" panose="020B0604020202020204" pitchFamily="34" charset="0"/>
+                  <a:buChar char="•"/>
+                </a:pPr>
+                <a:r>
+                  <a:rPr lang="en-US" sz="1200" dirty="0">
+                    <a:solidFill>
+                      <a:prstClr val="black"/>
+                    </a:solidFill>
+                  </a:rPr>
+                  <a:t>Bit combination:</a:t>
+                </a:r>
+              </a:p>
+              <a:p>
+                <a:pPr lvl="2" indent="0">
+                  <a:buFont typeface="Symbol" pitchFamily="18" charset="2"/>
+                  <a:buNone/>
+                </a:pPr>
+                <a14:m>
+                  <m:oMath xmlns:m="http://schemas.openxmlformats.org/officeDocument/2006/math">
+                    <m:sSub>
+                      <m:sSubPr>
+                        <m:ctrlPr>
+                          <a:rPr lang="en-US" sz="1200" i="1">
+                            <a:solidFill>
+                              <a:prstClr val="black"/>
+                            </a:solidFill>
+                            <a:latin typeface="Cambria Math" panose="02040503050406030204" pitchFamily="18" charset="0"/>
+                          </a:rPr>
+                        </m:ctrlPr>
+                      </m:sSubPr>
+                      <m:e>
+                        <m:r>
+                          <a:rPr lang="en-US" sz="1200" i="1">
+                            <a:solidFill>
+                              <a:prstClr val="black"/>
+                            </a:solidFill>
+                            <a:latin typeface="Cambria Math" panose="02040503050406030204" pitchFamily="18" charset="0"/>
+                            <a:ea typeface="Cambria Math" panose="02040503050406030204" pitchFamily="18" charset="0"/>
+                          </a:rPr>
+                          <m:t>𝛽</m:t>
+                        </m:r>
+                      </m:e>
+                      <m:sub>
+                        <m:r>
+                          <a:rPr lang="en-US" sz="1200" i="1">
+                            <a:solidFill>
+                              <a:prstClr val="black"/>
+                            </a:solidFill>
+                            <a:latin typeface="Cambria Math" panose="02040503050406030204" pitchFamily="18" charset="0"/>
+                          </a:rPr>
+                          <m:t>𝑣</m:t>
+                        </m:r>
+                      </m:sub>
+                    </m:sSub>
+                    <m:d>
+                      <m:dPr>
+                        <m:begChr m:val="["/>
+                        <m:endChr m:val="]"/>
+                        <m:ctrlPr>
+                          <a:rPr lang="en-US" sz="1200" i="1">
+                            <a:solidFill>
+                              <a:prstClr val="black"/>
+                            </a:solidFill>
+                            <a:latin typeface="Cambria Math" panose="02040503050406030204" pitchFamily="18" charset="0"/>
+                          </a:rPr>
+                        </m:ctrlPr>
+                      </m:dPr>
+                      <m:e>
+                        <m:r>
+                          <a:rPr lang="en-US" sz="1200" i="1">
+                            <a:solidFill>
+                              <a:prstClr val="black"/>
+                            </a:solidFill>
+                            <a:latin typeface="Cambria Math" panose="02040503050406030204" pitchFamily="18" charset="0"/>
+                          </a:rPr>
+                          <m:t>𝑖</m:t>
+                        </m:r>
+                      </m:e>
+                    </m:d>
+                    <m:r>
+                      <a:rPr lang="en-US" sz="1200" i="1">
+                        <a:solidFill>
+                          <a:prstClr val="black"/>
+                        </a:solidFill>
+                        <a:latin typeface="Cambria Math" panose="02040503050406030204" pitchFamily="18" charset="0"/>
+                      </a:rPr>
+                      <m:t> = </m:t>
+                    </m:r>
+                    <m:d>
+                      <m:dPr>
+                        <m:begChr m:val="{"/>
+                        <m:endChr m:val=""/>
+                        <m:ctrlPr>
+                          <a:rPr lang="en-US" sz="1200" i="1">
+                            <a:solidFill>
+                              <a:prstClr val="black"/>
+                            </a:solidFill>
+                            <a:latin typeface="Cambria Math" panose="02040503050406030204" pitchFamily="18" charset="0"/>
+                          </a:rPr>
+                        </m:ctrlPr>
+                      </m:dPr>
+                      <m:e>
+                        <m:eqArr>
+                          <m:eqArrPr>
+                            <m:ctrlPr>
+                              <a:rPr lang="en-US" sz="1200" i="1">
+                                <a:solidFill>
+                                  <a:prstClr val="black"/>
+                                </a:solidFill>
+                                <a:latin typeface="Cambria Math" panose="02040503050406030204" pitchFamily="18" charset="0"/>
+                              </a:rPr>
+                            </m:ctrlPr>
+                          </m:eqArrPr>
+                          <m:e>
+                            <m:sSub>
+                              <m:sSubPr>
+                                <m:ctrlPr>
+                                  <a:rPr lang="en-US" sz="1200" i="1">
+                                    <a:solidFill>
+                                      <a:prstClr val="black"/>
+                                    </a:solidFill>
+                                    <a:latin typeface="Cambria Math" panose="02040503050406030204" pitchFamily="18" charset="0"/>
+                                  </a:rPr>
+                                </m:ctrlPr>
+                              </m:sSubPr>
+                              <m:e>
+                                <m:r>
+                                  <a:rPr lang="en-US" sz="1200" i="1">
+                                    <a:solidFill>
+                                      <a:prstClr val="black"/>
+                                    </a:solidFill>
+                                    <a:latin typeface="Cambria Math" panose="02040503050406030204" pitchFamily="18" charset="0"/>
+                                    <a:ea typeface="Cambria Math" panose="02040503050406030204" pitchFamily="18" charset="0"/>
+                                  </a:rPr>
+                                  <m:t>𝛽</m:t>
+                                </m:r>
+                              </m:e>
+                              <m:sub>
+                                <m:sSub>
+                                  <m:sSubPr>
+                                    <m:ctrlPr>
+                                      <a:rPr lang="en-US" sz="1200" i="1">
+                                        <a:solidFill>
+                                          <a:prstClr val="black"/>
+                                        </a:solidFill>
+                                        <a:latin typeface="Cambria Math" panose="02040503050406030204" pitchFamily="18" charset="0"/>
+                                      </a:rPr>
+                                    </m:ctrlPr>
+                                  </m:sSubPr>
+                                  <m:e>
+                                    <m:r>
+                                      <a:rPr lang="en-US" sz="1200" i="1">
+                                        <a:solidFill>
+                                          <a:prstClr val="black"/>
+                                        </a:solidFill>
+                                        <a:latin typeface="Cambria Math" panose="02040503050406030204" pitchFamily="18" charset="0"/>
+                                      </a:rPr>
+                                      <m:t>𝑣</m:t>
+                                    </m:r>
+                                  </m:e>
+                                  <m:sub>
+                                    <m:r>
+                                      <a:rPr lang="en-US" sz="1200" i="1">
+                                        <a:solidFill>
+                                          <a:prstClr val="black"/>
+                                        </a:solidFill>
+                                        <a:latin typeface="Cambria Math" panose="02040503050406030204" pitchFamily="18" charset="0"/>
+                                      </a:rPr>
+                                      <m:t>𝑙</m:t>
+                                    </m:r>
+                                  </m:sub>
+                                </m:sSub>
+                              </m:sub>
+                            </m:sSub>
+                            <m:r>
+                              <a:rPr lang="en-US" sz="1200" i="1">
+                                <a:solidFill>
+                                  <a:prstClr val="black"/>
+                                </a:solidFill>
+                                <a:latin typeface="Cambria Math" panose="02040503050406030204" pitchFamily="18" charset="0"/>
+                              </a:rPr>
+                              <m:t>[</m:t>
+                            </m:r>
+                            <m:r>
+                              <a:rPr lang="en-US" sz="1200" i="1">
+                                <a:solidFill>
+                                  <a:prstClr val="black"/>
+                                </a:solidFill>
+                                <a:latin typeface="Cambria Math" panose="02040503050406030204" pitchFamily="18" charset="0"/>
+                              </a:rPr>
+                              <m:t>𝑖</m:t>
+                            </m:r>
+                            <m:r>
+                              <a:rPr lang="en-US" sz="1200" i="1">
+                                <a:solidFill>
+                                  <a:prstClr val="black"/>
+                                </a:solidFill>
+                                <a:latin typeface="Cambria Math" panose="02040503050406030204" pitchFamily="18" charset="0"/>
+                              </a:rPr>
+                              <m:t>]</m:t>
+                            </m:r>
+                            <m:nary>
+                              <m:naryPr>
+                                <m:chr m:val="⨁"/>
+                                <m:subHide m:val="on"/>
+                                <m:supHide m:val="on"/>
+                                <m:ctrlPr>
+                                  <a:rPr lang="en-US" sz="1200" i="1">
+                                    <a:solidFill>
+                                      <a:prstClr val="black"/>
+                                    </a:solidFill>
+                                    <a:latin typeface="Cambria Math" panose="02040503050406030204" pitchFamily="18" charset="0"/>
+                                    <a:ea typeface="Cambria Math" panose="02040503050406030204" pitchFamily="18" charset="0"/>
+                                  </a:rPr>
+                                </m:ctrlPr>
+                              </m:naryPr>
+                              <m:sub/>
+                              <m:sup/>
+                              <m:e>
+                                <m:sSub>
+                                  <m:sSubPr>
+                                    <m:ctrlPr>
+                                      <a:rPr lang="en-US" sz="1200" i="1">
+                                        <a:solidFill>
+                                          <a:prstClr val="black"/>
+                                        </a:solidFill>
+                                        <a:latin typeface="Cambria Math" panose="02040503050406030204" pitchFamily="18" charset="0"/>
+                                      </a:rPr>
+                                    </m:ctrlPr>
+                                  </m:sSubPr>
+                                  <m:e>
+                                    <m:r>
+                                      <a:rPr lang="en-US" sz="1200" i="1">
+                                        <a:solidFill>
+                                          <a:prstClr val="black"/>
+                                        </a:solidFill>
+                                        <a:latin typeface="Cambria Math" panose="02040503050406030204" pitchFamily="18" charset="0"/>
+                                        <a:ea typeface="Cambria Math" panose="02040503050406030204" pitchFamily="18" charset="0"/>
+                                      </a:rPr>
+                                      <m:t>𝛽</m:t>
+                                    </m:r>
+                                  </m:e>
+                                  <m:sub>
+                                    <m:sSub>
+                                      <m:sSubPr>
+                                        <m:ctrlPr>
+                                          <a:rPr lang="en-US" sz="1200" i="1">
+                                            <a:solidFill>
+                                              <a:prstClr val="black"/>
+                                            </a:solidFill>
+                                            <a:latin typeface="Cambria Math" panose="02040503050406030204" pitchFamily="18" charset="0"/>
+                                          </a:rPr>
+                                        </m:ctrlPr>
+                                      </m:sSubPr>
+                                      <m:e>
+                                        <m:r>
+                                          <a:rPr lang="en-US" sz="1200" i="1">
+                                            <a:solidFill>
+                                              <a:prstClr val="black"/>
+                                            </a:solidFill>
+                                            <a:latin typeface="Cambria Math" panose="02040503050406030204" pitchFamily="18" charset="0"/>
+                                          </a:rPr>
+                                          <m:t>𝑣</m:t>
+                                        </m:r>
+                                      </m:e>
+                                      <m:sub>
+                                        <m:r>
+                                          <a:rPr lang="en-US" sz="1200" i="1">
+                                            <a:solidFill>
+                                              <a:prstClr val="black"/>
+                                            </a:solidFill>
+                                            <a:latin typeface="Cambria Math" panose="02040503050406030204" pitchFamily="18" charset="0"/>
+                                          </a:rPr>
+                                          <m:t>𝑟</m:t>
+                                        </m:r>
+                                      </m:sub>
+                                    </m:sSub>
+                                  </m:sub>
+                                </m:sSub>
+                                <m:d>
+                                  <m:dPr>
+                                    <m:begChr m:val="["/>
+                                    <m:endChr m:val="]"/>
+                                    <m:ctrlPr>
+                                      <a:rPr lang="en-US" sz="1200" i="1">
+                                        <a:solidFill>
+                                          <a:prstClr val="black"/>
+                                        </a:solidFill>
+                                        <a:latin typeface="Cambria Math" panose="02040503050406030204" pitchFamily="18" charset="0"/>
+                                      </a:rPr>
+                                    </m:ctrlPr>
+                                  </m:dPr>
+                                  <m:e>
+                                    <m:r>
+                                      <a:rPr lang="en-US" sz="1200" i="1">
+                                        <a:solidFill>
+                                          <a:prstClr val="black"/>
+                                        </a:solidFill>
+                                        <a:latin typeface="Cambria Math" panose="02040503050406030204" pitchFamily="18" charset="0"/>
+                                      </a:rPr>
+                                      <m:t>𝑖</m:t>
+                                    </m:r>
+                                  </m:e>
+                                </m:d>
+                                <m:r>
+                                  <a:rPr lang="en-US" sz="1200" i="1">
+                                    <a:solidFill>
+                                      <a:prstClr val="black"/>
+                                    </a:solidFill>
+                                    <a:latin typeface="Cambria Math" panose="02040503050406030204" pitchFamily="18" charset="0"/>
+                                  </a:rPr>
+                                  <m:t>   </m:t>
+                                </m:r>
+                                <m:r>
+                                  <a:rPr lang="en-US" sz="1200" i="1" dirty="0">
+                                    <a:solidFill>
+                                      <a:prstClr val="black"/>
+                                    </a:solidFill>
+                                    <a:latin typeface="Cambria Math" panose="02040503050406030204" pitchFamily="18" charset="0"/>
+                                  </a:rPr>
+                                  <m:t>0</m:t>
+                                </m:r>
+                                <m:r>
+                                  <a:rPr lang="en-US" sz="1200" i="1" dirty="0">
+                                    <a:solidFill>
+                                      <a:prstClr val="black"/>
+                                    </a:solidFill>
+                                    <a:latin typeface="Cambria Math" panose="02040503050406030204" pitchFamily="18" charset="0"/>
+                                    <a:ea typeface="Cambria Math" panose="02040503050406030204" pitchFamily="18" charset="0"/>
+                                  </a:rPr>
+                                  <m:t>≤</m:t>
+                                </m:r>
+                                <m:r>
+                                  <a:rPr lang="en-US" sz="1200" i="1" dirty="0" err="1">
+                                    <a:solidFill>
+                                      <a:prstClr val="black"/>
+                                    </a:solidFill>
+                                    <a:latin typeface="Cambria Math" panose="02040503050406030204" pitchFamily="18" charset="0"/>
+                                  </a:rPr>
+                                  <m:t>𝑖</m:t>
+                                </m:r>
+                                <m:r>
+                                  <a:rPr lang="en-US" sz="1200" i="1" dirty="0">
+                                    <a:solidFill>
+                                      <a:prstClr val="black"/>
+                                    </a:solidFill>
+                                    <a:latin typeface="Cambria Math" panose="02040503050406030204" pitchFamily="18" charset="0"/>
+                                  </a:rPr>
+                                  <m:t>&lt;</m:t>
+                                </m:r>
+                                <m:f>
+                                  <m:fPr>
+                                    <m:type m:val="lin"/>
+                                    <m:ctrlPr>
+                                      <a:rPr lang="en-US" sz="1200" i="1" dirty="0">
+                                        <a:solidFill>
+                                          <a:prstClr val="black"/>
+                                        </a:solidFill>
+                                        <a:latin typeface="Cambria Math" panose="02040503050406030204" pitchFamily="18" charset="0"/>
+                                      </a:rPr>
+                                    </m:ctrlPr>
+                                  </m:fPr>
+                                  <m:num>
+                                    <m:sSub>
+                                      <m:sSubPr>
+                                        <m:ctrlPr>
+                                          <a:rPr lang="en-US" sz="1200" i="1">
+                                            <a:solidFill>
+                                              <a:prstClr val="black"/>
+                                            </a:solidFill>
+                                            <a:latin typeface="Cambria Math" panose="02040503050406030204" pitchFamily="18" charset="0"/>
+                                          </a:rPr>
+                                        </m:ctrlPr>
+                                      </m:sSubPr>
+                                      <m:e>
+                                        <m:r>
+                                          <a:rPr lang="en-US" sz="1200" i="1">
+                                            <a:solidFill>
+                                              <a:prstClr val="black"/>
+                                            </a:solidFill>
+                                            <a:latin typeface="Cambria Math" panose="02040503050406030204" pitchFamily="18" charset="0"/>
+                                          </a:rPr>
+                                          <m:t>𝑁</m:t>
+                                        </m:r>
+                                      </m:e>
+                                      <m:sub>
+                                        <m:r>
+                                          <a:rPr lang="en-US" sz="1200" i="1">
+                                            <a:solidFill>
+                                              <a:prstClr val="black"/>
+                                            </a:solidFill>
+                                            <a:latin typeface="Cambria Math" panose="02040503050406030204" pitchFamily="18" charset="0"/>
+                                          </a:rPr>
+                                          <m:t>𝑣</m:t>
+                                        </m:r>
+                                      </m:sub>
+                                    </m:sSub>
+                                  </m:num>
+                                  <m:den>
+                                    <m:r>
+                                      <a:rPr lang="en-US" sz="1200" i="1" dirty="0">
+                                        <a:solidFill>
+                                          <a:prstClr val="black"/>
+                                        </a:solidFill>
+                                        <a:latin typeface="Cambria Math" panose="02040503050406030204" pitchFamily="18" charset="0"/>
+                                      </a:rPr>
+                                      <m:t>2</m:t>
+                                    </m:r>
+                                  </m:den>
+                                </m:f>
+                              </m:e>
+                            </m:nary>
+                          </m:e>
+                          <m:e>
+                            <m:sSub>
+                              <m:sSubPr>
+                                <m:ctrlPr>
+                                  <a:rPr lang="en-US" sz="1200" i="1">
+                                    <a:solidFill>
+                                      <a:prstClr val="black"/>
+                                    </a:solidFill>
+                                    <a:latin typeface="Cambria Math" panose="02040503050406030204" pitchFamily="18" charset="0"/>
+                                  </a:rPr>
+                                </m:ctrlPr>
+                              </m:sSubPr>
+                              <m:e>
+                                <m:r>
+                                  <a:rPr lang="en-US" sz="1200" i="1">
+                                    <a:solidFill>
+                                      <a:prstClr val="black"/>
+                                    </a:solidFill>
+                                    <a:latin typeface="Cambria Math" panose="02040503050406030204" pitchFamily="18" charset="0"/>
+                                    <a:ea typeface="Cambria Math" panose="02040503050406030204" pitchFamily="18" charset="0"/>
+                                  </a:rPr>
+                                  <m:t>𝛽</m:t>
+                                </m:r>
+                              </m:e>
+                              <m:sub>
+                                <m:sSub>
+                                  <m:sSubPr>
+                                    <m:ctrlPr>
+                                      <a:rPr lang="en-US" sz="1200" i="1">
+                                        <a:solidFill>
+                                          <a:prstClr val="black"/>
+                                        </a:solidFill>
+                                        <a:latin typeface="Cambria Math" panose="02040503050406030204" pitchFamily="18" charset="0"/>
+                                      </a:rPr>
+                                    </m:ctrlPr>
+                                  </m:sSubPr>
+                                  <m:e>
+                                    <m:r>
+                                      <a:rPr lang="en-US" sz="1200" i="1">
+                                        <a:solidFill>
+                                          <a:prstClr val="black"/>
+                                        </a:solidFill>
+                                        <a:latin typeface="Cambria Math" panose="02040503050406030204" pitchFamily="18" charset="0"/>
+                                      </a:rPr>
+                                      <m:t>𝑣</m:t>
+                                    </m:r>
+                                  </m:e>
+                                  <m:sub>
+                                    <m:r>
+                                      <a:rPr lang="en-US" sz="1200" i="1">
+                                        <a:solidFill>
+                                          <a:prstClr val="black"/>
+                                        </a:solidFill>
+                                        <a:latin typeface="Cambria Math" panose="02040503050406030204" pitchFamily="18" charset="0"/>
+                                      </a:rPr>
+                                      <m:t>𝑟</m:t>
+                                    </m:r>
+                                  </m:sub>
+                                </m:sSub>
+                              </m:sub>
+                            </m:sSub>
+                            <m:d>
+                              <m:dPr>
+                                <m:begChr m:val="["/>
+                                <m:endChr m:val="]"/>
+                                <m:ctrlPr>
+                                  <a:rPr lang="en-US" sz="1200" i="1">
+                                    <a:solidFill>
+                                      <a:prstClr val="black"/>
+                                    </a:solidFill>
+                                    <a:latin typeface="Cambria Math" panose="02040503050406030204" pitchFamily="18" charset="0"/>
+                                  </a:rPr>
+                                </m:ctrlPr>
+                              </m:dPr>
+                              <m:e>
+                                <m:r>
+                                  <a:rPr lang="en-US" sz="1200" i="1">
+                                    <a:solidFill>
+                                      <a:prstClr val="black"/>
+                                    </a:solidFill>
+                                    <a:latin typeface="Cambria Math" panose="02040503050406030204" pitchFamily="18" charset="0"/>
+                                  </a:rPr>
+                                  <m:t>𝑖</m:t>
+                                </m:r>
+                              </m:e>
+                            </m:d>
+                            <m:r>
+                              <a:rPr lang="en-US" sz="1200" i="1">
+                                <a:solidFill>
+                                  <a:prstClr val="black"/>
+                                </a:solidFill>
+                                <a:latin typeface="Cambria Math" panose="02040503050406030204" pitchFamily="18" charset="0"/>
+                              </a:rPr>
+                              <m:t>              </m:t>
+                            </m:r>
+                            <m:r>
+                              <a:rPr lang="en-US" sz="1200" i="1">
+                                <a:solidFill>
+                                  <a:prstClr val="black"/>
+                                </a:solidFill>
+                                <a:latin typeface="Cambria Math" panose="02040503050406030204" pitchFamily="18" charset="0"/>
+                                <a:ea typeface="Cambria Math" panose="02040503050406030204" pitchFamily="18" charset="0"/>
+                              </a:rPr>
+                              <m:t>∕∕</m:t>
+                            </m:r>
+                            <m:r>
+                              <a:rPr lang="en-US" sz="1200" i="1">
+                                <a:solidFill>
+                                  <a:prstClr val="black"/>
+                                </a:solidFill>
+                                <a:latin typeface="Cambria Math" panose="02040503050406030204" pitchFamily="18" charset="0"/>
+                              </a:rPr>
+                              <m:t>𝐽𝑢𝑠𝑡</m:t>
+                            </m:r>
+                            <m:r>
+                              <a:rPr lang="en-US" sz="1200" i="1">
+                                <a:solidFill>
+                                  <a:prstClr val="black"/>
+                                </a:solidFill>
+                                <a:latin typeface="Cambria Math" panose="02040503050406030204" pitchFamily="18" charset="0"/>
+                              </a:rPr>
+                              <m:t> </m:t>
+                            </m:r>
+                            <m:r>
+                              <a:rPr lang="en-US" sz="1200" i="1">
+                                <a:solidFill>
+                                  <a:prstClr val="black"/>
+                                </a:solidFill>
+                                <a:latin typeface="Cambria Math" panose="02040503050406030204" pitchFamily="18" charset="0"/>
+                              </a:rPr>
+                              <m:t>𝑐𝑜𝑝𝑦𝑖𝑛𝑔</m:t>
+                            </m:r>
+                          </m:e>
+                        </m:eqArr>
+                      </m:e>
+                    </m:d>
+                  </m:oMath>
+                </a14:m>
+                <a:r>
+                  <a:rPr lang="en-US" sz="1200" dirty="0">
+                    <a:solidFill>
+                      <a:prstClr val="black"/>
+                    </a:solidFill>
+                  </a:rPr>
+                  <a:t>	</a:t>
+                </a:r>
+                <a:endParaRPr lang="en-US" sz="1200" dirty="0"/>
+              </a:p>
+            </p:txBody>
+          </p:sp>
+        </mc:Choice>
+        <mc:Fallback>
+          <p:sp>
+            <p:nvSpPr>
+              <p:cNvPr id="457" name="Content Placeholder 1"/>
+              <p:cNvSpPr txBox="1">
+                <a:spLocks noRot="1" noChangeAspect="1" noMove="1" noResize="1" noEditPoints="1" noAdjustHandles="1" noChangeArrowheads="1" noChangeShapeType="1" noTextEdit="1"/>
+              </p:cNvSpPr>
+              <p:nvPr/>
+            </p:nvSpPr>
+            <p:spPr>
+              <a:xfrm>
+                <a:off x="4585193" y="4362699"/>
+                <a:ext cx="3372139" cy="2200917"/>
+              </a:xfrm>
+              <a:prstGeom prst="rect">
+                <a:avLst/>
+              </a:prstGeom>
+              <a:blipFill>
+                <a:blip r:embed="rId5"/>
+                <a:stretch>
+                  <a:fillRect l="-2532" b="-52078"/>
+                </a:stretch>
+              </a:blipFill>
+              <a:ln w="9525">
+                <a:noFill/>
+                <a:miter lim="800000"/>
+                <a:headEnd/>
+                <a:tailEnd/>
+              </a:ln>
+            </p:spPr>
+            <p:txBody>
+              <a:bodyPr/>
+              <a:lstStyle/>
+              <a:p>
+                <a:r>
+                  <a:rPr lang="en-US">
+                    <a:noFill/>
+                  </a:rPr>
+                  <a:t> </a:t>
+                </a:r>
+              </a:p>
+            </p:txBody>
+          </p:sp>
+        </mc:Fallback>
+      </mc:AlternateContent>
       <p:sp>
         <p:nvSpPr>
-          <p:cNvPr id="421" name="RS_Classification_Standard"/>
+          <p:cNvPr id="477" name="RS_Classification_Standard"/>
           <p:cNvSpPr txBox="1"/>
           <p:nvPr/>
         </p:nvSpPr>
@@ -20260,7 +24804,7 @@
 </p:sld>
 </file>
 
-<file path=ppt/slides/slide25.xml><?xml version="1.0" encoding="utf-8"?>
+<file path=ppt/slides/slide26.xml><?xml version="1.0" encoding="utf-8"?>
 <p:sld xmlns:a="http://schemas.openxmlformats.org/drawingml/2006/main" xmlns:r="http://schemas.openxmlformats.org/officeDocument/2006/relationships" xmlns:p="http://schemas.openxmlformats.org/presentationml/2006/main">
   <p:cSld>
     <p:spTree>
@@ -20576,7 +25120,7 @@
             <a:fld id="{CE58CB1E-F828-4F11-99E0-327109AF9DA4}" type="slidenum">
               <a:rPr lang="de-DE" smtClean="0"/>
               <a:pPr/>
-              <a:t>25</a:t>
+              <a:t>26</a:t>
             </a:fld>
             <a:endParaRPr lang="de-DE" dirty="0"/>
           </a:p>
@@ -20628,7 +25172,7 @@
       </p:sp>
       <p:sp>
         <p:nvSpPr>
-          <p:cNvPr id="424" name="RS_Classification_Standard"/>
+          <p:cNvPr id="478" name="RS_Classification_Standard"/>
           <p:cNvSpPr txBox="1"/>
           <p:nvPr/>
         </p:nvSpPr>
@@ -20684,7 +25228,7 @@
 </p:sld>
 </file>
 
-<file path=ppt/slides/slide26.xml><?xml version="1.0" encoding="utf-8"?>
+<file path=ppt/slides/slide27.xml><?xml version="1.0" encoding="utf-8"?>
 <p:sld xmlns:a="http://schemas.openxmlformats.org/drawingml/2006/main" xmlns:r="http://schemas.openxmlformats.org/officeDocument/2006/relationships" xmlns:p="http://schemas.openxmlformats.org/presentationml/2006/main">
   <p:cSld>
     <p:spTree>
@@ -20781,7 +25325,7 @@
             <a:fld id="{CE58CB1E-F828-4F11-99E0-327109AF9DA4}" type="slidenum">
               <a:rPr lang="de-DE" smtClean="0"/>
               <a:pPr/>
-              <a:t>26</a:t>
+              <a:t>27</a:t>
             </a:fld>
             <a:endParaRPr lang="de-DE" dirty="0"/>
           </a:p>
@@ -21217,7 +25761,7 @@
       </mc:AlternateContent>
       <p:sp>
         <p:nvSpPr>
-          <p:cNvPr id="426" name="RS_Classification_Standard"/>
+          <p:cNvPr id="480" name="RS_Classification_Standard"/>
           <p:cNvSpPr txBox="1"/>
           <p:nvPr/>
         </p:nvSpPr>
@@ -21273,7 +25817,7 @@
 </p:sld>
 </file>
 
-<file path=ppt/slides/slide27.xml><?xml version="1.0" encoding="utf-8"?>
+<file path=ppt/slides/slide28.xml><?xml version="1.0" encoding="utf-8"?>
 <p:sld xmlns:a="http://schemas.openxmlformats.org/drawingml/2006/main" xmlns:r="http://schemas.openxmlformats.org/officeDocument/2006/relationships" xmlns:p="http://schemas.openxmlformats.org/presentationml/2006/main">
   <p:cSld>
     <p:spTree>
@@ -21308,7 +25852,7 @@
             <a:fld id="{CE58CB1E-F828-4F11-99E0-327109AF9DA4}" type="slidenum">
               <a:rPr lang="de-DE" smtClean="0"/>
               <a:pPr/>
-              <a:t>27</a:t>
+              <a:t>28</a:t>
             </a:fld>
             <a:endParaRPr lang="de-DE" dirty="0"/>
           </a:p>
@@ -22344,7 +26888,7 @@
       </p:cxnSp>
       <p:sp>
         <p:nvSpPr>
-          <p:cNvPr id="468" name="RS_Classification_Standard"/>
+          <p:cNvPr id="522" name="RS_Classification_Standard"/>
           <p:cNvSpPr txBox="1"/>
           <p:nvPr/>
         </p:nvSpPr>
@@ -22400,7 +26944,7 @@
 </p:sld>
 </file>
 
-<file path=ppt/slides/slide28.xml><?xml version="1.0" encoding="utf-8"?>
+<file path=ppt/slides/slide29.xml><?xml version="1.0" encoding="utf-8"?>
 <p:sld xmlns:a="http://schemas.openxmlformats.org/drawingml/2006/main" xmlns:r="http://schemas.openxmlformats.org/officeDocument/2006/relationships" xmlns:p="http://schemas.openxmlformats.org/presentationml/2006/main">
   <p:cSld>
     <p:bg>
@@ -22440,7 +26984,7 @@
             <a:fld id="{CE58CB1E-F828-4F11-99E0-327109AF9DA4}" type="slidenum">
               <a:rPr lang="de-DE" smtClean="0"/>
               <a:pPr/>
-              <a:t>28</a:t>
+              <a:t>29</a:t>
             </a:fld>
             <a:endParaRPr lang="de-DE" dirty="0"/>
           </a:p>
@@ -22701,7 +27245,7 @@
                       <a:prstClr val="black"/>
                     </a:solidFill>
                   </a:rPr>
-                  <a:t> every node bit combination is performed after decoding of all child nodes is performed.</a:t>
+                  <a:t> every node bit combination is performed after decoding by all child nodes is completed.</a:t>
                 </a:r>
               </a:p>
               <a:p>
@@ -22834,7 +27378,7 @@
                     </a:solidFill>
                     <a:cs typeface="Simplified Arabic Fixed" panose="02070309020205020404" pitchFamily="49" charset="-78"/>
                   </a:rPr>
-                  <a:t>Copying operations are very expensive.</a:t>
+                  <a:t>Copying operation are very expensive.</a:t>
                 </a:r>
               </a:p>
               <a:p>
@@ -23635,7 +28179,7 @@
       </mc:AlternateContent>
       <p:sp>
         <p:nvSpPr>
-          <p:cNvPr id="423" name="RS_Classification_Standard"/>
+          <p:cNvPr id="477" name="RS_Classification_Standard"/>
           <p:cNvSpPr txBox="1"/>
           <p:nvPr/>
         </p:nvSpPr>
@@ -23680,227 +28224,6 @@
   </p:cSld>
   <p:clrMapOvr>
     <a:overrideClrMapping bg1="lt1" tx1="dk1" bg2="lt2" tx2="dk2" accent1="accent1" accent2="accent2" accent3="accent3" accent4="accent4" accent5="accent5" accent6="accent6" hlink="hlink" folHlink="folHlink"/>
-  </p:clrMapOvr>
-  <p:timing>
-    <p:tnLst>
-      <p:par>
-        <p:cTn id="1" dur="indefinite" restart="never" nodeType="tmRoot"/>
-      </p:par>
-    </p:tnLst>
-  </p:timing>
-</p:sld>
-</file>
-
-<file path=ppt/slides/slide29.xml><?xml version="1.0" encoding="utf-8"?>
-<p:sld xmlns:a="http://schemas.openxmlformats.org/drawingml/2006/main" xmlns:r="http://schemas.openxmlformats.org/officeDocument/2006/relationships" xmlns:p="http://schemas.openxmlformats.org/presentationml/2006/main">
-  <p:cSld>
-    <p:spTree>
-      <p:nvGrpSpPr>
-        <p:cNvPr id="1" name=""/>
-        <p:cNvGrpSpPr/>
-        <p:nvPr/>
-      </p:nvGrpSpPr>
-      <p:grpSpPr>
-        <a:xfrm>
-          <a:off x="0" y="0"/>
-          <a:ext cx="0" cy="0"/>
-          <a:chOff x="0" y="0"/>
-          <a:chExt cx="0" cy="0"/>
-        </a:xfrm>
-      </p:grpSpPr>
-      <p:sp>
-        <p:nvSpPr>
-          <p:cNvPr id="2" name="Content Placeholder 1"/>
-          <p:cNvSpPr>
-            <a:spLocks noGrp="1"/>
-          </p:cNvSpPr>
-          <p:nvPr>
-            <p:ph idx="1"/>
-          </p:nvPr>
-        </p:nvSpPr>
-        <p:spPr>
-          <a:xfrm>
-            <a:off x="318009" y="1263315"/>
-            <a:ext cx="8508999" cy="4699572"/>
-          </a:xfrm>
-        </p:spPr>
-        <p:txBody>
-          <a:bodyPr/>
-          <a:lstStyle/>
-          <a:p>
-            <a:pPr marL="285750" indent="-285750">
-              <a:buFont typeface="Arial" panose="020B0604020202020204" pitchFamily="34" charset="0"/>
-              <a:buChar char="•"/>
-            </a:pPr>
-            <a:r>
-              <a:rPr lang="en-US" dirty="0"/>
-              <a:t>Recursive formulation is advantageous for hardware implementation. However in software recursive function calling huge overhead.</a:t>
-            </a:r>
-          </a:p>
-          <a:p>
-            <a:pPr marL="285750" indent="-285750">
-              <a:buFont typeface="Arial" panose="020B0604020202020204" pitchFamily="34" charset="0"/>
-              <a:buChar char="•"/>
-            </a:pPr>
-            <a:r>
-              <a:rPr lang="en-US" dirty="0"/>
-              <a:t>To overcome this overhead decoder implementation is unrolled using templates concept of C++.</a:t>
-            </a:r>
-          </a:p>
-          <a:p>
-            <a:pPr marL="285750" indent="-285750">
-              <a:buFont typeface="Arial" panose="020B0604020202020204" pitchFamily="34" charset="0"/>
-              <a:buChar char="•"/>
-            </a:pPr>
-            <a:r>
-              <a:rPr lang="en-US" dirty="0"/>
-              <a:t>With templates compiler automatically generates the code for different vector sizes.</a:t>
-            </a:r>
-          </a:p>
-          <a:p>
-            <a:pPr marL="285750" indent="-285750">
-              <a:buFont typeface="Arial" panose="020B0604020202020204" pitchFamily="34" charset="0"/>
-              <a:buChar char="•"/>
-            </a:pPr>
-            <a:r>
-              <a:rPr lang="en-US" dirty="0"/>
-              <a:t>One can also explicitly specialize functions if different logic needs to be implemented for particular vector size.</a:t>
-            </a:r>
-          </a:p>
-        </p:txBody>
-      </p:sp>
-      <p:sp>
-        <p:nvSpPr>
-          <p:cNvPr id="3" name="Slide Number Placeholder 2"/>
-          <p:cNvSpPr>
-            <a:spLocks noGrp="1"/>
-          </p:cNvSpPr>
-          <p:nvPr>
-            <p:ph type="sldNum" sz="quarter" idx="11"/>
-          </p:nvPr>
-        </p:nvSpPr>
-        <p:spPr/>
-        <p:txBody>
-          <a:bodyPr/>
-          <a:lstStyle/>
-          <a:p>
-            <a:fld id="{CE58CB1E-F828-4F11-99E0-327109AF9DA4}" type="slidenum">
-              <a:rPr lang="de-DE" smtClean="0"/>
-              <a:pPr/>
-              <a:t>29</a:t>
-            </a:fld>
-            <a:endParaRPr lang="de-DE" dirty="0"/>
-          </a:p>
-        </p:txBody>
-      </p:sp>
-      <p:sp>
-        <p:nvSpPr>
-          <p:cNvPr id="4" name="Title 3"/>
-          <p:cNvSpPr>
-            <a:spLocks noGrp="1"/>
-          </p:cNvSpPr>
-          <p:nvPr>
-            <p:ph type="title"/>
-          </p:nvPr>
-        </p:nvSpPr>
-        <p:spPr>
-          <a:xfrm>
-            <a:off x="381083" y="729638"/>
-            <a:ext cx="8508999" cy="410369"/>
-          </a:xfrm>
-        </p:spPr>
-        <p:txBody>
-          <a:bodyPr/>
-          <a:lstStyle/>
-          <a:p>
-            <a:r>
-              <a:rPr lang="en-US" dirty="0">
-                <a:solidFill>
-                  <a:schemeClr val="bg2"/>
-                </a:solidFill>
-              </a:rPr>
-              <a:t>Unrolling the decoder</a:t>
-            </a:r>
-          </a:p>
-        </p:txBody>
-      </p:sp>
-      <p:pic>
-        <p:nvPicPr>
-          <p:cNvPr id="179" name="Picture 178"/>
-          <p:cNvPicPr>
-            <a:picLocks noChangeAspect="1"/>
-          </p:cNvPicPr>
-          <p:nvPr/>
-        </p:nvPicPr>
-        <p:blipFill>
-          <a:blip r:embed="rId3">
-            <a:extLst>
-              <a:ext uri="{28A0092B-C50C-407E-A947-70E740481C1C}">
-                <a14:useLocalDpi xmlns:a14="http://schemas.microsoft.com/office/drawing/2010/main" val="0"/>
-              </a:ext>
-            </a:extLst>
-          </a:blip>
-          <a:stretch>
-            <a:fillRect/>
-          </a:stretch>
-        </p:blipFill>
-        <p:spPr>
-          <a:xfrm>
-            <a:off x="617640" y="3236483"/>
-            <a:ext cx="7108266" cy="3236830"/>
-          </a:xfrm>
-          <a:prstGeom prst="rect">
-            <a:avLst/>
-          </a:prstGeom>
-        </p:spPr>
-      </p:pic>
-      <p:sp>
-        <p:nvSpPr>
-          <p:cNvPr id="396" name="RS_Classification_Standard"/>
-          <p:cNvSpPr txBox="1"/>
-          <p:nvPr/>
-        </p:nvSpPr>
-        <p:spPr>
-          <a:xfrm>
-            <a:off x="8990047" y="6187613"/>
-            <a:ext cx="153953" cy="251287"/>
-          </a:xfrm>
-          <a:prstGeom prst="rect">
-            <a:avLst/>
-          </a:prstGeom>
-          <a:solidFill>
-            <a:srgbClr val="FFFFFF">
-              <a:alpha val="0"/>
-            </a:srgbClr>
-          </a:solidFill>
-        </p:spPr>
-        <p:txBody>
-          <a:bodyPr vert="horz" wrap="none" lIns="76200" tIns="36830" rIns="76200" bIns="36830" rtlCol="0" anchor="ctr">
-            <a:spAutoFit/>
-          </a:bodyPr>
-          <a:lstStyle/>
-          <a:p>
-            <a:endParaRPr lang="en-US" sz="1100" b="1" kern="900" spc="100" dirty="0" err="1" smtClean="0">
-              <a:solidFill>
-                <a:srgbClr val="000000"/>
-              </a:solidFill>
-              <a:latin typeface="+mn-lt"/>
-            </a:endParaRPr>
-          </a:p>
-        </p:txBody>
-      </p:sp>
-    </p:spTree>
-    <p:custDataLst>
-      <p:tags r:id="rId1"/>
-    </p:custDataLst>
-    <p:extLst>
-      <p:ext uri="{BB962C8B-B14F-4D97-AF65-F5344CB8AC3E}">
-        <p14:creationId xmlns:p14="http://schemas.microsoft.com/office/powerpoint/2010/main" val="3852677075"/>
-      </p:ext>
-    </p:extLst>
-  </p:cSld>
-  <p:clrMapOvr>
-    <a:masterClrMapping/>
   </p:clrMapOvr>
   <p:timing>
     <p:tnLst>
@@ -23970,7 +28293,15 @@
             </a:pPr>
             <a:r>
               <a:rPr lang="en-US" dirty="0"/>
-              <a:t>With recent advances in General Purpose Processors it is possible to achieve required latency and throughput with software implementations without custom hardware.</a:t>
+              <a:t>With recent advances in General Purpose </a:t>
+            </a:r>
+            <a:r>
+              <a:rPr lang="en-US" dirty="0" smtClean="0"/>
+              <a:t>Processors, </a:t>
+            </a:r>
+            <a:r>
+              <a:rPr lang="en-US" dirty="0"/>
+              <a:t>it is possible to achieve required latency and throughput with software implementations without custom hardware.</a:t>
             </a:r>
           </a:p>
           <a:p>
@@ -23980,7 +28311,15 @@
             </a:pPr>
             <a:r>
               <a:rPr lang="en-US" dirty="0"/>
-              <a:t>Software implementations require less development and maintenance effort and provide flexibility and ease of maintenance to device manufacturer.</a:t>
+              <a:t>Software implementations require less </a:t>
+            </a:r>
+            <a:r>
+              <a:rPr lang="en-US" dirty="0" smtClean="0"/>
+              <a:t>development/maintenance </a:t>
+            </a:r>
+            <a:r>
+              <a:rPr lang="en-US" dirty="0"/>
+              <a:t>effort and provide flexibility and ease of maintenance to device manufacturer.</a:t>
             </a:r>
           </a:p>
           <a:p>
@@ -23997,11 +28336,22 @@
             </a:pPr>
             <a:r>
               <a:rPr lang="en-US" dirty="0"/>
-              <a:t>However algorithms need to adopted/optimized to efficiently implement in software. </a:t>
-            </a:r>
-          </a:p>
-          <a:p>
+              <a:t>However algorithms need to adopted/optimized to efficiently implement in software</a:t>
+            </a:r>
+            <a:r>
+              <a:rPr lang="en-US" dirty="0" smtClean="0"/>
+              <a:t>.</a:t>
+            </a:r>
+          </a:p>
+          <a:p>
+            <a:pPr marL="285750" indent="-285750">
+              <a:buFont typeface="Arial" panose="020B0604020202020204" pitchFamily="34" charset="0"/>
+              <a:buChar char="•"/>
+            </a:pPr>
             <a:endParaRPr lang="en-US" dirty="0"/>
+          </a:p>
+          <a:p>
+            <a:endParaRPr lang="en-US" dirty="0" smtClean="0"/>
           </a:p>
         </p:txBody>
       </p:sp>
@@ -24057,7 +28407,7 @@
       </p:sp>
       <p:sp>
         <p:nvSpPr>
-          <p:cNvPr id="453" name="RS_Classification_Standard"/>
+          <p:cNvPr id="507" name="RS_Classification_Standard"/>
           <p:cNvSpPr txBox="1"/>
           <p:nvPr/>
         </p:nvSpPr>
@@ -24142,7 +28492,7 @@
         </p:nvSpPr>
         <p:spPr>
           <a:xfrm>
-            <a:off x="318009" y="1352955"/>
+            <a:off x="318009" y="1263315"/>
             <a:ext cx="8508999" cy="4699572"/>
           </a:xfrm>
         </p:spPr>
@@ -24155,10 +28505,9 @@
               <a:buChar char="•"/>
             </a:pPr>
             <a:r>
-              <a:rPr lang="en-US" dirty="0" smtClean="0"/>
-              <a:t>VN, CN and bit combination operations fetch a block of memory to perform vector operations.</a:t>
-            </a:r>
-            <a:endParaRPr lang="en-US" dirty="0"/>
+              <a:rPr lang="en-US" dirty="0"/>
+              <a:t>Recursive formulation is advantageous for hardware implementation. However in software recursive function calling huge overhead.</a:t>
+            </a:r>
           </a:p>
           <a:p>
             <a:pPr marL="285750" indent="-285750">
@@ -24166,16 +28515,8 @@
               <a:buChar char="•"/>
             </a:pPr>
             <a:r>
-              <a:rPr lang="en-US" dirty="0" smtClean="0"/>
-              <a:t>Memory </a:t>
-            </a:r>
-            <a:r>
               <a:rPr lang="en-US" dirty="0"/>
-              <a:t>access </a:t>
-            </a:r>
-            <a:r>
-              <a:rPr lang="en-US" dirty="0" smtClean="0"/>
-              <a:t>pattern in all these is regular and known in advance.</a:t>
+              <a:t>To overcome this overhead decoder implementation is unrolled using templates concept of C++.</a:t>
             </a:r>
           </a:p>
           <a:p>
@@ -24184,10 +28525,9 @@
               <a:buChar char="•"/>
             </a:pPr>
             <a:r>
-              <a:rPr lang="en-US" dirty="0" smtClean="0"/>
-              <a:t>To avoid memory access latency future memory accesses can be fetched to cache well in advance.</a:t>
-            </a:r>
-            <a:endParaRPr lang="en-US" dirty="0"/>
+              <a:rPr lang="en-US" dirty="0"/>
+              <a:t>With templates compiler automatically generates the code for different vector sizes.</a:t>
+            </a:r>
           </a:p>
           <a:p>
             <a:pPr marL="285750" indent="-285750">
@@ -24195,44 +28535,17 @@
               <a:buChar char="•"/>
             </a:pPr>
             <a:r>
+              <a:rPr lang="en-US" dirty="0"/>
+              <a:t>One can also explicitly specialize </a:t>
+            </a:r>
+            <a:r>
               <a:rPr lang="en-US" dirty="0" smtClean="0"/>
-              <a:t>Cache line fetching </a:t>
+              <a:t>functions, </a:t>
             </a:r>
             <a:r>
               <a:rPr lang="en-US" dirty="0"/>
-              <a:t>is </a:t>
-            </a:r>
-            <a:r>
-              <a:rPr lang="en-US" dirty="0" smtClean="0"/>
-              <a:t>provided non blocking </a:t>
-            </a:r>
-            <a:r>
-              <a:rPr lang="en-US" dirty="0">
-                <a:latin typeface="Simplified Arabic Fixed" panose="02070309020205020404" pitchFamily="49" charset="-78"/>
-                <a:cs typeface="Simplified Arabic Fixed" panose="02070309020205020404" pitchFamily="49" charset="-78"/>
-              </a:rPr>
-              <a:t>PREFETCH</a:t>
-            </a:r>
-            <a:r>
-              <a:rPr lang="en-US" dirty="0"/>
-              <a:t> </a:t>
-            </a:r>
-            <a:r>
-              <a:rPr lang="en-US" dirty="0" smtClean="0"/>
-              <a:t>instruction provided by latest </a:t>
-            </a:r>
-            <a:r>
-              <a:rPr lang="en-US" dirty="0" smtClean="0">
-                <a:latin typeface="Simplified Arabic Fixed" panose="02070309020205020404" pitchFamily="49" charset="-78"/>
-                <a:cs typeface="Simplified Arabic Fixed" panose="02070309020205020404" pitchFamily="49" charset="-78"/>
-              </a:rPr>
-              <a:t>3dnow</a:t>
-            </a:r>
-            <a:r>
-              <a:rPr lang="en-US" dirty="0" smtClean="0"/>
-              <a:t> extension of AMD EPYC processor.</a:t>
-            </a:r>
-            <a:endParaRPr lang="en-US" dirty="0"/>
+              <a:t>if different logic needs to be implemented for particular vector size.</a:t>
+            </a:r>
           </a:p>
         </p:txBody>
       </p:sp>
@@ -24255,6 +28568,272 @@
               <a:rPr lang="de-DE" smtClean="0"/>
               <a:pPr/>
               <a:t>30</a:t>
+            </a:fld>
+            <a:endParaRPr lang="de-DE" dirty="0"/>
+          </a:p>
+        </p:txBody>
+      </p:sp>
+      <p:sp>
+        <p:nvSpPr>
+          <p:cNvPr id="4" name="Title 3"/>
+          <p:cNvSpPr>
+            <a:spLocks noGrp="1"/>
+          </p:cNvSpPr>
+          <p:nvPr>
+            <p:ph type="title"/>
+          </p:nvPr>
+        </p:nvSpPr>
+        <p:spPr>
+          <a:xfrm>
+            <a:off x="381083" y="729638"/>
+            <a:ext cx="8508999" cy="410369"/>
+          </a:xfrm>
+        </p:spPr>
+        <p:txBody>
+          <a:bodyPr/>
+          <a:lstStyle/>
+          <a:p>
+            <a:r>
+              <a:rPr lang="en-US" dirty="0">
+                <a:solidFill>
+                  <a:schemeClr val="bg2"/>
+                </a:solidFill>
+              </a:rPr>
+              <a:t>Unrolling the decoder</a:t>
+            </a:r>
+          </a:p>
+        </p:txBody>
+      </p:sp>
+      <p:pic>
+        <p:nvPicPr>
+          <p:cNvPr id="179" name="Picture 178"/>
+          <p:cNvPicPr>
+            <a:picLocks noChangeAspect="1"/>
+          </p:cNvPicPr>
+          <p:nvPr/>
+        </p:nvPicPr>
+        <p:blipFill>
+          <a:blip r:embed="rId3">
+            <a:extLst>
+              <a:ext uri="{28A0092B-C50C-407E-A947-70E740481C1C}">
+                <a14:useLocalDpi xmlns:a14="http://schemas.microsoft.com/office/drawing/2010/main" val="0"/>
+              </a:ext>
+            </a:extLst>
+          </a:blip>
+          <a:stretch>
+            <a:fillRect/>
+          </a:stretch>
+        </p:blipFill>
+        <p:spPr>
+          <a:xfrm>
+            <a:off x="741999" y="3341505"/>
+            <a:ext cx="6317170" cy="2876595"/>
+          </a:xfrm>
+          <a:prstGeom prst="rect">
+            <a:avLst/>
+          </a:prstGeom>
+        </p:spPr>
+      </p:pic>
+      <p:sp>
+        <p:nvSpPr>
+          <p:cNvPr id="450" name="RS_Classification_Standard"/>
+          <p:cNvSpPr txBox="1"/>
+          <p:nvPr/>
+        </p:nvSpPr>
+        <p:spPr>
+          <a:xfrm>
+            <a:off x="8990047" y="6187613"/>
+            <a:ext cx="153953" cy="251287"/>
+          </a:xfrm>
+          <a:prstGeom prst="rect">
+            <a:avLst/>
+          </a:prstGeom>
+          <a:solidFill>
+            <a:srgbClr val="FFFFFF">
+              <a:alpha val="0"/>
+            </a:srgbClr>
+          </a:solidFill>
+        </p:spPr>
+        <p:txBody>
+          <a:bodyPr vert="horz" wrap="none" lIns="76200" tIns="36830" rIns="76200" bIns="36830" rtlCol="0" anchor="ctr">
+            <a:spAutoFit/>
+          </a:bodyPr>
+          <a:lstStyle/>
+          <a:p>
+            <a:endParaRPr lang="en-US" sz="1100" b="1" kern="900" spc="100" dirty="0" err="1" smtClean="0">
+              <a:solidFill>
+                <a:srgbClr val="000000"/>
+              </a:solidFill>
+              <a:latin typeface="+mn-lt"/>
+            </a:endParaRPr>
+          </a:p>
+        </p:txBody>
+      </p:sp>
+    </p:spTree>
+    <p:custDataLst>
+      <p:tags r:id="rId1"/>
+    </p:custDataLst>
+    <p:extLst>
+      <p:ext uri="{BB962C8B-B14F-4D97-AF65-F5344CB8AC3E}">
+        <p14:creationId xmlns:p14="http://schemas.microsoft.com/office/powerpoint/2010/main" val="3852677075"/>
+      </p:ext>
+    </p:extLst>
+  </p:cSld>
+  <p:clrMapOvr>
+    <a:masterClrMapping/>
+  </p:clrMapOvr>
+  <p:timing>
+    <p:tnLst>
+      <p:par>
+        <p:cTn id="1" dur="indefinite" restart="never" nodeType="tmRoot"/>
+      </p:par>
+    </p:tnLst>
+  </p:timing>
+</p:sld>
+</file>
+
+<file path=ppt/slides/slide31.xml><?xml version="1.0" encoding="utf-8"?>
+<p:sld xmlns:a="http://schemas.openxmlformats.org/drawingml/2006/main" xmlns:r="http://schemas.openxmlformats.org/officeDocument/2006/relationships" xmlns:p="http://schemas.openxmlformats.org/presentationml/2006/main">
+  <p:cSld>
+    <p:spTree>
+      <p:nvGrpSpPr>
+        <p:cNvPr id="1" name=""/>
+        <p:cNvGrpSpPr/>
+        <p:nvPr/>
+      </p:nvGrpSpPr>
+      <p:grpSpPr>
+        <a:xfrm>
+          <a:off x="0" y="0"/>
+          <a:ext cx="0" cy="0"/>
+          <a:chOff x="0" y="0"/>
+          <a:chExt cx="0" cy="0"/>
+        </a:xfrm>
+      </p:grpSpPr>
+      <p:sp>
+        <p:nvSpPr>
+          <p:cNvPr id="2" name="Content Placeholder 1"/>
+          <p:cNvSpPr>
+            <a:spLocks noGrp="1"/>
+          </p:cNvSpPr>
+          <p:nvPr>
+            <p:ph idx="1"/>
+          </p:nvPr>
+        </p:nvSpPr>
+        <p:spPr>
+          <a:xfrm>
+            <a:off x="318009" y="1352955"/>
+            <a:ext cx="8508999" cy="4699572"/>
+          </a:xfrm>
+        </p:spPr>
+        <p:txBody>
+          <a:bodyPr/>
+          <a:lstStyle/>
+          <a:p>
+            <a:pPr marL="285750" indent="-285750">
+              <a:buFont typeface="Arial" panose="020B0604020202020204" pitchFamily="34" charset="0"/>
+              <a:buChar char="•"/>
+            </a:pPr>
+            <a:r>
+              <a:rPr lang="en-US" dirty="0" smtClean="0"/>
+              <a:t>VN, CN and bit combination operations fetch a block of memory to perform vector operations.</a:t>
+            </a:r>
+            <a:endParaRPr lang="en-US" dirty="0"/>
+          </a:p>
+          <a:p>
+            <a:pPr marL="285750" indent="-285750">
+              <a:buFont typeface="Arial" panose="020B0604020202020204" pitchFamily="34" charset="0"/>
+              <a:buChar char="•"/>
+            </a:pPr>
+            <a:r>
+              <a:rPr lang="en-US" dirty="0" smtClean="0"/>
+              <a:t>Memory </a:t>
+            </a:r>
+            <a:r>
+              <a:rPr lang="en-US" dirty="0"/>
+              <a:t>access </a:t>
+            </a:r>
+            <a:r>
+              <a:rPr lang="en-US" dirty="0" smtClean="0"/>
+              <a:t>pattern in all these is regular and known in advance.</a:t>
+            </a:r>
+          </a:p>
+          <a:p>
+            <a:pPr marL="285750" indent="-285750">
+              <a:buFont typeface="Arial" panose="020B0604020202020204" pitchFamily="34" charset="0"/>
+              <a:buChar char="•"/>
+            </a:pPr>
+            <a:r>
+              <a:rPr lang="en-US" dirty="0" smtClean="0"/>
+              <a:t>To avoid memory access latency future memory accesses can be fetched to cache well in advance.</a:t>
+            </a:r>
+            <a:endParaRPr lang="en-US" dirty="0"/>
+          </a:p>
+          <a:p>
+            <a:pPr marL="285750" indent="-285750">
+              <a:buFont typeface="Arial" panose="020B0604020202020204" pitchFamily="34" charset="0"/>
+              <a:buChar char="•"/>
+            </a:pPr>
+            <a:r>
+              <a:rPr lang="en-US" dirty="0" smtClean="0"/>
+              <a:t>Cache line fetching </a:t>
+            </a:r>
+            <a:r>
+              <a:rPr lang="en-US" dirty="0"/>
+              <a:t>is </a:t>
+            </a:r>
+            <a:r>
+              <a:rPr lang="en-US" dirty="0" smtClean="0"/>
+              <a:t>done with non blocking </a:t>
+            </a:r>
+            <a:r>
+              <a:rPr lang="en-US" dirty="0">
+                <a:latin typeface="Simplified Arabic Fixed" panose="02070309020205020404" pitchFamily="49" charset="-78"/>
+                <a:cs typeface="Simplified Arabic Fixed" panose="02070309020205020404" pitchFamily="49" charset="-78"/>
+              </a:rPr>
+              <a:t>PREFETCH</a:t>
+            </a:r>
+            <a:r>
+              <a:rPr lang="en-US" dirty="0"/>
+              <a:t> </a:t>
+            </a:r>
+            <a:r>
+              <a:rPr lang="en-US" dirty="0" smtClean="0"/>
+              <a:t>instruction provided by latest </a:t>
+            </a:r>
+            <a:r>
+              <a:rPr lang="en-US" dirty="0" smtClean="0">
+                <a:latin typeface="Simplified Arabic Fixed" panose="02070309020205020404" pitchFamily="49" charset="-78"/>
+                <a:cs typeface="Simplified Arabic Fixed" panose="02070309020205020404" pitchFamily="49" charset="-78"/>
+              </a:rPr>
+              <a:t>3dnow</a:t>
+            </a:r>
+            <a:r>
+              <a:rPr lang="en-US" dirty="0" smtClean="0"/>
+              <a:t> extension of AMD EPYC processor.</a:t>
+            </a:r>
+            <a:endParaRPr lang="en-US" dirty="0"/>
+          </a:p>
+        </p:txBody>
+      </p:sp>
+      <p:sp>
+        <p:nvSpPr>
+          <p:cNvPr id="3" name="Slide Number Placeholder 2"/>
+          <p:cNvSpPr>
+            <a:spLocks noGrp="1"/>
+          </p:cNvSpPr>
+          <p:nvPr>
+            <p:ph type="sldNum" sz="quarter" idx="11"/>
+          </p:nvPr>
+        </p:nvSpPr>
+        <p:spPr/>
+        <p:txBody>
+          <a:bodyPr/>
+          <a:lstStyle/>
+          <a:p>
+            <a:fld id="{CE58CB1E-F828-4F11-99E0-327109AF9DA4}" type="slidenum">
+              <a:rPr lang="de-DE" smtClean="0"/>
+              <a:pPr/>
+              <a:t>31</a:t>
             </a:fld>
             <a:endParaRPr lang="de-DE" dirty="0"/>
           </a:p>
@@ -24966,7 +29545,7 @@
       </p:grpSp>
       <p:sp>
         <p:nvSpPr>
-          <p:cNvPr id="452" name="RS_Classification_Standard"/>
+          <p:cNvPr id="506" name="RS_Classification_Standard"/>
           <p:cNvSpPr txBox="1"/>
           <p:nvPr/>
         </p:nvSpPr>
@@ -25006,247 +29585,6 @@
     <p:extLst>
       <p:ext uri="{BB962C8B-B14F-4D97-AF65-F5344CB8AC3E}">
         <p14:creationId xmlns:p14="http://schemas.microsoft.com/office/powerpoint/2010/main" val="2863811702"/>
-      </p:ext>
-    </p:extLst>
-  </p:cSld>
-  <p:clrMapOvr>
-    <a:masterClrMapping/>
-  </p:clrMapOvr>
-  <p:timing>
-    <p:tnLst>
-      <p:par>
-        <p:cTn id="1" dur="indefinite" restart="never" nodeType="tmRoot"/>
-      </p:par>
-    </p:tnLst>
-  </p:timing>
-</p:sld>
-</file>
-
-<file path=ppt/slides/slide31.xml><?xml version="1.0" encoding="utf-8"?>
-<p:sld xmlns:a="http://schemas.openxmlformats.org/drawingml/2006/main" xmlns:r="http://schemas.openxmlformats.org/officeDocument/2006/relationships" xmlns:p="http://schemas.openxmlformats.org/presentationml/2006/main">
-  <p:cSld>
-    <p:spTree>
-      <p:nvGrpSpPr>
-        <p:cNvPr id="1" name=""/>
-        <p:cNvGrpSpPr/>
-        <p:nvPr/>
-      </p:nvGrpSpPr>
-      <p:grpSpPr>
-        <a:xfrm>
-          <a:off x="0" y="0"/>
-          <a:ext cx="0" cy="0"/>
-          <a:chOff x="0" y="0"/>
-          <a:chExt cx="0" cy="0"/>
-        </a:xfrm>
-      </p:grpSpPr>
-      <p:sp>
-        <p:nvSpPr>
-          <p:cNvPr id="2" name="Content Placeholder 1"/>
-          <p:cNvSpPr>
-            <a:spLocks noGrp="1"/>
-          </p:cNvSpPr>
-          <p:nvPr>
-            <p:ph idx="1"/>
-          </p:nvPr>
-        </p:nvSpPr>
-        <p:spPr>
-          <a:xfrm>
-            <a:off x="318009" y="1400850"/>
-            <a:ext cx="8508999" cy="4699572"/>
-          </a:xfrm>
-        </p:spPr>
-        <p:txBody>
-          <a:bodyPr/>
-          <a:lstStyle/>
-          <a:p>
-            <a:pPr marL="285750" indent="-285750">
-              <a:buFont typeface="Arial" panose="020B0604020202020204" pitchFamily="34" charset="0"/>
-              <a:buChar char="•"/>
-            </a:pPr>
-            <a:r>
-              <a:rPr lang="en-US" dirty="0" smtClean="0"/>
-              <a:t>Decoding latency can be further reduced by intelligently pruning the decoder tree.</a:t>
-            </a:r>
-          </a:p>
-          <a:p>
-            <a:pPr marL="285750" indent="-285750">
-              <a:buFont typeface="Arial" panose="020B0604020202020204" pitchFamily="34" charset="0"/>
-              <a:buChar char="•"/>
-            </a:pPr>
-            <a:r>
-              <a:rPr lang="en-US" dirty="0" smtClean="0"/>
-              <a:t>Decoder </a:t>
-            </a:r>
-            <a:r>
-              <a:rPr lang="en-US" dirty="0"/>
-              <a:t>tree is pruned irrespective frozen pattern </a:t>
-            </a:r>
-            <a:r>
-              <a:rPr lang="en-US" dirty="0" smtClean="0"/>
-              <a:t>type.</a:t>
-            </a:r>
-            <a:endParaRPr lang="en-US" dirty="0"/>
-          </a:p>
-          <a:p>
-            <a:pPr marL="285750" indent="-285750">
-              <a:buFont typeface="Arial" panose="020B0604020202020204" pitchFamily="34" charset="0"/>
-              <a:buChar char="•"/>
-            </a:pPr>
-            <a:r>
-              <a:rPr lang="en-US" dirty="0" smtClean="0"/>
-              <a:t>Latency reduction comes at the cost of increased BLER.</a:t>
-            </a:r>
-          </a:p>
-          <a:p>
-            <a:pPr marL="285750" indent="-285750">
-              <a:buFont typeface="Arial" panose="020B0604020202020204" pitchFamily="34" charset="0"/>
-              <a:buChar char="•"/>
-            </a:pPr>
-            <a:r>
-              <a:rPr lang="en-US" dirty="0" smtClean="0"/>
-              <a:t>At high SNR and low code rate scenarios this method can be used.</a:t>
-            </a:r>
-          </a:p>
-          <a:p>
-            <a:pPr marL="285750" indent="-285750">
-              <a:buFont typeface="Arial" panose="020B0604020202020204" pitchFamily="34" charset="0"/>
-              <a:buChar char="•"/>
-            </a:pPr>
-            <a:r>
-              <a:rPr lang="en-US" dirty="0" smtClean="0"/>
-              <a:t>Pruning increases the BLER. Level of pruning and BLER can be dealt as a trade-off.</a:t>
-            </a:r>
-            <a:endParaRPr lang="en-US" dirty="0"/>
-          </a:p>
-        </p:txBody>
-      </p:sp>
-      <p:sp>
-        <p:nvSpPr>
-          <p:cNvPr id="3" name="Slide Number Placeholder 2"/>
-          <p:cNvSpPr>
-            <a:spLocks noGrp="1"/>
-          </p:cNvSpPr>
-          <p:nvPr>
-            <p:ph type="sldNum" sz="quarter" idx="11"/>
-          </p:nvPr>
-        </p:nvSpPr>
-        <p:spPr/>
-        <p:txBody>
-          <a:bodyPr/>
-          <a:lstStyle/>
-          <a:p>
-            <a:fld id="{CE58CB1E-F828-4F11-99E0-327109AF9DA4}" type="slidenum">
-              <a:rPr lang="de-DE" smtClean="0"/>
-              <a:pPr/>
-              <a:t>31</a:t>
-            </a:fld>
-            <a:endParaRPr lang="de-DE" dirty="0"/>
-          </a:p>
-        </p:txBody>
-      </p:sp>
-      <p:sp>
-        <p:nvSpPr>
-          <p:cNvPr id="4" name="Title 3"/>
-          <p:cNvSpPr>
-            <a:spLocks noGrp="1"/>
-          </p:cNvSpPr>
-          <p:nvPr>
-            <p:ph type="title"/>
-          </p:nvPr>
-        </p:nvSpPr>
-        <p:spPr>
-          <a:xfrm>
-            <a:off x="318009" y="804035"/>
-            <a:ext cx="8508999" cy="410369"/>
-          </a:xfrm>
-        </p:spPr>
-        <p:txBody>
-          <a:bodyPr/>
-          <a:lstStyle/>
-          <a:p>
-            <a:r>
-              <a:rPr lang="en-US" dirty="0">
-                <a:solidFill>
-                  <a:schemeClr val="bg2"/>
-                </a:solidFill>
-              </a:rPr>
-              <a:t>Decoder tree pruning</a:t>
-            </a:r>
-          </a:p>
-        </p:txBody>
-      </p:sp>
-      <p:pic>
-        <p:nvPicPr>
-          <p:cNvPr id="383" name="Picture 382"/>
-          <p:cNvPicPr>
-            <a:picLocks noChangeAspect="1"/>
-          </p:cNvPicPr>
-          <p:nvPr/>
-        </p:nvPicPr>
-        <p:blipFill>
-          <a:blip r:embed="rId3">
-            <a:extLst>
-              <a:ext uri="{28A0092B-C50C-407E-A947-70E740481C1C}">
-                <a14:useLocalDpi xmlns:a14="http://schemas.microsoft.com/office/drawing/2010/main" val="0"/>
-              </a:ext>
-            </a:extLst>
-          </a:blip>
-          <a:stretch>
-            <a:fillRect/>
-          </a:stretch>
-        </p:blipFill>
-        <p:spPr>
-          <a:xfrm>
-            <a:off x="875655" y="3264917"/>
-            <a:ext cx="6418411" cy="2922696"/>
-          </a:xfrm>
-          <a:prstGeom prst="rect">
-            <a:avLst/>
-          </a:prstGeom>
-        </p:spPr>
-      </p:pic>
-      <p:sp>
-        <p:nvSpPr>
-          <p:cNvPr id="422" name="RS_Classification_Standard"/>
-          <p:cNvSpPr txBox="1"/>
-          <p:nvPr/>
-        </p:nvSpPr>
-        <p:spPr>
-          <a:xfrm>
-            <a:off x="8990047" y="6187613"/>
-            <a:ext cx="153953" cy="251287"/>
-          </a:xfrm>
-          <a:prstGeom prst="rect">
-            <a:avLst/>
-          </a:prstGeom>
-          <a:solidFill>
-            <a:srgbClr val="FFFFFF">
-              <a:alpha val="0"/>
-            </a:srgbClr>
-          </a:solidFill>
-        </p:spPr>
-        <p:txBody>
-          <a:bodyPr vert="horz" wrap="none" lIns="76200" tIns="36830" rIns="76200" bIns="36830" rtlCol="0" anchor="ctr">
-            <a:spAutoFit/>
-          </a:bodyPr>
-          <a:lstStyle/>
-          <a:p>
-            <a:endParaRPr lang="en-US" sz="1100" b="1" kern="900" spc="100" dirty="0" err="1" smtClean="0">
-              <a:solidFill>
-                <a:srgbClr val="000000"/>
-              </a:solidFill>
-              <a:latin typeface="+mn-lt"/>
-            </a:endParaRPr>
-          </a:p>
-        </p:txBody>
-      </p:sp>
-    </p:spTree>
-    <p:custDataLst>
-      <p:tags r:id="rId1"/>
-    </p:custDataLst>
-    <p:extLst>
-      <p:ext uri="{BB962C8B-B14F-4D97-AF65-F5344CB8AC3E}">
-        <p14:creationId xmlns:p14="http://schemas.microsoft.com/office/powerpoint/2010/main" val="686851237"/>
       </p:ext>
     </p:extLst>
   </p:cSld>
@@ -25290,7 +29628,12 @@
             <p:ph idx="1"/>
           </p:nvPr>
         </p:nvSpPr>
-        <p:spPr/>
+        <p:spPr>
+          <a:xfrm>
+            <a:off x="318009" y="1305753"/>
+            <a:ext cx="8508999" cy="4699572"/>
+          </a:xfrm>
+        </p:spPr>
         <p:txBody>
           <a:bodyPr/>
           <a:lstStyle/>
@@ -25300,26 +29643,9 @@
               <a:buChar char="•"/>
             </a:pPr>
             <a:r>
-              <a:rPr lang="en-US" dirty="0"/>
-              <a:t>PBCH and PDCCH </a:t>
-            </a:r>
-            <a:r>
               <a:rPr lang="en-US" dirty="0" smtClean="0"/>
-              <a:t>channels </a:t>
-            </a:r>
-            <a:r>
-              <a:rPr lang="en-US" dirty="0"/>
-              <a:t>need to calculate </a:t>
-            </a:r>
-            <a:r>
-              <a:rPr lang="en-US" i="1" dirty="0"/>
-              <a:t>CRC24 </a:t>
-            </a:r>
-            <a:r>
-              <a:rPr lang="en-US" dirty="0"/>
-              <a:t>for downlink control information transmission.</a:t>
-            </a:r>
-            <a:endParaRPr lang="en-US" i="1" dirty="0"/>
+              <a:t>Decoding latency can be further reduced by intelligently pruning the decoder tree.</a:t>
+            </a:r>
           </a:p>
           <a:p>
             <a:pPr marL="285750" indent="-285750">
@@ -25327,29 +29653,18 @@
               <a:buChar char="•"/>
             </a:pPr>
             <a:r>
+              <a:rPr lang="en-US" dirty="0" smtClean="0"/>
+              <a:t>Decoder </a:t>
+            </a:r>
+            <a:r>
               <a:rPr lang="en-US" dirty="0"/>
-              <a:t>PUCCH and PUSCH </a:t>
+              <a:t>tree is pruned irrespective frozen pattern </a:t>
             </a:r>
             <a:r>
               <a:rPr lang="en-US" dirty="0" smtClean="0"/>
-              <a:t>channels calculate </a:t>
-            </a:r>
-            <a:r>
-              <a:rPr lang="en-US" i="1" dirty="0"/>
-              <a:t>CRC6</a:t>
-            </a:r>
-            <a:r>
-              <a:rPr lang="en-US" dirty="0"/>
-              <a:t> or </a:t>
-            </a:r>
-            <a:r>
-              <a:rPr lang="en-US" i="1" dirty="0"/>
-              <a:t>CRC11 </a:t>
-            </a:r>
-            <a:r>
-              <a:rPr lang="en-US" dirty="0"/>
-              <a:t>for CRC check.</a:t>
-            </a:r>
+              <a:t>type.</a:t>
+            </a:r>
+            <a:endParaRPr lang="en-US" dirty="0"/>
           </a:p>
           <a:p>
             <a:pPr marL="285750" indent="-285750">
@@ -25357,12 +29672,8 @@
               <a:buChar char="•"/>
             </a:pPr>
             <a:r>
-              <a:rPr lang="en-US" dirty="0"/>
-              <a:t>CRC calculation is one of the significant latency contributor to both in encoding and decoding FEC chains</a:t>
-            </a:r>
-            <a:r>
               <a:rPr lang="en-US" dirty="0" smtClean="0"/>
-              <a:t>.</a:t>
+              <a:t>Latency reduction comes at the cost of increased BLER.</a:t>
             </a:r>
           </a:p>
           <a:p>
@@ -25372,9 +29683,8 @@
             </a:pPr>
             <a:r>
               <a:rPr lang="en-US" dirty="0" smtClean="0"/>
-              <a:t>Processing individual bits for CRC calculation is very inefficient.</a:t>
-            </a:r>
-            <a:endParaRPr lang="en-US" dirty="0"/>
+              <a:t>At high SNR and low code rate scenarios this method can be used.</a:t>
+            </a:r>
           </a:p>
           <a:p>
             <a:pPr marL="285750" indent="-285750">
@@ -25382,53 +29692,9 @@
               <a:buChar char="•"/>
             </a:pPr>
             <a:r>
-              <a:rPr lang="en-US" dirty="0"/>
-              <a:t>Extended popular CRC algorithm</a:t>
-            </a:r>
-            <a:r>
-              <a:rPr lang="en-US" baseline="30000" dirty="0"/>
-              <a:t>[1]</a:t>
-            </a:r>
-            <a:r>
-              <a:rPr lang="en-US" dirty="0"/>
-              <a:t> to calculate CRC24, CRC6 and CRC11 .</a:t>
-            </a:r>
-          </a:p>
-          <a:p>
-            <a:pPr marL="285750" indent="-285750">
-              <a:buFont typeface="Arial" panose="020B0604020202020204" pitchFamily="34" charset="0"/>
-              <a:buChar char="•"/>
-            </a:pPr>
-            <a:r>
-              <a:rPr lang="en-US" dirty="0"/>
-              <a:t>In this algorithm </a:t>
-            </a:r>
-            <a:r>
               <a:rPr lang="en-US" dirty="0" smtClean="0"/>
-              <a:t>8 </a:t>
-            </a:r>
-            <a:r>
-              <a:rPr lang="en-US" dirty="0"/>
-              <a:t>bits are processed in parallel rather than bit by bit, Reduced CRC calculation latency from 8 </a:t>
-            </a:r>
-            <a:r>
-              <a:rPr lang="el-GR" dirty="0"/>
-              <a:t>μ</a:t>
-            </a:r>
-            <a:r>
-              <a:rPr lang="en-US" dirty="0"/>
-              <a:t>s to 0.8 </a:t>
-            </a:r>
-            <a:r>
-              <a:rPr lang="el-GR" dirty="0"/>
-              <a:t>μ</a:t>
-            </a:r>
-            <a:r>
-              <a:rPr lang="en-US" dirty="0"/>
-              <a:t>s in FEC chain.</a:t>
-            </a:r>
-          </a:p>
-          <a:p>
+              <a:t>Pruning increases the BLER. Level of pruning and BLER can be dealt as a trade-off.</a:t>
+            </a:r>
             <a:endParaRPr lang="en-US" dirty="0"/>
           </a:p>
         </p:txBody>
@@ -25452,6 +29718,323 @@
               <a:rPr lang="de-DE" smtClean="0"/>
               <a:pPr/>
               <a:t>32</a:t>
+            </a:fld>
+            <a:endParaRPr lang="de-DE" dirty="0"/>
+          </a:p>
+        </p:txBody>
+      </p:sp>
+      <p:sp>
+        <p:nvSpPr>
+          <p:cNvPr id="4" name="Title 3"/>
+          <p:cNvSpPr>
+            <a:spLocks noGrp="1"/>
+          </p:cNvSpPr>
+          <p:nvPr>
+            <p:ph type="title"/>
+          </p:nvPr>
+        </p:nvSpPr>
+        <p:spPr>
+          <a:xfrm>
+            <a:off x="318009" y="704781"/>
+            <a:ext cx="8508999" cy="410369"/>
+          </a:xfrm>
+        </p:spPr>
+        <p:txBody>
+          <a:bodyPr/>
+          <a:lstStyle/>
+          <a:p>
+            <a:r>
+              <a:rPr lang="en-US" dirty="0">
+                <a:solidFill>
+                  <a:schemeClr val="bg2"/>
+                </a:solidFill>
+              </a:rPr>
+              <a:t>Decoder tree pruning</a:t>
+            </a:r>
+          </a:p>
+        </p:txBody>
+      </p:sp>
+      <p:pic>
+        <p:nvPicPr>
+          <p:cNvPr id="383" name="Picture 382"/>
+          <p:cNvPicPr>
+            <a:picLocks noChangeAspect="1"/>
+          </p:cNvPicPr>
+          <p:nvPr/>
+        </p:nvPicPr>
+        <p:blipFill>
+          <a:blip r:embed="rId3">
+            <a:extLst>
+              <a:ext uri="{28A0092B-C50C-407E-A947-70E740481C1C}">
+                <a14:useLocalDpi xmlns:a14="http://schemas.microsoft.com/office/drawing/2010/main" val="0"/>
+              </a:ext>
+            </a:extLst>
+          </a:blip>
+          <a:stretch>
+            <a:fillRect/>
+          </a:stretch>
+        </p:blipFill>
+        <p:spPr>
+          <a:xfrm>
+            <a:off x="846394" y="3008885"/>
+            <a:ext cx="6418411" cy="2922696"/>
+          </a:xfrm>
+          <a:prstGeom prst="rect">
+            <a:avLst/>
+          </a:prstGeom>
+        </p:spPr>
+      </p:pic>
+      <p:sp>
+        <p:nvSpPr>
+          <p:cNvPr id="476" name="RS_Classification_Standard"/>
+          <p:cNvSpPr txBox="1"/>
+          <p:nvPr/>
+        </p:nvSpPr>
+        <p:spPr>
+          <a:xfrm>
+            <a:off x="8990047" y="6187613"/>
+            <a:ext cx="153953" cy="251287"/>
+          </a:xfrm>
+          <a:prstGeom prst="rect">
+            <a:avLst/>
+          </a:prstGeom>
+          <a:solidFill>
+            <a:srgbClr val="FFFFFF">
+              <a:alpha val="0"/>
+            </a:srgbClr>
+          </a:solidFill>
+        </p:spPr>
+        <p:txBody>
+          <a:bodyPr vert="horz" wrap="none" lIns="76200" tIns="36830" rIns="76200" bIns="36830" rtlCol="0" anchor="ctr">
+            <a:spAutoFit/>
+          </a:bodyPr>
+          <a:lstStyle/>
+          <a:p>
+            <a:endParaRPr lang="en-US" sz="1100" b="1" kern="900" spc="100" dirty="0" err="1" smtClean="0">
+              <a:solidFill>
+                <a:srgbClr val="000000"/>
+              </a:solidFill>
+              <a:latin typeface="+mn-lt"/>
+            </a:endParaRPr>
+          </a:p>
+        </p:txBody>
+      </p:sp>
+    </p:spTree>
+    <p:custDataLst>
+      <p:tags r:id="rId1"/>
+    </p:custDataLst>
+    <p:extLst>
+      <p:ext uri="{BB962C8B-B14F-4D97-AF65-F5344CB8AC3E}">
+        <p14:creationId xmlns:p14="http://schemas.microsoft.com/office/powerpoint/2010/main" val="686851237"/>
+      </p:ext>
+    </p:extLst>
+  </p:cSld>
+  <p:clrMapOvr>
+    <a:masterClrMapping/>
+  </p:clrMapOvr>
+  <p:timing>
+    <p:tnLst>
+      <p:par>
+        <p:cTn id="1" dur="indefinite" restart="never" nodeType="tmRoot"/>
+      </p:par>
+    </p:tnLst>
+  </p:timing>
+</p:sld>
+</file>
+
+<file path=ppt/slides/slide33.xml><?xml version="1.0" encoding="utf-8"?>
+<p:sld xmlns:a="http://schemas.openxmlformats.org/drawingml/2006/main" xmlns:r="http://schemas.openxmlformats.org/officeDocument/2006/relationships" xmlns:p="http://schemas.openxmlformats.org/presentationml/2006/main">
+  <p:cSld>
+    <p:spTree>
+      <p:nvGrpSpPr>
+        <p:cNvPr id="1" name=""/>
+        <p:cNvGrpSpPr/>
+        <p:nvPr/>
+      </p:nvGrpSpPr>
+      <p:grpSpPr>
+        <a:xfrm>
+          <a:off x="0" y="0"/>
+          <a:ext cx="0" cy="0"/>
+          <a:chOff x="0" y="0"/>
+          <a:chExt cx="0" cy="0"/>
+        </a:xfrm>
+      </p:grpSpPr>
+      <p:sp>
+        <p:nvSpPr>
+          <p:cNvPr id="2" name="Content Placeholder 1"/>
+          <p:cNvSpPr>
+            <a:spLocks noGrp="1"/>
+          </p:cNvSpPr>
+          <p:nvPr>
+            <p:ph idx="1"/>
+          </p:nvPr>
+        </p:nvSpPr>
+        <p:spPr/>
+        <p:txBody>
+          <a:bodyPr/>
+          <a:lstStyle/>
+          <a:p>
+            <a:pPr marL="285750" indent="-285750">
+              <a:buFont typeface="Arial" panose="020B0604020202020204" pitchFamily="34" charset="0"/>
+              <a:buChar char="•"/>
+            </a:pPr>
+            <a:r>
+              <a:rPr lang="en-US" dirty="0"/>
+              <a:t>PBCH and PDCCH </a:t>
+            </a:r>
+            <a:r>
+              <a:rPr lang="en-US" dirty="0" smtClean="0"/>
+              <a:t>channels </a:t>
+            </a:r>
+            <a:r>
+              <a:rPr lang="en-US" dirty="0"/>
+              <a:t>need to calculate </a:t>
+            </a:r>
+            <a:r>
+              <a:rPr lang="en-US" i="1" dirty="0"/>
+              <a:t>CRC24 </a:t>
+            </a:r>
+            <a:r>
+              <a:rPr lang="en-US" dirty="0"/>
+              <a:t>for downlink control information transmission.</a:t>
+            </a:r>
+            <a:endParaRPr lang="en-US" i="1" dirty="0"/>
+          </a:p>
+          <a:p>
+            <a:pPr marL="285750" indent="-285750">
+              <a:buFont typeface="Arial" panose="020B0604020202020204" pitchFamily="34" charset="0"/>
+              <a:buChar char="•"/>
+            </a:pPr>
+            <a:r>
+              <a:rPr lang="en-US" dirty="0"/>
+              <a:t>PUCCH and PUSCH </a:t>
+            </a:r>
+            <a:r>
+              <a:rPr lang="en-US" dirty="0" smtClean="0"/>
+              <a:t>channels calculate </a:t>
+            </a:r>
+            <a:r>
+              <a:rPr lang="en-US" i="1" dirty="0"/>
+              <a:t>CRC6</a:t>
+            </a:r>
+            <a:r>
+              <a:rPr lang="en-US" dirty="0"/>
+              <a:t> or </a:t>
+            </a:r>
+            <a:r>
+              <a:rPr lang="en-US" i="1" dirty="0"/>
+              <a:t>CRC11 </a:t>
+            </a:r>
+            <a:r>
+              <a:rPr lang="en-US" dirty="0"/>
+              <a:t>for CRC check.</a:t>
+            </a:r>
+          </a:p>
+          <a:p>
+            <a:pPr marL="285750" indent="-285750">
+              <a:buFont typeface="Arial" panose="020B0604020202020204" pitchFamily="34" charset="0"/>
+              <a:buChar char="•"/>
+            </a:pPr>
+            <a:r>
+              <a:rPr lang="en-US" dirty="0"/>
+              <a:t>CRC calculation is one of the significant latency contributor to both in encoding and decoding FEC chains</a:t>
+            </a:r>
+            <a:r>
+              <a:rPr lang="en-US" dirty="0" smtClean="0"/>
+              <a:t>.</a:t>
+            </a:r>
+          </a:p>
+          <a:p>
+            <a:pPr marL="285750" indent="-285750">
+              <a:buFont typeface="Arial" panose="020B0604020202020204" pitchFamily="34" charset="0"/>
+              <a:buChar char="•"/>
+            </a:pPr>
+            <a:r>
+              <a:rPr lang="en-US" dirty="0" smtClean="0"/>
+              <a:t>Processing individual bits for CRC calculation is very inefficient.</a:t>
+            </a:r>
+            <a:endParaRPr lang="en-US" dirty="0"/>
+          </a:p>
+          <a:p>
+            <a:pPr marL="285750" indent="-285750">
+              <a:buFont typeface="Arial" panose="020B0604020202020204" pitchFamily="34" charset="0"/>
+              <a:buChar char="•"/>
+            </a:pPr>
+            <a:r>
+              <a:rPr lang="en-US" dirty="0"/>
+              <a:t>Extended </a:t>
+            </a:r>
+            <a:r>
+              <a:rPr lang="en-US" dirty="0" smtClean="0"/>
+              <a:t>the popular </a:t>
+            </a:r>
+            <a:r>
+              <a:rPr lang="en-US" dirty="0"/>
+              <a:t>CRC algorithm</a:t>
+            </a:r>
+            <a:r>
+              <a:rPr lang="en-US" baseline="30000" dirty="0"/>
+              <a:t>[1]</a:t>
+            </a:r>
+            <a:r>
+              <a:rPr lang="en-US" dirty="0"/>
+              <a:t> to calculate CRC24, CRC6 and CRC11 .</a:t>
+            </a:r>
+          </a:p>
+          <a:p>
+            <a:pPr marL="285750" indent="-285750">
+              <a:buFont typeface="Arial" panose="020B0604020202020204" pitchFamily="34" charset="0"/>
+              <a:buChar char="•"/>
+            </a:pPr>
+            <a:r>
+              <a:rPr lang="en-US" dirty="0" smtClean="0"/>
+              <a:t>In this algorithm, 8 </a:t>
+            </a:r>
+            <a:r>
+              <a:rPr lang="en-US" dirty="0"/>
+              <a:t>bits are processed in parallel rather than bit by bit, Reduced CRC calculation latency from 8 </a:t>
+            </a:r>
+            <a:r>
+              <a:rPr lang="el-GR" dirty="0"/>
+              <a:t>μ</a:t>
+            </a:r>
+            <a:r>
+              <a:rPr lang="en-US" dirty="0"/>
+              <a:t>s to 0.8 </a:t>
+            </a:r>
+            <a:r>
+              <a:rPr lang="el-GR" dirty="0"/>
+              <a:t>μ</a:t>
+            </a:r>
+            <a:r>
+              <a:rPr lang="en-US" dirty="0"/>
+              <a:t>s in FEC chain.</a:t>
+            </a:r>
+          </a:p>
+          <a:p>
+            <a:endParaRPr lang="en-US" dirty="0"/>
+          </a:p>
+        </p:txBody>
+      </p:sp>
+      <p:sp>
+        <p:nvSpPr>
+          <p:cNvPr id="3" name="Slide Number Placeholder 2"/>
+          <p:cNvSpPr>
+            <a:spLocks noGrp="1"/>
+          </p:cNvSpPr>
+          <p:nvPr>
+            <p:ph type="sldNum" sz="quarter" idx="11"/>
+          </p:nvPr>
+        </p:nvSpPr>
+        <p:spPr/>
+        <p:txBody>
+          <a:bodyPr/>
+          <a:lstStyle/>
+          <a:p>
+            <a:fld id="{CE58CB1E-F828-4F11-99E0-327109AF9DA4}" type="slidenum">
+              <a:rPr lang="de-DE" smtClean="0"/>
+              <a:pPr/>
+              <a:t>33</a:t>
             </a:fld>
             <a:endParaRPr lang="de-DE" dirty="0"/>
           </a:p>
@@ -25537,7 +30120,7 @@
       </p:sp>
       <p:sp>
         <p:nvSpPr>
-          <p:cNvPr id="422" name="RS_Classification_Standard"/>
+          <p:cNvPr id="476" name="RS_Classification_Standard"/>
           <p:cNvSpPr txBox="1"/>
           <p:nvPr/>
         </p:nvSpPr>
@@ -25593,7 +30176,7 @@
 </p:sld>
 </file>
 
-<file path=ppt/slides/slide33.xml><?xml version="1.0" encoding="utf-8"?>
+<file path=ppt/slides/slide34.xml><?xml version="1.0" encoding="utf-8"?>
 <p:sld xmlns:a="http://schemas.openxmlformats.org/drawingml/2006/main" xmlns:r="http://schemas.openxmlformats.org/officeDocument/2006/relationships" xmlns:p="http://schemas.openxmlformats.org/presentationml/2006/main">
   <p:cSld>
     <p:spTree>
@@ -25740,12 +30323,6 @@
                   </a:rPr>
                   <a:t>is used.</a:t>
                 </a:r>
-              </a:p>
-              <a:p>
-                <a:pPr marL="285750" indent="-285750">
-                  <a:buFont typeface="Arial" panose="020B0604020202020204" pitchFamily="34" charset="0"/>
-                  <a:buChar char="•"/>
-                </a:pPr>
                 <a:endParaRPr lang="en-US" dirty="0">
                   <a:latin typeface="Simplified Arabic Fixed" panose="02070309020205020404" pitchFamily="49" charset="-78"/>
                   <a:cs typeface="Simplified Arabic Fixed" panose="02070309020205020404" pitchFamily="49" charset="-78"/>
@@ -25768,6 +30345,739 @@
                   <a:rPr lang="en-US" dirty="0" smtClean="0"/>
                   <a:t>for better instruction scheduling.</a:t>
                 </a:r>
+              </a:p>
+              <a:p>
+                <a:pPr marL="285750" indent="-285750">
+                  <a:buFont typeface="Arial" panose="020B0604020202020204" pitchFamily="34" charset="0"/>
+                  <a:buChar char="•"/>
+                </a:pPr>
+                <a:endParaRPr lang="en-US" dirty="0"/>
+              </a:p>
+              <a:p>
+                <a:pPr marL="285750" indent="-285750">
+                  <a:buFont typeface="Arial" panose="020B0604020202020204" pitchFamily="34" charset="0"/>
+                  <a:buChar char="•"/>
+                </a:pPr>
+                <a:r>
+                  <a:rPr lang="en-US" dirty="0" smtClean="0"/>
+                  <a:t>Avoiding superfluous copying </a:t>
+                </a:r>
+                <a:r>
+                  <a:rPr lang="en-US" dirty="0" smtClean="0">
+                    <a:solidFill>
+                      <a:prstClr val="black"/>
+                    </a:solidFill>
+                    <a:cs typeface="Simplified Arabic Fixed" panose="02070309020205020404" pitchFamily="49" charset="-78"/>
+                  </a:rPr>
+                  <a:t>by </a:t>
+                </a:r>
+                <a:r>
+                  <a:rPr lang="en-US" dirty="0">
+                    <a:solidFill>
+                      <a:prstClr val="black"/>
+                    </a:solidFill>
+                    <a:cs typeface="Simplified Arabic Fixed" panose="02070309020205020404" pitchFamily="49" charset="-78"/>
+                  </a:rPr>
+                  <a:t>intelligently designing the memory layout of </a:t>
+                </a:r>
+                <a14:m>
+                  <m:oMath xmlns:m="http://schemas.openxmlformats.org/officeDocument/2006/math">
+                    <m:sSub>
+                      <m:sSubPr>
+                        <m:ctrlPr>
+                          <a:rPr lang="en-US" i="1">
+                            <a:solidFill>
+                              <a:prstClr val="black"/>
+                            </a:solidFill>
+                            <a:latin typeface="Cambria Math" panose="02040503050406030204" pitchFamily="18" charset="0"/>
+                          </a:rPr>
+                        </m:ctrlPr>
+                      </m:sSubPr>
+                      <m:e>
+                        <m:r>
+                          <a:rPr lang="en-US" i="1">
+                            <a:solidFill>
+                              <a:prstClr val="black"/>
+                            </a:solidFill>
+                            <a:latin typeface="Cambria Math" panose="02040503050406030204" pitchFamily="18" charset="0"/>
+                            <a:ea typeface="Cambria Math" panose="02040503050406030204" pitchFamily="18" charset="0"/>
+                          </a:rPr>
+                          <m:t>𝛽</m:t>
+                        </m:r>
+                      </m:e>
+                      <m:sub>
+                        <m:sSub>
+                          <m:sSubPr>
+                            <m:ctrlPr>
+                              <a:rPr lang="en-US" i="1">
+                                <a:solidFill>
+                                  <a:prstClr val="black"/>
+                                </a:solidFill>
+                                <a:latin typeface="Cambria Math" panose="02040503050406030204" pitchFamily="18" charset="0"/>
+                              </a:rPr>
+                            </m:ctrlPr>
+                          </m:sSubPr>
+                          <m:e>
+                            <m:r>
+                              <a:rPr lang="en-US" i="1">
+                                <a:solidFill>
+                                  <a:prstClr val="black"/>
+                                </a:solidFill>
+                                <a:latin typeface="Cambria Math" panose="02040503050406030204" pitchFamily="18" charset="0"/>
+                              </a:rPr>
+                              <m:t>𝑣</m:t>
+                            </m:r>
+                          </m:e>
+                          <m:sub>
+                            <m:r>
+                              <a:rPr lang="en-US" i="1">
+                                <a:solidFill>
+                                  <a:prstClr val="black"/>
+                                </a:solidFill>
+                                <a:latin typeface="Cambria Math" panose="02040503050406030204" pitchFamily="18" charset="0"/>
+                              </a:rPr>
+                              <m:t>𝑟</m:t>
+                            </m:r>
+                          </m:sub>
+                        </m:sSub>
+                      </m:sub>
+                    </m:sSub>
+                  </m:oMath>
+                </a14:m>
+                <a:r>
+                  <a:rPr lang="en-US" sz="1400" dirty="0">
+                    <a:solidFill>
+                      <a:prstClr val="black"/>
+                    </a:solidFill>
+                    <a:cs typeface="Simplified Arabic Fixed" panose="02070309020205020404" pitchFamily="49" charset="-78"/>
+                  </a:rPr>
+                  <a:t> so that </a:t>
+                </a:r>
+                <a:r>
+                  <a:rPr lang="en-US" dirty="0">
+                    <a:solidFill>
+                      <a:prstClr val="black"/>
+                    </a:solidFill>
+                    <a:cs typeface="Simplified Arabic Fixed" panose="02070309020205020404" pitchFamily="49" charset="-78"/>
+                  </a:rPr>
+                  <a:t>it is part of </a:t>
+                </a:r>
+                <a14:m>
+                  <m:oMath xmlns:m="http://schemas.openxmlformats.org/officeDocument/2006/math">
+                    <m:sSub>
+                      <m:sSubPr>
+                        <m:ctrlPr>
+                          <a:rPr lang="en-US" i="1">
+                            <a:solidFill>
+                              <a:prstClr val="black"/>
+                            </a:solidFill>
+                            <a:latin typeface="Cambria Math" panose="02040503050406030204" pitchFamily="18" charset="0"/>
+                          </a:rPr>
+                        </m:ctrlPr>
+                      </m:sSubPr>
+                      <m:e>
+                        <m:r>
+                          <a:rPr lang="en-US" i="1">
+                            <a:solidFill>
+                              <a:prstClr val="black"/>
+                            </a:solidFill>
+                            <a:latin typeface="Cambria Math" panose="02040503050406030204" pitchFamily="18" charset="0"/>
+                            <a:ea typeface="Cambria Math" panose="02040503050406030204" pitchFamily="18" charset="0"/>
+                          </a:rPr>
+                          <m:t>𝛽</m:t>
+                        </m:r>
+                      </m:e>
+                      <m:sub>
+                        <m:r>
+                          <a:rPr lang="en-US" i="1">
+                            <a:solidFill>
+                              <a:prstClr val="black"/>
+                            </a:solidFill>
+                            <a:latin typeface="Cambria Math" panose="02040503050406030204" pitchFamily="18" charset="0"/>
+                          </a:rPr>
+                          <m:t>𝑣</m:t>
+                        </m:r>
+                      </m:sub>
+                    </m:sSub>
+                  </m:oMath>
+                </a14:m>
+                <a:r>
+                  <a:rPr lang="en-US" sz="1400" dirty="0">
+                    <a:solidFill>
+                      <a:prstClr val="black"/>
+                    </a:solidFill>
+                    <a:cs typeface="Simplified Arabic Fixed" panose="02070309020205020404" pitchFamily="49" charset="-78"/>
+                  </a:rPr>
+                  <a:t> without explicit copying.</a:t>
+                </a:r>
+              </a:p>
+              <a:p>
+                <a:pPr marL="285750" indent="-285750">
+                  <a:buFont typeface="Arial" panose="020B0604020202020204" pitchFamily="34" charset="0"/>
+                  <a:buChar char="•"/>
+                </a:pPr>
+                <a:endParaRPr lang="en-US" dirty="0" smtClean="0"/>
+              </a:p>
+              <a:p>
+                <a:pPr lvl="2" indent="0">
+                  <a:buNone/>
+                </a:pPr>
+                <a14:m>
+                  <m:oMathPara xmlns:m="http://schemas.openxmlformats.org/officeDocument/2006/math">
+                    <m:oMathParaPr>
+                      <m:jc m:val="left"/>
+                    </m:oMathParaPr>
+                    <m:oMath xmlns:m="http://schemas.openxmlformats.org/officeDocument/2006/math">
+                      <m:sSub>
+                        <m:sSubPr>
+                          <m:ctrlPr>
+                            <a:rPr lang="en-US" i="1">
+                              <a:solidFill>
+                                <a:prstClr val="black"/>
+                              </a:solidFill>
+                              <a:latin typeface="Cambria Math" panose="02040503050406030204" pitchFamily="18" charset="0"/>
+                            </a:rPr>
+                          </m:ctrlPr>
+                        </m:sSubPr>
+                        <m:e>
+                          <m:r>
+                            <a:rPr lang="en-US" i="1">
+                              <a:solidFill>
+                                <a:prstClr val="black"/>
+                              </a:solidFill>
+                              <a:latin typeface="Cambria Math" panose="02040503050406030204" pitchFamily="18" charset="0"/>
+                              <a:ea typeface="Cambria Math" panose="02040503050406030204" pitchFamily="18" charset="0"/>
+                            </a:rPr>
+                            <m:t>𝛽</m:t>
+                          </m:r>
+                        </m:e>
+                        <m:sub>
+                          <m:r>
+                            <a:rPr lang="en-US" i="1">
+                              <a:solidFill>
+                                <a:prstClr val="black"/>
+                              </a:solidFill>
+                              <a:latin typeface="Cambria Math" panose="02040503050406030204" pitchFamily="18" charset="0"/>
+                            </a:rPr>
+                            <m:t>𝑣</m:t>
+                          </m:r>
+                        </m:sub>
+                      </m:sSub>
+                      <m:d>
+                        <m:dPr>
+                          <m:begChr m:val="["/>
+                          <m:endChr m:val="]"/>
+                          <m:ctrlPr>
+                            <a:rPr lang="en-US" i="1">
+                              <a:solidFill>
+                                <a:prstClr val="black"/>
+                              </a:solidFill>
+                              <a:latin typeface="Cambria Math" panose="02040503050406030204" pitchFamily="18" charset="0"/>
+                            </a:rPr>
+                          </m:ctrlPr>
+                        </m:dPr>
+                        <m:e>
+                          <m:r>
+                            <a:rPr lang="en-US" i="1">
+                              <a:solidFill>
+                                <a:prstClr val="black"/>
+                              </a:solidFill>
+                              <a:latin typeface="Cambria Math" panose="02040503050406030204" pitchFamily="18" charset="0"/>
+                            </a:rPr>
+                            <m:t>𝑖</m:t>
+                          </m:r>
+                        </m:e>
+                      </m:d>
+                      <m:r>
+                        <a:rPr lang="en-US" i="1">
+                          <a:solidFill>
+                            <a:prstClr val="black"/>
+                          </a:solidFill>
+                          <a:latin typeface="Cambria Math" panose="02040503050406030204" pitchFamily="18" charset="0"/>
+                        </a:rPr>
+                        <m:t> = </m:t>
+                      </m:r>
+                      <m:d>
+                        <m:dPr>
+                          <m:begChr m:val="{"/>
+                          <m:endChr m:val=""/>
+                          <m:ctrlPr>
+                            <a:rPr lang="en-US" i="1">
+                              <a:solidFill>
+                                <a:prstClr val="black"/>
+                              </a:solidFill>
+                              <a:latin typeface="Cambria Math" panose="02040503050406030204" pitchFamily="18" charset="0"/>
+                            </a:rPr>
+                          </m:ctrlPr>
+                        </m:dPr>
+                        <m:e>
+                          <m:eqArr>
+                            <m:eqArrPr>
+                              <m:ctrlPr>
+                                <a:rPr lang="en-US" i="1">
+                                  <a:solidFill>
+                                    <a:prstClr val="black"/>
+                                  </a:solidFill>
+                                  <a:latin typeface="Cambria Math" panose="02040503050406030204" pitchFamily="18" charset="0"/>
+                                </a:rPr>
+                              </m:ctrlPr>
+                            </m:eqArrPr>
+                            <m:e>
+                              <m:sSub>
+                                <m:sSubPr>
+                                  <m:ctrlPr>
+                                    <a:rPr lang="en-US" i="1">
+                                      <a:solidFill>
+                                        <a:prstClr val="black"/>
+                                      </a:solidFill>
+                                      <a:latin typeface="Cambria Math" panose="02040503050406030204" pitchFamily="18" charset="0"/>
+                                    </a:rPr>
+                                  </m:ctrlPr>
+                                </m:sSubPr>
+                                <m:e>
+                                  <m:r>
+                                    <a:rPr lang="en-US" i="1">
+                                      <a:solidFill>
+                                        <a:prstClr val="black"/>
+                                      </a:solidFill>
+                                      <a:latin typeface="Cambria Math" panose="02040503050406030204" pitchFamily="18" charset="0"/>
+                                      <a:ea typeface="Cambria Math" panose="02040503050406030204" pitchFamily="18" charset="0"/>
+                                    </a:rPr>
+                                    <m:t>𝛽</m:t>
+                                  </m:r>
+                                </m:e>
+                                <m:sub>
+                                  <m:sSub>
+                                    <m:sSubPr>
+                                      <m:ctrlPr>
+                                        <a:rPr lang="en-US" i="1">
+                                          <a:solidFill>
+                                            <a:prstClr val="black"/>
+                                          </a:solidFill>
+                                          <a:latin typeface="Cambria Math" panose="02040503050406030204" pitchFamily="18" charset="0"/>
+                                        </a:rPr>
+                                      </m:ctrlPr>
+                                    </m:sSubPr>
+                                    <m:e>
+                                      <m:r>
+                                        <a:rPr lang="en-US" i="1">
+                                          <a:solidFill>
+                                            <a:prstClr val="black"/>
+                                          </a:solidFill>
+                                          <a:latin typeface="Cambria Math" panose="02040503050406030204" pitchFamily="18" charset="0"/>
+                                        </a:rPr>
+                                        <m:t>𝑣</m:t>
+                                      </m:r>
+                                    </m:e>
+                                    <m:sub>
+                                      <m:r>
+                                        <a:rPr lang="en-US" i="1">
+                                          <a:solidFill>
+                                            <a:prstClr val="black"/>
+                                          </a:solidFill>
+                                          <a:latin typeface="Cambria Math" panose="02040503050406030204" pitchFamily="18" charset="0"/>
+                                        </a:rPr>
+                                        <m:t>𝑙</m:t>
+                                      </m:r>
+                                    </m:sub>
+                                  </m:sSub>
+                                </m:sub>
+                              </m:sSub>
+                              <m:r>
+                                <a:rPr lang="en-US" i="1">
+                                  <a:solidFill>
+                                    <a:prstClr val="black"/>
+                                  </a:solidFill>
+                                  <a:latin typeface="Cambria Math" panose="02040503050406030204" pitchFamily="18" charset="0"/>
+                                </a:rPr>
+                                <m:t>[</m:t>
+                              </m:r>
+                              <m:r>
+                                <a:rPr lang="en-US" i="1">
+                                  <a:solidFill>
+                                    <a:prstClr val="black"/>
+                                  </a:solidFill>
+                                  <a:latin typeface="Cambria Math" panose="02040503050406030204" pitchFamily="18" charset="0"/>
+                                </a:rPr>
+                                <m:t>𝑖</m:t>
+                              </m:r>
+                              <m:r>
+                                <a:rPr lang="en-US" i="1">
+                                  <a:solidFill>
+                                    <a:prstClr val="black"/>
+                                  </a:solidFill>
+                                  <a:latin typeface="Cambria Math" panose="02040503050406030204" pitchFamily="18" charset="0"/>
+                                </a:rPr>
+                                <m:t>] ⨁</m:t>
+                              </m:r>
+                              <m:sSub>
+                                <m:sSubPr>
+                                  <m:ctrlPr>
+                                    <a:rPr lang="en-US" i="1">
+                                      <a:solidFill>
+                                        <a:prstClr val="black"/>
+                                      </a:solidFill>
+                                      <a:latin typeface="Cambria Math" panose="02040503050406030204" pitchFamily="18" charset="0"/>
+                                    </a:rPr>
+                                  </m:ctrlPr>
+                                </m:sSubPr>
+                                <m:e>
+                                  <m:r>
+                                    <a:rPr lang="en-US" i="1">
+                                      <a:solidFill>
+                                        <a:prstClr val="black"/>
+                                      </a:solidFill>
+                                      <a:latin typeface="Cambria Math" panose="02040503050406030204" pitchFamily="18" charset="0"/>
+                                      <a:ea typeface="Cambria Math" panose="02040503050406030204" pitchFamily="18" charset="0"/>
+                                    </a:rPr>
+                                    <m:t>𝛽</m:t>
+                                  </m:r>
+                                </m:e>
+                                <m:sub>
+                                  <m:sSub>
+                                    <m:sSubPr>
+                                      <m:ctrlPr>
+                                        <a:rPr lang="en-US" i="1">
+                                          <a:solidFill>
+                                            <a:prstClr val="black"/>
+                                          </a:solidFill>
+                                          <a:latin typeface="Cambria Math" panose="02040503050406030204" pitchFamily="18" charset="0"/>
+                                        </a:rPr>
+                                      </m:ctrlPr>
+                                    </m:sSubPr>
+                                    <m:e>
+                                      <m:r>
+                                        <a:rPr lang="en-US" i="1">
+                                          <a:solidFill>
+                                            <a:prstClr val="black"/>
+                                          </a:solidFill>
+                                          <a:latin typeface="Cambria Math" panose="02040503050406030204" pitchFamily="18" charset="0"/>
+                                        </a:rPr>
+                                        <m:t>𝑣</m:t>
+                                      </m:r>
+                                    </m:e>
+                                    <m:sub>
+                                      <m:r>
+                                        <a:rPr lang="en-US" i="1">
+                                          <a:solidFill>
+                                            <a:prstClr val="black"/>
+                                          </a:solidFill>
+                                          <a:latin typeface="Cambria Math" panose="02040503050406030204" pitchFamily="18" charset="0"/>
+                                        </a:rPr>
+                                        <m:t>𝑟</m:t>
+                                      </m:r>
+                                    </m:sub>
+                                  </m:sSub>
+                                </m:sub>
+                              </m:sSub>
+                              <m:d>
+                                <m:dPr>
+                                  <m:begChr m:val="["/>
+                                  <m:endChr m:val="]"/>
+                                  <m:ctrlPr>
+                                    <a:rPr lang="en-US" i="1">
+                                      <a:solidFill>
+                                        <a:prstClr val="black"/>
+                                      </a:solidFill>
+                                      <a:latin typeface="Cambria Math" panose="02040503050406030204" pitchFamily="18" charset="0"/>
+                                    </a:rPr>
+                                  </m:ctrlPr>
+                                </m:dPr>
+                                <m:e>
+                                  <m:r>
+                                    <a:rPr lang="en-US" i="1">
+                                      <a:solidFill>
+                                        <a:prstClr val="black"/>
+                                      </a:solidFill>
+                                      <a:latin typeface="Cambria Math" panose="02040503050406030204" pitchFamily="18" charset="0"/>
+                                    </a:rPr>
+                                    <m:t>𝑖</m:t>
+                                  </m:r>
+                                </m:e>
+                              </m:d>
+                              <m:r>
+                                <a:rPr lang="en-US" i="1">
+                                  <a:solidFill>
+                                    <a:prstClr val="black"/>
+                                  </a:solidFill>
+                                  <a:latin typeface="Cambria Math" panose="02040503050406030204" pitchFamily="18" charset="0"/>
+                                </a:rPr>
+                                <m:t> </m:t>
+                              </m:r>
+                              <m:r>
+                                <a:rPr lang="en-US" i="1">
+                                  <a:solidFill>
+                                    <a:prstClr val="black"/>
+                                  </a:solidFill>
+                                  <a:latin typeface="Cambria Math" panose="02040503050406030204" pitchFamily="18" charset="0"/>
+                                </a:rPr>
+                                <m:t>     </m:t>
+                              </m:r>
+                              <m:r>
+                                <a:rPr lang="en-US" i="1" dirty="0">
+                                  <a:solidFill>
+                                    <a:prstClr val="black"/>
+                                  </a:solidFill>
+                                  <a:latin typeface="Cambria Math" panose="02040503050406030204" pitchFamily="18" charset="0"/>
+                                </a:rPr>
+                                <m:t>0</m:t>
+                              </m:r>
+                              <m:r>
+                                <a:rPr lang="en-US" i="1" dirty="0">
+                                  <a:solidFill>
+                                    <a:prstClr val="black"/>
+                                  </a:solidFill>
+                                  <a:latin typeface="Cambria Math" panose="02040503050406030204" pitchFamily="18" charset="0"/>
+                                  <a:ea typeface="Cambria Math" panose="02040503050406030204" pitchFamily="18" charset="0"/>
+                                </a:rPr>
+                                <m:t>≤</m:t>
+                              </m:r>
+                              <m:r>
+                                <a:rPr lang="en-US" i="1" dirty="0" err="1">
+                                  <a:solidFill>
+                                    <a:prstClr val="black"/>
+                                  </a:solidFill>
+                                  <a:latin typeface="Cambria Math" panose="02040503050406030204" pitchFamily="18" charset="0"/>
+                                </a:rPr>
+                                <m:t>𝑖</m:t>
+                              </m:r>
+                              <m:r>
+                                <a:rPr lang="en-US" i="1" dirty="0">
+                                  <a:solidFill>
+                                    <a:prstClr val="black"/>
+                                  </a:solidFill>
+                                  <a:latin typeface="Cambria Math" panose="02040503050406030204" pitchFamily="18" charset="0"/>
+                                </a:rPr>
+                                <m:t>&lt;</m:t>
+                              </m:r>
+                              <m:f>
+                                <m:fPr>
+                                  <m:type m:val="lin"/>
+                                  <m:ctrlPr>
+                                    <a:rPr lang="en-US" i="1" dirty="0">
+                                      <a:solidFill>
+                                        <a:prstClr val="black"/>
+                                      </a:solidFill>
+                                      <a:latin typeface="Cambria Math" panose="02040503050406030204" pitchFamily="18" charset="0"/>
+                                    </a:rPr>
+                                  </m:ctrlPr>
+                                </m:fPr>
+                                <m:num>
+                                  <m:sSub>
+                                    <m:sSubPr>
+                                      <m:ctrlPr>
+                                        <a:rPr lang="en-US" i="1">
+                                          <a:solidFill>
+                                            <a:prstClr val="black"/>
+                                          </a:solidFill>
+                                          <a:latin typeface="Cambria Math" panose="02040503050406030204" pitchFamily="18" charset="0"/>
+                                        </a:rPr>
+                                      </m:ctrlPr>
+                                    </m:sSubPr>
+                                    <m:e>
+                                      <m:r>
+                                        <a:rPr lang="en-US" i="1">
+                                          <a:solidFill>
+                                            <a:prstClr val="black"/>
+                                          </a:solidFill>
+                                          <a:latin typeface="Cambria Math" panose="02040503050406030204" pitchFamily="18" charset="0"/>
+                                        </a:rPr>
+                                        <m:t>𝑁</m:t>
+                                      </m:r>
+                                    </m:e>
+                                    <m:sub>
+                                      <m:r>
+                                        <a:rPr lang="en-US" i="1">
+                                          <a:solidFill>
+                                            <a:prstClr val="black"/>
+                                          </a:solidFill>
+                                          <a:latin typeface="Cambria Math" panose="02040503050406030204" pitchFamily="18" charset="0"/>
+                                        </a:rPr>
+                                        <m:t>𝑣</m:t>
+                                      </m:r>
+                                    </m:sub>
+                                  </m:sSub>
+                                </m:num>
+                                <m:den>
+                                  <m:r>
+                                    <a:rPr lang="en-US" i="1" dirty="0">
+                                      <a:solidFill>
+                                        <a:prstClr val="black"/>
+                                      </a:solidFill>
+                                      <a:latin typeface="Cambria Math" panose="02040503050406030204" pitchFamily="18" charset="0"/>
+                                    </a:rPr>
+                                    <m:t>2</m:t>
+                                  </m:r>
+                                </m:den>
+                              </m:f>
+                            </m:e>
+                            <m:e>
+                              <m:sSub>
+                                <m:sSubPr>
+                                  <m:ctrlPr>
+                                    <a:rPr lang="en-US" i="1">
+                                      <a:solidFill>
+                                        <a:prstClr val="black"/>
+                                      </a:solidFill>
+                                      <a:latin typeface="Cambria Math" panose="02040503050406030204" pitchFamily="18" charset="0"/>
+                                    </a:rPr>
+                                  </m:ctrlPr>
+                                </m:sSubPr>
+                                <m:e>
+                                  <m:r>
+                                    <a:rPr lang="en-US" i="1">
+                                      <a:solidFill>
+                                        <a:prstClr val="black"/>
+                                      </a:solidFill>
+                                      <a:latin typeface="Cambria Math" panose="02040503050406030204" pitchFamily="18" charset="0"/>
+                                    </a:rPr>
+                                    <m:t> </m:t>
+                                  </m:r>
+                                  <m:r>
+                                    <a:rPr lang="en-US" i="1">
+                                      <a:solidFill>
+                                        <a:prstClr val="black"/>
+                                      </a:solidFill>
+                                      <a:latin typeface="Cambria Math" panose="02040503050406030204" pitchFamily="18" charset="0"/>
+                                      <a:ea typeface="Cambria Math" panose="02040503050406030204" pitchFamily="18" charset="0"/>
+                                    </a:rPr>
+                                    <m:t>𝛽</m:t>
+                                  </m:r>
+                                </m:e>
+                                <m:sub>
+                                  <m:sSub>
+                                    <m:sSubPr>
+                                      <m:ctrlPr>
+                                        <a:rPr lang="en-US" i="1">
+                                          <a:solidFill>
+                                            <a:prstClr val="black"/>
+                                          </a:solidFill>
+                                          <a:latin typeface="Cambria Math" panose="02040503050406030204" pitchFamily="18" charset="0"/>
+                                        </a:rPr>
+                                      </m:ctrlPr>
+                                    </m:sSubPr>
+                                    <m:e>
+                                      <m:r>
+                                        <a:rPr lang="en-US" i="1">
+                                          <a:solidFill>
+                                            <a:prstClr val="black"/>
+                                          </a:solidFill>
+                                          <a:latin typeface="Cambria Math" panose="02040503050406030204" pitchFamily="18" charset="0"/>
+                                        </a:rPr>
+                                        <m:t>𝑣</m:t>
+                                      </m:r>
+                                    </m:e>
+                                    <m:sub>
+                                      <m:r>
+                                        <a:rPr lang="en-US" i="1">
+                                          <a:solidFill>
+                                            <a:prstClr val="black"/>
+                                          </a:solidFill>
+                                          <a:latin typeface="Cambria Math" panose="02040503050406030204" pitchFamily="18" charset="0"/>
+                                        </a:rPr>
+                                        <m:t>𝑟</m:t>
+                                      </m:r>
+                                    </m:sub>
+                                  </m:sSub>
+                                </m:sub>
+                              </m:sSub>
+                              <m:d>
+                                <m:dPr>
+                                  <m:begChr m:val="["/>
+                                  <m:endChr m:val="]"/>
+                                  <m:ctrlPr>
+                                    <a:rPr lang="en-US" i="1">
+                                      <a:solidFill>
+                                        <a:prstClr val="black"/>
+                                      </a:solidFill>
+                                      <a:latin typeface="Cambria Math" panose="02040503050406030204" pitchFamily="18" charset="0"/>
+                                    </a:rPr>
+                                  </m:ctrlPr>
+                                </m:dPr>
+                                <m:e>
+                                  <m:r>
+                                    <a:rPr lang="en-US" i="1">
+                                      <a:solidFill>
+                                        <a:prstClr val="black"/>
+                                      </a:solidFill>
+                                      <a:latin typeface="Cambria Math" panose="02040503050406030204" pitchFamily="18" charset="0"/>
+                                    </a:rPr>
+                                    <m:t>𝑖</m:t>
+                                  </m:r>
+                                </m:e>
+                              </m:d>
+                              <m:r>
+                                <a:rPr lang="en-US" i="1">
+                                  <a:solidFill>
+                                    <a:prstClr val="black"/>
+                                  </a:solidFill>
+                                  <a:latin typeface="Cambria Math" panose="02040503050406030204" pitchFamily="18" charset="0"/>
+                                </a:rPr>
+                                <m:t>              </m:t>
+                              </m:r>
+                              <m:r>
+                                <a:rPr lang="en-US" i="1">
+                                  <a:solidFill>
+                                    <a:prstClr val="black"/>
+                                  </a:solidFill>
+                                  <a:latin typeface="Cambria Math" panose="02040503050406030204" pitchFamily="18" charset="0"/>
+                                </a:rPr>
+                                <m:t>  </m:t>
+                              </m:r>
+                              <m:r>
+                                <a:rPr lang="en-US" i="1">
+                                  <a:solidFill>
+                                    <a:prstClr val="black"/>
+                                  </a:solidFill>
+                                  <a:latin typeface="Cambria Math" panose="02040503050406030204" pitchFamily="18" charset="0"/>
+                                  <a:ea typeface="Cambria Math" panose="02040503050406030204" pitchFamily="18" charset="0"/>
+                                </a:rPr>
+                                <m:t>∕</m:t>
+                              </m:r>
+                              <m:r>
+                                <a:rPr lang="en-US" i="1">
+                                  <a:solidFill>
+                                    <a:prstClr val="black"/>
+                                  </a:solidFill>
+                                  <a:latin typeface="Cambria Math" panose="02040503050406030204" pitchFamily="18" charset="0"/>
+                                  <a:ea typeface="Cambria Math" panose="02040503050406030204" pitchFamily="18" charset="0"/>
+                                </a:rPr>
+                                <m:t>∕</m:t>
+                              </m:r>
+                              <m:r>
+                                <a:rPr lang="en-US" i="1">
+                                  <a:solidFill>
+                                    <a:prstClr val="black"/>
+                                  </a:solidFill>
+                                  <a:latin typeface="Cambria Math" panose="02040503050406030204" pitchFamily="18" charset="0"/>
+                                </a:rPr>
+                                <m:t>𝐽𝑢𝑠𝑡</m:t>
+                              </m:r>
+                              <m:r>
+                                <a:rPr lang="en-US" i="1">
+                                  <a:solidFill>
+                                    <a:prstClr val="black"/>
+                                  </a:solidFill>
+                                  <a:latin typeface="Cambria Math" panose="02040503050406030204" pitchFamily="18" charset="0"/>
+                                </a:rPr>
+                                <m:t> </m:t>
+                              </m:r>
+                              <m:r>
+                                <a:rPr lang="en-US" i="1">
+                                  <a:solidFill>
+                                    <a:prstClr val="black"/>
+                                  </a:solidFill>
+                                  <a:latin typeface="Cambria Math" panose="02040503050406030204" pitchFamily="18" charset="0"/>
+                                </a:rPr>
+                                <m:t>𝑐𝑜𝑝𝑦𝑖𝑛𝑔</m:t>
+                              </m:r>
+                            </m:e>
+                          </m:eqArr>
+                        </m:e>
+                      </m:d>
+                    </m:oMath>
+                  </m:oMathPara>
+                </a14:m>
                 <a:endParaRPr lang="en-US" dirty="0"/>
               </a:p>
               <a:p>
@@ -25799,7 +31109,7 @@
               <a:blipFill>
                 <a:blip r:embed="rId3"/>
                 <a:stretch>
-                  <a:fillRect l="-1361" t="-1038" r="-788"/>
+                  <a:fillRect l="-1361" t="-1038" r="-860"/>
                 </a:stretch>
               </a:blipFill>
             </p:spPr>
@@ -25836,7 +31146,7 @@
             <a:fld id="{CE58CB1E-F828-4F11-99E0-327109AF9DA4}" type="slidenum">
               <a:rPr lang="de-DE" smtClean="0"/>
               <a:pPr/>
-              <a:t>33</a:t>
+              <a:t>34</a:t>
             </a:fld>
             <a:endParaRPr lang="de-DE" dirty="0"/>
           </a:p>
@@ -25875,7 +31185,7 @@
       </p:sp>
       <p:sp>
         <p:nvSpPr>
-          <p:cNvPr id="453" name="RS_Classification_Standard"/>
+          <p:cNvPr id="507" name="RS_Classification_Standard"/>
           <p:cNvSpPr txBox="1"/>
           <p:nvPr/>
         </p:nvSpPr>
@@ -25931,7 +31241,7 @@
 </p:sld>
 </file>
 
-<file path=ppt/slides/slide34.xml><?xml version="1.0" encoding="utf-8"?>
+<file path=ppt/slides/slide35.xml><?xml version="1.0" encoding="utf-8"?>
 <p:sld xmlns:a="http://schemas.openxmlformats.org/drawingml/2006/main" xmlns:r="http://schemas.openxmlformats.org/officeDocument/2006/relationships" xmlns:p="http://schemas.openxmlformats.org/presentationml/2006/main">
   <p:cSld>
     <p:spTree>
@@ -26070,7 +31380,7 @@
             <a:fld id="{CE58CB1E-F828-4F11-99E0-327109AF9DA4}" type="slidenum">
               <a:rPr lang="de-DE" smtClean="0"/>
               <a:pPr/>
-              <a:t>34</a:t>
+              <a:t>35</a:t>
             </a:fld>
             <a:endParaRPr lang="de-DE" dirty="0"/>
           </a:p>
@@ -27411,7 +32721,7 @@
       </p:sp>
       <p:sp>
         <p:nvSpPr>
-          <p:cNvPr id="398" name="RS_Classification_Standard"/>
+          <p:cNvPr id="452" name="RS_Classification_Standard"/>
           <p:cNvSpPr txBox="1"/>
           <p:nvPr/>
         </p:nvSpPr>
@@ -27451,236 +32761,6 @@
     <p:extLst>
       <p:ext uri="{BB962C8B-B14F-4D97-AF65-F5344CB8AC3E}">
         <p14:creationId xmlns:p14="http://schemas.microsoft.com/office/powerpoint/2010/main" val="1421144252"/>
-      </p:ext>
-    </p:extLst>
-  </p:cSld>
-  <p:clrMapOvr>
-    <a:masterClrMapping/>
-  </p:clrMapOvr>
-  <p:timing>
-    <p:tnLst>
-      <p:par>
-        <p:cTn id="1" dur="indefinite" restart="never" nodeType="tmRoot"/>
-      </p:par>
-    </p:tnLst>
-  </p:timing>
-</p:sld>
-</file>
-
-<file path=ppt/slides/slide35.xml><?xml version="1.0" encoding="utf-8"?>
-<p:sld xmlns:a="http://schemas.openxmlformats.org/drawingml/2006/main" xmlns:r="http://schemas.openxmlformats.org/officeDocument/2006/relationships" xmlns:p="http://schemas.openxmlformats.org/presentationml/2006/main">
-  <p:cSld>
-    <p:spTree>
-      <p:nvGrpSpPr>
-        <p:cNvPr id="1" name=""/>
-        <p:cNvGrpSpPr/>
-        <p:nvPr/>
-      </p:nvGrpSpPr>
-      <p:grpSpPr>
-        <a:xfrm>
-          <a:off x="0" y="0"/>
-          <a:ext cx="0" cy="0"/>
-          <a:chOff x="0" y="0"/>
-          <a:chExt cx="0" cy="0"/>
-        </a:xfrm>
-      </p:grpSpPr>
-      <p:sp>
-        <p:nvSpPr>
-          <p:cNvPr id="2" name="Content Placeholder 1"/>
-          <p:cNvSpPr>
-            <a:spLocks noGrp="1"/>
-          </p:cNvSpPr>
-          <p:nvPr>
-            <p:ph idx="1"/>
-          </p:nvPr>
-        </p:nvSpPr>
-        <p:spPr>
-          <a:xfrm>
-            <a:off x="319090" y="1434239"/>
-            <a:ext cx="8508999" cy="4699572"/>
-          </a:xfrm>
-        </p:spPr>
-        <p:txBody>
-          <a:bodyPr/>
-          <a:lstStyle/>
-          <a:p>
-            <a:pPr marL="285750" indent="-285750">
-              <a:buFont typeface="Arial" panose="020B0604020202020204" pitchFamily="34" charset="0"/>
-              <a:buChar char="•"/>
-            </a:pPr>
-            <a:endParaRPr lang="en-US" dirty="0"/>
-          </a:p>
-          <a:p>
-            <a:pPr marL="285750" indent="-285750">
-              <a:buFont typeface="Arial" panose="020B0604020202020204" pitchFamily="34" charset="0"/>
-              <a:buChar char="•"/>
-            </a:pPr>
-            <a:r>
-              <a:rPr lang="en-US" dirty="0"/>
-              <a:t>Both encoding and decoding FEC chains are efficiently implemented through both algorithmic and software optimizations</a:t>
-            </a:r>
-          </a:p>
-          <a:p>
-            <a:pPr marL="285750" indent="-285750">
-              <a:buFont typeface="Arial" panose="020B0604020202020204" pitchFamily="34" charset="0"/>
-              <a:buChar char="•"/>
-            </a:pPr>
-            <a:r>
-              <a:rPr lang="en-US" dirty="0"/>
-              <a:t>Optimized implementation exploits the features provided by modern processors such SIMD, Cache prefetching et cetera.</a:t>
-            </a:r>
-          </a:p>
-          <a:p>
-            <a:pPr marL="285750" indent="-285750">
-              <a:buFont typeface="Arial" panose="020B0604020202020204" pitchFamily="34" charset="0"/>
-              <a:buChar char="•"/>
-            </a:pPr>
-            <a:endParaRPr lang="en-US" dirty="0"/>
-          </a:p>
-          <a:p>
-            <a:pPr marL="285750" indent="-285750">
-              <a:buFont typeface="Arial" panose="020B0604020202020204" pitchFamily="34" charset="0"/>
-              <a:buChar char="•"/>
-            </a:pPr>
-            <a:r>
-              <a:rPr lang="en-US" dirty="0"/>
-              <a:t>This work achieved latency requirements encoding and decoding FEC chains of 5G through software implementation.</a:t>
-            </a:r>
-          </a:p>
-          <a:p>
-            <a:pPr marL="285750" indent="-285750">
-              <a:buFont typeface="Arial" panose="020B0604020202020204" pitchFamily="34" charset="0"/>
-              <a:buChar char="•"/>
-            </a:pPr>
-            <a:r>
-              <a:rPr lang="en-US" dirty="0"/>
-              <a:t>Efficient implementation and </a:t>
-            </a:r>
-            <a:r>
-              <a:rPr lang="en-US" dirty="0" smtClean="0"/>
-              <a:t>optimizations </a:t>
-            </a:r>
-            <a:r>
-              <a:rPr lang="en-US" dirty="0"/>
-              <a:t>reduced the latency by 10x.</a:t>
-            </a:r>
-          </a:p>
-          <a:p>
-            <a:pPr marL="285750" indent="-285750">
-              <a:buFont typeface="Arial" panose="020B0604020202020204" pitchFamily="34" charset="0"/>
-              <a:buChar char="•"/>
-            </a:pPr>
-            <a:endParaRPr lang="en-US" dirty="0"/>
-          </a:p>
-          <a:p>
-            <a:pPr marL="285750" indent="-285750">
-              <a:buFont typeface="Arial" panose="020B0604020202020204" pitchFamily="34" charset="0"/>
-              <a:buChar char="•"/>
-            </a:pPr>
-            <a:endParaRPr lang="en-US" dirty="0"/>
-          </a:p>
-          <a:p>
-            <a:endParaRPr lang="en-US" dirty="0"/>
-          </a:p>
-        </p:txBody>
-      </p:sp>
-      <p:sp>
-        <p:nvSpPr>
-          <p:cNvPr id="3" name="Slide Number Placeholder 2"/>
-          <p:cNvSpPr>
-            <a:spLocks noGrp="1"/>
-          </p:cNvSpPr>
-          <p:nvPr>
-            <p:ph type="sldNum" sz="quarter" idx="11"/>
-          </p:nvPr>
-        </p:nvSpPr>
-        <p:spPr/>
-        <p:txBody>
-          <a:bodyPr/>
-          <a:lstStyle/>
-          <a:p>
-            <a:fld id="{CE58CB1E-F828-4F11-99E0-327109AF9DA4}" type="slidenum">
-              <a:rPr lang="de-DE" smtClean="0"/>
-              <a:pPr/>
-              <a:t>35</a:t>
-            </a:fld>
-            <a:endParaRPr lang="de-DE" dirty="0"/>
-          </a:p>
-        </p:txBody>
-      </p:sp>
-      <p:sp>
-        <p:nvSpPr>
-          <p:cNvPr id="4" name="Title 3"/>
-          <p:cNvSpPr>
-            <a:spLocks noGrp="1"/>
-          </p:cNvSpPr>
-          <p:nvPr>
-            <p:ph type="title"/>
-          </p:nvPr>
-        </p:nvSpPr>
-        <p:spPr>
-          <a:xfrm>
-            <a:off x="319090" y="684368"/>
-            <a:ext cx="8508999" cy="410369"/>
-          </a:xfrm>
-        </p:spPr>
-        <p:txBody>
-          <a:bodyPr/>
-          <a:lstStyle/>
-          <a:p>
-            <a:r>
-              <a:rPr lang="en-US" dirty="0">
-                <a:solidFill>
-                  <a:schemeClr val="bg2"/>
-                </a:solidFill>
-              </a:rPr>
-              <a:t>Conclusion</a:t>
-            </a:r>
-          </a:p>
-        </p:txBody>
-      </p:sp>
-      <p:sp>
-        <p:nvSpPr>
-          <p:cNvPr id="453" name="RS_Classification_Standard"/>
-          <p:cNvSpPr txBox="1"/>
-          <p:nvPr/>
-        </p:nvSpPr>
-        <p:spPr>
-          <a:xfrm>
-            <a:off x="8990047" y="6187613"/>
-            <a:ext cx="153953" cy="251287"/>
-          </a:xfrm>
-          <a:prstGeom prst="rect">
-            <a:avLst/>
-          </a:prstGeom>
-          <a:solidFill>
-            <a:srgbClr val="FFFFFF">
-              <a:alpha val="0"/>
-            </a:srgbClr>
-          </a:solidFill>
-        </p:spPr>
-        <p:txBody>
-          <a:bodyPr vert="horz" wrap="none" lIns="76200" tIns="36830" rIns="76200" bIns="36830" rtlCol="0" anchor="ctr">
-            <a:spAutoFit/>
-          </a:bodyPr>
-          <a:lstStyle/>
-          <a:p>
-            <a:endParaRPr lang="en-US" sz="1100" b="1" kern="900" spc="100" dirty="0" err="1" smtClean="0">
-              <a:solidFill>
-                <a:srgbClr val="000000"/>
-              </a:solidFill>
-              <a:latin typeface="+mn-lt"/>
-            </a:endParaRPr>
-          </a:p>
-        </p:txBody>
-      </p:sp>
-    </p:spTree>
-    <p:custDataLst>
-      <p:tags r:id="rId1"/>
-    </p:custDataLst>
-    <p:extLst>
-      <p:ext uri="{BB962C8B-B14F-4D97-AF65-F5344CB8AC3E}">
-        <p14:creationId xmlns:p14="http://schemas.microsoft.com/office/powerpoint/2010/main" val="1356943978"/>
       </p:ext>
     </p:extLst>
   </p:cSld>
@@ -27724,85 +32804,15 @@
             <p:ph idx="1"/>
           </p:nvPr>
         </p:nvSpPr>
-        <p:spPr/>
+        <p:spPr>
+          <a:xfrm>
+            <a:off x="319090" y="1434239"/>
+            <a:ext cx="8508999" cy="4699572"/>
+          </a:xfrm>
+        </p:spPr>
         <p:txBody>
           <a:bodyPr/>
           <a:lstStyle/>
-          <a:p>
-            <a:pPr marL="285750" indent="-285750">
-              <a:buFont typeface="Arial" panose="020B0604020202020204" pitchFamily="34" charset="0"/>
-              <a:buChar char="•"/>
-            </a:pPr>
-            <a:r>
-              <a:rPr lang="en-US" dirty="0"/>
-              <a:t>As part of this </a:t>
-            </a:r>
-            <a:r>
-              <a:rPr lang="en-US" dirty="0" smtClean="0"/>
-              <a:t>work, </a:t>
-            </a:r>
-            <a:r>
-              <a:rPr lang="en-US" dirty="0"/>
-              <a:t>another decoding algorithm, CRC aided Successive Cancellation List (</a:t>
-            </a:r>
-            <a:r>
-              <a:rPr lang="en-US" i="1" dirty="0"/>
-              <a:t>CA-SCL</a:t>
-            </a:r>
-            <a:r>
-              <a:rPr lang="en-US" dirty="0"/>
-              <a:t>) algorithm is also implemented. However it is not optimized.</a:t>
-            </a:r>
-          </a:p>
-          <a:p>
-            <a:pPr marL="285750" indent="-285750">
-              <a:buFont typeface="Arial" panose="020B0604020202020204" pitchFamily="34" charset="0"/>
-              <a:buChar char="•"/>
-            </a:pPr>
-            <a:r>
-              <a:rPr lang="en-US" i="1" dirty="0"/>
-              <a:t>CA-SCL </a:t>
-            </a:r>
-            <a:r>
-              <a:rPr lang="en-US" dirty="0"/>
-              <a:t>algorithm has approximately 1.5dB gain over </a:t>
-            </a:r>
-            <a:r>
-              <a:rPr lang="en-US" i="1" dirty="0"/>
-              <a:t>fast-SSC </a:t>
-            </a:r>
-            <a:r>
-              <a:rPr lang="en-US" dirty="0"/>
-              <a:t>algorithm for N = 2048 and list size of </a:t>
-            </a:r>
-            <a:r>
-              <a:rPr lang="en-US" dirty="0" smtClean="0"/>
-              <a:t>8 [1].</a:t>
-            </a:r>
-            <a:endParaRPr lang="en-US" i="1" dirty="0"/>
-          </a:p>
-          <a:p>
-            <a:pPr marL="285750" indent="-285750">
-              <a:buFont typeface="Arial" panose="020B0604020202020204" pitchFamily="34" charset="0"/>
-              <a:buChar char="•"/>
-            </a:pPr>
-            <a:r>
-              <a:rPr lang="en-US" dirty="0"/>
-              <a:t>Ideal continuation of this work would be to extend decoding FEC chain by incorporating </a:t>
-            </a:r>
-            <a:r>
-              <a:rPr lang="en-US" dirty="0" smtClean="0"/>
-              <a:t>optimized </a:t>
-            </a:r>
-            <a:r>
-              <a:rPr lang="en-US" i="1" dirty="0" smtClean="0"/>
-              <a:t>CA-SCL</a:t>
-            </a:r>
-            <a:r>
-              <a:rPr lang="en-US" dirty="0"/>
-              <a:t>.</a:t>
-            </a:r>
-          </a:p>
           <a:p>
             <a:pPr marL="285750" indent="-285750">
               <a:buFont typeface="Arial" panose="020B0604020202020204" pitchFamily="34" charset="0"/>
@@ -27817,32 +32827,83 @@
             </a:pPr>
             <a:r>
               <a:rPr lang="en-US" dirty="0"/>
-              <a:t>It would be interesting to see latency values of </a:t>
-            </a:r>
-            <a:r>
-              <a:rPr lang="en-US" i="1" dirty="0"/>
-              <a:t>CA-SCL </a:t>
-            </a:r>
+              <a:t>Both encoding and decoding FEC chains are efficiently implemented through both algorithmic and software optimizations</a:t>
+            </a:r>
+          </a:p>
+          <a:p>
+            <a:pPr marL="285750" indent="-285750">
+              <a:buFont typeface="Arial" panose="020B0604020202020204" pitchFamily="34" charset="0"/>
+              <a:buChar char="•"/>
+            </a:pPr>
             <a:r>
               <a:rPr lang="en-US" dirty="0"/>
-              <a:t>which has expensive </a:t>
-            </a:r>
-            <a:r>
-              <a:rPr lang="en-US" i="1" dirty="0"/>
-              <a:t>sort</a:t>
+              <a:t>Optimized implementation exploits the features provided by modern </a:t>
+            </a:r>
+            <a:r>
+              <a:rPr lang="en-US" dirty="0" smtClean="0"/>
+              <a:t>processors. </a:t>
+            </a:r>
+            <a:r>
+              <a:rPr lang="en-US" dirty="0" smtClean="0"/>
+              <a:t>Namely</a:t>
+            </a:r>
+            <a:r>
+              <a:rPr lang="en-US" dirty="0" smtClean="0"/>
+              <a:t> </a:t>
             </a:r>
             <a:r>
               <a:rPr lang="en-US" dirty="0"/>
-              <a:t> and </a:t>
-            </a:r>
-            <a:r>
-              <a:rPr lang="en-US" i="1" dirty="0"/>
-              <a:t>copying</a:t>
-            </a:r>
+              <a:t>SIMD, Cache prefetching et cetera.</a:t>
+            </a:r>
+          </a:p>
+          <a:p>
+            <a:pPr marL="285750" indent="-285750">
+              <a:buFont typeface="Arial" panose="020B0604020202020204" pitchFamily="34" charset="0"/>
+              <a:buChar char="•"/>
+            </a:pPr>
+            <a:endParaRPr lang="en-US" dirty="0"/>
+          </a:p>
+          <a:p>
+            <a:pPr marL="285750" indent="-285750">
+              <a:buFont typeface="Arial" panose="020B0604020202020204" pitchFamily="34" charset="0"/>
+              <a:buChar char="•"/>
+            </a:pPr>
             <a:r>
               <a:rPr lang="en-US" dirty="0"/>
-              <a:t> operations.</a:t>
-            </a:r>
+              <a:t>This work achieved latency requirements encoding and decoding FEC chains of 5G through software implementation.</a:t>
+            </a:r>
+          </a:p>
+          <a:p>
+            <a:pPr marL="285750" indent="-285750">
+              <a:buFont typeface="Arial" panose="020B0604020202020204" pitchFamily="34" charset="0"/>
+              <a:buChar char="•"/>
+            </a:pPr>
+            <a:r>
+              <a:rPr lang="en-US" dirty="0"/>
+              <a:t>Efficient implementation and </a:t>
+            </a:r>
+            <a:r>
+              <a:rPr lang="en-US" dirty="0" smtClean="0"/>
+              <a:t>optimizations </a:t>
+            </a:r>
+            <a:r>
+              <a:rPr lang="en-US" dirty="0"/>
+              <a:t>reduced the latency by 10x.</a:t>
+            </a:r>
+          </a:p>
+          <a:p>
+            <a:pPr marL="285750" indent="-285750">
+              <a:buFont typeface="Arial" panose="020B0604020202020204" pitchFamily="34" charset="0"/>
+              <a:buChar char="•"/>
+            </a:pPr>
+            <a:endParaRPr lang="en-US" dirty="0"/>
+          </a:p>
+          <a:p>
+            <a:pPr marL="285750" indent="-285750">
+              <a:buFont typeface="Arial" panose="020B0604020202020204" pitchFamily="34" charset="0"/>
+              <a:buChar char="•"/>
+            </a:pPr>
+            <a:endParaRPr lang="en-US" dirty="0"/>
           </a:p>
           <a:p>
             <a:endParaRPr lang="en-US" dirty="0"/>
@@ -27883,7 +32944,12 @@
             <p:ph type="title"/>
           </p:nvPr>
         </p:nvSpPr>
-        <p:spPr/>
+        <p:spPr>
+          <a:xfrm>
+            <a:off x="319090" y="684368"/>
+            <a:ext cx="8508999" cy="410369"/>
+          </a:xfrm>
+        </p:spPr>
         <p:txBody>
           <a:bodyPr/>
           <a:lstStyle/>
@@ -27894,54 +32960,14 @@
                   <a:schemeClr val="bg2"/>
                 </a:solidFill>
               </a:rPr>
-              <a:t>Outlook</a:t>
+              <a:t>Conclusion</a:t>
             </a:r>
           </a:p>
         </p:txBody>
       </p:sp>
       <p:sp>
         <p:nvSpPr>
-          <p:cNvPr id="273" name="Footer Placeholder 36"/>
-          <p:cNvSpPr>
-            <a:spLocks noGrp="1"/>
-          </p:cNvSpPr>
-          <p:nvPr>
-            <p:ph type="ftr" sz="quarter" idx="12"/>
-          </p:nvPr>
-        </p:nvSpPr>
-        <p:spPr>
-          <a:xfrm>
-            <a:off x="319090" y="6570117"/>
-            <a:ext cx="7555973" cy="171516"/>
-          </a:xfrm>
-        </p:spPr>
-        <p:txBody>
-          <a:bodyPr/>
-          <a:lstStyle/>
-          <a:p>
-            <a:pPr marL="228600" indent="-228600">
-              <a:buFont typeface="+mj-lt"/>
-              <a:buAutoNum type="arabicPeriod"/>
-            </a:pPr>
-            <a:r>
-              <a:rPr lang="en-US" sz="800" dirty="0"/>
-              <a:t>I. Tal and A. Vardy, “List decoding of polar codes,” IEEE Transactions on </a:t>
-            </a:r>
-            <a:r>
-              <a:rPr lang="en-US" sz="800" dirty="0" smtClean="0"/>
-              <a:t>Information </a:t>
-            </a:r>
-            <a:r>
-              <a:rPr lang="en-US" sz="800" dirty="0"/>
-              <a:t>Theory, vol. 61, pp. 2213–2226, May 2015</a:t>
-            </a:r>
-            <a:endParaRPr lang="en-US" sz="800" dirty="0"/>
-          </a:p>
-        </p:txBody>
-      </p:sp>
-      <p:sp>
-        <p:nvSpPr>
-          <p:cNvPr id="422" name="RS_Classification_Standard"/>
+          <p:cNvPr id="507" name="RS_Classification_Standard"/>
           <p:cNvSpPr txBox="1"/>
           <p:nvPr/>
         </p:nvSpPr>
@@ -27980,7 +33006,7 @@
     </p:custDataLst>
     <p:extLst>
       <p:ext uri="{BB962C8B-B14F-4D97-AF65-F5344CB8AC3E}">
-        <p14:creationId xmlns:p14="http://schemas.microsoft.com/office/powerpoint/2010/main" val="4099116343"/>
+        <p14:creationId xmlns:p14="http://schemas.microsoft.com/office/powerpoint/2010/main" val="1356943978"/>
       </p:ext>
     </p:extLst>
   </p:cSld>
@@ -28016,6 +33042,141 @@
       </p:grpSpPr>
       <p:sp>
         <p:nvSpPr>
+          <p:cNvPr id="2" name="Content Placeholder 1"/>
+          <p:cNvSpPr>
+            <a:spLocks noGrp="1"/>
+          </p:cNvSpPr>
+          <p:nvPr>
+            <p:ph idx="1"/>
+          </p:nvPr>
+        </p:nvSpPr>
+        <p:spPr/>
+        <p:txBody>
+          <a:bodyPr/>
+          <a:lstStyle/>
+          <a:p>
+            <a:pPr marL="285750" indent="-285750">
+              <a:buFont typeface="Arial" panose="020B0604020202020204" pitchFamily="34" charset="0"/>
+              <a:buChar char="•"/>
+            </a:pPr>
+            <a:r>
+              <a:rPr lang="en-US" dirty="0"/>
+              <a:t>As part of this </a:t>
+            </a:r>
+            <a:r>
+              <a:rPr lang="en-US" dirty="0" smtClean="0"/>
+              <a:t>work, </a:t>
+            </a:r>
+            <a:r>
+              <a:rPr lang="en-US" dirty="0"/>
+              <a:t>another decoding algorithm, CRC aided Successive Cancellation List (</a:t>
+            </a:r>
+            <a:r>
+              <a:rPr lang="en-US" i="1" dirty="0"/>
+              <a:t>CA-SCL</a:t>
+            </a:r>
+            <a:r>
+              <a:rPr lang="en-US" dirty="0"/>
+              <a:t>) algorithm is also implemented. However it is not optimized.</a:t>
+            </a:r>
+          </a:p>
+          <a:p>
+            <a:pPr marL="285750" indent="-285750">
+              <a:buFont typeface="Arial" panose="020B0604020202020204" pitchFamily="34" charset="0"/>
+              <a:buChar char="•"/>
+            </a:pPr>
+            <a:r>
+              <a:rPr lang="en-US" i="1" dirty="0"/>
+              <a:t>CA-SCL </a:t>
+            </a:r>
+            <a:r>
+              <a:rPr lang="en-US" dirty="0"/>
+              <a:t>algorithm has approximately 1.5dB gain over </a:t>
+            </a:r>
+            <a:r>
+              <a:rPr lang="en-US" i="1" dirty="0"/>
+              <a:t>fast-SSC </a:t>
+            </a:r>
+            <a:r>
+              <a:rPr lang="en-US" dirty="0"/>
+              <a:t>algorithm for N = 2048 and list size of </a:t>
+            </a:r>
+            <a:r>
+              <a:rPr lang="en-US" dirty="0" smtClean="0"/>
+              <a:t>8 [1].</a:t>
+            </a:r>
+            <a:endParaRPr lang="en-US" i="1" dirty="0"/>
+          </a:p>
+          <a:p>
+            <a:pPr marL="285750" indent="-285750">
+              <a:buFont typeface="Arial" panose="020B0604020202020204" pitchFamily="34" charset="0"/>
+              <a:buChar char="•"/>
+            </a:pPr>
+            <a:r>
+              <a:rPr lang="en-US" dirty="0"/>
+              <a:t>Ideal continuation of this work would be to extend decoding FEC chain by incorporating </a:t>
+            </a:r>
+            <a:r>
+              <a:rPr lang="en-US" dirty="0" smtClean="0"/>
+              <a:t>optimized </a:t>
+            </a:r>
+            <a:r>
+              <a:rPr lang="en-US" i="1" dirty="0" smtClean="0"/>
+              <a:t>CA-SCL</a:t>
+            </a:r>
+            <a:r>
+              <a:rPr lang="en-US" dirty="0"/>
+              <a:t>.</a:t>
+            </a:r>
+          </a:p>
+          <a:p>
+            <a:pPr marL="285750" indent="-285750">
+              <a:buFont typeface="Arial" panose="020B0604020202020204" pitchFamily="34" charset="0"/>
+              <a:buChar char="•"/>
+            </a:pPr>
+            <a:endParaRPr lang="en-US" dirty="0"/>
+          </a:p>
+          <a:p>
+            <a:pPr marL="285750" indent="-285750">
+              <a:buFont typeface="Arial" panose="020B0604020202020204" pitchFamily="34" charset="0"/>
+              <a:buChar char="•"/>
+            </a:pPr>
+            <a:r>
+              <a:rPr lang="en-US" dirty="0"/>
+              <a:t>It would be interesting to see latency values of </a:t>
+            </a:r>
+            <a:r>
+              <a:rPr lang="en-US" i="1" dirty="0"/>
+              <a:t>CA-SCL </a:t>
+            </a:r>
+            <a:r>
+              <a:rPr lang="en-US" dirty="0"/>
+              <a:t>which has expensive </a:t>
+            </a:r>
+            <a:r>
+              <a:rPr lang="en-US" i="1" dirty="0"/>
+              <a:t>sort</a:t>
+            </a:r>
+            <a:r>
+              <a:rPr lang="en-US" dirty="0"/>
+              <a:t> and </a:t>
+            </a:r>
+            <a:r>
+              <a:rPr lang="en-US" i="1" dirty="0"/>
+              <a:t>copying</a:t>
+            </a:r>
+            <a:r>
+              <a:rPr lang="en-US" dirty="0"/>
+              <a:t> operations.</a:t>
+            </a:r>
+          </a:p>
+          <a:p>
+            <a:endParaRPr lang="en-US" dirty="0"/>
+          </a:p>
+        </p:txBody>
+      </p:sp>
+      <p:sp>
+        <p:nvSpPr>
           <p:cNvPr id="3" name="Slide Number Placeholder 2"/>
           <p:cNvSpPr>
             <a:spLocks noGrp="1"/>
@@ -28033,6 +33194,171 @@
               <a:rPr lang="de-DE" smtClean="0"/>
               <a:pPr/>
               <a:t>37</a:t>
+            </a:fld>
+            <a:endParaRPr lang="de-DE" dirty="0"/>
+          </a:p>
+        </p:txBody>
+      </p:sp>
+      <p:sp>
+        <p:nvSpPr>
+          <p:cNvPr id="4" name="Title 3"/>
+          <p:cNvSpPr>
+            <a:spLocks noGrp="1"/>
+          </p:cNvSpPr>
+          <p:nvPr>
+            <p:ph type="title"/>
+          </p:nvPr>
+        </p:nvSpPr>
+        <p:spPr/>
+        <p:txBody>
+          <a:bodyPr/>
+          <a:lstStyle/>
+          <a:p>
+            <a:r>
+              <a:rPr lang="en-US" dirty="0">
+                <a:solidFill>
+                  <a:schemeClr val="bg2"/>
+                </a:solidFill>
+              </a:rPr>
+              <a:t>Outlook</a:t>
+            </a:r>
+          </a:p>
+        </p:txBody>
+      </p:sp>
+      <p:sp>
+        <p:nvSpPr>
+          <p:cNvPr id="273" name="Footer Placeholder 36"/>
+          <p:cNvSpPr>
+            <a:spLocks noGrp="1"/>
+          </p:cNvSpPr>
+          <p:nvPr>
+            <p:ph type="ftr" sz="quarter" idx="12"/>
+          </p:nvPr>
+        </p:nvSpPr>
+        <p:spPr>
+          <a:xfrm>
+            <a:off x="319090" y="6570117"/>
+            <a:ext cx="7555973" cy="171516"/>
+          </a:xfrm>
+        </p:spPr>
+        <p:txBody>
+          <a:bodyPr/>
+          <a:lstStyle/>
+          <a:p>
+            <a:pPr marL="228600" indent="-228600">
+              <a:buFont typeface="+mj-lt"/>
+              <a:buAutoNum type="arabicPeriod"/>
+            </a:pPr>
+            <a:r>
+              <a:rPr lang="en-US" sz="800" dirty="0"/>
+              <a:t>I. Tal and A. Vardy, “List decoding of polar codes,” IEEE Transactions on </a:t>
+            </a:r>
+            <a:r>
+              <a:rPr lang="en-US" sz="800" dirty="0" smtClean="0"/>
+              <a:t>Information </a:t>
+            </a:r>
+            <a:r>
+              <a:rPr lang="en-US" sz="800" dirty="0"/>
+              <a:t>Theory, vol. 61, pp. 2213–2226, May 2015</a:t>
+            </a:r>
+            <a:endParaRPr lang="en-US" sz="800" dirty="0"/>
+          </a:p>
+        </p:txBody>
+      </p:sp>
+      <p:sp>
+        <p:nvSpPr>
+          <p:cNvPr id="476" name="RS_Classification_Standard"/>
+          <p:cNvSpPr txBox="1"/>
+          <p:nvPr/>
+        </p:nvSpPr>
+        <p:spPr>
+          <a:xfrm>
+            <a:off x="8990047" y="6187613"/>
+            <a:ext cx="153953" cy="251287"/>
+          </a:xfrm>
+          <a:prstGeom prst="rect">
+            <a:avLst/>
+          </a:prstGeom>
+          <a:solidFill>
+            <a:srgbClr val="FFFFFF">
+              <a:alpha val="0"/>
+            </a:srgbClr>
+          </a:solidFill>
+        </p:spPr>
+        <p:txBody>
+          <a:bodyPr vert="horz" wrap="none" lIns="76200" tIns="36830" rIns="76200" bIns="36830" rtlCol="0" anchor="ctr">
+            <a:spAutoFit/>
+          </a:bodyPr>
+          <a:lstStyle/>
+          <a:p>
+            <a:endParaRPr lang="en-US" sz="1100" b="1" kern="900" spc="100" dirty="0" err="1" smtClean="0">
+              <a:solidFill>
+                <a:srgbClr val="000000"/>
+              </a:solidFill>
+              <a:latin typeface="+mn-lt"/>
+            </a:endParaRPr>
+          </a:p>
+        </p:txBody>
+      </p:sp>
+    </p:spTree>
+    <p:custDataLst>
+      <p:tags r:id="rId1"/>
+    </p:custDataLst>
+    <p:extLst>
+      <p:ext uri="{BB962C8B-B14F-4D97-AF65-F5344CB8AC3E}">
+        <p14:creationId xmlns:p14="http://schemas.microsoft.com/office/powerpoint/2010/main" val="4099116343"/>
+      </p:ext>
+    </p:extLst>
+  </p:cSld>
+  <p:clrMapOvr>
+    <a:masterClrMapping/>
+  </p:clrMapOvr>
+  <p:timing>
+    <p:tnLst>
+      <p:par>
+        <p:cTn id="1" dur="indefinite" restart="never" nodeType="tmRoot"/>
+      </p:par>
+    </p:tnLst>
+  </p:timing>
+</p:sld>
+</file>
+
+<file path=ppt/slides/slide38.xml><?xml version="1.0" encoding="utf-8"?>
+<p:sld xmlns:a="http://schemas.openxmlformats.org/drawingml/2006/main" xmlns:r="http://schemas.openxmlformats.org/officeDocument/2006/relationships" xmlns:p="http://schemas.openxmlformats.org/presentationml/2006/main">
+  <p:cSld>
+    <p:spTree>
+      <p:nvGrpSpPr>
+        <p:cNvPr id="1" name=""/>
+        <p:cNvGrpSpPr/>
+        <p:nvPr/>
+      </p:nvGrpSpPr>
+      <p:grpSpPr>
+        <a:xfrm>
+          <a:off x="0" y="0"/>
+          <a:ext cx="0" cy="0"/>
+          <a:chOff x="0" y="0"/>
+          <a:chExt cx="0" cy="0"/>
+        </a:xfrm>
+      </p:grpSpPr>
+      <p:sp>
+        <p:nvSpPr>
+          <p:cNvPr id="3" name="Slide Number Placeholder 2"/>
+          <p:cNvSpPr>
+            <a:spLocks noGrp="1"/>
+          </p:cNvSpPr>
+          <p:nvPr>
+            <p:ph type="sldNum" sz="quarter" idx="11"/>
+          </p:nvPr>
+        </p:nvSpPr>
+        <p:spPr/>
+        <p:txBody>
+          <a:bodyPr/>
+          <a:lstStyle/>
+          <a:p>
+            <a:fld id="{CE58CB1E-F828-4F11-99E0-327109AF9DA4}" type="slidenum">
+              <a:rPr lang="de-DE" smtClean="0"/>
+              <a:pPr/>
+              <a:t>38</a:t>
             </a:fld>
             <a:endParaRPr lang="de-DE" dirty="0"/>
           </a:p>
@@ -28133,7 +33459,7 @@
       </p:sp>
       <p:sp>
         <p:nvSpPr>
-          <p:cNvPr id="454" name="RS_Classification_Standard"/>
+          <p:cNvPr id="508" name="RS_Classification_Standard"/>
           <p:cNvSpPr txBox="1"/>
           <p:nvPr/>
         </p:nvSpPr>
@@ -28329,12 +33655,20 @@
               <a:buChar char="•"/>
             </a:pPr>
             <a:r>
+              <a:rPr lang="en-IN" dirty="0" smtClean="0">
+                <a:solidFill>
+                  <a:srgbClr val="000000"/>
+                </a:solidFill>
+              </a:rPr>
+              <a:t>Basic idea is synthesizing either </a:t>
+            </a:r>
+            <a:r>
               <a:rPr lang="en-IN" dirty="0">
                 <a:solidFill>
                   <a:srgbClr val="000000"/>
                 </a:solidFill>
               </a:rPr>
-              <a:t>Encoding a involves polarizing channels to either completely noiseless or fully noisy channels.</a:t>
+              <a:t>completely noiseless or fully noisy channels.</a:t>
             </a:r>
           </a:p>
           <a:p>
@@ -28358,11 +33692,19 @@
                   <a:srgbClr val="000000"/>
                 </a:solidFill>
               </a:rPr>
-              <a:t>As N becomes large, fraction of reliable bit indices approach the capacity of the channel.</a:t>
-            </a:r>
-          </a:p>
-          <a:p>
-            <a:pPr lvl="0" eaLnBrk="1" fontAlgn="auto" hangingPunct="1">
+              <a:t>As N becomes large, fraction of reliable bit indices approach the capacity of the channel</a:t>
+            </a:r>
+            <a:r>
+              <a:rPr lang="en-IN" dirty="0" smtClean="0">
+                <a:solidFill>
+                  <a:srgbClr val="000000"/>
+                </a:solidFill>
+              </a:rPr>
+              <a:t>.</a:t>
+            </a:r>
+          </a:p>
+          <a:p>
+            <a:pPr marL="285750" indent="-285750" eaLnBrk="1" fontAlgn="auto" hangingPunct="1">
               <a:lnSpc>
                 <a:spcPct val="112000"/>
               </a:lnSpc>
@@ -28373,7 +33715,46 @@
                 <a:spcPts val="0"/>
               </a:spcAft>
               <a:buSzPct val="105000"/>
+              <a:buFont typeface="Arial" panose="020B0604020202020204" pitchFamily="34" charset="0"/>
+              <a:buChar char="•"/>
             </a:pPr>
+            <a:endParaRPr lang="en-IN" dirty="0">
+              <a:solidFill>
+                <a:srgbClr val="000000"/>
+              </a:solidFill>
+            </a:endParaRPr>
+          </a:p>
+          <a:p>
+            <a:pPr marL="285750" indent="-285750" eaLnBrk="1" fontAlgn="auto" hangingPunct="1">
+              <a:lnSpc>
+                <a:spcPct val="112000"/>
+              </a:lnSpc>
+              <a:spcBef>
+                <a:spcPts val="0"/>
+              </a:spcBef>
+              <a:spcAft>
+                <a:spcPts val="0"/>
+              </a:spcAft>
+              <a:buSzPct val="105000"/>
+              <a:buFont typeface="Arial" panose="020B0604020202020204" pitchFamily="34" charset="0"/>
+              <a:buChar char="•"/>
+            </a:pPr>
+            <a:r>
+              <a:rPr lang="en-IN" dirty="0" smtClean="0">
+                <a:solidFill>
+                  <a:srgbClr val="000000"/>
+                </a:solidFill>
+              </a:rPr>
+              <a:t>Information bits are transmitted </a:t>
+            </a:r>
+            <a:r>
+              <a:rPr lang="en-IN" dirty="0" smtClean="0">
+                <a:solidFill>
+                  <a:srgbClr val="000000"/>
+                </a:solidFill>
+              </a:rPr>
+              <a:t>with noiseless channels, in noisy channels zeros are transmitted.</a:t>
+            </a:r>
             <a:endParaRPr lang="en-IN" dirty="0">
               <a:solidFill>
                 <a:srgbClr val="000000"/>
@@ -28679,7 +34060,7 @@
       </p:sp>
       <p:sp>
         <p:nvSpPr>
-          <p:cNvPr id="424" name="RS_Classification_Standard"/>
+          <p:cNvPr id="478" name="RS_Classification_Standard"/>
           <p:cNvSpPr txBox="1"/>
           <p:nvPr/>
         </p:nvSpPr>
@@ -30095,7 +35476,7 @@
       </p:pic>
       <p:sp>
         <p:nvSpPr>
-          <p:cNvPr id="459" name="RS_Classification_Standard"/>
+          <p:cNvPr id="513" name="RS_Classification_Standard"/>
           <p:cNvSpPr txBox="1"/>
           <p:nvPr/>
         </p:nvSpPr>
@@ -30463,7 +35844,7 @@
       </p:sp>
       <p:sp>
         <p:nvSpPr>
-          <p:cNvPr id="454" name="RS_Classification_Standard"/>
+          <p:cNvPr id="508" name="RS_Classification_Standard"/>
           <p:cNvSpPr txBox="1"/>
           <p:nvPr/>
         </p:nvSpPr>
@@ -30674,7 +36055,7 @@
       </p:sp>
       <p:sp>
         <p:nvSpPr>
-          <p:cNvPr id="429" name="RS_Classification_Standard"/>
+          <p:cNvPr id="483" name="RS_Classification_Standard"/>
           <p:cNvSpPr txBox="1"/>
           <p:nvPr/>
         </p:nvSpPr>
@@ -30731,401 +36112,6 @@
 </file>
 
 <file path=ppt/slides/slide8.xml><?xml version="1.0" encoding="utf-8"?>
-<p:sld xmlns:a="http://schemas.openxmlformats.org/drawingml/2006/main" xmlns:r="http://schemas.openxmlformats.org/officeDocument/2006/relationships" xmlns:p="http://schemas.openxmlformats.org/presentationml/2006/main">
-  <p:cSld>
-    <p:spTree>
-      <p:nvGrpSpPr>
-        <p:cNvPr id="1" name=""/>
-        <p:cNvGrpSpPr/>
-        <p:nvPr/>
-      </p:nvGrpSpPr>
-      <p:grpSpPr>
-        <a:xfrm>
-          <a:off x="0" y="0"/>
-          <a:ext cx="0" cy="0"/>
-          <a:chOff x="0" y="0"/>
-          <a:chExt cx="0" cy="0"/>
-        </a:xfrm>
-      </p:grpSpPr>
-      <p:pic>
-        <p:nvPicPr>
-          <p:cNvPr id="125" name="Picture 124"/>
-          <p:cNvPicPr>
-            <a:picLocks noChangeAspect="1"/>
-          </p:cNvPicPr>
-          <p:nvPr/>
-        </p:nvPicPr>
-        <p:blipFill>
-          <a:blip r:embed="rId4">
-            <a:extLst>
-              <a:ext uri="{28A0092B-C50C-407E-A947-70E740481C1C}">
-                <a14:useLocalDpi xmlns:a14="http://schemas.microsoft.com/office/drawing/2010/main" val="0"/>
-              </a:ext>
-            </a:extLst>
-          </a:blip>
-          <a:stretch>
-            <a:fillRect/>
-          </a:stretch>
-        </p:blipFill>
-        <p:spPr>
-          <a:xfrm>
-            <a:off x="0" y="3694360"/>
-            <a:ext cx="9144000" cy="2778953"/>
-          </a:xfrm>
-          <a:prstGeom prst="rect">
-            <a:avLst/>
-          </a:prstGeom>
-        </p:spPr>
-      </p:pic>
-      <p:sp>
-        <p:nvSpPr>
-          <p:cNvPr id="3" name="Slide Number Placeholder 2"/>
-          <p:cNvSpPr>
-            <a:spLocks noGrp="1"/>
-          </p:cNvSpPr>
-          <p:nvPr>
-            <p:ph type="sldNum" sz="quarter" idx="11"/>
-          </p:nvPr>
-        </p:nvSpPr>
-        <p:spPr/>
-        <p:txBody>
-          <a:bodyPr/>
-          <a:lstStyle/>
-          <a:p>
-            <a:fld id="{CE58CB1E-F828-4F11-99E0-327109AF9DA4}" type="slidenum">
-              <a:rPr lang="de-DE" smtClean="0"/>
-              <a:pPr/>
-              <a:t>8</a:t>
-            </a:fld>
-            <a:endParaRPr lang="de-DE" dirty="0"/>
-          </a:p>
-        </p:txBody>
-      </p:sp>
-      <p:sp>
-        <p:nvSpPr>
-          <p:cNvPr id="4" name="Title 3"/>
-          <p:cNvSpPr>
-            <a:spLocks noGrp="1"/>
-          </p:cNvSpPr>
-          <p:nvPr>
-            <p:ph type="title"/>
-          </p:nvPr>
-        </p:nvSpPr>
-        <p:spPr>
-          <a:xfrm>
-            <a:off x="318009" y="670387"/>
-            <a:ext cx="8508999" cy="410369"/>
-          </a:xfrm>
-        </p:spPr>
-        <p:txBody>
-          <a:bodyPr/>
-          <a:lstStyle/>
-          <a:p>
-            <a:r>
-              <a:rPr lang="en-US" dirty="0">
-                <a:solidFill>
-                  <a:schemeClr val="bg2"/>
-                </a:solidFill>
-              </a:rPr>
-              <a:t>Fast-SSC algorithm</a:t>
-            </a:r>
-            <a:endParaRPr lang="en-US" dirty="0">
-              <a:solidFill>
-                <a:schemeClr val="bg2"/>
-              </a:solidFill>
-            </a:endParaRPr>
-          </a:p>
-        </p:txBody>
-      </p:sp>
-      <mc:AlternateContent xmlns:mc="http://schemas.openxmlformats.org/markup-compatibility/2006">
-        <mc:Choice xmlns:a14="http://schemas.microsoft.com/office/drawing/2010/main" Requires="a14">
-          <p:sp>
-            <p:nvSpPr>
-              <p:cNvPr id="112" name="Content Placeholder 111"/>
-              <p:cNvSpPr>
-                <a:spLocks noGrp="1"/>
-              </p:cNvSpPr>
-              <p:nvPr>
-                <p:ph idx="1"/>
-              </p:nvPr>
-            </p:nvSpPr>
-            <p:spPr>
-              <a:xfrm>
-                <a:off x="317500" y="1204249"/>
-                <a:ext cx="8508999" cy="4699572"/>
-              </a:xfrm>
-            </p:spPr>
-            <p:txBody>
-              <a:bodyPr/>
-              <a:lstStyle/>
-              <a:p>
-                <a:pPr marL="285750" indent="-285750">
-                  <a:buFont typeface="Arial" panose="020B0604020202020204" pitchFamily="34" charset="0"/>
-                  <a:buChar char="•"/>
-                </a:pPr>
-                <a:r>
-                  <a:rPr lang="en-US" dirty="0" smtClean="0"/>
-                  <a:t>Fast-SSC algorithm identifies special component codes from polar code which allow immediate decoding avoiding full tree traversal.</a:t>
-                </a:r>
-                <a:endParaRPr lang="en-US" dirty="0"/>
-              </a:p>
-              <a:p>
-                <a:pPr marL="285750" indent="-285750">
-                  <a:buFont typeface="Arial" panose="020B0604020202020204" pitchFamily="34" charset="0"/>
-                  <a:buChar char="•"/>
-                </a:pPr>
-                <a:r>
-                  <a:rPr lang="en-US" dirty="0"/>
-                  <a:t>Reduces number of CN and VN operations.</a:t>
-                </a:r>
-              </a:p>
-              <a:p>
-                <a:pPr marL="285750" indent="-285750">
-                  <a:buFont typeface="Arial" panose="020B0604020202020204" pitchFamily="34" charset="0"/>
-                  <a:buChar char="•"/>
-                </a:pPr>
-                <a:r>
-                  <a:rPr lang="en-US" dirty="0"/>
-                  <a:t>Parallelizes the decoding operation</a:t>
-                </a:r>
-                <a:r>
-                  <a:rPr lang="en-US" dirty="0" smtClean="0"/>
-                  <a:t>.</a:t>
-                </a:r>
-              </a:p>
-              <a:p>
-                <a:pPr marL="285750" indent="-285750">
-                  <a:buFont typeface="Arial" panose="020B0604020202020204" pitchFamily="34" charset="0"/>
-                  <a:buChar char="•"/>
-                </a:pPr>
-                <a:endParaRPr lang="en-US" dirty="0"/>
-              </a:p>
-              <a:p>
-                <a:pPr marL="285750" indent="-285750">
-                  <a:buFont typeface="Arial" panose="020B0604020202020204" pitchFamily="34" charset="0"/>
-                  <a:buChar char="•"/>
-                </a:pPr>
-                <a:r>
-                  <a:rPr lang="en-US" dirty="0" smtClean="0"/>
-                  <a:t>Example </a:t>
-                </a:r>
-                <a14:m>
-                  <m:oMath xmlns:m="http://schemas.openxmlformats.org/officeDocument/2006/math">
-                    <m:r>
-                      <a:rPr lang="en-US" i="1" dirty="0" smtClean="0">
-                        <a:latin typeface="Cambria Math" panose="02040503050406030204" pitchFamily="18" charset="0"/>
-                      </a:rPr>
-                      <m:t>𝑓𝑟𝑜𝑧𝑒𝑛</m:t>
-                    </m:r>
-                    <m:r>
-                      <a:rPr lang="en-US" b="0" i="1" dirty="0" smtClean="0">
-                        <a:latin typeface="Cambria Math" panose="02040503050406030204" pitchFamily="18" charset="0"/>
-                      </a:rPr>
-                      <m:t>_</m:t>
-                    </m:r>
-                    <m:r>
-                      <a:rPr lang="en-US" i="1" dirty="0" smtClean="0">
-                        <a:latin typeface="Cambria Math" panose="02040503050406030204" pitchFamily="18" charset="0"/>
-                      </a:rPr>
-                      <m:t>𝑝𝑎𝑡𝑡𝑒𝑟𝑛</m:t>
-                    </m:r>
-                    <m:r>
-                      <a:rPr lang="en-US" i="1" dirty="0" smtClean="0">
-                        <a:latin typeface="Cambria Math" panose="02040503050406030204" pitchFamily="18" charset="0"/>
-                      </a:rPr>
-                      <m:t> =  {1,1,1,0,0,1,0,0}</m:t>
-                    </m:r>
-                  </m:oMath>
-                </a14:m>
-                <a:endParaRPr lang="en-US" dirty="0"/>
-              </a:p>
-              <a:p>
-                <a:endParaRPr lang="en-US" dirty="0"/>
-              </a:p>
-            </p:txBody>
-          </p:sp>
-        </mc:Choice>
-        <mc:Fallback>
-          <p:sp>
-            <p:nvSpPr>
-              <p:cNvPr id="112" name="Content Placeholder 111"/>
-              <p:cNvSpPr>
-                <a:spLocks noGrp="1" noRot="1" noChangeAspect="1" noMove="1" noResize="1" noEditPoints="1" noAdjustHandles="1" noChangeArrowheads="1" noChangeShapeType="1" noTextEdit="1"/>
-              </p:cNvSpPr>
-              <p:nvPr>
-                <p:ph idx="1"/>
-              </p:nvPr>
-            </p:nvSpPr>
-            <p:spPr>
-              <a:xfrm>
-                <a:off x="317500" y="1204249"/>
-                <a:ext cx="8508999" cy="4699572"/>
-              </a:xfrm>
-              <a:blipFill>
-                <a:blip r:embed="rId5"/>
-                <a:stretch>
-                  <a:fillRect l="-1361" t="-1169"/>
-                </a:stretch>
-              </a:blipFill>
-            </p:spPr>
-            <p:txBody>
-              <a:bodyPr/>
-              <a:lstStyle/>
-              <a:p>
-                <a:r>
-                  <a:rPr lang="en-US">
-                    <a:noFill/>
-                  </a:rPr>
-                  <a:t> </a:t>
-                </a:r>
-              </a:p>
-            </p:txBody>
-          </p:sp>
-        </mc:Fallback>
-      </mc:AlternateContent>
-      <p:sp>
-        <p:nvSpPr>
-          <p:cNvPr id="160" name="TextBox 159"/>
-          <p:cNvSpPr txBox="1"/>
-          <p:nvPr/>
-        </p:nvSpPr>
-        <p:spPr>
-          <a:xfrm>
-            <a:off x="860156" y="3375364"/>
-            <a:ext cx="3169404" cy="257250"/>
-          </a:xfrm>
-          <a:prstGeom prst="rect">
-            <a:avLst/>
-          </a:prstGeom>
-          <a:noFill/>
-        </p:spPr>
-        <p:txBody>
-          <a:bodyPr wrap="square" lIns="0" tIns="0" rIns="0" bIns="0" rtlCol="0">
-            <a:spAutoFit/>
-          </a:bodyPr>
-          <a:lstStyle/>
-          <a:p>
-            <a:pPr algn="ctr">
-              <a:lnSpc>
-                <a:spcPct val="114000"/>
-              </a:lnSpc>
-            </a:pPr>
-            <a:r>
-              <a:rPr lang="en-US" sz="1600" dirty="0" smtClean="0">
-                <a:latin typeface="+mn-lt"/>
-              </a:rPr>
-              <a:t>Origina</a:t>
-            </a:r>
-            <a:r>
-              <a:rPr lang="en-US" sz="1600" dirty="0" smtClean="0">
-                <a:latin typeface="+mn-lt"/>
-              </a:rPr>
-              <a:t>l decoder tree</a:t>
-            </a:r>
-            <a:endParaRPr lang="en-US" sz="1600" dirty="0" smtClean="0">
-              <a:latin typeface="+mn-lt"/>
-            </a:endParaRPr>
-          </a:p>
-        </p:txBody>
-      </p:sp>
-      <p:sp>
-        <p:nvSpPr>
-          <p:cNvPr id="162" name="TextBox 161"/>
-          <p:cNvSpPr txBox="1"/>
-          <p:nvPr/>
-        </p:nvSpPr>
-        <p:spPr>
-          <a:xfrm>
-            <a:off x="5916586" y="3375364"/>
-            <a:ext cx="2045776" cy="257250"/>
-          </a:xfrm>
-          <a:prstGeom prst="rect">
-            <a:avLst/>
-          </a:prstGeom>
-          <a:noFill/>
-        </p:spPr>
-        <p:txBody>
-          <a:bodyPr wrap="square" lIns="0" tIns="0" rIns="0" bIns="0" rtlCol="0">
-            <a:spAutoFit/>
-          </a:bodyPr>
-          <a:lstStyle/>
-          <a:p>
-            <a:pPr algn="ctr">
-              <a:lnSpc>
-                <a:spcPct val="114000"/>
-              </a:lnSpc>
-            </a:pPr>
-            <a:r>
-              <a:rPr lang="en-US" sz="1600" dirty="0" smtClean="0">
-                <a:latin typeface="+mn-lt"/>
-              </a:rPr>
-              <a:t>Reduced tree</a:t>
-            </a:r>
-            <a:endParaRPr lang="en-US" sz="1600" dirty="0" smtClean="0">
-              <a:latin typeface="+mn-lt"/>
-            </a:endParaRPr>
-          </a:p>
-        </p:txBody>
-      </p:sp>
-      <p:sp>
-        <p:nvSpPr>
-          <p:cNvPr id="431" name="RS_Classification_Standard"/>
-          <p:cNvSpPr txBox="1"/>
-          <p:nvPr/>
-        </p:nvSpPr>
-        <p:spPr>
-          <a:xfrm>
-            <a:off x="8990047" y="6187613"/>
-            <a:ext cx="153953" cy="251287"/>
-          </a:xfrm>
-          <a:prstGeom prst="rect">
-            <a:avLst/>
-          </a:prstGeom>
-          <a:solidFill>
-            <a:srgbClr val="FFFFFF">
-              <a:alpha val="0"/>
-            </a:srgbClr>
-          </a:solidFill>
-        </p:spPr>
-        <p:txBody>
-          <a:bodyPr vert="horz" wrap="none" lIns="76200" tIns="36830" rIns="76200" bIns="36830" rtlCol="0" anchor="ctr">
-            <a:spAutoFit/>
-          </a:bodyPr>
-          <a:lstStyle/>
-          <a:p>
-            <a:endParaRPr lang="en-US" sz="1100" b="1" kern="900" spc="100" dirty="0" err="1" smtClean="0">
-              <a:solidFill>
-                <a:srgbClr val="000000"/>
-              </a:solidFill>
-              <a:latin typeface="+mn-lt"/>
-            </a:endParaRPr>
-          </a:p>
-        </p:txBody>
-      </p:sp>
-    </p:spTree>
-    <p:custDataLst>
-      <p:tags r:id="rId1"/>
-    </p:custDataLst>
-    <p:extLst>
-      <p:ext uri="{BB962C8B-B14F-4D97-AF65-F5344CB8AC3E}">
-        <p14:creationId xmlns:p14="http://schemas.microsoft.com/office/powerpoint/2010/main" val="1241743884"/>
-      </p:ext>
-    </p:extLst>
-  </p:cSld>
-  <p:clrMapOvr>
-    <a:masterClrMapping/>
-  </p:clrMapOvr>
-  <p:timing>
-    <p:tnLst>
-      <p:par>
-        <p:cTn id="1" dur="indefinite" restart="never" nodeType="tmRoot"/>
-      </p:par>
-    </p:tnLst>
-  </p:timing>
-</p:sld>
-</file>
-
-<file path=ppt/slides/slide9.xml><?xml version="1.0" encoding="utf-8"?>
 <p:sld xmlns:a="http://schemas.openxmlformats.org/drawingml/2006/main" xmlns:r="http://schemas.openxmlformats.org/officeDocument/2006/relationships" xmlns:p="http://schemas.openxmlformats.org/presentationml/2006/main">
   <p:cSld>
     <p:spTree>
@@ -31878,7 +36864,7 @@
                     </m:r>
                   </m:oMath>
                 </a14:m>
-                <a:endParaRPr lang="en-US" dirty="0">
+                <a:endParaRPr lang="en-US" dirty="0" smtClean="0">
                   <a:solidFill>
                     <a:prstClr val="black"/>
                   </a:solidFill>
@@ -32976,7 +37962,7 @@
             <a:fld id="{CE58CB1E-F828-4F11-99E0-327109AF9DA4}" type="slidenum">
               <a:rPr lang="de-DE" smtClean="0"/>
               <a:pPr/>
-              <a:t>9</a:t>
+              <a:t>8</a:t>
             </a:fld>
             <a:endParaRPr lang="de-DE" dirty="0"/>
           </a:p>
@@ -33145,7 +38131,7 @@
       </p:sp>
       <p:sp>
         <p:nvSpPr>
-          <p:cNvPr id="282" name="RS_Classification_Standard"/>
+          <p:cNvPr id="336" name="RS_Classification_Standard"/>
           <p:cNvSpPr txBox="1"/>
           <p:nvPr/>
         </p:nvSpPr>
@@ -33185,6 +38171,401 @@
     <p:extLst>
       <p:ext uri="{BB962C8B-B14F-4D97-AF65-F5344CB8AC3E}">
         <p14:creationId xmlns:p14="http://schemas.microsoft.com/office/powerpoint/2010/main" val="3820649867"/>
+      </p:ext>
+    </p:extLst>
+  </p:cSld>
+  <p:clrMapOvr>
+    <a:masterClrMapping/>
+  </p:clrMapOvr>
+  <p:timing>
+    <p:tnLst>
+      <p:par>
+        <p:cTn id="1" dur="indefinite" restart="never" nodeType="tmRoot"/>
+      </p:par>
+    </p:tnLst>
+  </p:timing>
+</p:sld>
+</file>
+
+<file path=ppt/slides/slide9.xml><?xml version="1.0" encoding="utf-8"?>
+<p:sld xmlns:a="http://schemas.openxmlformats.org/drawingml/2006/main" xmlns:r="http://schemas.openxmlformats.org/officeDocument/2006/relationships" xmlns:p="http://schemas.openxmlformats.org/presentationml/2006/main">
+  <p:cSld>
+    <p:spTree>
+      <p:nvGrpSpPr>
+        <p:cNvPr id="1" name=""/>
+        <p:cNvGrpSpPr/>
+        <p:nvPr/>
+      </p:nvGrpSpPr>
+      <p:grpSpPr>
+        <a:xfrm>
+          <a:off x="0" y="0"/>
+          <a:ext cx="0" cy="0"/>
+          <a:chOff x="0" y="0"/>
+          <a:chExt cx="0" cy="0"/>
+        </a:xfrm>
+      </p:grpSpPr>
+      <p:pic>
+        <p:nvPicPr>
+          <p:cNvPr id="125" name="Picture 124"/>
+          <p:cNvPicPr>
+            <a:picLocks noChangeAspect="1"/>
+          </p:cNvPicPr>
+          <p:nvPr/>
+        </p:nvPicPr>
+        <p:blipFill>
+          <a:blip r:embed="rId4">
+            <a:extLst>
+              <a:ext uri="{28A0092B-C50C-407E-A947-70E740481C1C}">
+                <a14:useLocalDpi xmlns:a14="http://schemas.microsoft.com/office/drawing/2010/main" val="0"/>
+              </a:ext>
+            </a:extLst>
+          </a:blip>
+          <a:stretch>
+            <a:fillRect/>
+          </a:stretch>
+        </p:blipFill>
+        <p:spPr>
+          <a:xfrm>
+            <a:off x="0" y="3694360"/>
+            <a:ext cx="9144000" cy="2778953"/>
+          </a:xfrm>
+          <a:prstGeom prst="rect">
+            <a:avLst/>
+          </a:prstGeom>
+        </p:spPr>
+      </p:pic>
+      <p:sp>
+        <p:nvSpPr>
+          <p:cNvPr id="3" name="Slide Number Placeholder 2"/>
+          <p:cNvSpPr>
+            <a:spLocks noGrp="1"/>
+          </p:cNvSpPr>
+          <p:nvPr>
+            <p:ph type="sldNum" sz="quarter" idx="11"/>
+          </p:nvPr>
+        </p:nvSpPr>
+        <p:spPr/>
+        <p:txBody>
+          <a:bodyPr/>
+          <a:lstStyle/>
+          <a:p>
+            <a:fld id="{CE58CB1E-F828-4F11-99E0-327109AF9DA4}" type="slidenum">
+              <a:rPr lang="de-DE" smtClean="0"/>
+              <a:pPr/>
+              <a:t>9</a:t>
+            </a:fld>
+            <a:endParaRPr lang="de-DE" dirty="0"/>
+          </a:p>
+        </p:txBody>
+      </p:sp>
+      <p:sp>
+        <p:nvSpPr>
+          <p:cNvPr id="4" name="Title 3"/>
+          <p:cNvSpPr>
+            <a:spLocks noGrp="1"/>
+          </p:cNvSpPr>
+          <p:nvPr>
+            <p:ph type="title"/>
+          </p:nvPr>
+        </p:nvSpPr>
+        <p:spPr>
+          <a:xfrm>
+            <a:off x="318009" y="670387"/>
+            <a:ext cx="8508999" cy="410369"/>
+          </a:xfrm>
+        </p:spPr>
+        <p:txBody>
+          <a:bodyPr/>
+          <a:lstStyle/>
+          <a:p>
+            <a:r>
+              <a:rPr lang="en-US" dirty="0">
+                <a:solidFill>
+                  <a:schemeClr val="bg2"/>
+                </a:solidFill>
+              </a:rPr>
+              <a:t>Fast-SSC algorithm</a:t>
+            </a:r>
+            <a:endParaRPr lang="en-US" dirty="0">
+              <a:solidFill>
+                <a:schemeClr val="bg2"/>
+              </a:solidFill>
+            </a:endParaRPr>
+          </a:p>
+        </p:txBody>
+      </p:sp>
+      <mc:AlternateContent xmlns:mc="http://schemas.openxmlformats.org/markup-compatibility/2006">
+        <mc:Choice xmlns:a14="http://schemas.microsoft.com/office/drawing/2010/main" Requires="a14">
+          <p:sp>
+            <p:nvSpPr>
+              <p:cNvPr id="112" name="Content Placeholder 111"/>
+              <p:cNvSpPr>
+                <a:spLocks noGrp="1"/>
+              </p:cNvSpPr>
+              <p:nvPr>
+                <p:ph idx="1"/>
+              </p:nvPr>
+            </p:nvSpPr>
+            <p:spPr>
+              <a:xfrm>
+                <a:off x="317500" y="1204249"/>
+                <a:ext cx="8508999" cy="4699572"/>
+              </a:xfrm>
+            </p:spPr>
+            <p:txBody>
+              <a:bodyPr/>
+              <a:lstStyle/>
+              <a:p>
+                <a:pPr marL="285750" indent="-285750">
+                  <a:buFont typeface="Arial" panose="020B0604020202020204" pitchFamily="34" charset="0"/>
+                  <a:buChar char="•"/>
+                </a:pPr>
+                <a:r>
+                  <a:rPr lang="en-US" dirty="0" smtClean="0"/>
+                  <a:t>Fast-SSC algorithm identifies special component codes from polar code which allow immediate decoding avoiding full tree traversal.</a:t>
+                </a:r>
+                <a:endParaRPr lang="en-US" dirty="0"/>
+              </a:p>
+              <a:p>
+                <a:pPr marL="285750" indent="-285750">
+                  <a:buFont typeface="Arial" panose="020B0604020202020204" pitchFamily="34" charset="0"/>
+                  <a:buChar char="•"/>
+                </a:pPr>
+                <a:r>
+                  <a:rPr lang="en-US" dirty="0"/>
+                  <a:t>Reduces number of CN and VN operations.</a:t>
+                </a:r>
+              </a:p>
+              <a:p>
+                <a:pPr marL="285750" indent="-285750">
+                  <a:buFont typeface="Arial" panose="020B0604020202020204" pitchFamily="34" charset="0"/>
+                  <a:buChar char="•"/>
+                </a:pPr>
+                <a:r>
+                  <a:rPr lang="en-US" dirty="0"/>
+                  <a:t>Parallelizes the decoding operation</a:t>
+                </a:r>
+                <a:r>
+                  <a:rPr lang="en-US" dirty="0" smtClean="0"/>
+                  <a:t>.</a:t>
+                </a:r>
+              </a:p>
+              <a:p>
+                <a:pPr marL="285750" indent="-285750">
+                  <a:buFont typeface="Arial" panose="020B0604020202020204" pitchFamily="34" charset="0"/>
+                  <a:buChar char="•"/>
+                </a:pPr>
+                <a:endParaRPr lang="en-US" dirty="0"/>
+              </a:p>
+              <a:p>
+                <a:pPr marL="285750" indent="-285750">
+                  <a:buFont typeface="Arial" panose="020B0604020202020204" pitchFamily="34" charset="0"/>
+                  <a:buChar char="•"/>
+                </a:pPr>
+                <a:r>
+                  <a:rPr lang="en-US" dirty="0" smtClean="0"/>
+                  <a:t>Example </a:t>
+                </a:r>
+                <a14:m>
+                  <m:oMath xmlns:m="http://schemas.openxmlformats.org/officeDocument/2006/math">
+                    <m:r>
+                      <a:rPr lang="en-US" i="1" dirty="0" smtClean="0">
+                        <a:latin typeface="Cambria Math" panose="02040503050406030204" pitchFamily="18" charset="0"/>
+                      </a:rPr>
+                      <m:t>𝑓𝑟𝑜𝑧𝑒𝑛</m:t>
+                    </m:r>
+                    <m:r>
+                      <a:rPr lang="en-US" b="0" i="1" dirty="0" smtClean="0">
+                        <a:latin typeface="Cambria Math" panose="02040503050406030204" pitchFamily="18" charset="0"/>
+                      </a:rPr>
+                      <m:t>_</m:t>
+                    </m:r>
+                    <m:r>
+                      <a:rPr lang="en-US" i="1" dirty="0" smtClean="0">
+                        <a:latin typeface="Cambria Math" panose="02040503050406030204" pitchFamily="18" charset="0"/>
+                      </a:rPr>
+                      <m:t>𝑝𝑎𝑡𝑡𝑒𝑟𝑛</m:t>
+                    </m:r>
+                    <m:r>
+                      <a:rPr lang="en-US" i="1" dirty="0" smtClean="0">
+                        <a:latin typeface="Cambria Math" panose="02040503050406030204" pitchFamily="18" charset="0"/>
+                      </a:rPr>
+                      <m:t> =  {1,1,1,0,0,1,0,0}</m:t>
+                    </m:r>
+                  </m:oMath>
+                </a14:m>
+                <a:endParaRPr lang="en-US" dirty="0"/>
+              </a:p>
+              <a:p>
+                <a:endParaRPr lang="en-US" dirty="0"/>
+              </a:p>
+            </p:txBody>
+          </p:sp>
+        </mc:Choice>
+        <mc:Fallback>
+          <p:sp>
+            <p:nvSpPr>
+              <p:cNvPr id="112" name="Content Placeholder 111"/>
+              <p:cNvSpPr>
+                <a:spLocks noGrp="1" noRot="1" noChangeAspect="1" noMove="1" noResize="1" noEditPoints="1" noAdjustHandles="1" noChangeArrowheads="1" noChangeShapeType="1" noTextEdit="1"/>
+              </p:cNvSpPr>
+              <p:nvPr>
+                <p:ph idx="1"/>
+              </p:nvPr>
+            </p:nvSpPr>
+            <p:spPr>
+              <a:xfrm>
+                <a:off x="317500" y="1204249"/>
+                <a:ext cx="8508999" cy="4699572"/>
+              </a:xfrm>
+              <a:blipFill>
+                <a:blip r:embed="rId5"/>
+                <a:stretch>
+                  <a:fillRect l="-1361" t="-1169"/>
+                </a:stretch>
+              </a:blipFill>
+            </p:spPr>
+            <p:txBody>
+              <a:bodyPr/>
+              <a:lstStyle/>
+              <a:p>
+                <a:r>
+                  <a:rPr lang="en-US">
+                    <a:noFill/>
+                  </a:rPr>
+                  <a:t> </a:t>
+                </a:r>
+              </a:p>
+            </p:txBody>
+          </p:sp>
+        </mc:Fallback>
+      </mc:AlternateContent>
+      <p:sp>
+        <p:nvSpPr>
+          <p:cNvPr id="160" name="TextBox 159"/>
+          <p:cNvSpPr txBox="1"/>
+          <p:nvPr/>
+        </p:nvSpPr>
+        <p:spPr>
+          <a:xfrm>
+            <a:off x="860156" y="3375364"/>
+            <a:ext cx="3169404" cy="257250"/>
+          </a:xfrm>
+          <a:prstGeom prst="rect">
+            <a:avLst/>
+          </a:prstGeom>
+          <a:noFill/>
+        </p:spPr>
+        <p:txBody>
+          <a:bodyPr wrap="square" lIns="0" tIns="0" rIns="0" bIns="0" rtlCol="0">
+            <a:spAutoFit/>
+          </a:bodyPr>
+          <a:lstStyle/>
+          <a:p>
+            <a:pPr algn="ctr">
+              <a:lnSpc>
+                <a:spcPct val="114000"/>
+              </a:lnSpc>
+            </a:pPr>
+            <a:r>
+              <a:rPr lang="en-US" sz="1600" dirty="0" smtClean="0">
+                <a:latin typeface="+mn-lt"/>
+              </a:rPr>
+              <a:t>Origina</a:t>
+            </a:r>
+            <a:r>
+              <a:rPr lang="en-US" sz="1600" dirty="0" smtClean="0">
+                <a:latin typeface="+mn-lt"/>
+              </a:rPr>
+              <a:t>l decoder tree</a:t>
+            </a:r>
+            <a:endParaRPr lang="en-US" sz="1600" dirty="0" smtClean="0">
+              <a:latin typeface="+mn-lt"/>
+            </a:endParaRPr>
+          </a:p>
+        </p:txBody>
+      </p:sp>
+      <p:sp>
+        <p:nvSpPr>
+          <p:cNvPr id="162" name="TextBox 161"/>
+          <p:cNvSpPr txBox="1"/>
+          <p:nvPr/>
+        </p:nvSpPr>
+        <p:spPr>
+          <a:xfrm>
+            <a:off x="5916586" y="3375364"/>
+            <a:ext cx="2045776" cy="257250"/>
+          </a:xfrm>
+          <a:prstGeom prst="rect">
+            <a:avLst/>
+          </a:prstGeom>
+          <a:noFill/>
+        </p:spPr>
+        <p:txBody>
+          <a:bodyPr wrap="square" lIns="0" tIns="0" rIns="0" bIns="0" rtlCol="0">
+            <a:spAutoFit/>
+          </a:bodyPr>
+          <a:lstStyle/>
+          <a:p>
+            <a:pPr algn="ctr">
+              <a:lnSpc>
+                <a:spcPct val="114000"/>
+              </a:lnSpc>
+            </a:pPr>
+            <a:r>
+              <a:rPr lang="en-US" sz="1600" dirty="0" smtClean="0">
+                <a:latin typeface="+mn-lt"/>
+              </a:rPr>
+              <a:t>Reduced tree</a:t>
+            </a:r>
+            <a:endParaRPr lang="en-US" sz="1600" dirty="0" smtClean="0">
+              <a:latin typeface="+mn-lt"/>
+            </a:endParaRPr>
+          </a:p>
+        </p:txBody>
+      </p:sp>
+      <p:sp>
+        <p:nvSpPr>
+          <p:cNvPr id="485" name="RS_Classification_Standard"/>
+          <p:cNvSpPr txBox="1"/>
+          <p:nvPr/>
+        </p:nvSpPr>
+        <p:spPr>
+          <a:xfrm>
+            <a:off x="8990047" y="6187613"/>
+            <a:ext cx="153953" cy="251287"/>
+          </a:xfrm>
+          <a:prstGeom prst="rect">
+            <a:avLst/>
+          </a:prstGeom>
+          <a:solidFill>
+            <a:srgbClr val="FFFFFF">
+              <a:alpha val="0"/>
+            </a:srgbClr>
+          </a:solidFill>
+        </p:spPr>
+        <p:txBody>
+          <a:bodyPr vert="horz" wrap="none" lIns="76200" tIns="36830" rIns="76200" bIns="36830" rtlCol="0" anchor="ctr">
+            <a:spAutoFit/>
+          </a:bodyPr>
+          <a:lstStyle/>
+          <a:p>
+            <a:endParaRPr lang="en-US" sz="1100" b="1" kern="900" spc="100" dirty="0" err="1" smtClean="0">
+              <a:solidFill>
+                <a:srgbClr val="000000"/>
+              </a:solidFill>
+              <a:latin typeface="+mn-lt"/>
+            </a:endParaRPr>
+          </a:p>
+        </p:txBody>
+      </p:sp>
+    </p:spTree>
+    <p:custDataLst>
+      <p:tags r:id="rId1"/>
+    </p:custDataLst>
+    <p:extLst>
+      <p:ext uri="{BB962C8B-B14F-4D97-AF65-F5344CB8AC3E}">
+        <p14:creationId xmlns:p14="http://schemas.microsoft.com/office/powerpoint/2010/main" val="1241743884"/>
       </p:ext>
     </p:extLst>
   </p:cSld>
@@ -33418,6 +38799,13 @@
 </file>
 
 <file path=ppt/tags/tag38.xml><?xml version="1.0" encoding="utf-8"?>
+<p:tagLst xmlns:a="http://schemas.openxmlformats.org/drawingml/2006/main" xmlns:r="http://schemas.openxmlformats.org/officeDocument/2006/relationships" xmlns:p="http://schemas.openxmlformats.org/presentationml/2006/main">
+  <p:tag name="RS_CLASSIFICATIONID" val="0"/>
+  <p:tag name="RS_CLASSIFICATION" val="UNRESTRICTED"/>
+</p:tagLst>
+</file>
+
+<file path=ppt/tags/tag39.xml><?xml version="1.0" encoding="utf-8"?>
 <p:tagLst xmlns:a="http://schemas.openxmlformats.org/drawingml/2006/main" xmlns:r="http://schemas.openxmlformats.org/officeDocument/2006/relationships" xmlns:p="http://schemas.openxmlformats.org/presentationml/2006/main">
   <p:tag name="RS_CLASSIFICATIONID" val="0"/>
   <p:tag name="RS_CLASSIFICATION" val="UNRESTRICTED"/>
